--- a/Slides/Module 3 - Creating an interface.pptx
+++ b/Slides/Module 3 - Creating an interface.pptx
@@ -5,10 +5,10 @@
     <p:sldMasterId id="2147483660" r:id="rId4"/>
   </p:sldMasterIdLst>
   <p:notesMasterIdLst>
-    <p:notesMasterId r:id="rId18"/>
+    <p:notesMasterId r:id="rId38"/>
   </p:notesMasterIdLst>
   <p:handoutMasterIdLst>
-    <p:handoutMasterId r:id="rId19"/>
+    <p:handoutMasterId r:id="rId39"/>
   </p:handoutMasterIdLst>
   <p:sldIdLst>
     <p:sldId id="277" r:id="rId5"/>
@@ -23,7 +23,27 @@
     <p:sldId id="286" r:id="rId14"/>
     <p:sldId id="287" r:id="rId15"/>
     <p:sldId id="288" r:id="rId16"/>
-    <p:sldId id="269" r:id="rId17"/>
+    <p:sldId id="289" r:id="rId17"/>
+    <p:sldId id="290" r:id="rId18"/>
+    <p:sldId id="291" r:id="rId19"/>
+    <p:sldId id="292" r:id="rId20"/>
+    <p:sldId id="295" r:id="rId21"/>
+    <p:sldId id="293" r:id="rId22"/>
+    <p:sldId id="294" r:id="rId23"/>
+    <p:sldId id="296" r:id="rId24"/>
+    <p:sldId id="298" r:id="rId25"/>
+    <p:sldId id="297" r:id="rId26"/>
+    <p:sldId id="299" r:id="rId27"/>
+    <p:sldId id="300" r:id="rId28"/>
+    <p:sldId id="301" r:id="rId29"/>
+    <p:sldId id="302" r:id="rId30"/>
+    <p:sldId id="303" r:id="rId31"/>
+    <p:sldId id="304" r:id="rId32"/>
+    <p:sldId id="305" r:id="rId33"/>
+    <p:sldId id="306" r:id="rId34"/>
+    <p:sldId id="307" r:id="rId35"/>
+    <p:sldId id="308" r:id="rId36"/>
+    <p:sldId id="269" r:id="rId37"/>
   </p:sldIdLst>
   <p:sldSz cx="12192000" cy="6858000"/>
   <p:notesSz cx="6858000" cy="9144000"/>
@@ -215,7 +235,7 @@
           <a:p>
             <a:fld id="{312E7B4A-039C-48A2-9B2C-AF16AA3873D8}" type="datetimeFigureOut">
               <a:rPr lang="en-US" smtClean="0"/>
-              <a:t>11/17/2014</a:t>
+              <a:t>11/18/2014</a:t>
             </a:fld>
             <a:endParaRPr lang="en-US"/>
           </a:p>
@@ -380,7 +400,7 @@
           <a:p>
             <a:fld id="{DA005A0C-54D9-45AA-87D4-C551D08DFCE1}" type="datetimeFigureOut">
               <a:rPr lang="en-US" smtClean="0"/>
-              <a:t>11/17/2014</a:t>
+              <a:t>11/18/2014</a:t>
             </a:fld>
             <a:endParaRPr lang="en-US"/>
           </a:p>
@@ -3838,8 +3858,25 @@
           <a:lstStyle/>
           <a:p>
             <a:r>
-              <a:rPr lang="en-US" dirty="0" smtClean="0"/>
-              <a:t>Microsoft Virtual Academy</a:t>
+              <a:rPr lang="en-US" dirty="0"/>
+              <a:t>Microsoft Official Courseware</a:t>
+            </a:r>
+          </a:p>
+          <a:p>
+            <a:pPr lvl="1"/>
+            <a:r>
+              <a:rPr lang="en-US" dirty="0"/>
+              <a:t>20480: Programming in HTML5 with JavaScript and CSS3</a:t>
+            </a:r>
+          </a:p>
+          <a:p>
+            <a:r>
+              <a:rPr lang="en-US" dirty="0" smtClean="0"/>
+              <a:t>Microsoft </a:t>
+            </a:r>
+            <a:r>
+              <a:rPr lang="en-US" dirty="0" smtClean="0"/>
+              <a:t>Virtual Academy</a:t>
             </a:r>
           </a:p>
           <a:p>
@@ -3856,24 +3893,11 @@
           <a:p>
             <a:r>
               <a:rPr lang="en-US" dirty="0" smtClean="0"/>
-              <a:t>Microsoft Official Courseware</a:t>
-            </a:r>
-          </a:p>
-          <a:p>
-            <a:pPr lvl="1"/>
-            <a:r>
-              <a:rPr lang="en-US" dirty="0"/>
-              <a:t>20480: Programming in HTML5 with JavaScript and </a:t>
-            </a:r>
-            <a:r>
-              <a:rPr lang="en-US" dirty="0" smtClean="0"/>
-              <a:t>CSS3</a:t>
-            </a:r>
-          </a:p>
-          <a:p>
-            <a:r>
-              <a:rPr lang="en-US" dirty="0" smtClean="0"/>
-              <a:t>Microsoft Press</a:t>
+              <a:t>Microsoft </a:t>
+            </a:r>
+            <a:r>
+              <a:rPr lang="en-US" dirty="0" smtClean="0"/>
+              <a:t>Press</a:t>
             </a:r>
           </a:p>
           <a:p>
@@ -3933,10 +3957,727 @@
           <a:chExt cx="0" cy="0"/>
         </a:xfrm>
       </p:grpSpPr>
+      <p:sp>
+        <p:nvSpPr>
+          <p:cNvPr id="5" name="Text Placeholder 4"/>
+          <p:cNvSpPr>
+            <a:spLocks noGrp="1"/>
+          </p:cNvSpPr>
+          <p:nvPr>
+            <p:ph type="body" sz="quarter" idx="10"/>
+          </p:nvPr>
+        </p:nvSpPr>
+        <p:spPr/>
+        <p:txBody>
+          <a:bodyPr/>
+          <a:lstStyle/>
+          <a:p>
+            <a:r>
+              <a:rPr lang="en-US" dirty="0" smtClean="0"/>
+              <a:t>Forms</a:t>
+            </a:r>
+            <a:endParaRPr lang="en-US" dirty="0"/>
+          </a:p>
+        </p:txBody>
+      </p:sp>
+      <p:sp>
+        <p:nvSpPr>
+          <p:cNvPr id="4" name="Subtitle 3"/>
+          <p:cNvSpPr>
+            <a:spLocks noGrp="1"/>
+          </p:cNvSpPr>
+          <p:nvPr>
+            <p:ph type="subTitle" idx="1"/>
+          </p:nvPr>
+        </p:nvSpPr>
+        <p:spPr/>
+        <p:txBody>
+          <a:bodyPr/>
+          <a:lstStyle/>
+          <a:p>
+            <a:endParaRPr lang="en-US" dirty="0"/>
+          </a:p>
+        </p:txBody>
+      </p:sp>
     </p:spTree>
     <p:extLst>
       <p:ext uri="{BB962C8B-B14F-4D97-AF65-F5344CB8AC3E}">
-        <p14:creationId xmlns:p14="http://schemas.microsoft.com/office/powerpoint/2010/main" val="898363405"/>
+        <p14:creationId xmlns:p14="http://schemas.microsoft.com/office/powerpoint/2010/main" val="1539074384"/>
+      </p:ext>
+    </p:extLst>
+  </p:cSld>
+  <p:clrMapOvr>
+    <a:masterClrMapping/>
+  </p:clrMapOvr>
+</p:sld>
+</file>
+
+<file path=ppt/slides/slide14.xml><?xml version="1.0" encoding="utf-8"?>
+<p:sld xmlns:a="http://schemas.openxmlformats.org/drawingml/2006/main" xmlns:r="http://schemas.openxmlformats.org/officeDocument/2006/relationships" xmlns:p="http://schemas.openxmlformats.org/presentationml/2006/main">
+  <p:cSld>
+    <p:spTree>
+      <p:nvGrpSpPr>
+        <p:cNvPr id="1" name=""/>
+        <p:cNvGrpSpPr/>
+        <p:nvPr/>
+      </p:nvGrpSpPr>
+      <p:grpSpPr>
+        <a:xfrm>
+          <a:off x="0" y="0"/>
+          <a:ext cx="0" cy="0"/>
+          <a:chOff x="0" y="0"/>
+          <a:chExt cx="0" cy="0"/>
+        </a:xfrm>
+      </p:grpSpPr>
+      <p:sp>
+        <p:nvSpPr>
+          <p:cNvPr id="4" name="Title 3"/>
+          <p:cNvSpPr>
+            <a:spLocks noGrp="1"/>
+          </p:cNvSpPr>
+          <p:nvPr>
+            <p:ph type="title"/>
+          </p:nvPr>
+        </p:nvSpPr>
+        <p:spPr/>
+        <p:txBody>
+          <a:bodyPr/>
+          <a:lstStyle/>
+          <a:p>
+            <a:r>
+              <a:rPr lang="en-US" dirty="0" smtClean="0"/>
+              <a:t>Forms</a:t>
+            </a:r>
+            <a:endParaRPr lang="en-US" dirty="0"/>
+          </a:p>
+        </p:txBody>
+      </p:sp>
+      <p:sp>
+        <p:nvSpPr>
+          <p:cNvPr id="5" name="Content Placeholder 4"/>
+          <p:cNvSpPr>
+            <a:spLocks noGrp="1"/>
+          </p:cNvSpPr>
+          <p:nvPr>
+            <p:ph sz="quarter" idx="10"/>
+          </p:nvPr>
+        </p:nvSpPr>
+        <p:spPr/>
+        <p:txBody>
+          <a:bodyPr/>
+          <a:lstStyle/>
+          <a:p>
+            <a:r>
+              <a:rPr lang="en-US" dirty="0" smtClean="0"/>
+              <a:t>Creating a form</a:t>
+            </a:r>
+          </a:p>
+          <a:p>
+            <a:r>
+              <a:rPr lang="en-US" dirty="0" smtClean="0"/>
+              <a:t>Input controls</a:t>
+            </a:r>
+          </a:p>
+          <a:p>
+            <a:r>
+              <a:rPr lang="en-US" dirty="0" smtClean="0"/>
+              <a:t>Submitting a form</a:t>
+            </a:r>
+            <a:endParaRPr lang="en-US" dirty="0"/>
+          </a:p>
+        </p:txBody>
+      </p:sp>
+    </p:spTree>
+    <p:extLst>
+      <p:ext uri="{BB962C8B-B14F-4D97-AF65-F5344CB8AC3E}">
+        <p14:creationId xmlns:p14="http://schemas.microsoft.com/office/powerpoint/2010/main" val="4006923392"/>
+      </p:ext>
+    </p:extLst>
+  </p:cSld>
+  <p:clrMapOvr>
+    <a:masterClrMapping/>
+  </p:clrMapOvr>
+</p:sld>
+</file>
+
+<file path=ppt/slides/slide15.xml><?xml version="1.0" encoding="utf-8"?>
+<p:sld xmlns:a="http://schemas.openxmlformats.org/drawingml/2006/main" xmlns:r="http://schemas.openxmlformats.org/officeDocument/2006/relationships" xmlns:p="http://schemas.openxmlformats.org/presentationml/2006/main">
+  <p:cSld>
+    <p:spTree>
+      <p:nvGrpSpPr>
+        <p:cNvPr id="1" name=""/>
+        <p:cNvGrpSpPr/>
+        <p:nvPr/>
+      </p:nvGrpSpPr>
+      <p:grpSpPr>
+        <a:xfrm>
+          <a:off x="0" y="0"/>
+          <a:ext cx="0" cy="0"/>
+          <a:chOff x="0" y="0"/>
+          <a:chExt cx="0" cy="0"/>
+        </a:xfrm>
+      </p:grpSpPr>
+      <p:sp>
+        <p:nvSpPr>
+          <p:cNvPr id="2" name="Title 1"/>
+          <p:cNvSpPr>
+            <a:spLocks noGrp="1"/>
+          </p:cNvSpPr>
+          <p:nvPr>
+            <p:ph type="title"/>
+          </p:nvPr>
+        </p:nvSpPr>
+        <p:spPr/>
+        <p:txBody>
+          <a:bodyPr/>
+          <a:lstStyle/>
+          <a:p>
+            <a:r>
+              <a:rPr lang="en-US" dirty="0" smtClean="0"/>
+              <a:t>Creating a form</a:t>
+            </a:r>
+            <a:endParaRPr lang="en-US" dirty="0"/>
+          </a:p>
+        </p:txBody>
+      </p:sp>
+      <p:sp>
+        <p:nvSpPr>
+          <p:cNvPr id="3" name="Content Placeholder 2"/>
+          <p:cNvSpPr>
+            <a:spLocks noGrp="1"/>
+          </p:cNvSpPr>
+          <p:nvPr>
+            <p:ph sz="quarter" idx="10"/>
+          </p:nvPr>
+        </p:nvSpPr>
+        <p:spPr/>
+        <p:txBody>
+          <a:bodyPr/>
+          <a:lstStyle/>
+          <a:p>
+            <a:r>
+              <a:rPr lang="en-US" dirty="0" smtClean="0">
+                <a:latin typeface="Consolas" panose="020B0609020204030204" pitchFamily="49" charset="0"/>
+                <a:cs typeface="Consolas" panose="020B0609020204030204" pitchFamily="49" charset="0"/>
+              </a:rPr>
+              <a:t>&lt;form&gt;</a:t>
+            </a:r>
+            <a:r>
+              <a:rPr lang="en-US" dirty="0" smtClean="0"/>
+              <a:t> element</a:t>
+            </a:r>
+          </a:p>
+          <a:p>
+            <a:r>
+              <a:rPr lang="en-US" dirty="0" smtClean="0"/>
+              <a:t>Attributes</a:t>
+            </a:r>
+          </a:p>
+          <a:p>
+            <a:pPr lvl="1"/>
+            <a:r>
+              <a:rPr lang="en-US" dirty="0" smtClean="0"/>
+              <a:t>Action</a:t>
+            </a:r>
+          </a:p>
+          <a:p>
+            <a:pPr lvl="2"/>
+            <a:r>
+              <a:rPr lang="en-US" dirty="0" smtClean="0"/>
+              <a:t>What page to send the data to</a:t>
+            </a:r>
+          </a:p>
+          <a:p>
+            <a:pPr lvl="2"/>
+            <a:r>
+              <a:rPr lang="en-US" dirty="0" smtClean="0"/>
+              <a:t>Defaults to the current URL</a:t>
+            </a:r>
+          </a:p>
+          <a:p>
+            <a:pPr lvl="1"/>
+            <a:r>
+              <a:rPr lang="en-US" dirty="0" smtClean="0"/>
+              <a:t>Method</a:t>
+            </a:r>
+          </a:p>
+          <a:p>
+            <a:pPr lvl="2"/>
+            <a:r>
+              <a:rPr lang="en-US" dirty="0" smtClean="0"/>
+              <a:t>HTTP verb to use</a:t>
+            </a:r>
+          </a:p>
+          <a:p>
+            <a:pPr lvl="2"/>
+            <a:r>
+              <a:rPr lang="en-US" dirty="0" smtClean="0"/>
+              <a:t>Defaults to GET</a:t>
+            </a:r>
+          </a:p>
+          <a:p>
+            <a:pPr lvl="3"/>
+            <a:r>
+              <a:rPr lang="en-US" dirty="0" smtClean="0"/>
+              <a:t>All data is passed in the URL</a:t>
+            </a:r>
+          </a:p>
+          <a:p>
+            <a:endParaRPr lang="en-US" dirty="0"/>
+          </a:p>
+        </p:txBody>
+      </p:sp>
+    </p:spTree>
+    <p:extLst>
+      <p:ext uri="{BB962C8B-B14F-4D97-AF65-F5344CB8AC3E}">
+        <p14:creationId xmlns:p14="http://schemas.microsoft.com/office/powerpoint/2010/main" val="866838007"/>
+      </p:ext>
+    </p:extLst>
+  </p:cSld>
+  <p:clrMapOvr>
+    <a:masterClrMapping/>
+  </p:clrMapOvr>
+  <p:timing>
+    <p:tnLst>
+      <p:par>
+        <p:cTn id="1" dur="indefinite" restart="never" nodeType="tmRoot"/>
+      </p:par>
+    </p:tnLst>
+  </p:timing>
+</p:sld>
+</file>
+
+<file path=ppt/slides/slide16.xml><?xml version="1.0" encoding="utf-8"?>
+<p:sld xmlns:a="http://schemas.openxmlformats.org/drawingml/2006/main" xmlns:r="http://schemas.openxmlformats.org/officeDocument/2006/relationships" xmlns:p="http://schemas.openxmlformats.org/presentationml/2006/main">
+  <p:cSld>
+    <p:spTree>
+      <p:nvGrpSpPr>
+        <p:cNvPr id="1" name=""/>
+        <p:cNvGrpSpPr/>
+        <p:nvPr/>
+      </p:nvGrpSpPr>
+      <p:grpSpPr>
+        <a:xfrm>
+          <a:off x="0" y="0"/>
+          <a:ext cx="0" cy="0"/>
+          <a:chOff x="0" y="0"/>
+          <a:chExt cx="0" cy="0"/>
+        </a:xfrm>
+      </p:grpSpPr>
+      <p:sp>
+        <p:nvSpPr>
+          <p:cNvPr id="2" name="Title 1"/>
+          <p:cNvSpPr>
+            <a:spLocks noGrp="1"/>
+          </p:cNvSpPr>
+          <p:nvPr>
+            <p:ph type="title"/>
+          </p:nvPr>
+        </p:nvSpPr>
+        <p:spPr/>
+        <p:txBody>
+          <a:bodyPr/>
+          <a:lstStyle/>
+          <a:p>
+            <a:r>
+              <a:rPr lang="en-US" dirty="0" smtClean="0"/>
+              <a:t>Input controls</a:t>
+            </a:r>
+            <a:endParaRPr lang="en-US" dirty="0"/>
+          </a:p>
+        </p:txBody>
+      </p:sp>
+      <p:sp>
+        <p:nvSpPr>
+          <p:cNvPr id="3" name="Content Placeholder 2"/>
+          <p:cNvSpPr>
+            <a:spLocks noGrp="1"/>
+          </p:cNvSpPr>
+          <p:nvPr>
+            <p:ph sz="quarter" idx="10"/>
+          </p:nvPr>
+        </p:nvSpPr>
+        <p:spPr/>
+        <p:txBody>
+          <a:bodyPr/>
+          <a:lstStyle/>
+          <a:p>
+            <a:r>
+              <a:rPr lang="en-US" dirty="0" smtClean="0"/>
+              <a:t>Most (but not all) HTML input controls use the </a:t>
+            </a:r>
+            <a:r>
+              <a:rPr lang="en-US" dirty="0" smtClean="0">
+                <a:latin typeface="Consolas" panose="020B0609020204030204" pitchFamily="49" charset="0"/>
+                <a:cs typeface="Consolas" panose="020B0609020204030204" pitchFamily="49" charset="0"/>
+              </a:rPr>
+              <a:t>&lt;input&gt;</a:t>
+            </a:r>
+            <a:r>
+              <a:rPr lang="en-US" dirty="0" smtClean="0"/>
+              <a:t> element</a:t>
+            </a:r>
+          </a:p>
+          <a:p>
+            <a:r>
+              <a:rPr lang="en-US" dirty="0" smtClean="0"/>
+              <a:t>Every input needs a name to identify it</a:t>
+            </a:r>
+          </a:p>
+        </p:txBody>
+      </p:sp>
+    </p:spTree>
+    <p:extLst>
+      <p:ext uri="{BB962C8B-B14F-4D97-AF65-F5344CB8AC3E}">
+        <p14:creationId xmlns:p14="http://schemas.microsoft.com/office/powerpoint/2010/main" val="3125251274"/>
+      </p:ext>
+    </p:extLst>
+  </p:cSld>
+  <p:clrMapOvr>
+    <a:masterClrMapping/>
+  </p:clrMapOvr>
+  <p:timing>
+    <p:tnLst>
+      <p:par>
+        <p:cTn id="1" dur="indefinite" restart="never" nodeType="tmRoot"/>
+      </p:par>
+    </p:tnLst>
+  </p:timing>
+</p:sld>
+</file>
+
+<file path=ppt/slides/slide17.xml><?xml version="1.0" encoding="utf-8"?>
+<p:sld xmlns:a="http://schemas.openxmlformats.org/drawingml/2006/main" xmlns:r="http://schemas.openxmlformats.org/officeDocument/2006/relationships" xmlns:p="http://schemas.openxmlformats.org/presentationml/2006/main">
+  <p:cSld>
+    <p:spTree>
+      <p:nvGrpSpPr>
+        <p:cNvPr id="1" name=""/>
+        <p:cNvGrpSpPr/>
+        <p:nvPr/>
+      </p:nvGrpSpPr>
+      <p:grpSpPr>
+        <a:xfrm>
+          <a:off x="0" y="0"/>
+          <a:ext cx="0" cy="0"/>
+          <a:chOff x="0" y="0"/>
+          <a:chExt cx="0" cy="0"/>
+        </a:xfrm>
+      </p:grpSpPr>
+      <p:sp>
+        <p:nvSpPr>
+          <p:cNvPr id="2" name="Title 1"/>
+          <p:cNvSpPr>
+            <a:spLocks noGrp="1"/>
+          </p:cNvSpPr>
+          <p:nvPr>
+            <p:ph type="title"/>
+          </p:nvPr>
+        </p:nvSpPr>
+        <p:spPr/>
+        <p:txBody>
+          <a:bodyPr/>
+          <a:lstStyle/>
+          <a:p>
+            <a:r>
+              <a:rPr lang="en-US" dirty="0" smtClean="0"/>
+              <a:t>Available input controls</a:t>
+            </a:r>
+            <a:endParaRPr lang="en-US" dirty="0"/>
+          </a:p>
+        </p:txBody>
+      </p:sp>
+      <p:sp>
+        <p:nvSpPr>
+          <p:cNvPr id="3" name="Content Placeholder 2"/>
+          <p:cNvSpPr>
+            <a:spLocks noGrp="1"/>
+          </p:cNvSpPr>
+          <p:nvPr>
+            <p:ph sz="quarter" idx="10"/>
+          </p:nvPr>
+        </p:nvSpPr>
+        <p:spPr/>
+        <p:txBody>
+          <a:bodyPr/>
+          <a:lstStyle/>
+          <a:p>
+            <a:r>
+              <a:rPr lang="en-US" dirty="0"/>
+              <a:t>Type attribute indicates the type of input</a:t>
+            </a:r>
+          </a:p>
+          <a:p>
+            <a:pPr lvl="1"/>
+            <a:r>
+              <a:rPr lang="en-US" dirty="0"/>
+              <a:t>Common options</a:t>
+            </a:r>
+          </a:p>
+          <a:p>
+            <a:pPr lvl="2"/>
+            <a:r>
+              <a:rPr lang="en-US" dirty="0"/>
+              <a:t>text</a:t>
+            </a:r>
+          </a:p>
+          <a:p>
+            <a:pPr lvl="2"/>
+            <a:r>
+              <a:rPr lang="en-US" dirty="0"/>
+              <a:t>password</a:t>
+            </a:r>
+          </a:p>
+          <a:p>
+            <a:pPr lvl="3"/>
+            <a:r>
+              <a:rPr lang="en-US" dirty="0">
+                <a:solidFill>
+                  <a:srgbClr val="FF0000"/>
+                </a:solidFill>
+              </a:rPr>
+              <a:t>Hides but does not encrypt</a:t>
+            </a:r>
+          </a:p>
+          <a:p>
+            <a:pPr lvl="2"/>
+            <a:r>
+              <a:rPr lang="en-US" dirty="0"/>
+              <a:t>radio</a:t>
+            </a:r>
+          </a:p>
+          <a:p>
+            <a:pPr lvl="1"/>
+            <a:r>
+              <a:rPr lang="en-US" dirty="0"/>
+              <a:t>New with HTML5</a:t>
+            </a:r>
+          </a:p>
+          <a:p>
+            <a:pPr lvl="2"/>
+            <a:r>
+              <a:rPr lang="en-US" dirty="0"/>
+              <a:t>email</a:t>
+            </a:r>
+          </a:p>
+          <a:p>
+            <a:pPr lvl="2"/>
+            <a:r>
+              <a:rPr lang="en-US" dirty="0" err="1"/>
+              <a:t>url</a:t>
+            </a:r>
+            <a:endParaRPr lang="en-US" dirty="0"/>
+          </a:p>
+          <a:p>
+            <a:pPr lvl="2"/>
+            <a:r>
+              <a:rPr lang="en-US" dirty="0" smtClean="0"/>
+              <a:t>Date</a:t>
+            </a:r>
+            <a:endParaRPr lang="en-US" dirty="0"/>
+          </a:p>
+        </p:txBody>
+      </p:sp>
+    </p:spTree>
+    <p:extLst>
+      <p:ext uri="{BB962C8B-B14F-4D97-AF65-F5344CB8AC3E}">
+        <p14:creationId xmlns:p14="http://schemas.microsoft.com/office/powerpoint/2010/main" val="2656464313"/>
+      </p:ext>
+    </p:extLst>
+  </p:cSld>
+  <p:clrMapOvr>
+    <a:masterClrMapping/>
+  </p:clrMapOvr>
+  <p:timing>
+    <p:tnLst>
+      <p:par>
+        <p:cTn id="1" dur="indefinite" restart="never" nodeType="tmRoot"/>
+      </p:par>
+    </p:tnLst>
+  </p:timing>
+</p:sld>
+</file>
+
+<file path=ppt/slides/slide18.xml><?xml version="1.0" encoding="utf-8"?>
+<p:sld xmlns:a="http://schemas.openxmlformats.org/drawingml/2006/main" xmlns:r="http://schemas.openxmlformats.org/officeDocument/2006/relationships" xmlns:p="http://schemas.openxmlformats.org/presentationml/2006/main">
+  <p:cSld>
+    <p:spTree>
+      <p:nvGrpSpPr>
+        <p:cNvPr id="1" name=""/>
+        <p:cNvGrpSpPr/>
+        <p:nvPr/>
+      </p:nvGrpSpPr>
+      <p:grpSpPr>
+        <a:xfrm>
+          <a:off x="0" y="0"/>
+          <a:ext cx="0" cy="0"/>
+          <a:chOff x="0" y="0"/>
+          <a:chExt cx="0" cy="0"/>
+        </a:xfrm>
+      </p:grpSpPr>
+      <p:sp>
+        <p:nvSpPr>
+          <p:cNvPr id="4" name="Title 3"/>
+          <p:cNvSpPr>
+            <a:spLocks noGrp="1"/>
+          </p:cNvSpPr>
+          <p:nvPr>
+            <p:ph type="title"/>
+          </p:nvPr>
+        </p:nvSpPr>
+        <p:spPr/>
+        <p:txBody>
+          <a:bodyPr/>
+          <a:lstStyle/>
+          <a:p>
+            <a:r>
+              <a:rPr lang="en-US" dirty="0" smtClean="0"/>
+              <a:t>Creating a form</a:t>
+            </a:r>
+            <a:endParaRPr lang="en-US" dirty="0"/>
+          </a:p>
+        </p:txBody>
+      </p:sp>
+    </p:spTree>
+    <p:extLst>
+      <p:ext uri="{BB962C8B-B14F-4D97-AF65-F5344CB8AC3E}">
+        <p14:creationId xmlns:p14="http://schemas.microsoft.com/office/powerpoint/2010/main" val="1176727665"/>
+      </p:ext>
+    </p:extLst>
+  </p:cSld>
+  <p:clrMapOvr>
+    <a:masterClrMapping/>
+  </p:clrMapOvr>
+  <p:timing>
+    <p:tnLst>
+      <p:par>
+        <p:cTn id="1" dur="indefinite" restart="never" nodeType="tmRoot"/>
+      </p:par>
+    </p:tnLst>
+  </p:timing>
+</p:sld>
+</file>
+
+<file path=ppt/slides/slide19.xml><?xml version="1.0" encoding="utf-8"?>
+<p:sld xmlns:a="http://schemas.openxmlformats.org/drawingml/2006/main" xmlns:r="http://schemas.openxmlformats.org/officeDocument/2006/relationships" xmlns:p="http://schemas.openxmlformats.org/presentationml/2006/main">
+  <p:cSld>
+    <p:spTree>
+      <p:nvGrpSpPr>
+        <p:cNvPr id="1" name=""/>
+        <p:cNvGrpSpPr/>
+        <p:nvPr/>
+      </p:nvGrpSpPr>
+      <p:grpSpPr>
+        <a:xfrm>
+          <a:off x="0" y="0"/>
+          <a:ext cx="0" cy="0"/>
+          <a:chOff x="0" y="0"/>
+          <a:chExt cx="0" cy="0"/>
+        </a:xfrm>
+      </p:grpSpPr>
+      <p:sp>
+        <p:nvSpPr>
+          <p:cNvPr id="3" name="Title 2"/>
+          <p:cNvSpPr>
+            <a:spLocks noGrp="1"/>
+          </p:cNvSpPr>
+          <p:nvPr>
+            <p:ph type="title"/>
+          </p:nvPr>
+        </p:nvSpPr>
+        <p:spPr/>
+        <p:txBody>
+          <a:bodyPr/>
+          <a:lstStyle/>
+          <a:p>
+            <a:r>
+              <a:rPr lang="en-US" dirty="0" smtClean="0"/>
+              <a:t>Submitting a form</a:t>
+            </a:r>
+            <a:endParaRPr lang="en-US" dirty="0"/>
+          </a:p>
+        </p:txBody>
+      </p:sp>
+      <p:sp>
+        <p:nvSpPr>
+          <p:cNvPr id="4" name="Content Placeholder 3"/>
+          <p:cNvSpPr>
+            <a:spLocks noGrp="1"/>
+          </p:cNvSpPr>
+          <p:nvPr>
+            <p:ph sz="quarter" idx="10"/>
+          </p:nvPr>
+        </p:nvSpPr>
+        <p:spPr/>
+        <p:txBody>
+          <a:bodyPr/>
+          <a:lstStyle/>
+          <a:p>
+            <a:r>
+              <a:rPr lang="en-US" dirty="0" smtClean="0"/>
+              <a:t>HTML</a:t>
+            </a:r>
+          </a:p>
+          <a:p>
+            <a:pPr lvl="1"/>
+            <a:r>
+              <a:rPr lang="en-US" dirty="0" smtClean="0"/>
+              <a:t>Add a submit button</a:t>
+            </a:r>
+          </a:p>
+          <a:p>
+            <a:r>
+              <a:rPr lang="en-US" dirty="0" smtClean="0"/>
+              <a:t>Python</a:t>
+            </a:r>
+          </a:p>
+          <a:p>
+            <a:pPr lvl="1"/>
+            <a:r>
+              <a:rPr lang="en-US" dirty="0" smtClean="0"/>
+              <a:t>Read the values from </a:t>
+            </a:r>
+            <a:r>
+              <a:rPr lang="en-US" dirty="0" err="1" smtClean="0">
+                <a:latin typeface="Consolas" panose="020B0609020204030204" pitchFamily="49" charset="0"/>
+                <a:cs typeface="Consolas" panose="020B0609020204030204" pitchFamily="49" charset="0"/>
+              </a:rPr>
+              <a:t>request.form</a:t>
+            </a:r>
+            <a:endParaRPr lang="en-US" dirty="0" smtClean="0">
+              <a:latin typeface="Consolas" panose="020B0609020204030204" pitchFamily="49" charset="0"/>
+              <a:cs typeface="Consolas" panose="020B0609020204030204" pitchFamily="49" charset="0"/>
+            </a:endParaRPr>
+          </a:p>
+          <a:p>
+            <a:pPr lvl="1"/>
+            <a:r>
+              <a:rPr lang="en-US" dirty="0" err="1">
+                <a:latin typeface="Consolas" panose="020B0609020204030204" pitchFamily="49" charset="0"/>
+                <a:cs typeface="Consolas" panose="020B0609020204030204" pitchFamily="49" charset="0"/>
+              </a:rPr>
+              <a:t>request.form</a:t>
+            </a:r>
+            <a:r>
+              <a:rPr lang="en-US" dirty="0" smtClean="0"/>
+              <a:t> contains all of the form data in key/value pairs</a:t>
+            </a:r>
+          </a:p>
+          <a:p>
+            <a:pPr lvl="2"/>
+            <a:r>
+              <a:rPr lang="en-US" dirty="0" smtClean="0"/>
+              <a:t>Key is the name of the input element</a:t>
+            </a:r>
+          </a:p>
+          <a:p>
+            <a:endParaRPr lang="en-US" dirty="0"/>
+          </a:p>
+        </p:txBody>
+      </p:sp>
+    </p:spTree>
+    <p:extLst>
+      <p:ext uri="{BB962C8B-B14F-4D97-AF65-F5344CB8AC3E}">
+        <p14:creationId xmlns:p14="http://schemas.microsoft.com/office/powerpoint/2010/main" val="3682496003"/>
       </p:ext>
     </p:extLst>
   </p:cSld>
@@ -4021,12 +4762,8 @@
           </a:p>
           <a:p>
             <a:r>
-              <a:rPr lang="en-US" dirty="0" err="1" smtClean="0"/>
-              <a:t>Jinja</a:t>
-            </a:r>
-            <a:r>
-              <a:rPr lang="en-US" dirty="0" smtClean="0"/>
-              <a:t> templates</a:t>
+              <a:rPr lang="en-US" dirty="0" smtClean="0"/>
+              <a:t>Jinja templates</a:t>
             </a:r>
             <a:endParaRPr lang="en-US" dirty="0"/>
           </a:p>
@@ -4036,6 +4773,3640 @@
     <p:extLst>
       <p:ext uri="{BB962C8B-B14F-4D97-AF65-F5344CB8AC3E}">
         <p14:creationId xmlns:p14="http://schemas.microsoft.com/office/powerpoint/2010/main" val="2894034365"/>
+      </p:ext>
+    </p:extLst>
+  </p:cSld>
+  <p:clrMapOvr>
+    <a:masterClrMapping/>
+  </p:clrMapOvr>
+  <p:timing>
+    <p:tnLst>
+      <p:par>
+        <p:cTn id="1" dur="indefinite" restart="never" nodeType="tmRoot"/>
+      </p:par>
+    </p:tnLst>
+  </p:timing>
+</p:sld>
+</file>
+
+<file path=ppt/slides/slide20.xml><?xml version="1.0" encoding="utf-8"?>
+<p:sld xmlns:a="http://schemas.openxmlformats.org/drawingml/2006/main" xmlns:r="http://schemas.openxmlformats.org/officeDocument/2006/relationships" xmlns:p="http://schemas.openxmlformats.org/presentationml/2006/main">
+  <p:cSld>
+    <p:spTree>
+      <p:nvGrpSpPr>
+        <p:cNvPr id="1" name=""/>
+        <p:cNvGrpSpPr/>
+        <p:nvPr/>
+      </p:nvGrpSpPr>
+      <p:grpSpPr>
+        <a:xfrm>
+          <a:off x="0" y="0"/>
+          <a:ext cx="0" cy="0"/>
+          <a:chOff x="0" y="0"/>
+          <a:chExt cx="0" cy="0"/>
+        </a:xfrm>
+      </p:grpSpPr>
+      <p:sp>
+        <p:nvSpPr>
+          <p:cNvPr id="4" name="Title 3"/>
+          <p:cNvSpPr>
+            <a:spLocks noGrp="1"/>
+          </p:cNvSpPr>
+          <p:nvPr>
+            <p:ph type="title"/>
+          </p:nvPr>
+        </p:nvSpPr>
+        <p:spPr/>
+        <p:txBody>
+          <a:bodyPr/>
+          <a:lstStyle/>
+          <a:p>
+            <a:r>
+              <a:rPr lang="en-US" dirty="0" smtClean="0"/>
+              <a:t>Submitting and reading form data</a:t>
+            </a:r>
+            <a:endParaRPr lang="en-US" dirty="0"/>
+          </a:p>
+        </p:txBody>
+      </p:sp>
+    </p:spTree>
+    <p:extLst>
+      <p:ext uri="{BB962C8B-B14F-4D97-AF65-F5344CB8AC3E}">
+        <p14:creationId xmlns:p14="http://schemas.microsoft.com/office/powerpoint/2010/main" val="3917572222"/>
+      </p:ext>
+    </p:extLst>
+  </p:cSld>
+  <p:clrMapOvr>
+    <a:masterClrMapping/>
+  </p:clrMapOvr>
+  <p:timing>
+    <p:tnLst>
+      <p:par>
+        <p:cTn id="1" dur="indefinite" restart="never" nodeType="tmRoot"/>
+      </p:par>
+    </p:tnLst>
+  </p:timing>
+</p:sld>
+</file>
+
+<file path=ppt/slides/slide21.xml><?xml version="1.0" encoding="utf-8"?>
+<p:sld xmlns:a="http://schemas.openxmlformats.org/drawingml/2006/main" xmlns:r="http://schemas.openxmlformats.org/officeDocument/2006/relationships" xmlns:p="http://schemas.openxmlformats.org/presentationml/2006/main">
+  <p:cSld>
+    <p:spTree>
+      <p:nvGrpSpPr>
+        <p:cNvPr id="1" name=""/>
+        <p:cNvGrpSpPr/>
+        <p:nvPr/>
+      </p:nvGrpSpPr>
+      <p:grpSpPr>
+        <a:xfrm>
+          <a:off x="0" y="0"/>
+          <a:ext cx="0" cy="0"/>
+          <a:chOff x="0" y="0"/>
+          <a:chExt cx="0" cy="0"/>
+        </a:xfrm>
+      </p:grpSpPr>
+      <p:sp>
+        <p:nvSpPr>
+          <p:cNvPr id="4" name="Text Placeholder 3"/>
+          <p:cNvSpPr>
+            <a:spLocks noGrp="1"/>
+          </p:cNvSpPr>
+          <p:nvPr>
+            <p:ph type="body" sz="quarter" idx="10"/>
+          </p:nvPr>
+        </p:nvSpPr>
+        <p:spPr/>
+        <p:txBody>
+          <a:bodyPr/>
+          <a:lstStyle/>
+          <a:p>
+            <a:r>
+              <a:rPr lang="en-US" dirty="0" smtClean="0"/>
+              <a:t>Jinja templates</a:t>
+            </a:r>
+            <a:endParaRPr lang="en-US" dirty="0"/>
+          </a:p>
+        </p:txBody>
+      </p:sp>
+      <p:sp>
+        <p:nvSpPr>
+          <p:cNvPr id="3" name="Subtitle 2"/>
+          <p:cNvSpPr>
+            <a:spLocks noGrp="1"/>
+          </p:cNvSpPr>
+          <p:nvPr>
+            <p:ph type="subTitle" idx="1"/>
+          </p:nvPr>
+        </p:nvSpPr>
+        <p:spPr/>
+        <p:txBody>
+          <a:bodyPr/>
+          <a:lstStyle/>
+          <a:p>
+            <a:endParaRPr lang="en-US"/>
+          </a:p>
+        </p:txBody>
+      </p:sp>
+    </p:spTree>
+    <p:extLst>
+      <p:ext uri="{BB962C8B-B14F-4D97-AF65-F5344CB8AC3E}">
+        <p14:creationId xmlns:p14="http://schemas.microsoft.com/office/powerpoint/2010/main" val="3822008632"/>
+      </p:ext>
+    </p:extLst>
+  </p:cSld>
+  <p:clrMapOvr>
+    <a:masterClrMapping/>
+  </p:clrMapOvr>
+  <p:timing>
+    <p:tnLst>
+      <p:par>
+        <p:cTn id="1" dur="indefinite" restart="never" nodeType="tmRoot"/>
+      </p:par>
+    </p:tnLst>
+  </p:timing>
+</p:sld>
+</file>
+
+<file path=ppt/slides/slide22.xml><?xml version="1.0" encoding="utf-8"?>
+<p:sld xmlns:a="http://schemas.openxmlformats.org/drawingml/2006/main" xmlns:r="http://schemas.openxmlformats.org/officeDocument/2006/relationships" xmlns:p="http://schemas.openxmlformats.org/presentationml/2006/main">
+  <p:cSld>
+    <p:spTree>
+      <p:nvGrpSpPr>
+        <p:cNvPr id="1" name=""/>
+        <p:cNvGrpSpPr/>
+        <p:nvPr/>
+      </p:nvGrpSpPr>
+      <p:grpSpPr>
+        <a:xfrm>
+          <a:off x="0" y="0"/>
+          <a:ext cx="0" cy="0"/>
+          <a:chOff x="0" y="0"/>
+          <a:chExt cx="0" cy="0"/>
+        </a:xfrm>
+      </p:grpSpPr>
+      <p:sp>
+        <p:nvSpPr>
+          <p:cNvPr id="3" name="Title 2"/>
+          <p:cNvSpPr>
+            <a:spLocks noGrp="1"/>
+          </p:cNvSpPr>
+          <p:nvPr>
+            <p:ph type="title"/>
+          </p:nvPr>
+        </p:nvSpPr>
+        <p:spPr/>
+        <p:txBody>
+          <a:bodyPr/>
+          <a:lstStyle/>
+          <a:p>
+            <a:r>
+              <a:rPr lang="en-US" dirty="0" smtClean="0"/>
+              <a:t>Jinja templates</a:t>
+            </a:r>
+            <a:endParaRPr lang="en-US" dirty="0"/>
+          </a:p>
+        </p:txBody>
+      </p:sp>
+      <p:sp>
+        <p:nvSpPr>
+          <p:cNvPr id="4" name="Content Placeholder 3"/>
+          <p:cNvSpPr>
+            <a:spLocks noGrp="1"/>
+          </p:cNvSpPr>
+          <p:nvPr>
+            <p:ph sz="quarter" idx="10"/>
+          </p:nvPr>
+        </p:nvSpPr>
+        <p:spPr/>
+        <p:txBody>
+          <a:bodyPr/>
+          <a:lstStyle/>
+          <a:p>
+            <a:r>
+              <a:rPr lang="en-US" dirty="0" err="1" smtClean="0"/>
+              <a:t>Templating</a:t>
+            </a:r>
+            <a:r>
+              <a:rPr lang="en-US" dirty="0" smtClean="0"/>
+              <a:t> concepts</a:t>
+            </a:r>
+          </a:p>
+          <a:p>
+            <a:r>
+              <a:rPr lang="en-US" dirty="0" smtClean="0"/>
+              <a:t>Jinja syntax</a:t>
+            </a:r>
+          </a:p>
+          <a:p>
+            <a:r>
+              <a:rPr lang="en-US" dirty="0" smtClean="0"/>
+              <a:t>Template inheritance</a:t>
+            </a:r>
+            <a:endParaRPr lang="en-US" dirty="0"/>
+          </a:p>
+        </p:txBody>
+      </p:sp>
+    </p:spTree>
+    <p:extLst>
+      <p:ext uri="{BB962C8B-B14F-4D97-AF65-F5344CB8AC3E}">
+        <p14:creationId xmlns:p14="http://schemas.microsoft.com/office/powerpoint/2010/main" val="3887732004"/>
+      </p:ext>
+    </p:extLst>
+  </p:cSld>
+  <p:clrMapOvr>
+    <a:masterClrMapping/>
+  </p:clrMapOvr>
+  <p:timing>
+    <p:tnLst>
+      <p:par>
+        <p:cTn id="1" dur="indefinite" restart="never" nodeType="tmRoot"/>
+      </p:par>
+    </p:tnLst>
+  </p:timing>
+</p:sld>
+</file>
+
+<file path=ppt/slides/slide23.xml><?xml version="1.0" encoding="utf-8"?>
+<p:sld xmlns:a="http://schemas.openxmlformats.org/drawingml/2006/main" xmlns:r="http://schemas.openxmlformats.org/officeDocument/2006/relationships" xmlns:p="http://schemas.openxmlformats.org/presentationml/2006/main">
+  <p:cSld>
+    <p:spTree>
+      <p:nvGrpSpPr>
+        <p:cNvPr id="1" name=""/>
+        <p:cNvGrpSpPr/>
+        <p:nvPr/>
+      </p:nvGrpSpPr>
+      <p:grpSpPr>
+        <a:xfrm>
+          <a:off x="0" y="0"/>
+          <a:ext cx="0" cy="0"/>
+          <a:chOff x="0" y="0"/>
+          <a:chExt cx="0" cy="0"/>
+        </a:xfrm>
+      </p:grpSpPr>
+      <p:sp>
+        <p:nvSpPr>
+          <p:cNvPr id="2" name="Title 1"/>
+          <p:cNvSpPr>
+            <a:spLocks noGrp="1"/>
+          </p:cNvSpPr>
+          <p:nvPr>
+            <p:ph type="title"/>
+          </p:nvPr>
+        </p:nvSpPr>
+        <p:spPr/>
+        <p:txBody>
+          <a:bodyPr/>
+          <a:lstStyle/>
+          <a:p>
+            <a:r>
+              <a:rPr lang="en-US" dirty="0" err="1" smtClean="0"/>
+              <a:t>Templating</a:t>
+            </a:r>
+            <a:r>
+              <a:rPr lang="en-US" dirty="0" smtClean="0"/>
+              <a:t> concepts</a:t>
+            </a:r>
+            <a:endParaRPr lang="en-US" dirty="0"/>
+          </a:p>
+        </p:txBody>
+      </p:sp>
+      <p:sp>
+        <p:nvSpPr>
+          <p:cNvPr id="3" name="Content Placeholder 2"/>
+          <p:cNvSpPr>
+            <a:spLocks noGrp="1"/>
+          </p:cNvSpPr>
+          <p:nvPr>
+            <p:ph sz="quarter" idx="10"/>
+          </p:nvPr>
+        </p:nvSpPr>
+        <p:spPr/>
+        <p:txBody>
+          <a:bodyPr/>
+          <a:lstStyle/>
+          <a:p>
+            <a:r>
+              <a:rPr lang="en-US" dirty="0" smtClean="0"/>
+              <a:t>Most basic level</a:t>
+            </a:r>
+          </a:p>
+          <a:p>
+            <a:pPr lvl="1"/>
+            <a:r>
+              <a:rPr lang="en-US" dirty="0" smtClean="0"/>
+              <a:t>HTML template with placeholders</a:t>
+            </a:r>
+            <a:endParaRPr lang="en-US" dirty="0"/>
+          </a:p>
+        </p:txBody>
+      </p:sp>
+      <p:sp>
+        <p:nvSpPr>
+          <p:cNvPr id="4" name="Rounded Rectangle 3"/>
+          <p:cNvSpPr/>
+          <p:nvPr/>
+        </p:nvSpPr>
+        <p:spPr>
+          <a:xfrm>
+            <a:off x="1348992" y="2877206"/>
+            <a:ext cx="7511229" cy="3499945"/>
+          </a:xfrm>
+          <a:prstGeom prst="roundRect">
+            <a:avLst>
+              <a:gd name="adj" fmla="val 9460"/>
+            </a:avLst>
+          </a:prstGeom>
+        </p:spPr>
+        <p:style>
+          <a:lnRef idx="3">
+            <a:schemeClr val="lt1"/>
+          </a:lnRef>
+          <a:fillRef idx="1">
+            <a:schemeClr val="accent2"/>
+          </a:fillRef>
+          <a:effectRef idx="1">
+            <a:schemeClr val="accent2"/>
+          </a:effectRef>
+          <a:fontRef idx="minor">
+            <a:schemeClr val="lt1"/>
+          </a:fontRef>
+        </p:style>
+        <p:txBody>
+          <a:bodyPr rtlCol="0" anchor="ctr"/>
+          <a:lstStyle/>
+          <a:p>
+            <a:r>
+              <a:rPr lang="en-US" sz="2400" dirty="0" smtClean="0">
+                <a:latin typeface="Consolas" panose="020B0609020204030204" pitchFamily="49" charset="0"/>
+                <a:cs typeface="Consolas" panose="020B0609020204030204" pitchFamily="49" charset="0"/>
+              </a:rPr>
+              <a:t>&lt;html&gt;</a:t>
+            </a:r>
+          </a:p>
+          <a:p>
+            <a:r>
+              <a:rPr lang="en-US" sz="2400" dirty="0">
+                <a:latin typeface="Consolas" panose="020B0609020204030204" pitchFamily="49" charset="0"/>
+                <a:cs typeface="Consolas" panose="020B0609020204030204" pitchFamily="49" charset="0"/>
+              </a:rPr>
+              <a:t> </a:t>
+            </a:r>
+            <a:r>
+              <a:rPr lang="en-US" sz="2400" dirty="0" smtClean="0">
+                <a:latin typeface="Consolas" panose="020B0609020204030204" pitchFamily="49" charset="0"/>
+                <a:cs typeface="Consolas" panose="020B0609020204030204" pitchFamily="49" charset="0"/>
+              </a:rPr>
+              <a:t>  &lt;head&gt;</a:t>
+            </a:r>
+          </a:p>
+          <a:p>
+            <a:r>
+              <a:rPr lang="en-US" sz="2400" dirty="0">
+                <a:latin typeface="Consolas" panose="020B0609020204030204" pitchFamily="49" charset="0"/>
+                <a:cs typeface="Consolas" panose="020B0609020204030204" pitchFamily="49" charset="0"/>
+              </a:rPr>
+              <a:t> </a:t>
+            </a:r>
+            <a:r>
+              <a:rPr lang="en-US" sz="2400" dirty="0" smtClean="0">
+                <a:latin typeface="Consolas" panose="020B0609020204030204" pitchFamily="49" charset="0"/>
+                <a:cs typeface="Consolas" panose="020B0609020204030204" pitchFamily="49" charset="0"/>
+              </a:rPr>
+              <a:t>       &lt;title&gt;                   &lt;/title&gt;</a:t>
+            </a:r>
+          </a:p>
+          <a:p>
+            <a:r>
+              <a:rPr lang="en-US" sz="2400" dirty="0">
+                <a:latin typeface="Consolas" panose="020B0609020204030204" pitchFamily="49" charset="0"/>
+                <a:cs typeface="Consolas" panose="020B0609020204030204" pitchFamily="49" charset="0"/>
+              </a:rPr>
+              <a:t> </a:t>
+            </a:r>
+            <a:r>
+              <a:rPr lang="en-US" sz="2400" dirty="0" smtClean="0">
+                <a:latin typeface="Consolas" panose="020B0609020204030204" pitchFamily="49" charset="0"/>
+                <a:cs typeface="Consolas" panose="020B0609020204030204" pitchFamily="49" charset="0"/>
+              </a:rPr>
+              <a:t>  &lt;/head&gt;</a:t>
+            </a:r>
+          </a:p>
+          <a:p>
+            <a:r>
+              <a:rPr lang="en-US" sz="2400" dirty="0">
+                <a:latin typeface="Consolas" panose="020B0609020204030204" pitchFamily="49" charset="0"/>
+                <a:cs typeface="Consolas" panose="020B0609020204030204" pitchFamily="49" charset="0"/>
+              </a:rPr>
+              <a:t> </a:t>
+            </a:r>
+            <a:r>
+              <a:rPr lang="en-US" sz="2400" dirty="0" smtClean="0">
+                <a:latin typeface="Consolas" panose="020B0609020204030204" pitchFamily="49" charset="0"/>
+                <a:cs typeface="Consolas" panose="020B0609020204030204" pitchFamily="49" charset="0"/>
+              </a:rPr>
+              <a:t>  &lt;body&gt;</a:t>
+            </a:r>
+          </a:p>
+          <a:p>
+            <a:r>
+              <a:rPr lang="en-US" sz="2400" dirty="0">
+                <a:latin typeface="Consolas" panose="020B0609020204030204" pitchFamily="49" charset="0"/>
+                <a:cs typeface="Consolas" panose="020B0609020204030204" pitchFamily="49" charset="0"/>
+              </a:rPr>
+              <a:t> </a:t>
+            </a:r>
+            <a:r>
+              <a:rPr lang="en-US" sz="2400" dirty="0" smtClean="0">
+                <a:latin typeface="Consolas" panose="020B0609020204030204" pitchFamily="49" charset="0"/>
+                <a:cs typeface="Consolas" panose="020B0609020204030204" pitchFamily="49" charset="0"/>
+              </a:rPr>
+              <a:t>       &lt;b&gt;Welcome,               &lt;/b&gt;</a:t>
+            </a:r>
+          </a:p>
+          <a:p>
+            <a:r>
+              <a:rPr lang="en-US" sz="2400" dirty="0">
+                <a:latin typeface="Consolas" panose="020B0609020204030204" pitchFamily="49" charset="0"/>
+                <a:cs typeface="Consolas" panose="020B0609020204030204" pitchFamily="49" charset="0"/>
+              </a:rPr>
+              <a:t> </a:t>
+            </a:r>
+            <a:r>
+              <a:rPr lang="en-US" sz="2400" dirty="0" smtClean="0">
+                <a:latin typeface="Consolas" panose="020B0609020204030204" pitchFamily="49" charset="0"/>
+                <a:cs typeface="Consolas" panose="020B0609020204030204" pitchFamily="49" charset="0"/>
+              </a:rPr>
+              <a:t>  &lt;/body&gt;</a:t>
+            </a:r>
+          </a:p>
+          <a:p>
+            <a:r>
+              <a:rPr lang="en-US" sz="2400" dirty="0" smtClean="0">
+                <a:latin typeface="Consolas" panose="020B0609020204030204" pitchFamily="49" charset="0"/>
+                <a:cs typeface="Consolas" panose="020B0609020204030204" pitchFamily="49" charset="0"/>
+              </a:rPr>
+              <a:t>&lt;/html&gt;</a:t>
+            </a:r>
+            <a:endParaRPr lang="en-US" sz="2400" dirty="0">
+              <a:latin typeface="Consolas" panose="020B0609020204030204" pitchFamily="49" charset="0"/>
+              <a:cs typeface="Consolas" panose="020B0609020204030204" pitchFamily="49" charset="0"/>
+            </a:endParaRPr>
+          </a:p>
+        </p:txBody>
+      </p:sp>
+      <p:sp>
+        <p:nvSpPr>
+          <p:cNvPr id="5" name="Rounded Rectangle 4"/>
+          <p:cNvSpPr/>
+          <p:nvPr/>
+        </p:nvSpPr>
+        <p:spPr>
+          <a:xfrm>
+            <a:off x="4114800" y="3807372"/>
+            <a:ext cx="3113690" cy="496614"/>
+          </a:xfrm>
+          <a:prstGeom prst="roundRect">
+            <a:avLst/>
+          </a:prstGeom>
+        </p:spPr>
+        <p:style>
+          <a:lnRef idx="1">
+            <a:schemeClr val="accent4"/>
+          </a:lnRef>
+          <a:fillRef idx="2">
+            <a:schemeClr val="accent4"/>
+          </a:fillRef>
+          <a:effectRef idx="1">
+            <a:schemeClr val="accent4"/>
+          </a:effectRef>
+          <a:fontRef idx="minor">
+            <a:schemeClr val="dk1"/>
+          </a:fontRef>
+        </p:style>
+        <p:txBody>
+          <a:bodyPr rtlCol="0" anchor="ctr"/>
+          <a:lstStyle/>
+          <a:p>
+            <a:pPr algn="ctr"/>
+            <a:r>
+              <a:rPr lang="en-US" sz="2400" dirty="0" smtClean="0"/>
+              <a:t>Hello, Python!!</a:t>
+            </a:r>
+            <a:endParaRPr lang="en-US" sz="2400" dirty="0"/>
+          </a:p>
+        </p:txBody>
+      </p:sp>
+      <p:sp>
+        <p:nvSpPr>
+          <p:cNvPr id="6" name="Rounded Rectangle 5"/>
+          <p:cNvSpPr/>
+          <p:nvPr/>
+        </p:nvSpPr>
+        <p:spPr>
+          <a:xfrm>
+            <a:off x="4771697" y="4922781"/>
+            <a:ext cx="2456793" cy="496614"/>
+          </a:xfrm>
+          <a:prstGeom prst="roundRect">
+            <a:avLst/>
+          </a:prstGeom>
+        </p:spPr>
+        <p:style>
+          <a:lnRef idx="1">
+            <a:schemeClr val="accent4"/>
+          </a:lnRef>
+          <a:fillRef idx="2">
+            <a:schemeClr val="accent4"/>
+          </a:fillRef>
+          <a:effectRef idx="1">
+            <a:schemeClr val="accent4"/>
+          </a:effectRef>
+          <a:fontRef idx="minor">
+            <a:schemeClr val="dk1"/>
+          </a:fontRef>
+        </p:style>
+        <p:txBody>
+          <a:bodyPr rtlCol="0" anchor="ctr"/>
+          <a:lstStyle/>
+          <a:p>
+            <a:pPr algn="ctr"/>
+            <a:r>
+              <a:rPr lang="en-US" sz="2400" dirty="0" smtClean="0"/>
+              <a:t>Christopher</a:t>
+            </a:r>
+            <a:endParaRPr lang="en-US" sz="2400" dirty="0"/>
+          </a:p>
+        </p:txBody>
+      </p:sp>
+    </p:spTree>
+    <p:extLst>
+      <p:ext uri="{BB962C8B-B14F-4D97-AF65-F5344CB8AC3E}">
+        <p14:creationId xmlns:p14="http://schemas.microsoft.com/office/powerpoint/2010/main" val="4038115253"/>
+      </p:ext>
+    </p:extLst>
+  </p:cSld>
+  <p:clrMapOvr>
+    <a:masterClrMapping/>
+  </p:clrMapOvr>
+  <p:timing>
+    <p:tnLst>
+      <p:par>
+        <p:cTn id="1" dur="indefinite" restart="never" nodeType="tmRoot">
+          <p:childTnLst>
+            <p:seq concurrent="1" nextAc="seek">
+              <p:cTn id="2" dur="indefinite" nodeType="mainSeq">
+                <p:childTnLst>
+                  <p:par>
+                    <p:cTn id="3" fill="hold">
+                      <p:stCondLst>
+                        <p:cond delay="indefinite"/>
+                      </p:stCondLst>
+                      <p:childTnLst>
+                        <p:par>
+                          <p:cTn id="4" fill="hold">
+                            <p:stCondLst>
+                              <p:cond delay="0"/>
+                            </p:stCondLst>
+                            <p:childTnLst>
+                              <p:par>
+                                <p:cTn id="5" presetID="10" presetClass="entr" presetSubtype="0" fill="hold" grpId="0" nodeType="clickEffect">
+                                  <p:stCondLst>
+                                    <p:cond delay="0"/>
+                                  </p:stCondLst>
+                                  <p:childTnLst>
+                                    <p:set>
+                                      <p:cBhvr>
+                                        <p:cTn id="6" dur="1" fill="hold">
+                                          <p:stCondLst>
+                                            <p:cond delay="0"/>
+                                          </p:stCondLst>
+                                        </p:cTn>
+                                        <p:tgtEl>
+                                          <p:spTgt spid="4"/>
+                                        </p:tgtEl>
+                                        <p:attrNameLst>
+                                          <p:attrName>style.visibility</p:attrName>
+                                        </p:attrNameLst>
+                                      </p:cBhvr>
+                                      <p:to>
+                                        <p:strVal val="visible"/>
+                                      </p:to>
+                                    </p:set>
+                                    <p:animEffect transition="in" filter="fade">
+                                      <p:cBhvr>
+                                        <p:cTn id="7" dur="500"/>
+                                        <p:tgtEl>
+                                          <p:spTgt spid="4"/>
+                                        </p:tgtEl>
+                                      </p:cBhvr>
+                                    </p:animEffect>
+                                  </p:childTnLst>
+                                </p:cTn>
+                              </p:par>
+                            </p:childTnLst>
+                          </p:cTn>
+                        </p:par>
+                      </p:childTnLst>
+                    </p:cTn>
+                  </p:par>
+                  <p:par>
+                    <p:cTn id="8" fill="hold">
+                      <p:stCondLst>
+                        <p:cond delay="indefinite"/>
+                      </p:stCondLst>
+                      <p:childTnLst>
+                        <p:par>
+                          <p:cTn id="9" fill="hold">
+                            <p:stCondLst>
+                              <p:cond delay="0"/>
+                            </p:stCondLst>
+                            <p:childTnLst>
+                              <p:par>
+                                <p:cTn id="10" presetID="53" presetClass="entr" presetSubtype="16" fill="hold" grpId="0" nodeType="clickEffect">
+                                  <p:stCondLst>
+                                    <p:cond delay="0"/>
+                                  </p:stCondLst>
+                                  <p:childTnLst>
+                                    <p:set>
+                                      <p:cBhvr>
+                                        <p:cTn id="11" dur="1" fill="hold">
+                                          <p:stCondLst>
+                                            <p:cond delay="0"/>
+                                          </p:stCondLst>
+                                        </p:cTn>
+                                        <p:tgtEl>
+                                          <p:spTgt spid="5"/>
+                                        </p:tgtEl>
+                                        <p:attrNameLst>
+                                          <p:attrName>style.visibility</p:attrName>
+                                        </p:attrNameLst>
+                                      </p:cBhvr>
+                                      <p:to>
+                                        <p:strVal val="visible"/>
+                                      </p:to>
+                                    </p:set>
+                                    <p:anim calcmode="lin" valueType="num">
+                                      <p:cBhvr>
+                                        <p:cTn id="12" dur="500" fill="hold"/>
+                                        <p:tgtEl>
+                                          <p:spTgt spid="5"/>
+                                        </p:tgtEl>
+                                        <p:attrNameLst>
+                                          <p:attrName>ppt_w</p:attrName>
+                                        </p:attrNameLst>
+                                      </p:cBhvr>
+                                      <p:tavLst>
+                                        <p:tav tm="0">
+                                          <p:val>
+                                            <p:fltVal val="0"/>
+                                          </p:val>
+                                        </p:tav>
+                                        <p:tav tm="100000">
+                                          <p:val>
+                                            <p:strVal val="#ppt_w"/>
+                                          </p:val>
+                                        </p:tav>
+                                      </p:tavLst>
+                                    </p:anim>
+                                    <p:anim calcmode="lin" valueType="num">
+                                      <p:cBhvr>
+                                        <p:cTn id="13" dur="500" fill="hold"/>
+                                        <p:tgtEl>
+                                          <p:spTgt spid="5"/>
+                                        </p:tgtEl>
+                                        <p:attrNameLst>
+                                          <p:attrName>ppt_h</p:attrName>
+                                        </p:attrNameLst>
+                                      </p:cBhvr>
+                                      <p:tavLst>
+                                        <p:tav tm="0">
+                                          <p:val>
+                                            <p:fltVal val="0"/>
+                                          </p:val>
+                                        </p:tav>
+                                        <p:tav tm="100000">
+                                          <p:val>
+                                            <p:strVal val="#ppt_h"/>
+                                          </p:val>
+                                        </p:tav>
+                                      </p:tavLst>
+                                    </p:anim>
+                                    <p:animEffect transition="in" filter="fade">
+                                      <p:cBhvr>
+                                        <p:cTn id="14" dur="500"/>
+                                        <p:tgtEl>
+                                          <p:spTgt spid="5"/>
+                                        </p:tgtEl>
+                                      </p:cBhvr>
+                                    </p:animEffect>
+                                  </p:childTnLst>
+                                </p:cTn>
+                              </p:par>
+                            </p:childTnLst>
+                          </p:cTn>
+                        </p:par>
+                      </p:childTnLst>
+                    </p:cTn>
+                  </p:par>
+                  <p:par>
+                    <p:cTn id="15" fill="hold">
+                      <p:stCondLst>
+                        <p:cond delay="indefinite"/>
+                      </p:stCondLst>
+                      <p:childTnLst>
+                        <p:par>
+                          <p:cTn id="16" fill="hold">
+                            <p:stCondLst>
+                              <p:cond delay="0"/>
+                            </p:stCondLst>
+                            <p:childTnLst>
+                              <p:par>
+                                <p:cTn id="17" presetID="53" presetClass="entr" presetSubtype="16" fill="hold" grpId="0" nodeType="clickEffect">
+                                  <p:stCondLst>
+                                    <p:cond delay="0"/>
+                                  </p:stCondLst>
+                                  <p:childTnLst>
+                                    <p:set>
+                                      <p:cBhvr>
+                                        <p:cTn id="18" dur="1" fill="hold">
+                                          <p:stCondLst>
+                                            <p:cond delay="0"/>
+                                          </p:stCondLst>
+                                        </p:cTn>
+                                        <p:tgtEl>
+                                          <p:spTgt spid="6"/>
+                                        </p:tgtEl>
+                                        <p:attrNameLst>
+                                          <p:attrName>style.visibility</p:attrName>
+                                        </p:attrNameLst>
+                                      </p:cBhvr>
+                                      <p:to>
+                                        <p:strVal val="visible"/>
+                                      </p:to>
+                                    </p:set>
+                                    <p:anim calcmode="lin" valueType="num">
+                                      <p:cBhvr>
+                                        <p:cTn id="19" dur="500" fill="hold"/>
+                                        <p:tgtEl>
+                                          <p:spTgt spid="6"/>
+                                        </p:tgtEl>
+                                        <p:attrNameLst>
+                                          <p:attrName>ppt_w</p:attrName>
+                                        </p:attrNameLst>
+                                      </p:cBhvr>
+                                      <p:tavLst>
+                                        <p:tav tm="0">
+                                          <p:val>
+                                            <p:fltVal val="0"/>
+                                          </p:val>
+                                        </p:tav>
+                                        <p:tav tm="100000">
+                                          <p:val>
+                                            <p:strVal val="#ppt_w"/>
+                                          </p:val>
+                                        </p:tav>
+                                      </p:tavLst>
+                                    </p:anim>
+                                    <p:anim calcmode="lin" valueType="num">
+                                      <p:cBhvr>
+                                        <p:cTn id="20" dur="500" fill="hold"/>
+                                        <p:tgtEl>
+                                          <p:spTgt spid="6"/>
+                                        </p:tgtEl>
+                                        <p:attrNameLst>
+                                          <p:attrName>ppt_h</p:attrName>
+                                        </p:attrNameLst>
+                                      </p:cBhvr>
+                                      <p:tavLst>
+                                        <p:tav tm="0">
+                                          <p:val>
+                                            <p:fltVal val="0"/>
+                                          </p:val>
+                                        </p:tav>
+                                        <p:tav tm="100000">
+                                          <p:val>
+                                            <p:strVal val="#ppt_h"/>
+                                          </p:val>
+                                        </p:tav>
+                                      </p:tavLst>
+                                    </p:anim>
+                                    <p:animEffect transition="in" filter="fade">
+                                      <p:cBhvr>
+                                        <p:cTn id="21" dur="500"/>
+                                        <p:tgtEl>
+                                          <p:spTgt spid="6"/>
+                                        </p:tgtEl>
+                                      </p:cBhvr>
+                                    </p:animEffect>
+                                  </p:childTnLst>
+                                </p:cTn>
+                              </p:par>
+                            </p:childTnLst>
+                          </p:cTn>
+                        </p:par>
+                      </p:childTnLst>
+                    </p:cTn>
+                  </p:par>
+                </p:childTnLst>
+              </p:cTn>
+              <p:prevCondLst>
+                <p:cond evt="onPrev" delay="0">
+                  <p:tgtEl>
+                    <p:sldTgt/>
+                  </p:tgtEl>
+                </p:cond>
+              </p:prevCondLst>
+              <p:nextCondLst>
+                <p:cond evt="onNext" delay="0">
+                  <p:tgtEl>
+                    <p:sldTgt/>
+                  </p:tgtEl>
+                </p:cond>
+              </p:nextCondLst>
+            </p:seq>
+          </p:childTnLst>
+        </p:cTn>
+      </p:par>
+    </p:tnLst>
+    <p:bldLst>
+      <p:bldP spid="4" grpId="0" animBg="1"/>
+      <p:bldP spid="5" grpId="0" animBg="1"/>
+      <p:bldP spid="6" grpId="0" animBg="1"/>
+    </p:bldLst>
+  </p:timing>
+</p:sld>
+</file>
+
+<file path=ppt/slides/slide24.xml><?xml version="1.0" encoding="utf-8"?>
+<p:sld xmlns:a="http://schemas.openxmlformats.org/drawingml/2006/main" xmlns:r="http://schemas.openxmlformats.org/officeDocument/2006/relationships" xmlns:p="http://schemas.openxmlformats.org/presentationml/2006/main">
+  <p:cSld>
+    <p:spTree>
+      <p:nvGrpSpPr>
+        <p:cNvPr id="1" name=""/>
+        <p:cNvGrpSpPr/>
+        <p:nvPr/>
+      </p:nvGrpSpPr>
+      <p:grpSpPr>
+        <a:xfrm>
+          <a:off x="0" y="0"/>
+          <a:ext cx="0" cy="0"/>
+          <a:chOff x="0" y="0"/>
+          <a:chExt cx="0" cy="0"/>
+        </a:xfrm>
+      </p:grpSpPr>
+      <p:sp>
+        <p:nvSpPr>
+          <p:cNvPr id="2" name="Title 1"/>
+          <p:cNvSpPr>
+            <a:spLocks noGrp="1"/>
+          </p:cNvSpPr>
+          <p:nvPr>
+            <p:ph type="title"/>
+          </p:nvPr>
+        </p:nvSpPr>
+        <p:spPr/>
+        <p:txBody>
+          <a:bodyPr/>
+          <a:lstStyle/>
+          <a:p>
+            <a:r>
+              <a:rPr lang="en-US" dirty="0" err="1" smtClean="0"/>
+              <a:t>Templating</a:t>
+            </a:r>
+            <a:r>
+              <a:rPr lang="en-US" dirty="0" smtClean="0"/>
+              <a:t> concepts</a:t>
+            </a:r>
+            <a:endParaRPr lang="en-US" dirty="0"/>
+          </a:p>
+        </p:txBody>
+      </p:sp>
+      <p:sp>
+        <p:nvSpPr>
+          <p:cNvPr id="3" name="Content Placeholder 2"/>
+          <p:cNvSpPr>
+            <a:spLocks noGrp="1"/>
+          </p:cNvSpPr>
+          <p:nvPr>
+            <p:ph sz="quarter" idx="10"/>
+          </p:nvPr>
+        </p:nvSpPr>
+        <p:spPr/>
+        <p:txBody>
+          <a:bodyPr/>
+          <a:lstStyle/>
+          <a:p>
+            <a:r>
+              <a:rPr lang="en-US" dirty="0" smtClean="0"/>
+              <a:t>More advanced level</a:t>
+            </a:r>
+          </a:p>
+          <a:p>
+            <a:pPr lvl="1"/>
+            <a:r>
+              <a:rPr lang="en-US" dirty="0" smtClean="0"/>
+              <a:t>Allows adding code to enhance output</a:t>
+            </a:r>
+            <a:endParaRPr lang="en-US" dirty="0"/>
+          </a:p>
+        </p:txBody>
+      </p:sp>
+      <p:sp>
+        <p:nvSpPr>
+          <p:cNvPr id="4" name="Rounded Rectangle 3"/>
+          <p:cNvSpPr/>
+          <p:nvPr/>
+        </p:nvSpPr>
+        <p:spPr>
+          <a:xfrm>
+            <a:off x="1348992" y="2877206"/>
+            <a:ext cx="7511229" cy="3499945"/>
+          </a:xfrm>
+          <a:prstGeom prst="roundRect">
+            <a:avLst>
+              <a:gd name="adj" fmla="val 9460"/>
+            </a:avLst>
+          </a:prstGeom>
+        </p:spPr>
+        <p:style>
+          <a:lnRef idx="3">
+            <a:schemeClr val="lt1"/>
+          </a:lnRef>
+          <a:fillRef idx="1">
+            <a:schemeClr val="accent2"/>
+          </a:fillRef>
+          <a:effectRef idx="1">
+            <a:schemeClr val="accent2"/>
+          </a:effectRef>
+          <a:fontRef idx="minor">
+            <a:schemeClr val="lt1"/>
+          </a:fontRef>
+        </p:style>
+        <p:txBody>
+          <a:bodyPr rtlCol="0" anchor="ctr"/>
+          <a:lstStyle/>
+          <a:p>
+            <a:r>
+              <a:rPr lang="en-US" sz="2400" dirty="0" smtClean="0">
+                <a:latin typeface="Consolas" panose="020B0609020204030204" pitchFamily="49" charset="0"/>
+                <a:cs typeface="Consolas" panose="020B0609020204030204" pitchFamily="49" charset="0"/>
+              </a:rPr>
+              <a:t>&lt;html&gt;</a:t>
+            </a:r>
+          </a:p>
+          <a:p>
+            <a:r>
+              <a:rPr lang="en-US" sz="2400" dirty="0">
+                <a:latin typeface="Consolas" panose="020B0609020204030204" pitchFamily="49" charset="0"/>
+                <a:cs typeface="Consolas" panose="020B0609020204030204" pitchFamily="49" charset="0"/>
+              </a:rPr>
+              <a:t> </a:t>
+            </a:r>
+            <a:r>
+              <a:rPr lang="en-US" sz="2400" dirty="0" smtClean="0">
+                <a:latin typeface="Consolas" panose="020B0609020204030204" pitchFamily="49" charset="0"/>
+                <a:cs typeface="Consolas" panose="020B0609020204030204" pitchFamily="49" charset="0"/>
+              </a:rPr>
+              <a:t>  &lt;head&gt;</a:t>
+            </a:r>
+          </a:p>
+          <a:p>
+            <a:r>
+              <a:rPr lang="en-US" sz="2400" dirty="0">
+                <a:latin typeface="Consolas" panose="020B0609020204030204" pitchFamily="49" charset="0"/>
+                <a:cs typeface="Consolas" panose="020B0609020204030204" pitchFamily="49" charset="0"/>
+              </a:rPr>
+              <a:t> </a:t>
+            </a:r>
+            <a:r>
+              <a:rPr lang="en-US" sz="2400" dirty="0" smtClean="0">
+                <a:latin typeface="Consolas" panose="020B0609020204030204" pitchFamily="49" charset="0"/>
+                <a:cs typeface="Consolas" panose="020B0609020204030204" pitchFamily="49" charset="0"/>
+              </a:rPr>
+              <a:t>       &lt;title&gt;                   &lt;/title&gt;</a:t>
+            </a:r>
+          </a:p>
+          <a:p>
+            <a:r>
+              <a:rPr lang="en-US" sz="2400" dirty="0">
+                <a:latin typeface="Consolas" panose="020B0609020204030204" pitchFamily="49" charset="0"/>
+                <a:cs typeface="Consolas" panose="020B0609020204030204" pitchFamily="49" charset="0"/>
+              </a:rPr>
+              <a:t> </a:t>
+            </a:r>
+            <a:r>
+              <a:rPr lang="en-US" sz="2400" dirty="0" smtClean="0">
+                <a:latin typeface="Consolas" panose="020B0609020204030204" pitchFamily="49" charset="0"/>
+                <a:cs typeface="Consolas" panose="020B0609020204030204" pitchFamily="49" charset="0"/>
+              </a:rPr>
+              <a:t>  &lt;/head&gt;</a:t>
+            </a:r>
+          </a:p>
+          <a:p>
+            <a:r>
+              <a:rPr lang="en-US" sz="2400" dirty="0">
+                <a:latin typeface="Consolas" panose="020B0609020204030204" pitchFamily="49" charset="0"/>
+                <a:cs typeface="Consolas" panose="020B0609020204030204" pitchFamily="49" charset="0"/>
+              </a:rPr>
+              <a:t> </a:t>
+            </a:r>
+            <a:r>
+              <a:rPr lang="en-US" sz="2400" dirty="0" smtClean="0">
+                <a:latin typeface="Consolas" panose="020B0609020204030204" pitchFamily="49" charset="0"/>
+                <a:cs typeface="Consolas" panose="020B0609020204030204" pitchFamily="49" charset="0"/>
+              </a:rPr>
+              <a:t>  &lt;body&gt;</a:t>
+            </a:r>
+          </a:p>
+          <a:p>
+            <a:r>
+              <a:rPr lang="en-US" sz="2400" dirty="0">
+                <a:latin typeface="Consolas" panose="020B0609020204030204" pitchFamily="49" charset="0"/>
+                <a:cs typeface="Consolas" panose="020B0609020204030204" pitchFamily="49" charset="0"/>
+              </a:rPr>
+              <a:t> </a:t>
+            </a:r>
+            <a:r>
+              <a:rPr lang="en-US" sz="2400" dirty="0" smtClean="0">
+                <a:latin typeface="Consolas" panose="020B0609020204030204" pitchFamily="49" charset="0"/>
+                <a:cs typeface="Consolas" panose="020B0609020204030204" pitchFamily="49" charset="0"/>
+              </a:rPr>
+              <a:t>       &lt;b&gt;Welcome,               &lt;/b&gt;</a:t>
+            </a:r>
+          </a:p>
+          <a:p>
+            <a:r>
+              <a:rPr lang="en-US" sz="2400" dirty="0">
+                <a:latin typeface="Consolas" panose="020B0609020204030204" pitchFamily="49" charset="0"/>
+                <a:cs typeface="Consolas" panose="020B0609020204030204" pitchFamily="49" charset="0"/>
+              </a:rPr>
+              <a:t> </a:t>
+            </a:r>
+            <a:r>
+              <a:rPr lang="en-US" sz="2400" dirty="0" smtClean="0">
+                <a:latin typeface="Consolas" panose="020B0609020204030204" pitchFamily="49" charset="0"/>
+                <a:cs typeface="Consolas" panose="020B0609020204030204" pitchFamily="49" charset="0"/>
+              </a:rPr>
+              <a:t>  &lt;/body&gt;</a:t>
+            </a:r>
+          </a:p>
+          <a:p>
+            <a:r>
+              <a:rPr lang="en-US" sz="2400" dirty="0" smtClean="0">
+                <a:latin typeface="Consolas" panose="020B0609020204030204" pitchFamily="49" charset="0"/>
+                <a:cs typeface="Consolas" panose="020B0609020204030204" pitchFamily="49" charset="0"/>
+              </a:rPr>
+              <a:t>&lt;/html&gt;</a:t>
+            </a:r>
+            <a:endParaRPr lang="en-US" sz="2400" dirty="0">
+              <a:latin typeface="Consolas" panose="020B0609020204030204" pitchFamily="49" charset="0"/>
+              <a:cs typeface="Consolas" panose="020B0609020204030204" pitchFamily="49" charset="0"/>
+            </a:endParaRPr>
+          </a:p>
+        </p:txBody>
+      </p:sp>
+      <p:sp>
+        <p:nvSpPr>
+          <p:cNvPr id="5" name="Rounded Rectangle 4"/>
+          <p:cNvSpPr/>
+          <p:nvPr/>
+        </p:nvSpPr>
+        <p:spPr>
+          <a:xfrm>
+            <a:off x="4114800" y="3807372"/>
+            <a:ext cx="3113690" cy="496614"/>
+          </a:xfrm>
+          <a:prstGeom prst="roundRect">
+            <a:avLst/>
+          </a:prstGeom>
+        </p:spPr>
+        <p:style>
+          <a:lnRef idx="1">
+            <a:schemeClr val="accent4"/>
+          </a:lnRef>
+          <a:fillRef idx="2">
+            <a:schemeClr val="accent4"/>
+          </a:fillRef>
+          <a:effectRef idx="1">
+            <a:schemeClr val="accent4"/>
+          </a:effectRef>
+          <a:fontRef idx="minor">
+            <a:schemeClr val="dk1"/>
+          </a:fontRef>
+        </p:style>
+        <p:txBody>
+          <a:bodyPr rtlCol="0" anchor="ctr"/>
+          <a:lstStyle/>
+          <a:p>
+            <a:pPr algn="ctr"/>
+            <a:r>
+              <a:rPr lang="en-US" sz="2400" dirty="0" smtClean="0"/>
+              <a:t>Hello, Python!!</a:t>
+            </a:r>
+            <a:endParaRPr lang="en-US" sz="2400" dirty="0"/>
+          </a:p>
+        </p:txBody>
+      </p:sp>
+      <p:sp>
+        <p:nvSpPr>
+          <p:cNvPr id="6" name="Rounded Rectangle 5"/>
+          <p:cNvSpPr/>
+          <p:nvPr/>
+        </p:nvSpPr>
+        <p:spPr>
+          <a:xfrm>
+            <a:off x="4771697" y="4922781"/>
+            <a:ext cx="2456793" cy="496614"/>
+          </a:xfrm>
+          <a:prstGeom prst="roundRect">
+            <a:avLst/>
+          </a:prstGeom>
+        </p:spPr>
+        <p:style>
+          <a:lnRef idx="1">
+            <a:schemeClr val="accent4"/>
+          </a:lnRef>
+          <a:fillRef idx="2">
+            <a:schemeClr val="accent4"/>
+          </a:fillRef>
+          <a:effectRef idx="1">
+            <a:schemeClr val="accent4"/>
+          </a:effectRef>
+          <a:fontRef idx="minor">
+            <a:schemeClr val="dk1"/>
+          </a:fontRef>
+        </p:style>
+        <p:txBody>
+          <a:bodyPr rtlCol="0" anchor="ctr"/>
+          <a:lstStyle/>
+          <a:p>
+            <a:pPr algn="ctr"/>
+            <a:r>
+              <a:rPr lang="en-US" sz="2400" dirty="0" smtClean="0"/>
+              <a:t>Christopher</a:t>
+            </a:r>
+            <a:endParaRPr lang="en-US" sz="2400" dirty="0"/>
+          </a:p>
+        </p:txBody>
+      </p:sp>
+    </p:spTree>
+    <p:extLst>
+      <p:ext uri="{BB962C8B-B14F-4D97-AF65-F5344CB8AC3E}">
+        <p14:creationId xmlns:p14="http://schemas.microsoft.com/office/powerpoint/2010/main" val="2027193923"/>
+      </p:ext>
+    </p:extLst>
+  </p:cSld>
+  <p:clrMapOvr>
+    <a:masterClrMapping/>
+  </p:clrMapOvr>
+  <p:timing>
+    <p:tnLst>
+      <p:par>
+        <p:cTn id="1" dur="indefinite" restart="never" nodeType="tmRoot">
+          <p:childTnLst>
+            <p:seq concurrent="1" nextAc="seek">
+              <p:cTn id="2" dur="indefinite" nodeType="mainSeq">
+                <p:childTnLst>
+                  <p:par>
+                    <p:cTn id="3" fill="hold">
+                      <p:stCondLst>
+                        <p:cond delay="indefinite"/>
+                      </p:stCondLst>
+                      <p:childTnLst>
+                        <p:par>
+                          <p:cTn id="4" fill="hold">
+                            <p:stCondLst>
+                              <p:cond delay="0"/>
+                            </p:stCondLst>
+                            <p:childTnLst>
+                              <p:par>
+                                <p:cTn id="5" presetID="10" presetClass="entr" presetSubtype="0" fill="hold" grpId="0" nodeType="clickEffect">
+                                  <p:stCondLst>
+                                    <p:cond delay="0"/>
+                                  </p:stCondLst>
+                                  <p:childTnLst>
+                                    <p:set>
+                                      <p:cBhvr>
+                                        <p:cTn id="6" dur="1" fill="hold">
+                                          <p:stCondLst>
+                                            <p:cond delay="0"/>
+                                          </p:stCondLst>
+                                        </p:cTn>
+                                        <p:tgtEl>
+                                          <p:spTgt spid="4"/>
+                                        </p:tgtEl>
+                                        <p:attrNameLst>
+                                          <p:attrName>style.visibility</p:attrName>
+                                        </p:attrNameLst>
+                                      </p:cBhvr>
+                                      <p:to>
+                                        <p:strVal val="visible"/>
+                                      </p:to>
+                                    </p:set>
+                                    <p:animEffect transition="in" filter="fade">
+                                      <p:cBhvr>
+                                        <p:cTn id="7" dur="500"/>
+                                        <p:tgtEl>
+                                          <p:spTgt spid="4"/>
+                                        </p:tgtEl>
+                                      </p:cBhvr>
+                                    </p:animEffect>
+                                  </p:childTnLst>
+                                </p:cTn>
+                              </p:par>
+                            </p:childTnLst>
+                          </p:cTn>
+                        </p:par>
+                      </p:childTnLst>
+                    </p:cTn>
+                  </p:par>
+                  <p:par>
+                    <p:cTn id="8" fill="hold">
+                      <p:stCondLst>
+                        <p:cond delay="indefinite"/>
+                      </p:stCondLst>
+                      <p:childTnLst>
+                        <p:par>
+                          <p:cTn id="9" fill="hold">
+                            <p:stCondLst>
+                              <p:cond delay="0"/>
+                            </p:stCondLst>
+                            <p:childTnLst>
+                              <p:par>
+                                <p:cTn id="10" presetID="53" presetClass="entr" presetSubtype="16" fill="hold" grpId="0" nodeType="clickEffect">
+                                  <p:stCondLst>
+                                    <p:cond delay="0"/>
+                                  </p:stCondLst>
+                                  <p:childTnLst>
+                                    <p:set>
+                                      <p:cBhvr>
+                                        <p:cTn id="11" dur="1" fill="hold">
+                                          <p:stCondLst>
+                                            <p:cond delay="0"/>
+                                          </p:stCondLst>
+                                        </p:cTn>
+                                        <p:tgtEl>
+                                          <p:spTgt spid="5"/>
+                                        </p:tgtEl>
+                                        <p:attrNameLst>
+                                          <p:attrName>style.visibility</p:attrName>
+                                        </p:attrNameLst>
+                                      </p:cBhvr>
+                                      <p:to>
+                                        <p:strVal val="visible"/>
+                                      </p:to>
+                                    </p:set>
+                                    <p:anim calcmode="lin" valueType="num">
+                                      <p:cBhvr>
+                                        <p:cTn id="12" dur="500" fill="hold"/>
+                                        <p:tgtEl>
+                                          <p:spTgt spid="5"/>
+                                        </p:tgtEl>
+                                        <p:attrNameLst>
+                                          <p:attrName>ppt_w</p:attrName>
+                                        </p:attrNameLst>
+                                      </p:cBhvr>
+                                      <p:tavLst>
+                                        <p:tav tm="0">
+                                          <p:val>
+                                            <p:fltVal val="0"/>
+                                          </p:val>
+                                        </p:tav>
+                                        <p:tav tm="100000">
+                                          <p:val>
+                                            <p:strVal val="#ppt_w"/>
+                                          </p:val>
+                                        </p:tav>
+                                      </p:tavLst>
+                                    </p:anim>
+                                    <p:anim calcmode="lin" valueType="num">
+                                      <p:cBhvr>
+                                        <p:cTn id="13" dur="500" fill="hold"/>
+                                        <p:tgtEl>
+                                          <p:spTgt spid="5"/>
+                                        </p:tgtEl>
+                                        <p:attrNameLst>
+                                          <p:attrName>ppt_h</p:attrName>
+                                        </p:attrNameLst>
+                                      </p:cBhvr>
+                                      <p:tavLst>
+                                        <p:tav tm="0">
+                                          <p:val>
+                                            <p:fltVal val="0"/>
+                                          </p:val>
+                                        </p:tav>
+                                        <p:tav tm="100000">
+                                          <p:val>
+                                            <p:strVal val="#ppt_h"/>
+                                          </p:val>
+                                        </p:tav>
+                                      </p:tavLst>
+                                    </p:anim>
+                                    <p:animEffect transition="in" filter="fade">
+                                      <p:cBhvr>
+                                        <p:cTn id="14" dur="500"/>
+                                        <p:tgtEl>
+                                          <p:spTgt spid="5"/>
+                                        </p:tgtEl>
+                                      </p:cBhvr>
+                                    </p:animEffect>
+                                  </p:childTnLst>
+                                </p:cTn>
+                              </p:par>
+                            </p:childTnLst>
+                          </p:cTn>
+                        </p:par>
+                      </p:childTnLst>
+                    </p:cTn>
+                  </p:par>
+                  <p:par>
+                    <p:cTn id="15" fill="hold">
+                      <p:stCondLst>
+                        <p:cond delay="indefinite"/>
+                      </p:stCondLst>
+                      <p:childTnLst>
+                        <p:par>
+                          <p:cTn id="16" fill="hold">
+                            <p:stCondLst>
+                              <p:cond delay="0"/>
+                            </p:stCondLst>
+                            <p:childTnLst>
+                              <p:par>
+                                <p:cTn id="17" presetID="53" presetClass="entr" presetSubtype="16" fill="hold" grpId="0" nodeType="clickEffect">
+                                  <p:stCondLst>
+                                    <p:cond delay="0"/>
+                                  </p:stCondLst>
+                                  <p:childTnLst>
+                                    <p:set>
+                                      <p:cBhvr>
+                                        <p:cTn id="18" dur="1" fill="hold">
+                                          <p:stCondLst>
+                                            <p:cond delay="0"/>
+                                          </p:stCondLst>
+                                        </p:cTn>
+                                        <p:tgtEl>
+                                          <p:spTgt spid="6"/>
+                                        </p:tgtEl>
+                                        <p:attrNameLst>
+                                          <p:attrName>style.visibility</p:attrName>
+                                        </p:attrNameLst>
+                                      </p:cBhvr>
+                                      <p:to>
+                                        <p:strVal val="visible"/>
+                                      </p:to>
+                                    </p:set>
+                                    <p:anim calcmode="lin" valueType="num">
+                                      <p:cBhvr>
+                                        <p:cTn id="19" dur="500" fill="hold"/>
+                                        <p:tgtEl>
+                                          <p:spTgt spid="6"/>
+                                        </p:tgtEl>
+                                        <p:attrNameLst>
+                                          <p:attrName>ppt_w</p:attrName>
+                                        </p:attrNameLst>
+                                      </p:cBhvr>
+                                      <p:tavLst>
+                                        <p:tav tm="0">
+                                          <p:val>
+                                            <p:fltVal val="0"/>
+                                          </p:val>
+                                        </p:tav>
+                                        <p:tav tm="100000">
+                                          <p:val>
+                                            <p:strVal val="#ppt_w"/>
+                                          </p:val>
+                                        </p:tav>
+                                      </p:tavLst>
+                                    </p:anim>
+                                    <p:anim calcmode="lin" valueType="num">
+                                      <p:cBhvr>
+                                        <p:cTn id="20" dur="500" fill="hold"/>
+                                        <p:tgtEl>
+                                          <p:spTgt spid="6"/>
+                                        </p:tgtEl>
+                                        <p:attrNameLst>
+                                          <p:attrName>ppt_h</p:attrName>
+                                        </p:attrNameLst>
+                                      </p:cBhvr>
+                                      <p:tavLst>
+                                        <p:tav tm="0">
+                                          <p:val>
+                                            <p:fltVal val="0"/>
+                                          </p:val>
+                                        </p:tav>
+                                        <p:tav tm="100000">
+                                          <p:val>
+                                            <p:strVal val="#ppt_h"/>
+                                          </p:val>
+                                        </p:tav>
+                                      </p:tavLst>
+                                    </p:anim>
+                                    <p:animEffect transition="in" filter="fade">
+                                      <p:cBhvr>
+                                        <p:cTn id="21" dur="500"/>
+                                        <p:tgtEl>
+                                          <p:spTgt spid="6"/>
+                                        </p:tgtEl>
+                                      </p:cBhvr>
+                                    </p:animEffect>
+                                  </p:childTnLst>
+                                </p:cTn>
+                              </p:par>
+                            </p:childTnLst>
+                          </p:cTn>
+                        </p:par>
+                      </p:childTnLst>
+                    </p:cTn>
+                  </p:par>
+                  <p:par>
+                    <p:cTn id="22" fill="hold">
+                      <p:stCondLst>
+                        <p:cond delay="indefinite"/>
+                      </p:stCondLst>
+                      <p:childTnLst>
+                        <p:par>
+                          <p:cTn id="23" fill="hold">
+                            <p:stCondLst>
+                              <p:cond delay="0"/>
+                            </p:stCondLst>
+                            <p:childTnLst>
+                              <p:par>
+                                <p:cTn id="24" presetID="1" presetClass="emph" presetSubtype="2" fill="hold" nodeType="clickEffect">
+                                  <p:stCondLst>
+                                    <p:cond delay="0"/>
+                                  </p:stCondLst>
+                                  <p:childTnLst>
+                                    <p:animClr clrSpc="rgb" dir="cw">
+                                      <p:cBhvr>
+                                        <p:cTn id="25" dur="2000" fill="hold"/>
+                                        <p:tgtEl>
+                                          <p:spTgt spid="6"/>
+                                        </p:tgtEl>
+                                        <p:attrNameLst>
+                                          <p:attrName>fillcolor</p:attrName>
+                                        </p:attrNameLst>
+                                      </p:cBhvr>
+                                      <p:to>
+                                        <a:srgbClr val="0FFF48"/>
+                                      </p:to>
+                                    </p:animClr>
+                                    <p:set>
+                                      <p:cBhvr>
+                                        <p:cTn id="26" dur="2000" fill="hold"/>
+                                        <p:tgtEl>
+                                          <p:spTgt spid="6"/>
+                                        </p:tgtEl>
+                                        <p:attrNameLst>
+                                          <p:attrName>fill.type</p:attrName>
+                                        </p:attrNameLst>
+                                      </p:cBhvr>
+                                      <p:to>
+                                        <p:strVal val="solid"/>
+                                      </p:to>
+                                    </p:set>
+                                    <p:set>
+                                      <p:cBhvr>
+                                        <p:cTn id="27" dur="2000" fill="hold"/>
+                                        <p:tgtEl>
+                                          <p:spTgt spid="6"/>
+                                        </p:tgtEl>
+                                        <p:attrNameLst>
+                                          <p:attrName>fill.on</p:attrName>
+                                        </p:attrNameLst>
+                                      </p:cBhvr>
+                                      <p:to>
+                                        <p:strVal val="true"/>
+                                      </p:to>
+                                    </p:set>
+                                  </p:childTnLst>
+                                </p:cTn>
+                              </p:par>
+                            </p:childTnLst>
+                          </p:cTn>
+                        </p:par>
+                      </p:childTnLst>
+                    </p:cTn>
+                  </p:par>
+                </p:childTnLst>
+              </p:cTn>
+              <p:prevCondLst>
+                <p:cond evt="onPrev" delay="0">
+                  <p:tgtEl>
+                    <p:sldTgt/>
+                  </p:tgtEl>
+                </p:cond>
+              </p:prevCondLst>
+              <p:nextCondLst>
+                <p:cond evt="onNext" delay="0">
+                  <p:tgtEl>
+                    <p:sldTgt/>
+                  </p:tgtEl>
+                </p:cond>
+              </p:nextCondLst>
+            </p:seq>
+          </p:childTnLst>
+        </p:cTn>
+      </p:par>
+    </p:tnLst>
+    <p:bldLst>
+      <p:bldP spid="4" grpId="0" animBg="1"/>
+      <p:bldP spid="5" grpId="0" animBg="1"/>
+      <p:bldP spid="6" grpId="0" animBg="1"/>
+    </p:bldLst>
+  </p:timing>
+</p:sld>
+</file>
+
+<file path=ppt/slides/slide25.xml><?xml version="1.0" encoding="utf-8"?>
+<p:sld xmlns:a="http://schemas.openxmlformats.org/drawingml/2006/main" xmlns:r="http://schemas.openxmlformats.org/officeDocument/2006/relationships" xmlns:p="http://schemas.openxmlformats.org/presentationml/2006/main">
+  <p:cSld>
+    <p:spTree>
+      <p:nvGrpSpPr>
+        <p:cNvPr id="1" name=""/>
+        <p:cNvGrpSpPr/>
+        <p:nvPr/>
+      </p:nvGrpSpPr>
+      <p:grpSpPr>
+        <a:xfrm>
+          <a:off x="0" y="0"/>
+          <a:ext cx="0" cy="0"/>
+          <a:chOff x="0" y="0"/>
+          <a:chExt cx="0" cy="0"/>
+        </a:xfrm>
+      </p:grpSpPr>
+      <p:sp>
+        <p:nvSpPr>
+          <p:cNvPr id="2" name="Title 1"/>
+          <p:cNvSpPr>
+            <a:spLocks noGrp="1"/>
+          </p:cNvSpPr>
+          <p:nvPr>
+            <p:ph type="title"/>
+          </p:nvPr>
+        </p:nvSpPr>
+        <p:spPr/>
+        <p:txBody>
+          <a:bodyPr/>
+          <a:lstStyle/>
+          <a:p>
+            <a:r>
+              <a:rPr lang="en-US" dirty="0" err="1" smtClean="0"/>
+              <a:t>Templating</a:t>
+            </a:r>
+            <a:r>
+              <a:rPr lang="en-US" dirty="0" smtClean="0"/>
+              <a:t> concepts</a:t>
+            </a:r>
+            <a:endParaRPr lang="en-US" dirty="0"/>
+          </a:p>
+        </p:txBody>
+      </p:sp>
+      <p:sp>
+        <p:nvSpPr>
+          <p:cNvPr id="3" name="Content Placeholder 2"/>
+          <p:cNvSpPr>
+            <a:spLocks noGrp="1"/>
+          </p:cNvSpPr>
+          <p:nvPr>
+            <p:ph sz="quarter" idx="10"/>
+          </p:nvPr>
+        </p:nvSpPr>
+        <p:spPr/>
+        <p:txBody>
+          <a:bodyPr/>
+          <a:lstStyle/>
+          <a:p>
+            <a:r>
+              <a:rPr lang="en-US" dirty="0" smtClean="0"/>
+              <a:t>Even more advanced</a:t>
+            </a:r>
+          </a:p>
+          <a:p>
+            <a:pPr lvl="1"/>
+            <a:r>
+              <a:rPr lang="en-US" dirty="0" smtClean="0"/>
+              <a:t>Layouts to ensure consistency</a:t>
+            </a:r>
+          </a:p>
+          <a:p>
+            <a:pPr lvl="1"/>
+            <a:endParaRPr lang="en-US" dirty="0"/>
+          </a:p>
+        </p:txBody>
+      </p:sp>
+      <p:sp>
+        <p:nvSpPr>
+          <p:cNvPr id="4" name="Rounded Rectangle 3"/>
+          <p:cNvSpPr/>
+          <p:nvPr/>
+        </p:nvSpPr>
+        <p:spPr>
+          <a:xfrm>
+            <a:off x="1348992" y="2877206"/>
+            <a:ext cx="7511229" cy="3499945"/>
+          </a:xfrm>
+          <a:prstGeom prst="roundRect">
+            <a:avLst>
+              <a:gd name="adj" fmla="val 9460"/>
+            </a:avLst>
+          </a:prstGeom>
+        </p:spPr>
+        <p:style>
+          <a:lnRef idx="3">
+            <a:schemeClr val="lt1"/>
+          </a:lnRef>
+          <a:fillRef idx="1">
+            <a:schemeClr val="accent2"/>
+          </a:fillRef>
+          <a:effectRef idx="1">
+            <a:schemeClr val="accent2"/>
+          </a:effectRef>
+          <a:fontRef idx="minor">
+            <a:schemeClr val="lt1"/>
+          </a:fontRef>
+        </p:style>
+        <p:txBody>
+          <a:bodyPr rtlCol="0" anchor="ctr"/>
+          <a:lstStyle/>
+          <a:p>
+            <a:r>
+              <a:rPr lang="en-US" sz="2400" dirty="0" smtClean="0">
+                <a:latin typeface="Consolas" panose="020B0609020204030204" pitchFamily="49" charset="0"/>
+                <a:cs typeface="Consolas" panose="020B0609020204030204" pitchFamily="49" charset="0"/>
+              </a:rPr>
+              <a:t>&lt;html&gt;</a:t>
+            </a:r>
+          </a:p>
+          <a:p>
+            <a:r>
+              <a:rPr lang="en-US" sz="2400" dirty="0">
+                <a:latin typeface="Consolas" panose="020B0609020204030204" pitchFamily="49" charset="0"/>
+                <a:cs typeface="Consolas" panose="020B0609020204030204" pitchFamily="49" charset="0"/>
+              </a:rPr>
+              <a:t> </a:t>
+            </a:r>
+            <a:r>
+              <a:rPr lang="en-US" sz="2400" dirty="0" smtClean="0">
+                <a:latin typeface="Consolas" panose="020B0609020204030204" pitchFamily="49" charset="0"/>
+                <a:cs typeface="Consolas" panose="020B0609020204030204" pitchFamily="49" charset="0"/>
+              </a:rPr>
+              <a:t>  &lt;head&gt;</a:t>
+            </a:r>
+          </a:p>
+          <a:p>
+            <a:r>
+              <a:rPr lang="en-US" sz="2400" dirty="0">
+                <a:latin typeface="Consolas" panose="020B0609020204030204" pitchFamily="49" charset="0"/>
+                <a:cs typeface="Consolas" panose="020B0609020204030204" pitchFamily="49" charset="0"/>
+              </a:rPr>
+              <a:t> </a:t>
+            </a:r>
+            <a:r>
+              <a:rPr lang="en-US" sz="2400" dirty="0" smtClean="0">
+                <a:latin typeface="Consolas" panose="020B0609020204030204" pitchFamily="49" charset="0"/>
+                <a:cs typeface="Consolas" panose="020B0609020204030204" pitchFamily="49" charset="0"/>
+              </a:rPr>
+              <a:t>       &lt;title&gt;                   &lt;/title&gt;</a:t>
+            </a:r>
+          </a:p>
+          <a:p>
+            <a:r>
+              <a:rPr lang="en-US" sz="2400" dirty="0">
+                <a:latin typeface="Consolas" panose="020B0609020204030204" pitchFamily="49" charset="0"/>
+                <a:cs typeface="Consolas" panose="020B0609020204030204" pitchFamily="49" charset="0"/>
+              </a:rPr>
+              <a:t> </a:t>
+            </a:r>
+            <a:r>
+              <a:rPr lang="en-US" sz="2400" dirty="0" smtClean="0">
+                <a:latin typeface="Consolas" panose="020B0609020204030204" pitchFamily="49" charset="0"/>
+                <a:cs typeface="Consolas" panose="020B0609020204030204" pitchFamily="49" charset="0"/>
+              </a:rPr>
+              <a:t>  &lt;/head&gt;</a:t>
+            </a:r>
+          </a:p>
+          <a:p>
+            <a:endParaRPr lang="en-US" sz="2400" dirty="0" smtClean="0">
+              <a:latin typeface="Consolas" panose="020B0609020204030204" pitchFamily="49" charset="0"/>
+              <a:cs typeface="Consolas" panose="020B0609020204030204" pitchFamily="49" charset="0"/>
+            </a:endParaRPr>
+          </a:p>
+          <a:p>
+            <a:endParaRPr lang="en-US" sz="2400" dirty="0">
+              <a:latin typeface="Consolas" panose="020B0609020204030204" pitchFamily="49" charset="0"/>
+              <a:cs typeface="Consolas" panose="020B0609020204030204" pitchFamily="49" charset="0"/>
+            </a:endParaRPr>
+          </a:p>
+          <a:p>
+            <a:endParaRPr lang="en-US" sz="2400" dirty="0" smtClean="0">
+              <a:latin typeface="Consolas" panose="020B0609020204030204" pitchFamily="49" charset="0"/>
+              <a:cs typeface="Consolas" panose="020B0609020204030204" pitchFamily="49" charset="0"/>
+            </a:endParaRPr>
+          </a:p>
+          <a:p>
+            <a:r>
+              <a:rPr lang="en-US" sz="2400" dirty="0" smtClean="0">
+                <a:latin typeface="Consolas" panose="020B0609020204030204" pitchFamily="49" charset="0"/>
+                <a:cs typeface="Consolas" panose="020B0609020204030204" pitchFamily="49" charset="0"/>
+              </a:rPr>
+              <a:t>&lt;/html&gt;</a:t>
+            </a:r>
+            <a:endParaRPr lang="en-US" sz="2400" dirty="0">
+              <a:latin typeface="Consolas" panose="020B0609020204030204" pitchFamily="49" charset="0"/>
+              <a:cs typeface="Consolas" panose="020B0609020204030204" pitchFamily="49" charset="0"/>
+            </a:endParaRPr>
+          </a:p>
+        </p:txBody>
+      </p:sp>
+      <p:sp>
+        <p:nvSpPr>
+          <p:cNvPr id="5" name="Rounded Rectangle 4"/>
+          <p:cNvSpPr/>
+          <p:nvPr/>
+        </p:nvSpPr>
+        <p:spPr>
+          <a:xfrm>
+            <a:off x="4114800" y="3807372"/>
+            <a:ext cx="3113690" cy="496614"/>
+          </a:xfrm>
+          <a:prstGeom prst="roundRect">
+            <a:avLst/>
+          </a:prstGeom>
+        </p:spPr>
+        <p:style>
+          <a:lnRef idx="1">
+            <a:schemeClr val="accent4"/>
+          </a:lnRef>
+          <a:fillRef idx="2">
+            <a:schemeClr val="accent4"/>
+          </a:fillRef>
+          <a:effectRef idx="1">
+            <a:schemeClr val="accent4"/>
+          </a:effectRef>
+          <a:fontRef idx="minor">
+            <a:schemeClr val="dk1"/>
+          </a:fontRef>
+        </p:style>
+        <p:txBody>
+          <a:bodyPr rtlCol="0" anchor="ctr"/>
+          <a:lstStyle/>
+          <a:p>
+            <a:pPr algn="ctr"/>
+            <a:r>
+              <a:rPr lang="en-US" sz="2400" dirty="0" smtClean="0"/>
+              <a:t>Hello, Python!!</a:t>
+            </a:r>
+            <a:endParaRPr lang="en-US" sz="2400" dirty="0"/>
+          </a:p>
+        </p:txBody>
+      </p:sp>
+      <p:sp>
+        <p:nvSpPr>
+          <p:cNvPr id="7" name="Rounded Rectangle 6"/>
+          <p:cNvSpPr/>
+          <p:nvPr/>
+        </p:nvSpPr>
+        <p:spPr>
+          <a:xfrm>
+            <a:off x="1901228" y="4635374"/>
+            <a:ext cx="6726724" cy="1122630"/>
+          </a:xfrm>
+          <a:prstGeom prst="roundRect">
+            <a:avLst/>
+          </a:prstGeom>
+        </p:spPr>
+        <p:style>
+          <a:lnRef idx="1">
+            <a:schemeClr val="accent3"/>
+          </a:lnRef>
+          <a:fillRef idx="2">
+            <a:schemeClr val="accent3"/>
+          </a:fillRef>
+          <a:effectRef idx="1">
+            <a:schemeClr val="accent3"/>
+          </a:effectRef>
+          <a:fontRef idx="minor">
+            <a:schemeClr val="dk1"/>
+          </a:fontRef>
+        </p:style>
+        <p:txBody>
+          <a:bodyPr rtlCol="0" anchor="ctr"/>
+          <a:lstStyle/>
+          <a:p>
+            <a:r>
+              <a:rPr lang="en-US" sz="2400" dirty="0">
+                <a:latin typeface="Consolas" panose="020B0609020204030204" pitchFamily="49" charset="0"/>
+                <a:cs typeface="Consolas" panose="020B0609020204030204" pitchFamily="49" charset="0"/>
+              </a:rPr>
+              <a:t>&lt;body&gt;</a:t>
+            </a:r>
+          </a:p>
+          <a:p>
+            <a:r>
+              <a:rPr lang="en-US" sz="2400" dirty="0" smtClean="0">
+                <a:latin typeface="Consolas" panose="020B0609020204030204" pitchFamily="49" charset="0"/>
+                <a:cs typeface="Consolas" panose="020B0609020204030204" pitchFamily="49" charset="0"/>
+              </a:rPr>
+              <a:t>     </a:t>
+            </a:r>
+            <a:r>
+              <a:rPr lang="en-US" sz="2400" dirty="0">
+                <a:latin typeface="Consolas" panose="020B0609020204030204" pitchFamily="49" charset="0"/>
+                <a:cs typeface="Consolas" panose="020B0609020204030204" pitchFamily="49" charset="0"/>
+              </a:rPr>
+              <a:t>&lt;b&gt;Welcome,               &lt;/b&gt;</a:t>
+            </a:r>
+          </a:p>
+          <a:p>
+            <a:r>
+              <a:rPr lang="en-US" sz="2400" dirty="0" smtClean="0">
+                <a:latin typeface="Consolas" panose="020B0609020204030204" pitchFamily="49" charset="0"/>
+                <a:cs typeface="Consolas" panose="020B0609020204030204" pitchFamily="49" charset="0"/>
+              </a:rPr>
+              <a:t>&lt;/</a:t>
+            </a:r>
+            <a:r>
+              <a:rPr lang="en-US" sz="2400" dirty="0">
+                <a:latin typeface="Consolas" panose="020B0609020204030204" pitchFamily="49" charset="0"/>
+                <a:cs typeface="Consolas" panose="020B0609020204030204" pitchFamily="49" charset="0"/>
+              </a:rPr>
+              <a:t>body&gt;</a:t>
+            </a:r>
+          </a:p>
+        </p:txBody>
+      </p:sp>
+      <p:sp>
+        <p:nvSpPr>
+          <p:cNvPr id="6" name="Rounded Rectangle 5"/>
+          <p:cNvSpPr/>
+          <p:nvPr/>
+        </p:nvSpPr>
+        <p:spPr>
+          <a:xfrm>
+            <a:off x="4771697" y="4922781"/>
+            <a:ext cx="2456793" cy="496614"/>
+          </a:xfrm>
+          <a:prstGeom prst="roundRect">
+            <a:avLst/>
+          </a:prstGeom>
+        </p:spPr>
+        <p:style>
+          <a:lnRef idx="1">
+            <a:schemeClr val="accent4"/>
+          </a:lnRef>
+          <a:fillRef idx="2">
+            <a:schemeClr val="accent4"/>
+          </a:fillRef>
+          <a:effectRef idx="1">
+            <a:schemeClr val="accent4"/>
+          </a:effectRef>
+          <a:fontRef idx="minor">
+            <a:schemeClr val="dk1"/>
+          </a:fontRef>
+        </p:style>
+        <p:txBody>
+          <a:bodyPr rtlCol="0" anchor="ctr"/>
+          <a:lstStyle/>
+          <a:p>
+            <a:pPr algn="ctr"/>
+            <a:r>
+              <a:rPr lang="en-US" sz="2400" dirty="0" smtClean="0"/>
+              <a:t>Christopher</a:t>
+            </a:r>
+            <a:endParaRPr lang="en-US" sz="2400" dirty="0"/>
+          </a:p>
+        </p:txBody>
+      </p:sp>
+    </p:spTree>
+    <p:extLst>
+      <p:ext uri="{BB962C8B-B14F-4D97-AF65-F5344CB8AC3E}">
+        <p14:creationId xmlns:p14="http://schemas.microsoft.com/office/powerpoint/2010/main" val="4025844625"/>
+      </p:ext>
+    </p:extLst>
+  </p:cSld>
+  <p:clrMapOvr>
+    <a:masterClrMapping/>
+  </p:clrMapOvr>
+  <p:timing>
+    <p:tnLst>
+      <p:par>
+        <p:cTn id="1" dur="indefinite" restart="never" nodeType="tmRoot">
+          <p:childTnLst>
+            <p:seq concurrent="1" nextAc="seek">
+              <p:cTn id="2" dur="indefinite" nodeType="mainSeq">
+                <p:childTnLst>
+                  <p:par>
+                    <p:cTn id="3" fill="hold">
+                      <p:stCondLst>
+                        <p:cond delay="indefinite"/>
+                      </p:stCondLst>
+                      <p:childTnLst>
+                        <p:par>
+                          <p:cTn id="4" fill="hold">
+                            <p:stCondLst>
+                              <p:cond delay="0"/>
+                            </p:stCondLst>
+                            <p:childTnLst>
+                              <p:par>
+                                <p:cTn id="5" presetID="10" presetClass="entr" presetSubtype="0" fill="hold" grpId="0" nodeType="clickEffect">
+                                  <p:stCondLst>
+                                    <p:cond delay="0"/>
+                                  </p:stCondLst>
+                                  <p:childTnLst>
+                                    <p:set>
+                                      <p:cBhvr>
+                                        <p:cTn id="6" dur="1" fill="hold">
+                                          <p:stCondLst>
+                                            <p:cond delay="0"/>
+                                          </p:stCondLst>
+                                        </p:cTn>
+                                        <p:tgtEl>
+                                          <p:spTgt spid="4"/>
+                                        </p:tgtEl>
+                                        <p:attrNameLst>
+                                          <p:attrName>style.visibility</p:attrName>
+                                        </p:attrNameLst>
+                                      </p:cBhvr>
+                                      <p:to>
+                                        <p:strVal val="visible"/>
+                                      </p:to>
+                                    </p:set>
+                                    <p:animEffect transition="in" filter="fade">
+                                      <p:cBhvr>
+                                        <p:cTn id="7" dur="500"/>
+                                        <p:tgtEl>
+                                          <p:spTgt spid="4"/>
+                                        </p:tgtEl>
+                                      </p:cBhvr>
+                                    </p:animEffect>
+                                  </p:childTnLst>
+                                </p:cTn>
+                              </p:par>
+                            </p:childTnLst>
+                          </p:cTn>
+                        </p:par>
+                      </p:childTnLst>
+                    </p:cTn>
+                  </p:par>
+                  <p:par>
+                    <p:cTn id="8" fill="hold">
+                      <p:stCondLst>
+                        <p:cond delay="indefinite"/>
+                      </p:stCondLst>
+                      <p:childTnLst>
+                        <p:par>
+                          <p:cTn id="9" fill="hold">
+                            <p:stCondLst>
+                              <p:cond delay="0"/>
+                            </p:stCondLst>
+                            <p:childTnLst>
+                              <p:par>
+                                <p:cTn id="10" presetID="53" presetClass="entr" presetSubtype="16" fill="hold" grpId="0" nodeType="clickEffect">
+                                  <p:stCondLst>
+                                    <p:cond delay="0"/>
+                                  </p:stCondLst>
+                                  <p:childTnLst>
+                                    <p:set>
+                                      <p:cBhvr>
+                                        <p:cTn id="11" dur="1" fill="hold">
+                                          <p:stCondLst>
+                                            <p:cond delay="0"/>
+                                          </p:stCondLst>
+                                        </p:cTn>
+                                        <p:tgtEl>
+                                          <p:spTgt spid="5"/>
+                                        </p:tgtEl>
+                                        <p:attrNameLst>
+                                          <p:attrName>style.visibility</p:attrName>
+                                        </p:attrNameLst>
+                                      </p:cBhvr>
+                                      <p:to>
+                                        <p:strVal val="visible"/>
+                                      </p:to>
+                                    </p:set>
+                                    <p:anim calcmode="lin" valueType="num">
+                                      <p:cBhvr>
+                                        <p:cTn id="12" dur="500" fill="hold"/>
+                                        <p:tgtEl>
+                                          <p:spTgt spid="5"/>
+                                        </p:tgtEl>
+                                        <p:attrNameLst>
+                                          <p:attrName>ppt_w</p:attrName>
+                                        </p:attrNameLst>
+                                      </p:cBhvr>
+                                      <p:tavLst>
+                                        <p:tav tm="0">
+                                          <p:val>
+                                            <p:fltVal val="0"/>
+                                          </p:val>
+                                        </p:tav>
+                                        <p:tav tm="100000">
+                                          <p:val>
+                                            <p:strVal val="#ppt_w"/>
+                                          </p:val>
+                                        </p:tav>
+                                      </p:tavLst>
+                                    </p:anim>
+                                    <p:anim calcmode="lin" valueType="num">
+                                      <p:cBhvr>
+                                        <p:cTn id="13" dur="500" fill="hold"/>
+                                        <p:tgtEl>
+                                          <p:spTgt spid="5"/>
+                                        </p:tgtEl>
+                                        <p:attrNameLst>
+                                          <p:attrName>ppt_h</p:attrName>
+                                        </p:attrNameLst>
+                                      </p:cBhvr>
+                                      <p:tavLst>
+                                        <p:tav tm="0">
+                                          <p:val>
+                                            <p:fltVal val="0"/>
+                                          </p:val>
+                                        </p:tav>
+                                        <p:tav tm="100000">
+                                          <p:val>
+                                            <p:strVal val="#ppt_h"/>
+                                          </p:val>
+                                        </p:tav>
+                                      </p:tavLst>
+                                    </p:anim>
+                                    <p:animEffect transition="in" filter="fade">
+                                      <p:cBhvr>
+                                        <p:cTn id="14" dur="500"/>
+                                        <p:tgtEl>
+                                          <p:spTgt spid="5"/>
+                                        </p:tgtEl>
+                                      </p:cBhvr>
+                                    </p:animEffect>
+                                  </p:childTnLst>
+                                </p:cTn>
+                              </p:par>
+                            </p:childTnLst>
+                          </p:cTn>
+                        </p:par>
+                      </p:childTnLst>
+                    </p:cTn>
+                  </p:par>
+                  <p:par>
+                    <p:cTn id="15" fill="hold">
+                      <p:stCondLst>
+                        <p:cond delay="indefinite"/>
+                      </p:stCondLst>
+                      <p:childTnLst>
+                        <p:par>
+                          <p:cTn id="16" fill="hold">
+                            <p:stCondLst>
+                              <p:cond delay="0"/>
+                            </p:stCondLst>
+                            <p:childTnLst>
+                              <p:par>
+                                <p:cTn id="17" presetID="42" presetClass="entr" presetSubtype="0" fill="hold" grpId="0" nodeType="clickEffect">
+                                  <p:stCondLst>
+                                    <p:cond delay="0"/>
+                                  </p:stCondLst>
+                                  <p:childTnLst>
+                                    <p:set>
+                                      <p:cBhvr>
+                                        <p:cTn id="18" dur="1" fill="hold">
+                                          <p:stCondLst>
+                                            <p:cond delay="0"/>
+                                          </p:stCondLst>
+                                        </p:cTn>
+                                        <p:tgtEl>
+                                          <p:spTgt spid="7"/>
+                                        </p:tgtEl>
+                                        <p:attrNameLst>
+                                          <p:attrName>style.visibility</p:attrName>
+                                        </p:attrNameLst>
+                                      </p:cBhvr>
+                                      <p:to>
+                                        <p:strVal val="visible"/>
+                                      </p:to>
+                                    </p:set>
+                                    <p:animEffect transition="in" filter="fade">
+                                      <p:cBhvr>
+                                        <p:cTn id="19" dur="1000"/>
+                                        <p:tgtEl>
+                                          <p:spTgt spid="7"/>
+                                        </p:tgtEl>
+                                      </p:cBhvr>
+                                    </p:animEffect>
+                                    <p:anim calcmode="lin" valueType="num">
+                                      <p:cBhvr>
+                                        <p:cTn id="20" dur="1000" fill="hold"/>
+                                        <p:tgtEl>
+                                          <p:spTgt spid="7"/>
+                                        </p:tgtEl>
+                                        <p:attrNameLst>
+                                          <p:attrName>ppt_x</p:attrName>
+                                        </p:attrNameLst>
+                                      </p:cBhvr>
+                                      <p:tavLst>
+                                        <p:tav tm="0">
+                                          <p:val>
+                                            <p:strVal val="#ppt_x"/>
+                                          </p:val>
+                                        </p:tav>
+                                        <p:tav tm="100000">
+                                          <p:val>
+                                            <p:strVal val="#ppt_x"/>
+                                          </p:val>
+                                        </p:tav>
+                                      </p:tavLst>
+                                    </p:anim>
+                                    <p:anim calcmode="lin" valueType="num">
+                                      <p:cBhvr>
+                                        <p:cTn id="21" dur="1000" fill="hold"/>
+                                        <p:tgtEl>
+                                          <p:spTgt spid="7"/>
+                                        </p:tgtEl>
+                                        <p:attrNameLst>
+                                          <p:attrName>ppt_y</p:attrName>
+                                        </p:attrNameLst>
+                                      </p:cBhvr>
+                                      <p:tavLst>
+                                        <p:tav tm="0">
+                                          <p:val>
+                                            <p:strVal val="#ppt_y+.1"/>
+                                          </p:val>
+                                        </p:tav>
+                                        <p:tav tm="100000">
+                                          <p:val>
+                                            <p:strVal val="#ppt_y"/>
+                                          </p:val>
+                                        </p:tav>
+                                      </p:tavLst>
+                                    </p:anim>
+                                  </p:childTnLst>
+                                </p:cTn>
+                              </p:par>
+                            </p:childTnLst>
+                          </p:cTn>
+                        </p:par>
+                      </p:childTnLst>
+                    </p:cTn>
+                  </p:par>
+                  <p:par>
+                    <p:cTn id="22" fill="hold">
+                      <p:stCondLst>
+                        <p:cond delay="indefinite"/>
+                      </p:stCondLst>
+                      <p:childTnLst>
+                        <p:par>
+                          <p:cTn id="23" fill="hold">
+                            <p:stCondLst>
+                              <p:cond delay="0"/>
+                            </p:stCondLst>
+                            <p:childTnLst>
+                              <p:par>
+                                <p:cTn id="24" presetID="53" presetClass="entr" presetSubtype="16" fill="hold" grpId="0" nodeType="clickEffect">
+                                  <p:stCondLst>
+                                    <p:cond delay="0"/>
+                                  </p:stCondLst>
+                                  <p:childTnLst>
+                                    <p:set>
+                                      <p:cBhvr>
+                                        <p:cTn id="25" dur="1" fill="hold">
+                                          <p:stCondLst>
+                                            <p:cond delay="0"/>
+                                          </p:stCondLst>
+                                        </p:cTn>
+                                        <p:tgtEl>
+                                          <p:spTgt spid="6"/>
+                                        </p:tgtEl>
+                                        <p:attrNameLst>
+                                          <p:attrName>style.visibility</p:attrName>
+                                        </p:attrNameLst>
+                                      </p:cBhvr>
+                                      <p:to>
+                                        <p:strVal val="visible"/>
+                                      </p:to>
+                                    </p:set>
+                                    <p:anim calcmode="lin" valueType="num">
+                                      <p:cBhvr>
+                                        <p:cTn id="26" dur="500" fill="hold"/>
+                                        <p:tgtEl>
+                                          <p:spTgt spid="6"/>
+                                        </p:tgtEl>
+                                        <p:attrNameLst>
+                                          <p:attrName>ppt_w</p:attrName>
+                                        </p:attrNameLst>
+                                      </p:cBhvr>
+                                      <p:tavLst>
+                                        <p:tav tm="0">
+                                          <p:val>
+                                            <p:fltVal val="0"/>
+                                          </p:val>
+                                        </p:tav>
+                                        <p:tav tm="100000">
+                                          <p:val>
+                                            <p:strVal val="#ppt_w"/>
+                                          </p:val>
+                                        </p:tav>
+                                      </p:tavLst>
+                                    </p:anim>
+                                    <p:anim calcmode="lin" valueType="num">
+                                      <p:cBhvr>
+                                        <p:cTn id="27" dur="500" fill="hold"/>
+                                        <p:tgtEl>
+                                          <p:spTgt spid="6"/>
+                                        </p:tgtEl>
+                                        <p:attrNameLst>
+                                          <p:attrName>ppt_h</p:attrName>
+                                        </p:attrNameLst>
+                                      </p:cBhvr>
+                                      <p:tavLst>
+                                        <p:tav tm="0">
+                                          <p:val>
+                                            <p:fltVal val="0"/>
+                                          </p:val>
+                                        </p:tav>
+                                        <p:tav tm="100000">
+                                          <p:val>
+                                            <p:strVal val="#ppt_h"/>
+                                          </p:val>
+                                        </p:tav>
+                                      </p:tavLst>
+                                    </p:anim>
+                                    <p:animEffect transition="in" filter="fade">
+                                      <p:cBhvr>
+                                        <p:cTn id="28" dur="500"/>
+                                        <p:tgtEl>
+                                          <p:spTgt spid="6"/>
+                                        </p:tgtEl>
+                                      </p:cBhvr>
+                                    </p:animEffect>
+                                  </p:childTnLst>
+                                </p:cTn>
+                              </p:par>
+                            </p:childTnLst>
+                          </p:cTn>
+                        </p:par>
+                      </p:childTnLst>
+                    </p:cTn>
+                  </p:par>
+                  <p:par>
+                    <p:cTn id="29" fill="hold">
+                      <p:stCondLst>
+                        <p:cond delay="indefinite"/>
+                      </p:stCondLst>
+                      <p:childTnLst>
+                        <p:par>
+                          <p:cTn id="30" fill="hold">
+                            <p:stCondLst>
+                              <p:cond delay="0"/>
+                            </p:stCondLst>
+                            <p:childTnLst>
+                              <p:par>
+                                <p:cTn id="31" presetID="1" presetClass="emph" presetSubtype="2" fill="hold" nodeType="clickEffect">
+                                  <p:stCondLst>
+                                    <p:cond delay="0"/>
+                                  </p:stCondLst>
+                                  <p:childTnLst>
+                                    <p:animClr clrSpc="rgb" dir="cw">
+                                      <p:cBhvr>
+                                        <p:cTn id="32" dur="2000" fill="hold"/>
+                                        <p:tgtEl>
+                                          <p:spTgt spid="6"/>
+                                        </p:tgtEl>
+                                        <p:attrNameLst>
+                                          <p:attrName>fillcolor</p:attrName>
+                                        </p:attrNameLst>
+                                      </p:cBhvr>
+                                      <p:to>
+                                        <a:srgbClr val="0FFF48"/>
+                                      </p:to>
+                                    </p:animClr>
+                                    <p:set>
+                                      <p:cBhvr>
+                                        <p:cTn id="33" dur="2000" fill="hold"/>
+                                        <p:tgtEl>
+                                          <p:spTgt spid="6"/>
+                                        </p:tgtEl>
+                                        <p:attrNameLst>
+                                          <p:attrName>fill.type</p:attrName>
+                                        </p:attrNameLst>
+                                      </p:cBhvr>
+                                      <p:to>
+                                        <p:strVal val="solid"/>
+                                      </p:to>
+                                    </p:set>
+                                    <p:set>
+                                      <p:cBhvr>
+                                        <p:cTn id="34" dur="2000" fill="hold"/>
+                                        <p:tgtEl>
+                                          <p:spTgt spid="6"/>
+                                        </p:tgtEl>
+                                        <p:attrNameLst>
+                                          <p:attrName>fill.on</p:attrName>
+                                        </p:attrNameLst>
+                                      </p:cBhvr>
+                                      <p:to>
+                                        <p:strVal val="true"/>
+                                      </p:to>
+                                    </p:set>
+                                  </p:childTnLst>
+                                </p:cTn>
+                              </p:par>
+                            </p:childTnLst>
+                          </p:cTn>
+                        </p:par>
+                      </p:childTnLst>
+                    </p:cTn>
+                  </p:par>
+                </p:childTnLst>
+              </p:cTn>
+              <p:prevCondLst>
+                <p:cond evt="onPrev" delay="0">
+                  <p:tgtEl>
+                    <p:sldTgt/>
+                  </p:tgtEl>
+                </p:cond>
+              </p:prevCondLst>
+              <p:nextCondLst>
+                <p:cond evt="onNext" delay="0">
+                  <p:tgtEl>
+                    <p:sldTgt/>
+                  </p:tgtEl>
+                </p:cond>
+              </p:nextCondLst>
+            </p:seq>
+          </p:childTnLst>
+        </p:cTn>
+      </p:par>
+    </p:tnLst>
+    <p:bldLst>
+      <p:bldP spid="4" grpId="0" animBg="1"/>
+      <p:bldP spid="5" grpId="0" animBg="1"/>
+      <p:bldP spid="7" grpId="0" animBg="1"/>
+      <p:bldP spid="6" grpId="0" animBg="1"/>
+    </p:bldLst>
+  </p:timing>
+</p:sld>
+</file>
+
+<file path=ppt/slides/slide26.xml><?xml version="1.0" encoding="utf-8"?>
+<p:sld xmlns:a="http://schemas.openxmlformats.org/drawingml/2006/main" xmlns:r="http://schemas.openxmlformats.org/officeDocument/2006/relationships" xmlns:p="http://schemas.openxmlformats.org/presentationml/2006/main">
+  <p:cSld>
+    <p:spTree>
+      <p:nvGrpSpPr>
+        <p:cNvPr id="1" name=""/>
+        <p:cNvGrpSpPr/>
+        <p:nvPr/>
+      </p:nvGrpSpPr>
+      <p:grpSpPr>
+        <a:xfrm>
+          <a:off x="0" y="0"/>
+          <a:ext cx="0" cy="0"/>
+          <a:chOff x="0" y="0"/>
+          <a:chExt cx="0" cy="0"/>
+        </a:xfrm>
+      </p:grpSpPr>
+      <p:sp>
+        <p:nvSpPr>
+          <p:cNvPr id="2" name="Title 1"/>
+          <p:cNvSpPr>
+            <a:spLocks noGrp="1"/>
+          </p:cNvSpPr>
+          <p:nvPr>
+            <p:ph type="title"/>
+          </p:nvPr>
+        </p:nvSpPr>
+        <p:spPr/>
+        <p:txBody>
+          <a:bodyPr/>
+          <a:lstStyle/>
+          <a:p>
+            <a:r>
+              <a:rPr lang="en-US" dirty="0" smtClean="0"/>
+              <a:t>Jinja syntax</a:t>
+            </a:r>
+            <a:endParaRPr lang="en-US" dirty="0"/>
+          </a:p>
+        </p:txBody>
+      </p:sp>
+      <p:sp>
+        <p:nvSpPr>
+          <p:cNvPr id="3" name="Content Placeholder 2"/>
+          <p:cNvSpPr>
+            <a:spLocks noGrp="1"/>
+          </p:cNvSpPr>
+          <p:nvPr>
+            <p:ph sz="quarter" idx="10"/>
+          </p:nvPr>
+        </p:nvSpPr>
+        <p:spPr/>
+        <p:txBody>
+          <a:bodyPr/>
+          <a:lstStyle/>
+          <a:p>
+            <a:r>
+              <a:rPr lang="en-US" dirty="0" smtClean="0">
+                <a:latin typeface="Consolas" panose="020B0609020204030204" pitchFamily="49" charset="0"/>
+                <a:cs typeface="Consolas" panose="020B0609020204030204" pitchFamily="49" charset="0"/>
+              </a:rPr>
+              <a:t>{%  %}</a:t>
+            </a:r>
+            <a:r>
+              <a:rPr lang="en-US" dirty="0" smtClean="0"/>
+              <a:t>  contains code</a:t>
+            </a:r>
+          </a:p>
+          <a:p>
+            <a:r>
+              <a:rPr lang="en-US" dirty="0" smtClean="0">
+                <a:latin typeface="Consolas" panose="020B0609020204030204" pitchFamily="49" charset="0"/>
+                <a:cs typeface="Consolas" panose="020B0609020204030204" pitchFamily="49" charset="0"/>
+              </a:rPr>
+              <a:t>{{  }} </a:t>
+            </a:r>
+            <a:r>
+              <a:rPr lang="en-US" dirty="0" smtClean="0"/>
+              <a:t>contains text to display</a:t>
+            </a:r>
+          </a:p>
+        </p:txBody>
+      </p:sp>
+      <p:sp>
+        <p:nvSpPr>
+          <p:cNvPr id="5" name="Rounded Rectangle 4"/>
+          <p:cNvSpPr/>
+          <p:nvPr/>
+        </p:nvSpPr>
+        <p:spPr>
+          <a:xfrm>
+            <a:off x="2782894" y="2960484"/>
+            <a:ext cx="6717671" cy="3603278"/>
+          </a:xfrm>
+          <a:prstGeom prst="roundRect">
+            <a:avLst/>
+          </a:prstGeom>
+        </p:spPr>
+        <p:style>
+          <a:lnRef idx="1">
+            <a:schemeClr val="accent4"/>
+          </a:lnRef>
+          <a:fillRef idx="2">
+            <a:schemeClr val="accent4"/>
+          </a:fillRef>
+          <a:effectRef idx="1">
+            <a:schemeClr val="accent4"/>
+          </a:effectRef>
+          <a:fontRef idx="minor">
+            <a:schemeClr val="dk1"/>
+          </a:fontRef>
+        </p:style>
+        <p:txBody>
+          <a:bodyPr rtlCol="0" anchor="ctr"/>
+          <a:lstStyle/>
+          <a:p>
+            <a:r>
+              <a:rPr lang="en-US" sz="2800" dirty="0" smtClean="0">
+                <a:latin typeface="Consolas" panose="020B0609020204030204" pitchFamily="49" charset="0"/>
+                <a:cs typeface="Consolas" panose="020B0609020204030204" pitchFamily="49" charset="0"/>
+              </a:rPr>
+              <a:t>&lt;</a:t>
+            </a:r>
+            <a:r>
+              <a:rPr lang="en-US" sz="2800" dirty="0" err="1">
+                <a:latin typeface="Consolas" panose="020B0609020204030204" pitchFamily="49" charset="0"/>
+                <a:cs typeface="Consolas" panose="020B0609020204030204" pitchFamily="49" charset="0"/>
+              </a:rPr>
+              <a:t>ul</a:t>
+            </a:r>
+            <a:r>
+              <a:rPr lang="en-US" sz="2800" dirty="0">
+                <a:latin typeface="Consolas" panose="020B0609020204030204" pitchFamily="49" charset="0"/>
+                <a:cs typeface="Consolas" panose="020B0609020204030204" pitchFamily="49" charset="0"/>
+              </a:rPr>
+              <a:t>&gt;</a:t>
+            </a:r>
+          </a:p>
+          <a:p>
+            <a:r>
+              <a:rPr lang="en-US" sz="2800" dirty="0">
+                <a:latin typeface="Consolas" panose="020B0609020204030204" pitchFamily="49" charset="0"/>
+                <a:cs typeface="Consolas" panose="020B0609020204030204" pitchFamily="49" charset="0"/>
+              </a:rPr>
+              <a:t>  {% for </a:t>
+            </a:r>
+            <a:r>
+              <a:rPr lang="en-US" sz="2800" dirty="0" smtClean="0">
+                <a:latin typeface="Consolas" panose="020B0609020204030204" pitchFamily="49" charset="0"/>
+                <a:cs typeface="Consolas" panose="020B0609020204030204" pitchFamily="49" charset="0"/>
+              </a:rPr>
+              <a:t>item </a:t>
+            </a:r>
+            <a:r>
+              <a:rPr lang="en-US" sz="2800" dirty="0">
+                <a:latin typeface="Consolas" panose="020B0609020204030204" pitchFamily="49" charset="0"/>
+                <a:cs typeface="Consolas" panose="020B0609020204030204" pitchFamily="49" charset="0"/>
+              </a:rPr>
+              <a:t>in </a:t>
+            </a:r>
+            <a:r>
+              <a:rPr lang="en-US" sz="2800" dirty="0" err="1" smtClean="0">
+                <a:latin typeface="Consolas" panose="020B0609020204030204" pitchFamily="49" charset="0"/>
+                <a:cs typeface="Consolas" panose="020B0609020204030204" pitchFamily="49" charset="0"/>
+              </a:rPr>
+              <a:t>demoList</a:t>
+            </a:r>
+            <a:r>
+              <a:rPr lang="en-US" sz="2800" dirty="0" smtClean="0">
+                <a:latin typeface="Consolas" panose="020B0609020204030204" pitchFamily="49" charset="0"/>
+                <a:cs typeface="Consolas" panose="020B0609020204030204" pitchFamily="49" charset="0"/>
+              </a:rPr>
+              <a:t> </a:t>
+            </a:r>
+            <a:r>
+              <a:rPr lang="en-US" sz="2800" dirty="0">
+                <a:latin typeface="Consolas" panose="020B0609020204030204" pitchFamily="49" charset="0"/>
+                <a:cs typeface="Consolas" panose="020B0609020204030204" pitchFamily="49" charset="0"/>
+              </a:rPr>
+              <a:t>%}</a:t>
+            </a:r>
+          </a:p>
+          <a:p>
+            <a:r>
+              <a:rPr lang="en-US" sz="2800" dirty="0">
+                <a:latin typeface="Consolas" panose="020B0609020204030204" pitchFamily="49" charset="0"/>
+                <a:cs typeface="Consolas" panose="020B0609020204030204" pitchFamily="49" charset="0"/>
+              </a:rPr>
+              <a:t>    &lt;li</a:t>
+            </a:r>
+            <a:r>
+              <a:rPr lang="en-US" sz="2800" dirty="0" smtClean="0">
+                <a:latin typeface="Consolas" panose="020B0609020204030204" pitchFamily="49" charset="0"/>
+                <a:cs typeface="Consolas" panose="020B0609020204030204" pitchFamily="49" charset="0"/>
+              </a:rPr>
+              <a:t>&gt;</a:t>
+            </a:r>
+          </a:p>
+          <a:p>
+            <a:r>
+              <a:rPr lang="en-US" sz="2800" dirty="0" smtClean="0">
+                <a:latin typeface="Consolas" panose="020B0609020204030204" pitchFamily="49" charset="0"/>
+                <a:cs typeface="Consolas" panose="020B0609020204030204" pitchFamily="49" charset="0"/>
+              </a:rPr>
+              <a:t>      {{ item }}</a:t>
+            </a:r>
+          </a:p>
+          <a:p>
+            <a:r>
+              <a:rPr lang="en-US" sz="2800" dirty="0" smtClean="0">
+                <a:latin typeface="Consolas" panose="020B0609020204030204" pitchFamily="49" charset="0"/>
+                <a:cs typeface="Consolas" panose="020B0609020204030204" pitchFamily="49" charset="0"/>
+              </a:rPr>
+              <a:t>    &lt;/li&gt;</a:t>
+            </a:r>
+            <a:endParaRPr lang="en-US" sz="2800" dirty="0">
+              <a:latin typeface="Consolas" panose="020B0609020204030204" pitchFamily="49" charset="0"/>
+              <a:cs typeface="Consolas" panose="020B0609020204030204" pitchFamily="49" charset="0"/>
+            </a:endParaRPr>
+          </a:p>
+          <a:p>
+            <a:r>
+              <a:rPr lang="en-US" sz="2800" dirty="0" smtClean="0">
+                <a:latin typeface="Consolas" panose="020B0609020204030204" pitchFamily="49" charset="0"/>
+                <a:cs typeface="Consolas" panose="020B0609020204030204" pitchFamily="49" charset="0"/>
+              </a:rPr>
+              <a:t>  </a:t>
+            </a:r>
+            <a:r>
+              <a:rPr lang="en-US" sz="2800" dirty="0">
+                <a:latin typeface="Consolas" panose="020B0609020204030204" pitchFamily="49" charset="0"/>
+                <a:cs typeface="Consolas" panose="020B0609020204030204" pitchFamily="49" charset="0"/>
+              </a:rPr>
+              <a:t>{% </a:t>
+            </a:r>
+            <a:r>
+              <a:rPr lang="en-US" sz="2800" dirty="0" err="1">
+                <a:latin typeface="Consolas" panose="020B0609020204030204" pitchFamily="49" charset="0"/>
+                <a:cs typeface="Consolas" panose="020B0609020204030204" pitchFamily="49" charset="0"/>
+              </a:rPr>
+              <a:t>endfor</a:t>
+            </a:r>
+            <a:r>
+              <a:rPr lang="en-US" sz="2800" dirty="0">
+                <a:latin typeface="Consolas" panose="020B0609020204030204" pitchFamily="49" charset="0"/>
+                <a:cs typeface="Consolas" panose="020B0609020204030204" pitchFamily="49" charset="0"/>
+              </a:rPr>
+              <a:t> %}</a:t>
+            </a:r>
+          </a:p>
+          <a:p>
+            <a:r>
+              <a:rPr lang="en-US" sz="2800" dirty="0" smtClean="0">
+                <a:latin typeface="Consolas" panose="020B0609020204030204" pitchFamily="49" charset="0"/>
+                <a:cs typeface="Consolas" panose="020B0609020204030204" pitchFamily="49" charset="0"/>
+              </a:rPr>
+              <a:t>&lt;/</a:t>
+            </a:r>
+            <a:r>
+              <a:rPr lang="en-US" sz="2800" dirty="0" err="1">
+                <a:latin typeface="Consolas" panose="020B0609020204030204" pitchFamily="49" charset="0"/>
+                <a:cs typeface="Consolas" panose="020B0609020204030204" pitchFamily="49" charset="0"/>
+              </a:rPr>
+              <a:t>ul</a:t>
+            </a:r>
+            <a:r>
+              <a:rPr lang="en-US" sz="2800" dirty="0">
+                <a:latin typeface="Consolas" panose="020B0609020204030204" pitchFamily="49" charset="0"/>
+                <a:cs typeface="Consolas" panose="020B0609020204030204" pitchFamily="49" charset="0"/>
+              </a:rPr>
+              <a:t>&gt;</a:t>
+            </a:r>
+          </a:p>
+        </p:txBody>
+      </p:sp>
+    </p:spTree>
+    <p:extLst>
+      <p:ext uri="{BB962C8B-B14F-4D97-AF65-F5344CB8AC3E}">
+        <p14:creationId xmlns:p14="http://schemas.microsoft.com/office/powerpoint/2010/main" val="3630694918"/>
+      </p:ext>
+    </p:extLst>
+  </p:cSld>
+  <p:clrMapOvr>
+    <a:masterClrMapping/>
+  </p:clrMapOvr>
+  <p:timing>
+    <p:tnLst>
+      <p:par>
+        <p:cTn id="1" dur="indefinite" restart="never" nodeType="tmRoot">
+          <p:childTnLst>
+            <p:seq concurrent="1" nextAc="seek">
+              <p:cTn id="2" dur="indefinite" nodeType="mainSeq">
+                <p:childTnLst>
+                  <p:par>
+                    <p:cTn id="3" fill="hold">
+                      <p:stCondLst>
+                        <p:cond delay="indefinite"/>
+                      </p:stCondLst>
+                      <p:childTnLst>
+                        <p:par>
+                          <p:cTn id="4" fill="hold">
+                            <p:stCondLst>
+                              <p:cond delay="0"/>
+                            </p:stCondLst>
+                            <p:childTnLst>
+                              <p:par>
+                                <p:cTn id="5" presetID="10" presetClass="entr" presetSubtype="0" fill="hold" nodeType="clickEffect">
+                                  <p:stCondLst>
+                                    <p:cond delay="0"/>
+                                  </p:stCondLst>
+                                  <p:childTnLst>
+                                    <p:set>
+                                      <p:cBhvr>
+                                        <p:cTn id="6" dur="1" fill="hold">
+                                          <p:stCondLst>
+                                            <p:cond delay="0"/>
+                                          </p:stCondLst>
+                                        </p:cTn>
+                                        <p:tgtEl>
+                                          <p:spTgt spid="3">
+                                            <p:txEl>
+                                              <p:pRg st="0" end="0"/>
+                                            </p:txEl>
+                                          </p:spTgt>
+                                        </p:tgtEl>
+                                        <p:attrNameLst>
+                                          <p:attrName>style.visibility</p:attrName>
+                                        </p:attrNameLst>
+                                      </p:cBhvr>
+                                      <p:to>
+                                        <p:strVal val="visible"/>
+                                      </p:to>
+                                    </p:set>
+                                    <p:animEffect transition="in" filter="fade">
+                                      <p:cBhvr>
+                                        <p:cTn id="7" dur="500"/>
+                                        <p:tgtEl>
+                                          <p:spTgt spid="3">
+                                            <p:txEl>
+                                              <p:pRg st="0" end="0"/>
+                                            </p:txEl>
+                                          </p:spTgt>
+                                        </p:tgtEl>
+                                      </p:cBhvr>
+                                    </p:animEffect>
+                                  </p:childTnLst>
+                                </p:cTn>
+                              </p:par>
+                            </p:childTnLst>
+                          </p:cTn>
+                        </p:par>
+                      </p:childTnLst>
+                    </p:cTn>
+                  </p:par>
+                  <p:par>
+                    <p:cTn id="8" fill="hold">
+                      <p:stCondLst>
+                        <p:cond delay="indefinite"/>
+                      </p:stCondLst>
+                      <p:childTnLst>
+                        <p:par>
+                          <p:cTn id="9" fill="hold">
+                            <p:stCondLst>
+                              <p:cond delay="0"/>
+                            </p:stCondLst>
+                            <p:childTnLst>
+                              <p:par>
+                                <p:cTn id="10" presetID="53" presetClass="entr" presetSubtype="16" fill="hold" nodeType="clickEffect">
+                                  <p:stCondLst>
+                                    <p:cond delay="0"/>
+                                  </p:stCondLst>
+                                  <p:childTnLst>
+                                    <p:set>
+                                      <p:cBhvr>
+                                        <p:cTn id="11" dur="1" fill="hold">
+                                          <p:stCondLst>
+                                            <p:cond delay="0"/>
+                                          </p:stCondLst>
+                                        </p:cTn>
+                                        <p:tgtEl>
+                                          <p:spTgt spid="5">
+                                            <p:txEl>
+                                              <p:pRg st="1" end="1"/>
+                                            </p:txEl>
+                                          </p:spTgt>
+                                        </p:tgtEl>
+                                        <p:attrNameLst>
+                                          <p:attrName>style.visibility</p:attrName>
+                                        </p:attrNameLst>
+                                      </p:cBhvr>
+                                      <p:to>
+                                        <p:strVal val="visible"/>
+                                      </p:to>
+                                    </p:set>
+                                    <p:anim calcmode="lin" valueType="num">
+                                      <p:cBhvr>
+                                        <p:cTn id="12" dur="500" fill="hold"/>
+                                        <p:tgtEl>
+                                          <p:spTgt spid="5">
+                                            <p:txEl>
+                                              <p:pRg st="1" end="1"/>
+                                            </p:txEl>
+                                          </p:spTgt>
+                                        </p:tgtEl>
+                                        <p:attrNameLst>
+                                          <p:attrName>ppt_w</p:attrName>
+                                        </p:attrNameLst>
+                                      </p:cBhvr>
+                                      <p:tavLst>
+                                        <p:tav tm="0">
+                                          <p:val>
+                                            <p:fltVal val="0"/>
+                                          </p:val>
+                                        </p:tav>
+                                        <p:tav tm="100000">
+                                          <p:val>
+                                            <p:strVal val="#ppt_w"/>
+                                          </p:val>
+                                        </p:tav>
+                                      </p:tavLst>
+                                    </p:anim>
+                                    <p:anim calcmode="lin" valueType="num">
+                                      <p:cBhvr>
+                                        <p:cTn id="13" dur="500" fill="hold"/>
+                                        <p:tgtEl>
+                                          <p:spTgt spid="5">
+                                            <p:txEl>
+                                              <p:pRg st="1" end="1"/>
+                                            </p:txEl>
+                                          </p:spTgt>
+                                        </p:tgtEl>
+                                        <p:attrNameLst>
+                                          <p:attrName>ppt_h</p:attrName>
+                                        </p:attrNameLst>
+                                      </p:cBhvr>
+                                      <p:tavLst>
+                                        <p:tav tm="0">
+                                          <p:val>
+                                            <p:fltVal val="0"/>
+                                          </p:val>
+                                        </p:tav>
+                                        <p:tav tm="100000">
+                                          <p:val>
+                                            <p:strVal val="#ppt_h"/>
+                                          </p:val>
+                                        </p:tav>
+                                      </p:tavLst>
+                                    </p:anim>
+                                    <p:animEffect transition="in" filter="fade">
+                                      <p:cBhvr>
+                                        <p:cTn id="14" dur="500"/>
+                                        <p:tgtEl>
+                                          <p:spTgt spid="5">
+                                            <p:txEl>
+                                              <p:pRg st="1" end="1"/>
+                                            </p:txEl>
+                                          </p:spTgt>
+                                        </p:tgtEl>
+                                      </p:cBhvr>
+                                    </p:animEffect>
+                                  </p:childTnLst>
+                                </p:cTn>
+                              </p:par>
+                              <p:par>
+                                <p:cTn id="15" presetID="53" presetClass="entr" presetSubtype="16" fill="hold" nodeType="withEffect">
+                                  <p:stCondLst>
+                                    <p:cond delay="0"/>
+                                  </p:stCondLst>
+                                  <p:childTnLst>
+                                    <p:set>
+                                      <p:cBhvr>
+                                        <p:cTn id="16" dur="1" fill="hold">
+                                          <p:stCondLst>
+                                            <p:cond delay="0"/>
+                                          </p:stCondLst>
+                                        </p:cTn>
+                                        <p:tgtEl>
+                                          <p:spTgt spid="5">
+                                            <p:txEl>
+                                              <p:pRg st="5" end="5"/>
+                                            </p:txEl>
+                                          </p:spTgt>
+                                        </p:tgtEl>
+                                        <p:attrNameLst>
+                                          <p:attrName>style.visibility</p:attrName>
+                                        </p:attrNameLst>
+                                      </p:cBhvr>
+                                      <p:to>
+                                        <p:strVal val="visible"/>
+                                      </p:to>
+                                    </p:set>
+                                    <p:anim calcmode="lin" valueType="num">
+                                      <p:cBhvr>
+                                        <p:cTn id="17" dur="500" fill="hold"/>
+                                        <p:tgtEl>
+                                          <p:spTgt spid="5">
+                                            <p:txEl>
+                                              <p:pRg st="5" end="5"/>
+                                            </p:txEl>
+                                          </p:spTgt>
+                                        </p:tgtEl>
+                                        <p:attrNameLst>
+                                          <p:attrName>ppt_w</p:attrName>
+                                        </p:attrNameLst>
+                                      </p:cBhvr>
+                                      <p:tavLst>
+                                        <p:tav tm="0">
+                                          <p:val>
+                                            <p:fltVal val="0"/>
+                                          </p:val>
+                                        </p:tav>
+                                        <p:tav tm="100000">
+                                          <p:val>
+                                            <p:strVal val="#ppt_w"/>
+                                          </p:val>
+                                        </p:tav>
+                                      </p:tavLst>
+                                    </p:anim>
+                                    <p:anim calcmode="lin" valueType="num">
+                                      <p:cBhvr>
+                                        <p:cTn id="18" dur="500" fill="hold"/>
+                                        <p:tgtEl>
+                                          <p:spTgt spid="5">
+                                            <p:txEl>
+                                              <p:pRg st="5" end="5"/>
+                                            </p:txEl>
+                                          </p:spTgt>
+                                        </p:tgtEl>
+                                        <p:attrNameLst>
+                                          <p:attrName>ppt_h</p:attrName>
+                                        </p:attrNameLst>
+                                      </p:cBhvr>
+                                      <p:tavLst>
+                                        <p:tav tm="0">
+                                          <p:val>
+                                            <p:fltVal val="0"/>
+                                          </p:val>
+                                        </p:tav>
+                                        <p:tav tm="100000">
+                                          <p:val>
+                                            <p:strVal val="#ppt_h"/>
+                                          </p:val>
+                                        </p:tav>
+                                      </p:tavLst>
+                                    </p:anim>
+                                    <p:animEffect transition="in" filter="fade">
+                                      <p:cBhvr>
+                                        <p:cTn id="19" dur="500"/>
+                                        <p:tgtEl>
+                                          <p:spTgt spid="5">
+                                            <p:txEl>
+                                              <p:pRg st="5" end="5"/>
+                                            </p:txEl>
+                                          </p:spTgt>
+                                        </p:tgtEl>
+                                      </p:cBhvr>
+                                    </p:animEffect>
+                                  </p:childTnLst>
+                                </p:cTn>
+                              </p:par>
+                            </p:childTnLst>
+                          </p:cTn>
+                        </p:par>
+                      </p:childTnLst>
+                    </p:cTn>
+                  </p:par>
+                  <p:par>
+                    <p:cTn id="20" fill="hold">
+                      <p:stCondLst>
+                        <p:cond delay="indefinite"/>
+                      </p:stCondLst>
+                      <p:childTnLst>
+                        <p:par>
+                          <p:cTn id="21" fill="hold">
+                            <p:stCondLst>
+                              <p:cond delay="0"/>
+                            </p:stCondLst>
+                            <p:childTnLst>
+                              <p:par>
+                                <p:cTn id="22" presetID="10" presetClass="entr" presetSubtype="0" fill="hold" nodeType="clickEffect">
+                                  <p:stCondLst>
+                                    <p:cond delay="0"/>
+                                  </p:stCondLst>
+                                  <p:childTnLst>
+                                    <p:set>
+                                      <p:cBhvr>
+                                        <p:cTn id="23" dur="1" fill="hold">
+                                          <p:stCondLst>
+                                            <p:cond delay="0"/>
+                                          </p:stCondLst>
+                                        </p:cTn>
+                                        <p:tgtEl>
+                                          <p:spTgt spid="3">
+                                            <p:txEl>
+                                              <p:pRg st="1" end="1"/>
+                                            </p:txEl>
+                                          </p:spTgt>
+                                        </p:tgtEl>
+                                        <p:attrNameLst>
+                                          <p:attrName>style.visibility</p:attrName>
+                                        </p:attrNameLst>
+                                      </p:cBhvr>
+                                      <p:to>
+                                        <p:strVal val="visible"/>
+                                      </p:to>
+                                    </p:set>
+                                    <p:animEffect transition="in" filter="fade">
+                                      <p:cBhvr>
+                                        <p:cTn id="24" dur="500"/>
+                                        <p:tgtEl>
+                                          <p:spTgt spid="3">
+                                            <p:txEl>
+                                              <p:pRg st="1" end="1"/>
+                                            </p:txEl>
+                                          </p:spTgt>
+                                        </p:tgtEl>
+                                      </p:cBhvr>
+                                    </p:animEffect>
+                                  </p:childTnLst>
+                                </p:cTn>
+                              </p:par>
+                            </p:childTnLst>
+                          </p:cTn>
+                        </p:par>
+                      </p:childTnLst>
+                    </p:cTn>
+                  </p:par>
+                  <p:par>
+                    <p:cTn id="25" fill="hold">
+                      <p:stCondLst>
+                        <p:cond delay="indefinite"/>
+                      </p:stCondLst>
+                      <p:childTnLst>
+                        <p:par>
+                          <p:cTn id="26" fill="hold">
+                            <p:stCondLst>
+                              <p:cond delay="0"/>
+                            </p:stCondLst>
+                            <p:childTnLst>
+                              <p:par>
+                                <p:cTn id="27" presetID="53" presetClass="entr" presetSubtype="16" fill="hold" nodeType="clickEffect">
+                                  <p:stCondLst>
+                                    <p:cond delay="0"/>
+                                  </p:stCondLst>
+                                  <p:childTnLst>
+                                    <p:set>
+                                      <p:cBhvr>
+                                        <p:cTn id="28" dur="1" fill="hold">
+                                          <p:stCondLst>
+                                            <p:cond delay="0"/>
+                                          </p:stCondLst>
+                                        </p:cTn>
+                                        <p:tgtEl>
+                                          <p:spTgt spid="5">
+                                            <p:txEl>
+                                              <p:pRg st="3" end="3"/>
+                                            </p:txEl>
+                                          </p:spTgt>
+                                        </p:tgtEl>
+                                        <p:attrNameLst>
+                                          <p:attrName>style.visibility</p:attrName>
+                                        </p:attrNameLst>
+                                      </p:cBhvr>
+                                      <p:to>
+                                        <p:strVal val="visible"/>
+                                      </p:to>
+                                    </p:set>
+                                    <p:anim calcmode="lin" valueType="num">
+                                      <p:cBhvr>
+                                        <p:cTn id="29" dur="500" fill="hold"/>
+                                        <p:tgtEl>
+                                          <p:spTgt spid="5">
+                                            <p:txEl>
+                                              <p:pRg st="3" end="3"/>
+                                            </p:txEl>
+                                          </p:spTgt>
+                                        </p:tgtEl>
+                                        <p:attrNameLst>
+                                          <p:attrName>ppt_w</p:attrName>
+                                        </p:attrNameLst>
+                                      </p:cBhvr>
+                                      <p:tavLst>
+                                        <p:tav tm="0">
+                                          <p:val>
+                                            <p:fltVal val="0"/>
+                                          </p:val>
+                                        </p:tav>
+                                        <p:tav tm="100000">
+                                          <p:val>
+                                            <p:strVal val="#ppt_w"/>
+                                          </p:val>
+                                        </p:tav>
+                                      </p:tavLst>
+                                    </p:anim>
+                                    <p:anim calcmode="lin" valueType="num">
+                                      <p:cBhvr>
+                                        <p:cTn id="30" dur="500" fill="hold"/>
+                                        <p:tgtEl>
+                                          <p:spTgt spid="5">
+                                            <p:txEl>
+                                              <p:pRg st="3" end="3"/>
+                                            </p:txEl>
+                                          </p:spTgt>
+                                        </p:tgtEl>
+                                        <p:attrNameLst>
+                                          <p:attrName>ppt_h</p:attrName>
+                                        </p:attrNameLst>
+                                      </p:cBhvr>
+                                      <p:tavLst>
+                                        <p:tav tm="0">
+                                          <p:val>
+                                            <p:fltVal val="0"/>
+                                          </p:val>
+                                        </p:tav>
+                                        <p:tav tm="100000">
+                                          <p:val>
+                                            <p:strVal val="#ppt_h"/>
+                                          </p:val>
+                                        </p:tav>
+                                      </p:tavLst>
+                                    </p:anim>
+                                    <p:animEffect transition="in" filter="fade">
+                                      <p:cBhvr>
+                                        <p:cTn id="31" dur="500"/>
+                                        <p:tgtEl>
+                                          <p:spTgt spid="5">
+                                            <p:txEl>
+                                              <p:pRg st="3" end="3"/>
+                                            </p:txEl>
+                                          </p:spTgt>
+                                        </p:tgtEl>
+                                      </p:cBhvr>
+                                    </p:animEffect>
+                                  </p:childTnLst>
+                                </p:cTn>
+                              </p:par>
+                            </p:childTnLst>
+                          </p:cTn>
+                        </p:par>
+                      </p:childTnLst>
+                    </p:cTn>
+                  </p:par>
+                </p:childTnLst>
+              </p:cTn>
+              <p:prevCondLst>
+                <p:cond evt="onPrev" delay="0">
+                  <p:tgtEl>
+                    <p:sldTgt/>
+                  </p:tgtEl>
+                </p:cond>
+              </p:prevCondLst>
+              <p:nextCondLst>
+                <p:cond evt="onNext" delay="0">
+                  <p:tgtEl>
+                    <p:sldTgt/>
+                  </p:tgtEl>
+                </p:cond>
+              </p:nextCondLst>
+            </p:seq>
+          </p:childTnLst>
+        </p:cTn>
+      </p:par>
+    </p:tnLst>
+  </p:timing>
+</p:sld>
+</file>
+
+<file path=ppt/slides/slide27.xml><?xml version="1.0" encoding="utf-8"?>
+<p:sld xmlns:a="http://schemas.openxmlformats.org/drawingml/2006/main" xmlns:r="http://schemas.openxmlformats.org/officeDocument/2006/relationships" xmlns:p="http://schemas.openxmlformats.org/presentationml/2006/main">
+  <p:cSld>
+    <p:spTree>
+      <p:nvGrpSpPr>
+        <p:cNvPr id="1" name=""/>
+        <p:cNvGrpSpPr/>
+        <p:nvPr/>
+      </p:nvGrpSpPr>
+      <p:grpSpPr>
+        <a:xfrm>
+          <a:off x="0" y="0"/>
+          <a:ext cx="0" cy="0"/>
+          <a:chOff x="0" y="0"/>
+          <a:chExt cx="0" cy="0"/>
+        </a:xfrm>
+      </p:grpSpPr>
+      <p:sp>
+        <p:nvSpPr>
+          <p:cNvPr id="4" name="Title 3"/>
+          <p:cNvSpPr>
+            <a:spLocks noGrp="1"/>
+          </p:cNvSpPr>
+          <p:nvPr>
+            <p:ph type="title"/>
+          </p:nvPr>
+        </p:nvSpPr>
+        <p:spPr/>
+        <p:txBody>
+          <a:bodyPr/>
+          <a:lstStyle/>
+          <a:p>
+            <a:r>
+              <a:rPr lang="en-US" dirty="0" smtClean="0"/>
+              <a:t>Jinja templates</a:t>
+            </a:r>
+            <a:endParaRPr lang="en-US" dirty="0"/>
+          </a:p>
+        </p:txBody>
+      </p:sp>
+    </p:spTree>
+    <p:extLst>
+      <p:ext uri="{BB962C8B-B14F-4D97-AF65-F5344CB8AC3E}">
+        <p14:creationId xmlns:p14="http://schemas.microsoft.com/office/powerpoint/2010/main" val="429590308"/>
+      </p:ext>
+    </p:extLst>
+  </p:cSld>
+  <p:clrMapOvr>
+    <a:masterClrMapping/>
+  </p:clrMapOvr>
+  <p:timing>
+    <p:tnLst>
+      <p:par>
+        <p:cTn id="1" dur="indefinite" restart="never" nodeType="tmRoot"/>
+      </p:par>
+    </p:tnLst>
+  </p:timing>
+</p:sld>
+</file>
+
+<file path=ppt/slides/slide28.xml><?xml version="1.0" encoding="utf-8"?>
+<p:sld xmlns:a="http://schemas.openxmlformats.org/drawingml/2006/main" xmlns:r="http://schemas.openxmlformats.org/officeDocument/2006/relationships" xmlns:p="http://schemas.openxmlformats.org/presentationml/2006/main">
+  <p:cSld>
+    <p:spTree>
+      <p:nvGrpSpPr>
+        <p:cNvPr id="1" name=""/>
+        <p:cNvGrpSpPr/>
+        <p:nvPr/>
+      </p:nvGrpSpPr>
+      <p:grpSpPr>
+        <a:xfrm>
+          <a:off x="0" y="0"/>
+          <a:ext cx="0" cy="0"/>
+          <a:chOff x="0" y="0"/>
+          <a:chExt cx="0" cy="0"/>
+        </a:xfrm>
+      </p:grpSpPr>
+      <p:sp>
+        <p:nvSpPr>
+          <p:cNvPr id="3" name="Title 2"/>
+          <p:cNvSpPr>
+            <a:spLocks noGrp="1"/>
+          </p:cNvSpPr>
+          <p:nvPr>
+            <p:ph type="title"/>
+          </p:nvPr>
+        </p:nvSpPr>
+        <p:spPr/>
+        <p:txBody>
+          <a:bodyPr/>
+          <a:lstStyle/>
+          <a:p>
+            <a:r>
+              <a:rPr lang="en-US" dirty="0" smtClean="0"/>
+              <a:t>Template inheritance</a:t>
+            </a:r>
+            <a:endParaRPr lang="en-US" dirty="0"/>
+          </a:p>
+        </p:txBody>
+      </p:sp>
+      <p:sp>
+        <p:nvSpPr>
+          <p:cNvPr id="4" name="Content Placeholder 3"/>
+          <p:cNvSpPr>
+            <a:spLocks noGrp="1"/>
+          </p:cNvSpPr>
+          <p:nvPr>
+            <p:ph sz="quarter" idx="10"/>
+          </p:nvPr>
+        </p:nvSpPr>
+        <p:spPr/>
+        <p:txBody>
+          <a:bodyPr/>
+          <a:lstStyle/>
+          <a:p>
+            <a:r>
+              <a:rPr lang="en-US" dirty="0" smtClean="0"/>
+              <a:t>A consistent UI is key to a successful website</a:t>
+            </a:r>
+          </a:p>
+          <a:p>
+            <a:r>
+              <a:rPr lang="en-US" dirty="0" smtClean="0"/>
+              <a:t>Template inheritance allows layouts</a:t>
+            </a:r>
+          </a:p>
+        </p:txBody>
+      </p:sp>
+    </p:spTree>
+    <p:extLst>
+      <p:ext uri="{BB962C8B-B14F-4D97-AF65-F5344CB8AC3E}">
+        <p14:creationId xmlns:p14="http://schemas.microsoft.com/office/powerpoint/2010/main" val="120666145"/>
+      </p:ext>
+    </p:extLst>
+  </p:cSld>
+  <p:clrMapOvr>
+    <a:masterClrMapping/>
+  </p:clrMapOvr>
+  <p:timing>
+    <p:tnLst>
+      <p:par>
+        <p:cTn id="1" dur="indefinite" restart="never" nodeType="tmRoot"/>
+      </p:par>
+    </p:tnLst>
+  </p:timing>
+</p:sld>
+</file>
+
+<file path=ppt/slides/slide29.xml><?xml version="1.0" encoding="utf-8"?>
+<p:sld xmlns:a="http://schemas.openxmlformats.org/drawingml/2006/main" xmlns:r="http://schemas.openxmlformats.org/officeDocument/2006/relationships" xmlns:p="http://schemas.openxmlformats.org/presentationml/2006/main">
+  <p:cSld>
+    <p:spTree>
+      <p:nvGrpSpPr>
+        <p:cNvPr id="1" name=""/>
+        <p:cNvGrpSpPr/>
+        <p:nvPr/>
+      </p:nvGrpSpPr>
+      <p:grpSpPr>
+        <a:xfrm>
+          <a:off x="0" y="0"/>
+          <a:ext cx="0" cy="0"/>
+          <a:chOff x="0" y="0"/>
+          <a:chExt cx="0" cy="0"/>
+        </a:xfrm>
+      </p:grpSpPr>
+      <p:sp>
+        <p:nvSpPr>
+          <p:cNvPr id="2" name="Title 1"/>
+          <p:cNvSpPr>
+            <a:spLocks noGrp="1"/>
+          </p:cNvSpPr>
+          <p:nvPr>
+            <p:ph type="title"/>
+          </p:nvPr>
+        </p:nvSpPr>
+        <p:spPr/>
+        <p:txBody>
+          <a:bodyPr/>
+          <a:lstStyle/>
+          <a:p>
+            <a:r>
+              <a:rPr lang="en-US" dirty="0" smtClean="0"/>
+              <a:t>Base template</a:t>
+            </a:r>
+            <a:endParaRPr lang="en-US" dirty="0"/>
+          </a:p>
+        </p:txBody>
+      </p:sp>
+      <p:sp>
+        <p:nvSpPr>
+          <p:cNvPr id="3" name="Content Placeholder 2"/>
+          <p:cNvSpPr>
+            <a:spLocks noGrp="1"/>
+          </p:cNvSpPr>
+          <p:nvPr>
+            <p:ph sz="quarter" idx="10"/>
+          </p:nvPr>
+        </p:nvSpPr>
+        <p:spPr/>
+        <p:txBody>
+          <a:bodyPr/>
+          <a:lstStyle/>
+          <a:p>
+            <a:r>
+              <a:rPr lang="en-US" dirty="0" smtClean="0"/>
+              <a:t>Contains placeholder for blocks</a:t>
+            </a:r>
+          </a:p>
+          <a:p>
+            <a:r>
+              <a:rPr lang="en-US" dirty="0" smtClean="0"/>
+              <a:t>Blocks can be overridden by child templates</a:t>
+            </a:r>
+            <a:endParaRPr lang="en-US" dirty="0"/>
+          </a:p>
+        </p:txBody>
+      </p:sp>
+      <p:sp>
+        <p:nvSpPr>
+          <p:cNvPr id="4" name="Rounded Rectangle 3"/>
+          <p:cNvSpPr/>
+          <p:nvPr/>
+        </p:nvSpPr>
+        <p:spPr>
+          <a:xfrm>
+            <a:off x="1865014" y="3503691"/>
+            <a:ext cx="9895437" cy="3159659"/>
+          </a:xfrm>
+          <a:prstGeom prst="roundRect">
+            <a:avLst>
+              <a:gd name="adj" fmla="val 7498"/>
+            </a:avLst>
+          </a:prstGeom>
+        </p:spPr>
+        <p:style>
+          <a:lnRef idx="1">
+            <a:schemeClr val="accent1"/>
+          </a:lnRef>
+          <a:fillRef idx="2">
+            <a:schemeClr val="accent1"/>
+          </a:fillRef>
+          <a:effectRef idx="1">
+            <a:schemeClr val="accent1"/>
+          </a:effectRef>
+          <a:fontRef idx="minor">
+            <a:schemeClr val="dk1"/>
+          </a:fontRef>
+        </p:style>
+        <p:txBody>
+          <a:bodyPr rtlCol="0" anchor="ctr"/>
+          <a:lstStyle/>
+          <a:p>
+            <a:r>
+              <a:rPr lang="en-US" sz="2000" dirty="0">
+                <a:latin typeface="Consolas" panose="020B0609020204030204" pitchFamily="49" charset="0"/>
+                <a:cs typeface="Consolas" panose="020B0609020204030204" pitchFamily="49" charset="0"/>
+              </a:rPr>
+              <a:t>&lt;</a:t>
+            </a:r>
+            <a:r>
+              <a:rPr lang="en-US" sz="2000" dirty="0" smtClean="0">
+                <a:latin typeface="Consolas" panose="020B0609020204030204" pitchFamily="49" charset="0"/>
+                <a:cs typeface="Consolas" panose="020B0609020204030204" pitchFamily="49" charset="0"/>
+              </a:rPr>
+              <a:t>html&gt;</a:t>
+            </a:r>
+            <a:endParaRPr lang="en-US" sz="2000" dirty="0">
+              <a:latin typeface="Consolas" panose="020B0609020204030204" pitchFamily="49" charset="0"/>
+              <a:cs typeface="Consolas" panose="020B0609020204030204" pitchFamily="49" charset="0"/>
+            </a:endParaRPr>
+          </a:p>
+          <a:p>
+            <a:r>
+              <a:rPr lang="en-US" sz="2000" dirty="0" smtClean="0">
+                <a:latin typeface="Consolas" panose="020B0609020204030204" pitchFamily="49" charset="0"/>
+                <a:cs typeface="Consolas" panose="020B0609020204030204" pitchFamily="49" charset="0"/>
+              </a:rPr>
+              <a:t>   &lt;</a:t>
+            </a:r>
+            <a:r>
+              <a:rPr lang="en-US" sz="2000" dirty="0">
+                <a:latin typeface="Consolas" panose="020B0609020204030204" pitchFamily="49" charset="0"/>
+                <a:cs typeface="Consolas" panose="020B0609020204030204" pitchFamily="49" charset="0"/>
+              </a:rPr>
+              <a:t>head&gt;</a:t>
+            </a:r>
+          </a:p>
+          <a:p>
+            <a:r>
+              <a:rPr lang="en-US" sz="2000" dirty="0" smtClean="0">
+                <a:latin typeface="Consolas" panose="020B0609020204030204" pitchFamily="49" charset="0"/>
+                <a:cs typeface="Consolas" panose="020B0609020204030204" pitchFamily="49" charset="0"/>
+              </a:rPr>
+              <a:t>      &lt;</a:t>
+            </a:r>
+            <a:r>
+              <a:rPr lang="en-US" sz="2000" dirty="0">
+                <a:latin typeface="Consolas" panose="020B0609020204030204" pitchFamily="49" charset="0"/>
+                <a:cs typeface="Consolas" panose="020B0609020204030204" pitchFamily="49" charset="0"/>
+              </a:rPr>
+              <a:t>title&gt;{% block title %}{% </a:t>
+            </a:r>
+            <a:r>
+              <a:rPr lang="en-US" sz="2000" dirty="0" err="1">
+                <a:latin typeface="Consolas" panose="020B0609020204030204" pitchFamily="49" charset="0"/>
+                <a:cs typeface="Consolas" panose="020B0609020204030204" pitchFamily="49" charset="0"/>
+              </a:rPr>
+              <a:t>endblock</a:t>
+            </a:r>
+            <a:r>
+              <a:rPr lang="en-US" sz="2000" dirty="0">
+                <a:latin typeface="Consolas" panose="020B0609020204030204" pitchFamily="49" charset="0"/>
+                <a:cs typeface="Consolas" panose="020B0609020204030204" pitchFamily="49" charset="0"/>
+              </a:rPr>
+              <a:t> %} - </a:t>
+            </a:r>
+            <a:r>
+              <a:rPr lang="en-US" sz="2000" dirty="0" err="1" smtClean="0">
+                <a:latin typeface="Consolas" panose="020B0609020204030204" pitchFamily="49" charset="0"/>
+                <a:cs typeface="Consolas" panose="020B0609020204030204" pitchFamily="49" charset="0"/>
+              </a:rPr>
+              <a:t>AventureWorks</a:t>
+            </a:r>
+            <a:r>
+              <a:rPr lang="en-US" sz="2000" dirty="0" smtClean="0">
+                <a:latin typeface="Consolas" panose="020B0609020204030204" pitchFamily="49" charset="0"/>
+                <a:cs typeface="Consolas" panose="020B0609020204030204" pitchFamily="49" charset="0"/>
+              </a:rPr>
+              <a:t>&lt;/</a:t>
+            </a:r>
+            <a:r>
+              <a:rPr lang="en-US" sz="2000" dirty="0">
+                <a:latin typeface="Consolas" panose="020B0609020204030204" pitchFamily="49" charset="0"/>
+                <a:cs typeface="Consolas" panose="020B0609020204030204" pitchFamily="49" charset="0"/>
+              </a:rPr>
+              <a:t>title&gt;</a:t>
+            </a:r>
+          </a:p>
+          <a:p>
+            <a:r>
+              <a:rPr lang="en-US" sz="2000" dirty="0" smtClean="0">
+                <a:latin typeface="Consolas" panose="020B0609020204030204" pitchFamily="49" charset="0"/>
+                <a:cs typeface="Consolas" panose="020B0609020204030204" pitchFamily="49" charset="0"/>
+              </a:rPr>
+              <a:t>   &lt;/</a:t>
+            </a:r>
+            <a:r>
+              <a:rPr lang="en-US" sz="2000" dirty="0">
+                <a:latin typeface="Consolas" panose="020B0609020204030204" pitchFamily="49" charset="0"/>
+                <a:cs typeface="Consolas" panose="020B0609020204030204" pitchFamily="49" charset="0"/>
+              </a:rPr>
+              <a:t>head&gt;</a:t>
+            </a:r>
+          </a:p>
+          <a:p>
+            <a:r>
+              <a:rPr lang="en-US" sz="2000" dirty="0" smtClean="0">
+                <a:latin typeface="Consolas" panose="020B0609020204030204" pitchFamily="49" charset="0"/>
+                <a:cs typeface="Consolas" panose="020B0609020204030204" pitchFamily="49" charset="0"/>
+              </a:rPr>
+              <a:t>   &lt;</a:t>
+            </a:r>
+            <a:r>
+              <a:rPr lang="en-US" sz="2000" dirty="0">
+                <a:latin typeface="Consolas" panose="020B0609020204030204" pitchFamily="49" charset="0"/>
+                <a:cs typeface="Consolas" panose="020B0609020204030204" pitchFamily="49" charset="0"/>
+              </a:rPr>
+              <a:t>body&gt;</a:t>
+            </a:r>
+          </a:p>
+          <a:p>
+            <a:r>
+              <a:rPr lang="en-US" sz="2000" dirty="0" smtClean="0">
+                <a:latin typeface="Consolas" panose="020B0609020204030204" pitchFamily="49" charset="0"/>
+                <a:cs typeface="Consolas" panose="020B0609020204030204" pitchFamily="49" charset="0"/>
+              </a:rPr>
+              <a:t>      </a:t>
+            </a:r>
+            <a:r>
+              <a:rPr lang="en-US" sz="2000" dirty="0">
+                <a:latin typeface="Consolas" panose="020B0609020204030204" pitchFamily="49" charset="0"/>
+                <a:cs typeface="Consolas" panose="020B0609020204030204" pitchFamily="49" charset="0"/>
+              </a:rPr>
+              <a:t>&lt;div id="content</a:t>
+            </a:r>
+            <a:r>
+              <a:rPr lang="en-US" sz="2000" dirty="0" smtClean="0">
+                <a:latin typeface="Consolas" panose="020B0609020204030204" pitchFamily="49" charset="0"/>
+                <a:cs typeface="Consolas" panose="020B0609020204030204" pitchFamily="49" charset="0"/>
+              </a:rPr>
+              <a:t>"&gt;</a:t>
+            </a:r>
+          </a:p>
+          <a:p>
+            <a:r>
+              <a:rPr lang="en-US" sz="2000" dirty="0">
+                <a:latin typeface="Consolas" panose="020B0609020204030204" pitchFamily="49" charset="0"/>
+                <a:cs typeface="Consolas" panose="020B0609020204030204" pitchFamily="49" charset="0"/>
+              </a:rPr>
+              <a:t> </a:t>
+            </a:r>
+            <a:r>
+              <a:rPr lang="en-US" sz="2000" dirty="0" smtClean="0">
+                <a:latin typeface="Consolas" panose="020B0609020204030204" pitchFamily="49" charset="0"/>
+                <a:cs typeface="Consolas" panose="020B0609020204030204" pitchFamily="49" charset="0"/>
+              </a:rPr>
+              <a:t>        {% </a:t>
+            </a:r>
+            <a:r>
+              <a:rPr lang="en-US" sz="2000" dirty="0">
+                <a:latin typeface="Consolas" panose="020B0609020204030204" pitchFamily="49" charset="0"/>
+                <a:cs typeface="Consolas" panose="020B0609020204030204" pitchFamily="49" charset="0"/>
+              </a:rPr>
+              <a:t>block content %}{% </a:t>
+            </a:r>
+            <a:r>
+              <a:rPr lang="en-US" sz="2000" dirty="0" err="1">
+                <a:latin typeface="Consolas" panose="020B0609020204030204" pitchFamily="49" charset="0"/>
+                <a:cs typeface="Consolas" panose="020B0609020204030204" pitchFamily="49" charset="0"/>
+              </a:rPr>
+              <a:t>endblock</a:t>
+            </a:r>
+            <a:r>
+              <a:rPr lang="en-US" sz="2000" dirty="0">
+                <a:latin typeface="Consolas" panose="020B0609020204030204" pitchFamily="49" charset="0"/>
+                <a:cs typeface="Consolas" panose="020B0609020204030204" pitchFamily="49" charset="0"/>
+              </a:rPr>
+              <a:t> </a:t>
+            </a:r>
+            <a:r>
+              <a:rPr lang="en-US" sz="2000" dirty="0" smtClean="0">
+                <a:latin typeface="Consolas" panose="020B0609020204030204" pitchFamily="49" charset="0"/>
+                <a:cs typeface="Consolas" panose="020B0609020204030204" pitchFamily="49" charset="0"/>
+              </a:rPr>
+              <a:t>%}</a:t>
+            </a:r>
+          </a:p>
+          <a:p>
+            <a:r>
+              <a:rPr lang="en-US" sz="2000" dirty="0" smtClean="0">
+                <a:latin typeface="Consolas" panose="020B0609020204030204" pitchFamily="49" charset="0"/>
+                <a:cs typeface="Consolas" panose="020B0609020204030204" pitchFamily="49" charset="0"/>
+              </a:rPr>
+              <a:t>      &lt;/</a:t>
+            </a:r>
+            <a:r>
+              <a:rPr lang="en-US" sz="2000" dirty="0">
+                <a:latin typeface="Consolas" panose="020B0609020204030204" pitchFamily="49" charset="0"/>
+                <a:cs typeface="Consolas" panose="020B0609020204030204" pitchFamily="49" charset="0"/>
+              </a:rPr>
+              <a:t>div&gt;</a:t>
+            </a:r>
+          </a:p>
+          <a:p>
+            <a:r>
+              <a:rPr lang="en-US" sz="2000" dirty="0" smtClean="0">
+                <a:latin typeface="Consolas" panose="020B0609020204030204" pitchFamily="49" charset="0"/>
+                <a:cs typeface="Consolas" panose="020B0609020204030204" pitchFamily="49" charset="0"/>
+              </a:rPr>
+              <a:t>   &lt;/</a:t>
+            </a:r>
+            <a:r>
+              <a:rPr lang="en-US" sz="2000" dirty="0">
+                <a:latin typeface="Consolas" panose="020B0609020204030204" pitchFamily="49" charset="0"/>
+                <a:cs typeface="Consolas" panose="020B0609020204030204" pitchFamily="49" charset="0"/>
+              </a:rPr>
+              <a:t>body</a:t>
+            </a:r>
+            <a:r>
+              <a:rPr lang="en-US" sz="2000" dirty="0" smtClean="0">
+                <a:latin typeface="Consolas" panose="020B0609020204030204" pitchFamily="49" charset="0"/>
+                <a:cs typeface="Consolas" panose="020B0609020204030204" pitchFamily="49" charset="0"/>
+              </a:rPr>
+              <a:t>&gt;</a:t>
+            </a:r>
+          </a:p>
+          <a:p>
+            <a:r>
+              <a:rPr lang="en-US" sz="2000" dirty="0" smtClean="0">
+                <a:latin typeface="Consolas" panose="020B0609020204030204" pitchFamily="49" charset="0"/>
+                <a:cs typeface="Consolas" panose="020B0609020204030204" pitchFamily="49" charset="0"/>
+              </a:rPr>
+              <a:t>&lt;/html&gt;</a:t>
+            </a:r>
+            <a:endParaRPr lang="en-US" sz="2000" dirty="0">
+              <a:latin typeface="Consolas" panose="020B0609020204030204" pitchFamily="49" charset="0"/>
+              <a:cs typeface="Consolas" panose="020B0609020204030204" pitchFamily="49" charset="0"/>
+            </a:endParaRPr>
+          </a:p>
+        </p:txBody>
+      </p:sp>
+    </p:spTree>
+    <p:extLst>
+      <p:ext uri="{BB962C8B-B14F-4D97-AF65-F5344CB8AC3E}">
+        <p14:creationId xmlns:p14="http://schemas.microsoft.com/office/powerpoint/2010/main" val="3586703421"/>
       </p:ext>
     </p:extLst>
   </p:cSld>
@@ -4115,6 +8486,1221 @@
     <p:extLst>
       <p:ext uri="{BB962C8B-B14F-4D97-AF65-F5344CB8AC3E}">
         <p14:creationId xmlns:p14="http://schemas.microsoft.com/office/powerpoint/2010/main" val="1463761674"/>
+      </p:ext>
+    </p:extLst>
+  </p:cSld>
+  <p:clrMapOvr>
+    <a:masterClrMapping/>
+  </p:clrMapOvr>
+  <p:timing>
+    <p:tnLst>
+      <p:par>
+        <p:cTn id="1" dur="indefinite" restart="never" nodeType="tmRoot"/>
+      </p:par>
+    </p:tnLst>
+  </p:timing>
+</p:sld>
+</file>
+
+<file path=ppt/slides/slide30.xml><?xml version="1.0" encoding="utf-8"?>
+<p:sld xmlns:a="http://schemas.openxmlformats.org/drawingml/2006/main" xmlns:r="http://schemas.openxmlformats.org/officeDocument/2006/relationships" xmlns:p="http://schemas.openxmlformats.org/presentationml/2006/main">
+  <p:cSld>
+    <p:spTree>
+      <p:nvGrpSpPr>
+        <p:cNvPr id="1" name=""/>
+        <p:cNvGrpSpPr/>
+        <p:nvPr/>
+      </p:nvGrpSpPr>
+      <p:grpSpPr>
+        <a:xfrm>
+          <a:off x="0" y="0"/>
+          <a:ext cx="0" cy="0"/>
+          <a:chOff x="0" y="0"/>
+          <a:chExt cx="0" cy="0"/>
+        </a:xfrm>
+      </p:grpSpPr>
+      <p:sp>
+        <p:nvSpPr>
+          <p:cNvPr id="2" name="Title 1"/>
+          <p:cNvSpPr>
+            <a:spLocks noGrp="1"/>
+          </p:cNvSpPr>
+          <p:nvPr>
+            <p:ph type="title"/>
+          </p:nvPr>
+        </p:nvSpPr>
+        <p:spPr/>
+        <p:txBody>
+          <a:bodyPr/>
+          <a:lstStyle/>
+          <a:p>
+            <a:r>
+              <a:rPr lang="en-US" dirty="0" smtClean="0"/>
+              <a:t>Child template</a:t>
+            </a:r>
+            <a:endParaRPr lang="en-US" dirty="0"/>
+          </a:p>
+        </p:txBody>
+      </p:sp>
+      <p:sp>
+        <p:nvSpPr>
+          <p:cNvPr id="3" name="Content Placeholder 2"/>
+          <p:cNvSpPr>
+            <a:spLocks noGrp="1"/>
+          </p:cNvSpPr>
+          <p:nvPr>
+            <p:ph sz="quarter" idx="10"/>
+          </p:nvPr>
+        </p:nvSpPr>
+        <p:spPr/>
+        <p:txBody>
+          <a:bodyPr/>
+          <a:lstStyle/>
+          <a:p>
+            <a:r>
+              <a:rPr lang="en-US" dirty="0" smtClean="0"/>
+              <a:t>Uses a base template</a:t>
+            </a:r>
+          </a:p>
+          <a:p>
+            <a:r>
+              <a:rPr lang="en-US" dirty="0" smtClean="0"/>
+              <a:t>Provides content for blocks</a:t>
+            </a:r>
+            <a:endParaRPr lang="en-US" dirty="0"/>
+          </a:p>
+        </p:txBody>
+      </p:sp>
+      <p:sp>
+        <p:nvSpPr>
+          <p:cNvPr id="4" name="Rounded Rectangle 3"/>
+          <p:cNvSpPr/>
+          <p:nvPr/>
+        </p:nvSpPr>
+        <p:spPr>
+          <a:xfrm>
+            <a:off x="3639493" y="3232087"/>
+            <a:ext cx="6871580" cy="2942376"/>
+          </a:xfrm>
+          <a:prstGeom prst="roundRect">
+            <a:avLst/>
+          </a:prstGeom>
+        </p:spPr>
+        <p:style>
+          <a:lnRef idx="1">
+            <a:schemeClr val="accent3"/>
+          </a:lnRef>
+          <a:fillRef idx="2">
+            <a:schemeClr val="accent3"/>
+          </a:fillRef>
+          <a:effectRef idx="1">
+            <a:schemeClr val="accent3"/>
+          </a:effectRef>
+          <a:fontRef idx="minor">
+            <a:schemeClr val="dk1"/>
+          </a:fontRef>
+        </p:style>
+        <p:txBody>
+          <a:bodyPr rtlCol="0" anchor="ctr"/>
+          <a:lstStyle/>
+          <a:p>
+            <a:r>
+              <a:rPr lang="en-US" sz="2400" dirty="0">
+                <a:latin typeface="Consolas" panose="020B0609020204030204" pitchFamily="49" charset="0"/>
+                <a:cs typeface="Consolas" panose="020B0609020204030204" pitchFamily="49" charset="0"/>
+              </a:rPr>
+              <a:t>{% extends "base.html" </a:t>
+            </a:r>
+            <a:r>
+              <a:rPr lang="en-US" sz="2400" dirty="0" smtClean="0">
+                <a:latin typeface="Consolas" panose="020B0609020204030204" pitchFamily="49" charset="0"/>
+                <a:cs typeface="Consolas" panose="020B0609020204030204" pitchFamily="49" charset="0"/>
+              </a:rPr>
+              <a:t>%}</a:t>
+            </a:r>
+          </a:p>
+          <a:p>
+            <a:endParaRPr lang="en-US" sz="2400" dirty="0" smtClean="0">
+              <a:latin typeface="Consolas" panose="020B0609020204030204" pitchFamily="49" charset="0"/>
+              <a:cs typeface="Consolas" panose="020B0609020204030204" pitchFamily="49" charset="0"/>
+            </a:endParaRPr>
+          </a:p>
+          <a:p>
+            <a:r>
+              <a:rPr lang="en-US" sz="2400" dirty="0" smtClean="0">
+                <a:latin typeface="Consolas" panose="020B0609020204030204" pitchFamily="49" charset="0"/>
+                <a:cs typeface="Consolas" panose="020B0609020204030204" pitchFamily="49" charset="0"/>
+              </a:rPr>
+              <a:t>{% </a:t>
+            </a:r>
+            <a:r>
+              <a:rPr lang="en-US" sz="2400" dirty="0">
+                <a:latin typeface="Consolas" panose="020B0609020204030204" pitchFamily="49" charset="0"/>
+                <a:cs typeface="Consolas" panose="020B0609020204030204" pitchFamily="49" charset="0"/>
+              </a:rPr>
+              <a:t>block title </a:t>
+            </a:r>
+            <a:r>
+              <a:rPr lang="en-US" sz="2400" dirty="0" smtClean="0">
+                <a:latin typeface="Consolas" panose="020B0609020204030204" pitchFamily="49" charset="0"/>
+                <a:cs typeface="Consolas" panose="020B0609020204030204" pitchFamily="49" charset="0"/>
+              </a:rPr>
+              <a:t>%}Home{% </a:t>
+            </a:r>
+            <a:r>
+              <a:rPr lang="en-US" sz="2400" dirty="0" err="1">
+                <a:latin typeface="Consolas" panose="020B0609020204030204" pitchFamily="49" charset="0"/>
+                <a:cs typeface="Consolas" panose="020B0609020204030204" pitchFamily="49" charset="0"/>
+              </a:rPr>
+              <a:t>endblock</a:t>
+            </a:r>
+            <a:r>
+              <a:rPr lang="en-US" sz="2400" dirty="0">
+                <a:latin typeface="Consolas" panose="020B0609020204030204" pitchFamily="49" charset="0"/>
+                <a:cs typeface="Consolas" panose="020B0609020204030204" pitchFamily="49" charset="0"/>
+              </a:rPr>
+              <a:t> </a:t>
+            </a:r>
+            <a:r>
+              <a:rPr lang="en-US" sz="2400" dirty="0" smtClean="0">
+                <a:latin typeface="Consolas" panose="020B0609020204030204" pitchFamily="49" charset="0"/>
+                <a:cs typeface="Consolas" panose="020B0609020204030204" pitchFamily="49" charset="0"/>
+              </a:rPr>
+              <a:t>%}</a:t>
+            </a:r>
+          </a:p>
+          <a:p>
+            <a:endParaRPr lang="en-US" sz="2400" dirty="0">
+              <a:latin typeface="Consolas" panose="020B0609020204030204" pitchFamily="49" charset="0"/>
+              <a:cs typeface="Consolas" panose="020B0609020204030204" pitchFamily="49" charset="0"/>
+            </a:endParaRPr>
+          </a:p>
+          <a:p>
+            <a:r>
+              <a:rPr lang="en-US" sz="2400" dirty="0" smtClean="0">
+                <a:latin typeface="Consolas" panose="020B0609020204030204" pitchFamily="49" charset="0"/>
+                <a:cs typeface="Consolas" panose="020B0609020204030204" pitchFamily="49" charset="0"/>
+              </a:rPr>
+              <a:t>{% block content %}</a:t>
+            </a:r>
+          </a:p>
+          <a:p>
+            <a:r>
+              <a:rPr lang="en-US" sz="2400" dirty="0" smtClean="0">
+                <a:latin typeface="Consolas" panose="020B0609020204030204" pitchFamily="49" charset="0"/>
+                <a:cs typeface="Consolas" panose="020B0609020204030204" pitchFamily="49" charset="0"/>
+              </a:rPr>
+              <a:t>   Hello, template!!</a:t>
+            </a:r>
+            <a:endParaRPr lang="en-US" sz="2400" dirty="0">
+              <a:latin typeface="Consolas" panose="020B0609020204030204" pitchFamily="49" charset="0"/>
+              <a:cs typeface="Consolas" panose="020B0609020204030204" pitchFamily="49" charset="0"/>
+            </a:endParaRPr>
+          </a:p>
+          <a:p>
+            <a:r>
+              <a:rPr lang="en-US" sz="2400" dirty="0" smtClean="0">
+                <a:latin typeface="Consolas" panose="020B0609020204030204" pitchFamily="49" charset="0"/>
+                <a:cs typeface="Consolas" panose="020B0609020204030204" pitchFamily="49" charset="0"/>
+              </a:rPr>
+              <a:t>{% </a:t>
+            </a:r>
+            <a:r>
+              <a:rPr lang="en-US" sz="2400" dirty="0" err="1" smtClean="0">
+                <a:latin typeface="Consolas" panose="020B0609020204030204" pitchFamily="49" charset="0"/>
+                <a:cs typeface="Consolas" panose="020B0609020204030204" pitchFamily="49" charset="0"/>
+              </a:rPr>
+              <a:t>endblock</a:t>
+            </a:r>
+            <a:r>
+              <a:rPr lang="en-US" sz="2400" dirty="0" smtClean="0">
+                <a:latin typeface="Consolas" panose="020B0609020204030204" pitchFamily="49" charset="0"/>
+                <a:cs typeface="Consolas" panose="020B0609020204030204" pitchFamily="49" charset="0"/>
+              </a:rPr>
+              <a:t> %}</a:t>
+            </a:r>
+            <a:endParaRPr lang="en-US" sz="2400" dirty="0">
+              <a:latin typeface="Consolas" panose="020B0609020204030204" pitchFamily="49" charset="0"/>
+              <a:cs typeface="Consolas" panose="020B0609020204030204" pitchFamily="49" charset="0"/>
+            </a:endParaRPr>
+          </a:p>
+        </p:txBody>
+      </p:sp>
+    </p:spTree>
+    <p:extLst>
+      <p:ext uri="{BB962C8B-B14F-4D97-AF65-F5344CB8AC3E}">
+        <p14:creationId xmlns:p14="http://schemas.microsoft.com/office/powerpoint/2010/main" val="4078015715"/>
+      </p:ext>
+    </p:extLst>
+  </p:cSld>
+  <p:clrMapOvr>
+    <a:masterClrMapping/>
+  </p:clrMapOvr>
+  <p:timing>
+    <p:tnLst>
+      <p:par>
+        <p:cTn id="1" dur="indefinite" restart="never" nodeType="tmRoot"/>
+      </p:par>
+    </p:tnLst>
+  </p:timing>
+</p:sld>
+</file>
+
+<file path=ppt/slides/slide31.xml><?xml version="1.0" encoding="utf-8"?>
+<p:sld xmlns:a="http://schemas.openxmlformats.org/drawingml/2006/main" xmlns:r="http://schemas.openxmlformats.org/officeDocument/2006/relationships" xmlns:p="http://schemas.openxmlformats.org/presentationml/2006/main">
+  <p:cSld>
+    <p:spTree>
+      <p:nvGrpSpPr>
+        <p:cNvPr id="1" name=""/>
+        <p:cNvGrpSpPr/>
+        <p:nvPr/>
+      </p:nvGrpSpPr>
+      <p:grpSpPr>
+        <a:xfrm>
+          <a:off x="0" y="0"/>
+          <a:ext cx="0" cy="0"/>
+          <a:chOff x="0" y="0"/>
+          <a:chExt cx="0" cy="0"/>
+        </a:xfrm>
+      </p:grpSpPr>
+      <p:sp>
+        <p:nvSpPr>
+          <p:cNvPr id="2" name="Title 1"/>
+          <p:cNvSpPr>
+            <a:spLocks noGrp="1"/>
+          </p:cNvSpPr>
+          <p:nvPr>
+            <p:ph type="title"/>
+          </p:nvPr>
+        </p:nvSpPr>
+        <p:spPr/>
+        <p:txBody>
+          <a:bodyPr/>
+          <a:lstStyle/>
+          <a:p>
+            <a:r>
+              <a:rPr lang="en-US" dirty="0" smtClean="0"/>
+              <a:t>Bringing it all together</a:t>
+            </a:r>
+            <a:endParaRPr lang="en-US" dirty="0"/>
+          </a:p>
+        </p:txBody>
+      </p:sp>
+      <p:sp>
+        <p:nvSpPr>
+          <p:cNvPr id="4" name="Rounded Rectangle 3"/>
+          <p:cNvSpPr/>
+          <p:nvPr/>
+        </p:nvSpPr>
+        <p:spPr>
+          <a:xfrm>
+            <a:off x="2296563" y="713958"/>
+            <a:ext cx="9895437" cy="3159659"/>
+          </a:xfrm>
+          <a:prstGeom prst="roundRect">
+            <a:avLst>
+              <a:gd name="adj" fmla="val 7498"/>
+            </a:avLst>
+          </a:prstGeom>
+        </p:spPr>
+        <p:style>
+          <a:lnRef idx="1">
+            <a:schemeClr val="accent1"/>
+          </a:lnRef>
+          <a:fillRef idx="2">
+            <a:schemeClr val="accent1"/>
+          </a:fillRef>
+          <a:effectRef idx="1">
+            <a:schemeClr val="accent1"/>
+          </a:effectRef>
+          <a:fontRef idx="minor">
+            <a:schemeClr val="dk1"/>
+          </a:fontRef>
+        </p:style>
+        <p:txBody>
+          <a:bodyPr rtlCol="0" anchor="ctr"/>
+          <a:lstStyle/>
+          <a:p>
+            <a:r>
+              <a:rPr lang="en-US" sz="2000" dirty="0">
+                <a:latin typeface="Consolas" panose="020B0609020204030204" pitchFamily="49" charset="0"/>
+                <a:cs typeface="Consolas" panose="020B0609020204030204" pitchFamily="49" charset="0"/>
+              </a:rPr>
+              <a:t>&lt;</a:t>
+            </a:r>
+            <a:r>
+              <a:rPr lang="en-US" sz="2000" dirty="0" smtClean="0">
+                <a:latin typeface="Consolas" panose="020B0609020204030204" pitchFamily="49" charset="0"/>
+                <a:cs typeface="Consolas" panose="020B0609020204030204" pitchFamily="49" charset="0"/>
+              </a:rPr>
+              <a:t>html&gt;</a:t>
+            </a:r>
+            <a:endParaRPr lang="en-US" sz="2000" dirty="0">
+              <a:latin typeface="Consolas" panose="020B0609020204030204" pitchFamily="49" charset="0"/>
+              <a:cs typeface="Consolas" panose="020B0609020204030204" pitchFamily="49" charset="0"/>
+            </a:endParaRPr>
+          </a:p>
+          <a:p>
+            <a:r>
+              <a:rPr lang="en-US" sz="2000" dirty="0" smtClean="0">
+                <a:latin typeface="Consolas" panose="020B0609020204030204" pitchFamily="49" charset="0"/>
+                <a:cs typeface="Consolas" panose="020B0609020204030204" pitchFamily="49" charset="0"/>
+              </a:rPr>
+              <a:t>   &lt;</a:t>
+            </a:r>
+            <a:r>
+              <a:rPr lang="en-US" sz="2000" dirty="0">
+                <a:latin typeface="Consolas" panose="020B0609020204030204" pitchFamily="49" charset="0"/>
+                <a:cs typeface="Consolas" panose="020B0609020204030204" pitchFamily="49" charset="0"/>
+              </a:rPr>
+              <a:t>head&gt;</a:t>
+            </a:r>
+          </a:p>
+          <a:p>
+            <a:r>
+              <a:rPr lang="en-US" sz="2000" dirty="0" smtClean="0">
+                <a:latin typeface="Consolas" panose="020B0609020204030204" pitchFamily="49" charset="0"/>
+                <a:cs typeface="Consolas" panose="020B0609020204030204" pitchFamily="49" charset="0"/>
+              </a:rPr>
+              <a:t>      &lt;</a:t>
+            </a:r>
+            <a:r>
+              <a:rPr lang="en-US" sz="2000" dirty="0">
+                <a:latin typeface="Consolas" panose="020B0609020204030204" pitchFamily="49" charset="0"/>
+                <a:cs typeface="Consolas" panose="020B0609020204030204" pitchFamily="49" charset="0"/>
+              </a:rPr>
+              <a:t>title&gt;{% block title %}{% </a:t>
+            </a:r>
+            <a:r>
+              <a:rPr lang="en-US" sz="2000" dirty="0" err="1">
+                <a:latin typeface="Consolas" panose="020B0609020204030204" pitchFamily="49" charset="0"/>
+                <a:cs typeface="Consolas" panose="020B0609020204030204" pitchFamily="49" charset="0"/>
+              </a:rPr>
+              <a:t>endblock</a:t>
+            </a:r>
+            <a:r>
+              <a:rPr lang="en-US" sz="2000" dirty="0">
+                <a:latin typeface="Consolas" panose="020B0609020204030204" pitchFamily="49" charset="0"/>
+                <a:cs typeface="Consolas" panose="020B0609020204030204" pitchFamily="49" charset="0"/>
+              </a:rPr>
+              <a:t> %} - </a:t>
+            </a:r>
+            <a:r>
+              <a:rPr lang="en-US" sz="2000" dirty="0" err="1" smtClean="0">
+                <a:latin typeface="Consolas" panose="020B0609020204030204" pitchFamily="49" charset="0"/>
+                <a:cs typeface="Consolas" panose="020B0609020204030204" pitchFamily="49" charset="0"/>
+              </a:rPr>
+              <a:t>AventureWorks</a:t>
+            </a:r>
+            <a:r>
+              <a:rPr lang="en-US" sz="2000" dirty="0" smtClean="0">
+                <a:latin typeface="Consolas" panose="020B0609020204030204" pitchFamily="49" charset="0"/>
+                <a:cs typeface="Consolas" panose="020B0609020204030204" pitchFamily="49" charset="0"/>
+              </a:rPr>
+              <a:t>&lt;/</a:t>
+            </a:r>
+            <a:r>
+              <a:rPr lang="en-US" sz="2000" dirty="0">
+                <a:latin typeface="Consolas" panose="020B0609020204030204" pitchFamily="49" charset="0"/>
+                <a:cs typeface="Consolas" panose="020B0609020204030204" pitchFamily="49" charset="0"/>
+              </a:rPr>
+              <a:t>title&gt;</a:t>
+            </a:r>
+          </a:p>
+          <a:p>
+            <a:r>
+              <a:rPr lang="en-US" sz="2000" dirty="0" smtClean="0">
+                <a:latin typeface="Consolas" panose="020B0609020204030204" pitchFamily="49" charset="0"/>
+                <a:cs typeface="Consolas" panose="020B0609020204030204" pitchFamily="49" charset="0"/>
+              </a:rPr>
+              <a:t>   &lt;/</a:t>
+            </a:r>
+            <a:r>
+              <a:rPr lang="en-US" sz="2000" dirty="0">
+                <a:latin typeface="Consolas" panose="020B0609020204030204" pitchFamily="49" charset="0"/>
+                <a:cs typeface="Consolas" panose="020B0609020204030204" pitchFamily="49" charset="0"/>
+              </a:rPr>
+              <a:t>head&gt;</a:t>
+            </a:r>
+          </a:p>
+          <a:p>
+            <a:r>
+              <a:rPr lang="en-US" sz="2000" dirty="0" smtClean="0">
+                <a:latin typeface="Consolas" panose="020B0609020204030204" pitchFamily="49" charset="0"/>
+                <a:cs typeface="Consolas" panose="020B0609020204030204" pitchFamily="49" charset="0"/>
+              </a:rPr>
+              <a:t>   &lt;</a:t>
+            </a:r>
+            <a:r>
+              <a:rPr lang="en-US" sz="2000" dirty="0">
+                <a:latin typeface="Consolas" panose="020B0609020204030204" pitchFamily="49" charset="0"/>
+                <a:cs typeface="Consolas" panose="020B0609020204030204" pitchFamily="49" charset="0"/>
+              </a:rPr>
+              <a:t>body&gt;</a:t>
+            </a:r>
+          </a:p>
+          <a:p>
+            <a:r>
+              <a:rPr lang="en-US" sz="2000" dirty="0" smtClean="0">
+                <a:latin typeface="Consolas" panose="020B0609020204030204" pitchFamily="49" charset="0"/>
+                <a:cs typeface="Consolas" panose="020B0609020204030204" pitchFamily="49" charset="0"/>
+              </a:rPr>
+              <a:t>      </a:t>
+            </a:r>
+            <a:r>
+              <a:rPr lang="en-US" sz="2000" dirty="0">
+                <a:latin typeface="Consolas" panose="020B0609020204030204" pitchFamily="49" charset="0"/>
+                <a:cs typeface="Consolas" panose="020B0609020204030204" pitchFamily="49" charset="0"/>
+              </a:rPr>
+              <a:t>&lt;div id="content</a:t>
+            </a:r>
+            <a:r>
+              <a:rPr lang="en-US" sz="2000" dirty="0" smtClean="0">
+                <a:latin typeface="Consolas" panose="020B0609020204030204" pitchFamily="49" charset="0"/>
+                <a:cs typeface="Consolas" panose="020B0609020204030204" pitchFamily="49" charset="0"/>
+              </a:rPr>
+              <a:t>"&gt;</a:t>
+            </a:r>
+          </a:p>
+          <a:p>
+            <a:r>
+              <a:rPr lang="en-US" sz="2000" dirty="0">
+                <a:latin typeface="Consolas" panose="020B0609020204030204" pitchFamily="49" charset="0"/>
+                <a:cs typeface="Consolas" panose="020B0609020204030204" pitchFamily="49" charset="0"/>
+              </a:rPr>
+              <a:t> </a:t>
+            </a:r>
+            <a:r>
+              <a:rPr lang="en-US" sz="2000" dirty="0" smtClean="0">
+                <a:latin typeface="Consolas" panose="020B0609020204030204" pitchFamily="49" charset="0"/>
+                <a:cs typeface="Consolas" panose="020B0609020204030204" pitchFamily="49" charset="0"/>
+              </a:rPr>
+              <a:t>        {% </a:t>
+            </a:r>
+            <a:r>
+              <a:rPr lang="en-US" sz="2000" dirty="0">
+                <a:latin typeface="Consolas" panose="020B0609020204030204" pitchFamily="49" charset="0"/>
+                <a:cs typeface="Consolas" panose="020B0609020204030204" pitchFamily="49" charset="0"/>
+              </a:rPr>
+              <a:t>block content %}{% </a:t>
+            </a:r>
+            <a:r>
+              <a:rPr lang="en-US" sz="2000" dirty="0" err="1">
+                <a:latin typeface="Consolas" panose="020B0609020204030204" pitchFamily="49" charset="0"/>
+                <a:cs typeface="Consolas" panose="020B0609020204030204" pitchFamily="49" charset="0"/>
+              </a:rPr>
+              <a:t>endblock</a:t>
+            </a:r>
+            <a:r>
+              <a:rPr lang="en-US" sz="2000" dirty="0">
+                <a:latin typeface="Consolas" panose="020B0609020204030204" pitchFamily="49" charset="0"/>
+                <a:cs typeface="Consolas" panose="020B0609020204030204" pitchFamily="49" charset="0"/>
+              </a:rPr>
+              <a:t> </a:t>
+            </a:r>
+            <a:r>
+              <a:rPr lang="en-US" sz="2000" dirty="0" smtClean="0">
+                <a:latin typeface="Consolas" panose="020B0609020204030204" pitchFamily="49" charset="0"/>
+                <a:cs typeface="Consolas" panose="020B0609020204030204" pitchFamily="49" charset="0"/>
+              </a:rPr>
+              <a:t>%}</a:t>
+            </a:r>
+          </a:p>
+          <a:p>
+            <a:r>
+              <a:rPr lang="en-US" sz="2000" dirty="0" smtClean="0">
+                <a:latin typeface="Consolas" panose="020B0609020204030204" pitchFamily="49" charset="0"/>
+                <a:cs typeface="Consolas" panose="020B0609020204030204" pitchFamily="49" charset="0"/>
+              </a:rPr>
+              <a:t>      &lt;/</a:t>
+            </a:r>
+            <a:r>
+              <a:rPr lang="en-US" sz="2000" dirty="0">
+                <a:latin typeface="Consolas" panose="020B0609020204030204" pitchFamily="49" charset="0"/>
+                <a:cs typeface="Consolas" panose="020B0609020204030204" pitchFamily="49" charset="0"/>
+              </a:rPr>
+              <a:t>div&gt;</a:t>
+            </a:r>
+          </a:p>
+          <a:p>
+            <a:r>
+              <a:rPr lang="en-US" sz="2000" dirty="0" smtClean="0">
+                <a:latin typeface="Consolas" panose="020B0609020204030204" pitchFamily="49" charset="0"/>
+                <a:cs typeface="Consolas" panose="020B0609020204030204" pitchFamily="49" charset="0"/>
+              </a:rPr>
+              <a:t>   &lt;/</a:t>
+            </a:r>
+            <a:r>
+              <a:rPr lang="en-US" sz="2000" dirty="0">
+                <a:latin typeface="Consolas" panose="020B0609020204030204" pitchFamily="49" charset="0"/>
+                <a:cs typeface="Consolas" panose="020B0609020204030204" pitchFamily="49" charset="0"/>
+              </a:rPr>
+              <a:t>body</a:t>
+            </a:r>
+            <a:r>
+              <a:rPr lang="en-US" sz="2000" dirty="0" smtClean="0">
+                <a:latin typeface="Consolas" panose="020B0609020204030204" pitchFamily="49" charset="0"/>
+                <a:cs typeface="Consolas" panose="020B0609020204030204" pitchFamily="49" charset="0"/>
+              </a:rPr>
+              <a:t>&gt;</a:t>
+            </a:r>
+          </a:p>
+          <a:p>
+            <a:r>
+              <a:rPr lang="en-US" sz="2000" dirty="0" smtClean="0">
+                <a:latin typeface="Consolas" panose="020B0609020204030204" pitchFamily="49" charset="0"/>
+                <a:cs typeface="Consolas" panose="020B0609020204030204" pitchFamily="49" charset="0"/>
+              </a:rPr>
+              <a:t>&lt;/html&gt;</a:t>
+            </a:r>
+            <a:endParaRPr lang="en-US" sz="2000" dirty="0">
+              <a:latin typeface="Consolas" panose="020B0609020204030204" pitchFamily="49" charset="0"/>
+              <a:cs typeface="Consolas" panose="020B0609020204030204" pitchFamily="49" charset="0"/>
+            </a:endParaRPr>
+          </a:p>
+        </p:txBody>
+      </p:sp>
+      <p:sp>
+        <p:nvSpPr>
+          <p:cNvPr id="5" name="Rounded Rectangle 4"/>
+          <p:cNvSpPr/>
+          <p:nvPr/>
+        </p:nvSpPr>
+        <p:spPr>
+          <a:xfrm>
+            <a:off x="63374" y="3873617"/>
+            <a:ext cx="6409854" cy="2942376"/>
+          </a:xfrm>
+          <a:prstGeom prst="roundRect">
+            <a:avLst/>
+          </a:prstGeom>
+        </p:spPr>
+        <p:style>
+          <a:lnRef idx="1">
+            <a:schemeClr val="accent3"/>
+          </a:lnRef>
+          <a:fillRef idx="2">
+            <a:schemeClr val="accent3"/>
+          </a:fillRef>
+          <a:effectRef idx="1">
+            <a:schemeClr val="accent3"/>
+          </a:effectRef>
+          <a:fontRef idx="minor">
+            <a:schemeClr val="dk1"/>
+          </a:fontRef>
+        </p:style>
+        <p:txBody>
+          <a:bodyPr rtlCol="0" anchor="ctr"/>
+          <a:lstStyle/>
+          <a:p>
+            <a:r>
+              <a:rPr lang="en-US" sz="2400" dirty="0">
+                <a:latin typeface="Consolas" panose="020B0609020204030204" pitchFamily="49" charset="0"/>
+                <a:cs typeface="Consolas" panose="020B0609020204030204" pitchFamily="49" charset="0"/>
+              </a:rPr>
+              <a:t>{% extends "base.html" </a:t>
+            </a:r>
+            <a:r>
+              <a:rPr lang="en-US" sz="2400" dirty="0" smtClean="0">
+                <a:latin typeface="Consolas" panose="020B0609020204030204" pitchFamily="49" charset="0"/>
+                <a:cs typeface="Consolas" panose="020B0609020204030204" pitchFamily="49" charset="0"/>
+              </a:rPr>
+              <a:t>%}</a:t>
+            </a:r>
+          </a:p>
+          <a:p>
+            <a:endParaRPr lang="en-US" sz="2400" dirty="0" smtClean="0">
+              <a:latin typeface="Consolas" panose="020B0609020204030204" pitchFamily="49" charset="0"/>
+              <a:cs typeface="Consolas" panose="020B0609020204030204" pitchFamily="49" charset="0"/>
+            </a:endParaRPr>
+          </a:p>
+          <a:p>
+            <a:r>
+              <a:rPr lang="en-US" sz="2400" dirty="0" smtClean="0">
+                <a:latin typeface="Consolas" panose="020B0609020204030204" pitchFamily="49" charset="0"/>
+                <a:cs typeface="Consolas" panose="020B0609020204030204" pitchFamily="49" charset="0"/>
+              </a:rPr>
+              <a:t>{% </a:t>
+            </a:r>
+            <a:r>
+              <a:rPr lang="en-US" sz="2400" dirty="0">
+                <a:latin typeface="Consolas" panose="020B0609020204030204" pitchFamily="49" charset="0"/>
+                <a:cs typeface="Consolas" panose="020B0609020204030204" pitchFamily="49" charset="0"/>
+              </a:rPr>
+              <a:t>block title </a:t>
+            </a:r>
+            <a:r>
+              <a:rPr lang="en-US" sz="2400" dirty="0" smtClean="0">
+                <a:latin typeface="Consolas" panose="020B0609020204030204" pitchFamily="49" charset="0"/>
+                <a:cs typeface="Consolas" panose="020B0609020204030204" pitchFamily="49" charset="0"/>
+              </a:rPr>
+              <a:t>%}Home{% </a:t>
+            </a:r>
+            <a:r>
+              <a:rPr lang="en-US" sz="2400" dirty="0" err="1">
+                <a:latin typeface="Consolas" panose="020B0609020204030204" pitchFamily="49" charset="0"/>
+                <a:cs typeface="Consolas" panose="020B0609020204030204" pitchFamily="49" charset="0"/>
+              </a:rPr>
+              <a:t>endblock</a:t>
+            </a:r>
+            <a:r>
+              <a:rPr lang="en-US" sz="2400" dirty="0">
+                <a:latin typeface="Consolas" panose="020B0609020204030204" pitchFamily="49" charset="0"/>
+                <a:cs typeface="Consolas" panose="020B0609020204030204" pitchFamily="49" charset="0"/>
+              </a:rPr>
+              <a:t> </a:t>
+            </a:r>
+            <a:r>
+              <a:rPr lang="en-US" sz="2400" dirty="0" smtClean="0">
+                <a:latin typeface="Consolas" panose="020B0609020204030204" pitchFamily="49" charset="0"/>
+                <a:cs typeface="Consolas" panose="020B0609020204030204" pitchFamily="49" charset="0"/>
+              </a:rPr>
+              <a:t>%}</a:t>
+            </a:r>
+          </a:p>
+          <a:p>
+            <a:endParaRPr lang="en-US" sz="2400" dirty="0">
+              <a:latin typeface="Consolas" panose="020B0609020204030204" pitchFamily="49" charset="0"/>
+              <a:cs typeface="Consolas" panose="020B0609020204030204" pitchFamily="49" charset="0"/>
+            </a:endParaRPr>
+          </a:p>
+          <a:p>
+            <a:r>
+              <a:rPr lang="en-US" sz="2400" dirty="0" smtClean="0">
+                <a:latin typeface="Consolas" panose="020B0609020204030204" pitchFamily="49" charset="0"/>
+                <a:cs typeface="Consolas" panose="020B0609020204030204" pitchFamily="49" charset="0"/>
+              </a:rPr>
+              <a:t>{% block content %}</a:t>
+            </a:r>
+          </a:p>
+          <a:p>
+            <a:r>
+              <a:rPr lang="en-US" sz="2400" dirty="0" smtClean="0">
+                <a:latin typeface="Consolas" panose="020B0609020204030204" pitchFamily="49" charset="0"/>
+                <a:cs typeface="Consolas" panose="020B0609020204030204" pitchFamily="49" charset="0"/>
+              </a:rPr>
+              <a:t>   Hello, template!!</a:t>
+            </a:r>
+            <a:endParaRPr lang="en-US" sz="2400" dirty="0">
+              <a:latin typeface="Consolas" panose="020B0609020204030204" pitchFamily="49" charset="0"/>
+              <a:cs typeface="Consolas" panose="020B0609020204030204" pitchFamily="49" charset="0"/>
+            </a:endParaRPr>
+          </a:p>
+          <a:p>
+            <a:r>
+              <a:rPr lang="en-US" sz="2400" dirty="0" smtClean="0">
+                <a:latin typeface="Consolas" panose="020B0609020204030204" pitchFamily="49" charset="0"/>
+                <a:cs typeface="Consolas" panose="020B0609020204030204" pitchFamily="49" charset="0"/>
+              </a:rPr>
+              <a:t>{% </a:t>
+            </a:r>
+            <a:r>
+              <a:rPr lang="en-US" sz="2400" dirty="0" err="1" smtClean="0">
+                <a:latin typeface="Consolas" panose="020B0609020204030204" pitchFamily="49" charset="0"/>
+                <a:cs typeface="Consolas" panose="020B0609020204030204" pitchFamily="49" charset="0"/>
+              </a:rPr>
+              <a:t>endblock</a:t>
+            </a:r>
+            <a:r>
+              <a:rPr lang="en-US" sz="2400" dirty="0" smtClean="0">
+                <a:latin typeface="Consolas" panose="020B0609020204030204" pitchFamily="49" charset="0"/>
+                <a:cs typeface="Consolas" panose="020B0609020204030204" pitchFamily="49" charset="0"/>
+              </a:rPr>
+              <a:t> %}</a:t>
+            </a:r>
+            <a:endParaRPr lang="en-US" sz="2400" dirty="0">
+              <a:latin typeface="Consolas" panose="020B0609020204030204" pitchFamily="49" charset="0"/>
+              <a:cs typeface="Consolas" panose="020B0609020204030204" pitchFamily="49" charset="0"/>
+            </a:endParaRPr>
+          </a:p>
+        </p:txBody>
+      </p:sp>
+      <p:sp>
+        <p:nvSpPr>
+          <p:cNvPr id="6" name="Rounded Rectangle 5"/>
+          <p:cNvSpPr/>
+          <p:nvPr/>
+        </p:nvSpPr>
+        <p:spPr>
+          <a:xfrm>
+            <a:off x="6609030" y="3873618"/>
+            <a:ext cx="5582971" cy="2942376"/>
+          </a:xfrm>
+          <a:prstGeom prst="roundRect">
+            <a:avLst/>
+          </a:prstGeom>
+        </p:spPr>
+        <p:style>
+          <a:lnRef idx="3">
+            <a:schemeClr val="lt1"/>
+          </a:lnRef>
+          <a:fillRef idx="1">
+            <a:schemeClr val="accent6"/>
+          </a:fillRef>
+          <a:effectRef idx="1">
+            <a:schemeClr val="accent6"/>
+          </a:effectRef>
+          <a:fontRef idx="minor">
+            <a:schemeClr val="lt1"/>
+          </a:fontRef>
+        </p:style>
+        <p:txBody>
+          <a:bodyPr rtlCol="0" anchor="ctr"/>
+          <a:lstStyle/>
+          <a:p>
+            <a:r>
+              <a:rPr lang="en-US" dirty="0" smtClean="0">
+                <a:latin typeface="Consolas" panose="020B0609020204030204" pitchFamily="49" charset="0"/>
+                <a:cs typeface="Consolas" panose="020B0609020204030204" pitchFamily="49" charset="0"/>
+              </a:rPr>
+              <a:t>&lt;html&gt;</a:t>
+            </a:r>
+          </a:p>
+          <a:p>
+            <a:r>
+              <a:rPr lang="en-US" dirty="0">
+                <a:latin typeface="Consolas" panose="020B0609020204030204" pitchFamily="49" charset="0"/>
+                <a:cs typeface="Consolas" panose="020B0609020204030204" pitchFamily="49" charset="0"/>
+              </a:rPr>
+              <a:t> </a:t>
+            </a:r>
+            <a:r>
+              <a:rPr lang="en-US" dirty="0" smtClean="0">
+                <a:latin typeface="Consolas" panose="020B0609020204030204" pitchFamily="49" charset="0"/>
+                <a:cs typeface="Consolas" panose="020B0609020204030204" pitchFamily="49" charset="0"/>
+              </a:rPr>
+              <a:t> &lt;head&gt;</a:t>
+            </a:r>
+          </a:p>
+          <a:p>
+            <a:r>
+              <a:rPr lang="en-US" dirty="0">
+                <a:latin typeface="Consolas" panose="020B0609020204030204" pitchFamily="49" charset="0"/>
+                <a:cs typeface="Consolas" panose="020B0609020204030204" pitchFamily="49" charset="0"/>
+              </a:rPr>
+              <a:t> </a:t>
+            </a:r>
+            <a:r>
+              <a:rPr lang="en-US" dirty="0" smtClean="0">
+                <a:latin typeface="Consolas" panose="020B0609020204030204" pitchFamily="49" charset="0"/>
+                <a:cs typeface="Consolas" panose="020B0609020204030204" pitchFamily="49" charset="0"/>
+              </a:rPr>
+              <a:t>   &lt;title&gt;Home – </a:t>
+            </a:r>
+            <a:r>
+              <a:rPr lang="en-US" dirty="0" err="1" smtClean="0">
+                <a:latin typeface="Consolas" panose="020B0609020204030204" pitchFamily="49" charset="0"/>
+                <a:cs typeface="Consolas" panose="020B0609020204030204" pitchFamily="49" charset="0"/>
+              </a:rPr>
+              <a:t>AdventureWorks</a:t>
+            </a:r>
+            <a:r>
+              <a:rPr lang="en-US" dirty="0" smtClean="0">
+                <a:latin typeface="Consolas" panose="020B0609020204030204" pitchFamily="49" charset="0"/>
+                <a:cs typeface="Consolas" panose="020B0609020204030204" pitchFamily="49" charset="0"/>
+              </a:rPr>
+              <a:t>&lt;/title&gt;</a:t>
+            </a:r>
+          </a:p>
+          <a:p>
+            <a:r>
+              <a:rPr lang="en-US" dirty="0">
+                <a:latin typeface="Consolas" panose="020B0609020204030204" pitchFamily="49" charset="0"/>
+                <a:cs typeface="Consolas" panose="020B0609020204030204" pitchFamily="49" charset="0"/>
+              </a:rPr>
+              <a:t> </a:t>
+            </a:r>
+            <a:r>
+              <a:rPr lang="en-US" dirty="0" smtClean="0">
+                <a:latin typeface="Consolas" panose="020B0609020204030204" pitchFamily="49" charset="0"/>
+                <a:cs typeface="Consolas" panose="020B0609020204030204" pitchFamily="49" charset="0"/>
+              </a:rPr>
+              <a:t> &lt;/head&gt;</a:t>
+            </a:r>
+          </a:p>
+          <a:p>
+            <a:r>
+              <a:rPr lang="en-US" dirty="0">
+                <a:latin typeface="Consolas" panose="020B0609020204030204" pitchFamily="49" charset="0"/>
+                <a:cs typeface="Consolas" panose="020B0609020204030204" pitchFamily="49" charset="0"/>
+              </a:rPr>
+              <a:t> </a:t>
+            </a:r>
+            <a:r>
+              <a:rPr lang="en-US" dirty="0" smtClean="0">
+                <a:latin typeface="Consolas" panose="020B0609020204030204" pitchFamily="49" charset="0"/>
+                <a:cs typeface="Consolas" panose="020B0609020204030204" pitchFamily="49" charset="0"/>
+              </a:rPr>
+              <a:t> &lt;body&gt;</a:t>
+            </a:r>
+          </a:p>
+          <a:p>
+            <a:r>
+              <a:rPr lang="en-US" dirty="0">
+                <a:latin typeface="Consolas" panose="020B0609020204030204" pitchFamily="49" charset="0"/>
+                <a:cs typeface="Consolas" panose="020B0609020204030204" pitchFamily="49" charset="0"/>
+              </a:rPr>
+              <a:t> </a:t>
+            </a:r>
+            <a:r>
+              <a:rPr lang="en-US" dirty="0" smtClean="0">
+                <a:latin typeface="Consolas" panose="020B0609020204030204" pitchFamily="49" charset="0"/>
+                <a:cs typeface="Consolas" panose="020B0609020204030204" pitchFamily="49" charset="0"/>
+              </a:rPr>
+              <a:t>   &lt;div id="content"&gt;</a:t>
+            </a:r>
+          </a:p>
+          <a:p>
+            <a:r>
+              <a:rPr lang="en-US" dirty="0">
+                <a:latin typeface="Consolas" panose="020B0609020204030204" pitchFamily="49" charset="0"/>
+                <a:cs typeface="Consolas" panose="020B0609020204030204" pitchFamily="49" charset="0"/>
+              </a:rPr>
+              <a:t> </a:t>
+            </a:r>
+            <a:r>
+              <a:rPr lang="en-US" dirty="0" smtClean="0">
+                <a:latin typeface="Consolas" panose="020B0609020204030204" pitchFamily="49" charset="0"/>
+                <a:cs typeface="Consolas" panose="020B0609020204030204" pitchFamily="49" charset="0"/>
+              </a:rPr>
+              <a:t>     Hello, template!!</a:t>
+            </a:r>
+          </a:p>
+          <a:p>
+            <a:r>
+              <a:rPr lang="en-US" dirty="0">
+                <a:latin typeface="Consolas" panose="020B0609020204030204" pitchFamily="49" charset="0"/>
+                <a:cs typeface="Consolas" panose="020B0609020204030204" pitchFamily="49" charset="0"/>
+              </a:rPr>
+              <a:t> </a:t>
+            </a:r>
+            <a:r>
+              <a:rPr lang="en-US" dirty="0" smtClean="0">
+                <a:latin typeface="Consolas" panose="020B0609020204030204" pitchFamily="49" charset="0"/>
+                <a:cs typeface="Consolas" panose="020B0609020204030204" pitchFamily="49" charset="0"/>
+              </a:rPr>
+              <a:t>   &lt;/div&gt;</a:t>
+            </a:r>
+          </a:p>
+          <a:p>
+            <a:r>
+              <a:rPr lang="en-US" dirty="0">
+                <a:latin typeface="Consolas" panose="020B0609020204030204" pitchFamily="49" charset="0"/>
+                <a:cs typeface="Consolas" panose="020B0609020204030204" pitchFamily="49" charset="0"/>
+              </a:rPr>
+              <a:t> </a:t>
+            </a:r>
+            <a:r>
+              <a:rPr lang="en-US" dirty="0" smtClean="0">
+                <a:latin typeface="Consolas" panose="020B0609020204030204" pitchFamily="49" charset="0"/>
+                <a:cs typeface="Consolas" panose="020B0609020204030204" pitchFamily="49" charset="0"/>
+              </a:rPr>
+              <a:t> &lt;/body&gt;</a:t>
+            </a:r>
+          </a:p>
+          <a:p>
+            <a:r>
+              <a:rPr lang="en-US" dirty="0" smtClean="0">
+                <a:latin typeface="Consolas" panose="020B0609020204030204" pitchFamily="49" charset="0"/>
+                <a:cs typeface="Consolas" panose="020B0609020204030204" pitchFamily="49" charset="0"/>
+              </a:rPr>
+              <a:t>&lt;/html&gt;</a:t>
+            </a:r>
+            <a:endParaRPr lang="en-US" dirty="0">
+              <a:latin typeface="Consolas" panose="020B0609020204030204" pitchFamily="49" charset="0"/>
+              <a:cs typeface="Consolas" panose="020B0609020204030204" pitchFamily="49" charset="0"/>
+            </a:endParaRPr>
+          </a:p>
+        </p:txBody>
+      </p:sp>
+    </p:spTree>
+    <p:extLst>
+      <p:ext uri="{BB962C8B-B14F-4D97-AF65-F5344CB8AC3E}">
+        <p14:creationId xmlns:p14="http://schemas.microsoft.com/office/powerpoint/2010/main" val="846689586"/>
+      </p:ext>
+    </p:extLst>
+  </p:cSld>
+  <p:clrMapOvr>
+    <a:masterClrMapping/>
+  </p:clrMapOvr>
+  <p:timing>
+    <p:tnLst>
+      <p:par>
+        <p:cTn id="1" dur="indefinite" restart="never" nodeType="tmRoot">
+          <p:childTnLst>
+            <p:seq concurrent="1" nextAc="seek">
+              <p:cTn id="2" dur="indefinite" nodeType="mainSeq">
+                <p:childTnLst>
+                  <p:par>
+                    <p:cTn id="3" fill="hold">
+                      <p:stCondLst>
+                        <p:cond delay="indefinite"/>
+                      </p:stCondLst>
+                      <p:childTnLst>
+                        <p:par>
+                          <p:cTn id="4" fill="hold">
+                            <p:stCondLst>
+                              <p:cond delay="0"/>
+                            </p:stCondLst>
+                            <p:childTnLst>
+                              <p:par>
+                                <p:cTn id="5" presetID="10" presetClass="entr" presetSubtype="0" fill="hold" grpId="0" nodeType="clickEffect">
+                                  <p:stCondLst>
+                                    <p:cond delay="0"/>
+                                  </p:stCondLst>
+                                  <p:childTnLst>
+                                    <p:set>
+                                      <p:cBhvr>
+                                        <p:cTn id="6" dur="1" fill="hold">
+                                          <p:stCondLst>
+                                            <p:cond delay="0"/>
+                                          </p:stCondLst>
+                                        </p:cTn>
+                                        <p:tgtEl>
+                                          <p:spTgt spid="4"/>
+                                        </p:tgtEl>
+                                        <p:attrNameLst>
+                                          <p:attrName>style.visibility</p:attrName>
+                                        </p:attrNameLst>
+                                      </p:cBhvr>
+                                      <p:to>
+                                        <p:strVal val="visible"/>
+                                      </p:to>
+                                    </p:set>
+                                    <p:animEffect transition="in" filter="fade">
+                                      <p:cBhvr>
+                                        <p:cTn id="7" dur="500"/>
+                                        <p:tgtEl>
+                                          <p:spTgt spid="4"/>
+                                        </p:tgtEl>
+                                      </p:cBhvr>
+                                    </p:animEffect>
+                                  </p:childTnLst>
+                                </p:cTn>
+                              </p:par>
+                            </p:childTnLst>
+                          </p:cTn>
+                        </p:par>
+                      </p:childTnLst>
+                    </p:cTn>
+                  </p:par>
+                  <p:par>
+                    <p:cTn id="8" fill="hold">
+                      <p:stCondLst>
+                        <p:cond delay="indefinite"/>
+                      </p:stCondLst>
+                      <p:childTnLst>
+                        <p:par>
+                          <p:cTn id="9" fill="hold">
+                            <p:stCondLst>
+                              <p:cond delay="0"/>
+                            </p:stCondLst>
+                            <p:childTnLst>
+                              <p:par>
+                                <p:cTn id="10" presetID="10" presetClass="entr" presetSubtype="0" fill="hold" grpId="0" nodeType="clickEffect">
+                                  <p:stCondLst>
+                                    <p:cond delay="0"/>
+                                  </p:stCondLst>
+                                  <p:childTnLst>
+                                    <p:set>
+                                      <p:cBhvr>
+                                        <p:cTn id="11" dur="1" fill="hold">
+                                          <p:stCondLst>
+                                            <p:cond delay="0"/>
+                                          </p:stCondLst>
+                                        </p:cTn>
+                                        <p:tgtEl>
+                                          <p:spTgt spid="5"/>
+                                        </p:tgtEl>
+                                        <p:attrNameLst>
+                                          <p:attrName>style.visibility</p:attrName>
+                                        </p:attrNameLst>
+                                      </p:cBhvr>
+                                      <p:to>
+                                        <p:strVal val="visible"/>
+                                      </p:to>
+                                    </p:set>
+                                    <p:animEffect transition="in" filter="fade">
+                                      <p:cBhvr>
+                                        <p:cTn id="12" dur="500"/>
+                                        <p:tgtEl>
+                                          <p:spTgt spid="5"/>
+                                        </p:tgtEl>
+                                      </p:cBhvr>
+                                    </p:animEffect>
+                                  </p:childTnLst>
+                                </p:cTn>
+                              </p:par>
+                            </p:childTnLst>
+                          </p:cTn>
+                        </p:par>
+                      </p:childTnLst>
+                    </p:cTn>
+                  </p:par>
+                  <p:par>
+                    <p:cTn id="13" fill="hold">
+                      <p:stCondLst>
+                        <p:cond delay="indefinite"/>
+                      </p:stCondLst>
+                      <p:childTnLst>
+                        <p:par>
+                          <p:cTn id="14" fill="hold">
+                            <p:stCondLst>
+                              <p:cond delay="0"/>
+                            </p:stCondLst>
+                            <p:childTnLst>
+                              <p:par>
+                                <p:cTn id="15" presetID="10" presetClass="entr" presetSubtype="0" fill="hold" grpId="0" nodeType="clickEffect">
+                                  <p:stCondLst>
+                                    <p:cond delay="0"/>
+                                  </p:stCondLst>
+                                  <p:childTnLst>
+                                    <p:set>
+                                      <p:cBhvr>
+                                        <p:cTn id="16" dur="1" fill="hold">
+                                          <p:stCondLst>
+                                            <p:cond delay="0"/>
+                                          </p:stCondLst>
+                                        </p:cTn>
+                                        <p:tgtEl>
+                                          <p:spTgt spid="6"/>
+                                        </p:tgtEl>
+                                        <p:attrNameLst>
+                                          <p:attrName>style.visibility</p:attrName>
+                                        </p:attrNameLst>
+                                      </p:cBhvr>
+                                      <p:to>
+                                        <p:strVal val="visible"/>
+                                      </p:to>
+                                    </p:set>
+                                    <p:animEffect transition="in" filter="fade">
+                                      <p:cBhvr>
+                                        <p:cTn id="17" dur="500"/>
+                                        <p:tgtEl>
+                                          <p:spTgt spid="6"/>
+                                        </p:tgtEl>
+                                      </p:cBhvr>
+                                    </p:animEffect>
+                                  </p:childTnLst>
+                                </p:cTn>
+                              </p:par>
+                            </p:childTnLst>
+                          </p:cTn>
+                        </p:par>
+                      </p:childTnLst>
+                    </p:cTn>
+                  </p:par>
+                </p:childTnLst>
+              </p:cTn>
+              <p:prevCondLst>
+                <p:cond evt="onPrev" delay="0">
+                  <p:tgtEl>
+                    <p:sldTgt/>
+                  </p:tgtEl>
+                </p:cond>
+              </p:prevCondLst>
+              <p:nextCondLst>
+                <p:cond evt="onNext" delay="0">
+                  <p:tgtEl>
+                    <p:sldTgt/>
+                  </p:tgtEl>
+                </p:cond>
+              </p:nextCondLst>
+            </p:seq>
+          </p:childTnLst>
+        </p:cTn>
+      </p:par>
+    </p:tnLst>
+    <p:bldLst>
+      <p:bldP spid="4" grpId="0" animBg="1"/>
+      <p:bldP spid="5" grpId="0" animBg="1"/>
+      <p:bldP spid="6" grpId="0" animBg="1"/>
+    </p:bldLst>
+  </p:timing>
+</p:sld>
+</file>
+
+<file path=ppt/slides/slide32.xml><?xml version="1.0" encoding="utf-8"?>
+<p:sld xmlns:a="http://schemas.openxmlformats.org/drawingml/2006/main" xmlns:r="http://schemas.openxmlformats.org/officeDocument/2006/relationships" xmlns:p="http://schemas.openxmlformats.org/presentationml/2006/main">
+  <p:cSld>
+    <p:spTree>
+      <p:nvGrpSpPr>
+        <p:cNvPr id="1" name=""/>
+        <p:cNvGrpSpPr/>
+        <p:nvPr/>
+      </p:nvGrpSpPr>
+      <p:grpSpPr>
+        <a:xfrm>
+          <a:off x="0" y="0"/>
+          <a:ext cx="0" cy="0"/>
+          <a:chOff x="0" y="0"/>
+          <a:chExt cx="0" cy="0"/>
+        </a:xfrm>
+      </p:grpSpPr>
+      <p:sp>
+        <p:nvSpPr>
+          <p:cNvPr id="4" name="Title 3"/>
+          <p:cNvSpPr>
+            <a:spLocks noGrp="1"/>
+          </p:cNvSpPr>
+          <p:nvPr>
+            <p:ph type="title"/>
+          </p:nvPr>
+        </p:nvSpPr>
+        <p:spPr/>
+        <p:txBody>
+          <a:bodyPr/>
+          <a:lstStyle/>
+          <a:p>
+            <a:r>
+              <a:rPr lang="en-US" dirty="0" smtClean="0"/>
+              <a:t>Jinja template inheritance</a:t>
+            </a:r>
+            <a:endParaRPr lang="en-US" dirty="0"/>
+          </a:p>
+        </p:txBody>
+      </p:sp>
+    </p:spTree>
+    <p:extLst>
+      <p:ext uri="{BB962C8B-B14F-4D97-AF65-F5344CB8AC3E}">
+        <p14:creationId xmlns:p14="http://schemas.microsoft.com/office/powerpoint/2010/main" val="4095598044"/>
+      </p:ext>
+    </p:extLst>
+  </p:cSld>
+  <p:clrMapOvr>
+    <a:masterClrMapping/>
+  </p:clrMapOvr>
+  <p:timing>
+    <p:tnLst>
+      <p:par>
+        <p:cTn id="1" dur="indefinite" restart="never" nodeType="tmRoot"/>
+      </p:par>
+    </p:tnLst>
+  </p:timing>
+</p:sld>
+</file>
+
+<file path=ppt/slides/slide33.xml><?xml version="1.0" encoding="utf-8"?>
+<p:sld xmlns:a="http://schemas.openxmlformats.org/drawingml/2006/main" xmlns:r="http://schemas.openxmlformats.org/officeDocument/2006/relationships" xmlns:p="http://schemas.openxmlformats.org/presentationml/2006/main">
+  <p:cSld>
+    <p:spTree>
+      <p:nvGrpSpPr>
+        <p:cNvPr id="1" name=""/>
+        <p:cNvGrpSpPr/>
+        <p:nvPr/>
+      </p:nvGrpSpPr>
+      <p:grpSpPr>
+        <a:xfrm>
+          <a:off x="0" y="0"/>
+          <a:ext cx="0" cy="0"/>
+          <a:chOff x="0" y="0"/>
+          <a:chExt cx="0" cy="0"/>
+        </a:xfrm>
+      </p:grpSpPr>
+    </p:spTree>
+    <p:extLst>
+      <p:ext uri="{BB962C8B-B14F-4D97-AF65-F5344CB8AC3E}">
+        <p14:creationId xmlns:p14="http://schemas.microsoft.com/office/powerpoint/2010/main" val="898363405"/>
       </p:ext>
     </p:extLst>
   </p:cSld>
@@ -4775,15 +10361,7 @@
                   <a:schemeClr val="bg1"/>
                 </a:solidFill>
               </a:rPr>
-              <a:t>Used </a:t>
-            </a:r>
-            <a:r>
-              <a:rPr lang="en-US" sz="2400" dirty="0" smtClean="0">
-                <a:solidFill>
-                  <a:schemeClr val="bg1"/>
-                </a:solidFill>
-              </a:rPr>
-              <a:t>to describe data</a:t>
+              <a:t>Used to describe data</a:t>
             </a:r>
           </a:p>
           <a:p>
@@ -4943,11 +10521,6 @@
               </a:rPr>
               <a:t>Commonly forms</a:t>
             </a:r>
-            <a:endParaRPr lang="en-US" sz="2400" dirty="0" smtClean="0">
-              <a:solidFill>
-                <a:schemeClr val="bg1"/>
-              </a:solidFill>
-            </a:endParaRPr>
           </a:p>
           <a:p>
             <a:endParaRPr lang="en-US" sz="2400" dirty="0">
@@ -5080,11 +10653,6 @@
               </a:rPr>
               <a:t>Generally avoid</a:t>
             </a:r>
-            <a:endParaRPr lang="en-US" sz="2400" dirty="0" smtClean="0">
-              <a:solidFill>
-                <a:schemeClr val="bg1"/>
-              </a:solidFill>
-            </a:endParaRPr>
           </a:p>
           <a:p>
             <a:endParaRPr lang="en-US" sz="2400" dirty="0">
@@ -6678,15 +12246,6 @@
 </file>
 
 <file path=customXml/item2.xml><?xml version="1.0" encoding="utf-8"?>
-<?mso-contentType ?>
-<FormTemplates xmlns="http://schemas.microsoft.com/sharepoint/v3/contenttype/forms">
-  <Display>DocumentLibraryForm</Display>
-  <Edit>DocumentLibraryForm</Edit>
-  <New>DocumentLibraryForm</New>
-</FormTemplates>
-</file>
-
-<file path=customXml/item3.xml><?xml version="1.0" encoding="utf-8"?>
 <ct:contentTypeSchema xmlns:ct="http://schemas.microsoft.com/office/2006/metadata/contentType" xmlns:ma="http://schemas.microsoft.com/office/2006/metadata/properties/metaAttributes" ct:_="" ma:_="" ma:contentTypeName="Document" ma:contentTypeID="0x010100496889825850D44592AC5D2F43187AE4" ma:contentTypeVersion="5" ma:contentTypeDescription="Create a new document." ma:contentTypeScope="" ma:versionID="fde90edb5a63ba841bca516fd2abaf95">
   <xsd:schema xmlns:xsd="http://www.w3.org/2001/XMLSchema" xmlns:xs="http://www.w3.org/2001/XMLSchema" xmlns:p="http://schemas.microsoft.com/office/2006/metadata/properties" xmlns:ns1="http://schemas.microsoft.com/sharepoint/v3" xmlns:ns2="230e9df3-be65-4c73-a93b-d1236ebd677e" xmlns:ns3="27aa9422-7f1f-4c84-9cdf-302b1a67e513" targetNamespace="http://schemas.microsoft.com/office/2006/metadata/properties" ma:root="true" ma:fieldsID="5e7808ae941cc340dbe51a3031959734" ns1:_="" ns2:_="" ns3:_="">
     <xsd:import namespace="http://schemas.microsoft.com/sharepoint/v3"/>
@@ -6868,33 +12427,34 @@
 </ct:contentTypeSchema>
 </file>
 
+<file path=customXml/item3.xml><?xml version="1.0" encoding="utf-8"?>
+<?mso-contentType ?>
+<FormTemplates xmlns="http://schemas.microsoft.com/sharepoint/v3/contenttype/forms">
+  <Display>DocumentLibraryForm</Display>
+  <Edit>DocumentLibraryForm</Edit>
+  <New>DocumentLibraryForm</New>
+</FormTemplates>
+</file>
+
 <file path=customXml/itemProps1.xml><?xml version="1.0" encoding="utf-8"?>
 <ds:datastoreItem xmlns:ds="http://schemas.openxmlformats.org/officeDocument/2006/customXml" ds:itemID="{7025FDD9-4C58-4084-9F89-0E6ADD6FFF55}">
   <ds:schemaRefs>
+    <ds:schemaRef ds:uri="http://schemas.microsoft.com/sharepoint/v3"/>
     <ds:schemaRef ds:uri="230e9df3-be65-4c73-a93b-d1236ebd677e"/>
-    <ds:schemaRef ds:uri="http://schemas.microsoft.com/office/2006/metadata/properties"/>
-    <ds:schemaRef ds:uri="http://purl.org/dc/dcmitype/"/>
+    <ds:schemaRef ds:uri="http://purl.org/dc/elements/1.1/"/>
+    <ds:schemaRef ds:uri="http://schemas.openxmlformats.org/package/2006/metadata/core-properties"/>
     <ds:schemaRef ds:uri="http://schemas.microsoft.com/office/infopath/2007/PartnerControls"/>
-    <ds:schemaRef ds:uri="http://schemas.openxmlformats.org/package/2006/metadata/core-properties"/>
-    <ds:schemaRef ds:uri="http://schemas.microsoft.com/office/2006/documentManagement/types"/>
-    <ds:schemaRef ds:uri="http://purl.org/dc/elements/1.1/"/>
-    <ds:schemaRef ds:uri="http://schemas.microsoft.com/sharepoint/v3"/>
-    <ds:schemaRef ds:uri="http://www.w3.org/XML/1998/namespace"/>
     <ds:schemaRef ds:uri="27aa9422-7f1f-4c84-9cdf-302b1a67e513"/>
     <ds:schemaRef ds:uri="http://purl.org/dc/terms/"/>
+    <ds:schemaRef ds:uri="http://schemas.microsoft.com/office/2006/metadata/properties"/>
+    <ds:schemaRef ds:uri="http://schemas.microsoft.com/office/2006/documentManagement/types"/>
+    <ds:schemaRef ds:uri="http://www.w3.org/XML/1998/namespace"/>
+    <ds:schemaRef ds:uri="http://purl.org/dc/dcmitype/"/>
   </ds:schemaRefs>
 </ds:datastoreItem>
 </file>
 
 <file path=customXml/itemProps2.xml><?xml version="1.0" encoding="utf-8"?>
-<ds:datastoreItem xmlns:ds="http://schemas.openxmlformats.org/officeDocument/2006/customXml" ds:itemID="{B0CA13EC-1D3C-4D6F-8D1C-E8A452CFC79A}">
-  <ds:schemaRefs>
-    <ds:schemaRef ds:uri="http://schemas.microsoft.com/sharepoint/v3/contenttype/forms"/>
-  </ds:schemaRefs>
-</ds:datastoreItem>
-</file>
-
-<file path=customXml/itemProps3.xml><?xml version="1.0" encoding="utf-8"?>
 <ds:datastoreItem xmlns:ds="http://schemas.openxmlformats.org/officeDocument/2006/customXml" ds:itemID="{3253B29C-1CCD-4FE8-A1C4-023A0910DF96}">
   <ds:schemaRefs>
     <ds:schemaRef ds:uri="http://schemas.microsoft.com/office/2006/metadata/contentType"/>
@@ -6912,4 +12472,12 @@
     <ds:schemaRef ds:uri="http://schemas.microsoft.com/internal/obd"/>
   </ds:schemaRefs>
 </ds:datastoreItem>
+</file>
+
+<file path=customXml/itemProps3.xml><?xml version="1.0" encoding="utf-8"?>
+<ds:datastoreItem xmlns:ds="http://schemas.openxmlformats.org/officeDocument/2006/customXml" ds:itemID="{B0CA13EC-1D3C-4D6F-8D1C-E8A452CFC79A}">
+  <ds:schemaRefs>
+    <ds:schemaRef ds:uri="http://schemas.microsoft.com/sharepoint/v3/contenttype/forms"/>
+  </ds:schemaRefs>
+</ds:datastoreItem>
 </file>
--- a/Slides/Module 3 - Creating an interface.pptx
+++ b/Slides/Module 3 - Creating an interface.pptx
@@ -5,10 +5,10 @@
     <p:sldMasterId id="2147483660" r:id="rId4"/>
   </p:sldMasterIdLst>
   <p:notesMasterIdLst>
-    <p:notesMasterId r:id="rId38"/>
+    <p:notesMasterId r:id="rId18"/>
   </p:notesMasterIdLst>
   <p:handoutMasterIdLst>
-    <p:handoutMasterId r:id="rId39"/>
+    <p:handoutMasterId r:id="rId19"/>
   </p:handoutMasterIdLst>
   <p:sldIdLst>
     <p:sldId id="277" r:id="rId5"/>
@@ -23,27 +23,7 @@
     <p:sldId id="286" r:id="rId14"/>
     <p:sldId id="287" r:id="rId15"/>
     <p:sldId id="288" r:id="rId16"/>
-    <p:sldId id="289" r:id="rId17"/>
-    <p:sldId id="290" r:id="rId18"/>
-    <p:sldId id="291" r:id="rId19"/>
-    <p:sldId id="292" r:id="rId20"/>
-    <p:sldId id="295" r:id="rId21"/>
-    <p:sldId id="293" r:id="rId22"/>
-    <p:sldId id="294" r:id="rId23"/>
-    <p:sldId id="296" r:id="rId24"/>
-    <p:sldId id="298" r:id="rId25"/>
-    <p:sldId id="297" r:id="rId26"/>
-    <p:sldId id="299" r:id="rId27"/>
-    <p:sldId id="300" r:id="rId28"/>
-    <p:sldId id="301" r:id="rId29"/>
-    <p:sldId id="302" r:id="rId30"/>
-    <p:sldId id="303" r:id="rId31"/>
-    <p:sldId id="304" r:id="rId32"/>
-    <p:sldId id="305" r:id="rId33"/>
-    <p:sldId id="306" r:id="rId34"/>
-    <p:sldId id="307" r:id="rId35"/>
-    <p:sldId id="308" r:id="rId36"/>
-    <p:sldId id="269" r:id="rId37"/>
+    <p:sldId id="269" r:id="rId17"/>
   </p:sldIdLst>
   <p:sldSz cx="12192000" cy="6858000"/>
   <p:notesSz cx="6858000" cy="9144000"/>
@@ -235,7 +215,7 @@
           <a:p>
             <a:fld id="{312E7B4A-039C-48A2-9B2C-AF16AA3873D8}" type="datetimeFigureOut">
               <a:rPr lang="en-US" smtClean="0"/>
-              <a:t>11/18/2014</a:t>
+              <a:t>11/17/2014</a:t>
             </a:fld>
             <a:endParaRPr lang="en-US"/>
           </a:p>
@@ -400,7 +380,7 @@
           <a:p>
             <a:fld id="{DA005A0C-54D9-45AA-87D4-C551D08DFCE1}" type="datetimeFigureOut">
               <a:rPr lang="en-US" smtClean="0"/>
-              <a:t>11/18/2014</a:t>
+              <a:t>11/17/2014</a:t>
             </a:fld>
             <a:endParaRPr lang="en-US"/>
           </a:p>
@@ -3858,25 +3838,8 @@
           <a:lstStyle/>
           <a:p>
             <a:r>
-              <a:rPr lang="en-US" dirty="0"/>
-              <a:t>Microsoft Official Courseware</a:t>
-            </a:r>
-          </a:p>
-          <a:p>
-            <a:pPr lvl="1"/>
-            <a:r>
-              <a:rPr lang="en-US" dirty="0"/>
-              <a:t>20480: Programming in HTML5 with JavaScript and CSS3</a:t>
-            </a:r>
-          </a:p>
-          <a:p>
-            <a:r>
-              <a:rPr lang="en-US" dirty="0" smtClean="0"/>
-              <a:t>Microsoft </a:t>
-            </a:r>
-            <a:r>
-              <a:rPr lang="en-US" dirty="0" smtClean="0"/>
-              <a:t>Virtual Academy</a:t>
+              <a:rPr lang="en-US" dirty="0" smtClean="0"/>
+              <a:t>Microsoft Virtual Academy</a:t>
             </a:r>
           </a:p>
           <a:p>
@@ -3893,11 +3856,24 @@
           <a:p>
             <a:r>
               <a:rPr lang="en-US" dirty="0" smtClean="0"/>
-              <a:t>Microsoft </a:t>
-            </a:r>
-            <a:r>
-              <a:rPr lang="en-US" dirty="0" smtClean="0"/>
-              <a:t>Press</a:t>
+              <a:t>Microsoft Official Courseware</a:t>
+            </a:r>
+          </a:p>
+          <a:p>
+            <a:pPr lvl="1"/>
+            <a:r>
+              <a:rPr lang="en-US" dirty="0"/>
+              <a:t>20480: Programming in HTML5 with JavaScript and </a:t>
+            </a:r>
+            <a:r>
+              <a:rPr lang="en-US" dirty="0" smtClean="0"/>
+              <a:t>CSS3</a:t>
+            </a:r>
+          </a:p>
+          <a:p>
+            <a:r>
+              <a:rPr lang="en-US" dirty="0" smtClean="0"/>
+              <a:t>Microsoft Press</a:t>
             </a:r>
           </a:p>
           <a:p>
@@ -3957,727 +3933,10 @@
           <a:chExt cx="0" cy="0"/>
         </a:xfrm>
       </p:grpSpPr>
-      <p:sp>
-        <p:nvSpPr>
-          <p:cNvPr id="5" name="Text Placeholder 4"/>
-          <p:cNvSpPr>
-            <a:spLocks noGrp="1"/>
-          </p:cNvSpPr>
-          <p:nvPr>
-            <p:ph type="body" sz="quarter" idx="10"/>
-          </p:nvPr>
-        </p:nvSpPr>
-        <p:spPr/>
-        <p:txBody>
-          <a:bodyPr/>
-          <a:lstStyle/>
-          <a:p>
-            <a:r>
-              <a:rPr lang="en-US" dirty="0" smtClean="0"/>
-              <a:t>Forms</a:t>
-            </a:r>
-            <a:endParaRPr lang="en-US" dirty="0"/>
-          </a:p>
-        </p:txBody>
-      </p:sp>
-      <p:sp>
-        <p:nvSpPr>
-          <p:cNvPr id="4" name="Subtitle 3"/>
-          <p:cNvSpPr>
-            <a:spLocks noGrp="1"/>
-          </p:cNvSpPr>
-          <p:nvPr>
-            <p:ph type="subTitle" idx="1"/>
-          </p:nvPr>
-        </p:nvSpPr>
-        <p:spPr/>
-        <p:txBody>
-          <a:bodyPr/>
-          <a:lstStyle/>
-          <a:p>
-            <a:endParaRPr lang="en-US" dirty="0"/>
-          </a:p>
-        </p:txBody>
-      </p:sp>
     </p:spTree>
     <p:extLst>
       <p:ext uri="{BB962C8B-B14F-4D97-AF65-F5344CB8AC3E}">
-        <p14:creationId xmlns:p14="http://schemas.microsoft.com/office/powerpoint/2010/main" val="1539074384"/>
-      </p:ext>
-    </p:extLst>
-  </p:cSld>
-  <p:clrMapOvr>
-    <a:masterClrMapping/>
-  </p:clrMapOvr>
-</p:sld>
-</file>
-
-<file path=ppt/slides/slide14.xml><?xml version="1.0" encoding="utf-8"?>
-<p:sld xmlns:a="http://schemas.openxmlformats.org/drawingml/2006/main" xmlns:r="http://schemas.openxmlformats.org/officeDocument/2006/relationships" xmlns:p="http://schemas.openxmlformats.org/presentationml/2006/main">
-  <p:cSld>
-    <p:spTree>
-      <p:nvGrpSpPr>
-        <p:cNvPr id="1" name=""/>
-        <p:cNvGrpSpPr/>
-        <p:nvPr/>
-      </p:nvGrpSpPr>
-      <p:grpSpPr>
-        <a:xfrm>
-          <a:off x="0" y="0"/>
-          <a:ext cx="0" cy="0"/>
-          <a:chOff x="0" y="0"/>
-          <a:chExt cx="0" cy="0"/>
-        </a:xfrm>
-      </p:grpSpPr>
-      <p:sp>
-        <p:nvSpPr>
-          <p:cNvPr id="4" name="Title 3"/>
-          <p:cNvSpPr>
-            <a:spLocks noGrp="1"/>
-          </p:cNvSpPr>
-          <p:nvPr>
-            <p:ph type="title"/>
-          </p:nvPr>
-        </p:nvSpPr>
-        <p:spPr/>
-        <p:txBody>
-          <a:bodyPr/>
-          <a:lstStyle/>
-          <a:p>
-            <a:r>
-              <a:rPr lang="en-US" dirty="0" smtClean="0"/>
-              <a:t>Forms</a:t>
-            </a:r>
-            <a:endParaRPr lang="en-US" dirty="0"/>
-          </a:p>
-        </p:txBody>
-      </p:sp>
-      <p:sp>
-        <p:nvSpPr>
-          <p:cNvPr id="5" name="Content Placeholder 4"/>
-          <p:cNvSpPr>
-            <a:spLocks noGrp="1"/>
-          </p:cNvSpPr>
-          <p:nvPr>
-            <p:ph sz="quarter" idx="10"/>
-          </p:nvPr>
-        </p:nvSpPr>
-        <p:spPr/>
-        <p:txBody>
-          <a:bodyPr/>
-          <a:lstStyle/>
-          <a:p>
-            <a:r>
-              <a:rPr lang="en-US" dirty="0" smtClean="0"/>
-              <a:t>Creating a form</a:t>
-            </a:r>
-          </a:p>
-          <a:p>
-            <a:r>
-              <a:rPr lang="en-US" dirty="0" smtClean="0"/>
-              <a:t>Input controls</a:t>
-            </a:r>
-          </a:p>
-          <a:p>
-            <a:r>
-              <a:rPr lang="en-US" dirty="0" smtClean="0"/>
-              <a:t>Submitting a form</a:t>
-            </a:r>
-            <a:endParaRPr lang="en-US" dirty="0"/>
-          </a:p>
-        </p:txBody>
-      </p:sp>
-    </p:spTree>
-    <p:extLst>
-      <p:ext uri="{BB962C8B-B14F-4D97-AF65-F5344CB8AC3E}">
-        <p14:creationId xmlns:p14="http://schemas.microsoft.com/office/powerpoint/2010/main" val="4006923392"/>
-      </p:ext>
-    </p:extLst>
-  </p:cSld>
-  <p:clrMapOvr>
-    <a:masterClrMapping/>
-  </p:clrMapOvr>
-</p:sld>
-</file>
-
-<file path=ppt/slides/slide15.xml><?xml version="1.0" encoding="utf-8"?>
-<p:sld xmlns:a="http://schemas.openxmlformats.org/drawingml/2006/main" xmlns:r="http://schemas.openxmlformats.org/officeDocument/2006/relationships" xmlns:p="http://schemas.openxmlformats.org/presentationml/2006/main">
-  <p:cSld>
-    <p:spTree>
-      <p:nvGrpSpPr>
-        <p:cNvPr id="1" name=""/>
-        <p:cNvGrpSpPr/>
-        <p:nvPr/>
-      </p:nvGrpSpPr>
-      <p:grpSpPr>
-        <a:xfrm>
-          <a:off x="0" y="0"/>
-          <a:ext cx="0" cy="0"/>
-          <a:chOff x="0" y="0"/>
-          <a:chExt cx="0" cy="0"/>
-        </a:xfrm>
-      </p:grpSpPr>
-      <p:sp>
-        <p:nvSpPr>
-          <p:cNvPr id="2" name="Title 1"/>
-          <p:cNvSpPr>
-            <a:spLocks noGrp="1"/>
-          </p:cNvSpPr>
-          <p:nvPr>
-            <p:ph type="title"/>
-          </p:nvPr>
-        </p:nvSpPr>
-        <p:spPr/>
-        <p:txBody>
-          <a:bodyPr/>
-          <a:lstStyle/>
-          <a:p>
-            <a:r>
-              <a:rPr lang="en-US" dirty="0" smtClean="0"/>
-              <a:t>Creating a form</a:t>
-            </a:r>
-            <a:endParaRPr lang="en-US" dirty="0"/>
-          </a:p>
-        </p:txBody>
-      </p:sp>
-      <p:sp>
-        <p:nvSpPr>
-          <p:cNvPr id="3" name="Content Placeholder 2"/>
-          <p:cNvSpPr>
-            <a:spLocks noGrp="1"/>
-          </p:cNvSpPr>
-          <p:nvPr>
-            <p:ph sz="quarter" idx="10"/>
-          </p:nvPr>
-        </p:nvSpPr>
-        <p:spPr/>
-        <p:txBody>
-          <a:bodyPr/>
-          <a:lstStyle/>
-          <a:p>
-            <a:r>
-              <a:rPr lang="en-US" dirty="0" smtClean="0">
-                <a:latin typeface="Consolas" panose="020B0609020204030204" pitchFamily="49" charset="0"/>
-                <a:cs typeface="Consolas" panose="020B0609020204030204" pitchFamily="49" charset="0"/>
-              </a:rPr>
-              <a:t>&lt;form&gt;</a:t>
-            </a:r>
-            <a:r>
-              <a:rPr lang="en-US" dirty="0" smtClean="0"/>
-              <a:t> element</a:t>
-            </a:r>
-          </a:p>
-          <a:p>
-            <a:r>
-              <a:rPr lang="en-US" dirty="0" smtClean="0"/>
-              <a:t>Attributes</a:t>
-            </a:r>
-          </a:p>
-          <a:p>
-            <a:pPr lvl="1"/>
-            <a:r>
-              <a:rPr lang="en-US" dirty="0" smtClean="0"/>
-              <a:t>Action</a:t>
-            </a:r>
-          </a:p>
-          <a:p>
-            <a:pPr lvl="2"/>
-            <a:r>
-              <a:rPr lang="en-US" dirty="0" smtClean="0"/>
-              <a:t>What page to send the data to</a:t>
-            </a:r>
-          </a:p>
-          <a:p>
-            <a:pPr lvl="2"/>
-            <a:r>
-              <a:rPr lang="en-US" dirty="0" smtClean="0"/>
-              <a:t>Defaults to the current URL</a:t>
-            </a:r>
-          </a:p>
-          <a:p>
-            <a:pPr lvl="1"/>
-            <a:r>
-              <a:rPr lang="en-US" dirty="0" smtClean="0"/>
-              <a:t>Method</a:t>
-            </a:r>
-          </a:p>
-          <a:p>
-            <a:pPr lvl="2"/>
-            <a:r>
-              <a:rPr lang="en-US" dirty="0" smtClean="0"/>
-              <a:t>HTTP verb to use</a:t>
-            </a:r>
-          </a:p>
-          <a:p>
-            <a:pPr lvl="2"/>
-            <a:r>
-              <a:rPr lang="en-US" dirty="0" smtClean="0"/>
-              <a:t>Defaults to GET</a:t>
-            </a:r>
-          </a:p>
-          <a:p>
-            <a:pPr lvl="3"/>
-            <a:r>
-              <a:rPr lang="en-US" dirty="0" smtClean="0"/>
-              <a:t>All data is passed in the URL</a:t>
-            </a:r>
-          </a:p>
-          <a:p>
-            <a:endParaRPr lang="en-US" dirty="0"/>
-          </a:p>
-        </p:txBody>
-      </p:sp>
-    </p:spTree>
-    <p:extLst>
-      <p:ext uri="{BB962C8B-B14F-4D97-AF65-F5344CB8AC3E}">
-        <p14:creationId xmlns:p14="http://schemas.microsoft.com/office/powerpoint/2010/main" val="866838007"/>
-      </p:ext>
-    </p:extLst>
-  </p:cSld>
-  <p:clrMapOvr>
-    <a:masterClrMapping/>
-  </p:clrMapOvr>
-  <p:timing>
-    <p:tnLst>
-      <p:par>
-        <p:cTn id="1" dur="indefinite" restart="never" nodeType="tmRoot"/>
-      </p:par>
-    </p:tnLst>
-  </p:timing>
-</p:sld>
-</file>
-
-<file path=ppt/slides/slide16.xml><?xml version="1.0" encoding="utf-8"?>
-<p:sld xmlns:a="http://schemas.openxmlformats.org/drawingml/2006/main" xmlns:r="http://schemas.openxmlformats.org/officeDocument/2006/relationships" xmlns:p="http://schemas.openxmlformats.org/presentationml/2006/main">
-  <p:cSld>
-    <p:spTree>
-      <p:nvGrpSpPr>
-        <p:cNvPr id="1" name=""/>
-        <p:cNvGrpSpPr/>
-        <p:nvPr/>
-      </p:nvGrpSpPr>
-      <p:grpSpPr>
-        <a:xfrm>
-          <a:off x="0" y="0"/>
-          <a:ext cx="0" cy="0"/>
-          <a:chOff x="0" y="0"/>
-          <a:chExt cx="0" cy="0"/>
-        </a:xfrm>
-      </p:grpSpPr>
-      <p:sp>
-        <p:nvSpPr>
-          <p:cNvPr id="2" name="Title 1"/>
-          <p:cNvSpPr>
-            <a:spLocks noGrp="1"/>
-          </p:cNvSpPr>
-          <p:nvPr>
-            <p:ph type="title"/>
-          </p:nvPr>
-        </p:nvSpPr>
-        <p:spPr/>
-        <p:txBody>
-          <a:bodyPr/>
-          <a:lstStyle/>
-          <a:p>
-            <a:r>
-              <a:rPr lang="en-US" dirty="0" smtClean="0"/>
-              <a:t>Input controls</a:t>
-            </a:r>
-            <a:endParaRPr lang="en-US" dirty="0"/>
-          </a:p>
-        </p:txBody>
-      </p:sp>
-      <p:sp>
-        <p:nvSpPr>
-          <p:cNvPr id="3" name="Content Placeholder 2"/>
-          <p:cNvSpPr>
-            <a:spLocks noGrp="1"/>
-          </p:cNvSpPr>
-          <p:nvPr>
-            <p:ph sz="quarter" idx="10"/>
-          </p:nvPr>
-        </p:nvSpPr>
-        <p:spPr/>
-        <p:txBody>
-          <a:bodyPr/>
-          <a:lstStyle/>
-          <a:p>
-            <a:r>
-              <a:rPr lang="en-US" dirty="0" smtClean="0"/>
-              <a:t>Most (but not all) HTML input controls use the </a:t>
-            </a:r>
-            <a:r>
-              <a:rPr lang="en-US" dirty="0" smtClean="0">
-                <a:latin typeface="Consolas" panose="020B0609020204030204" pitchFamily="49" charset="0"/>
-                <a:cs typeface="Consolas" panose="020B0609020204030204" pitchFamily="49" charset="0"/>
-              </a:rPr>
-              <a:t>&lt;input&gt;</a:t>
-            </a:r>
-            <a:r>
-              <a:rPr lang="en-US" dirty="0" smtClean="0"/>
-              <a:t> element</a:t>
-            </a:r>
-          </a:p>
-          <a:p>
-            <a:r>
-              <a:rPr lang="en-US" dirty="0" smtClean="0"/>
-              <a:t>Every input needs a name to identify it</a:t>
-            </a:r>
-          </a:p>
-        </p:txBody>
-      </p:sp>
-    </p:spTree>
-    <p:extLst>
-      <p:ext uri="{BB962C8B-B14F-4D97-AF65-F5344CB8AC3E}">
-        <p14:creationId xmlns:p14="http://schemas.microsoft.com/office/powerpoint/2010/main" val="3125251274"/>
-      </p:ext>
-    </p:extLst>
-  </p:cSld>
-  <p:clrMapOvr>
-    <a:masterClrMapping/>
-  </p:clrMapOvr>
-  <p:timing>
-    <p:tnLst>
-      <p:par>
-        <p:cTn id="1" dur="indefinite" restart="never" nodeType="tmRoot"/>
-      </p:par>
-    </p:tnLst>
-  </p:timing>
-</p:sld>
-</file>
-
-<file path=ppt/slides/slide17.xml><?xml version="1.0" encoding="utf-8"?>
-<p:sld xmlns:a="http://schemas.openxmlformats.org/drawingml/2006/main" xmlns:r="http://schemas.openxmlformats.org/officeDocument/2006/relationships" xmlns:p="http://schemas.openxmlformats.org/presentationml/2006/main">
-  <p:cSld>
-    <p:spTree>
-      <p:nvGrpSpPr>
-        <p:cNvPr id="1" name=""/>
-        <p:cNvGrpSpPr/>
-        <p:nvPr/>
-      </p:nvGrpSpPr>
-      <p:grpSpPr>
-        <a:xfrm>
-          <a:off x="0" y="0"/>
-          <a:ext cx="0" cy="0"/>
-          <a:chOff x="0" y="0"/>
-          <a:chExt cx="0" cy="0"/>
-        </a:xfrm>
-      </p:grpSpPr>
-      <p:sp>
-        <p:nvSpPr>
-          <p:cNvPr id="2" name="Title 1"/>
-          <p:cNvSpPr>
-            <a:spLocks noGrp="1"/>
-          </p:cNvSpPr>
-          <p:nvPr>
-            <p:ph type="title"/>
-          </p:nvPr>
-        </p:nvSpPr>
-        <p:spPr/>
-        <p:txBody>
-          <a:bodyPr/>
-          <a:lstStyle/>
-          <a:p>
-            <a:r>
-              <a:rPr lang="en-US" dirty="0" smtClean="0"/>
-              <a:t>Available input controls</a:t>
-            </a:r>
-            <a:endParaRPr lang="en-US" dirty="0"/>
-          </a:p>
-        </p:txBody>
-      </p:sp>
-      <p:sp>
-        <p:nvSpPr>
-          <p:cNvPr id="3" name="Content Placeholder 2"/>
-          <p:cNvSpPr>
-            <a:spLocks noGrp="1"/>
-          </p:cNvSpPr>
-          <p:nvPr>
-            <p:ph sz="quarter" idx="10"/>
-          </p:nvPr>
-        </p:nvSpPr>
-        <p:spPr/>
-        <p:txBody>
-          <a:bodyPr/>
-          <a:lstStyle/>
-          <a:p>
-            <a:r>
-              <a:rPr lang="en-US" dirty="0"/>
-              <a:t>Type attribute indicates the type of input</a:t>
-            </a:r>
-          </a:p>
-          <a:p>
-            <a:pPr lvl="1"/>
-            <a:r>
-              <a:rPr lang="en-US" dirty="0"/>
-              <a:t>Common options</a:t>
-            </a:r>
-          </a:p>
-          <a:p>
-            <a:pPr lvl="2"/>
-            <a:r>
-              <a:rPr lang="en-US" dirty="0"/>
-              <a:t>text</a:t>
-            </a:r>
-          </a:p>
-          <a:p>
-            <a:pPr lvl="2"/>
-            <a:r>
-              <a:rPr lang="en-US" dirty="0"/>
-              <a:t>password</a:t>
-            </a:r>
-          </a:p>
-          <a:p>
-            <a:pPr lvl="3"/>
-            <a:r>
-              <a:rPr lang="en-US" dirty="0">
-                <a:solidFill>
-                  <a:srgbClr val="FF0000"/>
-                </a:solidFill>
-              </a:rPr>
-              <a:t>Hides but does not encrypt</a:t>
-            </a:r>
-          </a:p>
-          <a:p>
-            <a:pPr lvl="2"/>
-            <a:r>
-              <a:rPr lang="en-US" dirty="0"/>
-              <a:t>radio</a:t>
-            </a:r>
-          </a:p>
-          <a:p>
-            <a:pPr lvl="1"/>
-            <a:r>
-              <a:rPr lang="en-US" dirty="0"/>
-              <a:t>New with HTML5</a:t>
-            </a:r>
-          </a:p>
-          <a:p>
-            <a:pPr lvl="2"/>
-            <a:r>
-              <a:rPr lang="en-US" dirty="0"/>
-              <a:t>email</a:t>
-            </a:r>
-          </a:p>
-          <a:p>
-            <a:pPr lvl="2"/>
-            <a:r>
-              <a:rPr lang="en-US" dirty="0" err="1"/>
-              <a:t>url</a:t>
-            </a:r>
-            <a:endParaRPr lang="en-US" dirty="0"/>
-          </a:p>
-          <a:p>
-            <a:pPr lvl="2"/>
-            <a:r>
-              <a:rPr lang="en-US" dirty="0" smtClean="0"/>
-              <a:t>Date</a:t>
-            </a:r>
-            <a:endParaRPr lang="en-US" dirty="0"/>
-          </a:p>
-        </p:txBody>
-      </p:sp>
-    </p:spTree>
-    <p:extLst>
-      <p:ext uri="{BB962C8B-B14F-4D97-AF65-F5344CB8AC3E}">
-        <p14:creationId xmlns:p14="http://schemas.microsoft.com/office/powerpoint/2010/main" val="2656464313"/>
-      </p:ext>
-    </p:extLst>
-  </p:cSld>
-  <p:clrMapOvr>
-    <a:masterClrMapping/>
-  </p:clrMapOvr>
-  <p:timing>
-    <p:tnLst>
-      <p:par>
-        <p:cTn id="1" dur="indefinite" restart="never" nodeType="tmRoot"/>
-      </p:par>
-    </p:tnLst>
-  </p:timing>
-</p:sld>
-</file>
-
-<file path=ppt/slides/slide18.xml><?xml version="1.0" encoding="utf-8"?>
-<p:sld xmlns:a="http://schemas.openxmlformats.org/drawingml/2006/main" xmlns:r="http://schemas.openxmlformats.org/officeDocument/2006/relationships" xmlns:p="http://schemas.openxmlformats.org/presentationml/2006/main">
-  <p:cSld>
-    <p:spTree>
-      <p:nvGrpSpPr>
-        <p:cNvPr id="1" name=""/>
-        <p:cNvGrpSpPr/>
-        <p:nvPr/>
-      </p:nvGrpSpPr>
-      <p:grpSpPr>
-        <a:xfrm>
-          <a:off x="0" y="0"/>
-          <a:ext cx="0" cy="0"/>
-          <a:chOff x="0" y="0"/>
-          <a:chExt cx="0" cy="0"/>
-        </a:xfrm>
-      </p:grpSpPr>
-      <p:sp>
-        <p:nvSpPr>
-          <p:cNvPr id="4" name="Title 3"/>
-          <p:cNvSpPr>
-            <a:spLocks noGrp="1"/>
-          </p:cNvSpPr>
-          <p:nvPr>
-            <p:ph type="title"/>
-          </p:nvPr>
-        </p:nvSpPr>
-        <p:spPr/>
-        <p:txBody>
-          <a:bodyPr/>
-          <a:lstStyle/>
-          <a:p>
-            <a:r>
-              <a:rPr lang="en-US" dirty="0" smtClean="0"/>
-              <a:t>Creating a form</a:t>
-            </a:r>
-            <a:endParaRPr lang="en-US" dirty="0"/>
-          </a:p>
-        </p:txBody>
-      </p:sp>
-    </p:spTree>
-    <p:extLst>
-      <p:ext uri="{BB962C8B-B14F-4D97-AF65-F5344CB8AC3E}">
-        <p14:creationId xmlns:p14="http://schemas.microsoft.com/office/powerpoint/2010/main" val="1176727665"/>
-      </p:ext>
-    </p:extLst>
-  </p:cSld>
-  <p:clrMapOvr>
-    <a:masterClrMapping/>
-  </p:clrMapOvr>
-  <p:timing>
-    <p:tnLst>
-      <p:par>
-        <p:cTn id="1" dur="indefinite" restart="never" nodeType="tmRoot"/>
-      </p:par>
-    </p:tnLst>
-  </p:timing>
-</p:sld>
-</file>
-
-<file path=ppt/slides/slide19.xml><?xml version="1.0" encoding="utf-8"?>
-<p:sld xmlns:a="http://schemas.openxmlformats.org/drawingml/2006/main" xmlns:r="http://schemas.openxmlformats.org/officeDocument/2006/relationships" xmlns:p="http://schemas.openxmlformats.org/presentationml/2006/main">
-  <p:cSld>
-    <p:spTree>
-      <p:nvGrpSpPr>
-        <p:cNvPr id="1" name=""/>
-        <p:cNvGrpSpPr/>
-        <p:nvPr/>
-      </p:nvGrpSpPr>
-      <p:grpSpPr>
-        <a:xfrm>
-          <a:off x="0" y="0"/>
-          <a:ext cx="0" cy="0"/>
-          <a:chOff x="0" y="0"/>
-          <a:chExt cx="0" cy="0"/>
-        </a:xfrm>
-      </p:grpSpPr>
-      <p:sp>
-        <p:nvSpPr>
-          <p:cNvPr id="3" name="Title 2"/>
-          <p:cNvSpPr>
-            <a:spLocks noGrp="1"/>
-          </p:cNvSpPr>
-          <p:nvPr>
-            <p:ph type="title"/>
-          </p:nvPr>
-        </p:nvSpPr>
-        <p:spPr/>
-        <p:txBody>
-          <a:bodyPr/>
-          <a:lstStyle/>
-          <a:p>
-            <a:r>
-              <a:rPr lang="en-US" dirty="0" smtClean="0"/>
-              <a:t>Submitting a form</a:t>
-            </a:r>
-            <a:endParaRPr lang="en-US" dirty="0"/>
-          </a:p>
-        </p:txBody>
-      </p:sp>
-      <p:sp>
-        <p:nvSpPr>
-          <p:cNvPr id="4" name="Content Placeholder 3"/>
-          <p:cNvSpPr>
-            <a:spLocks noGrp="1"/>
-          </p:cNvSpPr>
-          <p:nvPr>
-            <p:ph sz="quarter" idx="10"/>
-          </p:nvPr>
-        </p:nvSpPr>
-        <p:spPr/>
-        <p:txBody>
-          <a:bodyPr/>
-          <a:lstStyle/>
-          <a:p>
-            <a:r>
-              <a:rPr lang="en-US" dirty="0" smtClean="0"/>
-              <a:t>HTML</a:t>
-            </a:r>
-          </a:p>
-          <a:p>
-            <a:pPr lvl="1"/>
-            <a:r>
-              <a:rPr lang="en-US" dirty="0" smtClean="0"/>
-              <a:t>Add a submit button</a:t>
-            </a:r>
-          </a:p>
-          <a:p>
-            <a:r>
-              <a:rPr lang="en-US" dirty="0" smtClean="0"/>
-              <a:t>Python</a:t>
-            </a:r>
-          </a:p>
-          <a:p>
-            <a:pPr lvl="1"/>
-            <a:r>
-              <a:rPr lang="en-US" dirty="0" smtClean="0"/>
-              <a:t>Read the values from </a:t>
-            </a:r>
-            <a:r>
-              <a:rPr lang="en-US" dirty="0" err="1" smtClean="0">
-                <a:latin typeface="Consolas" panose="020B0609020204030204" pitchFamily="49" charset="0"/>
-                <a:cs typeface="Consolas" panose="020B0609020204030204" pitchFamily="49" charset="0"/>
-              </a:rPr>
-              <a:t>request.form</a:t>
-            </a:r>
-            <a:endParaRPr lang="en-US" dirty="0" smtClean="0">
-              <a:latin typeface="Consolas" panose="020B0609020204030204" pitchFamily="49" charset="0"/>
-              <a:cs typeface="Consolas" panose="020B0609020204030204" pitchFamily="49" charset="0"/>
-            </a:endParaRPr>
-          </a:p>
-          <a:p>
-            <a:pPr lvl="1"/>
-            <a:r>
-              <a:rPr lang="en-US" dirty="0" err="1">
-                <a:latin typeface="Consolas" panose="020B0609020204030204" pitchFamily="49" charset="0"/>
-                <a:cs typeface="Consolas" panose="020B0609020204030204" pitchFamily="49" charset="0"/>
-              </a:rPr>
-              <a:t>request.form</a:t>
-            </a:r>
-            <a:r>
-              <a:rPr lang="en-US" dirty="0" smtClean="0"/>
-              <a:t> contains all of the form data in key/value pairs</a:t>
-            </a:r>
-          </a:p>
-          <a:p>
-            <a:pPr lvl="2"/>
-            <a:r>
-              <a:rPr lang="en-US" dirty="0" smtClean="0"/>
-              <a:t>Key is the name of the input element</a:t>
-            </a:r>
-          </a:p>
-          <a:p>
-            <a:endParaRPr lang="en-US" dirty="0"/>
-          </a:p>
-        </p:txBody>
-      </p:sp>
-    </p:spTree>
-    <p:extLst>
-      <p:ext uri="{BB962C8B-B14F-4D97-AF65-F5344CB8AC3E}">
-        <p14:creationId xmlns:p14="http://schemas.microsoft.com/office/powerpoint/2010/main" val="3682496003"/>
+        <p14:creationId xmlns:p14="http://schemas.microsoft.com/office/powerpoint/2010/main" val="898363405"/>
       </p:ext>
     </p:extLst>
   </p:cSld>
@@ -4762,8 +4021,12 @@
           </a:p>
           <a:p>
             <a:r>
-              <a:rPr lang="en-US" dirty="0" smtClean="0"/>
-              <a:t>Jinja templates</a:t>
+              <a:rPr lang="en-US" dirty="0" err="1" smtClean="0"/>
+              <a:t>Jinja</a:t>
+            </a:r>
+            <a:r>
+              <a:rPr lang="en-US" dirty="0" smtClean="0"/>
+              <a:t> templates</a:t>
             </a:r>
             <a:endParaRPr lang="en-US" dirty="0"/>
           </a:p>
@@ -4773,3640 +4036,6 @@
     <p:extLst>
       <p:ext uri="{BB962C8B-B14F-4D97-AF65-F5344CB8AC3E}">
         <p14:creationId xmlns:p14="http://schemas.microsoft.com/office/powerpoint/2010/main" val="2894034365"/>
-      </p:ext>
-    </p:extLst>
-  </p:cSld>
-  <p:clrMapOvr>
-    <a:masterClrMapping/>
-  </p:clrMapOvr>
-  <p:timing>
-    <p:tnLst>
-      <p:par>
-        <p:cTn id="1" dur="indefinite" restart="never" nodeType="tmRoot"/>
-      </p:par>
-    </p:tnLst>
-  </p:timing>
-</p:sld>
-</file>
-
-<file path=ppt/slides/slide20.xml><?xml version="1.0" encoding="utf-8"?>
-<p:sld xmlns:a="http://schemas.openxmlformats.org/drawingml/2006/main" xmlns:r="http://schemas.openxmlformats.org/officeDocument/2006/relationships" xmlns:p="http://schemas.openxmlformats.org/presentationml/2006/main">
-  <p:cSld>
-    <p:spTree>
-      <p:nvGrpSpPr>
-        <p:cNvPr id="1" name=""/>
-        <p:cNvGrpSpPr/>
-        <p:nvPr/>
-      </p:nvGrpSpPr>
-      <p:grpSpPr>
-        <a:xfrm>
-          <a:off x="0" y="0"/>
-          <a:ext cx="0" cy="0"/>
-          <a:chOff x="0" y="0"/>
-          <a:chExt cx="0" cy="0"/>
-        </a:xfrm>
-      </p:grpSpPr>
-      <p:sp>
-        <p:nvSpPr>
-          <p:cNvPr id="4" name="Title 3"/>
-          <p:cNvSpPr>
-            <a:spLocks noGrp="1"/>
-          </p:cNvSpPr>
-          <p:nvPr>
-            <p:ph type="title"/>
-          </p:nvPr>
-        </p:nvSpPr>
-        <p:spPr/>
-        <p:txBody>
-          <a:bodyPr/>
-          <a:lstStyle/>
-          <a:p>
-            <a:r>
-              <a:rPr lang="en-US" dirty="0" smtClean="0"/>
-              <a:t>Submitting and reading form data</a:t>
-            </a:r>
-            <a:endParaRPr lang="en-US" dirty="0"/>
-          </a:p>
-        </p:txBody>
-      </p:sp>
-    </p:spTree>
-    <p:extLst>
-      <p:ext uri="{BB962C8B-B14F-4D97-AF65-F5344CB8AC3E}">
-        <p14:creationId xmlns:p14="http://schemas.microsoft.com/office/powerpoint/2010/main" val="3917572222"/>
-      </p:ext>
-    </p:extLst>
-  </p:cSld>
-  <p:clrMapOvr>
-    <a:masterClrMapping/>
-  </p:clrMapOvr>
-  <p:timing>
-    <p:tnLst>
-      <p:par>
-        <p:cTn id="1" dur="indefinite" restart="never" nodeType="tmRoot"/>
-      </p:par>
-    </p:tnLst>
-  </p:timing>
-</p:sld>
-</file>
-
-<file path=ppt/slides/slide21.xml><?xml version="1.0" encoding="utf-8"?>
-<p:sld xmlns:a="http://schemas.openxmlformats.org/drawingml/2006/main" xmlns:r="http://schemas.openxmlformats.org/officeDocument/2006/relationships" xmlns:p="http://schemas.openxmlformats.org/presentationml/2006/main">
-  <p:cSld>
-    <p:spTree>
-      <p:nvGrpSpPr>
-        <p:cNvPr id="1" name=""/>
-        <p:cNvGrpSpPr/>
-        <p:nvPr/>
-      </p:nvGrpSpPr>
-      <p:grpSpPr>
-        <a:xfrm>
-          <a:off x="0" y="0"/>
-          <a:ext cx="0" cy="0"/>
-          <a:chOff x="0" y="0"/>
-          <a:chExt cx="0" cy="0"/>
-        </a:xfrm>
-      </p:grpSpPr>
-      <p:sp>
-        <p:nvSpPr>
-          <p:cNvPr id="4" name="Text Placeholder 3"/>
-          <p:cNvSpPr>
-            <a:spLocks noGrp="1"/>
-          </p:cNvSpPr>
-          <p:nvPr>
-            <p:ph type="body" sz="quarter" idx="10"/>
-          </p:nvPr>
-        </p:nvSpPr>
-        <p:spPr/>
-        <p:txBody>
-          <a:bodyPr/>
-          <a:lstStyle/>
-          <a:p>
-            <a:r>
-              <a:rPr lang="en-US" dirty="0" smtClean="0"/>
-              <a:t>Jinja templates</a:t>
-            </a:r>
-            <a:endParaRPr lang="en-US" dirty="0"/>
-          </a:p>
-        </p:txBody>
-      </p:sp>
-      <p:sp>
-        <p:nvSpPr>
-          <p:cNvPr id="3" name="Subtitle 2"/>
-          <p:cNvSpPr>
-            <a:spLocks noGrp="1"/>
-          </p:cNvSpPr>
-          <p:nvPr>
-            <p:ph type="subTitle" idx="1"/>
-          </p:nvPr>
-        </p:nvSpPr>
-        <p:spPr/>
-        <p:txBody>
-          <a:bodyPr/>
-          <a:lstStyle/>
-          <a:p>
-            <a:endParaRPr lang="en-US"/>
-          </a:p>
-        </p:txBody>
-      </p:sp>
-    </p:spTree>
-    <p:extLst>
-      <p:ext uri="{BB962C8B-B14F-4D97-AF65-F5344CB8AC3E}">
-        <p14:creationId xmlns:p14="http://schemas.microsoft.com/office/powerpoint/2010/main" val="3822008632"/>
-      </p:ext>
-    </p:extLst>
-  </p:cSld>
-  <p:clrMapOvr>
-    <a:masterClrMapping/>
-  </p:clrMapOvr>
-  <p:timing>
-    <p:tnLst>
-      <p:par>
-        <p:cTn id="1" dur="indefinite" restart="never" nodeType="tmRoot"/>
-      </p:par>
-    </p:tnLst>
-  </p:timing>
-</p:sld>
-</file>
-
-<file path=ppt/slides/slide22.xml><?xml version="1.0" encoding="utf-8"?>
-<p:sld xmlns:a="http://schemas.openxmlformats.org/drawingml/2006/main" xmlns:r="http://schemas.openxmlformats.org/officeDocument/2006/relationships" xmlns:p="http://schemas.openxmlformats.org/presentationml/2006/main">
-  <p:cSld>
-    <p:spTree>
-      <p:nvGrpSpPr>
-        <p:cNvPr id="1" name=""/>
-        <p:cNvGrpSpPr/>
-        <p:nvPr/>
-      </p:nvGrpSpPr>
-      <p:grpSpPr>
-        <a:xfrm>
-          <a:off x="0" y="0"/>
-          <a:ext cx="0" cy="0"/>
-          <a:chOff x="0" y="0"/>
-          <a:chExt cx="0" cy="0"/>
-        </a:xfrm>
-      </p:grpSpPr>
-      <p:sp>
-        <p:nvSpPr>
-          <p:cNvPr id="3" name="Title 2"/>
-          <p:cNvSpPr>
-            <a:spLocks noGrp="1"/>
-          </p:cNvSpPr>
-          <p:nvPr>
-            <p:ph type="title"/>
-          </p:nvPr>
-        </p:nvSpPr>
-        <p:spPr/>
-        <p:txBody>
-          <a:bodyPr/>
-          <a:lstStyle/>
-          <a:p>
-            <a:r>
-              <a:rPr lang="en-US" dirty="0" smtClean="0"/>
-              <a:t>Jinja templates</a:t>
-            </a:r>
-            <a:endParaRPr lang="en-US" dirty="0"/>
-          </a:p>
-        </p:txBody>
-      </p:sp>
-      <p:sp>
-        <p:nvSpPr>
-          <p:cNvPr id="4" name="Content Placeholder 3"/>
-          <p:cNvSpPr>
-            <a:spLocks noGrp="1"/>
-          </p:cNvSpPr>
-          <p:nvPr>
-            <p:ph sz="quarter" idx="10"/>
-          </p:nvPr>
-        </p:nvSpPr>
-        <p:spPr/>
-        <p:txBody>
-          <a:bodyPr/>
-          <a:lstStyle/>
-          <a:p>
-            <a:r>
-              <a:rPr lang="en-US" dirty="0" err="1" smtClean="0"/>
-              <a:t>Templating</a:t>
-            </a:r>
-            <a:r>
-              <a:rPr lang="en-US" dirty="0" smtClean="0"/>
-              <a:t> concepts</a:t>
-            </a:r>
-          </a:p>
-          <a:p>
-            <a:r>
-              <a:rPr lang="en-US" dirty="0" smtClean="0"/>
-              <a:t>Jinja syntax</a:t>
-            </a:r>
-          </a:p>
-          <a:p>
-            <a:r>
-              <a:rPr lang="en-US" dirty="0" smtClean="0"/>
-              <a:t>Template inheritance</a:t>
-            </a:r>
-            <a:endParaRPr lang="en-US" dirty="0"/>
-          </a:p>
-        </p:txBody>
-      </p:sp>
-    </p:spTree>
-    <p:extLst>
-      <p:ext uri="{BB962C8B-B14F-4D97-AF65-F5344CB8AC3E}">
-        <p14:creationId xmlns:p14="http://schemas.microsoft.com/office/powerpoint/2010/main" val="3887732004"/>
-      </p:ext>
-    </p:extLst>
-  </p:cSld>
-  <p:clrMapOvr>
-    <a:masterClrMapping/>
-  </p:clrMapOvr>
-  <p:timing>
-    <p:tnLst>
-      <p:par>
-        <p:cTn id="1" dur="indefinite" restart="never" nodeType="tmRoot"/>
-      </p:par>
-    </p:tnLst>
-  </p:timing>
-</p:sld>
-</file>
-
-<file path=ppt/slides/slide23.xml><?xml version="1.0" encoding="utf-8"?>
-<p:sld xmlns:a="http://schemas.openxmlformats.org/drawingml/2006/main" xmlns:r="http://schemas.openxmlformats.org/officeDocument/2006/relationships" xmlns:p="http://schemas.openxmlformats.org/presentationml/2006/main">
-  <p:cSld>
-    <p:spTree>
-      <p:nvGrpSpPr>
-        <p:cNvPr id="1" name=""/>
-        <p:cNvGrpSpPr/>
-        <p:nvPr/>
-      </p:nvGrpSpPr>
-      <p:grpSpPr>
-        <a:xfrm>
-          <a:off x="0" y="0"/>
-          <a:ext cx="0" cy="0"/>
-          <a:chOff x="0" y="0"/>
-          <a:chExt cx="0" cy="0"/>
-        </a:xfrm>
-      </p:grpSpPr>
-      <p:sp>
-        <p:nvSpPr>
-          <p:cNvPr id="2" name="Title 1"/>
-          <p:cNvSpPr>
-            <a:spLocks noGrp="1"/>
-          </p:cNvSpPr>
-          <p:nvPr>
-            <p:ph type="title"/>
-          </p:nvPr>
-        </p:nvSpPr>
-        <p:spPr/>
-        <p:txBody>
-          <a:bodyPr/>
-          <a:lstStyle/>
-          <a:p>
-            <a:r>
-              <a:rPr lang="en-US" dirty="0" err="1" smtClean="0"/>
-              <a:t>Templating</a:t>
-            </a:r>
-            <a:r>
-              <a:rPr lang="en-US" dirty="0" smtClean="0"/>
-              <a:t> concepts</a:t>
-            </a:r>
-            <a:endParaRPr lang="en-US" dirty="0"/>
-          </a:p>
-        </p:txBody>
-      </p:sp>
-      <p:sp>
-        <p:nvSpPr>
-          <p:cNvPr id="3" name="Content Placeholder 2"/>
-          <p:cNvSpPr>
-            <a:spLocks noGrp="1"/>
-          </p:cNvSpPr>
-          <p:nvPr>
-            <p:ph sz="quarter" idx="10"/>
-          </p:nvPr>
-        </p:nvSpPr>
-        <p:spPr/>
-        <p:txBody>
-          <a:bodyPr/>
-          <a:lstStyle/>
-          <a:p>
-            <a:r>
-              <a:rPr lang="en-US" dirty="0" smtClean="0"/>
-              <a:t>Most basic level</a:t>
-            </a:r>
-          </a:p>
-          <a:p>
-            <a:pPr lvl="1"/>
-            <a:r>
-              <a:rPr lang="en-US" dirty="0" smtClean="0"/>
-              <a:t>HTML template with placeholders</a:t>
-            </a:r>
-            <a:endParaRPr lang="en-US" dirty="0"/>
-          </a:p>
-        </p:txBody>
-      </p:sp>
-      <p:sp>
-        <p:nvSpPr>
-          <p:cNvPr id="4" name="Rounded Rectangle 3"/>
-          <p:cNvSpPr/>
-          <p:nvPr/>
-        </p:nvSpPr>
-        <p:spPr>
-          <a:xfrm>
-            <a:off x="1348992" y="2877206"/>
-            <a:ext cx="7511229" cy="3499945"/>
-          </a:xfrm>
-          <a:prstGeom prst="roundRect">
-            <a:avLst>
-              <a:gd name="adj" fmla="val 9460"/>
-            </a:avLst>
-          </a:prstGeom>
-        </p:spPr>
-        <p:style>
-          <a:lnRef idx="3">
-            <a:schemeClr val="lt1"/>
-          </a:lnRef>
-          <a:fillRef idx="1">
-            <a:schemeClr val="accent2"/>
-          </a:fillRef>
-          <a:effectRef idx="1">
-            <a:schemeClr val="accent2"/>
-          </a:effectRef>
-          <a:fontRef idx="minor">
-            <a:schemeClr val="lt1"/>
-          </a:fontRef>
-        </p:style>
-        <p:txBody>
-          <a:bodyPr rtlCol="0" anchor="ctr"/>
-          <a:lstStyle/>
-          <a:p>
-            <a:r>
-              <a:rPr lang="en-US" sz="2400" dirty="0" smtClean="0">
-                <a:latin typeface="Consolas" panose="020B0609020204030204" pitchFamily="49" charset="0"/>
-                <a:cs typeface="Consolas" panose="020B0609020204030204" pitchFamily="49" charset="0"/>
-              </a:rPr>
-              <a:t>&lt;html&gt;</a:t>
-            </a:r>
-          </a:p>
-          <a:p>
-            <a:r>
-              <a:rPr lang="en-US" sz="2400" dirty="0">
-                <a:latin typeface="Consolas" panose="020B0609020204030204" pitchFamily="49" charset="0"/>
-                <a:cs typeface="Consolas" panose="020B0609020204030204" pitchFamily="49" charset="0"/>
-              </a:rPr>
-              <a:t> </a:t>
-            </a:r>
-            <a:r>
-              <a:rPr lang="en-US" sz="2400" dirty="0" smtClean="0">
-                <a:latin typeface="Consolas" panose="020B0609020204030204" pitchFamily="49" charset="0"/>
-                <a:cs typeface="Consolas" panose="020B0609020204030204" pitchFamily="49" charset="0"/>
-              </a:rPr>
-              <a:t>  &lt;head&gt;</a:t>
-            </a:r>
-          </a:p>
-          <a:p>
-            <a:r>
-              <a:rPr lang="en-US" sz="2400" dirty="0">
-                <a:latin typeface="Consolas" panose="020B0609020204030204" pitchFamily="49" charset="0"/>
-                <a:cs typeface="Consolas" panose="020B0609020204030204" pitchFamily="49" charset="0"/>
-              </a:rPr>
-              <a:t> </a:t>
-            </a:r>
-            <a:r>
-              <a:rPr lang="en-US" sz="2400" dirty="0" smtClean="0">
-                <a:latin typeface="Consolas" panose="020B0609020204030204" pitchFamily="49" charset="0"/>
-                <a:cs typeface="Consolas" panose="020B0609020204030204" pitchFamily="49" charset="0"/>
-              </a:rPr>
-              <a:t>       &lt;title&gt;                   &lt;/title&gt;</a:t>
-            </a:r>
-          </a:p>
-          <a:p>
-            <a:r>
-              <a:rPr lang="en-US" sz="2400" dirty="0">
-                <a:latin typeface="Consolas" panose="020B0609020204030204" pitchFamily="49" charset="0"/>
-                <a:cs typeface="Consolas" panose="020B0609020204030204" pitchFamily="49" charset="0"/>
-              </a:rPr>
-              <a:t> </a:t>
-            </a:r>
-            <a:r>
-              <a:rPr lang="en-US" sz="2400" dirty="0" smtClean="0">
-                <a:latin typeface="Consolas" panose="020B0609020204030204" pitchFamily="49" charset="0"/>
-                <a:cs typeface="Consolas" panose="020B0609020204030204" pitchFamily="49" charset="0"/>
-              </a:rPr>
-              <a:t>  &lt;/head&gt;</a:t>
-            </a:r>
-          </a:p>
-          <a:p>
-            <a:r>
-              <a:rPr lang="en-US" sz="2400" dirty="0">
-                <a:latin typeface="Consolas" panose="020B0609020204030204" pitchFamily="49" charset="0"/>
-                <a:cs typeface="Consolas" panose="020B0609020204030204" pitchFamily="49" charset="0"/>
-              </a:rPr>
-              <a:t> </a:t>
-            </a:r>
-            <a:r>
-              <a:rPr lang="en-US" sz="2400" dirty="0" smtClean="0">
-                <a:latin typeface="Consolas" panose="020B0609020204030204" pitchFamily="49" charset="0"/>
-                <a:cs typeface="Consolas" panose="020B0609020204030204" pitchFamily="49" charset="0"/>
-              </a:rPr>
-              <a:t>  &lt;body&gt;</a:t>
-            </a:r>
-          </a:p>
-          <a:p>
-            <a:r>
-              <a:rPr lang="en-US" sz="2400" dirty="0">
-                <a:latin typeface="Consolas" panose="020B0609020204030204" pitchFamily="49" charset="0"/>
-                <a:cs typeface="Consolas" panose="020B0609020204030204" pitchFamily="49" charset="0"/>
-              </a:rPr>
-              <a:t> </a:t>
-            </a:r>
-            <a:r>
-              <a:rPr lang="en-US" sz="2400" dirty="0" smtClean="0">
-                <a:latin typeface="Consolas" panose="020B0609020204030204" pitchFamily="49" charset="0"/>
-                <a:cs typeface="Consolas" panose="020B0609020204030204" pitchFamily="49" charset="0"/>
-              </a:rPr>
-              <a:t>       &lt;b&gt;Welcome,               &lt;/b&gt;</a:t>
-            </a:r>
-          </a:p>
-          <a:p>
-            <a:r>
-              <a:rPr lang="en-US" sz="2400" dirty="0">
-                <a:latin typeface="Consolas" panose="020B0609020204030204" pitchFamily="49" charset="0"/>
-                <a:cs typeface="Consolas" panose="020B0609020204030204" pitchFamily="49" charset="0"/>
-              </a:rPr>
-              <a:t> </a:t>
-            </a:r>
-            <a:r>
-              <a:rPr lang="en-US" sz="2400" dirty="0" smtClean="0">
-                <a:latin typeface="Consolas" panose="020B0609020204030204" pitchFamily="49" charset="0"/>
-                <a:cs typeface="Consolas" panose="020B0609020204030204" pitchFamily="49" charset="0"/>
-              </a:rPr>
-              <a:t>  &lt;/body&gt;</a:t>
-            </a:r>
-          </a:p>
-          <a:p>
-            <a:r>
-              <a:rPr lang="en-US" sz="2400" dirty="0" smtClean="0">
-                <a:latin typeface="Consolas" panose="020B0609020204030204" pitchFamily="49" charset="0"/>
-                <a:cs typeface="Consolas" panose="020B0609020204030204" pitchFamily="49" charset="0"/>
-              </a:rPr>
-              <a:t>&lt;/html&gt;</a:t>
-            </a:r>
-            <a:endParaRPr lang="en-US" sz="2400" dirty="0">
-              <a:latin typeface="Consolas" panose="020B0609020204030204" pitchFamily="49" charset="0"/>
-              <a:cs typeface="Consolas" panose="020B0609020204030204" pitchFamily="49" charset="0"/>
-            </a:endParaRPr>
-          </a:p>
-        </p:txBody>
-      </p:sp>
-      <p:sp>
-        <p:nvSpPr>
-          <p:cNvPr id="5" name="Rounded Rectangle 4"/>
-          <p:cNvSpPr/>
-          <p:nvPr/>
-        </p:nvSpPr>
-        <p:spPr>
-          <a:xfrm>
-            <a:off x="4114800" y="3807372"/>
-            <a:ext cx="3113690" cy="496614"/>
-          </a:xfrm>
-          <a:prstGeom prst="roundRect">
-            <a:avLst/>
-          </a:prstGeom>
-        </p:spPr>
-        <p:style>
-          <a:lnRef idx="1">
-            <a:schemeClr val="accent4"/>
-          </a:lnRef>
-          <a:fillRef idx="2">
-            <a:schemeClr val="accent4"/>
-          </a:fillRef>
-          <a:effectRef idx="1">
-            <a:schemeClr val="accent4"/>
-          </a:effectRef>
-          <a:fontRef idx="minor">
-            <a:schemeClr val="dk1"/>
-          </a:fontRef>
-        </p:style>
-        <p:txBody>
-          <a:bodyPr rtlCol="0" anchor="ctr"/>
-          <a:lstStyle/>
-          <a:p>
-            <a:pPr algn="ctr"/>
-            <a:r>
-              <a:rPr lang="en-US" sz="2400" dirty="0" smtClean="0"/>
-              <a:t>Hello, Python!!</a:t>
-            </a:r>
-            <a:endParaRPr lang="en-US" sz="2400" dirty="0"/>
-          </a:p>
-        </p:txBody>
-      </p:sp>
-      <p:sp>
-        <p:nvSpPr>
-          <p:cNvPr id="6" name="Rounded Rectangle 5"/>
-          <p:cNvSpPr/>
-          <p:nvPr/>
-        </p:nvSpPr>
-        <p:spPr>
-          <a:xfrm>
-            <a:off x="4771697" y="4922781"/>
-            <a:ext cx="2456793" cy="496614"/>
-          </a:xfrm>
-          <a:prstGeom prst="roundRect">
-            <a:avLst/>
-          </a:prstGeom>
-        </p:spPr>
-        <p:style>
-          <a:lnRef idx="1">
-            <a:schemeClr val="accent4"/>
-          </a:lnRef>
-          <a:fillRef idx="2">
-            <a:schemeClr val="accent4"/>
-          </a:fillRef>
-          <a:effectRef idx="1">
-            <a:schemeClr val="accent4"/>
-          </a:effectRef>
-          <a:fontRef idx="minor">
-            <a:schemeClr val="dk1"/>
-          </a:fontRef>
-        </p:style>
-        <p:txBody>
-          <a:bodyPr rtlCol="0" anchor="ctr"/>
-          <a:lstStyle/>
-          <a:p>
-            <a:pPr algn="ctr"/>
-            <a:r>
-              <a:rPr lang="en-US" sz="2400" dirty="0" smtClean="0"/>
-              <a:t>Christopher</a:t>
-            </a:r>
-            <a:endParaRPr lang="en-US" sz="2400" dirty="0"/>
-          </a:p>
-        </p:txBody>
-      </p:sp>
-    </p:spTree>
-    <p:extLst>
-      <p:ext uri="{BB962C8B-B14F-4D97-AF65-F5344CB8AC3E}">
-        <p14:creationId xmlns:p14="http://schemas.microsoft.com/office/powerpoint/2010/main" val="4038115253"/>
-      </p:ext>
-    </p:extLst>
-  </p:cSld>
-  <p:clrMapOvr>
-    <a:masterClrMapping/>
-  </p:clrMapOvr>
-  <p:timing>
-    <p:tnLst>
-      <p:par>
-        <p:cTn id="1" dur="indefinite" restart="never" nodeType="tmRoot">
-          <p:childTnLst>
-            <p:seq concurrent="1" nextAc="seek">
-              <p:cTn id="2" dur="indefinite" nodeType="mainSeq">
-                <p:childTnLst>
-                  <p:par>
-                    <p:cTn id="3" fill="hold">
-                      <p:stCondLst>
-                        <p:cond delay="indefinite"/>
-                      </p:stCondLst>
-                      <p:childTnLst>
-                        <p:par>
-                          <p:cTn id="4" fill="hold">
-                            <p:stCondLst>
-                              <p:cond delay="0"/>
-                            </p:stCondLst>
-                            <p:childTnLst>
-                              <p:par>
-                                <p:cTn id="5" presetID="10" presetClass="entr" presetSubtype="0" fill="hold" grpId="0" nodeType="clickEffect">
-                                  <p:stCondLst>
-                                    <p:cond delay="0"/>
-                                  </p:stCondLst>
-                                  <p:childTnLst>
-                                    <p:set>
-                                      <p:cBhvr>
-                                        <p:cTn id="6" dur="1" fill="hold">
-                                          <p:stCondLst>
-                                            <p:cond delay="0"/>
-                                          </p:stCondLst>
-                                        </p:cTn>
-                                        <p:tgtEl>
-                                          <p:spTgt spid="4"/>
-                                        </p:tgtEl>
-                                        <p:attrNameLst>
-                                          <p:attrName>style.visibility</p:attrName>
-                                        </p:attrNameLst>
-                                      </p:cBhvr>
-                                      <p:to>
-                                        <p:strVal val="visible"/>
-                                      </p:to>
-                                    </p:set>
-                                    <p:animEffect transition="in" filter="fade">
-                                      <p:cBhvr>
-                                        <p:cTn id="7" dur="500"/>
-                                        <p:tgtEl>
-                                          <p:spTgt spid="4"/>
-                                        </p:tgtEl>
-                                      </p:cBhvr>
-                                    </p:animEffect>
-                                  </p:childTnLst>
-                                </p:cTn>
-                              </p:par>
-                            </p:childTnLst>
-                          </p:cTn>
-                        </p:par>
-                      </p:childTnLst>
-                    </p:cTn>
-                  </p:par>
-                  <p:par>
-                    <p:cTn id="8" fill="hold">
-                      <p:stCondLst>
-                        <p:cond delay="indefinite"/>
-                      </p:stCondLst>
-                      <p:childTnLst>
-                        <p:par>
-                          <p:cTn id="9" fill="hold">
-                            <p:stCondLst>
-                              <p:cond delay="0"/>
-                            </p:stCondLst>
-                            <p:childTnLst>
-                              <p:par>
-                                <p:cTn id="10" presetID="53" presetClass="entr" presetSubtype="16" fill="hold" grpId="0" nodeType="clickEffect">
-                                  <p:stCondLst>
-                                    <p:cond delay="0"/>
-                                  </p:stCondLst>
-                                  <p:childTnLst>
-                                    <p:set>
-                                      <p:cBhvr>
-                                        <p:cTn id="11" dur="1" fill="hold">
-                                          <p:stCondLst>
-                                            <p:cond delay="0"/>
-                                          </p:stCondLst>
-                                        </p:cTn>
-                                        <p:tgtEl>
-                                          <p:spTgt spid="5"/>
-                                        </p:tgtEl>
-                                        <p:attrNameLst>
-                                          <p:attrName>style.visibility</p:attrName>
-                                        </p:attrNameLst>
-                                      </p:cBhvr>
-                                      <p:to>
-                                        <p:strVal val="visible"/>
-                                      </p:to>
-                                    </p:set>
-                                    <p:anim calcmode="lin" valueType="num">
-                                      <p:cBhvr>
-                                        <p:cTn id="12" dur="500" fill="hold"/>
-                                        <p:tgtEl>
-                                          <p:spTgt spid="5"/>
-                                        </p:tgtEl>
-                                        <p:attrNameLst>
-                                          <p:attrName>ppt_w</p:attrName>
-                                        </p:attrNameLst>
-                                      </p:cBhvr>
-                                      <p:tavLst>
-                                        <p:tav tm="0">
-                                          <p:val>
-                                            <p:fltVal val="0"/>
-                                          </p:val>
-                                        </p:tav>
-                                        <p:tav tm="100000">
-                                          <p:val>
-                                            <p:strVal val="#ppt_w"/>
-                                          </p:val>
-                                        </p:tav>
-                                      </p:tavLst>
-                                    </p:anim>
-                                    <p:anim calcmode="lin" valueType="num">
-                                      <p:cBhvr>
-                                        <p:cTn id="13" dur="500" fill="hold"/>
-                                        <p:tgtEl>
-                                          <p:spTgt spid="5"/>
-                                        </p:tgtEl>
-                                        <p:attrNameLst>
-                                          <p:attrName>ppt_h</p:attrName>
-                                        </p:attrNameLst>
-                                      </p:cBhvr>
-                                      <p:tavLst>
-                                        <p:tav tm="0">
-                                          <p:val>
-                                            <p:fltVal val="0"/>
-                                          </p:val>
-                                        </p:tav>
-                                        <p:tav tm="100000">
-                                          <p:val>
-                                            <p:strVal val="#ppt_h"/>
-                                          </p:val>
-                                        </p:tav>
-                                      </p:tavLst>
-                                    </p:anim>
-                                    <p:animEffect transition="in" filter="fade">
-                                      <p:cBhvr>
-                                        <p:cTn id="14" dur="500"/>
-                                        <p:tgtEl>
-                                          <p:spTgt spid="5"/>
-                                        </p:tgtEl>
-                                      </p:cBhvr>
-                                    </p:animEffect>
-                                  </p:childTnLst>
-                                </p:cTn>
-                              </p:par>
-                            </p:childTnLst>
-                          </p:cTn>
-                        </p:par>
-                      </p:childTnLst>
-                    </p:cTn>
-                  </p:par>
-                  <p:par>
-                    <p:cTn id="15" fill="hold">
-                      <p:stCondLst>
-                        <p:cond delay="indefinite"/>
-                      </p:stCondLst>
-                      <p:childTnLst>
-                        <p:par>
-                          <p:cTn id="16" fill="hold">
-                            <p:stCondLst>
-                              <p:cond delay="0"/>
-                            </p:stCondLst>
-                            <p:childTnLst>
-                              <p:par>
-                                <p:cTn id="17" presetID="53" presetClass="entr" presetSubtype="16" fill="hold" grpId="0" nodeType="clickEffect">
-                                  <p:stCondLst>
-                                    <p:cond delay="0"/>
-                                  </p:stCondLst>
-                                  <p:childTnLst>
-                                    <p:set>
-                                      <p:cBhvr>
-                                        <p:cTn id="18" dur="1" fill="hold">
-                                          <p:stCondLst>
-                                            <p:cond delay="0"/>
-                                          </p:stCondLst>
-                                        </p:cTn>
-                                        <p:tgtEl>
-                                          <p:spTgt spid="6"/>
-                                        </p:tgtEl>
-                                        <p:attrNameLst>
-                                          <p:attrName>style.visibility</p:attrName>
-                                        </p:attrNameLst>
-                                      </p:cBhvr>
-                                      <p:to>
-                                        <p:strVal val="visible"/>
-                                      </p:to>
-                                    </p:set>
-                                    <p:anim calcmode="lin" valueType="num">
-                                      <p:cBhvr>
-                                        <p:cTn id="19" dur="500" fill="hold"/>
-                                        <p:tgtEl>
-                                          <p:spTgt spid="6"/>
-                                        </p:tgtEl>
-                                        <p:attrNameLst>
-                                          <p:attrName>ppt_w</p:attrName>
-                                        </p:attrNameLst>
-                                      </p:cBhvr>
-                                      <p:tavLst>
-                                        <p:tav tm="0">
-                                          <p:val>
-                                            <p:fltVal val="0"/>
-                                          </p:val>
-                                        </p:tav>
-                                        <p:tav tm="100000">
-                                          <p:val>
-                                            <p:strVal val="#ppt_w"/>
-                                          </p:val>
-                                        </p:tav>
-                                      </p:tavLst>
-                                    </p:anim>
-                                    <p:anim calcmode="lin" valueType="num">
-                                      <p:cBhvr>
-                                        <p:cTn id="20" dur="500" fill="hold"/>
-                                        <p:tgtEl>
-                                          <p:spTgt spid="6"/>
-                                        </p:tgtEl>
-                                        <p:attrNameLst>
-                                          <p:attrName>ppt_h</p:attrName>
-                                        </p:attrNameLst>
-                                      </p:cBhvr>
-                                      <p:tavLst>
-                                        <p:tav tm="0">
-                                          <p:val>
-                                            <p:fltVal val="0"/>
-                                          </p:val>
-                                        </p:tav>
-                                        <p:tav tm="100000">
-                                          <p:val>
-                                            <p:strVal val="#ppt_h"/>
-                                          </p:val>
-                                        </p:tav>
-                                      </p:tavLst>
-                                    </p:anim>
-                                    <p:animEffect transition="in" filter="fade">
-                                      <p:cBhvr>
-                                        <p:cTn id="21" dur="500"/>
-                                        <p:tgtEl>
-                                          <p:spTgt spid="6"/>
-                                        </p:tgtEl>
-                                      </p:cBhvr>
-                                    </p:animEffect>
-                                  </p:childTnLst>
-                                </p:cTn>
-                              </p:par>
-                            </p:childTnLst>
-                          </p:cTn>
-                        </p:par>
-                      </p:childTnLst>
-                    </p:cTn>
-                  </p:par>
-                </p:childTnLst>
-              </p:cTn>
-              <p:prevCondLst>
-                <p:cond evt="onPrev" delay="0">
-                  <p:tgtEl>
-                    <p:sldTgt/>
-                  </p:tgtEl>
-                </p:cond>
-              </p:prevCondLst>
-              <p:nextCondLst>
-                <p:cond evt="onNext" delay="0">
-                  <p:tgtEl>
-                    <p:sldTgt/>
-                  </p:tgtEl>
-                </p:cond>
-              </p:nextCondLst>
-            </p:seq>
-          </p:childTnLst>
-        </p:cTn>
-      </p:par>
-    </p:tnLst>
-    <p:bldLst>
-      <p:bldP spid="4" grpId="0" animBg="1"/>
-      <p:bldP spid="5" grpId="0" animBg="1"/>
-      <p:bldP spid="6" grpId="0" animBg="1"/>
-    </p:bldLst>
-  </p:timing>
-</p:sld>
-</file>
-
-<file path=ppt/slides/slide24.xml><?xml version="1.0" encoding="utf-8"?>
-<p:sld xmlns:a="http://schemas.openxmlformats.org/drawingml/2006/main" xmlns:r="http://schemas.openxmlformats.org/officeDocument/2006/relationships" xmlns:p="http://schemas.openxmlformats.org/presentationml/2006/main">
-  <p:cSld>
-    <p:spTree>
-      <p:nvGrpSpPr>
-        <p:cNvPr id="1" name=""/>
-        <p:cNvGrpSpPr/>
-        <p:nvPr/>
-      </p:nvGrpSpPr>
-      <p:grpSpPr>
-        <a:xfrm>
-          <a:off x="0" y="0"/>
-          <a:ext cx="0" cy="0"/>
-          <a:chOff x="0" y="0"/>
-          <a:chExt cx="0" cy="0"/>
-        </a:xfrm>
-      </p:grpSpPr>
-      <p:sp>
-        <p:nvSpPr>
-          <p:cNvPr id="2" name="Title 1"/>
-          <p:cNvSpPr>
-            <a:spLocks noGrp="1"/>
-          </p:cNvSpPr>
-          <p:nvPr>
-            <p:ph type="title"/>
-          </p:nvPr>
-        </p:nvSpPr>
-        <p:spPr/>
-        <p:txBody>
-          <a:bodyPr/>
-          <a:lstStyle/>
-          <a:p>
-            <a:r>
-              <a:rPr lang="en-US" dirty="0" err="1" smtClean="0"/>
-              <a:t>Templating</a:t>
-            </a:r>
-            <a:r>
-              <a:rPr lang="en-US" dirty="0" smtClean="0"/>
-              <a:t> concepts</a:t>
-            </a:r>
-            <a:endParaRPr lang="en-US" dirty="0"/>
-          </a:p>
-        </p:txBody>
-      </p:sp>
-      <p:sp>
-        <p:nvSpPr>
-          <p:cNvPr id="3" name="Content Placeholder 2"/>
-          <p:cNvSpPr>
-            <a:spLocks noGrp="1"/>
-          </p:cNvSpPr>
-          <p:nvPr>
-            <p:ph sz="quarter" idx="10"/>
-          </p:nvPr>
-        </p:nvSpPr>
-        <p:spPr/>
-        <p:txBody>
-          <a:bodyPr/>
-          <a:lstStyle/>
-          <a:p>
-            <a:r>
-              <a:rPr lang="en-US" dirty="0" smtClean="0"/>
-              <a:t>More advanced level</a:t>
-            </a:r>
-          </a:p>
-          <a:p>
-            <a:pPr lvl="1"/>
-            <a:r>
-              <a:rPr lang="en-US" dirty="0" smtClean="0"/>
-              <a:t>Allows adding code to enhance output</a:t>
-            </a:r>
-            <a:endParaRPr lang="en-US" dirty="0"/>
-          </a:p>
-        </p:txBody>
-      </p:sp>
-      <p:sp>
-        <p:nvSpPr>
-          <p:cNvPr id="4" name="Rounded Rectangle 3"/>
-          <p:cNvSpPr/>
-          <p:nvPr/>
-        </p:nvSpPr>
-        <p:spPr>
-          <a:xfrm>
-            <a:off x="1348992" y="2877206"/>
-            <a:ext cx="7511229" cy="3499945"/>
-          </a:xfrm>
-          <a:prstGeom prst="roundRect">
-            <a:avLst>
-              <a:gd name="adj" fmla="val 9460"/>
-            </a:avLst>
-          </a:prstGeom>
-        </p:spPr>
-        <p:style>
-          <a:lnRef idx="3">
-            <a:schemeClr val="lt1"/>
-          </a:lnRef>
-          <a:fillRef idx="1">
-            <a:schemeClr val="accent2"/>
-          </a:fillRef>
-          <a:effectRef idx="1">
-            <a:schemeClr val="accent2"/>
-          </a:effectRef>
-          <a:fontRef idx="minor">
-            <a:schemeClr val="lt1"/>
-          </a:fontRef>
-        </p:style>
-        <p:txBody>
-          <a:bodyPr rtlCol="0" anchor="ctr"/>
-          <a:lstStyle/>
-          <a:p>
-            <a:r>
-              <a:rPr lang="en-US" sz="2400" dirty="0" smtClean="0">
-                <a:latin typeface="Consolas" panose="020B0609020204030204" pitchFamily="49" charset="0"/>
-                <a:cs typeface="Consolas" panose="020B0609020204030204" pitchFamily="49" charset="0"/>
-              </a:rPr>
-              <a:t>&lt;html&gt;</a:t>
-            </a:r>
-          </a:p>
-          <a:p>
-            <a:r>
-              <a:rPr lang="en-US" sz="2400" dirty="0">
-                <a:latin typeface="Consolas" panose="020B0609020204030204" pitchFamily="49" charset="0"/>
-                <a:cs typeface="Consolas" panose="020B0609020204030204" pitchFamily="49" charset="0"/>
-              </a:rPr>
-              <a:t> </a:t>
-            </a:r>
-            <a:r>
-              <a:rPr lang="en-US" sz="2400" dirty="0" smtClean="0">
-                <a:latin typeface="Consolas" panose="020B0609020204030204" pitchFamily="49" charset="0"/>
-                <a:cs typeface="Consolas" panose="020B0609020204030204" pitchFamily="49" charset="0"/>
-              </a:rPr>
-              <a:t>  &lt;head&gt;</a:t>
-            </a:r>
-          </a:p>
-          <a:p>
-            <a:r>
-              <a:rPr lang="en-US" sz="2400" dirty="0">
-                <a:latin typeface="Consolas" panose="020B0609020204030204" pitchFamily="49" charset="0"/>
-                <a:cs typeface="Consolas" panose="020B0609020204030204" pitchFamily="49" charset="0"/>
-              </a:rPr>
-              <a:t> </a:t>
-            </a:r>
-            <a:r>
-              <a:rPr lang="en-US" sz="2400" dirty="0" smtClean="0">
-                <a:latin typeface="Consolas" panose="020B0609020204030204" pitchFamily="49" charset="0"/>
-                <a:cs typeface="Consolas" panose="020B0609020204030204" pitchFamily="49" charset="0"/>
-              </a:rPr>
-              <a:t>       &lt;title&gt;                   &lt;/title&gt;</a:t>
-            </a:r>
-          </a:p>
-          <a:p>
-            <a:r>
-              <a:rPr lang="en-US" sz="2400" dirty="0">
-                <a:latin typeface="Consolas" panose="020B0609020204030204" pitchFamily="49" charset="0"/>
-                <a:cs typeface="Consolas" panose="020B0609020204030204" pitchFamily="49" charset="0"/>
-              </a:rPr>
-              <a:t> </a:t>
-            </a:r>
-            <a:r>
-              <a:rPr lang="en-US" sz="2400" dirty="0" smtClean="0">
-                <a:latin typeface="Consolas" panose="020B0609020204030204" pitchFamily="49" charset="0"/>
-                <a:cs typeface="Consolas" panose="020B0609020204030204" pitchFamily="49" charset="0"/>
-              </a:rPr>
-              <a:t>  &lt;/head&gt;</a:t>
-            </a:r>
-          </a:p>
-          <a:p>
-            <a:r>
-              <a:rPr lang="en-US" sz="2400" dirty="0">
-                <a:latin typeface="Consolas" panose="020B0609020204030204" pitchFamily="49" charset="0"/>
-                <a:cs typeface="Consolas" panose="020B0609020204030204" pitchFamily="49" charset="0"/>
-              </a:rPr>
-              <a:t> </a:t>
-            </a:r>
-            <a:r>
-              <a:rPr lang="en-US" sz="2400" dirty="0" smtClean="0">
-                <a:latin typeface="Consolas" panose="020B0609020204030204" pitchFamily="49" charset="0"/>
-                <a:cs typeface="Consolas" panose="020B0609020204030204" pitchFamily="49" charset="0"/>
-              </a:rPr>
-              <a:t>  &lt;body&gt;</a:t>
-            </a:r>
-          </a:p>
-          <a:p>
-            <a:r>
-              <a:rPr lang="en-US" sz="2400" dirty="0">
-                <a:latin typeface="Consolas" panose="020B0609020204030204" pitchFamily="49" charset="0"/>
-                <a:cs typeface="Consolas" panose="020B0609020204030204" pitchFamily="49" charset="0"/>
-              </a:rPr>
-              <a:t> </a:t>
-            </a:r>
-            <a:r>
-              <a:rPr lang="en-US" sz="2400" dirty="0" smtClean="0">
-                <a:latin typeface="Consolas" panose="020B0609020204030204" pitchFamily="49" charset="0"/>
-                <a:cs typeface="Consolas" panose="020B0609020204030204" pitchFamily="49" charset="0"/>
-              </a:rPr>
-              <a:t>       &lt;b&gt;Welcome,               &lt;/b&gt;</a:t>
-            </a:r>
-          </a:p>
-          <a:p>
-            <a:r>
-              <a:rPr lang="en-US" sz="2400" dirty="0">
-                <a:latin typeface="Consolas" panose="020B0609020204030204" pitchFamily="49" charset="0"/>
-                <a:cs typeface="Consolas" panose="020B0609020204030204" pitchFamily="49" charset="0"/>
-              </a:rPr>
-              <a:t> </a:t>
-            </a:r>
-            <a:r>
-              <a:rPr lang="en-US" sz="2400" dirty="0" smtClean="0">
-                <a:latin typeface="Consolas" panose="020B0609020204030204" pitchFamily="49" charset="0"/>
-                <a:cs typeface="Consolas" panose="020B0609020204030204" pitchFamily="49" charset="0"/>
-              </a:rPr>
-              <a:t>  &lt;/body&gt;</a:t>
-            </a:r>
-          </a:p>
-          <a:p>
-            <a:r>
-              <a:rPr lang="en-US" sz="2400" dirty="0" smtClean="0">
-                <a:latin typeface="Consolas" panose="020B0609020204030204" pitchFamily="49" charset="0"/>
-                <a:cs typeface="Consolas" panose="020B0609020204030204" pitchFamily="49" charset="0"/>
-              </a:rPr>
-              <a:t>&lt;/html&gt;</a:t>
-            </a:r>
-            <a:endParaRPr lang="en-US" sz="2400" dirty="0">
-              <a:latin typeface="Consolas" panose="020B0609020204030204" pitchFamily="49" charset="0"/>
-              <a:cs typeface="Consolas" panose="020B0609020204030204" pitchFamily="49" charset="0"/>
-            </a:endParaRPr>
-          </a:p>
-        </p:txBody>
-      </p:sp>
-      <p:sp>
-        <p:nvSpPr>
-          <p:cNvPr id="5" name="Rounded Rectangle 4"/>
-          <p:cNvSpPr/>
-          <p:nvPr/>
-        </p:nvSpPr>
-        <p:spPr>
-          <a:xfrm>
-            <a:off x="4114800" y="3807372"/>
-            <a:ext cx="3113690" cy="496614"/>
-          </a:xfrm>
-          <a:prstGeom prst="roundRect">
-            <a:avLst/>
-          </a:prstGeom>
-        </p:spPr>
-        <p:style>
-          <a:lnRef idx="1">
-            <a:schemeClr val="accent4"/>
-          </a:lnRef>
-          <a:fillRef idx="2">
-            <a:schemeClr val="accent4"/>
-          </a:fillRef>
-          <a:effectRef idx="1">
-            <a:schemeClr val="accent4"/>
-          </a:effectRef>
-          <a:fontRef idx="minor">
-            <a:schemeClr val="dk1"/>
-          </a:fontRef>
-        </p:style>
-        <p:txBody>
-          <a:bodyPr rtlCol="0" anchor="ctr"/>
-          <a:lstStyle/>
-          <a:p>
-            <a:pPr algn="ctr"/>
-            <a:r>
-              <a:rPr lang="en-US" sz="2400" dirty="0" smtClean="0"/>
-              <a:t>Hello, Python!!</a:t>
-            </a:r>
-            <a:endParaRPr lang="en-US" sz="2400" dirty="0"/>
-          </a:p>
-        </p:txBody>
-      </p:sp>
-      <p:sp>
-        <p:nvSpPr>
-          <p:cNvPr id="6" name="Rounded Rectangle 5"/>
-          <p:cNvSpPr/>
-          <p:nvPr/>
-        </p:nvSpPr>
-        <p:spPr>
-          <a:xfrm>
-            <a:off x="4771697" y="4922781"/>
-            <a:ext cx="2456793" cy="496614"/>
-          </a:xfrm>
-          <a:prstGeom prst="roundRect">
-            <a:avLst/>
-          </a:prstGeom>
-        </p:spPr>
-        <p:style>
-          <a:lnRef idx="1">
-            <a:schemeClr val="accent4"/>
-          </a:lnRef>
-          <a:fillRef idx="2">
-            <a:schemeClr val="accent4"/>
-          </a:fillRef>
-          <a:effectRef idx="1">
-            <a:schemeClr val="accent4"/>
-          </a:effectRef>
-          <a:fontRef idx="minor">
-            <a:schemeClr val="dk1"/>
-          </a:fontRef>
-        </p:style>
-        <p:txBody>
-          <a:bodyPr rtlCol="0" anchor="ctr"/>
-          <a:lstStyle/>
-          <a:p>
-            <a:pPr algn="ctr"/>
-            <a:r>
-              <a:rPr lang="en-US" sz="2400" dirty="0" smtClean="0"/>
-              <a:t>Christopher</a:t>
-            </a:r>
-            <a:endParaRPr lang="en-US" sz="2400" dirty="0"/>
-          </a:p>
-        </p:txBody>
-      </p:sp>
-    </p:spTree>
-    <p:extLst>
-      <p:ext uri="{BB962C8B-B14F-4D97-AF65-F5344CB8AC3E}">
-        <p14:creationId xmlns:p14="http://schemas.microsoft.com/office/powerpoint/2010/main" val="2027193923"/>
-      </p:ext>
-    </p:extLst>
-  </p:cSld>
-  <p:clrMapOvr>
-    <a:masterClrMapping/>
-  </p:clrMapOvr>
-  <p:timing>
-    <p:tnLst>
-      <p:par>
-        <p:cTn id="1" dur="indefinite" restart="never" nodeType="tmRoot">
-          <p:childTnLst>
-            <p:seq concurrent="1" nextAc="seek">
-              <p:cTn id="2" dur="indefinite" nodeType="mainSeq">
-                <p:childTnLst>
-                  <p:par>
-                    <p:cTn id="3" fill="hold">
-                      <p:stCondLst>
-                        <p:cond delay="indefinite"/>
-                      </p:stCondLst>
-                      <p:childTnLst>
-                        <p:par>
-                          <p:cTn id="4" fill="hold">
-                            <p:stCondLst>
-                              <p:cond delay="0"/>
-                            </p:stCondLst>
-                            <p:childTnLst>
-                              <p:par>
-                                <p:cTn id="5" presetID="10" presetClass="entr" presetSubtype="0" fill="hold" grpId="0" nodeType="clickEffect">
-                                  <p:stCondLst>
-                                    <p:cond delay="0"/>
-                                  </p:stCondLst>
-                                  <p:childTnLst>
-                                    <p:set>
-                                      <p:cBhvr>
-                                        <p:cTn id="6" dur="1" fill="hold">
-                                          <p:stCondLst>
-                                            <p:cond delay="0"/>
-                                          </p:stCondLst>
-                                        </p:cTn>
-                                        <p:tgtEl>
-                                          <p:spTgt spid="4"/>
-                                        </p:tgtEl>
-                                        <p:attrNameLst>
-                                          <p:attrName>style.visibility</p:attrName>
-                                        </p:attrNameLst>
-                                      </p:cBhvr>
-                                      <p:to>
-                                        <p:strVal val="visible"/>
-                                      </p:to>
-                                    </p:set>
-                                    <p:animEffect transition="in" filter="fade">
-                                      <p:cBhvr>
-                                        <p:cTn id="7" dur="500"/>
-                                        <p:tgtEl>
-                                          <p:spTgt spid="4"/>
-                                        </p:tgtEl>
-                                      </p:cBhvr>
-                                    </p:animEffect>
-                                  </p:childTnLst>
-                                </p:cTn>
-                              </p:par>
-                            </p:childTnLst>
-                          </p:cTn>
-                        </p:par>
-                      </p:childTnLst>
-                    </p:cTn>
-                  </p:par>
-                  <p:par>
-                    <p:cTn id="8" fill="hold">
-                      <p:stCondLst>
-                        <p:cond delay="indefinite"/>
-                      </p:stCondLst>
-                      <p:childTnLst>
-                        <p:par>
-                          <p:cTn id="9" fill="hold">
-                            <p:stCondLst>
-                              <p:cond delay="0"/>
-                            </p:stCondLst>
-                            <p:childTnLst>
-                              <p:par>
-                                <p:cTn id="10" presetID="53" presetClass="entr" presetSubtype="16" fill="hold" grpId="0" nodeType="clickEffect">
-                                  <p:stCondLst>
-                                    <p:cond delay="0"/>
-                                  </p:stCondLst>
-                                  <p:childTnLst>
-                                    <p:set>
-                                      <p:cBhvr>
-                                        <p:cTn id="11" dur="1" fill="hold">
-                                          <p:stCondLst>
-                                            <p:cond delay="0"/>
-                                          </p:stCondLst>
-                                        </p:cTn>
-                                        <p:tgtEl>
-                                          <p:spTgt spid="5"/>
-                                        </p:tgtEl>
-                                        <p:attrNameLst>
-                                          <p:attrName>style.visibility</p:attrName>
-                                        </p:attrNameLst>
-                                      </p:cBhvr>
-                                      <p:to>
-                                        <p:strVal val="visible"/>
-                                      </p:to>
-                                    </p:set>
-                                    <p:anim calcmode="lin" valueType="num">
-                                      <p:cBhvr>
-                                        <p:cTn id="12" dur="500" fill="hold"/>
-                                        <p:tgtEl>
-                                          <p:spTgt spid="5"/>
-                                        </p:tgtEl>
-                                        <p:attrNameLst>
-                                          <p:attrName>ppt_w</p:attrName>
-                                        </p:attrNameLst>
-                                      </p:cBhvr>
-                                      <p:tavLst>
-                                        <p:tav tm="0">
-                                          <p:val>
-                                            <p:fltVal val="0"/>
-                                          </p:val>
-                                        </p:tav>
-                                        <p:tav tm="100000">
-                                          <p:val>
-                                            <p:strVal val="#ppt_w"/>
-                                          </p:val>
-                                        </p:tav>
-                                      </p:tavLst>
-                                    </p:anim>
-                                    <p:anim calcmode="lin" valueType="num">
-                                      <p:cBhvr>
-                                        <p:cTn id="13" dur="500" fill="hold"/>
-                                        <p:tgtEl>
-                                          <p:spTgt spid="5"/>
-                                        </p:tgtEl>
-                                        <p:attrNameLst>
-                                          <p:attrName>ppt_h</p:attrName>
-                                        </p:attrNameLst>
-                                      </p:cBhvr>
-                                      <p:tavLst>
-                                        <p:tav tm="0">
-                                          <p:val>
-                                            <p:fltVal val="0"/>
-                                          </p:val>
-                                        </p:tav>
-                                        <p:tav tm="100000">
-                                          <p:val>
-                                            <p:strVal val="#ppt_h"/>
-                                          </p:val>
-                                        </p:tav>
-                                      </p:tavLst>
-                                    </p:anim>
-                                    <p:animEffect transition="in" filter="fade">
-                                      <p:cBhvr>
-                                        <p:cTn id="14" dur="500"/>
-                                        <p:tgtEl>
-                                          <p:spTgt spid="5"/>
-                                        </p:tgtEl>
-                                      </p:cBhvr>
-                                    </p:animEffect>
-                                  </p:childTnLst>
-                                </p:cTn>
-                              </p:par>
-                            </p:childTnLst>
-                          </p:cTn>
-                        </p:par>
-                      </p:childTnLst>
-                    </p:cTn>
-                  </p:par>
-                  <p:par>
-                    <p:cTn id="15" fill="hold">
-                      <p:stCondLst>
-                        <p:cond delay="indefinite"/>
-                      </p:stCondLst>
-                      <p:childTnLst>
-                        <p:par>
-                          <p:cTn id="16" fill="hold">
-                            <p:stCondLst>
-                              <p:cond delay="0"/>
-                            </p:stCondLst>
-                            <p:childTnLst>
-                              <p:par>
-                                <p:cTn id="17" presetID="53" presetClass="entr" presetSubtype="16" fill="hold" grpId="0" nodeType="clickEffect">
-                                  <p:stCondLst>
-                                    <p:cond delay="0"/>
-                                  </p:stCondLst>
-                                  <p:childTnLst>
-                                    <p:set>
-                                      <p:cBhvr>
-                                        <p:cTn id="18" dur="1" fill="hold">
-                                          <p:stCondLst>
-                                            <p:cond delay="0"/>
-                                          </p:stCondLst>
-                                        </p:cTn>
-                                        <p:tgtEl>
-                                          <p:spTgt spid="6"/>
-                                        </p:tgtEl>
-                                        <p:attrNameLst>
-                                          <p:attrName>style.visibility</p:attrName>
-                                        </p:attrNameLst>
-                                      </p:cBhvr>
-                                      <p:to>
-                                        <p:strVal val="visible"/>
-                                      </p:to>
-                                    </p:set>
-                                    <p:anim calcmode="lin" valueType="num">
-                                      <p:cBhvr>
-                                        <p:cTn id="19" dur="500" fill="hold"/>
-                                        <p:tgtEl>
-                                          <p:spTgt spid="6"/>
-                                        </p:tgtEl>
-                                        <p:attrNameLst>
-                                          <p:attrName>ppt_w</p:attrName>
-                                        </p:attrNameLst>
-                                      </p:cBhvr>
-                                      <p:tavLst>
-                                        <p:tav tm="0">
-                                          <p:val>
-                                            <p:fltVal val="0"/>
-                                          </p:val>
-                                        </p:tav>
-                                        <p:tav tm="100000">
-                                          <p:val>
-                                            <p:strVal val="#ppt_w"/>
-                                          </p:val>
-                                        </p:tav>
-                                      </p:tavLst>
-                                    </p:anim>
-                                    <p:anim calcmode="lin" valueType="num">
-                                      <p:cBhvr>
-                                        <p:cTn id="20" dur="500" fill="hold"/>
-                                        <p:tgtEl>
-                                          <p:spTgt spid="6"/>
-                                        </p:tgtEl>
-                                        <p:attrNameLst>
-                                          <p:attrName>ppt_h</p:attrName>
-                                        </p:attrNameLst>
-                                      </p:cBhvr>
-                                      <p:tavLst>
-                                        <p:tav tm="0">
-                                          <p:val>
-                                            <p:fltVal val="0"/>
-                                          </p:val>
-                                        </p:tav>
-                                        <p:tav tm="100000">
-                                          <p:val>
-                                            <p:strVal val="#ppt_h"/>
-                                          </p:val>
-                                        </p:tav>
-                                      </p:tavLst>
-                                    </p:anim>
-                                    <p:animEffect transition="in" filter="fade">
-                                      <p:cBhvr>
-                                        <p:cTn id="21" dur="500"/>
-                                        <p:tgtEl>
-                                          <p:spTgt spid="6"/>
-                                        </p:tgtEl>
-                                      </p:cBhvr>
-                                    </p:animEffect>
-                                  </p:childTnLst>
-                                </p:cTn>
-                              </p:par>
-                            </p:childTnLst>
-                          </p:cTn>
-                        </p:par>
-                      </p:childTnLst>
-                    </p:cTn>
-                  </p:par>
-                  <p:par>
-                    <p:cTn id="22" fill="hold">
-                      <p:stCondLst>
-                        <p:cond delay="indefinite"/>
-                      </p:stCondLst>
-                      <p:childTnLst>
-                        <p:par>
-                          <p:cTn id="23" fill="hold">
-                            <p:stCondLst>
-                              <p:cond delay="0"/>
-                            </p:stCondLst>
-                            <p:childTnLst>
-                              <p:par>
-                                <p:cTn id="24" presetID="1" presetClass="emph" presetSubtype="2" fill="hold" nodeType="clickEffect">
-                                  <p:stCondLst>
-                                    <p:cond delay="0"/>
-                                  </p:stCondLst>
-                                  <p:childTnLst>
-                                    <p:animClr clrSpc="rgb" dir="cw">
-                                      <p:cBhvr>
-                                        <p:cTn id="25" dur="2000" fill="hold"/>
-                                        <p:tgtEl>
-                                          <p:spTgt spid="6"/>
-                                        </p:tgtEl>
-                                        <p:attrNameLst>
-                                          <p:attrName>fillcolor</p:attrName>
-                                        </p:attrNameLst>
-                                      </p:cBhvr>
-                                      <p:to>
-                                        <a:srgbClr val="0FFF48"/>
-                                      </p:to>
-                                    </p:animClr>
-                                    <p:set>
-                                      <p:cBhvr>
-                                        <p:cTn id="26" dur="2000" fill="hold"/>
-                                        <p:tgtEl>
-                                          <p:spTgt spid="6"/>
-                                        </p:tgtEl>
-                                        <p:attrNameLst>
-                                          <p:attrName>fill.type</p:attrName>
-                                        </p:attrNameLst>
-                                      </p:cBhvr>
-                                      <p:to>
-                                        <p:strVal val="solid"/>
-                                      </p:to>
-                                    </p:set>
-                                    <p:set>
-                                      <p:cBhvr>
-                                        <p:cTn id="27" dur="2000" fill="hold"/>
-                                        <p:tgtEl>
-                                          <p:spTgt spid="6"/>
-                                        </p:tgtEl>
-                                        <p:attrNameLst>
-                                          <p:attrName>fill.on</p:attrName>
-                                        </p:attrNameLst>
-                                      </p:cBhvr>
-                                      <p:to>
-                                        <p:strVal val="true"/>
-                                      </p:to>
-                                    </p:set>
-                                  </p:childTnLst>
-                                </p:cTn>
-                              </p:par>
-                            </p:childTnLst>
-                          </p:cTn>
-                        </p:par>
-                      </p:childTnLst>
-                    </p:cTn>
-                  </p:par>
-                </p:childTnLst>
-              </p:cTn>
-              <p:prevCondLst>
-                <p:cond evt="onPrev" delay="0">
-                  <p:tgtEl>
-                    <p:sldTgt/>
-                  </p:tgtEl>
-                </p:cond>
-              </p:prevCondLst>
-              <p:nextCondLst>
-                <p:cond evt="onNext" delay="0">
-                  <p:tgtEl>
-                    <p:sldTgt/>
-                  </p:tgtEl>
-                </p:cond>
-              </p:nextCondLst>
-            </p:seq>
-          </p:childTnLst>
-        </p:cTn>
-      </p:par>
-    </p:tnLst>
-    <p:bldLst>
-      <p:bldP spid="4" grpId="0" animBg="1"/>
-      <p:bldP spid="5" grpId="0" animBg="1"/>
-      <p:bldP spid="6" grpId="0" animBg="1"/>
-    </p:bldLst>
-  </p:timing>
-</p:sld>
-</file>
-
-<file path=ppt/slides/slide25.xml><?xml version="1.0" encoding="utf-8"?>
-<p:sld xmlns:a="http://schemas.openxmlformats.org/drawingml/2006/main" xmlns:r="http://schemas.openxmlformats.org/officeDocument/2006/relationships" xmlns:p="http://schemas.openxmlformats.org/presentationml/2006/main">
-  <p:cSld>
-    <p:spTree>
-      <p:nvGrpSpPr>
-        <p:cNvPr id="1" name=""/>
-        <p:cNvGrpSpPr/>
-        <p:nvPr/>
-      </p:nvGrpSpPr>
-      <p:grpSpPr>
-        <a:xfrm>
-          <a:off x="0" y="0"/>
-          <a:ext cx="0" cy="0"/>
-          <a:chOff x="0" y="0"/>
-          <a:chExt cx="0" cy="0"/>
-        </a:xfrm>
-      </p:grpSpPr>
-      <p:sp>
-        <p:nvSpPr>
-          <p:cNvPr id="2" name="Title 1"/>
-          <p:cNvSpPr>
-            <a:spLocks noGrp="1"/>
-          </p:cNvSpPr>
-          <p:nvPr>
-            <p:ph type="title"/>
-          </p:nvPr>
-        </p:nvSpPr>
-        <p:spPr/>
-        <p:txBody>
-          <a:bodyPr/>
-          <a:lstStyle/>
-          <a:p>
-            <a:r>
-              <a:rPr lang="en-US" dirty="0" err="1" smtClean="0"/>
-              <a:t>Templating</a:t>
-            </a:r>
-            <a:r>
-              <a:rPr lang="en-US" dirty="0" smtClean="0"/>
-              <a:t> concepts</a:t>
-            </a:r>
-            <a:endParaRPr lang="en-US" dirty="0"/>
-          </a:p>
-        </p:txBody>
-      </p:sp>
-      <p:sp>
-        <p:nvSpPr>
-          <p:cNvPr id="3" name="Content Placeholder 2"/>
-          <p:cNvSpPr>
-            <a:spLocks noGrp="1"/>
-          </p:cNvSpPr>
-          <p:nvPr>
-            <p:ph sz="quarter" idx="10"/>
-          </p:nvPr>
-        </p:nvSpPr>
-        <p:spPr/>
-        <p:txBody>
-          <a:bodyPr/>
-          <a:lstStyle/>
-          <a:p>
-            <a:r>
-              <a:rPr lang="en-US" dirty="0" smtClean="0"/>
-              <a:t>Even more advanced</a:t>
-            </a:r>
-          </a:p>
-          <a:p>
-            <a:pPr lvl="1"/>
-            <a:r>
-              <a:rPr lang="en-US" dirty="0" smtClean="0"/>
-              <a:t>Layouts to ensure consistency</a:t>
-            </a:r>
-          </a:p>
-          <a:p>
-            <a:pPr lvl="1"/>
-            <a:endParaRPr lang="en-US" dirty="0"/>
-          </a:p>
-        </p:txBody>
-      </p:sp>
-      <p:sp>
-        <p:nvSpPr>
-          <p:cNvPr id="4" name="Rounded Rectangle 3"/>
-          <p:cNvSpPr/>
-          <p:nvPr/>
-        </p:nvSpPr>
-        <p:spPr>
-          <a:xfrm>
-            <a:off x="1348992" y="2877206"/>
-            <a:ext cx="7511229" cy="3499945"/>
-          </a:xfrm>
-          <a:prstGeom prst="roundRect">
-            <a:avLst>
-              <a:gd name="adj" fmla="val 9460"/>
-            </a:avLst>
-          </a:prstGeom>
-        </p:spPr>
-        <p:style>
-          <a:lnRef idx="3">
-            <a:schemeClr val="lt1"/>
-          </a:lnRef>
-          <a:fillRef idx="1">
-            <a:schemeClr val="accent2"/>
-          </a:fillRef>
-          <a:effectRef idx="1">
-            <a:schemeClr val="accent2"/>
-          </a:effectRef>
-          <a:fontRef idx="minor">
-            <a:schemeClr val="lt1"/>
-          </a:fontRef>
-        </p:style>
-        <p:txBody>
-          <a:bodyPr rtlCol="0" anchor="ctr"/>
-          <a:lstStyle/>
-          <a:p>
-            <a:r>
-              <a:rPr lang="en-US" sz="2400" dirty="0" smtClean="0">
-                <a:latin typeface="Consolas" panose="020B0609020204030204" pitchFamily="49" charset="0"/>
-                <a:cs typeface="Consolas" panose="020B0609020204030204" pitchFamily="49" charset="0"/>
-              </a:rPr>
-              <a:t>&lt;html&gt;</a:t>
-            </a:r>
-          </a:p>
-          <a:p>
-            <a:r>
-              <a:rPr lang="en-US" sz="2400" dirty="0">
-                <a:latin typeface="Consolas" panose="020B0609020204030204" pitchFamily="49" charset="0"/>
-                <a:cs typeface="Consolas" panose="020B0609020204030204" pitchFamily="49" charset="0"/>
-              </a:rPr>
-              <a:t> </a:t>
-            </a:r>
-            <a:r>
-              <a:rPr lang="en-US" sz="2400" dirty="0" smtClean="0">
-                <a:latin typeface="Consolas" panose="020B0609020204030204" pitchFamily="49" charset="0"/>
-                <a:cs typeface="Consolas" panose="020B0609020204030204" pitchFamily="49" charset="0"/>
-              </a:rPr>
-              <a:t>  &lt;head&gt;</a:t>
-            </a:r>
-          </a:p>
-          <a:p>
-            <a:r>
-              <a:rPr lang="en-US" sz="2400" dirty="0">
-                <a:latin typeface="Consolas" panose="020B0609020204030204" pitchFamily="49" charset="0"/>
-                <a:cs typeface="Consolas" panose="020B0609020204030204" pitchFamily="49" charset="0"/>
-              </a:rPr>
-              <a:t> </a:t>
-            </a:r>
-            <a:r>
-              <a:rPr lang="en-US" sz="2400" dirty="0" smtClean="0">
-                <a:latin typeface="Consolas" panose="020B0609020204030204" pitchFamily="49" charset="0"/>
-                <a:cs typeface="Consolas" panose="020B0609020204030204" pitchFamily="49" charset="0"/>
-              </a:rPr>
-              <a:t>       &lt;title&gt;                   &lt;/title&gt;</a:t>
-            </a:r>
-          </a:p>
-          <a:p>
-            <a:r>
-              <a:rPr lang="en-US" sz="2400" dirty="0">
-                <a:latin typeface="Consolas" panose="020B0609020204030204" pitchFamily="49" charset="0"/>
-                <a:cs typeface="Consolas" panose="020B0609020204030204" pitchFamily="49" charset="0"/>
-              </a:rPr>
-              <a:t> </a:t>
-            </a:r>
-            <a:r>
-              <a:rPr lang="en-US" sz="2400" dirty="0" smtClean="0">
-                <a:latin typeface="Consolas" panose="020B0609020204030204" pitchFamily="49" charset="0"/>
-                <a:cs typeface="Consolas" panose="020B0609020204030204" pitchFamily="49" charset="0"/>
-              </a:rPr>
-              <a:t>  &lt;/head&gt;</a:t>
-            </a:r>
-          </a:p>
-          <a:p>
-            <a:endParaRPr lang="en-US" sz="2400" dirty="0" smtClean="0">
-              <a:latin typeface="Consolas" panose="020B0609020204030204" pitchFamily="49" charset="0"/>
-              <a:cs typeface="Consolas" panose="020B0609020204030204" pitchFamily="49" charset="0"/>
-            </a:endParaRPr>
-          </a:p>
-          <a:p>
-            <a:endParaRPr lang="en-US" sz="2400" dirty="0">
-              <a:latin typeface="Consolas" panose="020B0609020204030204" pitchFamily="49" charset="0"/>
-              <a:cs typeface="Consolas" panose="020B0609020204030204" pitchFamily="49" charset="0"/>
-            </a:endParaRPr>
-          </a:p>
-          <a:p>
-            <a:endParaRPr lang="en-US" sz="2400" dirty="0" smtClean="0">
-              <a:latin typeface="Consolas" panose="020B0609020204030204" pitchFamily="49" charset="0"/>
-              <a:cs typeface="Consolas" panose="020B0609020204030204" pitchFamily="49" charset="0"/>
-            </a:endParaRPr>
-          </a:p>
-          <a:p>
-            <a:r>
-              <a:rPr lang="en-US" sz="2400" dirty="0" smtClean="0">
-                <a:latin typeface="Consolas" panose="020B0609020204030204" pitchFamily="49" charset="0"/>
-                <a:cs typeface="Consolas" panose="020B0609020204030204" pitchFamily="49" charset="0"/>
-              </a:rPr>
-              <a:t>&lt;/html&gt;</a:t>
-            </a:r>
-            <a:endParaRPr lang="en-US" sz="2400" dirty="0">
-              <a:latin typeface="Consolas" panose="020B0609020204030204" pitchFamily="49" charset="0"/>
-              <a:cs typeface="Consolas" panose="020B0609020204030204" pitchFamily="49" charset="0"/>
-            </a:endParaRPr>
-          </a:p>
-        </p:txBody>
-      </p:sp>
-      <p:sp>
-        <p:nvSpPr>
-          <p:cNvPr id="5" name="Rounded Rectangle 4"/>
-          <p:cNvSpPr/>
-          <p:nvPr/>
-        </p:nvSpPr>
-        <p:spPr>
-          <a:xfrm>
-            <a:off x="4114800" y="3807372"/>
-            <a:ext cx="3113690" cy="496614"/>
-          </a:xfrm>
-          <a:prstGeom prst="roundRect">
-            <a:avLst/>
-          </a:prstGeom>
-        </p:spPr>
-        <p:style>
-          <a:lnRef idx="1">
-            <a:schemeClr val="accent4"/>
-          </a:lnRef>
-          <a:fillRef idx="2">
-            <a:schemeClr val="accent4"/>
-          </a:fillRef>
-          <a:effectRef idx="1">
-            <a:schemeClr val="accent4"/>
-          </a:effectRef>
-          <a:fontRef idx="minor">
-            <a:schemeClr val="dk1"/>
-          </a:fontRef>
-        </p:style>
-        <p:txBody>
-          <a:bodyPr rtlCol="0" anchor="ctr"/>
-          <a:lstStyle/>
-          <a:p>
-            <a:pPr algn="ctr"/>
-            <a:r>
-              <a:rPr lang="en-US" sz="2400" dirty="0" smtClean="0"/>
-              <a:t>Hello, Python!!</a:t>
-            </a:r>
-            <a:endParaRPr lang="en-US" sz="2400" dirty="0"/>
-          </a:p>
-        </p:txBody>
-      </p:sp>
-      <p:sp>
-        <p:nvSpPr>
-          <p:cNvPr id="7" name="Rounded Rectangle 6"/>
-          <p:cNvSpPr/>
-          <p:nvPr/>
-        </p:nvSpPr>
-        <p:spPr>
-          <a:xfrm>
-            <a:off x="1901228" y="4635374"/>
-            <a:ext cx="6726724" cy="1122630"/>
-          </a:xfrm>
-          <a:prstGeom prst="roundRect">
-            <a:avLst/>
-          </a:prstGeom>
-        </p:spPr>
-        <p:style>
-          <a:lnRef idx="1">
-            <a:schemeClr val="accent3"/>
-          </a:lnRef>
-          <a:fillRef idx="2">
-            <a:schemeClr val="accent3"/>
-          </a:fillRef>
-          <a:effectRef idx="1">
-            <a:schemeClr val="accent3"/>
-          </a:effectRef>
-          <a:fontRef idx="minor">
-            <a:schemeClr val="dk1"/>
-          </a:fontRef>
-        </p:style>
-        <p:txBody>
-          <a:bodyPr rtlCol="0" anchor="ctr"/>
-          <a:lstStyle/>
-          <a:p>
-            <a:r>
-              <a:rPr lang="en-US" sz="2400" dirty="0">
-                <a:latin typeface="Consolas" panose="020B0609020204030204" pitchFamily="49" charset="0"/>
-                <a:cs typeface="Consolas" panose="020B0609020204030204" pitchFamily="49" charset="0"/>
-              </a:rPr>
-              <a:t>&lt;body&gt;</a:t>
-            </a:r>
-          </a:p>
-          <a:p>
-            <a:r>
-              <a:rPr lang="en-US" sz="2400" dirty="0" smtClean="0">
-                <a:latin typeface="Consolas" panose="020B0609020204030204" pitchFamily="49" charset="0"/>
-                <a:cs typeface="Consolas" panose="020B0609020204030204" pitchFamily="49" charset="0"/>
-              </a:rPr>
-              <a:t>     </a:t>
-            </a:r>
-            <a:r>
-              <a:rPr lang="en-US" sz="2400" dirty="0">
-                <a:latin typeface="Consolas" panose="020B0609020204030204" pitchFamily="49" charset="0"/>
-                <a:cs typeface="Consolas" panose="020B0609020204030204" pitchFamily="49" charset="0"/>
-              </a:rPr>
-              <a:t>&lt;b&gt;Welcome,               &lt;/b&gt;</a:t>
-            </a:r>
-          </a:p>
-          <a:p>
-            <a:r>
-              <a:rPr lang="en-US" sz="2400" dirty="0" smtClean="0">
-                <a:latin typeface="Consolas" panose="020B0609020204030204" pitchFamily="49" charset="0"/>
-                <a:cs typeface="Consolas" panose="020B0609020204030204" pitchFamily="49" charset="0"/>
-              </a:rPr>
-              <a:t>&lt;/</a:t>
-            </a:r>
-            <a:r>
-              <a:rPr lang="en-US" sz="2400" dirty="0">
-                <a:latin typeface="Consolas" panose="020B0609020204030204" pitchFamily="49" charset="0"/>
-                <a:cs typeface="Consolas" panose="020B0609020204030204" pitchFamily="49" charset="0"/>
-              </a:rPr>
-              <a:t>body&gt;</a:t>
-            </a:r>
-          </a:p>
-        </p:txBody>
-      </p:sp>
-      <p:sp>
-        <p:nvSpPr>
-          <p:cNvPr id="6" name="Rounded Rectangle 5"/>
-          <p:cNvSpPr/>
-          <p:nvPr/>
-        </p:nvSpPr>
-        <p:spPr>
-          <a:xfrm>
-            <a:off x="4771697" y="4922781"/>
-            <a:ext cx="2456793" cy="496614"/>
-          </a:xfrm>
-          <a:prstGeom prst="roundRect">
-            <a:avLst/>
-          </a:prstGeom>
-        </p:spPr>
-        <p:style>
-          <a:lnRef idx="1">
-            <a:schemeClr val="accent4"/>
-          </a:lnRef>
-          <a:fillRef idx="2">
-            <a:schemeClr val="accent4"/>
-          </a:fillRef>
-          <a:effectRef idx="1">
-            <a:schemeClr val="accent4"/>
-          </a:effectRef>
-          <a:fontRef idx="minor">
-            <a:schemeClr val="dk1"/>
-          </a:fontRef>
-        </p:style>
-        <p:txBody>
-          <a:bodyPr rtlCol="0" anchor="ctr"/>
-          <a:lstStyle/>
-          <a:p>
-            <a:pPr algn="ctr"/>
-            <a:r>
-              <a:rPr lang="en-US" sz="2400" dirty="0" smtClean="0"/>
-              <a:t>Christopher</a:t>
-            </a:r>
-            <a:endParaRPr lang="en-US" sz="2400" dirty="0"/>
-          </a:p>
-        </p:txBody>
-      </p:sp>
-    </p:spTree>
-    <p:extLst>
-      <p:ext uri="{BB962C8B-B14F-4D97-AF65-F5344CB8AC3E}">
-        <p14:creationId xmlns:p14="http://schemas.microsoft.com/office/powerpoint/2010/main" val="4025844625"/>
-      </p:ext>
-    </p:extLst>
-  </p:cSld>
-  <p:clrMapOvr>
-    <a:masterClrMapping/>
-  </p:clrMapOvr>
-  <p:timing>
-    <p:tnLst>
-      <p:par>
-        <p:cTn id="1" dur="indefinite" restart="never" nodeType="tmRoot">
-          <p:childTnLst>
-            <p:seq concurrent="1" nextAc="seek">
-              <p:cTn id="2" dur="indefinite" nodeType="mainSeq">
-                <p:childTnLst>
-                  <p:par>
-                    <p:cTn id="3" fill="hold">
-                      <p:stCondLst>
-                        <p:cond delay="indefinite"/>
-                      </p:stCondLst>
-                      <p:childTnLst>
-                        <p:par>
-                          <p:cTn id="4" fill="hold">
-                            <p:stCondLst>
-                              <p:cond delay="0"/>
-                            </p:stCondLst>
-                            <p:childTnLst>
-                              <p:par>
-                                <p:cTn id="5" presetID="10" presetClass="entr" presetSubtype="0" fill="hold" grpId="0" nodeType="clickEffect">
-                                  <p:stCondLst>
-                                    <p:cond delay="0"/>
-                                  </p:stCondLst>
-                                  <p:childTnLst>
-                                    <p:set>
-                                      <p:cBhvr>
-                                        <p:cTn id="6" dur="1" fill="hold">
-                                          <p:stCondLst>
-                                            <p:cond delay="0"/>
-                                          </p:stCondLst>
-                                        </p:cTn>
-                                        <p:tgtEl>
-                                          <p:spTgt spid="4"/>
-                                        </p:tgtEl>
-                                        <p:attrNameLst>
-                                          <p:attrName>style.visibility</p:attrName>
-                                        </p:attrNameLst>
-                                      </p:cBhvr>
-                                      <p:to>
-                                        <p:strVal val="visible"/>
-                                      </p:to>
-                                    </p:set>
-                                    <p:animEffect transition="in" filter="fade">
-                                      <p:cBhvr>
-                                        <p:cTn id="7" dur="500"/>
-                                        <p:tgtEl>
-                                          <p:spTgt spid="4"/>
-                                        </p:tgtEl>
-                                      </p:cBhvr>
-                                    </p:animEffect>
-                                  </p:childTnLst>
-                                </p:cTn>
-                              </p:par>
-                            </p:childTnLst>
-                          </p:cTn>
-                        </p:par>
-                      </p:childTnLst>
-                    </p:cTn>
-                  </p:par>
-                  <p:par>
-                    <p:cTn id="8" fill="hold">
-                      <p:stCondLst>
-                        <p:cond delay="indefinite"/>
-                      </p:stCondLst>
-                      <p:childTnLst>
-                        <p:par>
-                          <p:cTn id="9" fill="hold">
-                            <p:stCondLst>
-                              <p:cond delay="0"/>
-                            </p:stCondLst>
-                            <p:childTnLst>
-                              <p:par>
-                                <p:cTn id="10" presetID="53" presetClass="entr" presetSubtype="16" fill="hold" grpId="0" nodeType="clickEffect">
-                                  <p:stCondLst>
-                                    <p:cond delay="0"/>
-                                  </p:stCondLst>
-                                  <p:childTnLst>
-                                    <p:set>
-                                      <p:cBhvr>
-                                        <p:cTn id="11" dur="1" fill="hold">
-                                          <p:stCondLst>
-                                            <p:cond delay="0"/>
-                                          </p:stCondLst>
-                                        </p:cTn>
-                                        <p:tgtEl>
-                                          <p:spTgt spid="5"/>
-                                        </p:tgtEl>
-                                        <p:attrNameLst>
-                                          <p:attrName>style.visibility</p:attrName>
-                                        </p:attrNameLst>
-                                      </p:cBhvr>
-                                      <p:to>
-                                        <p:strVal val="visible"/>
-                                      </p:to>
-                                    </p:set>
-                                    <p:anim calcmode="lin" valueType="num">
-                                      <p:cBhvr>
-                                        <p:cTn id="12" dur="500" fill="hold"/>
-                                        <p:tgtEl>
-                                          <p:spTgt spid="5"/>
-                                        </p:tgtEl>
-                                        <p:attrNameLst>
-                                          <p:attrName>ppt_w</p:attrName>
-                                        </p:attrNameLst>
-                                      </p:cBhvr>
-                                      <p:tavLst>
-                                        <p:tav tm="0">
-                                          <p:val>
-                                            <p:fltVal val="0"/>
-                                          </p:val>
-                                        </p:tav>
-                                        <p:tav tm="100000">
-                                          <p:val>
-                                            <p:strVal val="#ppt_w"/>
-                                          </p:val>
-                                        </p:tav>
-                                      </p:tavLst>
-                                    </p:anim>
-                                    <p:anim calcmode="lin" valueType="num">
-                                      <p:cBhvr>
-                                        <p:cTn id="13" dur="500" fill="hold"/>
-                                        <p:tgtEl>
-                                          <p:spTgt spid="5"/>
-                                        </p:tgtEl>
-                                        <p:attrNameLst>
-                                          <p:attrName>ppt_h</p:attrName>
-                                        </p:attrNameLst>
-                                      </p:cBhvr>
-                                      <p:tavLst>
-                                        <p:tav tm="0">
-                                          <p:val>
-                                            <p:fltVal val="0"/>
-                                          </p:val>
-                                        </p:tav>
-                                        <p:tav tm="100000">
-                                          <p:val>
-                                            <p:strVal val="#ppt_h"/>
-                                          </p:val>
-                                        </p:tav>
-                                      </p:tavLst>
-                                    </p:anim>
-                                    <p:animEffect transition="in" filter="fade">
-                                      <p:cBhvr>
-                                        <p:cTn id="14" dur="500"/>
-                                        <p:tgtEl>
-                                          <p:spTgt spid="5"/>
-                                        </p:tgtEl>
-                                      </p:cBhvr>
-                                    </p:animEffect>
-                                  </p:childTnLst>
-                                </p:cTn>
-                              </p:par>
-                            </p:childTnLst>
-                          </p:cTn>
-                        </p:par>
-                      </p:childTnLst>
-                    </p:cTn>
-                  </p:par>
-                  <p:par>
-                    <p:cTn id="15" fill="hold">
-                      <p:stCondLst>
-                        <p:cond delay="indefinite"/>
-                      </p:stCondLst>
-                      <p:childTnLst>
-                        <p:par>
-                          <p:cTn id="16" fill="hold">
-                            <p:stCondLst>
-                              <p:cond delay="0"/>
-                            </p:stCondLst>
-                            <p:childTnLst>
-                              <p:par>
-                                <p:cTn id="17" presetID="42" presetClass="entr" presetSubtype="0" fill="hold" grpId="0" nodeType="clickEffect">
-                                  <p:stCondLst>
-                                    <p:cond delay="0"/>
-                                  </p:stCondLst>
-                                  <p:childTnLst>
-                                    <p:set>
-                                      <p:cBhvr>
-                                        <p:cTn id="18" dur="1" fill="hold">
-                                          <p:stCondLst>
-                                            <p:cond delay="0"/>
-                                          </p:stCondLst>
-                                        </p:cTn>
-                                        <p:tgtEl>
-                                          <p:spTgt spid="7"/>
-                                        </p:tgtEl>
-                                        <p:attrNameLst>
-                                          <p:attrName>style.visibility</p:attrName>
-                                        </p:attrNameLst>
-                                      </p:cBhvr>
-                                      <p:to>
-                                        <p:strVal val="visible"/>
-                                      </p:to>
-                                    </p:set>
-                                    <p:animEffect transition="in" filter="fade">
-                                      <p:cBhvr>
-                                        <p:cTn id="19" dur="1000"/>
-                                        <p:tgtEl>
-                                          <p:spTgt spid="7"/>
-                                        </p:tgtEl>
-                                      </p:cBhvr>
-                                    </p:animEffect>
-                                    <p:anim calcmode="lin" valueType="num">
-                                      <p:cBhvr>
-                                        <p:cTn id="20" dur="1000" fill="hold"/>
-                                        <p:tgtEl>
-                                          <p:spTgt spid="7"/>
-                                        </p:tgtEl>
-                                        <p:attrNameLst>
-                                          <p:attrName>ppt_x</p:attrName>
-                                        </p:attrNameLst>
-                                      </p:cBhvr>
-                                      <p:tavLst>
-                                        <p:tav tm="0">
-                                          <p:val>
-                                            <p:strVal val="#ppt_x"/>
-                                          </p:val>
-                                        </p:tav>
-                                        <p:tav tm="100000">
-                                          <p:val>
-                                            <p:strVal val="#ppt_x"/>
-                                          </p:val>
-                                        </p:tav>
-                                      </p:tavLst>
-                                    </p:anim>
-                                    <p:anim calcmode="lin" valueType="num">
-                                      <p:cBhvr>
-                                        <p:cTn id="21" dur="1000" fill="hold"/>
-                                        <p:tgtEl>
-                                          <p:spTgt spid="7"/>
-                                        </p:tgtEl>
-                                        <p:attrNameLst>
-                                          <p:attrName>ppt_y</p:attrName>
-                                        </p:attrNameLst>
-                                      </p:cBhvr>
-                                      <p:tavLst>
-                                        <p:tav tm="0">
-                                          <p:val>
-                                            <p:strVal val="#ppt_y+.1"/>
-                                          </p:val>
-                                        </p:tav>
-                                        <p:tav tm="100000">
-                                          <p:val>
-                                            <p:strVal val="#ppt_y"/>
-                                          </p:val>
-                                        </p:tav>
-                                      </p:tavLst>
-                                    </p:anim>
-                                  </p:childTnLst>
-                                </p:cTn>
-                              </p:par>
-                            </p:childTnLst>
-                          </p:cTn>
-                        </p:par>
-                      </p:childTnLst>
-                    </p:cTn>
-                  </p:par>
-                  <p:par>
-                    <p:cTn id="22" fill="hold">
-                      <p:stCondLst>
-                        <p:cond delay="indefinite"/>
-                      </p:stCondLst>
-                      <p:childTnLst>
-                        <p:par>
-                          <p:cTn id="23" fill="hold">
-                            <p:stCondLst>
-                              <p:cond delay="0"/>
-                            </p:stCondLst>
-                            <p:childTnLst>
-                              <p:par>
-                                <p:cTn id="24" presetID="53" presetClass="entr" presetSubtype="16" fill="hold" grpId="0" nodeType="clickEffect">
-                                  <p:stCondLst>
-                                    <p:cond delay="0"/>
-                                  </p:stCondLst>
-                                  <p:childTnLst>
-                                    <p:set>
-                                      <p:cBhvr>
-                                        <p:cTn id="25" dur="1" fill="hold">
-                                          <p:stCondLst>
-                                            <p:cond delay="0"/>
-                                          </p:stCondLst>
-                                        </p:cTn>
-                                        <p:tgtEl>
-                                          <p:spTgt spid="6"/>
-                                        </p:tgtEl>
-                                        <p:attrNameLst>
-                                          <p:attrName>style.visibility</p:attrName>
-                                        </p:attrNameLst>
-                                      </p:cBhvr>
-                                      <p:to>
-                                        <p:strVal val="visible"/>
-                                      </p:to>
-                                    </p:set>
-                                    <p:anim calcmode="lin" valueType="num">
-                                      <p:cBhvr>
-                                        <p:cTn id="26" dur="500" fill="hold"/>
-                                        <p:tgtEl>
-                                          <p:spTgt spid="6"/>
-                                        </p:tgtEl>
-                                        <p:attrNameLst>
-                                          <p:attrName>ppt_w</p:attrName>
-                                        </p:attrNameLst>
-                                      </p:cBhvr>
-                                      <p:tavLst>
-                                        <p:tav tm="0">
-                                          <p:val>
-                                            <p:fltVal val="0"/>
-                                          </p:val>
-                                        </p:tav>
-                                        <p:tav tm="100000">
-                                          <p:val>
-                                            <p:strVal val="#ppt_w"/>
-                                          </p:val>
-                                        </p:tav>
-                                      </p:tavLst>
-                                    </p:anim>
-                                    <p:anim calcmode="lin" valueType="num">
-                                      <p:cBhvr>
-                                        <p:cTn id="27" dur="500" fill="hold"/>
-                                        <p:tgtEl>
-                                          <p:spTgt spid="6"/>
-                                        </p:tgtEl>
-                                        <p:attrNameLst>
-                                          <p:attrName>ppt_h</p:attrName>
-                                        </p:attrNameLst>
-                                      </p:cBhvr>
-                                      <p:tavLst>
-                                        <p:tav tm="0">
-                                          <p:val>
-                                            <p:fltVal val="0"/>
-                                          </p:val>
-                                        </p:tav>
-                                        <p:tav tm="100000">
-                                          <p:val>
-                                            <p:strVal val="#ppt_h"/>
-                                          </p:val>
-                                        </p:tav>
-                                      </p:tavLst>
-                                    </p:anim>
-                                    <p:animEffect transition="in" filter="fade">
-                                      <p:cBhvr>
-                                        <p:cTn id="28" dur="500"/>
-                                        <p:tgtEl>
-                                          <p:spTgt spid="6"/>
-                                        </p:tgtEl>
-                                      </p:cBhvr>
-                                    </p:animEffect>
-                                  </p:childTnLst>
-                                </p:cTn>
-                              </p:par>
-                            </p:childTnLst>
-                          </p:cTn>
-                        </p:par>
-                      </p:childTnLst>
-                    </p:cTn>
-                  </p:par>
-                  <p:par>
-                    <p:cTn id="29" fill="hold">
-                      <p:stCondLst>
-                        <p:cond delay="indefinite"/>
-                      </p:stCondLst>
-                      <p:childTnLst>
-                        <p:par>
-                          <p:cTn id="30" fill="hold">
-                            <p:stCondLst>
-                              <p:cond delay="0"/>
-                            </p:stCondLst>
-                            <p:childTnLst>
-                              <p:par>
-                                <p:cTn id="31" presetID="1" presetClass="emph" presetSubtype="2" fill="hold" nodeType="clickEffect">
-                                  <p:stCondLst>
-                                    <p:cond delay="0"/>
-                                  </p:stCondLst>
-                                  <p:childTnLst>
-                                    <p:animClr clrSpc="rgb" dir="cw">
-                                      <p:cBhvr>
-                                        <p:cTn id="32" dur="2000" fill="hold"/>
-                                        <p:tgtEl>
-                                          <p:spTgt spid="6"/>
-                                        </p:tgtEl>
-                                        <p:attrNameLst>
-                                          <p:attrName>fillcolor</p:attrName>
-                                        </p:attrNameLst>
-                                      </p:cBhvr>
-                                      <p:to>
-                                        <a:srgbClr val="0FFF48"/>
-                                      </p:to>
-                                    </p:animClr>
-                                    <p:set>
-                                      <p:cBhvr>
-                                        <p:cTn id="33" dur="2000" fill="hold"/>
-                                        <p:tgtEl>
-                                          <p:spTgt spid="6"/>
-                                        </p:tgtEl>
-                                        <p:attrNameLst>
-                                          <p:attrName>fill.type</p:attrName>
-                                        </p:attrNameLst>
-                                      </p:cBhvr>
-                                      <p:to>
-                                        <p:strVal val="solid"/>
-                                      </p:to>
-                                    </p:set>
-                                    <p:set>
-                                      <p:cBhvr>
-                                        <p:cTn id="34" dur="2000" fill="hold"/>
-                                        <p:tgtEl>
-                                          <p:spTgt spid="6"/>
-                                        </p:tgtEl>
-                                        <p:attrNameLst>
-                                          <p:attrName>fill.on</p:attrName>
-                                        </p:attrNameLst>
-                                      </p:cBhvr>
-                                      <p:to>
-                                        <p:strVal val="true"/>
-                                      </p:to>
-                                    </p:set>
-                                  </p:childTnLst>
-                                </p:cTn>
-                              </p:par>
-                            </p:childTnLst>
-                          </p:cTn>
-                        </p:par>
-                      </p:childTnLst>
-                    </p:cTn>
-                  </p:par>
-                </p:childTnLst>
-              </p:cTn>
-              <p:prevCondLst>
-                <p:cond evt="onPrev" delay="0">
-                  <p:tgtEl>
-                    <p:sldTgt/>
-                  </p:tgtEl>
-                </p:cond>
-              </p:prevCondLst>
-              <p:nextCondLst>
-                <p:cond evt="onNext" delay="0">
-                  <p:tgtEl>
-                    <p:sldTgt/>
-                  </p:tgtEl>
-                </p:cond>
-              </p:nextCondLst>
-            </p:seq>
-          </p:childTnLst>
-        </p:cTn>
-      </p:par>
-    </p:tnLst>
-    <p:bldLst>
-      <p:bldP spid="4" grpId="0" animBg="1"/>
-      <p:bldP spid="5" grpId="0" animBg="1"/>
-      <p:bldP spid="7" grpId="0" animBg="1"/>
-      <p:bldP spid="6" grpId="0" animBg="1"/>
-    </p:bldLst>
-  </p:timing>
-</p:sld>
-</file>
-
-<file path=ppt/slides/slide26.xml><?xml version="1.0" encoding="utf-8"?>
-<p:sld xmlns:a="http://schemas.openxmlformats.org/drawingml/2006/main" xmlns:r="http://schemas.openxmlformats.org/officeDocument/2006/relationships" xmlns:p="http://schemas.openxmlformats.org/presentationml/2006/main">
-  <p:cSld>
-    <p:spTree>
-      <p:nvGrpSpPr>
-        <p:cNvPr id="1" name=""/>
-        <p:cNvGrpSpPr/>
-        <p:nvPr/>
-      </p:nvGrpSpPr>
-      <p:grpSpPr>
-        <a:xfrm>
-          <a:off x="0" y="0"/>
-          <a:ext cx="0" cy="0"/>
-          <a:chOff x="0" y="0"/>
-          <a:chExt cx="0" cy="0"/>
-        </a:xfrm>
-      </p:grpSpPr>
-      <p:sp>
-        <p:nvSpPr>
-          <p:cNvPr id="2" name="Title 1"/>
-          <p:cNvSpPr>
-            <a:spLocks noGrp="1"/>
-          </p:cNvSpPr>
-          <p:nvPr>
-            <p:ph type="title"/>
-          </p:nvPr>
-        </p:nvSpPr>
-        <p:spPr/>
-        <p:txBody>
-          <a:bodyPr/>
-          <a:lstStyle/>
-          <a:p>
-            <a:r>
-              <a:rPr lang="en-US" dirty="0" smtClean="0"/>
-              <a:t>Jinja syntax</a:t>
-            </a:r>
-            <a:endParaRPr lang="en-US" dirty="0"/>
-          </a:p>
-        </p:txBody>
-      </p:sp>
-      <p:sp>
-        <p:nvSpPr>
-          <p:cNvPr id="3" name="Content Placeholder 2"/>
-          <p:cNvSpPr>
-            <a:spLocks noGrp="1"/>
-          </p:cNvSpPr>
-          <p:nvPr>
-            <p:ph sz="quarter" idx="10"/>
-          </p:nvPr>
-        </p:nvSpPr>
-        <p:spPr/>
-        <p:txBody>
-          <a:bodyPr/>
-          <a:lstStyle/>
-          <a:p>
-            <a:r>
-              <a:rPr lang="en-US" dirty="0" smtClean="0">
-                <a:latin typeface="Consolas" panose="020B0609020204030204" pitchFamily="49" charset="0"/>
-                <a:cs typeface="Consolas" panose="020B0609020204030204" pitchFamily="49" charset="0"/>
-              </a:rPr>
-              <a:t>{%  %}</a:t>
-            </a:r>
-            <a:r>
-              <a:rPr lang="en-US" dirty="0" smtClean="0"/>
-              <a:t>  contains code</a:t>
-            </a:r>
-          </a:p>
-          <a:p>
-            <a:r>
-              <a:rPr lang="en-US" dirty="0" smtClean="0">
-                <a:latin typeface="Consolas" panose="020B0609020204030204" pitchFamily="49" charset="0"/>
-                <a:cs typeface="Consolas" panose="020B0609020204030204" pitchFamily="49" charset="0"/>
-              </a:rPr>
-              <a:t>{{  }} </a:t>
-            </a:r>
-            <a:r>
-              <a:rPr lang="en-US" dirty="0" smtClean="0"/>
-              <a:t>contains text to display</a:t>
-            </a:r>
-          </a:p>
-        </p:txBody>
-      </p:sp>
-      <p:sp>
-        <p:nvSpPr>
-          <p:cNvPr id="5" name="Rounded Rectangle 4"/>
-          <p:cNvSpPr/>
-          <p:nvPr/>
-        </p:nvSpPr>
-        <p:spPr>
-          <a:xfrm>
-            <a:off x="2782894" y="2960484"/>
-            <a:ext cx="6717671" cy="3603278"/>
-          </a:xfrm>
-          <a:prstGeom prst="roundRect">
-            <a:avLst/>
-          </a:prstGeom>
-        </p:spPr>
-        <p:style>
-          <a:lnRef idx="1">
-            <a:schemeClr val="accent4"/>
-          </a:lnRef>
-          <a:fillRef idx="2">
-            <a:schemeClr val="accent4"/>
-          </a:fillRef>
-          <a:effectRef idx="1">
-            <a:schemeClr val="accent4"/>
-          </a:effectRef>
-          <a:fontRef idx="minor">
-            <a:schemeClr val="dk1"/>
-          </a:fontRef>
-        </p:style>
-        <p:txBody>
-          <a:bodyPr rtlCol="0" anchor="ctr"/>
-          <a:lstStyle/>
-          <a:p>
-            <a:r>
-              <a:rPr lang="en-US" sz="2800" dirty="0" smtClean="0">
-                <a:latin typeface="Consolas" panose="020B0609020204030204" pitchFamily="49" charset="0"/>
-                <a:cs typeface="Consolas" panose="020B0609020204030204" pitchFamily="49" charset="0"/>
-              </a:rPr>
-              <a:t>&lt;</a:t>
-            </a:r>
-            <a:r>
-              <a:rPr lang="en-US" sz="2800" dirty="0" err="1">
-                <a:latin typeface="Consolas" panose="020B0609020204030204" pitchFamily="49" charset="0"/>
-                <a:cs typeface="Consolas" panose="020B0609020204030204" pitchFamily="49" charset="0"/>
-              </a:rPr>
-              <a:t>ul</a:t>
-            </a:r>
-            <a:r>
-              <a:rPr lang="en-US" sz="2800" dirty="0">
-                <a:latin typeface="Consolas" panose="020B0609020204030204" pitchFamily="49" charset="0"/>
-                <a:cs typeface="Consolas" panose="020B0609020204030204" pitchFamily="49" charset="0"/>
-              </a:rPr>
-              <a:t>&gt;</a:t>
-            </a:r>
-          </a:p>
-          <a:p>
-            <a:r>
-              <a:rPr lang="en-US" sz="2800" dirty="0">
-                <a:latin typeface="Consolas" panose="020B0609020204030204" pitchFamily="49" charset="0"/>
-                <a:cs typeface="Consolas" panose="020B0609020204030204" pitchFamily="49" charset="0"/>
-              </a:rPr>
-              <a:t>  {% for </a:t>
-            </a:r>
-            <a:r>
-              <a:rPr lang="en-US" sz="2800" dirty="0" smtClean="0">
-                <a:latin typeface="Consolas" panose="020B0609020204030204" pitchFamily="49" charset="0"/>
-                <a:cs typeface="Consolas" panose="020B0609020204030204" pitchFamily="49" charset="0"/>
-              </a:rPr>
-              <a:t>item </a:t>
-            </a:r>
-            <a:r>
-              <a:rPr lang="en-US" sz="2800" dirty="0">
-                <a:latin typeface="Consolas" panose="020B0609020204030204" pitchFamily="49" charset="0"/>
-                <a:cs typeface="Consolas" panose="020B0609020204030204" pitchFamily="49" charset="0"/>
-              </a:rPr>
-              <a:t>in </a:t>
-            </a:r>
-            <a:r>
-              <a:rPr lang="en-US" sz="2800" dirty="0" err="1" smtClean="0">
-                <a:latin typeface="Consolas" panose="020B0609020204030204" pitchFamily="49" charset="0"/>
-                <a:cs typeface="Consolas" panose="020B0609020204030204" pitchFamily="49" charset="0"/>
-              </a:rPr>
-              <a:t>demoList</a:t>
-            </a:r>
-            <a:r>
-              <a:rPr lang="en-US" sz="2800" dirty="0" smtClean="0">
-                <a:latin typeface="Consolas" panose="020B0609020204030204" pitchFamily="49" charset="0"/>
-                <a:cs typeface="Consolas" panose="020B0609020204030204" pitchFamily="49" charset="0"/>
-              </a:rPr>
-              <a:t> </a:t>
-            </a:r>
-            <a:r>
-              <a:rPr lang="en-US" sz="2800" dirty="0">
-                <a:latin typeface="Consolas" panose="020B0609020204030204" pitchFamily="49" charset="0"/>
-                <a:cs typeface="Consolas" panose="020B0609020204030204" pitchFamily="49" charset="0"/>
-              </a:rPr>
-              <a:t>%}</a:t>
-            </a:r>
-          </a:p>
-          <a:p>
-            <a:r>
-              <a:rPr lang="en-US" sz="2800" dirty="0">
-                <a:latin typeface="Consolas" panose="020B0609020204030204" pitchFamily="49" charset="0"/>
-                <a:cs typeface="Consolas" panose="020B0609020204030204" pitchFamily="49" charset="0"/>
-              </a:rPr>
-              <a:t>    &lt;li</a:t>
-            </a:r>
-            <a:r>
-              <a:rPr lang="en-US" sz="2800" dirty="0" smtClean="0">
-                <a:latin typeface="Consolas" panose="020B0609020204030204" pitchFamily="49" charset="0"/>
-                <a:cs typeface="Consolas" panose="020B0609020204030204" pitchFamily="49" charset="0"/>
-              </a:rPr>
-              <a:t>&gt;</a:t>
-            </a:r>
-          </a:p>
-          <a:p>
-            <a:r>
-              <a:rPr lang="en-US" sz="2800" dirty="0" smtClean="0">
-                <a:latin typeface="Consolas" panose="020B0609020204030204" pitchFamily="49" charset="0"/>
-                <a:cs typeface="Consolas" panose="020B0609020204030204" pitchFamily="49" charset="0"/>
-              </a:rPr>
-              <a:t>      {{ item }}</a:t>
-            </a:r>
-          </a:p>
-          <a:p>
-            <a:r>
-              <a:rPr lang="en-US" sz="2800" dirty="0" smtClean="0">
-                <a:latin typeface="Consolas" panose="020B0609020204030204" pitchFamily="49" charset="0"/>
-                <a:cs typeface="Consolas" panose="020B0609020204030204" pitchFamily="49" charset="0"/>
-              </a:rPr>
-              <a:t>    &lt;/li&gt;</a:t>
-            </a:r>
-            <a:endParaRPr lang="en-US" sz="2800" dirty="0">
-              <a:latin typeface="Consolas" panose="020B0609020204030204" pitchFamily="49" charset="0"/>
-              <a:cs typeface="Consolas" panose="020B0609020204030204" pitchFamily="49" charset="0"/>
-            </a:endParaRPr>
-          </a:p>
-          <a:p>
-            <a:r>
-              <a:rPr lang="en-US" sz="2800" dirty="0" smtClean="0">
-                <a:latin typeface="Consolas" panose="020B0609020204030204" pitchFamily="49" charset="0"/>
-                <a:cs typeface="Consolas" panose="020B0609020204030204" pitchFamily="49" charset="0"/>
-              </a:rPr>
-              <a:t>  </a:t>
-            </a:r>
-            <a:r>
-              <a:rPr lang="en-US" sz="2800" dirty="0">
-                <a:latin typeface="Consolas" panose="020B0609020204030204" pitchFamily="49" charset="0"/>
-                <a:cs typeface="Consolas" panose="020B0609020204030204" pitchFamily="49" charset="0"/>
-              </a:rPr>
-              <a:t>{% </a:t>
-            </a:r>
-            <a:r>
-              <a:rPr lang="en-US" sz="2800" dirty="0" err="1">
-                <a:latin typeface="Consolas" panose="020B0609020204030204" pitchFamily="49" charset="0"/>
-                <a:cs typeface="Consolas" panose="020B0609020204030204" pitchFamily="49" charset="0"/>
-              </a:rPr>
-              <a:t>endfor</a:t>
-            </a:r>
-            <a:r>
-              <a:rPr lang="en-US" sz="2800" dirty="0">
-                <a:latin typeface="Consolas" panose="020B0609020204030204" pitchFamily="49" charset="0"/>
-                <a:cs typeface="Consolas" panose="020B0609020204030204" pitchFamily="49" charset="0"/>
-              </a:rPr>
-              <a:t> %}</a:t>
-            </a:r>
-          </a:p>
-          <a:p>
-            <a:r>
-              <a:rPr lang="en-US" sz="2800" dirty="0" smtClean="0">
-                <a:latin typeface="Consolas" panose="020B0609020204030204" pitchFamily="49" charset="0"/>
-                <a:cs typeface="Consolas" panose="020B0609020204030204" pitchFamily="49" charset="0"/>
-              </a:rPr>
-              <a:t>&lt;/</a:t>
-            </a:r>
-            <a:r>
-              <a:rPr lang="en-US" sz="2800" dirty="0" err="1">
-                <a:latin typeface="Consolas" panose="020B0609020204030204" pitchFamily="49" charset="0"/>
-                <a:cs typeface="Consolas" panose="020B0609020204030204" pitchFamily="49" charset="0"/>
-              </a:rPr>
-              <a:t>ul</a:t>
-            </a:r>
-            <a:r>
-              <a:rPr lang="en-US" sz="2800" dirty="0">
-                <a:latin typeface="Consolas" panose="020B0609020204030204" pitchFamily="49" charset="0"/>
-                <a:cs typeface="Consolas" panose="020B0609020204030204" pitchFamily="49" charset="0"/>
-              </a:rPr>
-              <a:t>&gt;</a:t>
-            </a:r>
-          </a:p>
-        </p:txBody>
-      </p:sp>
-    </p:spTree>
-    <p:extLst>
-      <p:ext uri="{BB962C8B-B14F-4D97-AF65-F5344CB8AC3E}">
-        <p14:creationId xmlns:p14="http://schemas.microsoft.com/office/powerpoint/2010/main" val="3630694918"/>
-      </p:ext>
-    </p:extLst>
-  </p:cSld>
-  <p:clrMapOvr>
-    <a:masterClrMapping/>
-  </p:clrMapOvr>
-  <p:timing>
-    <p:tnLst>
-      <p:par>
-        <p:cTn id="1" dur="indefinite" restart="never" nodeType="tmRoot">
-          <p:childTnLst>
-            <p:seq concurrent="1" nextAc="seek">
-              <p:cTn id="2" dur="indefinite" nodeType="mainSeq">
-                <p:childTnLst>
-                  <p:par>
-                    <p:cTn id="3" fill="hold">
-                      <p:stCondLst>
-                        <p:cond delay="indefinite"/>
-                      </p:stCondLst>
-                      <p:childTnLst>
-                        <p:par>
-                          <p:cTn id="4" fill="hold">
-                            <p:stCondLst>
-                              <p:cond delay="0"/>
-                            </p:stCondLst>
-                            <p:childTnLst>
-                              <p:par>
-                                <p:cTn id="5" presetID="10" presetClass="entr" presetSubtype="0" fill="hold" nodeType="clickEffect">
-                                  <p:stCondLst>
-                                    <p:cond delay="0"/>
-                                  </p:stCondLst>
-                                  <p:childTnLst>
-                                    <p:set>
-                                      <p:cBhvr>
-                                        <p:cTn id="6" dur="1" fill="hold">
-                                          <p:stCondLst>
-                                            <p:cond delay="0"/>
-                                          </p:stCondLst>
-                                        </p:cTn>
-                                        <p:tgtEl>
-                                          <p:spTgt spid="3">
-                                            <p:txEl>
-                                              <p:pRg st="0" end="0"/>
-                                            </p:txEl>
-                                          </p:spTgt>
-                                        </p:tgtEl>
-                                        <p:attrNameLst>
-                                          <p:attrName>style.visibility</p:attrName>
-                                        </p:attrNameLst>
-                                      </p:cBhvr>
-                                      <p:to>
-                                        <p:strVal val="visible"/>
-                                      </p:to>
-                                    </p:set>
-                                    <p:animEffect transition="in" filter="fade">
-                                      <p:cBhvr>
-                                        <p:cTn id="7" dur="500"/>
-                                        <p:tgtEl>
-                                          <p:spTgt spid="3">
-                                            <p:txEl>
-                                              <p:pRg st="0" end="0"/>
-                                            </p:txEl>
-                                          </p:spTgt>
-                                        </p:tgtEl>
-                                      </p:cBhvr>
-                                    </p:animEffect>
-                                  </p:childTnLst>
-                                </p:cTn>
-                              </p:par>
-                            </p:childTnLst>
-                          </p:cTn>
-                        </p:par>
-                      </p:childTnLst>
-                    </p:cTn>
-                  </p:par>
-                  <p:par>
-                    <p:cTn id="8" fill="hold">
-                      <p:stCondLst>
-                        <p:cond delay="indefinite"/>
-                      </p:stCondLst>
-                      <p:childTnLst>
-                        <p:par>
-                          <p:cTn id="9" fill="hold">
-                            <p:stCondLst>
-                              <p:cond delay="0"/>
-                            </p:stCondLst>
-                            <p:childTnLst>
-                              <p:par>
-                                <p:cTn id="10" presetID="53" presetClass="entr" presetSubtype="16" fill="hold" nodeType="clickEffect">
-                                  <p:stCondLst>
-                                    <p:cond delay="0"/>
-                                  </p:stCondLst>
-                                  <p:childTnLst>
-                                    <p:set>
-                                      <p:cBhvr>
-                                        <p:cTn id="11" dur="1" fill="hold">
-                                          <p:stCondLst>
-                                            <p:cond delay="0"/>
-                                          </p:stCondLst>
-                                        </p:cTn>
-                                        <p:tgtEl>
-                                          <p:spTgt spid="5">
-                                            <p:txEl>
-                                              <p:pRg st="1" end="1"/>
-                                            </p:txEl>
-                                          </p:spTgt>
-                                        </p:tgtEl>
-                                        <p:attrNameLst>
-                                          <p:attrName>style.visibility</p:attrName>
-                                        </p:attrNameLst>
-                                      </p:cBhvr>
-                                      <p:to>
-                                        <p:strVal val="visible"/>
-                                      </p:to>
-                                    </p:set>
-                                    <p:anim calcmode="lin" valueType="num">
-                                      <p:cBhvr>
-                                        <p:cTn id="12" dur="500" fill="hold"/>
-                                        <p:tgtEl>
-                                          <p:spTgt spid="5">
-                                            <p:txEl>
-                                              <p:pRg st="1" end="1"/>
-                                            </p:txEl>
-                                          </p:spTgt>
-                                        </p:tgtEl>
-                                        <p:attrNameLst>
-                                          <p:attrName>ppt_w</p:attrName>
-                                        </p:attrNameLst>
-                                      </p:cBhvr>
-                                      <p:tavLst>
-                                        <p:tav tm="0">
-                                          <p:val>
-                                            <p:fltVal val="0"/>
-                                          </p:val>
-                                        </p:tav>
-                                        <p:tav tm="100000">
-                                          <p:val>
-                                            <p:strVal val="#ppt_w"/>
-                                          </p:val>
-                                        </p:tav>
-                                      </p:tavLst>
-                                    </p:anim>
-                                    <p:anim calcmode="lin" valueType="num">
-                                      <p:cBhvr>
-                                        <p:cTn id="13" dur="500" fill="hold"/>
-                                        <p:tgtEl>
-                                          <p:spTgt spid="5">
-                                            <p:txEl>
-                                              <p:pRg st="1" end="1"/>
-                                            </p:txEl>
-                                          </p:spTgt>
-                                        </p:tgtEl>
-                                        <p:attrNameLst>
-                                          <p:attrName>ppt_h</p:attrName>
-                                        </p:attrNameLst>
-                                      </p:cBhvr>
-                                      <p:tavLst>
-                                        <p:tav tm="0">
-                                          <p:val>
-                                            <p:fltVal val="0"/>
-                                          </p:val>
-                                        </p:tav>
-                                        <p:tav tm="100000">
-                                          <p:val>
-                                            <p:strVal val="#ppt_h"/>
-                                          </p:val>
-                                        </p:tav>
-                                      </p:tavLst>
-                                    </p:anim>
-                                    <p:animEffect transition="in" filter="fade">
-                                      <p:cBhvr>
-                                        <p:cTn id="14" dur="500"/>
-                                        <p:tgtEl>
-                                          <p:spTgt spid="5">
-                                            <p:txEl>
-                                              <p:pRg st="1" end="1"/>
-                                            </p:txEl>
-                                          </p:spTgt>
-                                        </p:tgtEl>
-                                      </p:cBhvr>
-                                    </p:animEffect>
-                                  </p:childTnLst>
-                                </p:cTn>
-                              </p:par>
-                              <p:par>
-                                <p:cTn id="15" presetID="53" presetClass="entr" presetSubtype="16" fill="hold" nodeType="withEffect">
-                                  <p:stCondLst>
-                                    <p:cond delay="0"/>
-                                  </p:stCondLst>
-                                  <p:childTnLst>
-                                    <p:set>
-                                      <p:cBhvr>
-                                        <p:cTn id="16" dur="1" fill="hold">
-                                          <p:stCondLst>
-                                            <p:cond delay="0"/>
-                                          </p:stCondLst>
-                                        </p:cTn>
-                                        <p:tgtEl>
-                                          <p:spTgt spid="5">
-                                            <p:txEl>
-                                              <p:pRg st="5" end="5"/>
-                                            </p:txEl>
-                                          </p:spTgt>
-                                        </p:tgtEl>
-                                        <p:attrNameLst>
-                                          <p:attrName>style.visibility</p:attrName>
-                                        </p:attrNameLst>
-                                      </p:cBhvr>
-                                      <p:to>
-                                        <p:strVal val="visible"/>
-                                      </p:to>
-                                    </p:set>
-                                    <p:anim calcmode="lin" valueType="num">
-                                      <p:cBhvr>
-                                        <p:cTn id="17" dur="500" fill="hold"/>
-                                        <p:tgtEl>
-                                          <p:spTgt spid="5">
-                                            <p:txEl>
-                                              <p:pRg st="5" end="5"/>
-                                            </p:txEl>
-                                          </p:spTgt>
-                                        </p:tgtEl>
-                                        <p:attrNameLst>
-                                          <p:attrName>ppt_w</p:attrName>
-                                        </p:attrNameLst>
-                                      </p:cBhvr>
-                                      <p:tavLst>
-                                        <p:tav tm="0">
-                                          <p:val>
-                                            <p:fltVal val="0"/>
-                                          </p:val>
-                                        </p:tav>
-                                        <p:tav tm="100000">
-                                          <p:val>
-                                            <p:strVal val="#ppt_w"/>
-                                          </p:val>
-                                        </p:tav>
-                                      </p:tavLst>
-                                    </p:anim>
-                                    <p:anim calcmode="lin" valueType="num">
-                                      <p:cBhvr>
-                                        <p:cTn id="18" dur="500" fill="hold"/>
-                                        <p:tgtEl>
-                                          <p:spTgt spid="5">
-                                            <p:txEl>
-                                              <p:pRg st="5" end="5"/>
-                                            </p:txEl>
-                                          </p:spTgt>
-                                        </p:tgtEl>
-                                        <p:attrNameLst>
-                                          <p:attrName>ppt_h</p:attrName>
-                                        </p:attrNameLst>
-                                      </p:cBhvr>
-                                      <p:tavLst>
-                                        <p:tav tm="0">
-                                          <p:val>
-                                            <p:fltVal val="0"/>
-                                          </p:val>
-                                        </p:tav>
-                                        <p:tav tm="100000">
-                                          <p:val>
-                                            <p:strVal val="#ppt_h"/>
-                                          </p:val>
-                                        </p:tav>
-                                      </p:tavLst>
-                                    </p:anim>
-                                    <p:animEffect transition="in" filter="fade">
-                                      <p:cBhvr>
-                                        <p:cTn id="19" dur="500"/>
-                                        <p:tgtEl>
-                                          <p:spTgt spid="5">
-                                            <p:txEl>
-                                              <p:pRg st="5" end="5"/>
-                                            </p:txEl>
-                                          </p:spTgt>
-                                        </p:tgtEl>
-                                      </p:cBhvr>
-                                    </p:animEffect>
-                                  </p:childTnLst>
-                                </p:cTn>
-                              </p:par>
-                            </p:childTnLst>
-                          </p:cTn>
-                        </p:par>
-                      </p:childTnLst>
-                    </p:cTn>
-                  </p:par>
-                  <p:par>
-                    <p:cTn id="20" fill="hold">
-                      <p:stCondLst>
-                        <p:cond delay="indefinite"/>
-                      </p:stCondLst>
-                      <p:childTnLst>
-                        <p:par>
-                          <p:cTn id="21" fill="hold">
-                            <p:stCondLst>
-                              <p:cond delay="0"/>
-                            </p:stCondLst>
-                            <p:childTnLst>
-                              <p:par>
-                                <p:cTn id="22" presetID="10" presetClass="entr" presetSubtype="0" fill="hold" nodeType="clickEffect">
-                                  <p:stCondLst>
-                                    <p:cond delay="0"/>
-                                  </p:stCondLst>
-                                  <p:childTnLst>
-                                    <p:set>
-                                      <p:cBhvr>
-                                        <p:cTn id="23" dur="1" fill="hold">
-                                          <p:stCondLst>
-                                            <p:cond delay="0"/>
-                                          </p:stCondLst>
-                                        </p:cTn>
-                                        <p:tgtEl>
-                                          <p:spTgt spid="3">
-                                            <p:txEl>
-                                              <p:pRg st="1" end="1"/>
-                                            </p:txEl>
-                                          </p:spTgt>
-                                        </p:tgtEl>
-                                        <p:attrNameLst>
-                                          <p:attrName>style.visibility</p:attrName>
-                                        </p:attrNameLst>
-                                      </p:cBhvr>
-                                      <p:to>
-                                        <p:strVal val="visible"/>
-                                      </p:to>
-                                    </p:set>
-                                    <p:animEffect transition="in" filter="fade">
-                                      <p:cBhvr>
-                                        <p:cTn id="24" dur="500"/>
-                                        <p:tgtEl>
-                                          <p:spTgt spid="3">
-                                            <p:txEl>
-                                              <p:pRg st="1" end="1"/>
-                                            </p:txEl>
-                                          </p:spTgt>
-                                        </p:tgtEl>
-                                      </p:cBhvr>
-                                    </p:animEffect>
-                                  </p:childTnLst>
-                                </p:cTn>
-                              </p:par>
-                            </p:childTnLst>
-                          </p:cTn>
-                        </p:par>
-                      </p:childTnLst>
-                    </p:cTn>
-                  </p:par>
-                  <p:par>
-                    <p:cTn id="25" fill="hold">
-                      <p:stCondLst>
-                        <p:cond delay="indefinite"/>
-                      </p:stCondLst>
-                      <p:childTnLst>
-                        <p:par>
-                          <p:cTn id="26" fill="hold">
-                            <p:stCondLst>
-                              <p:cond delay="0"/>
-                            </p:stCondLst>
-                            <p:childTnLst>
-                              <p:par>
-                                <p:cTn id="27" presetID="53" presetClass="entr" presetSubtype="16" fill="hold" nodeType="clickEffect">
-                                  <p:stCondLst>
-                                    <p:cond delay="0"/>
-                                  </p:stCondLst>
-                                  <p:childTnLst>
-                                    <p:set>
-                                      <p:cBhvr>
-                                        <p:cTn id="28" dur="1" fill="hold">
-                                          <p:stCondLst>
-                                            <p:cond delay="0"/>
-                                          </p:stCondLst>
-                                        </p:cTn>
-                                        <p:tgtEl>
-                                          <p:spTgt spid="5">
-                                            <p:txEl>
-                                              <p:pRg st="3" end="3"/>
-                                            </p:txEl>
-                                          </p:spTgt>
-                                        </p:tgtEl>
-                                        <p:attrNameLst>
-                                          <p:attrName>style.visibility</p:attrName>
-                                        </p:attrNameLst>
-                                      </p:cBhvr>
-                                      <p:to>
-                                        <p:strVal val="visible"/>
-                                      </p:to>
-                                    </p:set>
-                                    <p:anim calcmode="lin" valueType="num">
-                                      <p:cBhvr>
-                                        <p:cTn id="29" dur="500" fill="hold"/>
-                                        <p:tgtEl>
-                                          <p:spTgt spid="5">
-                                            <p:txEl>
-                                              <p:pRg st="3" end="3"/>
-                                            </p:txEl>
-                                          </p:spTgt>
-                                        </p:tgtEl>
-                                        <p:attrNameLst>
-                                          <p:attrName>ppt_w</p:attrName>
-                                        </p:attrNameLst>
-                                      </p:cBhvr>
-                                      <p:tavLst>
-                                        <p:tav tm="0">
-                                          <p:val>
-                                            <p:fltVal val="0"/>
-                                          </p:val>
-                                        </p:tav>
-                                        <p:tav tm="100000">
-                                          <p:val>
-                                            <p:strVal val="#ppt_w"/>
-                                          </p:val>
-                                        </p:tav>
-                                      </p:tavLst>
-                                    </p:anim>
-                                    <p:anim calcmode="lin" valueType="num">
-                                      <p:cBhvr>
-                                        <p:cTn id="30" dur="500" fill="hold"/>
-                                        <p:tgtEl>
-                                          <p:spTgt spid="5">
-                                            <p:txEl>
-                                              <p:pRg st="3" end="3"/>
-                                            </p:txEl>
-                                          </p:spTgt>
-                                        </p:tgtEl>
-                                        <p:attrNameLst>
-                                          <p:attrName>ppt_h</p:attrName>
-                                        </p:attrNameLst>
-                                      </p:cBhvr>
-                                      <p:tavLst>
-                                        <p:tav tm="0">
-                                          <p:val>
-                                            <p:fltVal val="0"/>
-                                          </p:val>
-                                        </p:tav>
-                                        <p:tav tm="100000">
-                                          <p:val>
-                                            <p:strVal val="#ppt_h"/>
-                                          </p:val>
-                                        </p:tav>
-                                      </p:tavLst>
-                                    </p:anim>
-                                    <p:animEffect transition="in" filter="fade">
-                                      <p:cBhvr>
-                                        <p:cTn id="31" dur="500"/>
-                                        <p:tgtEl>
-                                          <p:spTgt spid="5">
-                                            <p:txEl>
-                                              <p:pRg st="3" end="3"/>
-                                            </p:txEl>
-                                          </p:spTgt>
-                                        </p:tgtEl>
-                                      </p:cBhvr>
-                                    </p:animEffect>
-                                  </p:childTnLst>
-                                </p:cTn>
-                              </p:par>
-                            </p:childTnLst>
-                          </p:cTn>
-                        </p:par>
-                      </p:childTnLst>
-                    </p:cTn>
-                  </p:par>
-                </p:childTnLst>
-              </p:cTn>
-              <p:prevCondLst>
-                <p:cond evt="onPrev" delay="0">
-                  <p:tgtEl>
-                    <p:sldTgt/>
-                  </p:tgtEl>
-                </p:cond>
-              </p:prevCondLst>
-              <p:nextCondLst>
-                <p:cond evt="onNext" delay="0">
-                  <p:tgtEl>
-                    <p:sldTgt/>
-                  </p:tgtEl>
-                </p:cond>
-              </p:nextCondLst>
-            </p:seq>
-          </p:childTnLst>
-        </p:cTn>
-      </p:par>
-    </p:tnLst>
-  </p:timing>
-</p:sld>
-</file>
-
-<file path=ppt/slides/slide27.xml><?xml version="1.0" encoding="utf-8"?>
-<p:sld xmlns:a="http://schemas.openxmlformats.org/drawingml/2006/main" xmlns:r="http://schemas.openxmlformats.org/officeDocument/2006/relationships" xmlns:p="http://schemas.openxmlformats.org/presentationml/2006/main">
-  <p:cSld>
-    <p:spTree>
-      <p:nvGrpSpPr>
-        <p:cNvPr id="1" name=""/>
-        <p:cNvGrpSpPr/>
-        <p:nvPr/>
-      </p:nvGrpSpPr>
-      <p:grpSpPr>
-        <a:xfrm>
-          <a:off x="0" y="0"/>
-          <a:ext cx="0" cy="0"/>
-          <a:chOff x="0" y="0"/>
-          <a:chExt cx="0" cy="0"/>
-        </a:xfrm>
-      </p:grpSpPr>
-      <p:sp>
-        <p:nvSpPr>
-          <p:cNvPr id="4" name="Title 3"/>
-          <p:cNvSpPr>
-            <a:spLocks noGrp="1"/>
-          </p:cNvSpPr>
-          <p:nvPr>
-            <p:ph type="title"/>
-          </p:nvPr>
-        </p:nvSpPr>
-        <p:spPr/>
-        <p:txBody>
-          <a:bodyPr/>
-          <a:lstStyle/>
-          <a:p>
-            <a:r>
-              <a:rPr lang="en-US" dirty="0" smtClean="0"/>
-              <a:t>Jinja templates</a:t>
-            </a:r>
-            <a:endParaRPr lang="en-US" dirty="0"/>
-          </a:p>
-        </p:txBody>
-      </p:sp>
-    </p:spTree>
-    <p:extLst>
-      <p:ext uri="{BB962C8B-B14F-4D97-AF65-F5344CB8AC3E}">
-        <p14:creationId xmlns:p14="http://schemas.microsoft.com/office/powerpoint/2010/main" val="429590308"/>
-      </p:ext>
-    </p:extLst>
-  </p:cSld>
-  <p:clrMapOvr>
-    <a:masterClrMapping/>
-  </p:clrMapOvr>
-  <p:timing>
-    <p:tnLst>
-      <p:par>
-        <p:cTn id="1" dur="indefinite" restart="never" nodeType="tmRoot"/>
-      </p:par>
-    </p:tnLst>
-  </p:timing>
-</p:sld>
-</file>
-
-<file path=ppt/slides/slide28.xml><?xml version="1.0" encoding="utf-8"?>
-<p:sld xmlns:a="http://schemas.openxmlformats.org/drawingml/2006/main" xmlns:r="http://schemas.openxmlformats.org/officeDocument/2006/relationships" xmlns:p="http://schemas.openxmlformats.org/presentationml/2006/main">
-  <p:cSld>
-    <p:spTree>
-      <p:nvGrpSpPr>
-        <p:cNvPr id="1" name=""/>
-        <p:cNvGrpSpPr/>
-        <p:nvPr/>
-      </p:nvGrpSpPr>
-      <p:grpSpPr>
-        <a:xfrm>
-          <a:off x="0" y="0"/>
-          <a:ext cx="0" cy="0"/>
-          <a:chOff x="0" y="0"/>
-          <a:chExt cx="0" cy="0"/>
-        </a:xfrm>
-      </p:grpSpPr>
-      <p:sp>
-        <p:nvSpPr>
-          <p:cNvPr id="3" name="Title 2"/>
-          <p:cNvSpPr>
-            <a:spLocks noGrp="1"/>
-          </p:cNvSpPr>
-          <p:nvPr>
-            <p:ph type="title"/>
-          </p:nvPr>
-        </p:nvSpPr>
-        <p:spPr/>
-        <p:txBody>
-          <a:bodyPr/>
-          <a:lstStyle/>
-          <a:p>
-            <a:r>
-              <a:rPr lang="en-US" dirty="0" smtClean="0"/>
-              <a:t>Template inheritance</a:t>
-            </a:r>
-            <a:endParaRPr lang="en-US" dirty="0"/>
-          </a:p>
-        </p:txBody>
-      </p:sp>
-      <p:sp>
-        <p:nvSpPr>
-          <p:cNvPr id="4" name="Content Placeholder 3"/>
-          <p:cNvSpPr>
-            <a:spLocks noGrp="1"/>
-          </p:cNvSpPr>
-          <p:nvPr>
-            <p:ph sz="quarter" idx="10"/>
-          </p:nvPr>
-        </p:nvSpPr>
-        <p:spPr/>
-        <p:txBody>
-          <a:bodyPr/>
-          <a:lstStyle/>
-          <a:p>
-            <a:r>
-              <a:rPr lang="en-US" dirty="0" smtClean="0"/>
-              <a:t>A consistent UI is key to a successful website</a:t>
-            </a:r>
-          </a:p>
-          <a:p>
-            <a:r>
-              <a:rPr lang="en-US" dirty="0" smtClean="0"/>
-              <a:t>Template inheritance allows layouts</a:t>
-            </a:r>
-          </a:p>
-        </p:txBody>
-      </p:sp>
-    </p:spTree>
-    <p:extLst>
-      <p:ext uri="{BB962C8B-B14F-4D97-AF65-F5344CB8AC3E}">
-        <p14:creationId xmlns:p14="http://schemas.microsoft.com/office/powerpoint/2010/main" val="120666145"/>
-      </p:ext>
-    </p:extLst>
-  </p:cSld>
-  <p:clrMapOvr>
-    <a:masterClrMapping/>
-  </p:clrMapOvr>
-  <p:timing>
-    <p:tnLst>
-      <p:par>
-        <p:cTn id="1" dur="indefinite" restart="never" nodeType="tmRoot"/>
-      </p:par>
-    </p:tnLst>
-  </p:timing>
-</p:sld>
-</file>
-
-<file path=ppt/slides/slide29.xml><?xml version="1.0" encoding="utf-8"?>
-<p:sld xmlns:a="http://schemas.openxmlformats.org/drawingml/2006/main" xmlns:r="http://schemas.openxmlformats.org/officeDocument/2006/relationships" xmlns:p="http://schemas.openxmlformats.org/presentationml/2006/main">
-  <p:cSld>
-    <p:spTree>
-      <p:nvGrpSpPr>
-        <p:cNvPr id="1" name=""/>
-        <p:cNvGrpSpPr/>
-        <p:nvPr/>
-      </p:nvGrpSpPr>
-      <p:grpSpPr>
-        <a:xfrm>
-          <a:off x="0" y="0"/>
-          <a:ext cx="0" cy="0"/>
-          <a:chOff x="0" y="0"/>
-          <a:chExt cx="0" cy="0"/>
-        </a:xfrm>
-      </p:grpSpPr>
-      <p:sp>
-        <p:nvSpPr>
-          <p:cNvPr id="2" name="Title 1"/>
-          <p:cNvSpPr>
-            <a:spLocks noGrp="1"/>
-          </p:cNvSpPr>
-          <p:nvPr>
-            <p:ph type="title"/>
-          </p:nvPr>
-        </p:nvSpPr>
-        <p:spPr/>
-        <p:txBody>
-          <a:bodyPr/>
-          <a:lstStyle/>
-          <a:p>
-            <a:r>
-              <a:rPr lang="en-US" dirty="0" smtClean="0"/>
-              <a:t>Base template</a:t>
-            </a:r>
-            <a:endParaRPr lang="en-US" dirty="0"/>
-          </a:p>
-        </p:txBody>
-      </p:sp>
-      <p:sp>
-        <p:nvSpPr>
-          <p:cNvPr id="3" name="Content Placeholder 2"/>
-          <p:cNvSpPr>
-            <a:spLocks noGrp="1"/>
-          </p:cNvSpPr>
-          <p:nvPr>
-            <p:ph sz="quarter" idx="10"/>
-          </p:nvPr>
-        </p:nvSpPr>
-        <p:spPr/>
-        <p:txBody>
-          <a:bodyPr/>
-          <a:lstStyle/>
-          <a:p>
-            <a:r>
-              <a:rPr lang="en-US" dirty="0" smtClean="0"/>
-              <a:t>Contains placeholder for blocks</a:t>
-            </a:r>
-          </a:p>
-          <a:p>
-            <a:r>
-              <a:rPr lang="en-US" dirty="0" smtClean="0"/>
-              <a:t>Blocks can be overridden by child templates</a:t>
-            </a:r>
-            <a:endParaRPr lang="en-US" dirty="0"/>
-          </a:p>
-        </p:txBody>
-      </p:sp>
-      <p:sp>
-        <p:nvSpPr>
-          <p:cNvPr id="4" name="Rounded Rectangle 3"/>
-          <p:cNvSpPr/>
-          <p:nvPr/>
-        </p:nvSpPr>
-        <p:spPr>
-          <a:xfrm>
-            <a:off x="1865014" y="3503691"/>
-            <a:ext cx="9895437" cy="3159659"/>
-          </a:xfrm>
-          <a:prstGeom prst="roundRect">
-            <a:avLst>
-              <a:gd name="adj" fmla="val 7498"/>
-            </a:avLst>
-          </a:prstGeom>
-        </p:spPr>
-        <p:style>
-          <a:lnRef idx="1">
-            <a:schemeClr val="accent1"/>
-          </a:lnRef>
-          <a:fillRef idx="2">
-            <a:schemeClr val="accent1"/>
-          </a:fillRef>
-          <a:effectRef idx="1">
-            <a:schemeClr val="accent1"/>
-          </a:effectRef>
-          <a:fontRef idx="minor">
-            <a:schemeClr val="dk1"/>
-          </a:fontRef>
-        </p:style>
-        <p:txBody>
-          <a:bodyPr rtlCol="0" anchor="ctr"/>
-          <a:lstStyle/>
-          <a:p>
-            <a:r>
-              <a:rPr lang="en-US" sz="2000" dirty="0">
-                <a:latin typeface="Consolas" panose="020B0609020204030204" pitchFamily="49" charset="0"/>
-                <a:cs typeface="Consolas" panose="020B0609020204030204" pitchFamily="49" charset="0"/>
-              </a:rPr>
-              <a:t>&lt;</a:t>
-            </a:r>
-            <a:r>
-              <a:rPr lang="en-US" sz="2000" dirty="0" smtClean="0">
-                <a:latin typeface="Consolas" panose="020B0609020204030204" pitchFamily="49" charset="0"/>
-                <a:cs typeface="Consolas" panose="020B0609020204030204" pitchFamily="49" charset="0"/>
-              </a:rPr>
-              <a:t>html&gt;</a:t>
-            </a:r>
-            <a:endParaRPr lang="en-US" sz="2000" dirty="0">
-              <a:latin typeface="Consolas" panose="020B0609020204030204" pitchFamily="49" charset="0"/>
-              <a:cs typeface="Consolas" panose="020B0609020204030204" pitchFamily="49" charset="0"/>
-            </a:endParaRPr>
-          </a:p>
-          <a:p>
-            <a:r>
-              <a:rPr lang="en-US" sz="2000" dirty="0" smtClean="0">
-                <a:latin typeface="Consolas" panose="020B0609020204030204" pitchFamily="49" charset="0"/>
-                <a:cs typeface="Consolas" panose="020B0609020204030204" pitchFamily="49" charset="0"/>
-              </a:rPr>
-              <a:t>   &lt;</a:t>
-            </a:r>
-            <a:r>
-              <a:rPr lang="en-US" sz="2000" dirty="0">
-                <a:latin typeface="Consolas" panose="020B0609020204030204" pitchFamily="49" charset="0"/>
-                <a:cs typeface="Consolas" panose="020B0609020204030204" pitchFamily="49" charset="0"/>
-              </a:rPr>
-              <a:t>head&gt;</a:t>
-            </a:r>
-          </a:p>
-          <a:p>
-            <a:r>
-              <a:rPr lang="en-US" sz="2000" dirty="0" smtClean="0">
-                <a:latin typeface="Consolas" panose="020B0609020204030204" pitchFamily="49" charset="0"/>
-                <a:cs typeface="Consolas" panose="020B0609020204030204" pitchFamily="49" charset="0"/>
-              </a:rPr>
-              <a:t>      &lt;</a:t>
-            </a:r>
-            <a:r>
-              <a:rPr lang="en-US" sz="2000" dirty="0">
-                <a:latin typeface="Consolas" panose="020B0609020204030204" pitchFamily="49" charset="0"/>
-                <a:cs typeface="Consolas" panose="020B0609020204030204" pitchFamily="49" charset="0"/>
-              </a:rPr>
-              <a:t>title&gt;{% block title %}{% </a:t>
-            </a:r>
-            <a:r>
-              <a:rPr lang="en-US" sz="2000" dirty="0" err="1">
-                <a:latin typeface="Consolas" panose="020B0609020204030204" pitchFamily="49" charset="0"/>
-                <a:cs typeface="Consolas" panose="020B0609020204030204" pitchFamily="49" charset="0"/>
-              </a:rPr>
-              <a:t>endblock</a:t>
-            </a:r>
-            <a:r>
-              <a:rPr lang="en-US" sz="2000" dirty="0">
-                <a:latin typeface="Consolas" panose="020B0609020204030204" pitchFamily="49" charset="0"/>
-                <a:cs typeface="Consolas" panose="020B0609020204030204" pitchFamily="49" charset="0"/>
-              </a:rPr>
-              <a:t> %} - </a:t>
-            </a:r>
-            <a:r>
-              <a:rPr lang="en-US" sz="2000" dirty="0" err="1" smtClean="0">
-                <a:latin typeface="Consolas" panose="020B0609020204030204" pitchFamily="49" charset="0"/>
-                <a:cs typeface="Consolas" panose="020B0609020204030204" pitchFamily="49" charset="0"/>
-              </a:rPr>
-              <a:t>AventureWorks</a:t>
-            </a:r>
-            <a:r>
-              <a:rPr lang="en-US" sz="2000" dirty="0" smtClean="0">
-                <a:latin typeface="Consolas" panose="020B0609020204030204" pitchFamily="49" charset="0"/>
-                <a:cs typeface="Consolas" panose="020B0609020204030204" pitchFamily="49" charset="0"/>
-              </a:rPr>
-              <a:t>&lt;/</a:t>
-            </a:r>
-            <a:r>
-              <a:rPr lang="en-US" sz="2000" dirty="0">
-                <a:latin typeface="Consolas" panose="020B0609020204030204" pitchFamily="49" charset="0"/>
-                <a:cs typeface="Consolas" panose="020B0609020204030204" pitchFamily="49" charset="0"/>
-              </a:rPr>
-              <a:t>title&gt;</a:t>
-            </a:r>
-          </a:p>
-          <a:p>
-            <a:r>
-              <a:rPr lang="en-US" sz="2000" dirty="0" smtClean="0">
-                <a:latin typeface="Consolas" panose="020B0609020204030204" pitchFamily="49" charset="0"/>
-                <a:cs typeface="Consolas" panose="020B0609020204030204" pitchFamily="49" charset="0"/>
-              </a:rPr>
-              <a:t>   &lt;/</a:t>
-            </a:r>
-            <a:r>
-              <a:rPr lang="en-US" sz="2000" dirty="0">
-                <a:latin typeface="Consolas" panose="020B0609020204030204" pitchFamily="49" charset="0"/>
-                <a:cs typeface="Consolas" panose="020B0609020204030204" pitchFamily="49" charset="0"/>
-              </a:rPr>
-              <a:t>head&gt;</a:t>
-            </a:r>
-          </a:p>
-          <a:p>
-            <a:r>
-              <a:rPr lang="en-US" sz="2000" dirty="0" smtClean="0">
-                <a:latin typeface="Consolas" panose="020B0609020204030204" pitchFamily="49" charset="0"/>
-                <a:cs typeface="Consolas" panose="020B0609020204030204" pitchFamily="49" charset="0"/>
-              </a:rPr>
-              <a:t>   &lt;</a:t>
-            </a:r>
-            <a:r>
-              <a:rPr lang="en-US" sz="2000" dirty="0">
-                <a:latin typeface="Consolas" panose="020B0609020204030204" pitchFamily="49" charset="0"/>
-                <a:cs typeface="Consolas" panose="020B0609020204030204" pitchFamily="49" charset="0"/>
-              </a:rPr>
-              <a:t>body&gt;</a:t>
-            </a:r>
-          </a:p>
-          <a:p>
-            <a:r>
-              <a:rPr lang="en-US" sz="2000" dirty="0" smtClean="0">
-                <a:latin typeface="Consolas" panose="020B0609020204030204" pitchFamily="49" charset="0"/>
-                <a:cs typeface="Consolas" panose="020B0609020204030204" pitchFamily="49" charset="0"/>
-              </a:rPr>
-              <a:t>      </a:t>
-            </a:r>
-            <a:r>
-              <a:rPr lang="en-US" sz="2000" dirty="0">
-                <a:latin typeface="Consolas" panose="020B0609020204030204" pitchFamily="49" charset="0"/>
-                <a:cs typeface="Consolas" panose="020B0609020204030204" pitchFamily="49" charset="0"/>
-              </a:rPr>
-              <a:t>&lt;div id="content</a:t>
-            </a:r>
-            <a:r>
-              <a:rPr lang="en-US" sz="2000" dirty="0" smtClean="0">
-                <a:latin typeface="Consolas" panose="020B0609020204030204" pitchFamily="49" charset="0"/>
-                <a:cs typeface="Consolas" panose="020B0609020204030204" pitchFamily="49" charset="0"/>
-              </a:rPr>
-              <a:t>"&gt;</a:t>
-            </a:r>
-          </a:p>
-          <a:p>
-            <a:r>
-              <a:rPr lang="en-US" sz="2000" dirty="0">
-                <a:latin typeface="Consolas" panose="020B0609020204030204" pitchFamily="49" charset="0"/>
-                <a:cs typeface="Consolas" panose="020B0609020204030204" pitchFamily="49" charset="0"/>
-              </a:rPr>
-              <a:t> </a:t>
-            </a:r>
-            <a:r>
-              <a:rPr lang="en-US" sz="2000" dirty="0" smtClean="0">
-                <a:latin typeface="Consolas" panose="020B0609020204030204" pitchFamily="49" charset="0"/>
-                <a:cs typeface="Consolas" panose="020B0609020204030204" pitchFamily="49" charset="0"/>
-              </a:rPr>
-              <a:t>        {% </a:t>
-            </a:r>
-            <a:r>
-              <a:rPr lang="en-US" sz="2000" dirty="0">
-                <a:latin typeface="Consolas" panose="020B0609020204030204" pitchFamily="49" charset="0"/>
-                <a:cs typeface="Consolas" panose="020B0609020204030204" pitchFamily="49" charset="0"/>
-              </a:rPr>
-              <a:t>block content %}{% </a:t>
-            </a:r>
-            <a:r>
-              <a:rPr lang="en-US" sz="2000" dirty="0" err="1">
-                <a:latin typeface="Consolas" panose="020B0609020204030204" pitchFamily="49" charset="0"/>
-                <a:cs typeface="Consolas" panose="020B0609020204030204" pitchFamily="49" charset="0"/>
-              </a:rPr>
-              <a:t>endblock</a:t>
-            </a:r>
-            <a:r>
-              <a:rPr lang="en-US" sz="2000" dirty="0">
-                <a:latin typeface="Consolas" panose="020B0609020204030204" pitchFamily="49" charset="0"/>
-                <a:cs typeface="Consolas" panose="020B0609020204030204" pitchFamily="49" charset="0"/>
-              </a:rPr>
-              <a:t> </a:t>
-            </a:r>
-            <a:r>
-              <a:rPr lang="en-US" sz="2000" dirty="0" smtClean="0">
-                <a:latin typeface="Consolas" panose="020B0609020204030204" pitchFamily="49" charset="0"/>
-                <a:cs typeface="Consolas" panose="020B0609020204030204" pitchFamily="49" charset="0"/>
-              </a:rPr>
-              <a:t>%}</a:t>
-            </a:r>
-          </a:p>
-          <a:p>
-            <a:r>
-              <a:rPr lang="en-US" sz="2000" dirty="0" smtClean="0">
-                <a:latin typeface="Consolas" panose="020B0609020204030204" pitchFamily="49" charset="0"/>
-                <a:cs typeface="Consolas" panose="020B0609020204030204" pitchFamily="49" charset="0"/>
-              </a:rPr>
-              <a:t>      &lt;/</a:t>
-            </a:r>
-            <a:r>
-              <a:rPr lang="en-US" sz="2000" dirty="0">
-                <a:latin typeface="Consolas" panose="020B0609020204030204" pitchFamily="49" charset="0"/>
-                <a:cs typeface="Consolas" panose="020B0609020204030204" pitchFamily="49" charset="0"/>
-              </a:rPr>
-              <a:t>div&gt;</a:t>
-            </a:r>
-          </a:p>
-          <a:p>
-            <a:r>
-              <a:rPr lang="en-US" sz="2000" dirty="0" smtClean="0">
-                <a:latin typeface="Consolas" panose="020B0609020204030204" pitchFamily="49" charset="0"/>
-                <a:cs typeface="Consolas" panose="020B0609020204030204" pitchFamily="49" charset="0"/>
-              </a:rPr>
-              <a:t>   &lt;/</a:t>
-            </a:r>
-            <a:r>
-              <a:rPr lang="en-US" sz="2000" dirty="0">
-                <a:latin typeface="Consolas" panose="020B0609020204030204" pitchFamily="49" charset="0"/>
-                <a:cs typeface="Consolas" panose="020B0609020204030204" pitchFamily="49" charset="0"/>
-              </a:rPr>
-              <a:t>body</a:t>
-            </a:r>
-            <a:r>
-              <a:rPr lang="en-US" sz="2000" dirty="0" smtClean="0">
-                <a:latin typeface="Consolas" panose="020B0609020204030204" pitchFamily="49" charset="0"/>
-                <a:cs typeface="Consolas" panose="020B0609020204030204" pitchFamily="49" charset="0"/>
-              </a:rPr>
-              <a:t>&gt;</a:t>
-            </a:r>
-          </a:p>
-          <a:p>
-            <a:r>
-              <a:rPr lang="en-US" sz="2000" dirty="0" smtClean="0">
-                <a:latin typeface="Consolas" panose="020B0609020204030204" pitchFamily="49" charset="0"/>
-                <a:cs typeface="Consolas" panose="020B0609020204030204" pitchFamily="49" charset="0"/>
-              </a:rPr>
-              <a:t>&lt;/html&gt;</a:t>
-            </a:r>
-            <a:endParaRPr lang="en-US" sz="2000" dirty="0">
-              <a:latin typeface="Consolas" panose="020B0609020204030204" pitchFamily="49" charset="0"/>
-              <a:cs typeface="Consolas" panose="020B0609020204030204" pitchFamily="49" charset="0"/>
-            </a:endParaRPr>
-          </a:p>
-        </p:txBody>
-      </p:sp>
-    </p:spTree>
-    <p:extLst>
-      <p:ext uri="{BB962C8B-B14F-4D97-AF65-F5344CB8AC3E}">
-        <p14:creationId xmlns:p14="http://schemas.microsoft.com/office/powerpoint/2010/main" val="3586703421"/>
       </p:ext>
     </p:extLst>
   </p:cSld>
@@ -8486,1221 +4115,6 @@
     <p:extLst>
       <p:ext uri="{BB962C8B-B14F-4D97-AF65-F5344CB8AC3E}">
         <p14:creationId xmlns:p14="http://schemas.microsoft.com/office/powerpoint/2010/main" val="1463761674"/>
-      </p:ext>
-    </p:extLst>
-  </p:cSld>
-  <p:clrMapOvr>
-    <a:masterClrMapping/>
-  </p:clrMapOvr>
-  <p:timing>
-    <p:tnLst>
-      <p:par>
-        <p:cTn id="1" dur="indefinite" restart="never" nodeType="tmRoot"/>
-      </p:par>
-    </p:tnLst>
-  </p:timing>
-</p:sld>
-</file>
-
-<file path=ppt/slides/slide30.xml><?xml version="1.0" encoding="utf-8"?>
-<p:sld xmlns:a="http://schemas.openxmlformats.org/drawingml/2006/main" xmlns:r="http://schemas.openxmlformats.org/officeDocument/2006/relationships" xmlns:p="http://schemas.openxmlformats.org/presentationml/2006/main">
-  <p:cSld>
-    <p:spTree>
-      <p:nvGrpSpPr>
-        <p:cNvPr id="1" name=""/>
-        <p:cNvGrpSpPr/>
-        <p:nvPr/>
-      </p:nvGrpSpPr>
-      <p:grpSpPr>
-        <a:xfrm>
-          <a:off x="0" y="0"/>
-          <a:ext cx="0" cy="0"/>
-          <a:chOff x="0" y="0"/>
-          <a:chExt cx="0" cy="0"/>
-        </a:xfrm>
-      </p:grpSpPr>
-      <p:sp>
-        <p:nvSpPr>
-          <p:cNvPr id="2" name="Title 1"/>
-          <p:cNvSpPr>
-            <a:spLocks noGrp="1"/>
-          </p:cNvSpPr>
-          <p:nvPr>
-            <p:ph type="title"/>
-          </p:nvPr>
-        </p:nvSpPr>
-        <p:spPr/>
-        <p:txBody>
-          <a:bodyPr/>
-          <a:lstStyle/>
-          <a:p>
-            <a:r>
-              <a:rPr lang="en-US" dirty="0" smtClean="0"/>
-              <a:t>Child template</a:t>
-            </a:r>
-            <a:endParaRPr lang="en-US" dirty="0"/>
-          </a:p>
-        </p:txBody>
-      </p:sp>
-      <p:sp>
-        <p:nvSpPr>
-          <p:cNvPr id="3" name="Content Placeholder 2"/>
-          <p:cNvSpPr>
-            <a:spLocks noGrp="1"/>
-          </p:cNvSpPr>
-          <p:nvPr>
-            <p:ph sz="quarter" idx="10"/>
-          </p:nvPr>
-        </p:nvSpPr>
-        <p:spPr/>
-        <p:txBody>
-          <a:bodyPr/>
-          <a:lstStyle/>
-          <a:p>
-            <a:r>
-              <a:rPr lang="en-US" dirty="0" smtClean="0"/>
-              <a:t>Uses a base template</a:t>
-            </a:r>
-          </a:p>
-          <a:p>
-            <a:r>
-              <a:rPr lang="en-US" dirty="0" smtClean="0"/>
-              <a:t>Provides content for blocks</a:t>
-            </a:r>
-            <a:endParaRPr lang="en-US" dirty="0"/>
-          </a:p>
-        </p:txBody>
-      </p:sp>
-      <p:sp>
-        <p:nvSpPr>
-          <p:cNvPr id="4" name="Rounded Rectangle 3"/>
-          <p:cNvSpPr/>
-          <p:nvPr/>
-        </p:nvSpPr>
-        <p:spPr>
-          <a:xfrm>
-            <a:off x="3639493" y="3232087"/>
-            <a:ext cx="6871580" cy="2942376"/>
-          </a:xfrm>
-          <a:prstGeom prst="roundRect">
-            <a:avLst/>
-          </a:prstGeom>
-        </p:spPr>
-        <p:style>
-          <a:lnRef idx="1">
-            <a:schemeClr val="accent3"/>
-          </a:lnRef>
-          <a:fillRef idx="2">
-            <a:schemeClr val="accent3"/>
-          </a:fillRef>
-          <a:effectRef idx="1">
-            <a:schemeClr val="accent3"/>
-          </a:effectRef>
-          <a:fontRef idx="minor">
-            <a:schemeClr val="dk1"/>
-          </a:fontRef>
-        </p:style>
-        <p:txBody>
-          <a:bodyPr rtlCol="0" anchor="ctr"/>
-          <a:lstStyle/>
-          <a:p>
-            <a:r>
-              <a:rPr lang="en-US" sz="2400" dirty="0">
-                <a:latin typeface="Consolas" panose="020B0609020204030204" pitchFamily="49" charset="0"/>
-                <a:cs typeface="Consolas" panose="020B0609020204030204" pitchFamily="49" charset="0"/>
-              </a:rPr>
-              <a:t>{% extends "base.html" </a:t>
-            </a:r>
-            <a:r>
-              <a:rPr lang="en-US" sz="2400" dirty="0" smtClean="0">
-                <a:latin typeface="Consolas" panose="020B0609020204030204" pitchFamily="49" charset="0"/>
-                <a:cs typeface="Consolas" panose="020B0609020204030204" pitchFamily="49" charset="0"/>
-              </a:rPr>
-              <a:t>%}</a:t>
-            </a:r>
-          </a:p>
-          <a:p>
-            <a:endParaRPr lang="en-US" sz="2400" dirty="0" smtClean="0">
-              <a:latin typeface="Consolas" panose="020B0609020204030204" pitchFamily="49" charset="0"/>
-              <a:cs typeface="Consolas" panose="020B0609020204030204" pitchFamily="49" charset="0"/>
-            </a:endParaRPr>
-          </a:p>
-          <a:p>
-            <a:r>
-              <a:rPr lang="en-US" sz="2400" dirty="0" smtClean="0">
-                <a:latin typeface="Consolas" panose="020B0609020204030204" pitchFamily="49" charset="0"/>
-                <a:cs typeface="Consolas" panose="020B0609020204030204" pitchFamily="49" charset="0"/>
-              </a:rPr>
-              <a:t>{% </a:t>
-            </a:r>
-            <a:r>
-              <a:rPr lang="en-US" sz="2400" dirty="0">
-                <a:latin typeface="Consolas" panose="020B0609020204030204" pitchFamily="49" charset="0"/>
-                <a:cs typeface="Consolas" panose="020B0609020204030204" pitchFamily="49" charset="0"/>
-              </a:rPr>
-              <a:t>block title </a:t>
-            </a:r>
-            <a:r>
-              <a:rPr lang="en-US" sz="2400" dirty="0" smtClean="0">
-                <a:latin typeface="Consolas" panose="020B0609020204030204" pitchFamily="49" charset="0"/>
-                <a:cs typeface="Consolas" panose="020B0609020204030204" pitchFamily="49" charset="0"/>
-              </a:rPr>
-              <a:t>%}Home{% </a:t>
-            </a:r>
-            <a:r>
-              <a:rPr lang="en-US" sz="2400" dirty="0" err="1">
-                <a:latin typeface="Consolas" panose="020B0609020204030204" pitchFamily="49" charset="0"/>
-                <a:cs typeface="Consolas" panose="020B0609020204030204" pitchFamily="49" charset="0"/>
-              </a:rPr>
-              <a:t>endblock</a:t>
-            </a:r>
-            <a:r>
-              <a:rPr lang="en-US" sz="2400" dirty="0">
-                <a:latin typeface="Consolas" panose="020B0609020204030204" pitchFamily="49" charset="0"/>
-                <a:cs typeface="Consolas" panose="020B0609020204030204" pitchFamily="49" charset="0"/>
-              </a:rPr>
-              <a:t> </a:t>
-            </a:r>
-            <a:r>
-              <a:rPr lang="en-US" sz="2400" dirty="0" smtClean="0">
-                <a:latin typeface="Consolas" panose="020B0609020204030204" pitchFamily="49" charset="0"/>
-                <a:cs typeface="Consolas" panose="020B0609020204030204" pitchFamily="49" charset="0"/>
-              </a:rPr>
-              <a:t>%}</a:t>
-            </a:r>
-          </a:p>
-          <a:p>
-            <a:endParaRPr lang="en-US" sz="2400" dirty="0">
-              <a:latin typeface="Consolas" panose="020B0609020204030204" pitchFamily="49" charset="0"/>
-              <a:cs typeface="Consolas" panose="020B0609020204030204" pitchFamily="49" charset="0"/>
-            </a:endParaRPr>
-          </a:p>
-          <a:p>
-            <a:r>
-              <a:rPr lang="en-US" sz="2400" dirty="0" smtClean="0">
-                <a:latin typeface="Consolas" panose="020B0609020204030204" pitchFamily="49" charset="0"/>
-                <a:cs typeface="Consolas" panose="020B0609020204030204" pitchFamily="49" charset="0"/>
-              </a:rPr>
-              <a:t>{% block content %}</a:t>
-            </a:r>
-          </a:p>
-          <a:p>
-            <a:r>
-              <a:rPr lang="en-US" sz="2400" dirty="0" smtClean="0">
-                <a:latin typeface="Consolas" panose="020B0609020204030204" pitchFamily="49" charset="0"/>
-                <a:cs typeface="Consolas" panose="020B0609020204030204" pitchFamily="49" charset="0"/>
-              </a:rPr>
-              <a:t>   Hello, template!!</a:t>
-            </a:r>
-            <a:endParaRPr lang="en-US" sz="2400" dirty="0">
-              <a:latin typeface="Consolas" panose="020B0609020204030204" pitchFamily="49" charset="0"/>
-              <a:cs typeface="Consolas" panose="020B0609020204030204" pitchFamily="49" charset="0"/>
-            </a:endParaRPr>
-          </a:p>
-          <a:p>
-            <a:r>
-              <a:rPr lang="en-US" sz="2400" dirty="0" smtClean="0">
-                <a:latin typeface="Consolas" panose="020B0609020204030204" pitchFamily="49" charset="0"/>
-                <a:cs typeface="Consolas" panose="020B0609020204030204" pitchFamily="49" charset="0"/>
-              </a:rPr>
-              <a:t>{% </a:t>
-            </a:r>
-            <a:r>
-              <a:rPr lang="en-US" sz="2400" dirty="0" err="1" smtClean="0">
-                <a:latin typeface="Consolas" panose="020B0609020204030204" pitchFamily="49" charset="0"/>
-                <a:cs typeface="Consolas" panose="020B0609020204030204" pitchFamily="49" charset="0"/>
-              </a:rPr>
-              <a:t>endblock</a:t>
-            </a:r>
-            <a:r>
-              <a:rPr lang="en-US" sz="2400" dirty="0" smtClean="0">
-                <a:latin typeface="Consolas" panose="020B0609020204030204" pitchFamily="49" charset="0"/>
-                <a:cs typeface="Consolas" panose="020B0609020204030204" pitchFamily="49" charset="0"/>
-              </a:rPr>
-              <a:t> %}</a:t>
-            </a:r>
-            <a:endParaRPr lang="en-US" sz="2400" dirty="0">
-              <a:latin typeface="Consolas" panose="020B0609020204030204" pitchFamily="49" charset="0"/>
-              <a:cs typeface="Consolas" panose="020B0609020204030204" pitchFamily="49" charset="0"/>
-            </a:endParaRPr>
-          </a:p>
-        </p:txBody>
-      </p:sp>
-    </p:spTree>
-    <p:extLst>
-      <p:ext uri="{BB962C8B-B14F-4D97-AF65-F5344CB8AC3E}">
-        <p14:creationId xmlns:p14="http://schemas.microsoft.com/office/powerpoint/2010/main" val="4078015715"/>
-      </p:ext>
-    </p:extLst>
-  </p:cSld>
-  <p:clrMapOvr>
-    <a:masterClrMapping/>
-  </p:clrMapOvr>
-  <p:timing>
-    <p:tnLst>
-      <p:par>
-        <p:cTn id="1" dur="indefinite" restart="never" nodeType="tmRoot"/>
-      </p:par>
-    </p:tnLst>
-  </p:timing>
-</p:sld>
-</file>
-
-<file path=ppt/slides/slide31.xml><?xml version="1.0" encoding="utf-8"?>
-<p:sld xmlns:a="http://schemas.openxmlformats.org/drawingml/2006/main" xmlns:r="http://schemas.openxmlformats.org/officeDocument/2006/relationships" xmlns:p="http://schemas.openxmlformats.org/presentationml/2006/main">
-  <p:cSld>
-    <p:spTree>
-      <p:nvGrpSpPr>
-        <p:cNvPr id="1" name=""/>
-        <p:cNvGrpSpPr/>
-        <p:nvPr/>
-      </p:nvGrpSpPr>
-      <p:grpSpPr>
-        <a:xfrm>
-          <a:off x="0" y="0"/>
-          <a:ext cx="0" cy="0"/>
-          <a:chOff x="0" y="0"/>
-          <a:chExt cx="0" cy="0"/>
-        </a:xfrm>
-      </p:grpSpPr>
-      <p:sp>
-        <p:nvSpPr>
-          <p:cNvPr id="2" name="Title 1"/>
-          <p:cNvSpPr>
-            <a:spLocks noGrp="1"/>
-          </p:cNvSpPr>
-          <p:nvPr>
-            <p:ph type="title"/>
-          </p:nvPr>
-        </p:nvSpPr>
-        <p:spPr/>
-        <p:txBody>
-          <a:bodyPr/>
-          <a:lstStyle/>
-          <a:p>
-            <a:r>
-              <a:rPr lang="en-US" dirty="0" smtClean="0"/>
-              <a:t>Bringing it all together</a:t>
-            </a:r>
-            <a:endParaRPr lang="en-US" dirty="0"/>
-          </a:p>
-        </p:txBody>
-      </p:sp>
-      <p:sp>
-        <p:nvSpPr>
-          <p:cNvPr id="4" name="Rounded Rectangle 3"/>
-          <p:cNvSpPr/>
-          <p:nvPr/>
-        </p:nvSpPr>
-        <p:spPr>
-          <a:xfrm>
-            <a:off x="2296563" y="713958"/>
-            <a:ext cx="9895437" cy="3159659"/>
-          </a:xfrm>
-          <a:prstGeom prst="roundRect">
-            <a:avLst>
-              <a:gd name="adj" fmla="val 7498"/>
-            </a:avLst>
-          </a:prstGeom>
-        </p:spPr>
-        <p:style>
-          <a:lnRef idx="1">
-            <a:schemeClr val="accent1"/>
-          </a:lnRef>
-          <a:fillRef idx="2">
-            <a:schemeClr val="accent1"/>
-          </a:fillRef>
-          <a:effectRef idx="1">
-            <a:schemeClr val="accent1"/>
-          </a:effectRef>
-          <a:fontRef idx="minor">
-            <a:schemeClr val="dk1"/>
-          </a:fontRef>
-        </p:style>
-        <p:txBody>
-          <a:bodyPr rtlCol="0" anchor="ctr"/>
-          <a:lstStyle/>
-          <a:p>
-            <a:r>
-              <a:rPr lang="en-US" sz="2000" dirty="0">
-                <a:latin typeface="Consolas" panose="020B0609020204030204" pitchFamily="49" charset="0"/>
-                <a:cs typeface="Consolas" panose="020B0609020204030204" pitchFamily="49" charset="0"/>
-              </a:rPr>
-              <a:t>&lt;</a:t>
-            </a:r>
-            <a:r>
-              <a:rPr lang="en-US" sz="2000" dirty="0" smtClean="0">
-                <a:latin typeface="Consolas" panose="020B0609020204030204" pitchFamily="49" charset="0"/>
-                <a:cs typeface="Consolas" panose="020B0609020204030204" pitchFamily="49" charset="0"/>
-              </a:rPr>
-              <a:t>html&gt;</a:t>
-            </a:r>
-            <a:endParaRPr lang="en-US" sz="2000" dirty="0">
-              <a:latin typeface="Consolas" panose="020B0609020204030204" pitchFamily="49" charset="0"/>
-              <a:cs typeface="Consolas" panose="020B0609020204030204" pitchFamily="49" charset="0"/>
-            </a:endParaRPr>
-          </a:p>
-          <a:p>
-            <a:r>
-              <a:rPr lang="en-US" sz="2000" dirty="0" smtClean="0">
-                <a:latin typeface="Consolas" panose="020B0609020204030204" pitchFamily="49" charset="0"/>
-                <a:cs typeface="Consolas" panose="020B0609020204030204" pitchFamily="49" charset="0"/>
-              </a:rPr>
-              <a:t>   &lt;</a:t>
-            </a:r>
-            <a:r>
-              <a:rPr lang="en-US" sz="2000" dirty="0">
-                <a:latin typeface="Consolas" panose="020B0609020204030204" pitchFamily="49" charset="0"/>
-                <a:cs typeface="Consolas" panose="020B0609020204030204" pitchFamily="49" charset="0"/>
-              </a:rPr>
-              <a:t>head&gt;</a:t>
-            </a:r>
-          </a:p>
-          <a:p>
-            <a:r>
-              <a:rPr lang="en-US" sz="2000" dirty="0" smtClean="0">
-                <a:latin typeface="Consolas" panose="020B0609020204030204" pitchFamily="49" charset="0"/>
-                <a:cs typeface="Consolas" panose="020B0609020204030204" pitchFamily="49" charset="0"/>
-              </a:rPr>
-              <a:t>      &lt;</a:t>
-            </a:r>
-            <a:r>
-              <a:rPr lang="en-US" sz="2000" dirty="0">
-                <a:latin typeface="Consolas" panose="020B0609020204030204" pitchFamily="49" charset="0"/>
-                <a:cs typeface="Consolas" panose="020B0609020204030204" pitchFamily="49" charset="0"/>
-              </a:rPr>
-              <a:t>title&gt;{% block title %}{% </a:t>
-            </a:r>
-            <a:r>
-              <a:rPr lang="en-US" sz="2000" dirty="0" err="1">
-                <a:latin typeface="Consolas" panose="020B0609020204030204" pitchFamily="49" charset="0"/>
-                <a:cs typeface="Consolas" panose="020B0609020204030204" pitchFamily="49" charset="0"/>
-              </a:rPr>
-              <a:t>endblock</a:t>
-            </a:r>
-            <a:r>
-              <a:rPr lang="en-US" sz="2000" dirty="0">
-                <a:latin typeface="Consolas" panose="020B0609020204030204" pitchFamily="49" charset="0"/>
-                <a:cs typeface="Consolas" panose="020B0609020204030204" pitchFamily="49" charset="0"/>
-              </a:rPr>
-              <a:t> %} - </a:t>
-            </a:r>
-            <a:r>
-              <a:rPr lang="en-US" sz="2000" dirty="0" err="1" smtClean="0">
-                <a:latin typeface="Consolas" panose="020B0609020204030204" pitchFamily="49" charset="0"/>
-                <a:cs typeface="Consolas" panose="020B0609020204030204" pitchFamily="49" charset="0"/>
-              </a:rPr>
-              <a:t>AventureWorks</a:t>
-            </a:r>
-            <a:r>
-              <a:rPr lang="en-US" sz="2000" dirty="0" smtClean="0">
-                <a:latin typeface="Consolas" panose="020B0609020204030204" pitchFamily="49" charset="0"/>
-                <a:cs typeface="Consolas" panose="020B0609020204030204" pitchFamily="49" charset="0"/>
-              </a:rPr>
-              <a:t>&lt;/</a:t>
-            </a:r>
-            <a:r>
-              <a:rPr lang="en-US" sz="2000" dirty="0">
-                <a:latin typeface="Consolas" panose="020B0609020204030204" pitchFamily="49" charset="0"/>
-                <a:cs typeface="Consolas" panose="020B0609020204030204" pitchFamily="49" charset="0"/>
-              </a:rPr>
-              <a:t>title&gt;</a:t>
-            </a:r>
-          </a:p>
-          <a:p>
-            <a:r>
-              <a:rPr lang="en-US" sz="2000" dirty="0" smtClean="0">
-                <a:latin typeface="Consolas" panose="020B0609020204030204" pitchFamily="49" charset="0"/>
-                <a:cs typeface="Consolas" panose="020B0609020204030204" pitchFamily="49" charset="0"/>
-              </a:rPr>
-              <a:t>   &lt;/</a:t>
-            </a:r>
-            <a:r>
-              <a:rPr lang="en-US" sz="2000" dirty="0">
-                <a:latin typeface="Consolas" panose="020B0609020204030204" pitchFamily="49" charset="0"/>
-                <a:cs typeface="Consolas" panose="020B0609020204030204" pitchFamily="49" charset="0"/>
-              </a:rPr>
-              <a:t>head&gt;</a:t>
-            </a:r>
-          </a:p>
-          <a:p>
-            <a:r>
-              <a:rPr lang="en-US" sz="2000" dirty="0" smtClean="0">
-                <a:latin typeface="Consolas" panose="020B0609020204030204" pitchFamily="49" charset="0"/>
-                <a:cs typeface="Consolas" panose="020B0609020204030204" pitchFamily="49" charset="0"/>
-              </a:rPr>
-              <a:t>   &lt;</a:t>
-            </a:r>
-            <a:r>
-              <a:rPr lang="en-US" sz="2000" dirty="0">
-                <a:latin typeface="Consolas" panose="020B0609020204030204" pitchFamily="49" charset="0"/>
-                <a:cs typeface="Consolas" panose="020B0609020204030204" pitchFamily="49" charset="0"/>
-              </a:rPr>
-              <a:t>body&gt;</a:t>
-            </a:r>
-          </a:p>
-          <a:p>
-            <a:r>
-              <a:rPr lang="en-US" sz="2000" dirty="0" smtClean="0">
-                <a:latin typeface="Consolas" panose="020B0609020204030204" pitchFamily="49" charset="0"/>
-                <a:cs typeface="Consolas" panose="020B0609020204030204" pitchFamily="49" charset="0"/>
-              </a:rPr>
-              <a:t>      </a:t>
-            </a:r>
-            <a:r>
-              <a:rPr lang="en-US" sz="2000" dirty="0">
-                <a:latin typeface="Consolas" panose="020B0609020204030204" pitchFamily="49" charset="0"/>
-                <a:cs typeface="Consolas" panose="020B0609020204030204" pitchFamily="49" charset="0"/>
-              </a:rPr>
-              <a:t>&lt;div id="content</a:t>
-            </a:r>
-            <a:r>
-              <a:rPr lang="en-US" sz="2000" dirty="0" smtClean="0">
-                <a:latin typeface="Consolas" panose="020B0609020204030204" pitchFamily="49" charset="0"/>
-                <a:cs typeface="Consolas" panose="020B0609020204030204" pitchFamily="49" charset="0"/>
-              </a:rPr>
-              <a:t>"&gt;</a:t>
-            </a:r>
-          </a:p>
-          <a:p>
-            <a:r>
-              <a:rPr lang="en-US" sz="2000" dirty="0">
-                <a:latin typeface="Consolas" panose="020B0609020204030204" pitchFamily="49" charset="0"/>
-                <a:cs typeface="Consolas" panose="020B0609020204030204" pitchFamily="49" charset="0"/>
-              </a:rPr>
-              <a:t> </a:t>
-            </a:r>
-            <a:r>
-              <a:rPr lang="en-US" sz="2000" dirty="0" smtClean="0">
-                <a:latin typeface="Consolas" panose="020B0609020204030204" pitchFamily="49" charset="0"/>
-                <a:cs typeface="Consolas" panose="020B0609020204030204" pitchFamily="49" charset="0"/>
-              </a:rPr>
-              <a:t>        {% </a:t>
-            </a:r>
-            <a:r>
-              <a:rPr lang="en-US" sz="2000" dirty="0">
-                <a:latin typeface="Consolas" panose="020B0609020204030204" pitchFamily="49" charset="0"/>
-                <a:cs typeface="Consolas" panose="020B0609020204030204" pitchFamily="49" charset="0"/>
-              </a:rPr>
-              <a:t>block content %}{% </a:t>
-            </a:r>
-            <a:r>
-              <a:rPr lang="en-US" sz="2000" dirty="0" err="1">
-                <a:latin typeface="Consolas" panose="020B0609020204030204" pitchFamily="49" charset="0"/>
-                <a:cs typeface="Consolas" panose="020B0609020204030204" pitchFamily="49" charset="0"/>
-              </a:rPr>
-              <a:t>endblock</a:t>
-            </a:r>
-            <a:r>
-              <a:rPr lang="en-US" sz="2000" dirty="0">
-                <a:latin typeface="Consolas" panose="020B0609020204030204" pitchFamily="49" charset="0"/>
-                <a:cs typeface="Consolas" panose="020B0609020204030204" pitchFamily="49" charset="0"/>
-              </a:rPr>
-              <a:t> </a:t>
-            </a:r>
-            <a:r>
-              <a:rPr lang="en-US" sz="2000" dirty="0" smtClean="0">
-                <a:latin typeface="Consolas" panose="020B0609020204030204" pitchFamily="49" charset="0"/>
-                <a:cs typeface="Consolas" panose="020B0609020204030204" pitchFamily="49" charset="0"/>
-              </a:rPr>
-              <a:t>%}</a:t>
-            </a:r>
-          </a:p>
-          <a:p>
-            <a:r>
-              <a:rPr lang="en-US" sz="2000" dirty="0" smtClean="0">
-                <a:latin typeface="Consolas" panose="020B0609020204030204" pitchFamily="49" charset="0"/>
-                <a:cs typeface="Consolas" panose="020B0609020204030204" pitchFamily="49" charset="0"/>
-              </a:rPr>
-              <a:t>      &lt;/</a:t>
-            </a:r>
-            <a:r>
-              <a:rPr lang="en-US" sz="2000" dirty="0">
-                <a:latin typeface="Consolas" panose="020B0609020204030204" pitchFamily="49" charset="0"/>
-                <a:cs typeface="Consolas" panose="020B0609020204030204" pitchFamily="49" charset="0"/>
-              </a:rPr>
-              <a:t>div&gt;</a:t>
-            </a:r>
-          </a:p>
-          <a:p>
-            <a:r>
-              <a:rPr lang="en-US" sz="2000" dirty="0" smtClean="0">
-                <a:latin typeface="Consolas" panose="020B0609020204030204" pitchFamily="49" charset="0"/>
-                <a:cs typeface="Consolas" panose="020B0609020204030204" pitchFamily="49" charset="0"/>
-              </a:rPr>
-              <a:t>   &lt;/</a:t>
-            </a:r>
-            <a:r>
-              <a:rPr lang="en-US" sz="2000" dirty="0">
-                <a:latin typeface="Consolas" panose="020B0609020204030204" pitchFamily="49" charset="0"/>
-                <a:cs typeface="Consolas" panose="020B0609020204030204" pitchFamily="49" charset="0"/>
-              </a:rPr>
-              <a:t>body</a:t>
-            </a:r>
-            <a:r>
-              <a:rPr lang="en-US" sz="2000" dirty="0" smtClean="0">
-                <a:latin typeface="Consolas" panose="020B0609020204030204" pitchFamily="49" charset="0"/>
-                <a:cs typeface="Consolas" panose="020B0609020204030204" pitchFamily="49" charset="0"/>
-              </a:rPr>
-              <a:t>&gt;</a:t>
-            </a:r>
-          </a:p>
-          <a:p>
-            <a:r>
-              <a:rPr lang="en-US" sz="2000" dirty="0" smtClean="0">
-                <a:latin typeface="Consolas" panose="020B0609020204030204" pitchFamily="49" charset="0"/>
-                <a:cs typeface="Consolas" panose="020B0609020204030204" pitchFamily="49" charset="0"/>
-              </a:rPr>
-              <a:t>&lt;/html&gt;</a:t>
-            </a:r>
-            <a:endParaRPr lang="en-US" sz="2000" dirty="0">
-              <a:latin typeface="Consolas" panose="020B0609020204030204" pitchFamily="49" charset="0"/>
-              <a:cs typeface="Consolas" panose="020B0609020204030204" pitchFamily="49" charset="0"/>
-            </a:endParaRPr>
-          </a:p>
-        </p:txBody>
-      </p:sp>
-      <p:sp>
-        <p:nvSpPr>
-          <p:cNvPr id="5" name="Rounded Rectangle 4"/>
-          <p:cNvSpPr/>
-          <p:nvPr/>
-        </p:nvSpPr>
-        <p:spPr>
-          <a:xfrm>
-            <a:off x="63374" y="3873617"/>
-            <a:ext cx="6409854" cy="2942376"/>
-          </a:xfrm>
-          <a:prstGeom prst="roundRect">
-            <a:avLst/>
-          </a:prstGeom>
-        </p:spPr>
-        <p:style>
-          <a:lnRef idx="1">
-            <a:schemeClr val="accent3"/>
-          </a:lnRef>
-          <a:fillRef idx="2">
-            <a:schemeClr val="accent3"/>
-          </a:fillRef>
-          <a:effectRef idx="1">
-            <a:schemeClr val="accent3"/>
-          </a:effectRef>
-          <a:fontRef idx="minor">
-            <a:schemeClr val="dk1"/>
-          </a:fontRef>
-        </p:style>
-        <p:txBody>
-          <a:bodyPr rtlCol="0" anchor="ctr"/>
-          <a:lstStyle/>
-          <a:p>
-            <a:r>
-              <a:rPr lang="en-US" sz="2400" dirty="0">
-                <a:latin typeface="Consolas" panose="020B0609020204030204" pitchFamily="49" charset="0"/>
-                <a:cs typeface="Consolas" panose="020B0609020204030204" pitchFamily="49" charset="0"/>
-              </a:rPr>
-              <a:t>{% extends "base.html" </a:t>
-            </a:r>
-            <a:r>
-              <a:rPr lang="en-US" sz="2400" dirty="0" smtClean="0">
-                <a:latin typeface="Consolas" panose="020B0609020204030204" pitchFamily="49" charset="0"/>
-                <a:cs typeface="Consolas" panose="020B0609020204030204" pitchFamily="49" charset="0"/>
-              </a:rPr>
-              <a:t>%}</a:t>
-            </a:r>
-          </a:p>
-          <a:p>
-            <a:endParaRPr lang="en-US" sz="2400" dirty="0" smtClean="0">
-              <a:latin typeface="Consolas" panose="020B0609020204030204" pitchFamily="49" charset="0"/>
-              <a:cs typeface="Consolas" panose="020B0609020204030204" pitchFamily="49" charset="0"/>
-            </a:endParaRPr>
-          </a:p>
-          <a:p>
-            <a:r>
-              <a:rPr lang="en-US" sz="2400" dirty="0" smtClean="0">
-                <a:latin typeface="Consolas" panose="020B0609020204030204" pitchFamily="49" charset="0"/>
-                <a:cs typeface="Consolas" panose="020B0609020204030204" pitchFamily="49" charset="0"/>
-              </a:rPr>
-              <a:t>{% </a:t>
-            </a:r>
-            <a:r>
-              <a:rPr lang="en-US" sz="2400" dirty="0">
-                <a:latin typeface="Consolas" panose="020B0609020204030204" pitchFamily="49" charset="0"/>
-                <a:cs typeface="Consolas" panose="020B0609020204030204" pitchFamily="49" charset="0"/>
-              </a:rPr>
-              <a:t>block title </a:t>
-            </a:r>
-            <a:r>
-              <a:rPr lang="en-US" sz="2400" dirty="0" smtClean="0">
-                <a:latin typeface="Consolas" panose="020B0609020204030204" pitchFamily="49" charset="0"/>
-                <a:cs typeface="Consolas" panose="020B0609020204030204" pitchFamily="49" charset="0"/>
-              </a:rPr>
-              <a:t>%}Home{% </a:t>
-            </a:r>
-            <a:r>
-              <a:rPr lang="en-US" sz="2400" dirty="0" err="1">
-                <a:latin typeface="Consolas" panose="020B0609020204030204" pitchFamily="49" charset="0"/>
-                <a:cs typeface="Consolas" panose="020B0609020204030204" pitchFamily="49" charset="0"/>
-              </a:rPr>
-              <a:t>endblock</a:t>
-            </a:r>
-            <a:r>
-              <a:rPr lang="en-US" sz="2400" dirty="0">
-                <a:latin typeface="Consolas" panose="020B0609020204030204" pitchFamily="49" charset="0"/>
-                <a:cs typeface="Consolas" panose="020B0609020204030204" pitchFamily="49" charset="0"/>
-              </a:rPr>
-              <a:t> </a:t>
-            </a:r>
-            <a:r>
-              <a:rPr lang="en-US" sz="2400" dirty="0" smtClean="0">
-                <a:latin typeface="Consolas" panose="020B0609020204030204" pitchFamily="49" charset="0"/>
-                <a:cs typeface="Consolas" panose="020B0609020204030204" pitchFamily="49" charset="0"/>
-              </a:rPr>
-              <a:t>%}</a:t>
-            </a:r>
-          </a:p>
-          <a:p>
-            <a:endParaRPr lang="en-US" sz="2400" dirty="0">
-              <a:latin typeface="Consolas" panose="020B0609020204030204" pitchFamily="49" charset="0"/>
-              <a:cs typeface="Consolas" panose="020B0609020204030204" pitchFamily="49" charset="0"/>
-            </a:endParaRPr>
-          </a:p>
-          <a:p>
-            <a:r>
-              <a:rPr lang="en-US" sz="2400" dirty="0" smtClean="0">
-                <a:latin typeface="Consolas" panose="020B0609020204030204" pitchFamily="49" charset="0"/>
-                <a:cs typeface="Consolas" panose="020B0609020204030204" pitchFamily="49" charset="0"/>
-              </a:rPr>
-              <a:t>{% block content %}</a:t>
-            </a:r>
-          </a:p>
-          <a:p>
-            <a:r>
-              <a:rPr lang="en-US" sz="2400" dirty="0" smtClean="0">
-                <a:latin typeface="Consolas" panose="020B0609020204030204" pitchFamily="49" charset="0"/>
-                <a:cs typeface="Consolas" panose="020B0609020204030204" pitchFamily="49" charset="0"/>
-              </a:rPr>
-              <a:t>   Hello, template!!</a:t>
-            </a:r>
-            <a:endParaRPr lang="en-US" sz="2400" dirty="0">
-              <a:latin typeface="Consolas" panose="020B0609020204030204" pitchFamily="49" charset="0"/>
-              <a:cs typeface="Consolas" panose="020B0609020204030204" pitchFamily="49" charset="0"/>
-            </a:endParaRPr>
-          </a:p>
-          <a:p>
-            <a:r>
-              <a:rPr lang="en-US" sz="2400" dirty="0" smtClean="0">
-                <a:latin typeface="Consolas" panose="020B0609020204030204" pitchFamily="49" charset="0"/>
-                <a:cs typeface="Consolas" panose="020B0609020204030204" pitchFamily="49" charset="0"/>
-              </a:rPr>
-              <a:t>{% </a:t>
-            </a:r>
-            <a:r>
-              <a:rPr lang="en-US" sz="2400" dirty="0" err="1" smtClean="0">
-                <a:latin typeface="Consolas" panose="020B0609020204030204" pitchFamily="49" charset="0"/>
-                <a:cs typeface="Consolas" panose="020B0609020204030204" pitchFamily="49" charset="0"/>
-              </a:rPr>
-              <a:t>endblock</a:t>
-            </a:r>
-            <a:r>
-              <a:rPr lang="en-US" sz="2400" dirty="0" smtClean="0">
-                <a:latin typeface="Consolas" panose="020B0609020204030204" pitchFamily="49" charset="0"/>
-                <a:cs typeface="Consolas" panose="020B0609020204030204" pitchFamily="49" charset="0"/>
-              </a:rPr>
-              <a:t> %}</a:t>
-            </a:r>
-            <a:endParaRPr lang="en-US" sz="2400" dirty="0">
-              <a:latin typeface="Consolas" panose="020B0609020204030204" pitchFamily="49" charset="0"/>
-              <a:cs typeface="Consolas" panose="020B0609020204030204" pitchFamily="49" charset="0"/>
-            </a:endParaRPr>
-          </a:p>
-        </p:txBody>
-      </p:sp>
-      <p:sp>
-        <p:nvSpPr>
-          <p:cNvPr id="6" name="Rounded Rectangle 5"/>
-          <p:cNvSpPr/>
-          <p:nvPr/>
-        </p:nvSpPr>
-        <p:spPr>
-          <a:xfrm>
-            <a:off x="6609030" y="3873618"/>
-            <a:ext cx="5582971" cy="2942376"/>
-          </a:xfrm>
-          <a:prstGeom prst="roundRect">
-            <a:avLst/>
-          </a:prstGeom>
-        </p:spPr>
-        <p:style>
-          <a:lnRef idx="3">
-            <a:schemeClr val="lt1"/>
-          </a:lnRef>
-          <a:fillRef idx="1">
-            <a:schemeClr val="accent6"/>
-          </a:fillRef>
-          <a:effectRef idx="1">
-            <a:schemeClr val="accent6"/>
-          </a:effectRef>
-          <a:fontRef idx="minor">
-            <a:schemeClr val="lt1"/>
-          </a:fontRef>
-        </p:style>
-        <p:txBody>
-          <a:bodyPr rtlCol="0" anchor="ctr"/>
-          <a:lstStyle/>
-          <a:p>
-            <a:r>
-              <a:rPr lang="en-US" dirty="0" smtClean="0">
-                <a:latin typeface="Consolas" panose="020B0609020204030204" pitchFamily="49" charset="0"/>
-                <a:cs typeface="Consolas" panose="020B0609020204030204" pitchFamily="49" charset="0"/>
-              </a:rPr>
-              <a:t>&lt;html&gt;</a:t>
-            </a:r>
-          </a:p>
-          <a:p>
-            <a:r>
-              <a:rPr lang="en-US" dirty="0">
-                <a:latin typeface="Consolas" panose="020B0609020204030204" pitchFamily="49" charset="0"/>
-                <a:cs typeface="Consolas" panose="020B0609020204030204" pitchFamily="49" charset="0"/>
-              </a:rPr>
-              <a:t> </a:t>
-            </a:r>
-            <a:r>
-              <a:rPr lang="en-US" dirty="0" smtClean="0">
-                <a:latin typeface="Consolas" panose="020B0609020204030204" pitchFamily="49" charset="0"/>
-                <a:cs typeface="Consolas" panose="020B0609020204030204" pitchFamily="49" charset="0"/>
-              </a:rPr>
-              <a:t> &lt;head&gt;</a:t>
-            </a:r>
-          </a:p>
-          <a:p>
-            <a:r>
-              <a:rPr lang="en-US" dirty="0">
-                <a:latin typeface="Consolas" panose="020B0609020204030204" pitchFamily="49" charset="0"/>
-                <a:cs typeface="Consolas" panose="020B0609020204030204" pitchFamily="49" charset="0"/>
-              </a:rPr>
-              <a:t> </a:t>
-            </a:r>
-            <a:r>
-              <a:rPr lang="en-US" dirty="0" smtClean="0">
-                <a:latin typeface="Consolas" panose="020B0609020204030204" pitchFamily="49" charset="0"/>
-                <a:cs typeface="Consolas" panose="020B0609020204030204" pitchFamily="49" charset="0"/>
-              </a:rPr>
-              <a:t>   &lt;title&gt;Home – </a:t>
-            </a:r>
-            <a:r>
-              <a:rPr lang="en-US" dirty="0" err="1" smtClean="0">
-                <a:latin typeface="Consolas" panose="020B0609020204030204" pitchFamily="49" charset="0"/>
-                <a:cs typeface="Consolas" panose="020B0609020204030204" pitchFamily="49" charset="0"/>
-              </a:rPr>
-              <a:t>AdventureWorks</a:t>
-            </a:r>
-            <a:r>
-              <a:rPr lang="en-US" dirty="0" smtClean="0">
-                <a:latin typeface="Consolas" panose="020B0609020204030204" pitchFamily="49" charset="0"/>
-                <a:cs typeface="Consolas" panose="020B0609020204030204" pitchFamily="49" charset="0"/>
-              </a:rPr>
-              <a:t>&lt;/title&gt;</a:t>
-            </a:r>
-          </a:p>
-          <a:p>
-            <a:r>
-              <a:rPr lang="en-US" dirty="0">
-                <a:latin typeface="Consolas" panose="020B0609020204030204" pitchFamily="49" charset="0"/>
-                <a:cs typeface="Consolas" panose="020B0609020204030204" pitchFamily="49" charset="0"/>
-              </a:rPr>
-              <a:t> </a:t>
-            </a:r>
-            <a:r>
-              <a:rPr lang="en-US" dirty="0" smtClean="0">
-                <a:latin typeface="Consolas" panose="020B0609020204030204" pitchFamily="49" charset="0"/>
-                <a:cs typeface="Consolas" panose="020B0609020204030204" pitchFamily="49" charset="0"/>
-              </a:rPr>
-              <a:t> &lt;/head&gt;</a:t>
-            </a:r>
-          </a:p>
-          <a:p>
-            <a:r>
-              <a:rPr lang="en-US" dirty="0">
-                <a:latin typeface="Consolas" panose="020B0609020204030204" pitchFamily="49" charset="0"/>
-                <a:cs typeface="Consolas" panose="020B0609020204030204" pitchFamily="49" charset="0"/>
-              </a:rPr>
-              <a:t> </a:t>
-            </a:r>
-            <a:r>
-              <a:rPr lang="en-US" dirty="0" smtClean="0">
-                <a:latin typeface="Consolas" panose="020B0609020204030204" pitchFamily="49" charset="0"/>
-                <a:cs typeface="Consolas" panose="020B0609020204030204" pitchFamily="49" charset="0"/>
-              </a:rPr>
-              <a:t> &lt;body&gt;</a:t>
-            </a:r>
-          </a:p>
-          <a:p>
-            <a:r>
-              <a:rPr lang="en-US" dirty="0">
-                <a:latin typeface="Consolas" panose="020B0609020204030204" pitchFamily="49" charset="0"/>
-                <a:cs typeface="Consolas" panose="020B0609020204030204" pitchFamily="49" charset="0"/>
-              </a:rPr>
-              <a:t> </a:t>
-            </a:r>
-            <a:r>
-              <a:rPr lang="en-US" dirty="0" smtClean="0">
-                <a:latin typeface="Consolas" panose="020B0609020204030204" pitchFamily="49" charset="0"/>
-                <a:cs typeface="Consolas" panose="020B0609020204030204" pitchFamily="49" charset="0"/>
-              </a:rPr>
-              <a:t>   &lt;div id="content"&gt;</a:t>
-            </a:r>
-          </a:p>
-          <a:p>
-            <a:r>
-              <a:rPr lang="en-US" dirty="0">
-                <a:latin typeface="Consolas" panose="020B0609020204030204" pitchFamily="49" charset="0"/>
-                <a:cs typeface="Consolas" panose="020B0609020204030204" pitchFamily="49" charset="0"/>
-              </a:rPr>
-              <a:t> </a:t>
-            </a:r>
-            <a:r>
-              <a:rPr lang="en-US" dirty="0" smtClean="0">
-                <a:latin typeface="Consolas" panose="020B0609020204030204" pitchFamily="49" charset="0"/>
-                <a:cs typeface="Consolas" panose="020B0609020204030204" pitchFamily="49" charset="0"/>
-              </a:rPr>
-              <a:t>     Hello, template!!</a:t>
-            </a:r>
-          </a:p>
-          <a:p>
-            <a:r>
-              <a:rPr lang="en-US" dirty="0">
-                <a:latin typeface="Consolas" panose="020B0609020204030204" pitchFamily="49" charset="0"/>
-                <a:cs typeface="Consolas" panose="020B0609020204030204" pitchFamily="49" charset="0"/>
-              </a:rPr>
-              <a:t> </a:t>
-            </a:r>
-            <a:r>
-              <a:rPr lang="en-US" dirty="0" smtClean="0">
-                <a:latin typeface="Consolas" panose="020B0609020204030204" pitchFamily="49" charset="0"/>
-                <a:cs typeface="Consolas" panose="020B0609020204030204" pitchFamily="49" charset="0"/>
-              </a:rPr>
-              <a:t>   &lt;/div&gt;</a:t>
-            </a:r>
-          </a:p>
-          <a:p>
-            <a:r>
-              <a:rPr lang="en-US" dirty="0">
-                <a:latin typeface="Consolas" panose="020B0609020204030204" pitchFamily="49" charset="0"/>
-                <a:cs typeface="Consolas" panose="020B0609020204030204" pitchFamily="49" charset="0"/>
-              </a:rPr>
-              <a:t> </a:t>
-            </a:r>
-            <a:r>
-              <a:rPr lang="en-US" dirty="0" smtClean="0">
-                <a:latin typeface="Consolas" panose="020B0609020204030204" pitchFamily="49" charset="0"/>
-                <a:cs typeface="Consolas" panose="020B0609020204030204" pitchFamily="49" charset="0"/>
-              </a:rPr>
-              <a:t> &lt;/body&gt;</a:t>
-            </a:r>
-          </a:p>
-          <a:p>
-            <a:r>
-              <a:rPr lang="en-US" dirty="0" smtClean="0">
-                <a:latin typeface="Consolas" panose="020B0609020204030204" pitchFamily="49" charset="0"/>
-                <a:cs typeface="Consolas" panose="020B0609020204030204" pitchFamily="49" charset="0"/>
-              </a:rPr>
-              <a:t>&lt;/html&gt;</a:t>
-            </a:r>
-            <a:endParaRPr lang="en-US" dirty="0">
-              <a:latin typeface="Consolas" panose="020B0609020204030204" pitchFamily="49" charset="0"/>
-              <a:cs typeface="Consolas" panose="020B0609020204030204" pitchFamily="49" charset="0"/>
-            </a:endParaRPr>
-          </a:p>
-        </p:txBody>
-      </p:sp>
-    </p:spTree>
-    <p:extLst>
-      <p:ext uri="{BB962C8B-B14F-4D97-AF65-F5344CB8AC3E}">
-        <p14:creationId xmlns:p14="http://schemas.microsoft.com/office/powerpoint/2010/main" val="846689586"/>
-      </p:ext>
-    </p:extLst>
-  </p:cSld>
-  <p:clrMapOvr>
-    <a:masterClrMapping/>
-  </p:clrMapOvr>
-  <p:timing>
-    <p:tnLst>
-      <p:par>
-        <p:cTn id="1" dur="indefinite" restart="never" nodeType="tmRoot">
-          <p:childTnLst>
-            <p:seq concurrent="1" nextAc="seek">
-              <p:cTn id="2" dur="indefinite" nodeType="mainSeq">
-                <p:childTnLst>
-                  <p:par>
-                    <p:cTn id="3" fill="hold">
-                      <p:stCondLst>
-                        <p:cond delay="indefinite"/>
-                      </p:stCondLst>
-                      <p:childTnLst>
-                        <p:par>
-                          <p:cTn id="4" fill="hold">
-                            <p:stCondLst>
-                              <p:cond delay="0"/>
-                            </p:stCondLst>
-                            <p:childTnLst>
-                              <p:par>
-                                <p:cTn id="5" presetID="10" presetClass="entr" presetSubtype="0" fill="hold" grpId="0" nodeType="clickEffect">
-                                  <p:stCondLst>
-                                    <p:cond delay="0"/>
-                                  </p:stCondLst>
-                                  <p:childTnLst>
-                                    <p:set>
-                                      <p:cBhvr>
-                                        <p:cTn id="6" dur="1" fill="hold">
-                                          <p:stCondLst>
-                                            <p:cond delay="0"/>
-                                          </p:stCondLst>
-                                        </p:cTn>
-                                        <p:tgtEl>
-                                          <p:spTgt spid="4"/>
-                                        </p:tgtEl>
-                                        <p:attrNameLst>
-                                          <p:attrName>style.visibility</p:attrName>
-                                        </p:attrNameLst>
-                                      </p:cBhvr>
-                                      <p:to>
-                                        <p:strVal val="visible"/>
-                                      </p:to>
-                                    </p:set>
-                                    <p:animEffect transition="in" filter="fade">
-                                      <p:cBhvr>
-                                        <p:cTn id="7" dur="500"/>
-                                        <p:tgtEl>
-                                          <p:spTgt spid="4"/>
-                                        </p:tgtEl>
-                                      </p:cBhvr>
-                                    </p:animEffect>
-                                  </p:childTnLst>
-                                </p:cTn>
-                              </p:par>
-                            </p:childTnLst>
-                          </p:cTn>
-                        </p:par>
-                      </p:childTnLst>
-                    </p:cTn>
-                  </p:par>
-                  <p:par>
-                    <p:cTn id="8" fill="hold">
-                      <p:stCondLst>
-                        <p:cond delay="indefinite"/>
-                      </p:stCondLst>
-                      <p:childTnLst>
-                        <p:par>
-                          <p:cTn id="9" fill="hold">
-                            <p:stCondLst>
-                              <p:cond delay="0"/>
-                            </p:stCondLst>
-                            <p:childTnLst>
-                              <p:par>
-                                <p:cTn id="10" presetID="10" presetClass="entr" presetSubtype="0" fill="hold" grpId="0" nodeType="clickEffect">
-                                  <p:stCondLst>
-                                    <p:cond delay="0"/>
-                                  </p:stCondLst>
-                                  <p:childTnLst>
-                                    <p:set>
-                                      <p:cBhvr>
-                                        <p:cTn id="11" dur="1" fill="hold">
-                                          <p:stCondLst>
-                                            <p:cond delay="0"/>
-                                          </p:stCondLst>
-                                        </p:cTn>
-                                        <p:tgtEl>
-                                          <p:spTgt spid="5"/>
-                                        </p:tgtEl>
-                                        <p:attrNameLst>
-                                          <p:attrName>style.visibility</p:attrName>
-                                        </p:attrNameLst>
-                                      </p:cBhvr>
-                                      <p:to>
-                                        <p:strVal val="visible"/>
-                                      </p:to>
-                                    </p:set>
-                                    <p:animEffect transition="in" filter="fade">
-                                      <p:cBhvr>
-                                        <p:cTn id="12" dur="500"/>
-                                        <p:tgtEl>
-                                          <p:spTgt spid="5"/>
-                                        </p:tgtEl>
-                                      </p:cBhvr>
-                                    </p:animEffect>
-                                  </p:childTnLst>
-                                </p:cTn>
-                              </p:par>
-                            </p:childTnLst>
-                          </p:cTn>
-                        </p:par>
-                      </p:childTnLst>
-                    </p:cTn>
-                  </p:par>
-                  <p:par>
-                    <p:cTn id="13" fill="hold">
-                      <p:stCondLst>
-                        <p:cond delay="indefinite"/>
-                      </p:stCondLst>
-                      <p:childTnLst>
-                        <p:par>
-                          <p:cTn id="14" fill="hold">
-                            <p:stCondLst>
-                              <p:cond delay="0"/>
-                            </p:stCondLst>
-                            <p:childTnLst>
-                              <p:par>
-                                <p:cTn id="15" presetID="10" presetClass="entr" presetSubtype="0" fill="hold" grpId="0" nodeType="clickEffect">
-                                  <p:stCondLst>
-                                    <p:cond delay="0"/>
-                                  </p:stCondLst>
-                                  <p:childTnLst>
-                                    <p:set>
-                                      <p:cBhvr>
-                                        <p:cTn id="16" dur="1" fill="hold">
-                                          <p:stCondLst>
-                                            <p:cond delay="0"/>
-                                          </p:stCondLst>
-                                        </p:cTn>
-                                        <p:tgtEl>
-                                          <p:spTgt spid="6"/>
-                                        </p:tgtEl>
-                                        <p:attrNameLst>
-                                          <p:attrName>style.visibility</p:attrName>
-                                        </p:attrNameLst>
-                                      </p:cBhvr>
-                                      <p:to>
-                                        <p:strVal val="visible"/>
-                                      </p:to>
-                                    </p:set>
-                                    <p:animEffect transition="in" filter="fade">
-                                      <p:cBhvr>
-                                        <p:cTn id="17" dur="500"/>
-                                        <p:tgtEl>
-                                          <p:spTgt spid="6"/>
-                                        </p:tgtEl>
-                                      </p:cBhvr>
-                                    </p:animEffect>
-                                  </p:childTnLst>
-                                </p:cTn>
-                              </p:par>
-                            </p:childTnLst>
-                          </p:cTn>
-                        </p:par>
-                      </p:childTnLst>
-                    </p:cTn>
-                  </p:par>
-                </p:childTnLst>
-              </p:cTn>
-              <p:prevCondLst>
-                <p:cond evt="onPrev" delay="0">
-                  <p:tgtEl>
-                    <p:sldTgt/>
-                  </p:tgtEl>
-                </p:cond>
-              </p:prevCondLst>
-              <p:nextCondLst>
-                <p:cond evt="onNext" delay="0">
-                  <p:tgtEl>
-                    <p:sldTgt/>
-                  </p:tgtEl>
-                </p:cond>
-              </p:nextCondLst>
-            </p:seq>
-          </p:childTnLst>
-        </p:cTn>
-      </p:par>
-    </p:tnLst>
-    <p:bldLst>
-      <p:bldP spid="4" grpId="0" animBg="1"/>
-      <p:bldP spid="5" grpId="0" animBg="1"/>
-      <p:bldP spid="6" grpId="0" animBg="1"/>
-    </p:bldLst>
-  </p:timing>
-</p:sld>
-</file>
-
-<file path=ppt/slides/slide32.xml><?xml version="1.0" encoding="utf-8"?>
-<p:sld xmlns:a="http://schemas.openxmlformats.org/drawingml/2006/main" xmlns:r="http://schemas.openxmlformats.org/officeDocument/2006/relationships" xmlns:p="http://schemas.openxmlformats.org/presentationml/2006/main">
-  <p:cSld>
-    <p:spTree>
-      <p:nvGrpSpPr>
-        <p:cNvPr id="1" name=""/>
-        <p:cNvGrpSpPr/>
-        <p:nvPr/>
-      </p:nvGrpSpPr>
-      <p:grpSpPr>
-        <a:xfrm>
-          <a:off x="0" y="0"/>
-          <a:ext cx="0" cy="0"/>
-          <a:chOff x="0" y="0"/>
-          <a:chExt cx="0" cy="0"/>
-        </a:xfrm>
-      </p:grpSpPr>
-      <p:sp>
-        <p:nvSpPr>
-          <p:cNvPr id="4" name="Title 3"/>
-          <p:cNvSpPr>
-            <a:spLocks noGrp="1"/>
-          </p:cNvSpPr>
-          <p:nvPr>
-            <p:ph type="title"/>
-          </p:nvPr>
-        </p:nvSpPr>
-        <p:spPr/>
-        <p:txBody>
-          <a:bodyPr/>
-          <a:lstStyle/>
-          <a:p>
-            <a:r>
-              <a:rPr lang="en-US" dirty="0" smtClean="0"/>
-              <a:t>Jinja template inheritance</a:t>
-            </a:r>
-            <a:endParaRPr lang="en-US" dirty="0"/>
-          </a:p>
-        </p:txBody>
-      </p:sp>
-    </p:spTree>
-    <p:extLst>
-      <p:ext uri="{BB962C8B-B14F-4D97-AF65-F5344CB8AC3E}">
-        <p14:creationId xmlns:p14="http://schemas.microsoft.com/office/powerpoint/2010/main" val="4095598044"/>
-      </p:ext>
-    </p:extLst>
-  </p:cSld>
-  <p:clrMapOvr>
-    <a:masterClrMapping/>
-  </p:clrMapOvr>
-  <p:timing>
-    <p:tnLst>
-      <p:par>
-        <p:cTn id="1" dur="indefinite" restart="never" nodeType="tmRoot"/>
-      </p:par>
-    </p:tnLst>
-  </p:timing>
-</p:sld>
-</file>
-
-<file path=ppt/slides/slide33.xml><?xml version="1.0" encoding="utf-8"?>
-<p:sld xmlns:a="http://schemas.openxmlformats.org/drawingml/2006/main" xmlns:r="http://schemas.openxmlformats.org/officeDocument/2006/relationships" xmlns:p="http://schemas.openxmlformats.org/presentationml/2006/main">
-  <p:cSld>
-    <p:spTree>
-      <p:nvGrpSpPr>
-        <p:cNvPr id="1" name=""/>
-        <p:cNvGrpSpPr/>
-        <p:nvPr/>
-      </p:nvGrpSpPr>
-      <p:grpSpPr>
-        <a:xfrm>
-          <a:off x="0" y="0"/>
-          <a:ext cx="0" cy="0"/>
-          <a:chOff x="0" y="0"/>
-          <a:chExt cx="0" cy="0"/>
-        </a:xfrm>
-      </p:grpSpPr>
-    </p:spTree>
-    <p:extLst>
-      <p:ext uri="{BB962C8B-B14F-4D97-AF65-F5344CB8AC3E}">
-        <p14:creationId xmlns:p14="http://schemas.microsoft.com/office/powerpoint/2010/main" val="898363405"/>
       </p:ext>
     </p:extLst>
   </p:cSld>
@@ -10361,7 +4775,15 @@
                   <a:schemeClr val="bg1"/>
                 </a:solidFill>
               </a:rPr>
-              <a:t>Used to describe data</a:t>
+              <a:t>Used </a:t>
+            </a:r>
+            <a:r>
+              <a:rPr lang="en-US" sz="2400" dirty="0" smtClean="0">
+                <a:solidFill>
+                  <a:schemeClr val="bg1"/>
+                </a:solidFill>
+              </a:rPr>
+              <a:t>to describe data</a:t>
             </a:r>
           </a:p>
           <a:p>
@@ -10521,6 +4943,11 @@
               </a:rPr>
               <a:t>Commonly forms</a:t>
             </a:r>
+            <a:endParaRPr lang="en-US" sz="2400" dirty="0" smtClean="0">
+              <a:solidFill>
+                <a:schemeClr val="bg1"/>
+              </a:solidFill>
+            </a:endParaRPr>
           </a:p>
           <a:p>
             <a:endParaRPr lang="en-US" sz="2400" dirty="0">
@@ -10653,6 +5080,11 @@
               </a:rPr>
               <a:t>Generally avoid</a:t>
             </a:r>
+            <a:endParaRPr lang="en-US" sz="2400" dirty="0" smtClean="0">
+              <a:solidFill>
+                <a:schemeClr val="bg1"/>
+              </a:solidFill>
+            </a:endParaRPr>
           </a:p>
           <a:p>
             <a:endParaRPr lang="en-US" sz="2400" dirty="0">
@@ -12246,6 +6678,15 @@
 </file>
 
 <file path=customXml/item2.xml><?xml version="1.0" encoding="utf-8"?>
+<?mso-contentType ?>
+<FormTemplates xmlns="http://schemas.microsoft.com/sharepoint/v3/contenttype/forms">
+  <Display>DocumentLibraryForm</Display>
+  <Edit>DocumentLibraryForm</Edit>
+  <New>DocumentLibraryForm</New>
+</FormTemplates>
+</file>
+
+<file path=customXml/item3.xml><?xml version="1.0" encoding="utf-8"?>
 <ct:contentTypeSchema xmlns:ct="http://schemas.microsoft.com/office/2006/metadata/contentType" xmlns:ma="http://schemas.microsoft.com/office/2006/metadata/properties/metaAttributes" ct:_="" ma:_="" ma:contentTypeName="Document" ma:contentTypeID="0x010100496889825850D44592AC5D2F43187AE4" ma:contentTypeVersion="5" ma:contentTypeDescription="Create a new document." ma:contentTypeScope="" ma:versionID="fde90edb5a63ba841bca516fd2abaf95">
   <xsd:schema xmlns:xsd="http://www.w3.org/2001/XMLSchema" xmlns:xs="http://www.w3.org/2001/XMLSchema" xmlns:p="http://schemas.microsoft.com/office/2006/metadata/properties" xmlns:ns1="http://schemas.microsoft.com/sharepoint/v3" xmlns:ns2="230e9df3-be65-4c73-a93b-d1236ebd677e" xmlns:ns3="27aa9422-7f1f-4c84-9cdf-302b1a67e513" targetNamespace="http://schemas.microsoft.com/office/2006/metadata/properties" ma:root="true" ma:fieldsID="5e7808ae941cc340dbe51a3031959734" ns1:_="" ns2:_="" ns3:_="">
     <xsd:import namespace="http://schemas.microsoft.com/sharepoint/v3"/>
@@ -12427,34 +6868,33 @@
 </ct:contentTypeSchema>
 </file>
 
-<file path=customXml/item3.xml><?xml version="1.0" encoding="utf-8"?>
-<?mso-contentType ?>
-<FormTemplates xmlns="http://schemas.microsoft.com/sharepoint/v3/contenttype/forms">
-  <Display>DocumentLibraryForm</Display>
-  <Edit>DocumentLibraryForm</Edit>
-  <New>DocumentLibraryForm</New>
-</FormTemplates>
-</file>
-
 <file path=customXml/itemProps1.xml><?xml version="1.0" encoding="utf-8"?>
 <ds:datastoreItem xmlns:ds="http://schemas.openxmlformats.org/officeDocument/2006/customXml" ds:itemID="{7025FDD9-4C58-4084-9F89-0E6ADD6FFF55}">
   <ds:schemaRefs>
+    <ds:schemaRef ds:uri="230e9df3-be65-4c73-a93b-d1236ebd677e"/>
+    <ds:schemaRef ds:uri="http://schemas.microsoft.com/office/2006/metadata/properties"/>
+    <ds:schemaRef ds:uri="http://purl.org/dc/dcmitype/"/>
+    <ds:schemaRef ds:uri="http://schemas.microsoft.com/office/infopath/2007/PartnerControls"/>
+    <ds:schemaRef ds:uri="http://schemas.openxmlformats.org/package/2006/metadata/core-properties"/>
+    <ds:schemaRef ds:uri="http://schemas.microsoft.com/office/2006/documentManagement/types"/>
+    <ds:schemaRef ds:uri="http://purl.org/dc/elements/1.1/"/>
     <ds:schemaRef ds:uri="http://schemas.microsoft.com/sharepoint/v3"/>
-    <ds:schemaRef ds:uri="230e9df3-be65-4c73-a93b-d1236ebd677e"/>
-    <ds:schemaRef ds:uri="http://purl.org/dc/elements/1.1/"/>
-    <ds:schemaRef ds:uri="http://schemas.openxmlformats.org/package/2006/metadata/core-properties"/>
-    <ds:schemaRef ds:uri="http://schemas.microsoft.com/office/infopath/2007/PartnerControls"/>
+    <ds:schemaRef ds:uri="http://www.w3.org/XML/1998/namespace"/>
     <ds:schemaRef ds:uri="27aa9422-7f1f-4c84-9cdf-302b1a67e513"/>
     <ds:schemaRef ds:uri="http://purl.org/dc/terms/"/>
-    <ds:schemaRef ds:uri="http://schemas.microsoft.com/office/2006/metadata/properties"/>
-    <ds:schemaRef ds:uri="http://schemas.microsoft.com/office/2006/documentManagement/types"/>
-    <ds:schemaRef ds:uri="http://www.w3.org/XML/1998/namespace"/>
-    <ds:schemaRef ds:uri="http://purl.org/dc/dcmitype/"/>
   </ds:schemaRefs>
 </ds:datastoreItem>
 </file>
 
 <file path=customXml/itemProps2.xml><?xml version="1.0" encoding="utf-8"?>
+<ds:datastoreItem xmlns:ds="http://schemas.openxmlformats.org/officeDocument/2006/customXml" ds:itemID="{B0CA13EC-1D3C-4D6F-8D1C-E8A452CFC79A}">
+  <ds:schemaRefs>
+    <ds:schemaRef ds:uri="http://schemas.microsoft.com/sharepoint/v3/contenttype/forms"/>
+  </ds:schemaRefs>
+</ds:datastoreItem>
+</file>
+
+<file path=customXml/itemProps3.xml><?xml version="1.0" encoding="utf-8"?>
 <ds:datastoreItem xmlns:ds="http://schemas.openxmlformats.org/officeDocument/2006/customXml" ds:itemID="{3253B29C-1CCD-4FE8-A1C4-023A0910DF96}">
   <ds:schemaRefs>
     <ds:schemaRef ds:uri="http://schemas.microsoft.com/office/2006/metadata/contentType"/>
@@ -12472,12 +6912,4 @@
     <ds:schemaRef ds:uri="http://schemas.microsoft.com/internal/obd"/>
   </ds:schemaRefs>
 </ds:datastoreItem>
-</file>
-
-<file path=customXml/itemProps3.xml><?xml version="1.0" encoding="utf-8"?>
-<ds:datastoreItem xmlns:ds="http://schemas.openxmlformats.org/officeDocument/2006/customXml" ds:itemID="{B0CA13EC-1D3C-4D6F-8D1C-E8A452CFC79A}">
-  <ds:schemaRefs>
-    <ds:schemaRef ds:uri="http://schemas.microsoft.com/sharepoint/v3/contenttype/forms"/>
-  </ds:schemaRefs>
-</ds:datastoreItem>
 </file>
--- a/Slides/Module 3 - Creating an interface.pptx
+++ b/Slides/Module 3 - Creating an interface.pptx
@@ -5,25 +5,40 @@
     <p:sldMasterId id="2147483660" r:id="rId4"/>
   </p:sldMasterIdLst>
   <p:notesMasterIdLst>
-    <p:notesMasterId r:id="rId18"/>
+    <p:notesMasterId r:id="rId33"/>
   </p:notesMasterIdLst>
   <p:handoutMasterIdLst>
-    <p:handoutMasterId r:id="rId19"/>
+    <p:handoutMasterId r:id="rId34"/>
   </p:handoutMasterIdLst>
   <p:sldIdLst>
     <p:sldId id="277" r:id="rId5"/>
-    <p:sldId id="278" r:id="rId6"/>
-    <p:sldId id="280" r:id="rId7"/>
-    <p:sldId id="279" r:id="rId8"/>
-    <p:sldId id="281" r:id="rId9"/>
-    <p:sldId id="284" r:id="rId10"/>
-    <p:sldId id="285" r:id="rId11"/>
-    <p:sldId id="282" r:id="rId12"/>
-    <p:sldId id="283" r:id="rId13"/>
-    <p:sldId id="286" r:id="rId14"/>
-    <p:sldId id="287" r:id="rId15"/>
-    <p:sldId id="288" r:id="rId16"/>
-    <p:sldId id="269" r:id="rId17"/>
+    <p:sldId id="303" r:id="rId6"/>
+    <p:sldId id="278" r:id="rId7"/>
+    <p:sldId id="280" r:id="rId8"/>
+    <p:sldId id="279" r:id="rId9"/>
+    <p:sldId id="281" r:id="rId10"/>
+    <p:sldId id="284" r:id="rId11"/>
+    <p:sldId id="285" r:id="rId12"/>
+    <p:sldId id="282" r:id="rId13"/>
+    <p:sldId id="283" r:id="rId14"/>
+    <p:sldId id="286" r:id="rId15"/>
+    <p:sldId id="287" r:id="rId16"/>
+    <p:sldId id="288" r:id="rId17"/>
+    <p:sldId id="289" r:id="rId18"/>
+    <p:sldId id="290" r:id="rId19"/>
+    <p:sldId id="291" r:id="rId20"/>
+    <p:sldId id="292" r:id="rId21"/>
+    <p:sldId id="293" r:id="rId22"/>
+    <p:sldId id="294" r:id="rId23"/>
+    <p:sldId id="295" r:id="rId24"/>
+    <p:sldId id="296" r:id="rId25"/>
+    <p:sldId id="297" r:id="rId26"/>
+    <p:sldId id="299" r:id="rId27"/>
+    <p:sldId id="298" r:id="rId28"/>
+    <p:sldId id="300" r:id="rId29"/>
+    <p:sldId id="301" r:id="rId30"/>
+    <p:sldId id="302" r:id="rId31"/>
+    <p:sldId id="269" r:id="rId32"/>
   </p:sldIdLst>
   <p:sldSz cx="12192000" cy="6858000"/>
   <p:notesSz cx="6858000" cy="9144000"/>
@@ -215,7 +230,7 @@
           <a:p>
             <a:fld id="{312E7B4A-039C-48A2-9B2C-AF16AA3873D8}" type="datetimeFigureOut">
               <a:rPr lang="en-US" smtClean="0"/>
-              <a:t>11/17/2014</a:t>
+              <a:t>12/15/2014</a:t>
             </a:fld>
             <a:endParaRPr lang="en-US"/>
           </a:p>
@@ -380,7 +395,7 @@
           <a:p>
             <a:fld id="{DA005A0C-54D9-45AA-87D4-C551D08DFCE1}" type="datetimeFigureOut">
               <a:rPr lang="en-US" smtClean="0"/>
-              <a:t>11/17/2014</a:t>
+              <a:t>12/15/2014</a:t>
             </a:fld>
             <a:endParaRPr lang="en-US"/>
           </a:p>
@@ -3599,7 +3614,7 @@
           <a:p>
             <a:r>
               <a:rPr lang="en-US" dirty="0" smtClean="0"/>
-              <a:t>Attributes</a:t>
+              <a:t>Standard HTML page</a:t>
             </a:r>
             <a:endParaRPr lang="en-US" dirty="0"/>
           </a:p>
@@ -3607,95 +3622,234 @@
       </p:sp>
       <p:sp>
         <p:nvSpPr>
-          <p:cNvPr id="3" name="Content Placeholder 2"/>
-          <p:cNvSpPr>
-            <a:spLocks noGrp="1"/>
-          </p:cNvSpPr>
-          <p:nvPr>
-            <p:ph sz="quarter" idx="10"/>
-          </p:nvPr>
-        </p:nvSpPr>
-        <p:spPr/>
-        <p:txBody>
-          <a:bodyPr/>
+          <p:cNvPr id="5" name="Rounded Rectangle 4"/>
+          <p:cNvSpPr/>
+          <p:nvPr/>
+        </p:nvSpPr>
+        <p:spPr>
+          <a:xfrm>
+            <a:off x="304800" y="914400"/>
+            <a:ext cx="11310551" cy="5865341"/>
+          </a:xfrm>
+          <a:prstGeom prst="roundRect">
+            <a:avLst>
+              <a:gd name="adj" fmla="val 4167"/>
+            </a:avLst>
+          </a:prstGeom>
+        </p:spPr>
+        <p:style>
+          <a:lnRef idx="2">
+            <a:schemeClr val="accent1">
+              <a:shade val="50000"/>
+            </a:schemeClr>
+          </a:lnRef>
+          <a:fillRef idx="1">
+            <a:schemeClr val="accent1"/>
+          </a:fillRef>
+          <a:effectRef idx="0">
+            <a:schemeClr val="accent1"/>
+          </a:effectRef>
+          <a:fontRef idx="minor">
+            <a:schemeClr val="lt1"/>
+          </a:fontRef>
+        </p:style>
+        <p:txBody>
+          <a:bodyPr rtlCol="0" anchor="ctr"/>
           <a:lstStyle/>
           <a:p>
             <a:r>
-              <a:rPr lang="en-US" dirty="0" smtClean="0"/>
-              <a:t>Used to add additional context to elements</a:t>
-            </a:r>
-          </a:p>
-          <a:p>
-            <a:r>
-              <a:rPr lang="en-US" dirty="0" smtClean="0"/>
-              <a:t>Always placed in the opening tag</a:t>
-            </a:r>
-          </a:p>
-          <a:p>
-            <a:r>
-              <a:rPr lang="en-US" dirty="0" smtClean="0"/>
-              <a:t>Typically key/value pairs</a:t>
-            </a:r>
-          </a:p>
-          <a:p>
-            <a:pPr lvl="1"/>
-            <a:r>
-              <a:rPr lang="en-US" dirty="0" smtClean="0"/>
-              <a:t>Single or double quotes</a:t>
-            </a:r>
-          </a:p>
-          <a:p>
-            <a:pPr marL="0" indent="0">
-              <a:buNone/>
-            </a:pPr>
-            <a:r>
-              <a:rPr lang="en-US" sz="2800" dirty="0">
+              <a:rPr lang="en-US" sz="4000" dirty="0" smtClean="0">
                 <a:latin typeface="Consolas" panose="020B0609020204030204" pitchFamily="49" charset="0"/>
                 <a:cs typeface="Consolas" panose="020B0609020204030204" pitchFamily="49" charset="0"/>
               </a:rPr>
-              <a:t>	</a:t>
-            </a:r>
-            <a:r>
-              <a:rPr lang="en-US" sz="2800" dirty="0" smtClean="0">
+              <a:t>&lt;html&gt;</a:t>
+            </a:r>
+          </a:p>
+          <a:p>
+            <a:endParaRPr lang="en-US" sz="4000" dirty="0">
+              <a:latin typeface="Consolas" panose="020B0609020204030204" pitchFamily="49" charset="0"/>
+              <a:cs typeface="Consolas" panose="020B0609020204030204" pitchFamily="49" charset="0"/>
+            </a:endParaRPr>
+          </a:p>
+          <a:p>
+            <a:endParaRPr lang="en-US" sz="4000" dirty="0" smtClean="0">
+              <a:latin typeface="Consolas" panose="020B0609020204030204" pitchFamily="49" charset="0"/>
+              <a:cs typeface="Consolas" panose="020B0609020204030204" pitchFamily="49" charset="0"/>
+            </a:endParaRPr>
+          </a:p>
+          <a:p>
+            <a:endParaRPr lang="en-US" sz="4000" dirty="0">
+              <a:latin typeface="Consolas" panose="020B0609020204030204" pitchFamily="49" charset="0"/>
+              <a:cs typeface="Consolas" panose="020B0609020204030204" pitchFamily="49" charset="0"/>
+            </a:endParaRPr>
+          </a:p>
+          <a:p>
+            <a:endParaRPr lang="en-US" sz="4000" dirty="0" smtClean="0">
+              <a:latin typeface="Consolas" panose="020B0609020204030204" pitchFamily="49" charset="0"/>
+              <a:cs typeface="Consolas" panose="020B0609020204030204" pitchFamily="49" charset="0"/>
+            </a:endParaRPr>
+          </a:p>
+          <a:p>
+            <a:endParaRPr lang="en-US" sz="4000" dirty="0">
+              <a:latin typeface="Consolas" panose="020B0609020204030204" pitchFamily="49" charset="0"/>
+              <a:cs typeface="Consolas" panose="020B0609020204030204" pitchFamily="49" charset="0"/>
+            </a:endParaRPr>
+          </a:p>
+          <a:p>
+            <a:endParaRPr lang="en-US" sz="4000" dirty="0" smtClean="0">
+              <a:latin typeface="Consolas" panose="020B0609020204030204" pitchFamily="49" charset="0"/>
+              <a:cs typeface="Consolas" panose="020B0609020204030204" pitchFamily="49" charset="0"/>
+            </a:endParaRPr>
+          </a:p>
+          <a:p>
+            <a:endParaRPr lang="en-US" sz="4000" dirty="0" smtClean="0">
+              <a:latin typeface="Consolas" panose="020B0609020204030204" pitchFamily="49" charset="0"/>
+              <a:cs typeface="Consolas" panose="020B0609020204030204" pitchFamily="49" charset="0"/>
+            </a:endParaRPr>
+          </a:p>
+          <a:p>
+            <a:r>
+              <a:rPr lang="en-US" sz="4000" dirty="0" smtClean="0">
                 <a:latin typeface="Consolas" panose="020B0609020204030204" pitchFamily="49" charset="0"/>
                 <a:cs typeface="Consolas" panose="020B0609020204030204" pitchFamily="49" charset="0"/>
               </a:rPr>
-              <a:t>&lt;input type='text' /&gt;</a:t>
-            </a:r>
-          </a:p>
-          <a:p>
-            <a:pPr marL="0" indent="0">
-              <a:buNone/>
-            </a:pPr>
-            <a:r>
-              <a:rPr lang="en-US" sz="2800" dirty="0">
+              <a:t>&lt;/html&gt;</a:t>
+            </a:r>
+            <a:endParaRPr lang="en-US" sz="4000" dirty="0">
+              <a:latin typeface="Consolas" panose="020B0609020204030204" pitchFamily="49" charset="0"/>
+              <a:cs typeface="Consolas" panose="020B0609020204030204" pitchFamily="49" charset="0"/>
+            </a:endParaRPr>
+          </a:p>
+        </p:txBody>
+      </p:sp>
+      <p:sp>
+        <p:nvSpPr>
+          <p:cNvPr id="6" name="Rounded Rectangle 5"/>
+          <p:cNvSpPr/>
+          <p:nvPr/>
+        </p:nvSpPr>
+        <p:spPr>
+          <a:xfrm>
+            <a:off x="943232" y="1747229"/>
+            <a:ext cx="10013092" cy="1836232"/>
+          </a:xfrm>
+          <a:prstGeom prst="roundRect">
+            <a:avLst>
+              <a:gd name="adj" fmla="val 4167"/>
+            </a:avLst>
+          </a:prstGeom>
+        </p:spPr>
+        <p:style>
+          <a:lnRef idx="1">
+            <a:schemeClr val="accent3"/>
+          </a:lnRef>
+          <a:fillRef idx="2">
+            <a:schemeClr val="accent3"/>
+          </a:fillRef>
+          <a:effectRef idx="1">
+            <a:schemeClr val="accent3"/>
+          </a:effectRef>
+          <a:fontRef idx="minor">
+            <a:schemeClr val="dk1"/>
+          </a:fontRef>
+        </p:style>
+        <p:txBody>
+          <a:bodyPr rtlCol="0" anchor="ctr"/>
+          <a:lstStyle/>
+          <a:p>
+            <a:r>
+              <a:rPr lang="en-US" sz="4000" dirty="0" smtClean="0">
                 <a:latin typeface="Consolas" panose="020B0609020204030204" pitchFamily="49" charset="0"/>
                 <a:cs typeface="Consolas" panose="020B0609020204030204" pitchFamily="49" charset="0"/>
               </a:rPr>
-              <a:t>	</a:t>
-            </a:r>
-            <a:r>
-              <a:rPr lang="en-US" sz="2800" dirty="0" smtClean="0">
+              <a:t>&lt;html&gt;</a:t>
+            </a:r>
+          </a:p>
+          <a:p>
+            <a:r>
+              <a:rPr lang="en-US" sz="4000" dirty="0" smtClean="0">
                 <a:latin typeface="Consolas" panose="020B0609020204030204" pitchFamily="49" charset="0"/>
                 <a:cs typeface="Consolas" panose="020B0609020204030204" pitchFamily="49" charset="0"/>
               </a:rPr>
-              <a:t>&lt;a </a:t>
-            </a:r>
-            <a:r>
-              <a:rPr lang="en-US" sz="2800" dirty="0" err="1" smtClean="0">
+              <a:t>  &lt;title&gt;Hello, Python!&lt;/title&gt;</a:t>
+            </a:r>
+          </a:p>
+          <a:p>
+            <a:r>
+              <a:rPr lang="en-US" sz="4000" dirty="0" smtClean="0">
                 <a:latin typeface="Consolas" panose="020B0609020204030204" pitchFamily="49" charset="0"/>
                 <a:cs typeface="Consolas" panose="020B0609020204030204" pitchFamily="49" charset="0"/>
               </a:rPr>
-              <a:t>href</a:t>
-            </a:r>
-            <a:r>
-              <a:rPr lang="en-US" sz="2800" dirty="0" smtClean="0">
+              <a:t>&lt;/html&gt;</a:t>
+            </a:r>
+            <a:endParaRPr lang="en-US" sz="4000" dirty="0">
+              <a:latin typeface="Consolas" panose="020B0609020204030204" pitchFamily="49" charset="0"/>
+              <a:cs typeface="Consolas" panose="020B0609020204030204" pitchFamily="49" charset="0"/>
+            </a:endParaRPr>
+          </a:p>
+        </p:txBody>
+      </p:sp>
+      <p:sp>
+        <p:nvSpPr>
+          <p:cNvPr id="7" name="Rounded Rectangle 6"/>
+          <p:cNvSpPr/>
+          <p:nvPr/>
+        </p:nvSpPr>
+        <p:spPr>
+          <a:xfrm>
+            <a:off x="943232" y="3861618"/>
+            <a:ext cx="10013092" cy="1836232"/>
+          </a:xfrm>
+          <a:prstGeom prst="roundRect">
+            <a:avLst>
+              <a:gd name="adj" fmla="val 4167"/>
+            </a:avLst>
+          </a:prstGeom>
+        </p:spPr>
+        <p:style>
+          <a:lnRef idx="1">
+            <a:schemeClr val="accent4"/>
+          </a:lnRef>
+          <a:fillRef idx="2">
+            <a:schemeClr val="accent4"/>
+          </a:fillRef>
+          <a:effectRef idx="1">
+            <a:schemeClr val="accent4"/>
+          </a:effectRef>
+          <a:fontRef idx="minor">
+            <a:schemeClr val="dk1"/>
+          </a:fontRef>
+        </p:style>
+        <p:txBody>
+          <a:bodyPr rtlCol="0" anchor="ctr"/>
+          <a:lstStyle/>
+          <a:p>
+            <a:r>
+              <a:rPr lang="en-US" sz="4000" dirty="0" smtClean="0">
                 <a:latin typeface="Consolas" panose="020B0609020204030204" pitchFamily="49" charset="0"/>
                 <a:cs typeface="Consolas" panose="020B0609020204030204" pitchFamily="49" charset="0"/>
               </a:rPr>
-              <a:t>='http://www.microsoft.com'&gt;Microsoft&lt;/a&gt;</a:t>
-            </a:r>
-            <a:endParaRPr lang="en-US" sz="2800" dirty="0">
+              <a:t>&lt;body&gt;</a:t>
+            </a:r>
+          </a:p>
+          <a:p>
+            <a:r>
+              <a:rPr lang="en-US" sz="4000" dirty="0" smtClean="0">
+                <a:latin typeface="Consolas" panose="020B0609020204030204" pitchFamily="49" charset="0"/>
+                <a:cs typeface="Consolas" panose="020B0609020204030204" pitchFamily="49" charset="0"/>
+              </a:rPr>
+              <a:t>  &lt;b&gt;Welcome to our first page!&lt;/b&gt;</a:t>
+            </a:r>
+          </a:p>
+          <a:p>
+            <a:r>
+              <a:rPr lang="en-US" sz="4000" dirty="0" smtClean="0">
+                <a:latin typeface="Consolas" panose="020B0609020204030204" pitchFamily="49" charset="0"/>
+                <a:cs typeface="Consolas" panose="020B0609020204030204" pitchFamily="49" charset="0"/>
+              </a:rPr>
+              <a:t>&lt;/body&gt;</a:t>
+            </a:r>
+            <a:endParaRPr lang="en-US" sz="4000" dirty="0">
               <a:latin typeface="Consolas" panose="020B0609020204030204" pitchFamily="49" charset="0"/>
               <a:cs typeface="Consolas" panose="020B0609020204030204" pitchFamily="49" charset="0"/>
             </a:endParaRPr>
@@ -3705,7 +3859,7 @@
     </p:spTree>
     <p:extLst>
       <p:ext uri="{BB962C8B-B14F-4D97-AF65-F5344CB8AC3E}">
-        <p14:creationId xmlns:p14="http://schemas.microsoft.com/office/powerpoint/2010/main" val="1512863025"/>
+        <p14:creationId xmlns:p14="http://schemas.microsoft.com/office/powerpoint/2010/main" val="2947452281"/>
       </p:ext>
     </p:extLst>
   </p:cSld>
@@ -3715,9 +3869,196 @@
   <p:timing>
     <p:tnLst>
       <p:par>
-        <p:cTn id="1" dur="indefinite" restart="never" nodeType="tmRoot"/>
+        <p:cTn id="1" dur="indefinite" restart="never" nodeType="tmRoot">
+          <p:childTnLst>
+            <p:seq concurrent="1" nextAc="seek">
+              <p:cTn id="2" dur="indefinite" nodeType="mainSeq">
+                <p:childTnLst>
+                  <p:par>
+                    <p:cTn id="3" fill="hold">
+                      <p:stCondLst>
+                        <p:cond delay="indefinite"/>
+                      </p:stCondLst>
+                      <p:childTnLst>
+                        <p:par>
+                          <p:cTn id="4" fill="hold">
+                            <p:stCondLst>
+                              <p:cond delay="0"/>
+                            </p:stCondLst>
+                            <p:childTnLst>
+                              <p:par>
+                                <p:cTn id="5" presetID="10" presetClass="entr" presetSubtype="0" fill="hold" grpId="0" nodeType="clickEffect">
+                                  <p:stCondLst>
+                                    <p:cond delay="0"/>
+                                  </p:stCondLst>
+                                  <p:childTnLst>
+                                    <p:set>
+                                      <p:cBhvr>
+                                        <p:cTn id="6" dur="1" fill="hold">
+                                          <p:stCondLst>
+                                            <p:cond delay="0"/>
+                                          </p:stCondLst>
+                                        </p:cTn>
+                                        <p:tgtEl>
+                                          <p:spTgt spid="5"/>
+                                        </p:tgtEl>
+                                        <p:attrNameLst>
+                                          <p:attrName>style.visibility</p:attrName>
+                                        </p:attrNameLst>
+                                      </p:cBhvr>
+                                      <p:to>
+                                        <p:strVal val="visible"/>
+                                      </p:to>
+                                    </p:set>
+                                    <p:animEffect transition="in" filter="fade">
+                                      <p:cBhvr>
+                                        <p:cTn id="7" dur="500"/>
+                                        <p:tgtEl>
+                                          <p:spTgt spid="5"/>
+                                        </p:tgtEl>
+                                      </p:cBhvr>
+                                    </p:animEffect>
+                                  </p:childTnLst>
+                                </p:cTn>
+                              </p:par>
+                            </p:childTnLst>
+                          </p:cTn>
+                        </p:par>
+                      </p:childTnLst>
+                    </p:cTn>
+                  </p:par>
+                  <p:par>
+                    <p:cTn id="8" fill="hold">
+                      <p:stCondLst>
+                        <p:cond delay="indefinite"/>
+                      </p:stCondLst>
+                      <p:childTnLst>
+                        <p:par>
+                          <p:cTn id="9" fill="hold">
+                            <p:stCondLst>
+                              <p:cond delay="0"/>
+                            </p:stCondLst>
+                            <p:childTnLst>
+                              <p:par>
+                                <p:cTn id="10" presetID="10" presetClass="entr" presetSubtype="0" fill="hold" grpId="0" nodeType="clickEffect">
+                                  <p:stCondLst>
+                                    <p:cond delay="0"/>
+                                  </p:stCondLst>
+                                  <p:childTnLst>
+                                    <p:set>
+                                      <p:cBhvr>
+                                        <p:cTn id="11" dur="1" fill="hold">
+                                          <p:stCondLst>
+                                            <p:cond delay="0"/>
+                                          </p:stCondLst>
+                                        </p:cTn>
+                                        <p:tgtEl>
+                                          <p:spTgt spid="6"/>
+                                        </p:tgtEl>
+                                        <p:attrNameLst>
+                                          <p:attrName>style.visibility</p:attrName>
+                                        </p:attrNameLst>
+                                      </p:cBhvr>
+                                      <p:to>
+                                        <p:strVal val="visible"/>
+                                      </p:to>
+                                    </p:set>
+                                    <p:animEffect transition="in" filter="fade">
+                                      <p:cBhvr>
+                                        <p:cTn id="12" dur="500"/>
+                                        <p:tgtEl>
+                                          <p:spTgt spid="6"/>
+                                        </p:tgtEl>
+                                      </p:cBhvr>
+                                    </p:animEffect>
+                                  </p:childTnLst>
+                                </p:cTn>
+                              </p:par>
+                            </p:childTnLst>
+                          </p:cTn>
+                        </p:par>
+                      </p:childTnLst>
+                    </p:cTn>
+                  </p:par>
+                  <p:par>
+                    <p:cTn id="13" fill="hold">
+                      <p:stCondLst>
+                        <p:cond delay="indefinite"/>
+                      </p:stCondLst>
+                      <p:childTnLst>
+                        <p:par>
+                          <p:cTn id="14" fill="hold">
+                            <p:stCondLst>
+                              <p:cond delay="0"/>
+                            </p:stCondLst>
+                            <p:childTnLst>
+                              <p:par>
+                                <p:cTn id="15" presetID="10" presetClass="entr" presetSubtype="0" fill="hold" grpId="0" nodeType="clickEffect">
+                                  <p:stCondLst>
+                                    <p:cond delay="0"/>
+                                  </p:stCondLst>
+                                  <p:childTnLst>
+                                    <p:set>
+                                      <p:cBhvr>
+                                        <p:cTn id="16" dur="1" fill="hold">
+                                          <p:stCondLst>
+                                            <p:cond delay="0"/>
+                                          </p:stCondLst>
+                                        </p:cTn>
+                                        <p:tgtEl>
+                                          <p:spTgt spid="7"/>
+                                        </p:tgtEl>
+                                        <p:attrNameLst>
+                                          <p:attrName>style.visibility</p:attrName>
+                                        </p:attrNameLst>
+                                      </p:cBhvr>
+                                      <p:to>
+                                        <p:strVal val="visible"/>
+                                      </p:to>
+                                    </p:set>
+                                    <p:animEffect transition="in" filter="fade">
+                                      <p:cBhvr>
+                                        <p:cTn id="17" dur="500"/>
+                                        <p:tgtEl>
+                                          <p:spTgt spid="7"/>
+                                        </p:tgtEl>
+                                      </p:cBhvr>
+                                    </p:animEffect>
+                                  </p:childTnLst>
+                                </p:cTn>
+                              </p:par>
+                            </p:childTnLst>
+                          </p:cTn>
+                        </p:par>
+                      </p:childTnLst>
+                    </p:cTn>
+                  </p:par>
+                </p:childTnLst>
+              </p:cTn>
+              <p:prevCondLst>
+                <p:cond evt="onPrev" delay="0">
+                  <p:tgtEl>
+                    <p:sldTgt/>
+                  </p:tgtEl>
+                </p:cond>
+              </p:prevCondLst>
+              <p:nextCondLst>
+                <p:cond evt="onNext" delay="0">
+                  <p:tgtEl>
+                    <p:sldTgt/>
+                  </p:tgtEl>
+                </p:cond>
+              </p:nextCondLst>
+            </p:seq>
+          </p:childTnLst>
+        </p:cTn>
       </p:par>
     </p:tnLst>
+    <p:bldLst>
+      <p:bldP spid="5" grpId="0" animBg="1"/>
+      <p:bldP spid="6" grpId="0" animBg="1"/>
+      <p:bldP spid="7" grpId="0" animBg="1"/>
+    </p:bldLst>
   </p:timing>
 </p:sld>
 </file>
@@ -3741,7 +4082,7 @@
       </p:grpSpPr>
       <p:sp>
         <p:nvSpPr>
-          <p:cNvPr id="4" name="Title 3"/>
+          <p:cNvPr id="2" name="Title 1"/>
           <p:cNvSpPr>
             <a:spLocks noGrp="1"/>
           </p:cNvSpPr>
@@ -3756,16 +4097,113 @@
           <a:p>
             <a:r>
               <a:rPr lang="en-US" dirty="0" smtClean="0"/>
-              <a:t>HTML Basics</a:t>
+              <a:t>Attributes</a:t>
             </a:r>
             <a:endParaRPr lang="en-US" dirty="0"/>
+          </a:p>
+        </p:txBody>
+      </p:sp>
+      <p:sp>
+        <p:nvSpPr>
+          <p:cNvPr id="3" name="Content Placeholder 2"/>
+          <p:cNvSpPr>
+            <a:spLocks noGrp="1"/>
+          </p:cNvSpPr>
+          <p:nvPr>
+            <p:ph sz="quarter" idx="10"/>
+          </p:nvPr>
+        </p:nvSpPr>
+        <p:spPr/>
+        <p:txBody>
+          <a:bodyPr/>
+          <a:lstStyle/>
+          <a:p>
+            <a:r>
+              <a:rPr lang="en-US" dirty="0" smtClean="0"/>
+              <a:t>Used to add additional context to elements</a:t>
+            </a:r>
+          </a:p>
+          <a:p>
+            <a:r>
+              <a:rPr lang="en-US" dirty="0" smtClean="0"/>
+              <a:t>Always placed in the opening tag</a:t>
+            </a:r>
+          </a:p>
+          <a:p>
+            <a:r>
+              <a:rPr lang="en-US" dirty="0" smtClean="0"/>
+              <a:t>Typically key/value pairs</a:t>
+            </a:r>
+          </a:p>
+          <a:p>
+            <a:pPr lvl="1"/>
+            <a:r>
+              <a:rPr lang="en-US" dirty="0" smtClean="0"/>
+              <a:t>Single or double quotes</a:t>
+            </a:r>
+          </a:p>
+          <a:p>
+            <a:pPr marL="0" indent="0">
+              <a:buNone/>
+            </a:pPr>
+            <a:r>
+              <a:rPr lang="en-US" sz="2800" dirty="0">
+                <a:latin typeface="Consolas" panose="020B0609020204030204" pitchFamily="49" charset="0"/>
+                <a:cs typeface="Consolas" panose="020B0609020204030204" pitchFamily="49" charset="0"/>
+              </a:rPr>
+              <a:t>	</a:t>
+            </a:r>
+            <a:r>
+              <a:rPr lang="en-US" sz="2800" dirty="0" smtClean="0">
+                <a:latin typeface="Consolas" panose="020B0609020204030204" pitchFamily="49" charset="0"/>
+                <a:cs typeface="Consolas" panose="020B0609020204030204" pitchFamily="49" charset="0"/>
+              </a:rPr>
+              <a:t>&lt;input type='text' /&gt;</a:t>
+            </a:r>
+          </a:p>
+          <a:p>
+            <a:pPr marL="0" indent="0">
+              <a:buNone/>
+            </a:pPr>
+            <a:r>
+              <a:rPr lang="en-US" sz="2800" dirty="0">
+                <a:latin typeface="Consolas" panose="020B0609020204030204" pitchFamily="49" charset="0"/>
+                <a:cs typeface="Consolas" panose="020B0609020204030204" pitchFamily="49" charset="0"/>
+              </a:rPr>
+              <a:t>	</a:t>
+            </a:r>
+            <a:r>
+              <a:rPr lang="en-US" sz="2800" dirty="0" smtClean="0">
+                <a:latin typeface="Consolas" panose="020B0609020204030204" pitchFamily="49" charset="0"/>
+                <a:cs typeface="Consolas" panose="020B0609020204030204" pitchFamily="49" charset="0"/>
+              </a:rPr>
+              <a:t>&lt;a </a:t>
+            </a:r>
+            <a:r>
+              <a:rPr lang="en-US" sz="2800" dirty="0" err="1" smtClean="0">
+                <a:latin typeface="Consolas" panose="020B0609020204030204" pitchFamily="49" charset="0"/>
+                <a:cs typeface="Consolas" panose="020B0609020204030204" pitchFamily="49" charset="0"/>
+              </a:rPr>
+              <a:t>href</a:t>
+            </a:r>
+            <a:r>
+              <a:rPr lang="en-US" sz="2800" dirty="0" smtClean="0">
+                <a:latin typeface="Consolas" panose="020B0609020204030204" pitchFamily="49" charset="0"/>
+                <a:cs typeface="Consolas" panose="020B0609020204030204" pitchFamily="49" charset="0"/>
+              </a:rPr>
+              <a:t>='http://www.microsoft.com'&gt;Microsoft&lt;/a&gt;</a:t>
+            </a:r>
+            <a:endParaRPr lang="en-US" sz="2800" dirty="0">
+              <a:latin typeface="Consolas" panose="020B0609020204030204" pitchFamily="49" charset="0"/>
+              <a:cs typeface="Consolas" panose="020B0609020204030204" pitchFamily="49" charset="0"/>
+            </a:endParaRPr>
           </a:p>
         </p:txBody>
       </p:sp>
     </p:spTree>
     <p:extLst>
       <p:ext uri="{BB962C8B-B14F-4D97-AF65-F5344CB8AC3E}">
-        <p14:creationId xmlns:p14="http://schemas.microsoft.com/office/powerpoint/2010/main" val="2369024998"/>
+        <p14:creationId xmlns:p14="http://schemas.microsoft.com/office/powerpoint/2010/main" val="1512863025"/>
       </p:ext>
     </p:extLst>
   </p:cSld>
@@ -3801,6 +4239,66 @@
       </p:grpSpPr>
       <p:sp>
         <p:nvSpPr>
+          <p:cNvPr id="4" name="Title 3"/>
+          <p:cNvSpPr>
+            <a:spLocks noGrp="1"/>
+          </p:cNvSpPr>
+          <p:nvPr>
+            <p:ph type="title"/>
+          </p:nvPr>
+        </p:nvSpPr>
+        <p:spPr/>
+        <p:txBody>
+          <a:bodyPr/>
+          <a:lstStyle/>
+          <a:p>
+            <a:r>
+              <a:rPr lang="en-US" dirty="0" smtClean="0"/>
+              <a:t>HTML Basics</a:t>
+            </a:r>
+            <a:endParaRPr lang="en-US" dirty="0"/>
+          </a:p>
+        </p:txBody>
+      </p:sp>
+    </p:spTree>
+    <p:extLst>
+      <p:ext uri="{BB962C8B-B14F-4D97-AF65-F5344CB8AC3E}">
+        <p14:creationId xmlns:p14="http://schemas.microsoft.com/office/powerpoint/2010/main" val="2369024998"/>
+      </p:ext>
+    </p:extLst>
+  </p:cSld>
+  <p:clrMapOvr>
+    <a:masterClrMapping/>
+  </p:clrMapOvr>
+  <p:timing>
+    <p:tnLst>
+      <p:par>
+        <p:cTn id="1" dur="indefinite" restart="never" nodeType="tmRoot"/>
+      </p:par>
+    </p:tnLst>
+  </p:timing>
+</p:sld>
+</file>
+
+<file path=ppt/slides/slide13.xml><?xml version="1.0" encoding="utf-8"?>
+<p:sld xmlns:a="http://schemas.openxmlformats.org/drawingml/2006/main" xmlns:r="http://schemas.openxmlformats.org/officeDocument/2006/relationships" xmlns:p="http://schemas.openxmlformats.org/presentationml/2006/main">
+  <p:cSld>
+    <p:spTree>
+      <p:nvGrpSpPr>
+        <p:cNvPr id="1" name=""/>
+        <p:cNvGrpSpPr/>
+        <p:nvPr/>
+      </p:nvGrpSpPr>
+      <p:grpSpPr>
+        <a:xfrm>
+          <a:off x="0" y="0"/>
+          <a:ext cx="0" cy="0"/>
+          <a:chOff x="0" y="0"/>
+          <a:chExt cx="0" cy="0"/>
+        </a:xfrm>
+      </p:grpSpPr>
+      <p:sp>
+        <p:nvSpPr>
           <p:cNvPr id="3" name="Title 2"/>
           <p:cNvSpPr>
             <a:spLocks noGrp="1"/>
@@ -3916,7 +4414,2991 @@
 </p:sld>
 </file>
 
-<file path=ppt/slides/slide13.xml><?xml version="1.0" encoding="utf-8"?>
+<file path=ppt/slides/slide14.xml><?xml version="1.0" encoding="utf-8"?>
+<p:sld xmlns:a="http://schemas.openxmlformats.org/drawingml/2006/main" xmlns:r="http://schemas.openxmlformats.org/officeDocument/2006/relationships" xmlns:p="http://schemas.openxmlformats.org/presentationml/2006/main">
+  <p:cSld>
+    <p:spTree>
+      <p:nvGrpSpPr>
+        <p:cNvPr id="1" name=""/>
+        <p:cNvGrpSpPr/>
+        <p:nvPr/>
+      </p:nvGrpSpPr>
+      <p:grpSpPr>
+        <a:xfrm>
+          <a:off x="0" y="0"/>
+          <a:ext cx="0" cy="0"/>
+          <a:chOff x="0" y="0"/>
+          <a:chExt cx="0" cy="0"/>
+        </a:xfrm>
+      </p:grpSpPr>
+      <p:sp>
+        <p:nvSpPr>
+          <p:cNvPr id="5" name="Text Placeholder 4"/>
+          <p:cNvSpPr>
+            <a:spLocks noGrp="1"/>
+          </p:cNvSpPr>
+          <p:nvPr>
+            <p:ph type="body" sz="quarter" idx="10"/>
+          </p:nvPr>
+        </p:nvSpPr>
+        <p:spPr/>
+        <p:txBody>
+          <a:bodyPr/>
+          <a:lstStyle/>
+          <a:p>
+            <a:r>
+              <a:rPr lang="en-US" dirty="0" smtClean="0"/>
+              <a:t>Forms</a:t>
+            </a:r>
+            <a:endParaRPr lang="en-US" dirty="0"/>
+          </a:p>
+        </p:txBody>
+      </p:sp>
+      <p:sp>
+        <p:nvSpPr>
+          <p:cNvPr id="4" name="Subtitle 3"/>
+          <p:cNvSpPr>
+            <a:spLocks noGrp="1"/>
+          </p:cNvSpPr>
+          <p:nvPr>
+            <p:ph type="subTitle" idx="1"/>
+          </p:nvPr>
+        </p:nvSpPr>
+        <p:spPr/>
+        <p:txBody>
+          <a:bodyPr/>
+          <a:lstStyle/>
+          <a:p>
+            <a:endParaRPr lang="en-US" dirty="0"/>
+          </a:p>
+        </p:txBody>
+      </p:sp>
+    </p:spTree>
+    <p:extLst>
+      <p:ext uri="{BB962C8B-B14F-4D97-AF65-F5344CB8AC3E}">
+        <p14:creationId xmlns:p14="http://schemas.microsoft.com/office/powerpoint/2010/main" val="3589316428"/>
+      </p:ext>
+    </p:extLst>
+  </p:cSld>
+  <p:clrMapOvr>
+    <a:masterClrMapping/>
+  </p:clrMapOvr>
+  <p:timing>
+    <p:tnLst>
+      <p:par>
+        <p:cTn id="1" dur="indefinite" restart="never" nodeType="tmRoot"/>
+      </p:par>
+    </p:tnLst>
+  </p:timing>
+</p:sld>
+</file>
+
+<file path=ppt/slides/slide15.xml><?xml version="1.0" encoding="utf-8"?>
+<p:sld xmlns:a="http://schemas.openxmlformats.org/drawingml/2006/main" xmlns:r="http://schemas.openxmlformats.org/officeDocument/2006/relationships" xmlns:p="http://schemas.openxmlformats.org/presentationml/2006/main">
+  <p:cSld>
+    <p:spTree>
+      <p:nvGrpSpPr>
+        <p:cNvPr id="1" name=""/>
+        <p:cNvGrpSpPr/>
+        <p:nvPr/>
+      </p:nvGrpSpPr>
+      <p:grpSpPr>
+        <a:xfrm>
+          <a:off x="0" y="0"/>
+          <a:ext cx="0" cy="0"/>
+          <a:chOff x="0" y="0"/>
+          <a:chExt cx="0" cy="0"/>
+        </a:xfrm>
+      </p:grpSpPr>
+      <p:sp>
+        <p:nvSpPr>
+          <p:cNvPr id="4" name="Title 3"/>
+          <p:cNvSpPr>
+            <a:spLocks noGrp="1"/>
+          </p:cNvSpPr>
+          <p:nvPr>
+            <p:ph type="title"/>
+          </p:nvPr>
+        </p:nvSpPr>
+        <p:spPr/>
+        <p:txBody>
+          <a:bodyPr/>
+          <a:lstStyle/>
+          <a:p>
+            <a:r>
+              <a:rPr lang="en-US" dirty="0" smtClean="0"/>
+              <a:t>Forms</a:t>
+            </a:r>
+            <a:endParaRPr lang="en-US" dirty="0"/>
+          </a:p>
+        </p:txBody>
+      </p:sp>
+      <p:sp>
+        <p:nvSpPr>
+          <p:cNvPr id="5" name="Content Placeholder 4"/>
+          <p:cNvSpPr>
+            <a:spLocks noGrp="1"/>
+          </p:cNvSpPr>
+          <p:nvPr>
+            <p:ph sz="quarter" idx="10"/>
+          </p:nvPr>
+        </p:nvSpPr>
+        <p:spPr/>
+        <p:txBody>
+          <a:bodyPr/>
+          <a:lstStyle/>
+          <a:p>
+            <a:r>
+              <a:rPr lang="en-US" dirty="0" smtClean="0"/>
+              <a:t>Collecting information from the user</a:t>
+            </a:r>
+          </a:p>
+          <a:p>
+            <a:r>
+              <a:rPr lang="en-US" dirty="0" smtClean="0"/>
+              <a:t>Sending information to the server</a:t>
+            </a:r>
+          </a:p>
+          <a:p>
+            <a:r>
+              <a:rPr lang="en-US" dirty="0" smtClean="0"/>
+              <a:t>Reading information on the server</a:t>
+            </a:r>
+            <a:endParaRPr lang="en-US" dirty="0"/>
+          </a:p>
+        </p:txBody>
+      </p:sp>
+    </p:spTree>
+    <p:extLst>
+      <p:ext uri="{BB962C8B-B14F-4D97-AF65-F5344CB8AC3E}">
+        <p14:creationId xmlns:p14="http://schemas.microsoft.com/office/powerpoint/2010/main" val="4238525272"/>
+      </p:ext>
+    </p:extLst>
+  </p:cSld>
+  <p:clrMapOvr>
+    <a:masterClrMapping/>
+  </p:clrMapOvr>
+  <p:timing>
+    <p:tnLst>
+      <p:par>
+        <p:cTn id="1" dur="indefinite" restart="never" nodeType="tmRoot"/>
+      </p:par>
+    </p:tnLst>
+  </p:timing>
+</p:sld>
+</file>
+
+<file path=ppt/slides/slide16.xml><?xml version="1.0" encoding="utf-8"?>
+<p:sld xmlns:a="http://schemas.openxmlformats.org/drawingml/2006/main" xmlns:r="http://schemas.openxmlformats.org/officeDocument/2006/relationships" xmlns:p="http://schemas.openxmlformats.org/presentationml/2006/main">
+  <p:cSld>
+    <p:spTree>
+      <p:nvGrpSpPr>
+        <p:cNvPr id="1" name=""/>
+        <p:cNvGrpSpPr/>
+        <p:nvPr/>
+      </p:nvGrpSpPr>
+      <p:grpSpPr>
+        <a:xfrm>
+          <a:off x="0" y="0"/>
+          <a:ext cx="0" cy="0"/>
+          <a:chOff x="0" y="0"/>
+          <a:chExt cx="0" cy="0"/>
+        </a:xfrm>
+      </p:grpSpPr>
+      <p:sp>
+        <p:nvSpPr>
+          <p:cNvPr id="2" name="Title 1"/>
+          <p:cNvSpPr>
+            <a:spLocks noGrp="1"/>
+          </p:cNvSpPr>
+          <p:nvPr>
+            <p:ph type="title"/>
+          </p:nvPr>
+        </p:nvSpPr>
+        <p:spPr/>
+        <p:txBody>
+          <a:bodyPr/>
+          <a:lstStyle/>
+          <a:p>
+            <a:r>
+              <a:rPr lang="en-US" dirty="0" smtClean="0"/>
+              <a:t>Collecting information from the user</a:t>
+            </a:r>
+            <a:endParaRPr lang="en-US" dirty="0"/>
+          </a:p>
+        </p:txBody>
+      </p:sp>
+      <p:sp>
+        <p:nvSpPr>
+          <p:cNvPr id="3" name="Content Placeholder 2"/>
+          <p:cNvSpPr>
+            <a:spLocks noGrp="1"/>
+          </p:cNvSpPr>
+          <p:nvPr>
+            <p:ph sz="quarter" idx="10"/>
+          </p:nvPr>
+        </p:nvSpPr>
+        <p:spPr/>
+        <p:txBody>
+          <a:bodyPr/>
+          <a:lstStyle/>
+          <a:p>
+            <a:r>
+              <a:rPr lang="en-US" dirty="0" smtClean="0"/>
+              <a:t>Input controls</a:t>
+            </a:r>
+          </a:p>
+          <a:p>
+            <a:endParaRPr lang="en-US" dirty="0"/>
+          </a:p>
+          <a:p>
+            <a:endParaRPr lang="en-US" dirty="0" smtClean="0"/>
+          </a:p>
+          <a:p>
+            <a:r>
+              <a:rPr lang="en-US" dirty="0" smtClean="0"/>
+              <a:t>Options</a:t>
+            </a:r>
+          </a:p>
+          <a:p>
+            <a:pPr lvl="1"/>
+            <a:r>
+              <a:rPr lang="en-US" dirty="0" smtClean="0"/>
+              <a:t>text</a:t>
+            </a:r>
+          </a:p>
+          <a:p>
+            <a:pPr lvl="1"/>
+            <a:r>
+              <a:rPr lang="en-US" dirty="0" smtClean="0"/>
+              <a:t>password</a:t>
+            </a:r>
+          </a:p>
+          <a:p>
+            <a:pPr lvl="1"/>
+            <a:r>
+              <a:rPr lang="en-US" dirty="0" smtClean="0"/>
+              <a:t>Email</a:t>
+            </a:r>
+            <a:endParaRPr lang="en-US" dirty="0"/>
+          </a:p>
+        </p:txBody>
+      </p:sp>
+      <p:sp>
+        <p:nvSpPr>
+          <p:cNvPr id="4" name="Rounded Rectangle 3"/>
+          <p:cNvSpPr/>
+          <p:nvPr/>
+        </p:nvSpPr>
+        <p:spPr>
+          <a:xfrm>
+            <a:off x="1371601" y="2315496"/>
+            <a:ext cx="7116096" cy="766916"/>
+          </a:xfrm>
+          <a:prstGeom prst="roundRect">
+            <a:avLst/>
+          </a:prstGeom>
+        </p:spPr>
+        <p:style>
+          <a:lnRef idx="1">
+            <a:schemeClr val="accent3"/>
+          </a:lnRef>
+          <a:fillRef idx="2">
+            <a:schemeClr val="accent3"/>
+          </a:fillRef>
+          <a:effectRef idx="1">
+            <a:schemeClr val="accent3"/>
+          </a:effectRef>
+          <a:fontRef idx="minor">
+            <a:schemeClr val="dk1"/>
+          </a:fontRef>
+        </p:style>
+        <p:txBody>
+          <a:bodyPr rtlCol="0" anchor="ctr"/>
+          <a:lstStyle/>
+          <a:p>
+            <a:pPr algn="ctr"/>
+            <a:r>
+              <a:rPr lang="en-US" sz="2400" dirty="0" smtClean="0">
+                <a:latin typeface="Consolas" panose="020B0609020204030204" pitchFamily="49" charset="0"/>
+                <a:cs typeface="Consolas" panose="020B0609020204030204" pitchFamily="49" charset="0"/>
+              </a:rPr>
+              <a:t>&lt;input type='&lt;type&gt;' name='&lt;name&gt;' /&gt;</a:t>
+            </a:r>
+            <a:endParaRPr lang="en-US" sz="2400" dirty="0">
+              <a:latin typeface="Consolas" panose="020B0609020204030204" pitchFamily="49" charset="0"/>
+              <a:cs typeface="Consolas" panose="020B0609020204030204" pitchFamily="49" charset="0"/>
+            </a:endParaRPr>
+          </a:p>
+        </p:txBody>
+      </p:sp>
+    </p:spTree>
+    <p:extLst>
+      <p:ext uri="{BB962C8B-B14F-4D97-AF65-F5344CB8AC3E}">
+        <p14:creationId xmlns:p14="http://schemas.microsoft.com/office/powerpoint/2010/main" val="2691396396"/>
+      </p:ext>
+    </p:extLst>
+  </p:cSld>
+  <p:clrMapOvr>
+    <a:masterClrMapping/>
+  </p:clrMapOvr>
+  <p:timing>
+    <p:tnLst>
+      <p:par>
+        <p:cTn id="1" dur="indefinite" restart="never" nodeType="tmRoot"/>
+      </p:par>
+    </p:tnLst>
+  </p:timing>
+</p:sld>
+</file>
+
+<file path=ppt/slides/slide17.xml><?xml version="1.0" encoding="utf-8"?>
+<p:sld xmlns:a="http://schemas.openxmlformats.org/drawingml/2006/main" xmlns:r="http://schemas.openxmlformats.org/officeDocument/2006/relationships" xmlns:p="http://schemas.openxmlformats.org/presentationml/2006/main">
+  <p:cSld>
+    <p:spTree>
+      <p:nvGrpSpPr>
+        <p:cNvPr id="1" name=""/>
+        <p:cNvGrpSpPr/>
+        <p:nvPr/>
+      </p:nvGrpSpPr>
+      <p:grpSpPr>
+        <a:xfrm>
+          <a:off x="0" y="0"/>
+          <a:ext cx="0" cy="0"/>
+          <a:chOff x="0" y="0"/>
+          <a:chExt cx="0" cy="0"/>
+        </a:xfrm>
+      </p:grpSpPr>
+      <p:sp>
+        <p:nvSpPr>
+          <p:cNvPr id="2" name="Title 1"/>
+          <p:cNvSpPr>
+            <a:spLocks noGrp="1"/>
+          </p:cNvSpPr>
+          <p:nvPr>
+            <p:ph type="title"/>
+          </p:nvPr>
+        </p:nvSpPr>
+        <p:spPr/>
+        <p:txBody>
+          <a:bodyPr/>
+          <a:lstStyle/>
+          <a:p>
+            <a:r>
+              <a:rPr lang="en-US" dirty="0" smtClean="0"/>
+              <a:t>Sending information to the server</a:t>
+            </a:r>
+            <a:endParaRPr lang="en-US" dirty="0"/>
+          </a:p>
+        </p:txBody>
+      </p:sp>
+      <p:sp>
+        <p:nvSpPr>
+          <p:cNvPr id="3" name="Content Placeholder 2"/>
+          <p:cNvSpPr>
+            <a:spLocks noGrp="1"/>
+          </p:cNvSpPr>
+          <p:nvPr>
+            <p:ph sz="quarter" idx="10"/>
+          </p:nvPr>
+        </p:nvSpPr>
+        <p:spPr/>
+        <p:txBody>
+          <a:bodyPr/>
+          <a:lstStyle/>
+          <a:p>
+            <a:r>
+              <a:rPr lang="en-US" dirty="0" smtClean="0"/>
+              <a:t>Form element controls where and how the information is sent</a:t>
+            </a:r>
+          </a:p>
+          <a:p>
+            <a:r>
+              <a:rPr lang="en-US" dirty="0" smtClean="0"/>
+              <a:t>Where is controlled by action parameter</a:t>
+            </a:r>
+          </a:p>
+          <a:p>
+            <a:pPr lvl="1"/>
+            <a:r>
+              <a:rPr lang="en-US" dirty="0" smtClean="0"/>
+              <a:t>Defaults back to the same "page"</a:t>
+            </a:r>
+          </a:p>
+          <a:p>
+            <a:r>
+              <a:rPr lang="en-US" dirty="0" smtClean="0"/>
+              <a:t>How is controlled by method parameter</a:t>
+            </a:r>
+          </a:p>
+          <a:p>
+            <a:pPr lvl="1"/>
+            <a:r>
+              <a:rPr lang="en-US" dirty="0" smtClean="0"/>
+              <a:t>get puts form data in the URL</a:t>
+            </a:r>
+          </a:p>
+          <a:p>
+            <a:pPr lvl="2"/>
+            <a:r>
+              <a:rPr lang="en-US" dirty="0" smtClean="0"/>
+              <a:t>Visible and </a:t>
+            </a:r>
+            <a:r>
+              <a:rPr lang="en-US" dirty="0" err="1" smtClean="0"/>
+              <a:t>replayable</a:t>
+            </a:r>
+            <a:endParaRPr lang="en-US" dirty="0" smtClean="0"/>
+          </a:p>
+          <a:p>
+            <a:pPr lvl="1"/>
+            <a:r>
+              <a:rPr lang="en-US" dirty="0" smtClean="0"/>
+              <a:t>post puts form data in the header</a:t>
+            </a:r>
+          </a:p>
+          <a:p>
+            <a:pPr lvl="2"/>
+            <a:r>
+              <a:rPr lang="en-US" dirty="0" smtClean="0"/>
+              <a:t>Hidden behind the scenes</a:t>
+            </a:r>
+            <a:endParaRPr lang="en-US" dirty="0"/>
+          </a:p>
+        </p:txBody>
+      </p:sp>
+      <p:sp>
+        <p:nvSpPr>
+          <p:cNvPr id="4" name="Rounded Rectangle 3"/>
+          <p:cNvSpPr/>
+          <p:nvPr/>
+        </p:nvSpPr>
+        <p:spPr>
+          <a:xfrm>
+            <a:off x="7020232" y="5117690"/>
+            <a:ext cx="4948084" cy="1460090"/>
+          </a:xfrm>
+          <a:prstGeom prst="roundRect">
+            <a:avLst/>
+          </a:prstGeom>
+        </p:spPr>
+        <p:style>
+          <a:lnRef idx="1">
+            <a:schemeClr val="accent5"/>
+          </a:lnRef>
+          <a:fillRef idx="2">
+            <a:schemeClr val="accent5"/>
+          </a:fillRef>
+          <a:effectRef idx="1">
+            <a:schemeClr val="accent5"/>
+          </a:effectRef>
+          <a:fontRef idx="minor">
+            <a:schemeClr val="dk1"/>
+          </a:fontRef>
+        </p:style>
+        <p:txBody>
+          <a:bodyPr rtlCol="0" anchor="ctr"/>
+          <a:lstStyle/>
+          <a:p>
+            <a:r>
+              <a:rPr lang="en-US" sz="2400" dirty="0" smtClean="0">
+                <a:latin typeface="Consolas" panose="020B0609020204030204" pitchFamily="49" charset="0"/>
+                <a:cs typeface="Consolas" panose="020B0609020204030204" pitchFamily="49" charset="0"/>
+              </a:rPr>
+              <a:t>&lt;form method='post'&gt;</a:t>
+            </a:r>
+          </a:p>
+          <a:p>
+            <a:r>
+              <a:rPr lang="en-US" sz="2400" dirty="0" smtClean="0">
+                <a:latin typeface="Consolas" panose="020B0609020204030204" pitchFamily="49" charset="0"/>
+                <a:cs typeface="Consolas" panose="020B0609020204030204" pitchFamily="49" charset="0"/>
+              </a:rPr>
+              <a:t>    ... Input controls ...</a:t>
+            </a:r>
+          </a:p>
+          <a:p>
+            <a:r>
+              <a:rPr lang="en-US" sz="2400" dirty="0" smtClean="0">
+                <a:latin typeface="Consolas" panose="020B0609020204030204" pitchFamily="49" charset="0"/>
+                <a:cs typeface="Consolas" panose="020B0609020204030204" pitchFamily="49" charset="0"/>
+              </a:rPr>
+              <a:t>&lt;/form&gt;</a:t>
+            </a:r>
+            <a:endParaRPr lang="en-US" sz="2400" dirty="0">
+              <a:latin typeface="Consolas" panose="020B0609020204030204" pitchFamily="49" charset="0"/>
+              <a:cs typeface="Consolas" panose="020B0609020204030204" pitchFamily="49" charset="0"/>
+            </a:endParaRPr>
+          </a:p>
+        </p:txBody>
+      </p:sp>
+    </p:spTree>
+    <p:extLst>
+      <p:ext uri="{BB962C8B-B14F-4D97-AF65-F5344CB8AC3E}">
+        <p14:creationId xmlns:p14="http://schemas.microsoft.com/office/powerpoint/2010/main" val="1597828484"/>
+      </p:ext>
+    </p:extLst>
+  </p:cSld>
+  <p:clrMapOvr>
+    <a:masterClrMapping/>
+  </p:clrMapOvr>
+  <p:timing>
+    <p:tnLst>
+      <p:par>
+        <p:cTn id="1" dur="indefinite" restart="never" nodeType="tmRoot"/>
+      </p:par>
+    </p:tnLst>
+  </p:timing>
+</p:sld>
+</file>
+
+<file path=ppt/slides/slide18.xml><?xml version="1.0" encoding="utf-8"?>
+<p:sld xmlns:a="http://schemas.openxmlformats.org/drawingml/2006/main" xmlns:r="http://schemas.openxmlformats.org/officeDocument/2006/relationships" xmlns:p="http://schemas.openxmlformats.org/presentationml/2006/main">
+  <p:cSld>
+    <p:spTree>
+      <p:nvGrpSpPr>
+        <p:cNvPr id="1" name=""/>
+        <p:cNvGrpSpPr/>
+        <p:nvPr/>
+      </p:nvGrpSpPr>
+      <p:grpSpPr>
+        <a:xfrm>
+          <a:off x="0" y="0"/>
+          <a:ext cx="0" cy="0"/>
+          <a:chOff x="0" y="0"/>
+          <a:chExt cx="0" cy="0"/>
+        </a:xfrm>
+      </p:grpSpPr>
+      <p:sp>
+        <p:nvSpPr>
+          <p:cNvPr id="2" name="Title 1"/>
+          <p:cNvSpPr>
+            <a:spLocks noGrp="1"/>
+          </p:cNvSpPr>
+          <p:nvPr>
+            <p:ph type="title"/>
+          </p:nvPr>
+        </p:nvSpPr>
+        <p:spPr/>
+        <p:txBody>
+          <a:bodyPr/>
+          <a:lstStyle/>
+          <a:p>
+            <a:r>
+              <a:rPr lang="en-US" dirty="0" smtClean="0"/>
+              <a:t>Reading information on the server</a:t>
+            </a:r>
+            <a:endParaRPr lang="en-US" dirty="0"/>
+          </a:p>
+        </p:txBody>
+      </p:sp>
+      <p:sp>
+        <p:nvSpPr>
+          <p:cNvPr id="3" name="Content Placeholder 2"/>
+          <p:cNvSpPr>
+            <a:spLocks noGrp="1"/>
+          </p:cNvSpPr>
+          <p:nvPr>
+            <p:ph sz="quarter" idx="10"/>
+          </p:nvPr>
+        </p:nvSpPr>
+        <p:spPr/>
+        <p:txBody>
+          <a:bodyPr/>
+          <a:lstStyle/>
+          <a:p>
+            <a:r>
+              <a:rPr lang="en-US" dirty="0" smtClean="0"/>
+              <a:t>Information is available in </a:t>
+            </a:r>
+            <a:r>
+              <a:rPr lang="en-US" dirty="0" err="1" smtClean="0"/>
+              <a:t>request.form</a:t>
+            </a:r>
+            <a:r>
+              <a:rPr lang="en-US" dirty="0" smtClean="0"/>
+              <a:t> collection</a:t>
+            </a:r>
+          </a:p>
+          <a:p>
+            <a:pPr lvl="1"/>
+            <a:r>
+              <a:rPr lang="en-US" dirty="0" smtClean="0"/>
+              <a:t>Names match the names on the input controls</a:t>
+            </a:r>
+            <a:endParaRPr lang="en-US" dirty="0"/>
+          </a:p>
+        </p:txBody>
+      </p:sp>
+      <p:sp>
+        <p:nvSpPr>
+          <p:cNvPr id="4" name="Rounded Rectangle 3"/>
+          <p:cNvSpPr/>
+          <p:nvPr/>
+        </p:nvSpPr>
+        <p:spPr>
+          <a:xfrm>
+            <a:off x="508821" y="2514599"/>
+            <a:ext cx="7116096" cy="766916"/>
+          </a:xfrm>
+          <a:prstGeom prst="roundRect">
+            <a:avLst/>
+          </a:prstGeom>
+        </p:spPr>
+        <p:style>
+          <a:lnRef idx="1">
+            <a:schemeClr val="accent1"/>
+          </a:lnRef>
+          <a:fillRef idx="2">
+            <a:schemeClr val="accent1"/>
+          </a:fillRef>
+          <a:effectRef idx="1">
+            <a:schemeClr val="accent1"/>
+          </a:effectRef>
+          <a:fontRef idx="minor">
+            <a:schemeClr val="dk1"/>
+          </a:fontRef>
+        </p:style>
+        <p:txBody>
+          <a:bodyPr rtlCol="0" anchor="ctr"/>
+          <a:lstStyle/>
+          <a:p>
+            <a:pPr algn="ctr"/>
+            <a:r>
+              <a:rPr lang="en-US" sz="2400" dirty="0" smtClean="0">
+                <a:latin typeface="Consolas" panose="020B0609020204030204" pitchFamily="49" charset="0"/>
+                <a:cs typeface="Consolas" panose="020B0609020204030204" pitchFamily="49" charset="0"/>
+              </a:rPr>
+              <a:t>&lt;input type='text' name='answer' /&gt;</a:t>
+            </a:r>
+            <a:endParaRPr lang="en-US" sz="2400" dirty="0">
+              <a:latin typeface="Consolas" panose="020B0609020204030204" pitchFamily="49" charset="0"/>
+              <a:cs typeface="Consolas" panose="020B0609020204030204" pitchFamily="49" charset="0"/>
+            </a:endParaRPr>
+          </a:p>
+        </p:txBody>
+      </p:sp>
+      <p:sp>
+        <p:nvSpPr>
+          <p:cNvPr id="5" name="Rounded Rectangle 4"/>
+          <p:cNvSpPr/>
+          <p:nvPr/>
+        </p:nvSpPr>
+        <p:spPr>
+          <a:xfrm>
+            <a:off x="4208208" y="4596606"/>
+            <a:ext cx="7116096" cy="766916"/>
+          </a:xfrm>
+          <a:prstGeom prst="roundRect">
+            <a:avLst/>
+          </a:prstGeom>
+        </p:spPr>
+        <p:style>
+          <a:lnRef idx="1">
+            <a:schemeClr val="accent3"/>
+          </a:lnRef>
+          <a:fillRef idx="2">
+            <a:schemeClr val="accent3"/>
+          </a:fillRef>
+          <a:effectRef idx="1">
+            <a:schemeClr val="accent3"/>
+          </a:effectRef>
+          <a:fontRef idx="minor">
+            <a:schemeClr val="dk1"/>
+          </a:fontRef>
+        </p:style>
+        <p:txBody>
+          <a:bodyPr rtlCol="0" anchor="ctr"/>
+          <a:lstStyle/>
+          <a:p>
+            <a:pPr algn="ctr"/>
+            <a:r>
+              <a:rPr lang="en-US" sz="2400" dirty="0" smtClean="0">
+                <a:latin typeface="Consolas" panose="020B0609020204030204" pitchFamily="49" charset="0"/>
+                <a:cs typeface="Consolas" panose="020B0609020204030204" pitchFamily="49" charset="0"/>
+              </a:rPr>
+              <a:t>name = </a:t>
+            </a:r>
+            <a:r>
+              <a:rPr lang="en-US" sz="2400" dirty="0" err="1" smtClean="0">
+                <a:latin typeface="Consolas" panose="020B0609020204030204" pitchFamily="49" charset="0"/>
+                <a:cs typeface="Consolas" panose="020B0609020204030204" pitchFamily="49" charset="0"/>
+              </a:rPr>
+              <a:t>request.form</a:t>
+            </a:r>
+            <a:r>
+              <a:rPr lang="en-US" sz="2400" dirty="0" smtClean="0">
+                <a:latin typeface="Consolas" panose="020B0609020204030204" pitchFamily="49" charset="0"/>
+                <a:cs typeface="Consolas" panose="020B0609020204030204" pitchFamily="49" charset="0"/>
+              </a:rPr>
+              <a:t>['answer']</a:t>
+            </a:r>
+            <a:endParaRPr lang="en-US" sz="2400" dirty="0">
+              <a:latin typeface="Consolas" panose="020B0609020204030204" pitchFamily="49" charset="0"/>
+              <a:cs typeface="Consolas" panose="020B0609020204030204" pitchFamily="49" charset="0"/>
+            </a:endParaRPr>
+          </a:p>
+        </p:txBody>
+      </p:sp>
+      <p:cxnSp>
+        <p:nvCxnSpPr>
+          <p:cNvPr id="7" name="Elbow Connector 6"/>
+          <p:cNvCxnSpPr>
+            <a:stCxn id="4" idx="2"/>
+            <a:endCxn id="5" idx="0"/>
+          </p:cNvCxnSpPr>
+          <p:nvPr/>
+        </p:nvCxnSpPr>
+        <p:spPr>
+          <a:xfrm rot="16200000" flipH="1">
+            <a:off x="5259017" y="2089366"/>
+            <a:ext cx="1315091" cy="3699387"/>
+          </a:xfrm>
+          <a:prstGeom prst="bentConnector3">
+            <a:avLst/>
+          </a:prstGeom>
+          <a:ln>
+            <a:tailEnd type="triangle"/>
+          </a:ln>
+        </p:spPr>
+        <p:style>
+          <a:lnRef idx="3">
+            <a:schemeClr val="accent4"/>
+          </a:lnRef>
+          <a:fillRef idx="0">
+            <a:schemeClr val="accent4"/>
+          </a:fillRef>
+          <a:effectRef idx="2">
+            <a:schemeClr val="accent4"/>
+          </a:effectRef>
+          <a:fontRef idx="minor">
+            <a:schemeClr val="tx1"/>
+          </a:fontRef>
+        </p:style>
+      </p:cxnSp>
+    </p:spTree>
+    <p:extLst>
+      <p:ext uri="{BB962C8B-B14F-4D97-AF65-F5344CB8AC3E}">
+        <p14:creationId xmlns:p14="http://schemas.microsoft.com/office/powerpoint/2010/main" val="3805086769"/>
+      </p:ext>
+    </p:extLst>
+  </p:cSld>
+  <p:clrMapOvr>
+    <a:masterClrMapping/>
+  </p:clrMapOvr>
+  <p:timing>
+    <p:tnLst>
+      <p:par>
+        <p:cTn id="1" dur="indefinite" restart="never" nodeType="tmRoot">
+          <p:childTnLst>
+            <p:seq concurrent="1" nextAc="seek">
+              <p:cTn id="2" dur="indefinite" nodeType="mainSeq">
+                <p:childTnLst>
+                  <p:par>
+                    <p:cTn id="3" fill="hold">
+                      <p:stCondLst>
+                        <p:cond delay="indefinite"/>
+                      </p:stCondLst>
+                      <p:childTnLst>
+                        <p:par>
+                          <p:cTn id="4" fill="hold">
+                            <p:stCondLst>
+                              <p:cond delay="0"/>
+                            </p:stCondLst>
+                            <p:childTnLst>
+                              <p:par>
+                                <p:cTn id="5" presetID="10" presetClass="entr" presetSubtype="0" fill="hold" grpId="0" nodeType="clickEffect">
+                                  <p:stCondLst>
+                                    <p:cond delay="0"/>
+                                  </p:stCondLst>
+                                  <p:childTnLst>
+                                    <p:set>
+                                      <p:cBhvr>
+                                        <p:cTn id="6" dur="1" fill="hold">
+                                          <p:stCondLst>
+                                            <p:cond delay="0"/>
+                                          </p:stCondLst>
+                                        </p:cTn>
+                                        <p:tgtEl>
+                                          <p:spTgt spid="4"/>
+                                        </p:tgtEl>
+                                        <p:attrNameLst>
+                                          <p:attrName>style.visibility</p:attrName>
+                                        </p:attrNameLst>
+                                      </p:cBhvr>
+                                      <p:to>
+                                        <p:strVal val="visible"/>
+                                      </p:to>
+                                    </p:set>
+                                    <p:animEffect transition="in" filter="fade">
+                                      <p:cBhvr>
+                                        <p:cTn id="7" dur="500"/>
+                                        <p:tgtEl>
+                                          <p:spTgt spid="4"/>
+                                        </p:tgtEl>
+                                      </p:cBhvr>
+                                    </p:animEffect>
+                                  </p:childTnLst>
+                                </p:cTn>
+                              </p:par>
+                            </p:childTnLst>
+                          </p:cTn>
+                        </p:par>
+                      </p:childTnLst>
+                    </p:cTn>
+                  </p:par>
+                  <p:par>
+                    <p:cTn id="8" fill="hold">
+                      <p:stCondLst>
+                        <p:cond delay="indefinite"/>
+                      </p:stCondLst>
+                      <p:childTnLst>
+                        <p:par>
+                          <p:cTn id="9" fill="hold">
+                            <p:stCondLst>
+                              <p:cond delay="0"/>
+                            </p:stCondLst>
+                            <p:childTnLst>
+                              <p:par>
+                                <p:cTn id="10" presetID="10" presetClass="entr" presetSubtype="0" fill="hold" nodeType="clickEffect">
+                                  <p:stCondLst>
+                                    <p:cond delay="0"/>
+                                  </p:stCondLst>
+                                  <p:childTnLst>
+                                    <p:set>
+                                      <p:cBhvr>
+                                        <p:cTn id="11" dur="1" fill="hold">
+                                          <p:stCondLst>
+                                            <p:cond delay="0"/>
+                                          </p:stCondLst>
+                                        </p:cTn>
+                                        <p:tgtEl>
+                                          <p:spTgt spid="7"/>
+                                        </p:tgtEl>
+                                        <p:attrNameLst>
+                                          <p:attrName>style.visibility</p:attrName>
+                                        </p:attrNameLst>
+                                      </p:cBhvr>
+                                      <p:to>
+                                        <p:strVal val="visible"/>
+                                      </p:to>
+                                    </p:set>
+                                    <p:animEffect transition="in" filter="fade">
+                                      <p:cBhvr>
+                                        <p:cTn id="12" dur="500"/>
+                                        <p:tgtEl>
+                                          <p:spTgt spid="7"/>
+                                        </p:tgtEl>
+                                      </p:cBhvr>
+                                    </p:animEffect>
+                                  </p:childTnLst>
+                                </p:cTn>
+                              </p:par>
+                              <p:par>
+                                <p:cTn id="13" presetID="10" presetClass="entr" presetSubtype="0" fill="hold" grpId="0" nodeType="withEffect">
+                                  <p:stCondLst>
+                                    <p:cond delay="0"/>
+                                  </p:stCondLst>
+                                  <p:childTnLst>
+                                    <p:set>
+                                      <p:cBhvr>
+                                        <p:cTn id="14" dur="1" fill="hold">
+                                          <p:stCondLst>
+                                            <p:cond delay="0"/>
+                                          </p:stCondLst>
+                                        </p:cTn>
+                                        <p:tgtEl>
+                                          <p:spTgt spid="5"/>
+                                        </p:tgtEl>
+                                        <p:attrNameLst>
+                                          <p:attrName>style.visibility</p:attrName>
+                                        </p:attrNameLst>
+                                      </p:cBhvr>
+                                      <p:to>
+                                        <p:strVal val="visible"/>
+                                      </p:to>
+                                    </p:set>
+                                    <p:animEffect transition="in" filter="fade">
+                                      <p:cBhvr>
+                                        <p:cTn id="15" dur="500"/>
+                                        <p:tgtEl>
+                                          <p:spTgt spid="5"/>
+                                        </p:tgtEl>
+                                      </p:cBhvr>
+                                    </p:animEffect>
+                                  </p:childTnLst>
+                                </p:cTn>
+                              </p:par>
+                            </p:childTnLst>
+                          </p:cTn>
+                        </p:par>
+                      </p:childTnLst>
+                    </p:cTn>
+                  </p:par>
+                </p:childTnLst>
+              </p:cTn>
+              <p:prevCondLst>
+                <p:cond evt="onPrev" delay="0">
+                  <p:tgtEl>
+                    <p:sldTgt/>
+                  </p:tgtEl>
+                </p:cond>
+              </p:prevCondLst>
+              <p:nextCondLst>
+                <p:cond evt="onNext" delay="0">
+                  <p:tgtEl>
+                    <p:sldTgt/>
+                  </p:tgtEl>
+                </p:cond>
+              </p:nextCondLst>
+            </p:seq>
+          </p:childTnLst>
+        </p:cTn>
+      </p:par>
+    </p:tnLst>
+    <p:bldLst>
+      <p:bldP spid="4" grpId="0" animBg="1"/>
+      <p:bldP spid="5" grpId="0" animBg="1"/>
+    </p:bldLst>
+  </p:timing>
+</p:sld>
+</file>
+
+<file path=ppt/slides/slide19.xml><?xml version="1.0" encoding="utf-8"?>
+<p:sld xmlns:a="http://schemas.openxmlformats.org/drawingml/2006/main" xmlns:r="http://schemas.openxmlformats.org/officeDocument/2006/relationships" xmlns:p="http://schemas.openxmlformats.org/presentationml/2006/main">
+  <p:cSld>
+    <p:spTree>
+      <p:nvGrpSpPr>
+        <p:cNvPr id="1" name=""/>
+        <p:cNvGrpSpPr/>
+        <p:nvPr/>
+      </p:nvGrpSpPr>
+      <p:grpSpPr>
+        <a:xfrm>
+          <a:off x="0" y="0"/>
+          <a:ext cx="0" cy="0"/>
+          <a:chOff x="0" y="0"/>
+          <a:chExt cx="0" cy="0"/>
+        </a:xfrm>
+      </p:grpSpPr>
+      <p:sp>
+        <p:nvSpPr>
+          <p:cNvPr id="4" name="Title 3"/>
+          <p:cNvSpPr>
+            <a:spLocks noGrp="1"/>
+          </p:cNvSpPr>
+          <p:nvPr>
+            <p:ph type="title"/>
+          </p:nvPr>
+        </p:nvSpPr>
+        <p:spPr/>
+        <p:txBody>
+          <a:bodyPr/>
+          <a:lstStyle/>
+          <a:p>
+            <a:r>
+              <a:rPr lang="en-US" dirty="0" smtClean="0"/>
+              <a:t>Creating the form</a:t>
+            </a:r>
+            <a:endParaRPr lang="en-US" dirty="0"/>
+          </a:p>
+        </p:txBody>
+      </p:sp>
+    </p:spTree>
+    <p:extLst>
+      <p:ext uri="{BB962C8B-B14F-4D97-AF65-F5344CB8AC3E}">
+        <p14:creationId xmlns:p14="http://schemas.microsoft.com/office/powerpoint/2010/main" val="2983173338"/>
+      </p:ext>
+    </p:extLst>
+  </p:cSld>
+  <p:clrMapOvr>
+    <a:masterClrMapping/>
+  </p:clrMapOvr>
+  <p:timing>
+    <p:tnLst>
+      <p:par>
+        <p:cTn id="1" dur="indefinite" restart="never" nodeType="tmRoot"/>
+      </p:par>
+    </p:tnLst>
+  </p:timing>
+</p:sld>
+</file>
+
+<file path=ppt/slides/slide2.xml><?xml version="1.0" encoding="utf-8"?>
+<p:sld xmlns:a="http://schemas.openxmlformats.org/drawingml/2006/main" xmlns:r="http://schemas.openxmlformats.org/officeDocument/2006/relationships" xmlns:p="http://schemas.openxmlformats.org/presentationml/2006/main">
+  <p:cSld>
+    <p:bg>
+      <p:bgPr>
+        <a:solidFill>
+          <a:schemeClr val="accent4">
+            <a:lumMod val="75000"/>
+          </a:schemeClr>
+        </a:solidFill>
+        <a:effectLst/>
+      </p:bgPr>
+    </p:bg>
+    <p:spTree>
+      <p:nvGrpSpPr>
+        <p:cNvPr id="1" name=""/>
+        <p:cNvGrpSpPr/>
+        <p:nvPr/>
+      </p:nvGrpSpPr>
+      <p:grpSpPr>
+        <a:xfrm>
+          <a:off x="0" y="0"/>
+          <a:ext cx="0" cy="0"/>
+          <a:chOff x="0" y="0"/>
+          <a:chExt cx="0" cy="0"/>
+        </a:xfrm>
+      </p:grpSpPr>
+      <p:sp>
+        <p:nvSpPr>
+          <p:cNvPr id="4" name="Title 3"/>
+          <p:cNvSpPr>
+            <a:spLocks noGrp="1"/>
+          </p:cNvSpPr>
+          <p:nvPr>
+            <p:ph type="title"/>
+          </p:nvPr>
+        </p:nvSpPr>
+        <p:spPr>
+          <a:xfrm>
+            <a:off x="431132" y="1679176"/>
+            <a:ext cx="8388404" cy="1063487"/>
+          </a:xfrm>
+        </p:spPr>
+        <p:txBody>
+          <a:bodyPr>
+            <a:noAutofit/>
+          </a:bodyPr>
+          <a:lstStyle/>
+          <a:p>
+            <a:r>
+              <a:rPr lang="en-US" dirty="0" smtClean="0">
+                <a:solidFill>
+                  <a:schemeClr val="bg1"/>
+                </a:solidFill>
+              </a:rPr>
+              <a:t>We could build keep just sending text down to our users...</a:t>
+            </a:r>
+            <a:endParaRPr lang="en-US" dirty="0">
+              <a:solidFill>
+                <a:schemeClr val="bg1"/>
+              </a:solidFill>
+            </a:endParaRPr>
+          </a:p>
+        </p:txBody>
+      </p:sp>
+      <p:sp>
+        <p:nvSpPr>
+          <p:cNvPr id="5" name="Content Placeholder 4"/>
+          <p:cNvSpPr>
+            <a:spLocks noGrp="1"/>
+          </p:cNvSpPr>
+          <p:nvPr>
+            <p:ph sz="quarter" idx="10"/>
+          </p:nvPr>
+        </p:nvSpPr>
+        <p:spPr>
+          <a:xfrm>
+            <a:off x="4383344" y="4124051"/>
+            <a:ext cx="7680837" cy="1775303"/>
+          </a:xfrm>
+        </p:spPr>
+        <p:txBody>
+          <a:bodyPr/>
+          <a:lstStyle/>
+          <a:p>
+            <a:pPr marL="0" indent="0">
+              <a:buNone/>
+            </a:pPr>
+            <a:r>
+              <a:rPr lang="en-US" sz="4000" dirty="0" smtClean="0">
+                <a:solidFill>
+                  <a:schemeClr val="bg1"/>
+                </a:solidFill>
+              </a:rPr>
+              <a:t>…b</a:t>
+            </a:r>
+            <a:r>
+              <a:rPr lang="en-US" sz="4000" dirty="0" smtClean="0">
+                <a:solidFill>
+                  <a:schemeClr val="bg1"/>
+                </a:solidFill>
+              </a:rPr>
+              <a:t>ut that isn't going to make it very easy to create a rich UI.</a:t>
+            </a:r>
+            <a:endParaRPr lang="en-US" sz="4000" dirty="0">
+              <a:solidFill>
+                <a:schemeClr val="bg1"/>
+              </a:solidFill>
+            </a:endParaRPr>
+          </a:p>
+        </p:txBody>
+      </p:sp>
+    </p:spTree>
+    <p:extLst>
+      <p:ext uri="{BB962C8B-B14F-4D97-AF65-F5344CB8AC3E}">
+        <p14:creationId xmlns:p14="http://schemas.microsoft.com/office/powerpoint/2010/main" val="922589021"/>
+      </p:ext>
+    </p:extLst>
+  </p:cSld>
+  <p:clrMapOvr>
+    <a:masterClrMapping/>
+  </p:clrMapOvr>
+  <p:timing>
+    <p:tnLst>
+      <p:par>
+        <p:cTn id="1" dur="indefinite" restart="never" nodeType="tmRoot">
+          <p:childTnLst>
+            <p:seq concurrent="1" nextAc="seek">
+              <p:cTn id="2" dur="indefinite" nodeType="mainSeq">
+                <p:childTnLst>
+                  <p:par>
+                    <p:cTn id="3" fill="hold">
+                      <p:stCondLst>
+                        <p:cond delay="indefinite"/>
+                      </p:stCondLst>
+                      <p:childTnLst>
+                        <p:par>
+                          <p:cTn id="4" fill="hold">
+                            <p:stCondLst>
+                              <p:cond delay="0"/>
+                            </p:stCondLst>
+                            <p:childTnLst>
+                              <p:par>
+                                <p:cTn id="5" presetID="10" presetClass="entr" presetSubtype="0" fill="hold" grpId="0" nodeType="clickEffect">
+                                  <p:stCondLst>
+                                    <p:cond delay="0"/>
+                                  </p:stCondLst>
+                                  <p:childTnLst>
+                                    <p:set>
+                                      <p:cBhvr>
+                                        <p:cTn id="6" dur="1" fill="hold">
+                                          <p:stCondLst>
+                                            <p:cond delay="0"/>
+                                          </p:stCondLst>
+                                        </p:cTn>
+                                        <p:tgtEl>
+                                          <p:spTgt spid="4"/>
+                                        </p:tgtEl>
+                                        <p:attrNameLst>
+                                          <p:attrName>style.visibility</p:attrName>
+                                        </p:attrNameLst>
+                                      </p:cBhvr>
+                                      <p:to>
+                                        <p:strVal val="visible"/>
+                                      </p:to>
+                                    </p:set>
+                                    <p:animEffect transition="in" filter="fade">
+                                      <p:cBhvr>
+                                        <p:cTn id="7" dur="500"/>
+                                        <p:tgtEl>
+                                          <p:spTgt spid="4"/>
+                                        </p:tgtEl>
+                                      </p:cBhvr>
+                                    </p:animEffect>
+                                  </p:childTnLst>
+                                </p:cTn>
+                              </p:par>
+                            </p:childTnLst>
+                          </p:cTn>
+                        </p:par>
+                      </p:childTnLst>
+                    </p:cTn>
+                  </p:par>
+                  <p:par>
+                    <p:cTn id="8" fill="hold">
+                      <p:stCondLst>
+                        <p:cond delay="indefinite"/>
+                      </p:stCondLst>
+                      <p:childTnLst>
+                        <p:par>
+                          <p:cTn id="9" fill="hold">
+                            <p:stCondLst>
+                              <p:cond delay="0"/>
+                            </p:stCondLst>
+                            <p:childTnLst>
+                              <p:par>
+                                <p:cTn id="10" presetID="10" presetClass="entr" presetSubtype="0" fill="hold" grpId="0" nodeType="clickEffect">
+                                  <p:stCondLst>
+                                    <p:cond delay="0"/>
+                                  </p:stCondLst>
+                                  <p:childTnLst>
+                                    <p:set>
+                                      <p:cBhvr>
+                                        <p:cTn id="11" dur="1" fill="hold">
+                                          <p:stCondLst>
+                                            <p:cond delay="0"/>
+                                          </p:stCondLst>
+                                        </p:cTn>
+                                        <p:tgtEl>
+                                          <p:spTgt spid="5">
+                                            <p:txEl>
+                                              <p:pRg st="0" end="0"/>
+                                            </p:txEl>
+                                          </p:spTgt>
+                                        </p:tgtEl>
+                                        <p:attrNameLst>
+                                          <p:attrName>style.visibility</p:attrName>
+                                        </p:attrNameLst>
+                                      </p:cBhvr>
+                                      <p:to>
+                                        <p:strVal val="visible"/>
+                                      </p:to>
+                                    </p:set>
+                                    <p:animEffect transition="in" filter="fade">
+                                      <p:cBhvr>
+                                        <p:cTn id="12" dur="500"/>
+                                        <p:tgtEl>
+                                          <p:spTgt spid="5">
+                                            <p:txEl>
+                                              <p:pRg st="0" end="0"/>
+                                            </p:txEl>
+                                          </p:spTgt>
+                                        </p:tgtEl>
+                                      </p:cBhvr>
+                                    </p:animEffect>
+                                  </p:childTnLst>
+                                </p:cTn>
+                              </p:par>
+                            </p:childTnLst>
+                          </p:cTn>
+                        </p:par>
+                      </p:childTnLst>
+                    </p:cTn>
+                  </p:par>
+                </p:childTnLst>
+              </p:cTn>
+              <p:prevCondLst>
+                <p:cond evt="onPrev" delay="0">
+                  <p:tgtEl>
+                    <p:sldTgt/>
+                  </p:tgtEl>
+                </p:cond>
+              </p:prevCondLst>
+              <p:nextCondLst>
+                <p:cond evt="onNext" delay="0">
+                  <p:tgtEl>
+                    <p:sldTgt/>
+                  </p:tgtEl>
+                </p:cond>
+              </p:nextCondLst>
+            </p:seq>
+          </p:childTnLst>
+        </p:cTn>
+      </p:par>
+    </p:tnLst>
+    <p:bldLst>
+      <p:bldP spid="4" grpId="0"/>
+      <p:bldP spid="5" grpId="0" build="p"/>
+    </p:bldLst>
+  </p:timing>
+</p:sld>
+</file>
+
+<file path=ppt/slides/slide20.xml><?xml version="1.0" encoding="utf-8"?>
+<p:sld xmlns:a="http://schemas.openxmlformats.org/drawingml/2006/main" xmlns:r="http://schemas.openxmlformats.org/officeDocument/2006/relationships" xmlns:p="http://schemas.openxmlformats.org/presentationml/2006/main">
+  <p:cSld>
+    <p:spTree>
+      <p:nvGrpSpPr>
+        <p:cNvPr id="1" name=""/>
+        <p:cNvGrpSpPr/>
+        <p:nvPr/>
+      </p:nvGrpSpPr>
+      <p:grpSpPr>
+        <a:xfrm>
+          <a:off x="0" y="0"/>
+          <a:ext cx="0" cy="0"/>
+          <a:chOff x="0" y="0"/>
+          <a:chExt cx="0" cy="0"/>
+        </a:xfrm>
+      </p:grpSpPr>
+      <p:sp>
+        <p:nvSpPr>
+          <p:cNvPr id="4" name="Text Placeholder 3"/>
+          <p:cNvSpPr>
+            <a:spLocks noGrp="1"/>
+          </p:cNvSpPr>
+          <p:nvPr>
+            <p:ph type="body" sz="quarter" idx="10"/>
+          </p:nvPr>
+        </p:nvSpPr>
+        <p:spPr/>
+        <p:txBody>
+          <a:bodyPr/>
+          <a:lstStyle/>
+          <a:p>
+            <a:r>
+              <a:rPr lang="en-US" dirty="0" smtClean="0"/>
+              <a:t>Jinja</a:t>
+            </a:r>
+            <a:endParaRPr lang="en-US" dirty="0"/>
+          </a:p>
+        </p:txBody>
+      </p:sp>
+      <p:sp>
+        <p:nvSpPr>
+          <p:cNvPr id="3" name="Subtitle 2"/>
+          <p:cNvSpPr>
+            <a:spLocks noGrp="1"/>
+          </p:cNvSpPr>
+          <p:nvPr>
+            <p:ph type="subTitle" idx="1"/>
+          </p:nvPr>
+        </p:nvSpPr>
+        <p:spPr/>
+        <p:txBody>
+          <a:bodyPr/>
+          <a:lstStyle/>
+          <a:p>
+            <a:endParaRPr lang="en-US" dirty="0"/>
+          </a:p>
+        </p:txBody>
+      </p:sp>
+    </p:spTree>
+    <p:extLst>
+      <p:ext uri="{BB962C8B-B14F-4D97-AF65-F5344CB8AC3E}">
+        <p14:creationId xmlns:p14="http://schemas.microsoft.com/office/powerpoint/2010/main" val="1255666231"/>
+      </p:ext>
+    </p:extLst>
+  </p:cSld>
+  <p:clrMapOvr>
+    <a:masterClrMapping/>
+  </p:clrMapOvr>
+  <p:timing>
+    <p:tnLst>
+      <p:par>
+        <p:cTn id="1" dur="indefinite" restart="never" nodeType="tmRoot"/>
+      </p:par>
+    </p:tnLst>
+  </p:timing>
+</p:sld>
+</file>
+
+<file path=ppt/slides/slide21.xml><?xml version="1.0" encoding="utf-8"?>
+<p:sld xmlns:a="http://schemas.openxmlformats.org/drawingml/2006/main" xmlns:r="http://schemas.openxmlformats.org/officeDocument/2006/relationships" xmlns:p="http://schemas.openxmlformats.org/presentationml/2006/main">
+  <p:cSld>
+    <p:spTree>
+      <p:nvGrpSpPr>
+        <p:cNvPr id="1" name=""/>
+        <p:cNvGrpSpPr/>
+        <p:nvPr/>
+      </p:nvGrpSpPr>
+      <p:grpSpPr>
+        <a:xfrm>
+          <a:off x="0" y="0"/>
+          <a:ext cx="0" cy="0"/>
+          <a:chOff x="0" y="0"/>
+          <a:chExt cx="0" cy="0"/>
+        </a:xfrm>
+      </p:grpSpPr>
+      <p:sp>
+        <p:nvSpPr>
+          <p:cNvPr id="4" name="Title 3"/>
+          <p:cNvSpPr>
+            <a:spLocks noGrp="1"/>
+          </p:cNvSpPr>
+          <p:nvPr>
+            <p:ph type="title"/>
+          </p:nvPr>
+        </p:nvSpPr>
+        <p:spPr/>
+        <p:txBody>
+          <a:bodyPr/>
+          <a:lstStyle/>
+          <a:p>
+            <a:r>
+              <a:rPr lang="en-US" dirty="0" smtClean="0"/>
+              <a:t>Jinja</a:t>
+            </a:r>
+            <a:endParaRPr lang="en-US" dirty="0"/>
+          </a:p>
+        </p:txBody>
+      </p:sp>
+      <p:sp>
+        <p:nvSpPr>
+          <p:cNvPr id="5" name="Content Placeholder 4"/>
+          <p:cNvSpPr>
+            <a:spLocks noGrp="1"/>
+          </p:cNvSpPr>
+          <p:nvPr>
+            <p:ph sz="quarter" idx="10"/>
+          </p:nvPr>
+        </p:nvSpPr>
+        <p:spPr/>
+        <p:txBody>
+          <a:bodyPr/>
+          <a:lstStyle/>
+          <a:p>
+            <a:r>
+              <a:rPr lang="en-US" dirty="0" smtClean="0"/>
+              <a:t>What is Jinja?</a:t>
+            </a:r>
+          </a:p>
+          <a:p>
+            <a:r>
+              <a:rPr lang="en-US" dirty="0" smtClean="0"/>
+              <a:t>Jinja basics</a:t>
+            </a:r>
+          </a:p>
+          <a:p>
+            <a:r>
+              <a:rPr lang="en-US" dirty="0" smtClean="0"/>
+              <a:t>Reading variables</a:t>
+            </a:r>
+          </a:p>
+          <a:p>
+            <a:r>
+              <a:rPr lang="en-US" dirty="0" smtClean="0"/>
+              <a:t>Adding logic</a:t>
+            </a:r>
+          </a:p>
+          <a:p>
+            <a:r>
+              <a:rPr lang="en-US" dirty="0" smtClean="0"/>
+              <a:t>Design best practices</a:t>
+            </a:r>
+            <a:endParaRPr lang="en-US" dirty="0"/>
+          </a:p>
+        </p:txBody>
+      </p:sp>
+    </p:spTree>
+    <p:extLst>
+      <p:ext uri="{BB962C8B-B14F-4D97-AF65-F5344CB8AC3E}">
+        <p14:creationId xmlns:p14="http://schemas.microsoft.com/office/powerpoint/2010/main" val="751589661"/>
+      </p:ext>
+    </p:extLst>
+  </p:cSld>
+  <p:clrMapOvr>
+    <a:masterClrMapping/>
+  </p:clrMapOvr>
+  <p:timing>
+    <p:tnLst>
+      <p:par>
+        <p:cTn id="1" dur="indefinite" restart="never" nodeType="tmRoot"/>
+      </p:par>
+    </p:tnLst>
+  </p:timing>
+</p:sld>
+</file>
+
+<file path=ppt/slides/slide22.xml><?xml version="1.0" encoding="utf-8"?>
+<p:sld xmlns:a="http://schemas.openxmlformats.org/drawingml/2006/main" xmlns:r="http://schemas.openxmlformats.org/officeDocument/2006/relationships" xmlns:p="http://schemas.openxmlformats.org/presentationml/2006/main">
+  <p:cSld>
+    <p:spTree>
+      <p:nvGrpSpPr>
+        <p:cNvPr id="1" name=""/>
+        <p:cNvGrpSpPr/>
+        <p:nvPr/>
+      </p:nvGrpSpPr>
+      <p:grpSpPr>
+        <a:xfrm>
+          <a:off x="0" y="0"/>
+          <a:ext cx="0" cy="0"/>
+          <a:chOff x="0" y="0"/>
+          <a:chExt cx="0" cy="0"/>
+        </a:xfrm>
+      </p:grpSpPr>
+      <p:sp>
+        <p:nvSpPr>
+          <p:cNvPr id="2" name="Title 1"/>
+          <p:cNvSpPr>
+            <a:spLocks noGrp="1"/>
+          </p:cNvSpPr>
+          <p:nvPr>
+            <p:ph type="title"/>
+          </p:nvPr>
+        </p:nvSpPr>
+        <p:spPr/>
+        <p:txBody>
+          <a:bodyPr/>
+          <a:lstStyle/>
+          <a:p>
+            <a:r>
+              <a:rPr lang="en-US" dirty="0" smtClean="0"/>
+              <a:t>What is Jinja?</a:t>
+            </a:r>
+            <a:endParaRPr lang="en-US" dirty="0"/>
+          </a:p>
+        </p:txBody>
+      </p:sp>
+      <p:sp>
+        <p:nvSpPr>
+          <p:cNvPr id="3" name="Content Placeholder 2"/>
+          <p:cNvSpPr>
+            <a:spLocks noGrp="1"/>
+          </p:cNvSpPr>
+          <p:nvPr>
+            <p:ph sz="quarter" idx="10"/>
+          </p:nvPr>
+        </p:nvSpPr>
+        <p:spPr/>
+        <p:txBody>
+          <a:bodyPr/>
+          <a:lstStyle/>
+          <a:p>
+            <a:r>
+              <a:rPr lang="en-US" dirty="0" smtClean="0"/>
+              <a:t>Template language</a:t>
+            </a:r>
+          </a:p>
+          <a:p>
+            <a:r>
+              <a:rPr lang="en-US" dirty="0" smtClean="0"/>
+              <a:t>Inject custom code into HTML</a:t>
+            </a:r>
+            <a:endParaRPr lang="en-US" dirty="0"/>
+          </a:p>
+        </p:txBody>
+      </p:sp>
+      <p:sp>
+        <p:nvSpPr>
+          <p:cNvPr id="4" name="Rectangle 3"/>
+          <p:cNvSpPr/>
+          <p:nvPr/>
+        </p:nvSpPr>
+        <p:spPr>
+          <a:xfrm>
+            <a:off x="2109019" y="3163530"/>
+            <a:ext cx="7042354" cy="1216742"/>
+          </a:xfrm>
+          <a:prstGeom prst="rect">
+            <a:avLst/>
+          </a:prstGeom>
+        </p:spPr>
+        <p:style>
+          <a:lnRef idx="1">
+            <a:schemeClr val="accent3"/>
+          </a:lnRef>
+          <a:fillRef idx="2">
+            <a:schemeClr val="accent3"/>
+          </a:fillRef>
+          <a:effectRef idx="1">
+            <a:schemeClr val="accent3"/>
+          </a:effectRef>
+          <a:fontRef idx="minor">
+            <a:schemeClr val="dk1"/>
+          </a:fontRef>
+        </p:style>
+        <p:txBody>
+          <a:bodyPr rtlCol="0" anchor="ctr"/>
+          <a:lstStyle/>
+          <a:p>
+            <a:pPr algn="ctr"/>
+            <a:r>
+              <a:rPr lang="en-US" sz="2800" dirty="0" smtClean="0"/>
+              <a:t>Congratulations! You are right!</a:t>
+            </a:r>
+            <a:endParaRPr lang="en-US" sz="2800" dirty="0"/>
+          </a:p>
+        </p:txBody>
+      </p:sp>
+      <p:sp>
+        <p:nvSpPr>
+          <p:cNvPr id="5" name="Rectangle 4"/>
+          <p:cNvSpPr/>
+          <p:nvPr/>
+        </p:nvSpPr>
+        <p:spPr>
+          <a:xfrm>
+            <a:off x="2109019" y="3008671"/>
+            <a:ext cx="6880123" cy="2706329"/>
+          </a:xfrm>
+          <a:prstGeom prst="rect">
+            <a:avLst/>
+          </a:prstGeom>
+        </p:spPr>
+        <p:style>
+          <a:lnRef idx="1">
+            <a:schemeClr val="accent4"/>
+          </a:lnRef>
+          <a:fillRef idx="2">
+            <a:schemeClr val="accent4"/>
+          </a:fillRef>
+          <a:effectRef idx="1">
+            <a:schemeClr val="accent4"/>
+          </a:effectRef>
+          <a:fontRef idx="minor">
+            <a:schemeClr val="dk1"/>
+          </a:fontRef>
+        </p:style>
+        <p:txBody>
+          <a:bodyPr rtlCol="0" anchor="ctr"/>
+          <a:lstStyle/>
+          <a:p>
+            <a:r>
+              <a:rPr lang="en-US" sz="2800" dirty="0" smtClean="0"/>
+              <a:t>Sorry, you didn't get the question right.</a:t>
+            </a:r>
+          </a:p>
+          <a:p>
+            <a:endParaRPr lang="en-US" sz="2800" dirty="0" smtClean="0"/>
+          </a:p>
+          <a:p>
+            <a:r>
+              <a:rPr lang="en-US" sz="2800" dirty="0" smtClean="0"/>
+              <a:t>You answered: </a:t>
+            </a:r>
+          </a:p>
+          <a:p>
+            <a:endParaRPr lang="en-US" sz="2800" dirty="0" smtClean="0"/>
+          </a:p>
+          <a:p>
+            <a:r>
+              <a:rPr lang="en-US" sz="2800" dirty="0" smtClean="0"/>
+              <a:t>The answer is :</a:t>
+            </a:r>
+            <a:endParaRPr lang="en-US" sz="2800" dirty="0"/>
+          </a:p>
+        </p:txBody>
+      </p:sp>
+      <p:sp>
+        <p:nvSpPr>
+          <p:cNvPr id="6" name="Rectangle 5"/>
+          <p:cNvSpPr/>
+          <p:nvPr/>
+        </p:nvSpPr>
+        <p:spPr>
+          <a:xfrm>
+            <a:off x="4454013" y="3996813"/>
+            <a:ext cx="4195916" cy="671052"/>
+          </a:xfrm>
+          <a:prstGeom prst="rect">
+            <a:avLst/>
+          </a:prstGeom>
+        </p:spPr>
+        <p:style>
+          <a:lnRef idx="3">
+            <a:schemeClr val="lt1"/>
+          </a:lnRef>
+          <a:fillRef idx="1">
+            <a:schemeClr val="accent5"/>
+          </a:fillRef>
+          <a:effectRef idx="1">
+            <a:schemeClr val="accent5"/>
+          </a:effectRef>
+          <a:fontRef idx="minor">
+            <a:schemeClr val="lt1"/>
+          </a:fontRef>
+        </p:style>
+        <p:txBody>
+          <a:bodyPr rtlCol="0" anchor="ctr"/>
+          <a:lstStyle/>
+          <a:p>
+            <a:pPr algn="ctr"/>
+            <a:r>
+              <a:rPr lang="en-US" sz="2800" dirty="0" smtClean="0"/>
+              <a:t>206</a:t>
+            </a:r>
+            <a:endParaRPr lang="en-US" sz="2800" dirty="0"/>
+          </a:p>
+        </p:txBody>
+      </p:sp>
+      <p:sp>
+        <p:nvSpPr>
+          <p:cNvPr id="7" name="Rectangle 6"/>
+          <p:cNvSpPr/>
+          <p:nvPr/>
+        </p:nvSpPr>
+        <p:spPr>
+          <a:xfrm>
+            <a:off x="4454013" y="4878030"/>
+            <a:ext cx="4195916" cy="671052"/>
+          </a:xfrm>
+          <a:prstGeom prst="rect">
+            <a:avLst/>
+          </a:prstGeom>
+        </p:spPr>
+        <p:style>
+          <a:lnRef idx="3">
+            <a:schemeClr val="lt1"/>
+          </a:lnRef>
+          <a:fillRef idx="1">
+            <a:schemeClr val="accent5"/>
+          </a:fillRef>
+          <a:effectRef idx="1">
+            <a:schemeClr val="accent5"/>
+          </a:effectRef>
+          <a:fontRef idx="minor">
+            <a:schemeClr val="lt1"/>
+          </a:fontRef>
+        </p:style>
+        <p:txBody>
+          <a:bodyPr rtlCol="0" anchor="ctr"/>
+          <a:lstStyle/>
+          <a:p>
+            <a:pPr algn="ctr"/>
+            <a:r>
+              <a:rPr lang="en-US" sz="2800" dirty="0" smtClean="0"/>
+              <a:t>42</a:t>
+            </a:r>
+            <a:endParaRPr lang="en-US" sz="2800" dirty="0"/>
+          </a:p>
+        </p:txBody>
+      </p:sp>
+    </p:spTree>
+    <p:extLst>
+      <p:ext uri="{BB962C8B-B14F-4D97-AF65-F5344CB8AC3E}">
+        <p14:creationId xmlns:p14="http://schemas.microsoft.com/office/powerpoint/2010/main" val="1847994310"/>
+      </p:ext>
+    </p:extLst>
+  </p:cSld>
+  <p:clrMapOvr>
+    <a:masterClrMapping/>
+  </p:clrMapOvr>
+  <p:timing>
+    <p:tnLst>
+      <p:par>
+        <p:cTn id="1" dur="indefinite" restart="never" nodeType="tmRoot">
+          <p:childTnLst>
+            <p:seq concurrent="1" nextAc="seek">
+              <p:cTn id="2" dur="indefinite" nodeType="mainSeq">
+                <p:childTnLst>
+                  <p:par>
+                    <p:cTn id="3" fill="hold">
+                      <p:stCondLst>
+                        <p:cond delay="indefinite"/>
+                      </p:stCondLst>
+                      <p:childTnLst>
+                        <p:par>
+                          <p:cTn id="4" fill="hold">
+                            <p:stCondLst>
+                              <p:cond delay="0"/>
+                            </p:stCondLst>
+                            <p:childTnLst>
+                              <p:par>
+                                <p:cTn id="5" presetID="10" presetClass="entr" presetSubtype="0" fill="hold" grpId="0" nodeType="clickEffect">
+                                  <p:stCondLst>
+                                    <p:cond delay="0"/>
+                                  </p:stCondLst>
+                                  <p:childTnLst>
+                                    <p:set>
+                                      <p:cBhvr>
+                                        <p:cTn id="6" dur="1" fill="hold">
+                                          <p:stCondLst>
+                                            <p:cond delay="0"/>
+                                          </p:stCondLst>
+                                        </p:cTn>
+                                        <p:tgtEl>
+                                          <p:spTgt spid="4"/>
+                                        </p:tgtEl>
+                                        <p:attrNameLst>
+                                          <p:attrName>style.visibility</p:attrName>
+                                        </p:attrNameLst>
+                                      </p:cBhvr>
+                                      <p:to>
+                                        <p:strVal val="visible"/>
+                                      </p:to>
+                                    </p:set>
+                                    <p:animEffect transition="in" filter="fade">
+                                      <p:cBhvr>
+                                        <p:cTn id="7" dur="500"/>
+                                        <p:tgtEl>
+                                          <p:spTgt spid="4"/>
+                                        </p:tgtEl>
+                                      </p:cBhvr>
+                                    </p:animEffect>
+                                  </p:childTnLst>
+                                </p:cTn>
+                              </p:par>
+                            </p:childTnLst>
+                          </p:cTn>
+                        </p:par>
+                      </p:childTnLst>
+                    </p:cTn>
+                  </p:par>
+                  <p:par>
+                    <p:cTn id="8" fill="hold">
+                      <p:stCondLst>
+                        <p:cond delay="indefinite"/>
+                      </p:stCondLst>
+                      <p:childTnLst>
+                        <p:par>
+                          <p:cTn id="9" fill="hold">
+                            <p:stCondLst>
+                              <p:cond delay="0"/>
+                            </p:stCondLst>
+                            <p:childTnLst>
+                              <p:par>
+                                <p:cTn id="10" presetID="10" presetClass="exit" presetSubtype="0" fill="hold" grpId="1" nodeType="clickEffect">
+                                  <p:stCondLst>
+                                    <p:cond delay="0"/>
+                                  </p:stCondLst>
+                                  <p:childTnLst>
+                                    <p:animEffect transition="out" filter="fade">
+                                      <p:cBhvr>
+                                        <p:cTn id="11" dur="500"/>
+                                        <p:tgtEl>
+                                          <p:spTgt spid="4"/>
+                                        </p:tgtEl>
+                                      </p:cBhvr>
+                                    </p:animEffect>
+                                    <p:set>
+                                      <p:cBhvr>
+                                        <p:cTn id="12" dur="1" fill="hold">
+                                          <p:stCondLst>
+                                            <p:cond delay="499"/>
+                                          </p:stCondLst>
+                                        </p:cTn>
+                                        <p:tgtEl>
+                                          <p:spTgt spid="4"/>
+                                        </p:tgtEl>
+                                        <p:attrNameLst>
+                                          <p:attrName>style.visibility</p:attrName>
+                                        </p:attrNameLst>
+                                      </p:cBhvr>
+                                      <p:to>
+                                        <p:strVal val="hidden"/>
+                                      </p:to>
+                                    </p:set>
+                                  </p:childTnLst>
+                                </p:cTn>
+                              </p:par>
+                            </p:childTnLst>
+                          </p:cTn>
+                        </p:par>
+                      </p:childTnLst>
+                    </p:cTn>
+                  </p:par>
+                  <p:par>
+                    <p:cTn id="13" fill="hold">
+                      <p:stCondLst>
+                        <p:cond delay="indefinite"/>
+                      </p:stCondLst>
+                      <p:childTnLst>
+                        <p:par>
+                          <p:cTn id="14" fill="hold">
+                            <p:stCondLst>
+                              <p:cond delay="0"/>
+                            </p:stCondLst>
+                            <p:childTnLst>
+                              <p:par>
+                                <p:cTn id="15" presetID="10" presetClass="entr" presetSubtype="0" fill="hold" grpId="0" nodeType="clickEffect">
+                                  <p:stCondLst>
+                                    <p:cond delay="0"/>
+                                  </p:stCondLst>
+                                  <p:childTnLst>
+                                    <p:set>
+                                      <p:cBhvr>
+                                        <p:cTn id="16" dur="1" fill="hold">
+                                          <p:stCondLst>
+                                            <p:cond delay="0"/>
+                                          </p:stCondLst>
+                                        </p:cTn>
+                                        <p:tgtEl>
+                                          <p:spTgt spid="5"/>
+                                        </p:tgtEl>
+                                        <p:attrNameLst>
+                                          <p:attrName>style.visibility</p:attrName>
+                                        </p:attrNameLst>
+                                      </p:cBhvr>
+                                      <p:to>
+                                        <p:strVal val="visible"/>
+                                      </p:to>
+                                    </p:set>
+                                    <p:animEffect transition="in" filter="fade">
+                                      <p:cBhvr>
+                                        <p:cTn id="17" dur="500"/>
+                                        <p:tgtEl>
+                                          <p:spTgt spid="5"/>
+                                        </p:tgtEl>
+                                      </p:cBhvr>
+                                    </p:animEffect>
+                                  </p:childTnLst>
+                                </p:cTn>
+                              </p:par>
+                            </p:childTnLst>
+                          </p:cTn>
+                        </p:par>
+                      </p:childTnLst>
+                    </p:cTn>
+                  </p:par>
+                  <p:par>
+                    <p:cTn id="18" fill="hold">
+                      <p:stCondLst>
+                        <p:cond delay="indefinite"/>
+                      </p:stCondLst>
+                      <p:childTnLst>
+                        <p:par>
+                          <p:cTn id="19" fill="hold">
+                            <p:stCondLst>
+                              <p:cond delay="0"/>
+                            </p:stCondLst>
+                            <p:childTnLst>
+                              <p:par>
+                                <p:cTn id="20" presetID="10" presetClass="entr" presetSubtype="0" fill="hold" grpId="0" nodeType="clickEffect">
+                                  <p:stCondLst>
+                                    <p:cond delay="0"/>
+                                  </p:stCondLst>
+                                  <p:childTnLst>
+                                    <p:set>
+                                      <p:cBhvr>
+                                        <p:cTn id="21" dur="1" fill="hold">
+                                          <p:stCondLst>
+                                            <p:cond delay="0"/>
+                                          </p:stCondLst>
+                                        </p:cTn>
+                                        <p:tgtEl>
+                                          <p:spTgt spid="6"/>
+                                        </p:tgtEl>
+                                        <p:attrNameLst>
+                                          <p:attrName>style.visibility</p:attrName>
+                                        </p:attrNameLst>
+                                      </p:cBhvr>
+                                      <p:to>
+                                        <p:strVal val="visible"/>
+                                      </p:to>
+                                    </p:set>
+                                    <p:animEffect transition="in" filter="fade">
+                                      <p:cBhvr>
+                                        <p:cTn id="22" dur="500"/>
+                                        <p:tgtEl>
+                                          <p:spTgt spid="6"/>
+                                        </p:tgtEl>
+                                      </p:cBhvr>
+                                    </p:animEffect>
+                                  </p:childTnLst>
+                                </p:cTn>
+                              </p:par>
+                            </p:childTnLst>
+                          </p:cTn>
+                        </p:par>
+                      </p:childTnLst>
+                    </p:cTn>
+                  </p:par>
+                  <p:par>
+                    <p:cTn id="23" fill="hold">
+                      <p:stCondLst>
+                        <p:cond delay="indefinite"/>
+                      </p:stCondLst>
+                      <p:childTnLst>
+                        <p:par>
+                          <p:cTn id="24" fill="hold">
+                            <p:stCondLst>
+                              <p:cond delay="0"/>
+                            </p:stCondLst>
+                            <p:childTnLst>
+                              <p:par>
+                                <p:cTn id="25" presetID="10" presetClass="entr" presetSubtype="0" fill="hold" grpId="0" nodeType="clickEffect">
+                                  <p:stCondLst>
+                                    <p:cond delay="0"/>
+                                  </p:stCondLst>
+                                  <p:childTnLst>
+                                    <p:set>
+                                      <p:cBhvr>
+                                        <p:cTn id="26" dur="1" fill="hold">
+                                          <p:stCondLst>
+                                            <p:cond delay="0"/>
+                                          </p:stCondLst>
+                                        </p:cTn>
+                                        <p:tgtEl>
+                                          <p:spTgt spid="7"/>
+                                        </p:tgtEl>
+                                        <p:attrNameLst>
+                                          <p:attrName>style.visibility</p:attrName>
+                                        </p:attrNameLst>
+                                      </p:cBhvr>
+                                      <p:to>
+                                        <p:strVal val="visible"/>
+                                      </p:to>
+                                    </p:set>
+                                    <p:animEffect transition="in" filter="fade">
+                                      <p:cBhvr>
+                                        <p:cTn id="27" dur="500"/>
+                                        <p:tgtEl>
+                                          <p:spTgt spid="7"/>
+                                        </p:tgtEl>
+                                      </p:cBhvr>
+                                    </p:animEffect>
+                                  </p:childTnLst>
+                                </p:cTn>
+                              </p:par>
+                            </p:childTnLst>
+                          </p:cTn>
+                        </p:par>
+                      </p:childTnLst>
+                    </p:cTn>
+                  </p:par>
+                </p:childTnLst>
+              </p:cTn>
+              <p:prevCondLst>
+                <p:cond evt="onPrev" delay="0">
+                  <p:tgtEl>
+                    <p:sldTgt/>
+                  </p:tgtEl>
+                </p:cond>
+              </p:prevCondLst>
+              <p:nextCondLst>
+                <p:cond evt="onNext" delay="0">
+                  <p:tgtEl>
+                    <p:sldTgt/>
+                  </p:tgtEl>
+                </p:cond>
+              </p:nextCondLst>
+            </p:seq>
+          </p:childTnLst>
+        </p:cTn>
+      </p:par>
+    </p:tnLst>
+    <p:bldLst>
+      <p:bldP spid="4" grpId="0" animBg="1"/>
+      <p:bldP spid="4" grpId="1" animBg="1"/>
+      <p:bldP spid="5" grpId="0" animBg="1"/>
+      <p:bldP spid="6" grpId="0" animBg="1"/>
+      <p:bldP spid="7" grpId="0" animBg="1"/>
+    </p:bldLst>
+  </p:timing>
+</p:sld>
+</file>
+
+<file path=ppt/slides/slide23.xml><?xml version="1.0" encoding="utf-8"?>
+<p:sld xmlns:a="http://schemas.openxmlformats.org/drawingml/2006/main" xmlns:r="http://schemas.openxmlformats.org/officeDocument/2006/relationships" xmlns:p="http://schemas.openxmlformats.org/presentationml/2006/main">
+  <p:cSld>
+    <p:spTree>
+      <p:nvGrpSpPr>
+        <p:cNvPr id="1" name=""/>
+        <p:cNvGrpSpPr/>
+        <p:nvPr/>
+      </p:nvGrpSpPr>
+      <p:grpSpPr>
+        <a:xfrm>
+          <a:off x="0" y="0"/>
+          <a:ext cx="0" cy="0"/>
+          <a:chOff x="0" y="0"/>
+          <a:chExt cx="0" cy="0"/>
+        </a:xfrm>
+      </p:grpSpPr>
+      <p:sp>
+        <p:nvSpPr>
+          <p:cNvPr id="2" name="Title 1"/>
+          <p:cNvSpPr>
+            <a:spLocks noGrp="1"/>
+          </p:cNvSpPr>
+          <p:nvPr>
+            <p:ph type="title"/>
+          </p:nvPr>
+        </p:nvSpPr>
+        <p:spPr/>
+        <p:txBody>
+          <a:bodyPr/>
+          <a:lstStyle/>
+          <a:p>
+            <a:r>
+              <a:rPr lang="en-US" dirty="0" smtClean="0"/>
+              <a:t>Jinja basics</a:t>
+            </a:r>
+            <a:endParaRPr lang="en-US" dirty="0"/>
+          </a:p>
+        </p:txBody>
+      </p:sp>
+      <p:sp>
+        <p:nvSpPr>
+          <p:cNvPr id="3" name="Content Placeholder 2"/>
+          <p:cNvSpPr>
+            <a:spLocks noGrp="1"/>
+          </p:cNvSpPr>
+          <p:nvPr>
+            <p:ph sz="quarter" idx="10"/>
+          </p:nvPr>
+        </p:nvSpPr>
+        <p:spPr/>
+        <p:txBody>
+          <a:bodyPr/>
+          <a:lstStyle/>
+          <a:p>
+            <a:r>
+              <a:rPr lang="en-US" dirty="0" smtClean="0"/>
+              <a:t>Templates are essentially just HTML</a:t>
+            </a:r>
+          </a:p>
+          <a:p>
+            <a:r>
+              <a:rPr lang="en-US" dirty="0" smtClean="0"/>
+              <a:t>Templates exist in a folder named templates</a:t>
+            </a:r>
+          </a:p>
+          <a:p>
+            <a:r>
+              <a:rPr lang="en-US" dirty="0" smtClean="0"/>
+              <a:t>Jinja has a syntax similar to Python</a:t>
+            </a:r>
+          </a:p>
+          <a:p>
+            <a:pPr lvl="1"/>
+            <a:r>
+              <a:rPr lang="en-US" dirty="0" smtClean="0"/>
+              <a:t>But it's not actually Python</a:t>
+            </a:r>
+            <a:endParaRPr lang="en-US" dirty="0"/>
+          </a:p>
+        </p:txBody>
+      </p:sp>
+    </p:spTree>
+    <p:extLst>
+      <p:ext uri="{BB962C8B-B14F-4D97-AF65-F5344CB8AC3E}">
+        <p14:creationId xmlns:p14="http://schemas.microsoft.com/office/powerpoint/2010/main" val="80598367"/>
+      </p:ext>
+    </p:extLst>
+  </p:cSld>
+  <p:clrMapOvr>
+    <a:masterClrMapping/>
+  </p:clrMapOvr>
+  <p:timing>
+    <p:tnLst>
+      <p:par>
+        <p:cTn id="1" dur="indefinite" restart="never" nodeType="tmRoot"/>
+      </p:par>
+    </p:tnLst>
+  </p:timing>
+</p:sld>
+</file>
+
+<file path=ppt/slides/slide24.xml><?xml version="1.0" encoding="utf-8"?>
+<p:sld xmlns:a="http://schemas.openxmlformats.org/drawingml/2006/main" xmlns:r="http://schemas.openxmlformats.org/officeDocument/2006/relationships" xmlns:p="http://schemas.openxmlformats.org/presentationml/2006/main">
+  <p:cSld>
+    <p:spTree>
+      <p:nvGrpSpPr>
+        <p:cNvPr id="1" name=""/>
+        <p:cNvGrpSpPr/>
+        <p:nvPr/>
+      </p:nvGrpSpPr>
+      <p:grpSpPr>
+        <a:xfrm>
+          <a:off x="0" y="0"/>
+          <a:ext cx="0" cy="0"/>
+          <a:chOff x="0" y="0"/>
+          <a:chExt cx="0" cy="0"/>
+        </a:xfrm>
+      </p:grpSpPr>
+      <p:sp>
+        <p:nvSpPr>
+          <p:cNvPr id="2" name="Title 1"/>
+          <p:cNvSpPr>
+            <a:spLocks noGrp="1"/>
+          </p:cNvSpPr>
+          <p:nvPr>
+            <p:ph type="title"/>
+          </p:nvPr>
+        </p:nvSpPr>
+        <p:spPr/>
+        <p:txBody>
+          <a:bodyPr/>
+          <a:lstStyle/>
+          <a:p>
+            <a:r>
+              <a:rPr lang="en-US" dirty="0" smtClean="0"/>
+              <a:t>Reading variables</a:t>
+            </a:r>
+            <a:endParaRPr lang="en-US" dirty="0"/>
+          </a:p>
+        </p:txBody>
+      </p:sp>
+      <p:sp>
+        <p:nvSpPr>
+          <p:cNvPr id="3" name="Content Placeholder 2"/>
+          <p:cNvSpPr>
+            <a:spLocks noGrp="1"/>
+          </p:cNvSpPr>
+          <p:nvPr>
+            <p:ph sz="quarter" idx="10"/>
+          </p:nvPr>
+        </p:nvSpPr>
+        <p:spPr/>
+        <p:txBody>
+          <a:bodyPr/>
+          <a:lstStyle/>
+          <a:p>
+            <a:r>
+              <a:rPr lang="en-US" dirty="0" smtClean="0"/>
+              <a:t>Pass variables via </a:t>
+            </a:r>
+            <a:r>
+              <a:rPr lang="en-US" dirty="0" err="1" smtClean="0"/>
+              <a:t>render_template</a:t>
+            </a:r>
+            <a:endParaRPr lang="en-US" dirty="0" smtClean="0"/>
+          </a:p>
+          <a:p>
+            <a:endParaRPr lang="en-US" dirty="0"/>
+          </a:p>
+          <a:p>
+            <a:endParaRPr lang="en-US" dirty="0" smtClean="0"/>
+          </a:p>
+          <a:p>
+            <a:r>
+              <a:rPr lang="en-US" dirty="0" smtClean="0"/>
+              <a:t>Print them by using {{ }} as the placeholder</a:t>
+            </a:r>
+            <a:endParaRPr lang="en-US" dirty="0"/>
+          </a:p>
+        </p:txBody>
+      </p:sp>
+      <p:sp>
+        <p:nvSpPr>
+          <p:cNvPr id="4" name="Rectangle 3"/>
+          <p:cNvSpPr/>
+          <p:nvPr/>
+        </p:nvSpPr>
+        <p:spPr>
+          <a:xfrm>
+            <a:off x="759541" y="2042650"/>
+            <a:ext cx="6548285" cy="1238865"/>
+          </a:xfrm>
+          <a:prstGeom prst="rect">
+            <a:avLst/>
+          </a:prstGeom>
+        </p:spPr>
+        <p:style>
+          <a:lnRef idx="1">
+            <a:schemeClr val="accent3"/>
+          </a:lnRef>
+          <a:fillRef idx="2">
+            <a:schemeClr val="accent3"/>
+          </a:fillRef>
+          <a:effectRef idx="1">
+            <a:schemeClr val="accent3"/>
+          </a:effectRef>
+          <a:fontRef idx="minor">
+            <a:schemeClr val="dk1"/>
+          </a:fontRef>
+        </p:style>
+        <p:txBody>
+          <a:bodyPr rtlCol="0" anchor="ctr"/>
+          <a:lstStyle/>
+          <a:p>
+            <a:r>
+              <a:rPr lang="en-US" sz="2400" dirty="0" err="1" smtClean="0">
+                <a:latin typeface="Consolas" panose="020B0609020204030204" pitchFamily="49" charset="0"/>
+                <a:cs typeface="Consolas" panose="020B0609020204030204" pitchFamily="49" charset="0"/>
+              </a:rPr>
+              <a:t>render_template</a:t>
+            </a:r>
+            <a:r>
+              <a:rPr lang="en-US" sz="2400" dirty="0" smtClean="0">
+                <a:latin typeface="Consolas" panose="020B0609020204030204" pitchFamily="49" charset="0"/>
+                <a:cs typeface="Consolas" panose="020B0609020204030204" pitchFamily="49" charset="0"/>
+              </a:rPr>
+              <a:t>('template.html',</a:t>
+            </a:r>
+          </a:p>
+          <a:p>
+            <a:r>
+              <a:rPr lang="en-US" sz="2400" dirty="0" smtClean="0">
+                <a:latin typeface="Consolas" panose="020B0609020204030204" pitchFamily="49" charset="0"/>
+                <a:cs typeface="Consolas" panose="020B0609020204030204" pitchFamily="49" charset="0"/>
+              </a:rPr>
+              <a:t>                name = 'Christopher',</a:t>
+            </a:r>
+          </a:p>
+          <a:p>
+            <a:r>
+              <a:rPr lang="en-US" sz="2400" dirty="0" smtClean="0">
+                <a:latin typeface="Consolas" panose="020B0609020204030204" pitchFamily="49" charset="0"/>
+                <a:cs typeface="Consolas" panose="020B0609020204030204" pitchFamily="49" charset="0"/>
+              </a:rPr>
+              <a:t>                home = 'Seattle');</a:t>
+            </a:r>
+            <a:endParaRPr lang="en-US" sz="2400" dirty="0">
+              <a:latin typeface="Consolas" panose="020B0609020204030204" pitchFamily="49" charset="0"/>
+              <a:cs typeface="Consolas" panose="020B0609020204030204" pitchFamily="49" charset="0"/>
+            </a:endParaRPr>
+          </a:p>
+        </p:txBody>
+      </p:sp>
+      <p:sp>
+        <p:nvSpPr>
+          <p:cNvPr id="5" name="Rectangle 4"/>
+          <p:cNvSpPr/>
+          <p:nvPr/>
+        </p:nvSpPr>
+        <p:spPr>
+          <a:xfrm>
+            <a:off x="759540" y="4033420"/>
+            <a:ext cx="6548285" cy="1238865"/>
+          </a:xfrm>
+          <a:prstGeom prst="rect">
+            <a:avLst/>
+          </a:prstGeom>
+        </p:spPr>
+        <p:style>
+          <a:lnRef idx="1">
+            <a:schemeClr val="accent3"/>
+          </a:lnRef>
+          <a:fillRef idx="2">
+            <a:schemeClr val="accent3"/>
+          </a:fillRef>
+          <a:effectRef idx="1">
+            <a:schemeClr val="accent3"/>
+          </a:effectRef>
+          <a:fontRef idx="minor">
+            <a:schemeClr val="dk1"/>
+          </a:fontRef>
+        </p:style>
+        <p:txBody>
+          <a:bodyPr rtlCol="0" anchor="ctr"/>
+          <a:lstStyle/>
+          <a:p>
+            <a:r>
+              <a:rPr lang="en-US" sz="2400" dirty="0" smtClean="0">
+                <a:latin typeface="Consolas" panose="020B0609020204030204" pitchFamily="49" charset="0"/>
+                <a:cs typeface="Consolas" panose="020B0609020204030204" pitchFamily="49" charset="0"/>
+              </a:rPr>
+              <a:t>&lt;div&gt;Hello, {{ name }}&lt;/div&gt;</a:t>
+            </a:r>
+          </a:p>
+          <a:p>
+            <a:r>
+              <a:rPr lang="en-US" sz="2400" dirty="0" smtClean="0">
+                <a:latin typeface="Consolas" panose="020B0609020204030204" pitchFamily="49" charset="0"/>
+                <a:cs typeface="Consolas" panose="020B0609020204030204" pitchFamily="49" charset="0"/>
+              </a:rPr>
+              <a:t>&lt;div&gt;You live in {{ home }}&lt;/div&gt;</a:t>
+            </a:r>
+            <a:endParaRPr lang="en-US" sz="2400" dirty="0">
+              <a:latin typeface="Consolas" panose="020B0609020204030204" pitchFamily="49" charset="0"/>
+              <a:cs typeface="Consolas" panose="020B0609020204030204" pitchFamily="49" charset="0"/>
+            </a:endParaRPr>
+          </a:p>
+        </p:txBody>
+      </p:sp>
+    </p:spTree>
+    <p:extLst>
+      <p:ext uri="{BB962C8B-B14F-4D97-AF65-F5344CB8AC3E}">
+        <p14:creationId xmlns:p14="http://schemas.microsoft.com/office/powerpoint/2010/main" val="2869675545"/>
+      </p:ext>
+    </p:extLst>
+  </p:cSld>
+  <p:clrMapOvr>
+    <a:masterClrMapping/>
+  </p:clrMapOvr>
+  <p:timing>
+    <p:tnLst>
+      <p:par>
+        <p:cTn id="1" dur="indefinite" restart="never" nodeType="tmRoot"/>
+      </p:par>
+    </p:tnLst>
+  </p:timing>
+</p:sld>
+</file>
+
+<file path=ppt/slides/slide25.xml><?xml version="1.0" encoding="utf-8"?>
+<p:sld xmlns:a="http://schemas.openxmlformats.org/drawingml/2006/main" xmlns:r="http://schemas.openxmlformats.org/officeDocument/2006/relationships" xmlns:p="http://schemas.openxmlformats.org/presentationml/2006/main">
+  <p:cSld>
+    <p:spTree>
+      <p:nvGrpSpPr>
+        <p:cNvPr id="1" name=""/>
+        <p:cNvGrpSpPr/>
+        <p:nvPr/>
+      </p:nvGrpSpPr>
+      <p:grpSpPr>
+        <a:xfrm>
+          <a:off x="0" y="0"/>
+          <a:ext cx="0" cy="0"/>
+          <a:chOff x="0" y="0"/>
+          <a:chExt cx="0" cy="0"/>
+        </a:xfrm>
+      </p:grpSpPr>
+      <p:sp>
+        <p:nvSpPr>
+          <p:cNvPr id="2" name="Title 1"/>
+          <p:cNvSpPr>
+            <a:spLocks noGrp="1"/>
+          </p:cNvSpPr>
+          <p:nvPr>
+            <p:ph type="title"/>
+          </p:nvPr>
+        </p:nvSpPr>
+        <p:spPr/>
+        <p:txBody>
+          <a:bodyPr/>
+          <a:lstStyle/>
+          <a:p>
+            <a:r>
+              <a:rPr lang="en-US" dirty="0" smtClean="0"/>
+              <a:t>Adding logic</a:t>
+            </a:r>
+            <a:endParaRPr lang="en-US" dirty="0"/>
+          </a:p>
+        </p:txBody>
+      </p:sp>
+      <p:sp>
+        <p:nvSpPr>
+          <p:cNvPr id="3" name="Content Placeholder 2"/>
+          <p:cNvSpPr>
+            <a:spLocks noGrp="1"/>
+          </p:cNvSpPr>
+          <p:nvPr>
+            <p:ph sz="quarter" idx="10"/>
+          </p:nvPr>
+        </p:nvSpPr>
+        <p:spPr/>
+        <p:txBody>
+          <a:bodyPr/>
+          <a:lstStyle/>
+          <a:p>
+            <a:r>
+              <a:rPr lang="en-US" dirty="0" smtClean="0"/>
+              <a:t>Python uses tabbing to determine the end of logic blocks</a:t>
+            </a:r>
+          </a:p>
+          <a:p>
+            <a:pPr lvl="1"/>
+            <a:r>
+              <a:rPr lang="en-US" dirty="0" smtClean="0"/>
+              <a:t>That isn't going to work with the HTML</a:t>
+            </a:r>
+          </a:p>
+        </p:txBody>
+      </p:sp>
+      <p:sp>
+        <p:nvSpPr>
+          <p:cNvPr id="6" name="Rectangle 5"/>
+          <p:cNvSpPr/>
+          <p:nvPr/>
+        </p:nvSpPr>
+        <p:spPr>
+          <a:xfrm>
+            <a:off x="1991030" y="2739116"/>
+            <a:ext cx="6835880" cy="2588607"/>
+          </a:xfrm>
+          <a:prstGeom prst="rect">
+            <a:avLst/>
+          </a:prstGeom>
+        </p:spPr>
+        <p:style>
+          <a:lnRef idx="1">
+            <a:schemeClr val="accent3"/>
+          </a:lnRef>
+          <a:fillRef idx="2">
+            <a:schemeClr val="accent3"/>
+          </a:fillRef>
+          <a:effectRef idx="1">
+            <a:schemeClr val="accent3"/>
+          </a:effectRef>
+          <a:fontRef idx="minor">
+            <a:schemeClr val="dk1"/>
+          </a:fontRef>
+        </p:style>
+        <p:txBody>
+          <a:bodyPr rtlCol="0" anchor="ctr"/>
+          <a:lstStyle/>
+          <a:p>
+            <a:r>
+              <a:rPr lang="en-US" sz="2400" dirty="0" smtClean="0">
+                <a:latin typeface="Consolas" panose="020B0609020204030204" pitchFamily="49" charset="0"/>
+                <a:cs typeface="Consolas" panose="020B0609020204030204" pitchFamily="49" charset="0"/>
+              </a:rPr>
+              <a:t>{% if </a:t>
+            </a:r>
+            <a:r>
+              <a:rPr lang="en-US" sz="2400" b="1" dirty="0" smtClean="0">
+                <a:latin typeface="Consolas" panose="020B0609020204030204" pitchFamily="49" charset="0"/>
+                <a:cs typeface="Consolas" panose="020B0609020204030204" pitchFamily="49" charset="0"/>
+              </a:rPr>
+              <a:t>correct</a:t>
+            </a:r>
+            <a:r>
+              <a:rPr lang="en-US" sz="2400" dirty="0" smtClean="0">
+                <a:latin typeface="Consolas" panose="020B0609020204030204" pitchFamily="49" charset="0"/>
+                <a:cs typeface="Consolas" panose="020B0609020204030204" pitchFamily="49" charset="0"/>
+              </a:rPr>
+              <a:t> %}</a:t>
+            </a:r>
+          </a:p>
+          <a:p>
+            <a:r>
+              <a:rPr lang="en-US" sz="2400" dirty="0" smtClean="0">
+                <a:latin typeface="Consolas" panose="020B0609020204030204" pitchFamily="49" charset="0"/>
+                <a:cs typeface="Consolas" panose="020B0609020204030204" pitchFamily="49" charset="0"/>
+              </a:rPr>
+              <a:t>   &lt;div&gt;Congratulations!&lt;/div&gt;</a:t>
+            </a:r>
+          </a:p>
+          <a:p>
+            <a:r>
+              <a:rPr lang="en-US" sz="2400" dirty="0" smtClean="0">
+                <a:latin typeface="Consolas" panose="020B0609020204030204" pitchFamily="49" charset="0"/>
+                <a:cs typeface="Consolas" panose="020B0609020204030204" pitchFamily="49" charset="0"/>
+              </a:rPr>
+              <a:t>{% else %}</a:t>
+            </a:r>
+          </a:p>
+          <a:p>
+            <a:r>
+              <a:rPr lang="en-US" sz="2400" dirty="0">
+                <a:latin typeface="Consolas" panose="020B0609020204030204" pitchFamily="49" charset="0"/>
+                <a:cs typeface="Consolas" panose="020B0609020204030204" pitchFamily="49" charset="0"/>
+              </a:rPr>
+              <a:t> </a:t>
+            </a:r>
+            <a:r>
+              <a:rPr lang="en-US" sz="2400" dirty="0" smtClean="0">
+                <a:latin typeface="Consolas" panose="020B0609020204030204" pitchFamily="49" charset="0"/>
+                <a:cs typeface="Consolas" panose="020B0609020204030204" pitchFamily="49" charset="0"/>
+              </a:rPr>
+              <a:t>  &lt;div&gt;Sorry, that wasn't right&lt;/div&gt;</a:t>
+            </a:r>
+          </a:p>
+          <a:p>
+            <a:r>
+              <a:rPr lang="en-US" sz="2400" dirty="0" smtClean="0">
+                <a:latin typeface="Consolas" panose="020B0609020204030204" pitchFamily="49" charset="0"/>
+                <a:cs typeface="Consolas" panose="020B0609020204030204" pitchFamily="49" charset="0"/>
+              </a:rPr>
+              <a:t>{% </a:t>
+            </a:r>
+            <a:r>
+              <a:rPr lang="en-US" sz="2400" dirty="0" err="1" smtClean="0">
+                <a:latin typeface="Consolas" panose="020B0609020204030204" pitchFamily="49" charset="0"/>
+                <a:cs typeface="Consolas" panose="020B0609020204030204" pitchFamily="49" charset="0"/>
+              </a:rPr>
+              <a:t>endif</a:t>
+            </a:r>
+            <a:r>
+              <a:rPr lang="en-US" sz="2400" dirty="0" smtClean="0">
+                <a:latin typeface="Consolas" panose="020B0609020204030204" pitchFamily="49" charset="0"/>
+                <a:cs typeface="Consolas" panose="020B0609020204030204" pitchFamily="49" charset="0"/>
+              </a:rPr>
+              <a:t> %}</a:t>
+            </a:r>
+            <a:endParaRPr lang="en-US" sz="2400" dirty="0">
+              <a:latin typeface="Consolas" panose="020B0609020204030204" pitchFamily="49" charset="0"/>
+              <a:cs typeface="Consolas" panose="020B0609020204030204" pitchFamily="49" charset="0"/>
+            </a:endParaRPr>
+          </a:p>
+        </p:txBody>
+      </p:sp>
+      <p:sp>
+        <p:nvSpPr>
+          <p:cNvPr id="7" name="Rectangle 6"/>
+          <p:cNvSpPr/>
+          <p:nvPr/>
+        </p:nvSpPr>
+        <p:spPr>
+          <a:xfrm>
+            <a:off x="1991030" y="2739116"/>
+            <a:ext cx="6835880" cy="1478923"/>
+          </a:xfrm>
+          <a:prstGeom prst="rect">
+            <a:avLst/>
+          </a:prstGeom>
+        </p:spPr>
+        <p:style>
+          <a:lnRef idx="1">
+            <a:schemeClr val="accent4"/>
+          </a:lnRef>
+          <a:fillRef idx="2">
+            <a:schemeClr val="accent4"/>
+          </a:fillRef>
+          <a:effectRef idx="1">
+            <a:schemeClr val="accent4"/>
+          </a:effectRef>
+          <a:fontRef idx="minor">
+            <a:schemeClr val="dk1"/>
+          </a:fontRef>
+        </p:style>
+        <p:txBody>
+          <a:bodyPr rtlCol="0" anchor="ctr"/>
+          <a:lstStyle/>
+          <a:p>
+            <a:r>
+              <a:rPr lang="en-US" sz="2400" dirty="0" smtClean="0">
+                <a:latin typeface="Consolas" panose="020B0609020204030204" pitchFamily="49" charset="0"/>
+                <a:cs typeface="Consolas" panose="020B0609020204030204" pitchFamily="49" charset="0"/>
+              </a:rPr>
+              <a:t>{% for name in </a:t>
+            </a:r>
+            <a:r>
+              <a:rPr lang="en-US" sz="2400" b="1" dirty="0" smtClean="0">
+                <a:latin typeface="Consolas" panose="020B0609020204030204" pitchFamily="49" charset="0"/>
+                <a:cs typeface="Consolas" panose="020B0609020204030204" pitchFamily="49" charset="0"/>
+              </a:rPr>
+              <a:t>names</a:t>
+            </a:r>
+            <a:r>
+              <a:rPr lang="en-US" sz="2400" dirty="0" smtClean="0">
+                <a:latin typeface="Consolas" panose="020B0609020204030204" pitchFamily="49" charset="0"/>
+                <a:cs typeface="Consolas" panose="020B0609020204030204" pitchFamily="49" charset="0"/>
+              </a:rPr>
+              <a:t> %}</a:t>
+            </a:r>
+          </a:p>
+          <a:p>
+            <a:r>
+              <a:rPr lang="en-US" sz="2400" dirty="0" smtClean="0">
+                <a:latin typeface="Consolas" panose="020B0609020204030204" pitchFamily="49" charset="0"/>
+                <a:cs typeface="Consolas" panose="020B0609020204030204" pitchFamily="49" charset="0"/>
+              </a:rPr>
+              <a:t>   &lt;div&gt;Hello, {{ name }}&lt;/div&gt;</a:t>
+            </a:r>
+          </a:p>
+          <a:p>
+            <a:r>
+              <a:rPr lang="en-US" sz="2400" dirty="0" smtClean="0">
+                <a:latin typeface="Consolas" panose="020B0609020204030204" pitchFamily="49" charset="0"/>
+                <a:cs typeface="Consolas" panose="020B0609020204030204" pitchFamily="49" charset="0"/>
+              </a:rPr>
+              <a:t>{% </a:t>
+            </a:r>
+            <a:r>
+              <a:rPr lang="en-US" sz="2400" dirty="0" err="1" smtClean="0">
+                <a:latin typeface="Consolas" panose="020B0609020204030204" pitchFamily="49" charset="0"/>
+                <a:cs typeface="Consolas" panose="020B0609020204030204" pitchFamily="49" charset="0"/>
+              </a:rPr>
+              <a:t>endfor</a:t>
+            </a:r>
+            <a:r>
+              <a:rPr lang="en-US" sz="2400" dirty="0" smtClean="0">
+                <a:latin typeface="Consolas" panose="020B0609020204030204" pitchFamily="49" charset="0"/>
+                <a:cs typeface="Consolas" panose="020B0609020204030204" pitchFamily="49" charset="0"/>
+              </a:rPr>
+              <a:t> %}</a:t>
+            </a:r>
+            <a:endParaRPr lang="en-US" sz="2400" dirty="0">
+              <a:latin typeface="Consolas" panose="020B0609020204030204" pitchFamily="49" charset="0"/>
+              <a:cs typeface="Consolas" panose="020B0609020204030204" pitchFamily="49" charset="0"/>
+            </a:endParaRPr>
+          </a:p>
+        </p:txBody>
+      </p:sp>
+    </p:spTree>
+    <p:extLst>
+      <p:ext uri="{BB962C8B-B14F-4D97-AF65-F5344CB8AC3E}">
+        <p14:creationId xmlns:p14="http://schemas.microsoft.com/office/powerpoint/2010/main" val="2630694823"/>
+      </p:ext>
+    </p:extLst>
+  </p:cSld>
+  <p:clrMapOvr>
+    <a:masterClrMapping/>
+  </p:clrMapOvr>
+  <p:timing>
+    <p:tnLst>
+      <p:par>
+        <p:cTn id="1" dur="indefinite" restart="never" nodeType="tmRoot">
+          <p:childTnLst>
+            <p:seq concurrent="1" nextAc="seek">
+              <p:cTn id="2" dur="indefinite" nodeType="mainSeq">
+                <p:childTnLst>
+                  <p:par>
+                    <p:cTn id="3" fill="hold">
+                      <p:stCondLst>
+                        <p:cond delay="indefinite"/>
+                      </p:stCondLst>
+                      <p:childTnLst>
+                        <p:par>
+                          <p:cTn id="4" fill="hold">
+                            <p:stCondLst>
+                              <p:cond delay="0"/>
+                            </p:stCondLst>
+                            <p:childTnLst>
+                              <p:par>
+                                <p:cTn id="5" presetID="10" presetClass="entr" presetSubtype="0" fill="hold" grpId="0" nodeType="clickEffect">
+                                  <p:stCondLst>
+                                    <p:cond delay="0"/>
+                                  </p:stCondLst>
+                                  <p:childTnLst>
+                                    <p:set>
+                                      <p:cBhvr>
+                                        <p:cTn id="6" dur="1" fill="hold">
+                                          <p:stCondLst>
+                                            <p:cond delay="0"/>
+                                          </p:stCondLst>
+                                        </p:cTn>
+                                        <p:tgtEl>
+                                          <p:spTgt spid="6"/>
+                                        </p:tgtEl>
+                                        <p:attrNameLst>
+                                          <p:attrName>style.visibility</p:attrName>
+                                        </p:attrNameLst>
+                                      </p:cBhvr>
+                                      <p:to>
+                                        <p:strVal val="visible"/>
+                                      </p:to>
+                                    </p:set>
+                                    <p:animEffect transition="in" filter="fade">
+                                      <p:cBhvr>
+                                        <p:cTn id="7" dur="500"/>
+                                        <p:tgtEl>
+                                          <p:spTgt spid="6"/>
+                                        </p:tgtEl>
+                                      </p:cBhvr>
+                                    </p:animEffect>
+                                  </p:childTnLst>
+                                </p:cTn>
+                              </p:par>
+                            </p:childTnLst>
+                          </p:cTn>
+                        </p:par>
+                      </p:childTnLst>
+                    </p:cTn>
+                  </p:par>
+                  <p:par>
+                    <p:cTn id="8" fill="hold">
+                      <p:stCondLst>
+                        <p:cond delay="indefinite"/>
+                      </p:stCondLst>
+                      <p:childTnLst>
+                        <p:par>
+                          <p:cTn id="9" fill="hold">
+                            <p:stCondLst>
+                              <p:cond delay="0"/>
+                            </p:stCondLst>
+                            <p:childTnLst>
+                              <p:par>
+                                <p:cTn id="10" presetID="10" presetClass="exit" presetSubtype="0" fill="hold" grpId="1" nodeType="clickEffect">
+                                  <p:stCondLst>
+                                    <p:cond delay="0"/>
+                                  </p:stCondLst>
+                                  <p:childTnLst>
+                                    <p:animEffect transition="out" filter="fade">
+                                      <p:cBhvr>
+                                        <p:cTn id="11" dur="500"/>
+                                        <p:tgtEl>
+                                          <p:spTgt spid="6"/>
+                                        </p:tgtEl>
+                                      </p:cBhvr>
+                                    </p:animEffect>
+                                    <p:set>
+                                      <p:cBhvr>
+                                        <p:cTn id="12" dur="1" fill="hold">
+                                          <p:stCondLst>
+                                            <p:cond delay="499"/>
+                                          </p:stCondLst>
+                                        </p:cTn>
+                                        <p:tgtEl>
+                                          <p:spTgt spid="6"/>
+                                        </p:tgtEl>
+                                        <p:attrNameLst>
+                                          <p:attrName>style.visibility</p:attrName>
+                                        </p:attrNameLst>
+                                      </p:cBhvr>
+                                      <p:to>
+                                        <p:strVal val="hidden"/>
+                                      </p:to>
+                                    </p:set>
+                                  </p:childTnLst>
+                                </p:cTn>
+                              </p:par>
+                            </p:childTnLst>
+                          </p:cTn>
+                        </p:par>
+                      </p:childTnLst>
+                    </p:cTn>
+                  </p:par>
+                </p:childTnLst>
+              </p:cTn>
+              <p:prevCondLst>
+                <p:cond evt="onPrev" delay="0">
+                  <p:tgtEl>
+                    <p:sldTgt/>
+                  </p:tgtEl>
+                </p:cond>
+              </p:prevCondLst>
+              <p:nextCondLst>
+                <p:cond evt="onNext" delay="0">
+                  <p:tgtEl>
+                    <p:sldTgt/>
+                  </p:tgtEl>
+                </p:cond>
+              </p:nextCondLst>
+            </p:seq>
+          </p:childTnLst>
+        </p:cTn>
+      </p:par>
+    </p:tnLst>
+    <p:bldLst>
+      <p:bldP spid="6" grpId="0" animBg="1"/>
+      <p:bldP spid="6" grpId="1" animBg="1"/>
+    </p:bldLst>
+  </p:timing>
+</p:sld>
+</file>
+
+<file path=ppt/slides/slide26.xml><?xml version="1.0" encoding="utf-8"?>
+<p:sld xmlns:a="http://schemas.openxmlformats.org/drawingml/2006/main" xmlns:r="http://schemas.openxmlformats.org/officeDocument/2006/relationships" xmlns:p="http://schemas.openxmlformats.org/presentationml/2006/main">
+  <p:cSld>
+    <p:spTree>
+      <p:nvGrpSpPr>
+        <p:cNvPr id="1" name=""/>
+        <p:cNvGrpSpPr/>
+        <p:nvPr/>
+      </p:nvGrpSpPr>
+      <p:grpSpPr>
+        <a:xfrm>
+          <a:off x="0" y="0"/>
+          <a:ext cx="0" cy="0"/>
+          <a:chOff x="0" y="0"/>
+          <a:chExt cx="0" cy="0"/>
+        </a:xfrm>
+      </p:grpSpPr>
+      <p:sp>
+        <p:nvSpPr>
+          <p:cNvPr id="2" name="Title 1"/>
+          <p:cNvSpPr>
+            <a:spLocks noGrp="1"/>
+          </p:cNvSpPr>
+          <p:nvPr>
+            <p:ph type="title"/>
+          </p:nvPr>
+        </p:nvSpPr>
+        <p:spPr/>
+        <p:txBody>
+          <a:bodyPr/>
+          <a:lstStyle/>
+          <a:p>
+            <a:r>
+              <a:rPr lang="en-US" dirty="0" smtClean="0"/>
+              <a:t>Design best practices</a:t>
+            </a:r>
+            <a:endParaRPr lang="en-US" dirty="0"/>
+          </a:p>
+        </p:txBody>
+      </p:sp>
+      <p:sp>
+        <p:nvSpPr>
+          <p:cNvPr id="3" name="Content Placeholder 2"/>
+          <p:cNvSpPr>
+            <a:spLocks noGrp="1"/>
+          </p:cNvSpPr>
+          <p:nvPr>
+            <p:ph sz="quarter" idx="10"/>
+          </p:nvPr>
+        </p:nvSpPr>
+        <p:spPr/>
+        <p:txBody>
+          <a:bodyPr/>
+          <a:lstStyle/>
+          <a:p>
+            <a:r>
+              <a:rPr lang="en-US" dirty="0" smtClean="0"/>
+              <a:t>Templates are your "views"</a:t>
+            </a:r>
+          </a:p>
+          <a:p>
+            <a:pPr lvl="1"/>
+            <a:r>
+              <a:rPr lang="en-US" dirty="0" smtClean="0"/>
+              <a:t>Display data</a:t>
+            </a:r>
+          </a:p>
+          <a:p>
+            <a:r>
+              <a:rPr lang="en-US" dirty="0" smtClean="0"/>
+              <a:t>Views shouldn't contain much logic</a:t>
+            </a:r>
+          </a:p>
+          <a:p>
+            <a:pPr lvl="1"/>
+            <a:r>
+              <a:rPr lang="en-US" dirty="0" smtClean="0"/>
+              <a:t>Let the route method determine which view to load</a:t>
+            </a:r>
+          </a:p>
+          <a:p>
+            <a:pPr lvl="1"/>
+            <a:r>
+              <a:rPr lang="en-US" dirty="0" smtClean="0"/>
+              <a:t>Create views for the different outputs</a:t>
+            </a:r>
+          </a:p>
+          <a:p>
+            <a:r>
+              <a:rPr lang="en-US" dirty="0" smtClean="0"/>
+              <a:t>Consider putting complex logic in a separate Python file</a:t>
+            </a:r>
+          </a:p>
+          <a:p>
+            <a:pPr lvl="1"/>
+            <a:r>
+              <a:rPr lang="en-US" dirty="0" smtClean="0"/>
+              <a:t>(or class)</a:t>
+            </a:r>
+            <a:endParaRPr lang="en-US" dirty="0"/>
+          </a:p>
+        </p:txBody>
+      </p:sp>
+    </p:spTree>
+    <p:extLst>
+      <p:ext uri="{BB962C8B-B14F-4D97-AF65-F5344CB8AC3E}">
+        <p14:creationId xmlns:p14="http://schemas.microsoft.com/office/powerpoint/2010/main" val="801436887"/>
+      </p:ext>
+    </p:extLst>
+  </p:cSld>
+  <p:clrMapOvr>
+    <a:masterClrMapping/>
+  </p:clrMapOvr>
+  <p:timing>
+    <p:tnLst>
+      <p:par>
+        <p:cTn id="1" dur="indefinite" restart="never" nodeType="tmRoot"/>
+      </p:par>
+    </p:tnLst>
+  </p:timing>
+</p:sld>
+</file>
+
+<file path=ppt/slides/slide27.xml><?xml version="1.0" encoding="utf-8"?>
+<p:sld xmlns:a="http://schemas.openxmlformats.org/drawingml/2006/main" xmlns:r="http://schemas.openxmlformats.org/officeDocument/2006/relationships" xmlns:p="http://schemas.openxmlformats.org/presentationml/2006/main">
+  <p:cSld>
+    <p:spTree>
+      <p:nvGrpSpPr>
+        <p:cNvPr id="1" name=""/>
+        <p:cNvGrpSpPr/>
+        <p:nvPr/>
+      </p:nvGrpSpPr>
+      <p:grpSpPr>
+        <a:xfrm>
+          <a:off x="0" y="0"/>
+          <a:ext cx="0" cy="0"/>
+          <a:chOff x="0" y="0"/>
+          <a:chExt cx="0" cy="0"/>
+        </a:xfrm>
+      </p:grpSpPr>
+      <p:sp>
+        <p:nvSpPr>
+          <p:cNvPr id="4" name="Title 3"/>
+          <p:cNvSpPr>
+            <a:spLocks noGrp="1"/>
+          </p:cNvSpPr>
+          <p:nvPr>
+            <p:ph type="title"/>
+          </p:nvPr>
+        </p:nvSpPr>
+        <p:spPr/>
+        <p:txBody>
+          <a:bodyPr/>
+          <a:lstStyle/>
+          <a:p>
+            <a:r>
+              <a:rPr lang="en-US" dirty="0" smtClean="0"/>
+              <a:t>Bringing it all together</a:t>
+            </a:r>
+            <a:endParaRPr lang="en-US" dirty="0"/>
+          </a:p>
+        </p:txBody>
+      </p:sp>
+    </p:spTree>
+    <p:extLst>
+      <p:ext uri="{BB962C8B-B14F-4D97-AF65-F5344CB8AC3E}">
+        <p14:creationId xmlns:p14="http://schemas.microsoft.com/office/powerpoint/2010/main" val="1286818324"/>
+      </p:ext>
+    </p:extLst>
+  </p:cSld>
+  <p:clrMapOvr>
+    <a:masterClrMapping/>
+  </p:clrMapOvr>
+  <p:timing>
+    <p:tnLst>
+      <p:par>
+        <p:cTn id="1" dur="indefinite" restart="never" nodeType="tmRoot"/>
+      </p:par>
+    </p:tnLst>
+  </p:timing>
+</p:sld>
+</file>
+
+<file path=ppt/slides/slide28.xml><?xml version="1.0" encoding="utf-8"?>
 <p:sld xmlns:a="http://schemas.openxmlformats.org/drawingml/2006/main" xmlns:r="http://schemas.openxmlformats.org/officeDocument/2006/relationships" xmlns:p="http://schemas.openxmlformats.org/presentationml/2006/main">
   <p:cSld>
     <p:spTree>
@@ -3953,105 +7435,6 @@
 </p:sld>
 </file>
 
-<file path=ppt/slides/slide2.xml><?xml version="1.0" encoding="utf-8"?>
-<p:sld xmlns:a="http://schemas.openxmlformats.org/drawingml/2006/main" xmlns:r="http://schemas.openxmlformats.org/officeDocument/2006/relationships" xmlns:p="http://schemas.openxmlformats.org/presentationml/2006/main">
-  <p:cSld>
-    <p:spTree>
-      <p:nvGrpSpPr>
-        <p:cNvPr id="1" name=""/>
-        <p:cNvGrpSpPr/>
-        <p:nvPr/>
-      </p:nvGrpSpPr>
-      <p:grpSpPr>
-        <a:xfrm>
-          <a:off x="0" y="0"/>
-          <a:ext cx="0" cy="0"/>
-          <a:chOff x="0" y="0"/>
-          <a:chExt cx="0" cy="0"/>
-        </a:xfrm>
-      </p:grpSpPr>
-      <p:sp>
-        <p:nvSpPr>
-          <p:cNvPr id="4" name="Title 3"/>
-          <p:cNvSpPr>
-            <a:spLocks noGrp="1"/>
-          </p:cNvSpPr>
-          <p:nvPr>
-            <p:ph type="title"/>
-          </p:nvPr>
-        </p:nvSpPr>
-        <p:spPr/>
-        <p:txBody>
-          <a:bodyPr/>
-          <a:lstStyle/>
-          <a:p>
-            <a:r>
-              <a:rPr lang="en-US" dirty="0" smtClean="0"/>
-              <a:t>Creating a web interface</a:t>
-            </a:r>
-            <a:endParaRPr lang="en-US" dirty="0"/>
-          </a:p>
-        </p:txBody>
-      </p:sp>
-      <p:sp>
-        <p:nvSpPr>
-          <p:cNvPr id="5" name="Content Placeholder 4"/>
-          <p:cNvSpPr>
-            <a:spLocks noGrp="1"/>
-          </p:cNvSpPr>
-          <p:nvPr>
-            <p:ph sz="quarter" idx="10"/>
-          </p:nvPr>
-        </p:nvSpPr>
-        <p:spPr/>
-        <p:txBody>
-          <a:bodyPr/>
-          <a:lstStyle/>
-          <a:p>
-            <a:r>
-              <a:rPr lang="en-US" dirty="0" smtClean="0"/>
-              <a:t>HTML primer</a:t>
-            </a:r>
-          </a:p>
-          <a:p>
-            <a:r>
-              <a:rPr lang="en-US" dirty="0" smtClean="0"/>
-              <a:t>Forms</a:t>
-            </a:r>
-          </a:p>
-          <a:p>
-            <a:r>
-              <a:rPr lang="en-US" dirty="0" err="1" smtClean="0"/>
-              <a:t>Jinja</a:t>
-            </a:r>
-            <a:r>
-              <a:rPr lang="en-US" dirty="0" smtClean="0"/>
-              <a:t> templates</a:t>
-            </a:r>
-            <a:endParaRPr lang="en-US" dirty="0"/>
-          </a:p>
-        </p:txBody>
-      </p:sp>
-    </p:spTree>
-    <p:extLst>
-      <p:ext uri="{BB962C8B-B14F-4D97-AF65-F5344CB8AC3E}">
-        <p14:creationId xmlns:p14="http://schemas.microsoft.com/office/powerpoint/2010/main" val="2894034365"/>
-      </p:ext>
-    </p:extLst>
-  </p:cSld>
-  <p:clrMapOvr>
-    <a:masterClrMapping/>
-  </p:clrMapOvr>
-  <p:timing>
-    <p:tnLst>
-      <p:par>
-        <p:cTn id="1" dur="indefinite" restart="never" nodeType="tmRoot"/>
-      </p:par>
-    </p:tnLst>
-  </p:timing>
-</p:sld>
-</file>
-
 <file path=ppt/slides/slide3.xml><?xml version="1.0" encoding="utf-8"?>
 <p:sld xmlns:a="http://schemas.openxmlformats.org/drawingml/2006/main" xmlns:r="http://schemas.openxmlformats.org/officeDocument/2006/relationships" xmlns:p="http://schemas.openxmlformats.org/presentationml/2006/main">
   <p:cSld>
@@ -4071,12 +7454,12 @@
       </p:grpSpPr>
       <p:sp>
         <p:nvSpPr>
-          <p:cNvPr id="5" name="Text Placeholder 4"/>
+          <p:cNvPr id="4" name="Title 3"/>
           <p:cNvSpPr>
             <a:spLocks noGrp="1"/>
           </p:cNvSpPr>
           <p:nvPr>
-            <p:ph type="body" sz="quarter" idx="10"/>
+            <p:ph type="title"/>
           </p:nvPr>
         </p:nvSpPr>
         <p:spPr/>
@@ -4086,7 +7469,7 @@
           <a:p>
             <a:r>
               <a:rPr lang="en-US" dirty="0" smtClean="0"/>
-              <a:t>HTML primer</a:t>
+              <a:t>Creating a web interface</a:t>
             </a:r>
             <a:endParaRPr lang="en-US" dirty="0"/>
           </a:p>
@@ -4094,12 +7477,12 @@
       </p:sp>
       <p:sp>
         <p:nvSpPr>
-          <p:cNvPr id="4" name="Subtitle 3"/>
+          <p:cNvPr id="5" name="Content Placeholder 4"/>
           <p:cNvSpPr>
             <a:spLocks noGrp="1"/>
           </p:cNvSpPr>
           <p:nvPr>
-            <p:ph type="subTitle" idx="1"/>
+            <p:ph sz="quarter" idx="10"/>
           </p:nvPr>
         </p:nvSpPr>
         <p:spPr/>
@@ -4107,14 +7490,34 @@
           <a:bodyPr/>
           <a:lstStyle/>
           <a:p>
-            <a:endParaRPr lang="en-US"/>
+            <a:r>
+              <a:rPr lang="en-US" dirty="0" smtClean="0"/>
+              <a:t>HTML primer</a:t>
+            </a:r>
+          </a:p>
+          <a:p>
+            <a:r>
+              <a:rPr lang="en-US" dirty="0" smtClean="0"/>
+              <a:t>Forms</a:t>
+            </a:r>
+          </a:p>
+          <a:p>
+            <a:r>
+              <a:rPr lang="en-US" dirty="0" err="1" smtClean="0"/>
+              <a:t>Jinja</a:t>
+            </a:r>
+            <a:r>
+              <a:rPr lang="en-US" dirty="0" smtClean="0"/>
+              <a:t> templates</a:t>
+            </a:r>
+            <a:endParaRPr lang="en-US" dirty="0"/>
           </a:p>
         </p:txBody>
       </p:sp>
     </p:spTree>
     <p:extLst>
       <p:ext uri="{BB962C8B-B14F-4D97-AF65-F5344CB8AC3E}">
-        <p14:creationId xmlns:p14="http://schemas.microsoft.com/office/powerpoint/2010/main" val="1463761674"/>
+        <p14:creationId xmlns:p14="http://schemas.microsoft.com/office/powerpoint/2010/main" val="2894034365"/>
       </p:ext>
     </p:extLst>
   </p:cSld>
@@ -4150,12 +7553,12 @@
       </p:grpSpPr>
       <p:sp>
         <p:nvSpPr>
-          <p:cNvPr id="2" name="Title 1"/>
+          <p:cNvPr id="5" name="Text Placeholder 4"/>
           <p:cNvSpPr>
             <a:spLocks noGrp="1"/>
           </p:cNvSpPr>
           <p:nvPr>
-            <p:ph type="title"/>
+            <p:ph type="body" sz="quarter" idx="10"/>
           </p:nvPr>
         </p:nvSpPr>
         <p:spPr/>
@@ -4173,12 +7576,12 @@
       </p:sp>
       <p:sp>
         <p:nvSpPr>
-          <p:cNvPr id="3" name="Content Placeholder 2"/>
+          <p:cNvPr id="4" name="Subtitle 3"/>
           <p:cNvSpPr>
             <a:spLocks noGrp="1"/>
           </p:cNvSpPr>
           <p:nvPr>
-            <p:ph sz="quarter" idx="10"/>
+            <p:ph type="subTitle" idx="1"/>
           </p:nvPr>
         </p:nvSpPr>
         <p:spPr/>
@@ -4186,36 +7589,14 @@
           <a:bodyPr/>
           <a:lstStyle/>
           <a:p>
-            <a:r>
-              <a:rPr lang="en-US" dirty="0" smtClean="0"/>
-              <a:t>HTML concepts</a:t>
-            </a:r>
-          </a:p>
-          <a:p>
-            <a:r>
-              <a:rPr lang="en-US" dirty="0" smtClean="0"/>
-              <a:t>Elements</a:t>
-            </a:r>
-          </a:p>
-          <a:p>
-            <a:r>
-              <a:rPr lang="en-US" dirty="0" smtClean="0"/>
-              <a:t>Attributes</a:t>
-            </a:r>
-          </a:p>
-          <a:p>
-            <a:r>
-              <a:rPr lang="en-US" dirty="0" smtClean="0"/>
-              <a:t>Additional resources</a:t>
-            </a:r>
-            <a:endParaRPr lang="en-US" dirty="0"/>
+            <a:endParaRPr lang="en-US"/>
           </a:p>
         </p:txBody>
       </p:sp>
     </p:spTree>
     <p:extLst>
       <p:ext uri="{BB962C8B-B14F-4D97-AF65-F5344CB8AC3E}">
-        <p14:creationId xmlns:p14="http://schemas.microsoft.com/office/powerpoint/2010/main" val="4265963659"/>
+        <p14:creationId xmlns:p14="http://schemas.microsoft.com/office/powerpoint/2010/main" val="1463761674"/>
       </p:ext>
     </p:extLst>
   </p:cSld>
@@ -4266,7 +7647,7 @@
           <a:p>
             <a:r>
               <a:rPr lang="en-US" dirty="0" smtClean="0"/>
-              <a:t>HTML concepts</a:t>
+              <a:t>HTML primer</a:t>
             </a:r>
             <a:endParaRPr lang="en-US" dirty="0"/>
           </a:p>
@@ -4289,41 +7670,34 @@
           <a:p>
             <a:r>
               <a:rPr lang="en-US" dirty="0" smtClean="0"/>
-              <a:t>Hypertext markup language</a:t>
-            </a:r>
-          </a:p>
-          <a:p>
-            <a:r>
-              <a:rPr lang="en-US" dirty="0" smtClean="0"/>
-              <a:t>Standard markup for creating web pages</a:t>
-            </a:r>
-          </a:p>
-          <a:p>
-            <a:r>
-              <a:rPr lang="en-US" dirty="0" smtClean="0"/>
-              <a:t>Components</a:t>
-            </a:r>
-          </a:p>
-          <a:p>
-            <a:pPr lvl="1"/>
+              <a:t>HTML concepts</a:t>
+            </a:r>
+          </a:p>
+          <a:p>
             <a:r>
               <a:rPr lang="en-US" dirty="0" smtClean="0"/>
               <a:t>Elements</a:t>
             </a:r>
           </a:p>
           <a:p>
-            <a:pPr lvl="1"/>
             <a:r>
               <a:rPr lang="en-US" dirty="0" smtClean="0"/>
               <a:t>Attributes</a:t>
             </a:r>
+          </a:p>
+          <a:p>
+            <a:r>
+              <a:rPr lang="en-US" dirty="0" smtClean="0"/>
+              <a:t>Additional resources</a:t>
+            </a:r>
+            <a:endParaRPr lang="en-US" dirty="0"/>
           </a:p>
         </p:txBody>
       </p:sp>
     </p:spTree>
     <p:extLst>
       <p:ext uri="{BB962C8B-B14F-4D97-AF65-F5344CB8AC3E}">
-        <p14:creationId xmlns:p14="http://schemas.microsoft.com/office/powerpoint/2010/main" val="2739922909"/>
+        <p14:creationId xmlns:p14="http://schemas.microsoft.com/office/powerpoint/2010/main" val="4265963659"/>
       </p:ext>
     </p:extLst>
   </p:cSld>
@@ -4374,7 +7748,7 @@
           <a:p>
             <a:r>
               <a:rPr lang="en-US" dirty="0" smtClean="0"/>
-              <a:t>Elements</a:t>
+              <a:t>HTML concepts</a:t>
             </a:r>
             <a:endParaRPr lang="en-US" dirty="0"/>
           </a:p>
@@ -4397,83 +7771,33 @@
           <a:p>
             <a:r>
               <a:rPr lang="en-US" dirty="0" smtClean="0"/>
-              <a:t>Consist of tags</a:t>
-            </a:r>
-          </a:p>
-          <a:p>
-            <a:r>
-              <a:rPr lang="en-US" dirty="0" smtClean="0"/>
-              <a:t>Tags are contained in "angle brackets"</a:t>
-            </a:r>
-          </a:p>
-          <a:p>
-            <a:pPr marL="457046" lvl="1" indent="0">
-              <a:buNone/>
-            </a:pPr>
-            <a:r>
-              <a:rPr lang="en-US" dirty="0" smtClean="0"/>
-              <a:t>	</a:t>
-            </a:r>
-            <a:r>
-              <a:rPr lang="en-US" dirty="0" smtClean="0">
-                <a:latin typeface="Consolas" panose="020B0609020204030204" pitchFamily="49" charset="0"/>
-                <a:cs typeface="Consolas" panose="020B0609020204030204" pitchFamily="49" charset="0"/>
-              </a:rPr>
-              <a:t>&lt;&gt;</a:t>
-            </a:r>
-            <a:endParaRPr lang="en-US" dirty="0">
-              <a:latin typeface="Consolas" panose="020B0609020204030204" pitchFamily="49" charset="0"/>
-              <a:cs typeface="Consolas" panose="020B0609020204030204" pitchFamily="49" charset="0"/>
-            </a:endParaRPr>
-          </a:p>
-          <a:p>
-            <a:r>
-              <a:rPr lang="en-US" dirty="0" smtClean="0"/>
-              <a:t>Typically in open/close pairs</a:t>
-            </a:r>
-          </a:p>
-          <a:p>
-            <a:pPr marL="457046" lvl="1" indent="0">
-              <a:buNone/>
-            </a:pPr>
-            <a:r>
-              <a:rPr lang="en-US" dirty="0">
-                <a:latin typeface="Consolas" panose="020B0609020204030204" pitchFamily="49" charset="0"/>
-                <a:cs typeface="Consolas" panose="020B0609020204030204" pitchFamily="49" charset="0"/>
-              </a:rPr>
-              <a:t>	&lt;body&gt;</a:t>
-            </a:r>
-          </a:p>
-          <a:p>
-            <a:pPr marL="457046" lvl="1" indent="0">
-              <a:buNone/>
-            </a:pPr>
-            <a:r>
-              <a:rPr lang="en-US" dirty="0">
-                <a:latin typeface="Consolas" panose="020B0609020204030204" pitchFamily="49" charset="0"/>
-                <a:cs typeface="Consolas" panose="020B0609020204030204" pitchFamily="49" charset="0"/>
-              </a:rPr>
-              <a:t>	&lt;/body</a:t>
-            </a:r>
-            <a:r>
-              <a:rPr lang="en-US" dirty="0" smtClean="0">
-                <a:latin typeface="Consolas" panose="020B0609020204030204" pitchFamily="49" charset="0"/>
-                <a:cs typeface="Consolas" panose="020B0609020204030204" pitchFamily="49" charset="0"/>
-              </a:rPr>
-              <a:t>&gt;</a:t>
-            </a:r>
-          </a:p>
-          <a:p>
-            <a:r>
-              <a:rPr lang="en-US" dirty="0" smtClean="0"/>
-              <a:t>Technically case insensitive</a:t>
+              <a:t>Hypertext markup language</a:t>
+            </a:r>
+          </a:p>
+          <a:p>
+            <a:r>
+              <a:rPr lang="en-US" dirty="0" smtClean="0"/>
+              <a:t>Standard markup for creating web pages</a:t>
+            </a:r>
+          </a:p>
+          <a:p>
+            <a:r>
+              <a:rPr lang="en-US" dirty="0" smtClean="0"/>
+              <a:t>Components</a:t>
             </a:r>
           </a:p>
           <a:p>
             <a:pPr lvl="1"/>
             <a:r>
               <a:rPr lang="en-US" dirty="0" smtClean="0"/>
-              <a:t>Convention is to use lower case letters</a:t>
+              <a:t>Elements</a:t>
+            </a:r>
+          </a:p>
+          <a:p>
+            <a:pPr lvl="1"/>
+            <a:r>
+              <a:rPr lang="en-US" dirty="0" smtClean="0"/>
+              <a:t>Attributes</a:t>
             </a:r>
           </a:p>
         </p:txBody>
@@ -4481,7 +7805,7 @@
     </p:spTree>
     <p:extLst>
       <p:ext uri="{BB962C8B-B14F-4D97-AF65-F5344CB8AC3E}">
-        <p14:creationId xmlns:p14="http://schemas.microsoft.com/office/powerpoint/2010/main" val="149477642"/>
+        <p14:creationId xmlns:p14="http://schemas.microsoft.com/office/powerpoint/2010/main" val="2739922909"/>
       </p:ext>
     </p:extLst>
   </p:cSld>
@@ -4532,6 +7856,164 @@
           <a:p>
             <a:r>
               <a:rPr lang="en-US" dirty="0" smtClean="0"/>
+              <a:t>Elements</a:t>
+            </a:r>
+            <a:endParaRPr lang="en-US" dirty="0"/>
+          </a:p>
+        </p:txBody>
+      </p:sp>
+      <p:sp>
+        <p:nvSpPr>
+          <p:cNvPr id="3" name="Content Placeholder 2"/>
+          <p:cNvSpPr>
+            <a:spLocks noGrp="1"/>
+          </p:cNvSpPr>
+          <p:nvPr>
+            <p:ph sz="quarter" idx="10"/>
+          </p:nvPr>
+        </p:nvSpPr>
+        <p:spPr/>
+        <p:txBody>
+          <a:bodyPr/>
+          <a:lstStyle/>
+          <a:p>
+            <a:r>
+              <a:rPr lang="en-US" dirty="0" smtClean="0"/>
+              <a:t>Consist of tags</a:t>
+            </a:r>
+          </a:p>
+          <a:p>
+            <a:r>
+              <a:rPr lang="en-US" dirty="0" smtClean="0"/>
+              <a:t>Tags are contained in "angle brackets"</a:t>
+            </a:r>
+          </a:p>
+          <a:p>
+            <a:pPr marL="457046" lvl="1" indent="0">
+              <a:buNone/>
+            </a:pPr>
+            <a:r>
+              <a:rPr lang="en-US" dirty="0" smtClean="0"/>
+              <a:t>	</a:t>
+            </a:r>
+            <a:r>
+              <a:rPr lang="en-US" dirty="0" smtClean="0">
+                <a:latin typeface="Consolas" panose="020B0609020204030204" pitchFamily="49" charset="0"/>
+                <a:cs typeface="Consolas" panose="020B0609020204030204" pitchFamily="49" charset="0"/>
+              </a:rPr>
+              <a:t>&lt;&gt;</a:t>
+            </a:r>
+            <a:endParaRPr lang="en-US" dirty="0">
+              <a:latin typeface="Consolas" panose="020B0609020204030204" pitchFamily="49" charset="0"/>
+              <a:cs typeface="Consolas" panose="020B0609020204030204" pitchFamily="49" charset="0"/>
+            </a:endParaRPr>
+          </a:p>
+          <a:p>
+            <a:r>
+              <a:rPr lang="en-US" dirty="0" smtClean="0"/>
+              <a:t>Typically in open/close pairs</a:t>
+            </a:r>
+          </a:p>
+          <a:p>
+            <a:pPr marL="457046" lvl="1" indent="0">
+              <a:buNone/>
+            </a:pPr>
+            <a:r>
+              <a:rPr lang="en-US" dirty="0">
+                <a:latin typeface="Consolas" panose="020B0609020204030204" pitchFamily="49" charset="0"/>
+                <a:cs typeface="Consolas" panose="020B0609020204030204" pitchFamily="49" charset="0"/>
+              </a:rPr>
+              <a:t>	&lt;body&gt;</a:t>
+            </a:r>
+          </a:p>
+          <a:p>
+            <a:pPr marL="457046" lvl="1" indent="0">
+              <a:buNone/>
+            </a:pPr>
+            <a:r>
+              <a:rPr lang="en-US" dirty="0">
+                <a:latin typeface="Consolas" panose="020B0609020204030204" pitchFamily="49" charset="0"/>
+                <a:cs typeface="Consolas" panose="020B0609020204030204" pitchFamily="49" charset="0"/>
+              </a:rPr>
+              <a:t>	&lt;/body</a:t>
+            </a:r>
+            <a:r>
+              <a:rPr lang="en-US" dirty="0" smtClean="0">
+                <a:latin typeface="Consolas" panose="020B0609020204030204" pitchFamily="49" charset="0"/>
+                <a:cs typeface="Consolas" panose="020B0609020204030204" pitchFamily="49" charset="0"/>
+              </a:rPr>
+              <a:t>&gt;</a:t>
+            </a:r>
+          </a:p>
+          <a:p>
+            <a:r>
+              <a:rPr lang="en-US" dirty="0" smtClean="0"/>
+              <a:t>Technically case insensitive</a:t>
+            </a:r>
+          </a:p>
+          <a:p>
+            <a:pPr lvl="1"/>
+            <a:r>
+              <a:rPr lang="en-US" dirty="0" smtClean="0"/>
+              <a:t>Convention is to use lower case letters</a:t>
+            </a:r>
+          </a:p>
+        </p:txBody>
+      </p:sp>
+    </p:spTree>
+    <p:extLst>
+      <p:ext uri="{BB962C8B-B14F-4D97-AF65-F5344CB8AC3E}">
+        <p14:creationId xmlns:p14="http://schemas.microsoft.com/office/powerpoint/2010/main" val="149477642"/>
+      </p:ext>
+    </p:extLst>
+  </p:cSld>
+  <p:clrMapOvr>
+    <a:masterClrMapping/>
+  </p:clrMapOvr>
+  <p:timing>
+    <p:tnLst>
+      <p:par>
+        <p:cTn id="1" dur="indefinite" restart="never" nodeType="tmRoot"/>
+      </p:par>
+    </p:tnLst>
+  </p:timing>
+</p:sld>
+</file>
+
+<file path=ppt/slides/slide8.xml><?xml version="1.0" encoding="utf-8"?>
+<p:sld xmlns:a="http://schemas.openxmlformats.org/drawingml/2006/main" xmlns:r="http://schemas.openxmlformats.org/officeDocument/2006/relationships" xmlns:p="http://schemas.openxmlformats.org/presentationml/2006/main">
+  <p:cSld>
+    <p:spTree>
+      <p:nvGrpSpPr>
+        <p:cNvPr id="1" name=""/>
+        <p:cNvGrpSpPr/>
+        <p:nvPr/>
+      </p:nvGrpSpPr>
+      <p:grpSpPr>
+        <a:xfrm>
+          <a:off x="0" y="0"/>
+          <a:ext cx="0" cy="0"/>
+          <a:chOff x="0" y="0"/>
+          <a:chExt cx="0" cy="0"/>
+        </a:xfrm>
+      </p:grpSpPr>
+      <p:sp>
+        <p:nvSpPr>
+          <p:cNvPr id="2" name="Title 1"/>
+          <p:cNvSpPr>
+            <a:spLocks noGrp="1"/>
+          </p:cNvSpPr>
+          <p:nvPr>
+            <p:ph type="title"/>
+          </p:nvPr>
+        </p:nvSpPr>
+        <p:spPr/>
+        <p:txBody>
+          <a:bodyPr/>
+          <a:lstStyle/>
+          <a:p>
+            <a:r>
+              <a:rPr lang="en-US" dirty="0" smtClean="0"/>
               <a:t>Closing tags</a:t>
             </a:r>
             <a:endParaRPr lang="en-US" dirty="0"/>
@@ -4665,7 +8147,7 @@
 </p:sld>
 </file>
 
-<file path=ppt/slides/slide8.xml><?xml version="1.0" encoding="utf-8"?>
+<file path=ppt/slides/slide9.xml><?xml version="1.0" encoding="utf-8"?>
 <p:sld xmlns:a="http://schemas.openxmlformats.org/drawingml/2006/main" xmlns:r="http://schemas.openxmlformats.org/officeDocument/2006/relationships" xmlns:p="http://schemas.openxmlformats.org/presentationml/2006/main">
   <p:cSld>
     <p:bg>
@@ -4775,15 +8257,7 @@
                   <a:schemeClr val="bg1"/>
                 </a:solidFill>
               </a:rPr>
-              <a:t>Used </a:t>
-            </a:r>
-            <a:r>
-              <a:rPr lang="en-US" sz="2400" dirty="0" smtClean="0">
-                <a:solidFill>
-                  <a:schemeClr val="bg1"/>
-                </a:solidFill>
-              </a:rPr>
-              <a:t>to describe data</a:t>
+              <a:t>Used to describe data</a:t>
             </a:r>
           </a:p>
           <a:p>
@@ -4943,11 +8417,6 @@
               </a:rPr>
               <a:t>Commonly forms</a:t>
             </a:r>
-            <a:endParaRPr lang="en-US" sz="2400" dirty="0" smtClean="0">
-              <a:solidFill>
-                <a:schemeClr val="bg1"/>
-              </a:solidFill>
-            </a:endParaRPr>
           </a:p>
           <a:p>
             <a:endParaRPr lang="en-US" sz="2400" dirty="0">
@@ -5032,7 +8501,7 @@
         <p:spPr>
           <a:xfrm>
             <a:off x="8214700" y="2141456"/>
-            <a:ext cx="2119619" cy="3416320"/>
+            <a:ext cx="3174331" cy="3416320"/>
           </a:xfrm>
           <a:prstGeom prst="rect">
             <a:avLst/>
@@ -5068,8 +8537,13 @@
                   <a:schemeClr val="bg1"/>
                 </a:solidFill>
               </a:rPr>
-              <a:t>New to HTML5</a:t>
-            </a:r>
+              <a:t>Only determines format</a:t>
+            </a:r>
+            <a:endParaRPr lang="en-US" sz="2400" dirty="0" smtClean="0">
+              <a:solidFill>
+                <a:schemeClr val="bg1"/>
+              </a:solidFill>
+            </a:endParaRPr>
           </a:p>
           <a:p>
             <a:r>
@@ -5080,11 +8554,6 @@
               </a:rPr>
               <a:t>Generally avoid</a:t>
             </a:r>
-            <a:endParaRPr lang="en-US" sz="2400" dirty="0" smtClean="0">
-              <a:solidFill>
-                <a:schemeClr val="bg1"/>
-              </a:solidFill>
-            </a:endParaRPr>
           </a:p>
           <a:p>
             <a:endParaRPr lang="en-US" sz="2400" dirty="0">
@@ -5369,489 +8838,6 @@
       <p:bldP spid="5" grpId="0"/>
       <p:bldP spid="6" grpId="0"/>
       <p:bldP spid="7" grpId="0"/>
-    </p:bldLst>
-  </p:timing>
-</p:sld>
-</file>
-
-<file path=ppt/slides/slide9.xml><?xml version="1.0" encoding="utf-8"?>
-<p:sld xmlns:a="http://schemas.openxmlformats.org/drawingml/2006/main" xmlns:r="http://schemas.openxmlformats.org/officeDocument/2006/relationships" xmlns:p="http://schemas.openxmlformats.org/presentationml/2006/main">
-  <p:cSld>
-    <p:spTree>
-      <p:nvGrpSpPr>
-        <p:cNvPr id="1" name=""/>
-        <p:cNvGrpSpPr/>
-        <p:nvPr/>
-      </p:nvGrpSpPr>
-      <p:grpSpPr>
-        <a:xfrm>
-          <a:off x="0" y="0"/>
-          <a:ext cx="0" cy="0"/>
-          <a:chOff x="0" y="0"/>
-          <a:chExt cx="0" cy="0"/>
-        </a:xfrm>
-      </p:grpSpPr>
-      <p:sp>
-        <p:nvSpPr>
-          <p:cNvPr id="2" name="Title 1"/>
-          <p:cNvSpPr>
-            <a:spLocks noGrp="1"/>
-          </p:cNvSpPr>
-          <p:nvPr>
-            <p:ph type="title"/>
-          </p:nvPr>
-        </p:nvSpPr>
-        <p:spPr/>
-        <p:txBody>
-          <a:bodyPr/>
-          <a:lstStyle/>
-          <a:p>
-            <a:r>
-              <a:rPr lang="en-US" dirty="0" smtClean="0"/>
-              <a:t>Standard HTML page</a:t>
-            </a:r>
-            <a:endParaRPr lang="en-US" dirty="0"/>
-          </a:p>
-        </p:txBody>
-      </p:sp>
-      <p:sp>
-        <p:nvSpPr>
-          <p:cNvPr id="5" name="Rounded Rectangle 4"/>
-          <p:cNvSpPr/>
-          <p:nvPr/>
-        </p:nvSpPr>
-        <p:spPr>
-          <a:xfrm>
-            <a:off x="304800" y="914400"/>
-            <a:ext cx="11310551" cy="5865341"/>
-          </a:xfrm>
-          <a:prstGeom prst="roundRect">
-            <a:avLst>
-              <a:gd name="adj" fmla="val 4167"/>
-            </a:avLst>
-          </a:prstGeom>
-        </p:spPr>
-        <p:style>
-          <a:lnRef idx="2">
-            <a:schemeClr val="accent1">
-              <a:shade val="50000"/>
-            </a:schemeClr>
-          </a:lnRef>
-          <a:fillRef idx="1">
-            <a:schemeClr val="accent1"/>
-          </a:fillRef>
-          <a:effectRef idx="0">
-            <a:schemeClr val="accent1"/>
-          </a:effectRef>
-          <a:fontRef idx="minor">
-            <a:schemeClr val="lt1"/>
-          </a:fontRef>
-        </p:style>
-        <p:txBody>
-          <a:bodyPr rtlCol="0" anchor="ctr"/>
-          <a:lstStyle/>
-          <a:p>
-            <a:r>
-              <a:rPr lang="en-US" sz="4000" dirty="0" smtClean="0">
-                <a:latin typeface="Consolas" panose="020B0609020204030204" pitchFamily="49" charset="0"/>
-                <a:cs typeface="Consolas" panose="020B0609020204030204" pitchFamily="49" charset="0"/>
-              </a:rPr>
-              <a:t>&lt;html&gt;</a:t>
-            </a:r>
-          </a:p>
-          <a:p>
-            <a:endParaRPr lang="en-US" sz="4000" dirty="0">
-              <a:latin typeface="Consolas" panose="020B0609020204030204" pitchFamily="49" charset="0"/>
-              <a:cs typeface="Consolas" panose="020B0609020204030204" pitchFamily="49" charset="0"/>
-            </a:endParaRPr>
-          </a:p>
-          <a:p>
-            <a:endParaRPr lang="en-US" sz="4000" dirty="0" smtClean="0">
-              <a:latin typeface="Consolas" panose="020B0609020204030204" pitchFamily="49" charset="0"/>
-              <a:cs typeface="Consolas" panose="020B0609020204030204" pitchFamily="49" charset="0"/>
-            </a:endParaRPr>
-          </a:p>
-          <a:p>
-            <a:endParaRPr lang="en-US" sz="4000" dirty="0">
-              <a:latin typeface="Consolas" panose="020B0609020204030204" pitchFamily="49" charset="0"/>
-              <a:cs typeface="Consolas" panose="020B0609020204030204" pitchFamily="49" charset="0"/>
-            </a:endParaRPr>
-          </a:p>
-          <a:p>
-            <a:endParaRPr lang="en-US" sz="4000" dirty="0" smtClean="0">
-              <a:latin typeface="Consolas" panose="020B0609020204030204" pitchFamily="49" charset="0"/>
-              <a:cs typeface="Consolas" panose="020B0609020204030204" pitchFamily="49" charset="0"/>
-            </a:endParaRPr>
-          </a:p>
-          <a:p>
-            <a:endParaRPr lang="en-US" sz="4000" dirty="0">
-              <a:latin typeface="Consolas" panose="020B0609020204030204" pitchFamily="49" charset="0"/>
-              <a:cs typeface="Consolas" panose="020B0609020204030204" pitchFamily="49" charset="0"/>
-            </a:endParaRPr>
-          </a:p>
-          <a:p>
-            <a:endParaRPr lang="en-US" sz="4000" dirty="0" smtClean="0">
-              <a:latin typeface="Consolas" panose="020B0609020204030204" pitchFamily="49" charset="0"/>
-              <a:cs typeface="Consolas" panose="020B0609020204030204" pitchFamily="49" charset="0"/>
-            </a:endParaRPr>
-          </a:p>
-          <a:p>
-            <a:endParaRPr lang="en-US" sz="4000" dirty="0" smtClean="0">
-              <a:latin typeface="Consolas" panose="020B0609020204030204" pitchFamily="49" charset="0"/>
-              <a:cs typeface="Consolas" panose="020B0609020204030204" pitchFamily="49" charset="0"/>
-            </a:endParaRPr>
-          </a:p>
-          <a:p>
-            <a:r>
-              <a:rPr lang="en-US" sz="4000" dirty="0" smtClean="0">
-                <a:latin typeface="Consolas" panose="020B0609020204030204" pitchFamily="49" charset="0"/>
-                <a:cs typeface="Consolas" panose="020B0609020204030204" pitchFamily="49" charset="0"/>
-              </a:rPr>
-              <a:t>&lt;/html&gt;</a:t>
-            </a:r>
-            <a:endParaRPr lang="en-US" sz="4000" dirty="0">
-              <a:latin typeface="Consolas" panose="020B0609020204030204" pitchFamily="49" charset="0"/>
-              <a:cs typeface="Consolas" panose="020B0609020204030204" pitchFamily="49" charset="0"/>
-            </a:endParaRPr>
-          </a:p>
-        </p:txBody>
-      </p:sp>
-      <p:sp>
-        <p:nvSpPr>
-          <p:cNvPr id="6" name="Rounded Rectangle 5"/>
-          <p:cNvSpPr/>
-          <p:nvPr/>
-        </p:nvSpPr>
-        <p:spPr>
-          <a:xfrm>
-            <a:off x="943232" y="1747229"/>
-            <a:ext cx="10013092" cy="1836232"/>
-          </a:xfrm>
-          <a:prstGeom prst="roundRect">
-            <a:avLst>
-              <a:gd name="adj" fmla="val 4167"/>
-            </a:avLst>
-          </a:prstGeom>
-        </p:spPr>
-        <p:style>
-          <a:lnRef idx="1">
-            <a:schemeClr val="accent3"/>
-          </a:lnRef>
-          <a:fillRef idx="2">
-            <a:schemeClr val="accent3"/>
-          </a:fillRef>
-          <a:effectRef idx="1">
-            <a:schemeClr val="accent3"/>
-          </a:effectRef>
-          <a:fontRef idx="minor">
-            <a:schemeClr val="dk1"/>
-          </a:fontRef>
-        </p:style>
-        <p:txBody>
-          <a:bodyPr rtlCol="0" anchor="ctr"/>
-          <a:lstStyle/>
-          <a:p>
-            <a:r>
-              <a:rPr lang="en-US" sz="4000" dirty="0" smtClean="0">
-                <a:latin typeface="Consolas" panose="020B0609020204030204" pitchFamily="49" charset="0"/>
-                <a:cs typeface="Consolas" panose="020B0609020204030204" pitchFamily="49" charset="0"/>
-              </a:rPr>
-              <a:t>&lt;html&gt;</a:t>
-            </a:r>
-          </a:p>
-          <a:p>
-            <a:r>
-              <a:rPr lang="en-US" sz="4000" dirty="0" smtClean="0">
-                <a:latin typeface="Consolas" panose="020B0609020204030204" pitchFamily="49" charset="0"/>
-                <a:cs typeface="Consolas" panose="020B0609020204030204" pitchFamily="49" charset="0"/>
-              </a:rPr>
-              <a:t>  &lt;title&gt;Hello, Python!&lt;/title&gt;</a:t>
-            </a:r>
-          </a:p>
-          <a:p>
-            <a:r>
-              <a:rPr lang="en-US" sz="4000" dirty="0" smtClean="0">
-                <a:latin typeface="Consolas" panose="020B0609020204030204" pitchFamily="49" charset="0"/>
-                <a:cs typeface="Consolas" panose="020B0609020204030204" pitchFamily="49" charset="0"/>
-              </a:rPr>
-              <a:t>&lt;/html&gt;</a:t>
-            </a:r>
-            <a:endParaRPr lang="en-US" sz="4000" dirty="0">
-              <a:latin typeface="Consolas" panose="020B0609020204030204" pitchFamily="49" charset="0"/>
-              <a:cs typeface="Consolas" panose="020B0609020204030204" pitchFamily="49" charset="0"/>
-            </a:endParaRPr>
-          </a:p>
-        </p:txBody>
-      </p:sp>
-      <p:sp>
-        <p:nvSpPr>
-          <p:cNvPr id="7" name="Rounded Rectangle 6"/>
-          <p:cNvSpPr/>
-          <p:nvPr/>
-        </p:nvSpPr>
-        <p:spPr>
-          <a:xfrm>
-            <a:off x="943232" y="3861618"/>
-            <a:ext cx="10013092" cy="1836232"/>
-          </a:xfrm>
-          <a:prstGeom prst="roundRect">
-            <a:avLst>
-              <a:gd name="adj" fmla="val 4167"/>
-            </a:avLst>
-          </a:prstGeom>
-        </p:spPr>
-        <p:style>
-          <a:lnRef idx="1">
-            <a:schemeClr val="accent4"/>
-          </a:lnRef>
-          <a:fillRef idx="2">
-            <a:schemeClr val="accent4"/>
-          </a:fillRef>
-          <a:effectRef idx="1">
-            <a:schemeClr val="accent4"/>
-          </a:effectRef>
-          <a:fontRef idx="minor">
-            <a:schemeClr val="dk1"/>
-          </a:fontRef>
-        </p:style>
-        <p:txBody>
-          <a:bodyPr rtlCol="0" anchor="ctr"/>
-          <a:lstStyle/>
-          <a:p>
-            <a:r>
-              <a:rPr lang="en-US" sz="4000" dirty="0" smtClean="0">
-                <a:latin typeface="Consolas" panose="020B0609020204030204" pitchFamily="49" charset="0"/>
-                <a:cs typeface="Consolas" panose="020B0609020204030204" pitchFamily="49" charset="0"/>
-              </a:rPr>
-              <a:t>&lt;body&gt;</a:t>
-            </a:r>
-          </a:p>
-          <a:p>
-            <a:r>
-              <a:rPr lang="en-US" sz="4000" dirty="0" smtClean="0">
-                <a:latin typeface="Consolas" panose="020B0609020204030204" pitchFamily="49" charset="0"/>
-                <a:cs typeface="Consolas" panose="020B0609020204030204" pitchFamily="49" charset="0"/>
-              </a:rPr>
-              <a:t>  &lt;b&gt;Welcome to our first page!&lt;/b&gt;</a:t>
-            </a:r>
-          </a:p>
-          <a:p>
-            <a:r>
-              <a:rPr lang="en-US" sz="4000" dirty="0" smtClean="0">
-                <a:latin typeface="Consolas" panose="020B0609020204030204" pitchFamily="49" charset="0"/>
-                <a:cs typeface="Consolas" panose="020B0609020204030204" pitchFamily="49" charset="0"/>
-              </a:rPr>
-              <a:t>&lt;/body&gt;</a:t>
-            </a:r>
-            <a:endParaRPr lang="en-US" sz="4000" dirty="0">
-              <a:latin typeface="Consolas" panose="020B0609020204030204" pitchFamily="49" charset="0"/>
-              <a:cs typeface="Consolas" panose="020B0609020204030204" pitchFamily="49" charset="0"/>
-            </a:endParaRPr>
-          </a:p>
-        </p:txBody>
-      </p:sp>
-    </p:spTree>
-    <p:extLst>
-      <p:ext uri="{BB962C8B-B14F-4D97-AF65-F5344CB8AC3E}">
-        <p14:creationId xmlns:p14="http://schemas.microsoft.com/office/powerpoint/2010/main" val="2947452281"/>
-      </p:ext>
-    </p:extLst>
-  </p:cSld>
-  <p:clrMapOvr>
-    <a:masterClrMapping/>
-  </p:clrMapOvr>
-  <p:timing>
-    <p:tnLst>
-      <p:par>
-        <p:cTn id="1" dur="indefinite" restart="never" nodeType="tmRoot">
-          <p:childTnLst>
-            <p:seq concurrent="1" nextAc="seek">
-              <p:cTn id="2" dur="indefinite" nodeType="mainSeq">
-                <p:childTnLst>
-                  <p:par>
-                    <p:cTn id="3" fill="hold">
-                      <p:stCondLst>
-                        <p:cond delay="indefinite"/>
-                      </p:stCondLst>
-                      <p:childTnLst>
-                        <p:par>
-                          <p:cTn id="4" fill="hold">
-                            <p:stCondLst>
-                              <p:cond delay="0"/>
-                            </p:stCondLst>
-                            <p:childTnLst>
-                              <p:par>
-                                <p:cTn id="5" presetID="10" presetClass="entr" presetSubtype="0" fill="hold" grpId="0" nodeType="clickEffect">
-                                  <p:stCondLst>
-                                    <p:cond delay="0"/>
-                                  </p:stCondLst>
-                                  <p:childTnLst>
-                                    <p:set>
-                                      <p:cBhvr>
-                                        <p:cTn id="6" dur="1" fill="hold">
-                                          <p:stCondLst>
-                                            <p:cond delay="0"/>
-                                          </p:stCondLst>
-                                        </p:cTn>
-                                        <p:tgtEl>
-                                          <p:spTgt spid="5"/>
-                                        </p:tgtEl>
-                                        <p:attrNameLst>
-                                          <p:attrName>style.visibility</p:attrName>
-                                        </p:attrNameLst>
-                                      </p:cBhvr>
-                                      <p:to>
-                                        <p:strVal val="visible"/>
-                                      </p:to>
-                                    </p:set>
-                                    <p:animEffect transition="in" filter="fade">
-                                      <p:cBhvr>
-                                        <p:cTn id="7" dur="500"/>
-                                        <p:tgtEl>
-                                          <p:spTgt spid="5"/>
-                                        </p:tgtEl>
-                                      </p:cBhvr>
-                                    </p:animEffect>
-                                  </p:childTnLst>
-                                </p:cTn>
-                              </p:par>
-                            </p:childTnLst>
-                          </p:cTn>
-                        </p:par>
-                      </p:childTnLst>
-                    </p:cTn>
-                  </p:par>
-                  <p:par>
-                    <p:cTn id="8" fill="hold">
-                      <p:stCondLst>
-                        <p:cond delay="indefinite"/>
-                      </p:stCondLst>
-                      <p:childTnLst>
-                        <p:par>
-                          <p:cTn id="9" fill="hold">
-                            <p:stCondLst>
-                              <p:cond delay="0"/>
-                            </p:stCondLst>
-                            <p:childTnLst>
-                              <p:par>
-                                <p:cTn id="10" presetID="10" presetClass="entr" presetSubtype="0" fill="hold" grpId="0" nodeType="clickEffect">
-                                  <p:stCondLst>
-                                    <p:cond delay="0"/>
-                                  </p:stCondLst>
-                                  <p:childTnLst>
-                                    <p:set>
-                                      <p:cBhvr>
-                                        <p:cTn id="11" dur="1" fill="hold">
-                                          <p:stCondLst>
-                                            <p:cond delay="0"/>
-                                          </p:stCondLst>
-                                        </p:cTn>
-                                        <p:tgtEl>
-                                          <p:spTgt spid="6"/>
-                                        </p:tgtEl>
-                                        <p:attrNameLst>
-                                          <p:attrName>style.visibility</p:attrName>
-                                        </p:attrNameLst>
-                                      </p:cBhvr>
-                                      <p:to>
-                                        <p:strVal val="visible"/>
-                                      </p:to>
-                                    </p:set>
-                                    <p:animEffect transition="in" filter="fade">
-                                      <p:cBhvr>
-                                        <p:cTn id="12" dur="500"/>
-                                        <p:tgtEl>
-                                          <p:spTgt spid="6"/>
-                                        </p:tgtEl>
-                                      </p:cBhvr>
-                                    </p:animEffect>
-                                  </p:childTnLst>
-                                </p:cTn>
-                              </p:par>
-                            </p:childTnLst>
-                          </p:cTn>
-                        </p:par>
-                      </p:childTnLst>
-                    </p:cTn>
-                  </p:par>
-                  <p:par>
-                    <p:cTn id="13" fill="hold">
-                      <p:stCondLst>
-                        <p:cond delay="indefinite"/>
-                      </p:stCondLst>
-                      <p:childTnLst>
-                        <p:par>
-                          <p:cTn id="14" fill="hold">
-                            <p:stCondLst>
-                              <p:cond delay="0"/>
-                            </p:stCondLst>
-                            <p:childTnLst>
-                              <p:par>
-                                <p:cTn id="15" presetID="10" presetClass="entr" presetSubtype="0" fill="hold" grpId="0" nodeType="clickEffect">
-                                  <p:stCondLst>
-                                    <p:cond delay="0"/>
-                                  </p:stCondLst>
-                                  <p:childTnLst>
-                                    <p:set>
-                                      <p:cBhvr>
-                                        <p:cTn id="16" dur="1" fill="hold">
-                                          <p:stCondLst>
-                                            <p:cond delay="0"/>
-                                          </p:stCondLst>
-                                        </p:cTn>
-                                        <p:tgtEl>
-                                          <p:spTgt spid="7"/>
-                                        </p:tgtEl>
-                                        <p:attrNameLst>
-                                          <p:attrName>style.visibility</p:attrName>
-                                        </p:attrNameLst>
-                                      </p:cBhvr>
-                                      <p:to>
-                                        <p:strVal val="visible"/>
-                                      </p:to>
-                                    </p:set>
-                                    <p:animEffect transition="in" filter="fade">
-                                      <p:cBhvr>
-                                        <p:cTn id="17" dur="500"/>
-                                        <p:tgtEl>
-                                          <p:spTgt spid="7"/>
-                                        </p:tgtEl>
-                                      </p:cBhvr>
-                                    </p:animEffect>
-                                  </p:childTnLst>
-                                </p:cTn>
-                              </p:par>
-                            </p:childTnLst>
-                          </p:cTn>
-                        </p:par>
-                      </p:childTnLst>
-                    </p:cTn>
-                  </p:par>
-                </p:childTnLst>
-              </p:cTn>
-              <p:prevCondLst>
-                <p:cond evt="onPrev" delay="0">
-                  <p:tgtEl>
-                    <p:sldTgt/>
-                  </p:tgtEl>
-                </p:cond>
-              </p:prevCondLst>
-              <p:nextCondLst>
-                <p:cond evt="onNext" delay="0">
-                  <p:tgtEl>
-                    <p:sldTgt/>
-                  </p:tgtEl>
-                </p:cond>
-              </p:nextCondLst>
-            </p:seq>
-          </p:childTnLst>
-        </p:cTn>
-      </p:par>
-    </p:tnLst>
-    <p:bldLst>
-      <p:bldP spid="5" grpId="0" animBg="1"/>
-      <p:bldP spid="6" grpId="0" animBg="1"/>
-      <p:bldP spid="7" grpId="0" animBg="1"/>
     </p:bldLst>
   </p:timing>
 </p:sld>
@@ -6665,28 +9651,6 @@
 </file>
 
 <file path=customXml/item1.xml><?xml version="1.0" encoding="utf-8"?>
-<p:properties xmlns:p="http://schemas.microsoft.com/office/2006/metadata/properties" xmlns:xsi="http://www.w3.org/2001/XMLSchema-instance" xmlns:pc="http://schemas.microsoft.com/office/infopath/2007/PartnerControls">
-  <documentManagement>
-    <TaxCatchAll xmlns="230e9df3-be65-4c73-a93b-d1236ebd677e"/>
-    <PublishingExpirationDate xmlns="http://schemas.microsoft.com/sharepoint/v3" xsi:nil="true"/>
-    <PublishingStartDate xmlns="http://schemas.microsoft.com/sharepoint/v3" xsi:nil="true"/>
-    <TaxKeywordTaxHTField xmlns="230e9df3-be65-4c73-a93b-d1236ebd677e">
-      <Terms xmlns="http://schemas.microsoft.com/office/infopath/2007/PartnerControls"/>
-    </TaxKeywordTaxHTField>
-  </documentManagement>
-</p:properties>
-</file>
-
-<file path=customXml/item2.xml><?xml version="1.0" encoding="utf-8"?>
-<?mso-contentType ?>
-<FormTemplates xmlns="http://schemas.microsoft.com/sharepoint/v3/contenttype/forms">
-  <Display>DocumentLibraryForm</Display>
-  <Edit>DocumentLibraryForm</Edit>
-  <New>DocumentLibraryForm</New>
-</FormTemplates>
-</file>
-
-<file path=customXml/item3.xml><?xml version="1.0" encoding="utf-8"?>
 <ct:contentTypeSchema xmlns:ct="http://schemas.microsoft.com/office/2006/metadata/contentType" xmlns:ma="http://schemas.microsoft.com/office/2006/metadata/properties/metaAttributes" ct:_="" ma:_="" ma:contentTypeName="Document" ma:contentTypeID="0x010100496889825850D44592AC5D2F43187AE4" ma:contentTypeVersion="5" ma:contentTypeDescription="Create a new document." ma:contentTypeScope="" ma:versionID="fde90edb5a63ba841bca516fd2abaf95">
   <xsd:schema xmlns:xsd="http://www.w3.org/2001/XMLSchema" xmlns:xs="http://www.w3.org/2001/XMLSchema" xmlns:p="http://schemas.microsoft.com/office/2006/metadata/properties" xmlns:ns1="http://schemas.microsoft.com/sharepoint/v3" xmlns:ns2="230e9df3-be65-4c73-a93b-d1236ebd677e" xmlns:ns3="27aa9422-7f1f-4c84-9cdf-302b1a67e513" targetNamespace="http://schemas.microsoft.com/office/2006/metadata/properties" ma:root="true" ma:fieldsID="5e7808ae941cc340dbe51a3031959734" ns1:_="" ns2:_="" ns3:_="">
     <xsd:import namespace="http://schemas.microsoft.com/sharepoint/v3"/>
@@ -6868,33 +9832,29 @@
 </ct:contentTypeSchema>
 </file>
 
-<file path=customXml/itemProps1.xml><?xml version="1.0" encoding="utf-8"?>
-<ds:datastoreItem xmlns:ds="http://schemas.openxmlformats.org/officeDocument/2006/customXml" ds:itemID="{7025FDD9-4C58-4084-9F89-0E6ADD6FFF55}">
-  <ds:schemaRefs>
-    <ds:schemaRef ds:uri="230e9df3-be65-4c73-a93b-d1236ebd677e"/>
-    <ds:schemaRef ds:uri="http://schemas.microsoft.com/office/2006/metadata/properties"/>
-    <ds:schemaRef ds:uri="http://purl.org/dc/dcmitype/"/>
-    <ds:schemaRef ds:uri="http://schemas.microsoft.com/office/infopath/2007/PartnerControls"/>
-    <ds:schemaRef ds:uri="http://schemas.openxmlformats.org/package/2006/metadata/core-properties"/>
-    <ds:schemaRef ds:uri="http://schemas.microsoft.com/office/2006/documentManagement/types"/>
-    <ds:schemaRef ds:uri="http://purl.org/dc/elements/1.1/"/>
-    <ds:schemaRef ds:uri="http://schemas.microsoft.com/sharepoint/v3"/>
-    <ds:schemaRef ds:uri="http://www.w3.org/XML/1998/namespace"/>
-    <ds:schemaRef ds:uri="27aa9422-7f1f-4c84-9cdf-302b1a67e513"/>
-    <ds:schemaRef ds:uri="http://purl.org/dc/terms/"/>
-  </ds:schemaRefs>
-</ds:datastoreItem>
+<file path=customXml/item2.xml><?xml version="1.0" encoding="utf-8"?>
+<?mso-contentType ?>
+<FormTemplates xmlns="http://schemas.microsoft.com/sharepoint/v3/contenttype/forms">
+  <Display>DocumentLibraryForm</Display>
+  <Edit>DocumentLibraryForm</Edit>
+  <New>DocumentLibraryForm</New>
+</FormTemplates>
 </file>
 
-<file path=customXml/itemProps2.xml><?xml version="1.0" encoding="utf-8"?>
-<ds:datastoreItem xmlns:ds="http://schemas.openxmlformats.org/officeDocument/2006/customXml" ds:itemID="{B0CA13EC-1D3C-4D6F-8D1C-E8A452CFC79A}">
-  <ds:schemaRefs>
-    <ds:schemaRef ds:uri="http://schemas.microsoft.com/sharepoint/v3/contenttype/forms"/>
-  </ds:schemaRefs>
-</ds:datastoreItem>
+<file path=customXml/item3.xml><?xml version="1.0" encoding="utf-8"?>
+<p:properties xmlns:p="http://schemas.microsoft.com/office/2006/metadata/properties" xmlns:xsi="http://www.w3.org/2001/XMLSchema-instance" xmlns:pc="http://schemas.microsoft.com/office/infopath/2007/PartnerControls">
+  <documentManagement>
+    <TaxCatchAll xmlns="230e9df3-be65-4c73-a93b-d1236ebd677e"/>
+    <PublishingExpirationDate xmlns="http://schemas.microsoft.com/sharepoint/v3" xsi:nil="true"/>
+    <PublishingStartDate xmlns="http://schemas.microsoft.com/sharepoint/v3" xsi:nil="true"/>
+    <TaxKeywordTaxHTField xmlns="230e9df3-be65-4c73-a93b-d1236ebd677e">
+      <Terms xmlns="http://schemas.microsoft.com/office/infopath/2007/PartnerControls"/>
+    </TaxKeywordTaxHTField>
+  </documentManagement>
+</p:properties>
 </file>
 
-<file path=customXml/itemProps3.xml><?xml version="1.0" encoding="utf-8"?>
+<file path=customXml/itemProps1.xml><?xml version="1.0" encoding="utf-8"?>
 <ds:datastoreItem xmlns:ds="http://schemas.openxmlformats.org/officeDocument/2006/customXml" ds:itemID="{3253B29C-1CCD-4FE8-A1C4-023A0910DF96}">
   <ds:schemaRefs>
     <ds:schemaRef ds:uri="http://schemas.microsoft.com/office/2006/metadata/contentType"/>
@@ -6912,4 +9872,30 @@
     <ds:schemaRef ds:uri="http://schemas.microsoft.com/internal/obd"/>
   </ds:schemaRefs>
 </ds:datastoreItem>
+</file>
+
+<file path=customXml/itemProps2.xml><?xml version="1.0" encoding="utf-8"?>
+<ds:datastoreItem xmlns:ds="http://schemas.openxmlformats.org/officeDocument/2006/customXml" ds:itemID="{B0CA13EC-1D3C-4D6F-8D1C-E8A452CFC79A}">
+  <ds:schemaRefs>
+    <ds:schemaRef ds:uri="http://schemas.microsoft.com/sharepoint/v3/contenttype/forms"/>
+  </ds:schemaRefs>
+</ds:datastoreItem>
+</file>
+
+<file path=customXml/itemProps3.xml><?xml version="1.0" encoding="utf-8"?>
+<ds:datastoreItem xmlns:ds="http://schemas.openxmlformats.org/officeDocument/2006/customXml" ds:itemID="{7025FDD9-4C58-4084-9F89-0E6ADD6FFF55}">
+  <ds:schemaRefs>
+    <ds:schemaRef ds:uri="230e9df3-be65-4c73-a93b-d1236ebd677e"/>
+    <ds:schemaRef ds:uri="http://schemas.microsoft.com/office/2006/metadata/properties"/>
+    <ds:schemaRef ds:uri="http://purl.org/dc/dcmitype/"/>
+    <ds:schemaRef ds:uri="http://schemas.microsoft.com/office/infopath/2007/PartnerControls"/>
+    <ds:schemaRef ds:uri="http://schemas.openxmlformats.org/package/2006/metadata/core-properties"/>
+    <ds:schemaRef ds:uri="http://schemas.microsoft.com/office/2006/documentManagement/types"/>
+    <ds:schemaRef ds:uri="http://purl.org/dc/elements/1.1/"/>
+    <ds:schemaRef ds:uri="http://schemas.microsoft.com/sharepoint/v3"/>
+    <ds:schemaRef ds:uri="http://www.w3.org/XML/1998/namespace"/>
+    <ds:schemaRef ds:uri="27aa9422-7f1f-4c84-9cdf-302b1a67e513"/>
+    <ds:schemaRef ds:uri="http://purl.org/dc/terms/"/>
+  </ds:schemaRefs>
+</ds:datastoreItem>
 </file>
--- a/Slides/Module 3 - Creating an interface.pptx
+++ b/Slides/Module 3 - Creating an interface.pptx
@@ -5,10 +5,10 @@
     <p:sldMasterId id="2147483660" r:id="rId4"/>
   </p:sldMasterIdLst>
   <p:notesMasterIdLst>
-    <p:notesMasterId r:id="rId33"/>
+    <p:notesMasterId r:id="rId35"/>
   </p:notesMasterIdLst>
   <p:handoutMasterIdLst>
-    <p:handoutMasterId r:id="rId34"/>
+    <p:handoutMasterId r:id="rId36"/>
   </p:handoutMasterIdLst>
   <p:sldIdLst>
     <p:sldId id="277" r:id="rId5"/>
@@ -38,7 +38,9 @@
     <p:sldId id="300" r:id="rId29"/>
     <p:sldId id="301" r:id="rId30"/>
     <p:sldId id="302" r:id="rId31"/>
-    <p:sldId id="269" r:id="rId32"/>
+    <p:sldId id="304" r:id="rId32"/>
+    <p:sldId id="305" r:id="rId33"/>
+    <p:sldId id="269" r:id="rId34"/>
   </p:sldIdLst>
   <p:sldSz cx="12192000" cy="6858000"/>
   <p:notesSz cx="6858000" cy="9144000"/>
@@ -5518,15 +5520,7 @@
                   <a:schemeClr val="bg1"/>
                 </a:solidFill>
               </a:rPr>
-              <a:t>…b</a:t>
-            </a:r>
-            <a:r>
-              <a:rPr lang="en-US" sz="4000" dirty="0" smtClean="0">
-                <a:solidFill>
-                  <a:schemeClr val="bg1"/>
-                </a:solidFill>
-              </a:rPr>
-              <a:t>ut that isn't going to make it very easy to create a rich UI.</a:t>
+              <a:t>…but that isn't going to make it very easy to create a rich UI.</a:t>
             </a:r>
             <a:endParaRPr lang="en-US" sz="4000" dirty="0">
               <a:solidFill>
@@ -7415,10 +7409,148 @@
           <a:chExt cx="0" cy="0"/>
         </a:xfrm>
       </p:grpSpPr>
+      <p:sp>
+        <p:nvSpPr>
+          <p:cNvPr id="3" name="Title 2"/>
+          <p:cNvSpPr>
+            <a:spLocks noGrp="1"/>
+          </p:cNvSpPr>
+          <p:nvPr>
+            <p:ph type="title"/>
+          </p:nvPr>
+        </p:nvSpPr>
+        <p:spPr/>
+        <p:txBody>
+          <a:bodyPr/>
+          <a:lstStyle/>
+          <a:p>
+            <a:r>
+              <a:rPr lang="en-US" dirty="0" smtClean="0"/>
+              <a:t>What did we learn?</a:t>
+            </a:r>
+            <a:endParaRPr lang="en-US" dirty="0"/>
+          </a:p>
+        </p:txBody>
+      </p:sp>
+      <p:sp>
+        <p:nvSpPr>
+          <p:cNvPr id="4" name="Content Placeholder 3"/>
+          <p:cNvSpPr>
+            <a:spLocks noGrp="1"/>
+          </p:cNvSpPr>
+          <p:nvPr>
+            <p:ph sz="quarter" idx="10"/>
+          </p:nvPr>
+        </p:nvSpPr>
+        <p:spPr/>
+        <p:txBody>
+          <a:bodyPr/>
+          <a:lstStyle/>
+          <a:p>
+            <a:r>
+              <a:rPr lang="en-US" dirty="0" smtClean="0"/>
+              <a:t>How to create and use Jinja templates</a:t>
+            </a:r>
+          </a:p>
+          <a:p>
+            <a:r>
+              <a:rPr lang="en-US" dirty="0" smtClean="0"/>
+              <a:t>How to build forms</a:t>
+            </a:r>
+            <a:endParaRPr lang="en-US" dirty="0"/>
+          </a:p>
+        </p:txBody>
+      </p:sp>
     </p:spTree>
     <p:extLst>
       <p:ext uri="{BB962C8B-B14F-4D97-AF65-F5344CB8AC3E}">
-        <p14:creationId xmlns:p14="http://schemas.microsoft.com/office/powerpoint/2010/main" val="898363405"/>
+        <p14:creationId xmlns:p14="http://schemas.microsoft.com/office/powerpoint/2010/main" val="3874927293"/>
+      </p:ext>
+    </p:extLst>
+  </p:cSld>
+  <p:clrMapOvr>
+    <a:masterClrMapping/>
+  </p:clrMapOvr>
+</p:sld>
+</file>
+
+<file path=ppt/slides/slide29.xml><?xml version="1.0" encoding="utf-8"?>
+<p:sld xmlns:a="http://schemas.openxmlformats.org/drawingml/2006/main" xmlns:r="http://schemas.openxmlformats.org/officeDocument/2006/relationships" xmlns:p="http://schemas.openxmlformats.org/presentationml/2006/main">
+  <p:cSld>
+    <p:spTree>
+      <p:nvGrpSpPr>
+        <p:cNvPr id="1" name=""/>
+        <p:cNvGrpSpPr/>
+        <p:nvPr/>
+      </p:nvGrpSpPr>
+      <p:grpSpPr>
+        <a:xfrm>
+          <a:off x="0" y="0"/>
+          <a:ext cx="0" cy="0"/>
+          <a:chOff x="0" y="0"/>
+          <a:chExt cx="0" cy="0"/>
+        </a:xfrm>
+      </p:grpSpPr>
+      <p:sp>
+        <p:nvSpPr>
+          <p:cNvPr id="2" name="Title 1"/>
+          <p:cNvSpPr>
+            <a:spLocks noGrp="1"/>
+          </p:cNvSpPr>
+          <p:nvPr>
+            <p:ph type="title"/>
+          </p:nvPr>
+        </p:nvSpPr>
+        <p:spPr/>
+        <p:txBody>
+          <a:bodyPr/>
+          <a:lstStyle/>
+          <a:p>
+            <a:r>
+              <a:rPr lang="en-US" dirty="0" smtClean="0"/>
+              <a:t>What can we do with this?</a:t>
+            </a:r>
+            <a:endParaRPr lang="en-US" dirty="0"/>
+          </a:p>
+        </p:txBody>
+      </p:sp>
+      <p:sp>
+        <p:nvSpPr>
+          <p:cNvPr id="3" name="Content Placeholder 2"/>
+          <p:cNvSpPr>
+            <a:spLocks noGrp="1"/>
+          </p:cNvSpPr>
+          <p:nvPr>
+            <p:ph sz="quarter" idx="10"/>
+          </p:nvPr>
+        </p:nvSpPr>
+        <p:spPr/>
+        <p:txBody>
+          <a:bodyPr/>
+          <a:lstStyle/>
+          <a:p>
+            <a:r>
+              <a:rPr lang="en-US" dirty="0" smtClean="0"/>
+              <a:t>Create real world web applications!</a:t>
+            </a:r>
+          </a:p>
+          <a:p>
+            <a:r>
+              <a:rPr lang="en-US" dirty="0" smtClean="0"/>
+              <a:t>Display dynamic information on a </a:t>
+            </a:r>
+            <a:r>
+              <a:rPr lang="en-US" smtClean="0"/>
+              <a:t>custom page</a:t>
+            </a:r>
+            <a:endParaRPr lang="en-US" dirty="0"/>
+          </a:p>
+        </p:txBody>
+      </p:sp>
+    </p:spTree>
+    <p:extLst>
+      <p:ext uri="{BB962C8B-B14F-4D97-AF65-F5344CB8AC3E}">
+        <p14:creationId xmlns:p14="http://schemas.microsoft.com/office/powerpoint/2010/main" val="1422403504"/>
       </p:ext>
     </p:extLst>
   </p:cSld>
@@ -7518,6 +7650,43 @@
     <p:extLst>
       <p:ext uri="{BB962C8B-B14F-4D97-AF65-F5344CB8AC3E}">
         <p14:creationId xmlns:p14="http://schemas.microsoft.com/office/powerpoint/2010/main" val="2894034365"/>
+      </p:ext>
+    </p:extLst>
+  </p:cSld>
+  <p:clrMapOvr>
+    <a:masterClrMapping/>
+  </p:clrMapOvr>
+  <p:timing>
+    <p:tnLst>
+      <p:par>
+        <p:cTn id="1" dur="indefinite" restart="never" nodeType="tmRoot"/>
+      </p:par>
+    </p:tnLst>
+  </p:timing>
+</p:sld>
+</file>
+
+<file path=ppt/slides/slide30.xml><?xml version="1.0" encoding="utf-8"?>
+<p:sld xmlns:a="http://schemas.openxmlformats.org/drawingml/2006/main" xmlns:r="http://schemas.openxmlformats.org/officeDocument/2006/relationships" xmlns:p="http://schemas.openxmlformats.org/presentationml/2006/main">
+  <p:cSld>
+    <p:spTree>
+      <p:nvGrpSpPr>
+        <p:cNvPr id="1" name=""/>
+        <p:cNvGrpSpPr/>
+        <p:nvPr/>
+      </p:nvGrpSpPr>
+      <p:grpSpPr>
+        <a:xfrm>
+          <a:off x="0" y="0"/>
+          <a:ext cx="0" cy="0"/>
+          <a:chOff x="0" y="0"/>
+          <a:chExt cx="0" cy="0"/>
+        </a:xfrm>
+      </p:grpSpPr>
+    </p:spTree>
+    <p:extLst>
+      <p:ext uri="{BB962C8B-B14F-4D97-AF65-F5344CB8AC3E}">
+        <p14:creationId xmlns:p14="http://schemas.microsoft.com/office/powerpoint/2010/main" val="898363405"/>
       </p:ext>
     </p:extLst>
   </p:cSld>
@@ -8539,11 +8708,6 @@
               </a:rPr>
               <a:t>Only determines format</a:t>
             </a:r>
-            <a:endParaRPr lang="en-US" sz="2400" dirty="0" smtClean="0">
-              <a:solidFill>
-                <a:schemeClr val="bg1"/>
-              </a:solidFill>
-            </a:endParaRPr>
           </a:p>
           <a:p>
             <a:r>
@@ -9651,6 +9815,15 @@
 </file>
 
 <file path=customXml/item1.xml><?xml version="1.0" encoding="utf-8"?>
+<?mso-contentType ?>
+<FormTemplates xmlns="http://schemas.microsoft.com/sharepoint/v3/contenttype/forms">
+  <Display>DocumentLibraryForm</Display>
+  <Edit>DocumentLibraryForm</Edit>
+  <New>DocumentLibraryForm</New>
+</FormTemplates>
+</file>
+
+<file path=customXml/item2.xml><?xml version="1.0" encoding="utf-8"?>
 <ct:contentTypeSchema xmlns:ct="http://schemas.microsoft.com/office/2006/metadata/contentType" xmlns:ma="http://schemas.microsoft.com/office/2006/metadata/properties/metaAttributes" ct:_="" ma:_="" ma:contentTypeName="Document" ma:contentTypeID="0x010100496889825850D44592AC5D2F43187AE4" ma:contentTypeVersion="5" ma:contentTypeDescription="Create a new document." ma:contentTypeScope="" ma:versionID="fde90edb5a63ba841bca516fd2abaf95">
   <xsd:schema xmlns:xsd="http://www.w3.org/2001/XMLSchema" xmlns:xs="http://www.w3.org/2001/XMLSchema" xmlns:p="http://schemas.microsoft.com/office/2006/metadata/properties" xmlns:ns1="http://schemas.microsoft.com/sharepoint/v3" xmlns:ns2="230e9df3-be65-4c73-a93b-d1236ebd677e" xmlns:ns3="27aa9422-7f1f-4c84-9cdf-302b1a67e513" targetNamespace="http://schemas.microsoft.com/office/2006/metadata/properties" ma:root="true" ma:fieldsID="5e7808ae941cc340dbe51a3031959734" ns1:_="" ns2:_="" ns3:_="">
     <xsd:import namespace="http://schemas.microsoft.com/sharepoint/v3"/>
@@ -9832,15 +10005,6 @@
 </ct:contentTypeSchema>
 </file>
 
-<file path=customXml/item2.xml><?xml version="1.0" encoding="utf-8"?>
-<?mso-contentType ?>
-<FormTemplates xmlns="http://schemas.microsoft.com/sharepoint/v3/contenttype/forms">
-  <Display>DocumentLibraryForm</Display>
-  <Edit>DocumentLibraryForm</Edit>
-  <New>DocumentLibraryForm</New>
-</FormTemplates>
-</file>
-
 <file path=customXml/item3.xml><?xml version="1.0" encoding="utf-8"?>
 <p:properties xmlns:p="http://schemas.microsoft.com/office/2006/metadata/properties" xmlns:xsi="http://www.w3.org/2001/XMLSchema-instance" xmlns:pc="http://schemas.microsoft.com/office/infopath/2007/PartnerControls">
   <documentManagement>
@@ -9855,6 +10019,14 @@
 </file>
 
 <file path=customXml/itemProps1.xml><?xml version="1.0" encoding="utf-8"?>
+<ds:datastoreItem xmlns:ds="http://schemas.openxmlformats.org/officeDocument/2006/customXml" ds:itemID="{B0CA13EC-1D3C-4D6F-8D1C-E8A452CFC79A}">
+  <ds:schemaRefs>
+    <ds:schemaRef ds:uri="http://schemas.microsoft.com/sharepoint/v3/contenttype/forms"/>
+  </ds:schemaRefs>
+</ds:datastoreItem>
+</file>
+
+<file path=customXml/itemProps2.xml><?xml version="1.0" encoding="utf-8"?>
 <ds:datastoreItem xmlns:ds="http://schemas.openxmlformats.org/officeDocument/2006/customXml" ds:itemID="{3253B29C-1CCD-4FE8-A1C4-023A0910DF96}">
   <ds:schemaRefs>
     <ds:schemaRef ds:uri="http://schemas.microsoft.com/office/2006/metadata/contentType"/>
@@ -9870,14 +10042,6 @@
     <ds:schemaRef ds:uri="http://purl.org/dc/elements/1.1/"/>
     <ds:schemaRef ds:uri="http://purl.org/dc/terms/"/>
     <ds:schemaRef ds:uri="http://schemas.microsoft.com/internal/obd"/>
-  </ds:schemaRefs>
-</ds:datastoreItem>
-</file>
-
-<file path=customXml/itemProps2.xml><?xml version="1.0" encoding="utf-8"?>
-<ds:datastoreItem xmlns:ds="http://schemas.openxmlformats.org/officeDocument/2006/customXml" ds:itemID="{B0CA13EC-1D3C-4D6F-8D1C-E8A452CFC79A}">
-  <ds:schemaRefs>
-    <ds:schemaRef ds:uri="http://schemas.microsoft.com/sharepoint/v3/contenttype/forms"/>
   </ds:schemaRefs>
 </ds:datastoreItem>
 </file>

--- a/Slides/Module 3 - Creating an interface.pptx
+++ b/Slides/Module 3 - Creating an interface.pptx
@@ -232,7 +232,7 @@
           <a:p>
             <a:fld id="{312E7B4A-039C-48A2-9B2C-AF16AA3873D8}" type="datetimeFigureOut">
               <a:rPr lang="en-US" smtClean="0"/>
-              <a:t>12/15/2014</a:t>
+              <a:t>12/16/2014</a:t>
             </a:fld>
             <a:endParaRPr lang="en-US"/>
           </a:p>
@@ -397,7 +397,7 @@
           <a:p>
             <a:fld id="{DA005A0C-54D9-45AA-87D4-C551D08DFCE1}" type="datetimeFigureOut">
               <a:rPr lang="en-US" smtClean="0"/>
-              <a:t>12/15/2014</a:t>
+              <a:t>12/16/2014</a:t>
             </a:fld>
             <a:endParaRPr lang="en-US"/>
           </a:p>
@@ -3550,8 +3550,13 @@
           <a:p>
             <a:r>
               <a:rPr lang="en-US" dirty="0" smtClean="0"/>
-              <a:t>Susan Ibach | Developer Evangelist</a:t>
-            </a:r>
+              <a:t>Susan Ibach | </a:t>
+            </a:r>
+            <a:r>
+              <a:rPr lang="en-US" dirty="0" smtClean="0"/>
+              <a:t>Technical Evangelist</a:t>
+            </a:r>
+            <a:endParaRPr lang="en-US" dirty="0" smtClean="0"/>
           </a:p>
           <a:p>
             <a:r>
@@ -6515,7 +6520,15 @@
           <a:p>
             <a:r>
               <a:rPr lang="en-US" dirty="0" smtClean="0"/>
-              <a:t>Jinja has a syntax similar to Python</a:t>
+              <a:t>Jinja has </a:t>
+            </a:r>
+            <a:r>
+              <a:rPr lang="en-US" dirty="0" smtClean="0"/>
+              <a:t>a code </a:t>
+            </a:r>
+            <a:r>
+              <a:rPr lang="en-US" dirty="0" smtClean="0"/>
+              <a:t>syntax similar to Python</a:t>
             </a:r>
           </a:p>
           <a:p>
@@ -9815,15 +9828,6 @@
 </file>
 
 <file path=customXml/item1.xml><?xml version="1.0" encoding="utf-8"?>
-<?mso-contentType ?>
-<FormTemplates xmlns="http://schemas.microsoft.com/sharepoint/v3/contenttype/forms">
-  <Display>DocumentLibraryForm</Display>
-  <Edit>DocumentLibraryForm</Edit>
-  <New>DocumentLibraryForm</New>
-</FormTemplates>
-</file>
-
-<file path=customXml/item2.xml><?xml version="1.0" encoding="utf-8"?>
 <ct:contentTypeSchema xmlns:ct="http://schemas.microsoft.com/office/2006/metadata/contentType" xmlns:ma="http://schemas.microsoft.com/office/2006/metadata/properties/metaAttributes" ct:_="" ma:_="" ma:contentTypeName="Document" ma:contentTypeID="0x010100496889825850D44592AC5D2F43187AE4" ma:contentTypeVersion="5" ma:contentTypeDescription="Create a new document." ma:contentTypeScope="" ma:versionID="fde90edb5a63ba841bca516fd2abaf95">
   <xsd:schema xmlns:xsd="http://www.w3.org/2001/XMLSchema" xmlns:xs="http://www.w3.org/2001/XMLSchema" xmlns:p="http://schemas.microsoft.com/office/2006/metadata/properties" xmlns:ns1="http://schemas.microsoft.com/sharepoint/v3" xmlns:ns2="230e9df3-be65-4c73-a93b-d1236ebd677e" xmlns:ns3="27aa9422-7f1f-4c84-9cdf-302b1a67e513" targetNamespace="http://schemas.microsoft.com/office/2006/metadata/properties" ma:root="true" ma:fieldsID="5e7808ae941cc340dbe51a3031959734" ns1:_="" ns2:_="" ns3:_="">
     <xsd:import namespace="http://schemas.microsoft.com/sharepoint/v3"/>
@@ -10005,6 +10009,15 @@
 </ct:contentTypeSchema>
 </file>
 
+<file path=customXml/item2.xml><?xml version="1.0" encoding="utf-8"?>
+<?mso-contentType ?>
+<FormTemplates xmlns="http://schemas.microsoft.com/sharepoint/v3/contenttype/forms">
+  <Display>DocumentLibraryForm</Display>
+  <Edit>DocumentLibraryForm</Edit>
+  <New>DocumentLibraryForm</New>
+</FormTemplates>
+</file>
+
 <file path=customXml/item3.xml><?xml version="1.0" encoding="utf-8"?>
 <p:properties xmlns:p="http://schemas.microsoft.com/office/2006/metadata/properties" xmlns:xsi="http://www.w3.org/2001/XMLSchema-instance" xmlns:pc="http://schemas.microsoft.com/office/infopath/2007/PartnerControls">
   <documentManagement>
@@ -10019,14 +10032,6 @@
 </file>
 
 <file path=customXml/itemProps1.xml><?xml version="1.0" encoding="utf-8"?>
-<ds:datastoreItem xmlns:ds="http://schemas.openxmlformats.org/officeDocument/2006/customXml" ds:itemID="{B0CA13EC-1D3C-4D6F-8D1C-E8A452CFC79A}">
-  <ds:schemaRefs>
-    <ds:schemaRef ds:uri="http://schemas.microsoft.com/sharepoint/v3/contenttype/forms"/>
-  </ds:schemaRefs>
-</ds:datastoreItem>
-</file>
-
-<file path=customXml/itemProps2.xml><?xml version="1.0" encoding="utf-8"?>
 <ds:datastoreItem xmlns:ds="http://schemas.openxmlformats.org/officeDocument/2006/customXml" ds:itemID="{3253B29C-1CCD-4FE8-A1C4-023A0910DF96}">
   <ds:schemaRefs>
     <ds:schemaRef ds:uri="http://schemas.microsoft.com/office/2006/metadata/contentType"/>
@@ -10042,6 +10047,14 @@
     <ds:schemaRef ds:uri="http://purl.org/dc/elements/1.1/"/>
     <ds:schemaRef ds:uri="http://purl.org/dc/terms/"/>
     <ds:schemaRef ds:uri="http://schemas.microsoft.com/internal/obd"/>
+  </ds:schemaRefs>
+</ds:datastoreItem>
+</file>
+
+<file path=customXml/itemProps2.xml><?xml version="1.0" encoding="utf-8"?>
+<ds:datastoreItem xmlns:ds="http://schemas.openxmlformats.org/officeDocument/2006/customXml" ds:itemID="{B0CA13EC-1D3C-4D6F-8D1C-E8A452CFC79A}">
+  <ds:schemaRefs>
+    <ds:schemaRef ds:uri="http://schemas.microsoft.com/sharepoint/v3/contenttype/forms"/>
   </ds:schemaRefs>
 </ds:datastoreItem>
 </file>

--- a/Slides/Module 3 - Creating an interface.pptx
+++ b/Slides/Module 3 - Creating an interface.pptx
@@ -3550,13 +3550,8 @@
           <a:p>
             <a:r>
               <a:rPr lang="en-US" dirty="0" smtClean="0"/>
-              <a:t>Susan Ibach | </a:t>
-            </a:r>
-            <a:r>
-              <a:rPr lang="en-US" dirty="0" smtClean="0"/>
-              <a:t>Technical Evangelist</a:t>
-            </a:r>
-            <a:endParaRPr lang="en-US" dirty="0" smtClean="0"/>
+              <a:t>Susan Ibach | Technical Evangelist</a:t>
+            </a:r>
           </a:p>
           <a:p>
             <a:r>
@@ -3845,8 +3840,19 @@
                 <a:latin typeface="Consolas" panose="020B0609020204030204" pitchFamily="49" charset="0"/>
                 <a:cs typeface="Consolas" panose="020B0609020204030204" pitchFamily="49" charset="0"/>
               </a:rPr>
-              <a:t>  &lt;b&gt;Welcome to our first page!&lt;/b&gt;</a:t>
-            </a:r>
+              <a:t>  </a:t>
+            </a:r>
+            <a:r>
+              <a:rPr lang="en-US" sz="4000" dirty="0" smtClean="0">
+                <a:latin typeface="Consolas" panose="020B0609020204030204" pitchFamily="49" charset="0"/>
+                <a:cs typeface="Consolas" panose="020B0609020204030204" pitchFamily="49" charset="0"/>
+              </a:rPr>
+              <a:t>&lt;div&gt;Hello, HTML!&lt;/div&gt;</a:t>
+            </a:r>
+            <a:endParaRPr lang="en-US" sz="4000" dirty="0" smtClean="0">
+              <a:latin typeface="Consolas" panose="020B0609020204030204" pitchFamily="49" charset="0"/>
+              <a:cs typeface="Consolas" panose="020B0609020204030204" pitchFamily="49" charset="0"/>
+            </a:endParaRPr>
           </a:p>
           <a:p>
             <a:r>
@@ -4684,8 +4690,12 @@
           <a:p>
             <a:pPr lvl="1"/>
             <a:r>
-              <a:rPr lang="en-US" dirty="0" smtClean="0"/>
-              <a:t>Email</a:t>
+              <a:rPr lang="en-US" dirty="0"/>
+              <a:t>e</a:t>
+            </a:r>
+            <a:r>
+              <a:rPr lang="en-US" smtClean="0"/>
+              <a:t>mail</a:t>
             </a:r>
             <a:endParaRPr lang="en-US" dirty="0"/>
           </a:p>
@@ -6520,15 +6530,7 @@
           <a:p>
             <a:r>
               <a:rPr lang="en-US" dirty="0" smtClean="0"/>
-              <a:t>Jinja has </a:t>
-            </a:r>
-            <a:r>
-              <a:rPr lang="en-US" dirty="0" smtClean="0"/>
-              <a:t>a code </a:t>
-            </a:r>
-            <a:r>
-              <a:rPr lang="en-US" dirty="0" smtClean="0"/>
-              <a:t>syntax similar to Python</a:t>
+              <a:t>Jinja has a code syntax similar to Python</a:t>
             </a:r>
           </a:p>
           <a:p>
@@ -9828,6 +9830,15 @@
 </file>
 
 <file path=customXml/item1.xml><?xml version="1.0" encoding="utf-8"?>
+<?mso-contentType ?>
+<FormTemplates xmlns="http://schemas.microsoft.com/sharepoint/v3/contenttype/forms">
+  <Display>DocumentLibraryForm</Display>
+  <Edit>DocumentLibraryForm</Edit>
+  <New>DocumentLibraryForm</New>
+</FormTemplates>
+</file>
+
+<file path=customXml/item2.xml><?xml version="1.0" encoding="utf-8"?>
 <ct:contentTypeSchema xmlns:ct="http://schemas.microsoft.com/office/2006/metadata/contentType" xmlns:ma="http://schemas.microsoft.com/office/2006/metadata/properties/metaAttributes" ct:_="" ma:_="" ma:contentTypeName="Document" ma:contentTypeID="0x010100496889825850D44592AC5D2F43187AE4" ma:contentTypeVersion="5" ma:contentTypeDescription="Create a new document." ma:contentTypeScope="" ma:versionID="fde90edb5a63ba841bca516fd2abaf95">
   <xsd:schema xmlns:xsd="http://www.w3.org/2001/XMLSchema" xmlns:xs="http://www.w3.org/2001/XMLSchema" xmlns:p="http://schemas.microsoft.com/office/2006/metadata/properties" xmlns:ns1="http://schemas.microsoft.com/sharepoint/v3" xmlns:ns2="230e9df3-be65-4c73-a93b-d1236ebd677e" xmlns:ns3="27aa9422-7f1f-4c84-9cdf-302b1a67e513" targetNamespace="http://schemas.microsoft.com/office/2006/metadata/properties" ma:root="true" ma:fieldsID="5e7808ae941cc340dbe51a3031959734" ns1:_="" ns2:_="" ns3:_="">
     <xsd:import namespace="http://schemas.microsoft.com/sharepoint/v3"/>
@@ -10009,15 +10020,6 @@
 </ct:contentTypeSchema>
 </file>
 
-<file path=customXml/item2.xml><?xml version="1.0" encoding="utf-8"?>
-<?mso-contentType ?>
-<FormTemplates xmlns="http://schemas.microsoft.com/sharepoint/v3/contenttype/forms">
-  <Display>DocumentLibraryForm</Display>
-  <Edit>DocumentLibraryForm</Edit>
-  <New>DocumentLibraryForm</New>
-</FormTemplates>
-</file>
-
 <file path=customXml/item3.xml><?xml version="1.0" encoding="utf-8"?>
 <p:properties xmlns:p="http://schemas.microsoft.com/office/2006/metadata/properties" xmlns:xsi="http://www.w3.org/2001/XMLSchema-instance" xmlns:pc="http://schemas.microsoft.com/office/infopath/2007/PartnerControls">
   <documentManagement>
@@ -10032,6 +10034,14 @@
 </file>
 
 <file path=customXml/itemProps1.xml><?xml version="1.0" encoding="utf-8"?>
+<ds:datastoreItem xmlns:ds="http://schemas.openxmlformats.org/officeDocument/2006/customXml" ds:itemID="{B0CA13EC-1D3C-4D6F-8D1C-E8A452CFC79A}">
+  <ds:schemaRefs>
+    <ds:schemaRef ds:uri="http://schemas.microsoft.com/sharepoint/v3/contenttype/forms"/>
+  </ds:schemaRefs>
+</ds:datastoreItem>
+</file>
+
+<file path=customXml/itemProps2.xml><?xml version="1.0" encoding="utf-8"?>
 <ds:datastoreItem xmlns:ds="http://schemas.openxmlformats.org/officeDocument/2006/customXml" ds:itemID="{3253B29C-1CCD-4FE8-A1C4-023A0910DF96}">
   <ds:schemaRefs>
     <ds:schemaRef ds:uri="http://schemas.microsoft.com/office/2006/metadata/contentType"/>
@@ -10047,14 +10057,6 @@
     <ds:schemaRef ds:uri="http://purl.org/dc/elements/1.1/"/>
     <ds:schemaRef ds:uri="http://purl.org/dc/terms/"/>
     <ds:schemaRef ds:uri="http://schemas.microsoft.com/internal/obd"/>
-  </ds:schemaRefs>
-</ds:datastoreItem>
-</file>
-
-<file path=customXml/itemProps2.xml><?xml version="1.0" encoding="utf-8"?>
-<ds:datastoreItem xmlns:ds="http://schemas.openxmlformats.org/officeDocument/2006/customXml" ds:itemID="{B0CA13EC-1D3C-4D6F-8D1C-E8A452CFC79A}">
-  <ds:schemaRefs>
-    <ds:schemaRef ds:uri="http://schemas.microsoft.com/sharepoint/v3/contenttype/forms"/>
   </ds:schemaRefs>
 </ds:datastoreItem>
 </file>

--- a/Slides/Module 3 - Creating an interface.pptx
+++ b/Slides/Module 3 - Creating an interface.pptx
@@ -4694,7 +4694,7 @@
               <a:t>e</a:t>
             </a:r>
             <a:r>
-              <a:rPr lang="en-US" smtClean="0"/>
+              <a:rPr lang="en-US" dirty="0" smtClean="0"/>
               <a:t>mail</a:t>
             </a:r>
             <a:endParaRPr lang="en-US" dirty="0"/>
@@ -4832,7 +4832,15 @@
           <a:p>
             <a:r>
               <a:rPr lang="en-US" dirty="0" smtClean="0"/>
-              <a:t>Where is controlled by action parameter</a:t>
+              <a:t>Where is controlled by </a:t>
+            </a:r>
+            <a:r>
+              <a:rPr lang="en-US" b="1" dirty="0" smtClean="0"/>
+              <a:t>action</a:t>
+            </a:r>
+            <a:r>
+              <a:rPr lang="en-US" dirty="0" smtClean="0"/>
+              <a:t> parameter</a:t>
             </a:r>
           </a:p>
           <a:p>
@@ -4845,7 +4853,15 @@
           <a:p>
             <a:r>
               <a:rPr lang="en-US" dirty="0" smtClean="0"/>
-              <a:t>How is controlled by method parameter</a:t>
+              <a:t>How is controlled by </a:t>
+            </a:r>
+            <a:r>
+              <a:rPr lang="en-US" b="1" dirty="0" smtClean="0"/>
+              <a:t>method</a:t>
+            </a:r>
+            <a:r>
+              <a:rPr lang="en-US" dirty="0" smtClean="0"/>
+              <a:t> parameter</a:t>
             </a:r>
           </a:p>
           <a:p>
@@ -7486,6 +7502,13 @@
   <p:clrMapOvr>
     <a:masterClrMapping/>
   </p:clrMapOvr>
+  <p:timing>
+    <p:tnLst>
+      <p:par>
+        <p:cTn id="1" dur="indefinite" restart="never" nodeType="tmRoot"/>
+      </p:par>
+    </p:tnLst>
+  </p:timing>
 </p:sld>
 </file>
 

--- a/Slides/Module 3 - Creating an interface.pptx
+++ b/Slides/Module 3 - Creating an interface.pptx
@@ -5,42 +5,36 @@
     <p:sldMasterId id="2147483660" r:id="rId4"/>
   </p:sldMasterIdLst>
   <p:notesMasterIdLst>
-    <p:notesMasterId r:id="rId35"/>
+    <p:notesMasterId r:id="rId29"/>
   </p:notesMasterIdLst>
   <p:handoutMasterIdLst>
-    <p:handoutMasterId r:id="rId36"/>
+    <p:handoutMasterId r:id="rId30"/>
   </p:handoutMasterIdLst>
   <p:sldIdLst>
     <p:sldId id="277" r:id="rId5"/>
     <p:sldId id="303" r:id="rId6"/>
     <p:sldId id="278" r:id="rId7"/>
-    <p:sldId id="280" r:id="rId8"/>
-    <p:sldId id="279" r:id="rId9"/>
-    <p:sldId id="281" r:id="rId10"/>
-    <p:sldId id="284" r:id="rId11"/>
-    <p:sldId id="285" r:id="rId12"/>
-    <p:sldId id="282" r:id="rId13"/>
-    <p:sldId id="283" r:id="rId14"/>
-    <p:sldId id="286" r:id="rId15"/>
-    <p:sldId id="287" r:id="rId16"/>
-    <p:sldId id="288" r:id="rId17"/>
-    <p:sldId id="289" r:id="rId18"/>
-    <p:sldId id="290" r:id="rId19"/>
-    <p:sldId id="291" r:id="rId20"/>
-    <p:sldId id="292" r:id="rId21"/>
-    <p:sldId id="293" r:id="rId22"/>
-    <p:sldId id="294" r:id="rId23"/>
-    <p:sldId id="295" r:id="rId24"/>
-    <p:sldId id="296" r:id="rId25"/>
-    <p:sldId id="297" r:id="rId26"/>
-    <p:sldId id="299" r:id="rId27"/>
-    <p:sldId id="298" r:id="rId28"/>
-    <p:sldId id="300" r:id="rId29"/>
-    <p:sldId id="301" r:id="rId30"/>
-    <p:sldId id="302" r:id="rId31"/>
-    <p:sldId id="304" r:id="rId32"/>
-    <p:sldId id="305" r:id="rId33"/>
-    <p:sldId id="269" r:id="rId34"/>
+    <p:sldId id="289" r:id="rId8"/>
+    <p:sldId id="290" r:id="rId9"/>
+    <p:sldId id="291" r:id="rId10"/>
+    <p:sldId id="292" r:id="rId11"/>
+    <p:sldId id="293" r:id="rId12"/>
+    <p:sldId id="294" r:id="rId13"/>
+    <p:sldId id="295" r:id="rId14"/>
+    <p:sldId id="296" r:id="rId15"/>
+    <p:sldId id="297" r:id="rId16"/>
+    <p:sldId id="299" r:id="rId17"/>
+    <p:sldId id="298" r:id="rId18"/>
+    <p:sldId id="300" r:id="rId19"/>
+    <p:sldId id="301" r:id="rId20"/>
+    <p:sldId id="309" r:id="rId21"/>
+    <p:sldId id="306" r:id="rId22"/>
+    <p:sldId id="307" r:id="rId23"/>
+    <p:sldId id="308" r:id="rId24"/>
+    <p:sldId id="302" r:id="rId25"/>
+    <p:sldId id="304" r:id="rId26"/>
+    <p:sldId id="305" r:id="rId27"/>
+    <p:sldId id="269" r:id="rId28"/>
   </p:sldIdLst>
   <p:sldSz cx="12192000" cy="6858000"/>
   <p:notesSz cx="6858000" cy="9144000"/>
@@ -232,7 +226,7 @@
           <a:p>
             <a:fld id="{312E7B4A-039C-48A2-9B2C-AF16AA3873D8}" type="datetimeFigureOut">
               <a:rPr lang="en-US" smtClean="0"/>
-              <a:t>12/16/2014</a:t>
+              <a:t>12/17/2014</a:t>
             </a:fld>
             <a:endParaRPr lang="en-US"/>
           </a:p>
@@ -397,7 +391,7 @@
           <a:p>
             <a:fld id="{DA005A0C-54D9-45AA-87D4-C551D08DFCE1}" type="datetimeFigureOut">
               <a:rPr lang="en-US" smtClean="0"/>
-              <a:t>12/16/2014</a:t>
+              <a:t>12/17/2014</a:t>
             </a:fld>
             <a:endParaRPr lang="en-US"/>
           </a:p>
@@ -3601,12 +3595,12 @@
       </p:grpSpPr>
       <p:sp>
         <p:nvSpPr>
-          <p:cNvPr id="2" name="Title 1"/>
+          <p:cNvPr id="4" name="Text Placeholder 3"/>
           <p:cNvSpPr>
             <a:spLocks noGrp="1"/>
           </p:cNvSpPr>
           <p:nvPr>
-            <p:ph type="title"/>
+            <p:ph type="body" sz="quarter" idx="10"/>
           </p:nvPr>
         </p:nvSpPr>
         <p:spPr/>
@@ -3616,7 +3610,7 @@
           <a:p>
             <a:r>
               <a:rPr lang="en-US" dirty="0" smtClean="0"/>
-              <a:t>Standard HTML page</a:t>
+              <a:t>Jinja</a:t>
             </a:r>
             <a:endParaRPr lang="en-US" dirty="0"/>
           </a:p>
@@ -3624,255 +3618,27 @@
       </p:sp>
       <p:sp>
         <p:nvSpPr>
-          <p:cNvPr id="5" name="Rounded Rectangle 4"/>
-          <p:cNvSpPr/>
-          <p:nvPr/>
-        </p:nvSpPr>
-        <p:spPr>
-          <a:xfrm>
-            <a:off x="304800" y="914400"/>
-            <a:ext cx="11310551" cy="5865341"/>
-          </a:xfrm>
-          <a:prstGeom prst="roundRect">
-            <a:avLst>
-              <a:gd name="adj" fmla="val 4167"/>
-            </a:avLst>
-          </a:prstGeom>
-        </p:spPr>
-        <p:style>
-          <a:lnRef idx="2">
-            <a:schemeClr val="accent1">
-              <a:shade val="50000"/>
-            </a:schemeClr>
-          </a:lnRef>
-          <a:fillRef idx="1">
-            <a:schemeClr val="accent1"/>
-          </a:fillRef>
-          <a:effectRef idx="0">
-            <a:schemeClr val="accent1"/>
-          </a:effectRef>
-          <a:fontRef idx="minor">
-            <a:schemeClr val="lt1"/>
-          </a:fontRef>
-        </p:style>
-        <p:txBody>
-          <a:bodyPr rtlCol="0" anchor="ctr"/>
+          <p:cNvPr id="3" name="Subtitle 2"/>
+          <p:cNvSpPr>
+            <a:spLocks noGrp="1"/>
+          </p:cNvSpPr>
+          <p:nvPr>
+            <p:ph type="subTitle" idx="1"/>
+          </p:nvPr>
+        </p:nvSpPr>
+        <p:spPr/>
+        <p:txBody>
+          <a:bodyPr/>
           <a:lstStyle/>
           <a:p>
-            <a:r>
-              <a:rPr lang="en-US" sz="4000" dirty="0" smtClean="0">
-                <a:latin typeface="Consolas" panose="020B0609020204030204" pitchFamily="49" charset="0"/>
-                <a:cs typeface="Consolas" panose="020B0609020204030204" pitchFamily="49" charset="0"/>
-              </a:rPr>
-              <a:t>&lt;html&gt;</a:t>
-            </a:r>
-          </a:p>
-          <a:p>
-            <a:endParaRPr lang="en-US" sz="4000" dirty="0">
-              <a:latin typeface="Consolas" panose="020B0609020204030204" pitchFamily="49" charset="0"/>
-              <a:cs typeface="Consolas" panose="020B0609020204030204" pitchFamily="49" charset="0"/>
-            </a:endParaRPr>
-          </a:p>
-          <a:p>
-            <a:endParaRPr lang="en-US" sz="4000" dirty="0" smtClean="0">
-              <a:latin typeface="Consolas" panose="020B0609020204030204" pitchFamily="49" charset="0"/>
-              <a:cs typeface="Consolas" panose="020B0609020204030204" pitchFamily="49" charset="0"/>
-            </a:endParaRPr>
-          </a:p>
-          <a:p>
-            <a:endParaRPr lang="en-US" sz="4000" dirty="0">
-              <a:latin typeface="Consolas" panose="020B0609020204030204" pitchFamily="49" charset="0"/>
-              <a:cs typeface="Consolas" panose="020B0609020204030204" pitchFamily="49" charset="0"/>
-            </a:endParaRPr>
-          </a:p>
-          <a:p>
-            <a:endParaRPr lang="en-US" sz="4000" dirty="0" smtClean="0">
-              <a:latin typeface="Consolas" panose="020B0609020204030204" pitchFamily="49" charset="0"/>
-              <a:cs typeface="Consolas" panose="020B0609020204030204" pitchFamily="49" charset="0"/>
-            </a:endParaRPr>
-          </a:p>
-          <a:p>
-            <a:endParaRPr lang="en-US" sz="4000" dirty="0">
-              <a:latin typeface="Consolas" panose="020B0609020204030204" pitchFamily="49" charset="0"/>
-              <a:cs typeface="Consolas" panose="020B0609020204030204" pitchFamily="49" charset="0"/>
-            </a:endParaRPr>
-          </a:p>
-          <a:p>
-            <a:endParaRPr lang="en-US" sz="4000" dirty="0" smtClean="0">
-              <a:latin typeface="Consolas" panose="020B0609020204030204" pitchFamily="49" charset="0"/>
-              <a:cs typeface="Consolas" panose="020B0609020204030204" pitchFamily="49" charset="0"/>
-            </a:endParaRPr>
-          </a:p>
-          <a:p>
-            <a:endParaRPr lang="en-US" sz="4000" dirty="0" smtClean="0">
-              <a:latin typeface="Consolas" panose="020B0609020204030204" pitchFamily="49" charset="0"/>
-              <a:cs typeface="Consolas" panose="020B0609020204030204" pitchFamily="49" charset="0"/>
-            </a:endParaRPr>
-          </a:p>
-          <a:p>
-            <a:r>
-              <a:rPr lang="en-US" sz="4000" dirty="0" smtClean="0">
-                <a:latin typeface="Consolas" panose="020B0609020204030204" pitchFamily="49" charset="0"/>
-                <a:cs typeface="Consolas" panose="020B0609020204030204" pitchFamily="49" charset="0"/>
-              </a:rPr>
-              <a:t>&lt;/html&gt;</a:t>
-            </a:r>
-            <a:endParaRPr lang="en-US" sz="4000" dirty="0">
-              <a:latin typeface="Consolas" panose="020B0609020204030204" pitchFamily="49" charset="0"/>
-              <a:cs typeface="Consolas" panose="020B0609020204030204" pitchFamily="49" charset="0"/>
-            </a:endParaRPr>
-          </a:p>
-        </p:txBody>
-      </p:sp>
-      <p:sp>
-        <p:nvSpPr>
-          <p:cNvPr id="6" name="Rounded Rectangle 5"/>
-          <p:cNvSpPr/>
-          <p:nvPr/>
-        </p:nvSpPr>
-        <p:spPr>
-          <a:xfrm>
-            <a:off x="943232" y="1747229"/>
-            <a:ext cx="10013092" cy="1836232"/>
-          </a:xfrm>
-          <a:prstGeom prst="roundRect">
-            <a:avLst>
-              <a:gd name="adj" fmla="val 4167"/>
-            </a:avLst>
-          </a:prstGeom>
-        </p:spPr>
-        <p:style>
-          <a:lnRef idx="1">
-            <a:schemeClr val="accent3"/>
-          </a:lnRef>
-          <a:fillRef idx="2">
-            <a:schemeClr val="accent3"/>
-          </a:fillRef>
-          <a:effectRef idx="1">
-            <a:schemeClr val="accent3"/>
-          </a:effectRef>
-          <a:fontRef idx="minor">
-            <a:schemeClr val="dk1"/>
-          </a:fontRef>
-        </p:style>
-        <p:txBody>
-          <a:bodyPr rtlCol="0" anchor="ctr"/>
-          <a:lstStyle/>
-          <a:p>
-            <a:r>
-              <a:rPr lang="en-US" sz="4000" dirty="0" smtClean="0">
-                <a:latin typeface="Consolas" panose="020B0609020204030204" pitchFamily="49" charset="0"/>
-                <a:cs typeface="Consolas" panose="020B0609020204030204" pitchFamily="49" charset="0"/>
-              </a:rPr>
-              <a:t>&lt;html&gt;</a:t>
-            </a:r>
-          </a:p>
-          <a:p>
-            <a:r>
-              <a:rPr lang="en-US" sz="4000" dirty="0" smtClean="0">
-                <a:latin typeface="Consolas" panose="020B0609020204030204" pitchFamily="49" charset="0"/>
-                <a:cs typeface="Consolas" panose="020B0609020204030204" pitchFamily="49" charset="0"/>
-              </a:rPr>
-              <a:t>  &lt;title&gt;Hello, Python!&lt;/title&gt;</a:t>
-            </a:r>
-          </a:p>
-          <a:p>
-            <a:r>
-              <a:rPr lang="en-US" sz="4000" dirty="0" smtClean="0">
-                <a:latin typeface="Consolas" panose="020B0609020204030204" pitchFamily="49" charset="0"/>
-                <a:cs typeface="Consolas" panose="020B0609020204030204" pitchFamily="49" charset="0"/>
-              </a:rPr>
-              <a:t>&lt;/html&gt;</a:t>
-            </a:r>
-            <a:endParaRPr lang="en-US" sz="4000" dirty="0">
-              <a:latin typeface="Consolas" panose="020B0609020204030204" pitchFamily="49" charset="0"/>
-              <a:cs typeface="Consolas" panose="020B0609020204030204" pitchFamily="49" charset="0"/>
-            </a:endParaRPr>
-          </a:p>
-        </p:txBody>
-      </p:sp>
-      <p:sp>
-        <p:nvSpPr>
-          <p:cNvPr id="7" name="Rounded Rectangle 6"/>
-          <p:cNvSpPr/>
-          <p:nvPr/>
-        </p:nvSpPr>
-        <p:spPr>
-          <a:xfrm>
-            <a:off x="943232" y="3861618"/>
-            <a:ext cx="10013092" cy="1836232"/>
-          </a:xfrm>
-          <a:prstGeom prst="roundRect">
-            <a:avLst>
-              <a:gd name="adj" fmla="val 4167"/>
-            </a:avLst>
-          </a:prstGeom>
-        </p:spPr>
-        <p:style>
-          <a:lnRef idx="1">
-            <a:schemeClr val="accent4"/>
-          </a:lnRef>
-          <a:fillRef idx="2">
-            <a:schemeClr val="accent4"/>
-          </a:fillRef>
-          <a:effectRef idx="1">
-            <a:schemeClr val="accent4"/>
-          </a:effectRef>
-          <a:fontRef idx="minor">
-            <a:schemeClr val="dk1"/>
-          </a:fontRef>
-        </p:style>
-        <p:txBody>
-          <a:bodyPr rtlCol="0" anchor="ctr"/>
-          <a:lstStyle/>
-          <a:p>
-            <a:r>
-              <a:rPr lang="en-US" sz="4000" dirty="0" smtClean="0">
-                <a:latin typeface="Consolas" panose="020B0609020204030204" pitchFamily="49" charset="0"/>
-                <a:cs typeface="Consolas" panose="020B0609020204030204" pitchFamily="49" charset="0"/>
-              </a:rPr>
-              <a:t>&lt;body&gt;</a:t>
-            </a:r>
-          </a:p>
-          <a:p>
-            <a:r>
-              <a:rPr lang="en-US" sz="4000" dirty="0" smtClean="0">
-                <a:latin typeface="Consolas" panose="020B0609020204030204" pitchFamily="49" charset="0"/>
-                <a:cs typeface="Consolas" panose="020B0609020204030204" pitchFamily="49" charset="0"/>
-              </a:rPr>
-              <a:t>  </a:t>
-            </a:r>
-            <a:r>
-              <a:rPr lang="en-US" sz="4000" dirty="0" smtClean="0">
-                <a:latin typeface="Consolas" panose="020B0609020204030204" pitchFamily="49" charset="0"/>
-                <a:cs typeface="Consolas" panose="020B0609020204030204" pitchFamily="49" charset="0"/>
-              </a:rPr>
-              <a:t>&lt;div&gt;Hello, HTML!&lt;/div&gt;</a:t>
-            </a:r>
-            <a:endParaRPr lang="en-US" sz="4000" dirty="0" smtClean="0">
-              <a:latin typeface="Consolas" panose="020B0609020204030204" pitchFamily="49" charset="0"/>
-              <a:cs typeface="Consolas" panose="020B0609020204030204" pitchFamily="49" charset="0"/>
-            </a:endParaRPr>
-          </a:p>
-          <a:p>
-            <a:r>
-              <a:rPr lang="en-US" sz="4000" dirty="0" smtClean="0">
-                <a:latin typeface="Consolas" panose="020B0609020204030204" pitchFamily="49" charset="0"/>
-                <a:cs typeface="Consolas" panose="020B0609020204030204" pitchFamily="49" charset="0"/>
-              </a:rPr>
-              <a:t>&lt;/body&gt;</a:t>
-            </a:r>
-            <a:endParaRPr lang="en-US" sz="4000" dirty="0">
-              <a:latin typeface="Consolas" panose="020B0609020204030204" pitchFamily="49" charset="0"/>
-              <a:cs typeface="Consolas" panose="020B0609020204030204" pitchFamily="49" charset="0"/>
-            </a:endParaRPr>
+            <a:endParaRPr lang="en-US" dirty="0"/>
           </a:p>
         </p:txBody>
       </p:sp>
     </p:spTree>
     <p:extLst>
       <p:ext uri="{BB962C8B-B14F-4D97-AF65-F5344CB8AC3E}">
-        <p14:creationId xmlns:p14="http://schemas.microsoft.com/office/powerpoint/2010/main" val="2947452281"/>
+        <p14:creationId xmlns:p14="http://schemas.microsoft.com/office/powerpoint/2010/main" val="1255666231"/>
       </p:ext>
     </p:extLst>
   </p:cSld>
@@ -3882,196 +3648,9 @@
   <p:timing>
     <p:tnLst>
       <p:par>
-        <p:cTn id="1" dur="indefinite" restart="never" nodeType="tmRoot">
-          <p:childTnLst>
-            <p:seq concurrent="1" nextAc="seek">
-              <p:cTn id="2" dur="indefinite" nodeType="mainSeq">
-                <p:childTnLst>
-                  <p:par>
-                    <p:cTn id="3" fill="hold">
-                      <p:stCondLst>
-                        <p:cond delay="indefinite"/>
-                      </p:stCondLst>
-                      <p:childTnLst>
-                        <p:par>
-                          <p:cTn id="4" fill="hold">
-                            <p:stCondLst>
-                              <p:cond delay="0"/>
-                            </p:stCondLst>
-                            <p:childTnLst>
-                              <p:par>
-                                <p:cTn id="5" presetID="10" presetClass="entr" presetSubtype="0" fill="hold" grpId="0" nodeType="clickEffect">
-                                  <p:stCondLst>
-                                    <p:cond delay="0"/>
-                                  </p:stCondLst>
-                                  <p:childTnLst>
-                                    <p:set>
-                                      <p:cBhvr>
-                                        <p:cTn id="6" dur="1" fill="hold">
-                                          <p:stCondLst>
-                                            <p:cond delay="0"/>
-                                          </p:stCondLst>
-                                        </p:cTn>
-                                        <p:tgtEl>
-                                          <p:spTgt spid="5"/>
-                                        </p:tgtEl>
-                                        <p:attrNameLst>
-                                          <p:attrName>style.visibility</p:attrName>
-                                        </p:attrNameLst>
-                                      </p:cBhvr>
-                                      <p:to>
-                                        <p:strVal val="visible"/>
-                                      </p:to>
-                                    </p:set>
-                                    <p:animEffect transition="in" filter="fade">
-                                      <p:cBhvr>
-                                        <p:cTn id="7" dur="500"/>
-                                        <p:tgtEl>
-                                          <p:spTgt spid="5"/>
-                                        </p:tgtEl>
-                                      </p:cBhvr>
-                                    </p:animEffect>
-                                  </p:childTnLst>
-                                </p:cTn>
-                              </p:par>
-                            </p:childTnLst>
-                          </p:cTn>
-                        </p:par>
-                      </p:childTnLst>
-                    </p:cTn>
-                  </p:par>
-                  <p:par>
-                    <p:cTn id="8" fill="hold">
-                      <p:stCondLst>
-                        <p:cond delay="indefinite"/>
-                      </p:stCondLst>
-                      <p:childTnLst>
-                        <p:par>
-                          <p:cTn id="9" fill="hold">
-                            <p:stCondLst>
-                              <p:cond delay="0"/>
-                            </p:stCondLst>
-                            <p:childTnLst>
-                              <p:par>
-                                <p:cTn id="10" presetID="10" presetClass="entr" presetSubtype="0" fill="hold" grpId="0" nodeType="clickEffect">
-                                  <p:stCondLst>
-                                    <p:cond delay="0"/>
-                                  </p:stCondLst>
-                                  <p:childTnLst>
-                                    <p:set>
-                                      <p:cBhvr>
-                                        <p:cTn id="11" dur="1" fill="hold">
-                                          <p:stCondLst>
-                                            <p:cond delay="0"/>
-                                          </p:stCondLst>
-                                        </p:cTn>
-                                        <p:tgtEl>
-                                          <p:spTgt spid="6"/>
-                                        </p:tgtEl>
-                                        <p:attrNameLst>
-                                          <p:attrName>style.visibility</p:attrName>
-                                        </p:attrNameLst>
-                                      </p:cBhvr>
-                                      <p:to>
-                                        <p:strVal val="visible"/>
-                                      </p:to>
-                                    </p:set>
-                                    <p:animEffect transition="in" filter="fade">
-                                      <p:cBhvr>
-                                        <p:cTn id="12" dur="500"/>
-                                        <p:tgtEl>
-                                          <p:spTgt spid="6"/>
-                                        </p:tgtEl>
-                                      </p:cBhvr>
-                                    </p:animEffect>
-                                  </p:childTnLst>
-                                </p:cTn>
-                              </p:par>
-                            </p:childTnLst>
-                          </p:cTn>
-                        </p:par>
-                      </p:childTnLst>
-                    </p:cTn>
-                  </p:par>
-                  <p:par>
-                    <p:cTn id="13" fill="hold">
-                      <p:stCondLst>
-                        <p:cond delay="indefinite"/>
-                      </p:stCondLst>
-                      <p:childTnLst>
-                        <p:par>
-                          <p:cTn id="14" fill="hold">
-                            <p:stCondLst>
-                              <p:cond delay="0"/>
-                            </p:stCondLst>
-                            <p:childTnLst>
-                              <p:par>
-                                <p:cTn id="15" presetID="10" presetClass="entr" presetSubtype="0" fill="hold" grpId="0" nodeType="clickEffect">
-                                  <p:stCondLst>
-                                    <p:cond delay="0"/>
-                                  </p:stCondLst>
-                                  <p:childTnLst>
-                                    <p:set>
-                                      <p:cBhvr>
-                                        <p:cTn id="16" dur="1" fill="hold">
-                                          <p:stCondLst>
-                                            <p:cond delay="0"/>
-                                          </p:stCondLst>
-                                        </p:cTn>
-                                        <p:tgtEl>
-                                          <p:spTgt spid="7"/>
-                                        </p:tgtEl>
-                                        <p:attrNameLst>
-                                          <p:attrName>style.visibility</p:attrName>
-                                        </p:attrNameLst>
-                                      </p:cBhvr>
-                                      <p:to>
-                                        <p:strVal val="visible"/>
-                                      </p:to>
-                                    </p:set>
-                                    <p:animEffect transition="in" filter="fade">
-                                      <p:cBhvr>
-                                        <p:cTn id="17" dur="500"/>
-                                        <p:tgtEl>
-                                          <p:spTgt spid="7"/>
-                                        </p:tgtEl>
-                                      </p:cBhvr>
-                                    </p:animEffect>
-                                  </p:childTnLst>
-                                </p:cTn>
-                              </p:par>
-                            </p:childTnLst>
-                          </p:cTn>
-                        </p:par>
-                      </p:childTnLst>
-                    </p:cTn>
-                  </p:par>
-                </p:childTnLst>
-              </p:cTn>
-              <p:prevCondLst>
-                <p:cond evt="onPrev" delay="0">
-                  <p:tgtEl>
-                    <p:sldTgt/>
-                  </p:tgtEl>
-                </p:cond>
-              </p:prevCondLst>
-              <p:nextCondLst>
-                <p:cond evt="onNext" delay="0">
-                  <p:tgtEl>
-                    <p:sldTgt/>
-                  </p:tgtEl>
-                </p:cond>
-              </p:nextCondLst>
-            </p:seq>
-          </p:childTnLst>
-        </p:cTn>
+        <p:cTn id="1" dur="indefinite" restart="never" nodeType="tmRoot"/>
       </p:par>
     </p:tnLst>
-    <p:bldLst>
-      <p:bldP spid="5" grpId="0" animBg="1"/>
-      <p:bldP spid="6" grpId="0" animBg="1"/>
-      <p:bldP spid="7" grpId="0" animBg="1"/>
-    </p:bldLst>
   </p:timing>
 </p:sld>
 </file>
@@ -4095,1731 +3674,6 @@
       </p:grpSpPr>
       <p:sp>
         <p:nvSpPr>
-          <p:cNvPr id="2" name="Title 1"/>
-          <p:cNvSpPr>
-            <a:spLocks noGrp="1"/>
-          </p:cNvSpPr>
-          <p:nvPr>
-            <p:ph type="title"/>
-          </p:nvPr>
-        </p:nvSpPr>
-        <p:spPr/>
-        <p:txBody>
-          <a:bodyPr/>
-          <a:lstStyle/>
-          <a:p>
-            <a:r>
-              <a:rPr lang="en-US" dirty="0" smtClean="0"/>
-              <a:t>Attributes</a:t>
-            </a:r>
-            <a:endParaRPr lang="en-US" dirty="0"/>
-          </a:p>
-        </p:txBody>
-      </p:sp>
-      <p:sp>
-        <p:nvSpPr>
-          <p:cNvPr id="3" name="Content Placeholder 2"/>
-          <p:cNvSpPr>
-            <a:spLocks noGrp="1"/>
-          </p:cNvSpPr>
-          <p:nvPr>
-            <p:ph sz="quarter" idx="10"/>
-          </p:nvPr>
-        </p:nvSpPr>
-        <p:spPr/>
-        <p:txBody>
-          <a:bodyPr/>
-          <a:lstStyle/>
-          <a:p>
-            <a:r>
-              <a:rPr lang="en-US" dirty="0" smtClean="0"/>
-              <a:t>Used to add additional context to elements</a:t>
-            </a:r>
-          </a:p>
-          <a:p>
-            <a:r>
-              <a:rPr lang="en-US" dirty="0" smtClean="0"/>
-              <a:t>Always placed in the opening tag</a:t>
-            </a:r>
-          </a:p>
-          <a:p>
-            <a:r>
-              <a:rPr lang="en-US" dirty="0" smtClean="0"/>
-              <a:t>Typically key/value pairs</a:t>
-            </a:r>
-          </a:p>
-          <a:p>
-            <a:pPr lvl="1"/>
-            <a:r>
-              <a:rPr lang="en-US" dirty="0" smtClean="0"/>
-              <a:t>Single or double quotes</a:t>
-            </a:r>
-          </a:p>
-          <a:p>
-            <a:pPr marL="0" indent="0">
-              <a:buNone/>
-            </a:pPr>
-            <a:r>
-              <a:rPr lang="en-US" sz="2800" dirty="0">
-                <a:latin typeface="Consolas" panose="020B0609020204030204" pitchFamily="49" charset="0"/>
-                <a:cs typeface="Consolas" panose="020B0609020204030204" pitchFamily="49" charset="0"/>
-              </a:rPr>
-              <a:t>	</a:t>
-            </a:r>
-            <a:r>
-              <a:rPr lang="en-US" sz="2800" dirty="0" smtClean="0">
-                <a:latin typeface="Consolas" panose="020B0609020204030204" pitchFamily="49" charset="0"/>
-                <a:cs typeface="Consolas" panose="020B0609020204030204" pitchFamily="49" charset="0"/>
-              </a:rPr>
-              <a:t>&lt;input type='text' /&gt;</a:t>
-            </a:r>
-          </a:p>
-          <a:p>
-            <a:pPr marL="0" indent="0">
-              <a:buNone/>
-            </a:pPr>
-            <a:r>
-              <a:rPr lang="en-US" sz="2800" dirty="0">
-                <a:latin typeface="Consolas" panose="020B0609020204030204" pitchFamily="49" charset="0"/>
-                <a:cs typeface="Consolas" panose="020B0609020204030204" pitchFamily="49" charset="0"/>
-              </a:rPr>
-              <a:t>	</a:t>
-            </a:r>
-            <a:r>
-              <a:rPr lang="en-US" sz="2800" dirty="0" smtClean="0">
-                <a:latin typeface="Consolas" panose="020B0609020204030204" pitchFamily="49" charset="0"/>
-                <a:cs typeface="Consolas" panose="020B0609020204030204" pitchFamily="49" charset="0"/>
-              </a:rPr>
-              <a:t>&lt;a </a:t>
-            </a:r>
-            <a:r>
-              <a:rPr lang="en-US" sz="2800" dirty="0" err="1" smtClean="0">
-                <a:latin typeface="Consolas" panose="020B0609020204030204" pitchFamily="49" charset="0"/>
-                <a:cs typeface="Consolas" panose="020B0609020204030204" pitchFamily="49" charset="0"/>
-              </a:rPr>
-              <a:t>href</a:t>
-            </a:r>
-            <a:r>
-              <a:rPr lang="en-US" sz="2800" dirty="0" smtClean="0">
-                <a:latin typeface="Consolas" panose="020B0609020204030204" pitchFamily="49" charset="0"/>
-                <a:cs typeface="Consolas" panose="020B0609020204030204" pitchFamily="49" charset="0"/>
-              </a:rPr>
-              <a:t>='http://www.microsoft.com'&gt;Microsoft&lt;/a&gt;</a:t>
-            </a:r>
-            <a:endParaRPr lang="en-US" sz="2800" dirty="0">
-              <a:latin typeface="Consolas" panose="020B0609020204030204" pitchFamily="49" charset="0"/>
-              <a:cs typeface="Consolas" panose="020B0609020204030204" pitchFamily="49" charset="0"/>
-            </a:endParaRPr>
-          </a:p>
-        </p:txBody>
-      </p:sp>
-    </p:spTree>
-    <p:extLst>
-      <p:ext uri="{BB962C8B-B14F-4D97-AF65-F5344CB8AC3E}">
-        <p14:creationId xmlns:p14="http://schemas.microsoft.com/office/powerpoint/2010/main" val="1512863025"/>
-      </p:ext>
-    </p:extLst>
-  </p:cSld>
-  <p:clrMapOvr>
-    <a:masterClrMapping/>
-  </p:clrMapOvr>
-  <p:timing>
-    <p:tnLst>
-      <p:par>
-        <p:cTn id="1" dur="indefinite" restart="never" nodeType="tmRoot"/>
-      </p:par>
-    </p:tnLst>
-  </p:timing>
-</p:sld>
-</file>
-
-<file path=ppt/slides/slide12.xml><?xml version="1.0" encoding="utf-8"?>
-<p:sld xmlns:a="http://schemas.openxmlformats.org/drawingml/2006/main" xmlns:r="http://schemas.openxmlformats.org/officeDocument/2006/relationships" xmlns:p="http://schemas.openxmlformats.org/presentationml/2006/main">
-  <p:cSld>
-    <p:spTree>
-      <p:nvGrpSpPr>
-        <p:cNvPr id="1" name=""/>
-        <p:cNvGrpSpPr/>
-        <p:nvPr/>
-      </p:nvGrpSpPr>
-      <p:grpSpPr>
-        <a:xfrm>
-          <a:off x="0" y="0"/>
-          <a:ext cx="0" cy="0"/>
-          <a:chOff x="0" y="0"/>
-          <a:chExt cx="0" cy="0"/>
-        </a:xfrm>
-      </p:grpSpPr>
-      <p:sp>
-        <p:nvSpPr>
-          <p:cNvPr id="4" name="Title 3"/>
-          <p:cNvSpPr>
-            <a:spLocks noGrp="1"/>
-          </p:cNvSpPr>
-          <p:nvPr>
-            <p:ph type="title"/>
-          </p:nvPr>
-        </p:nvSpPr>
-        <p:spPr/>
-        <p:txBody>
-          <a:bodyPr/>
-          <a:lstStyle/>
-          <a:p>
-            <a:r>
-              <a:rPr lang="en-US" dirty="0" smtClean="0"/>
-              <a:t>HTML Basics</a:t>
-            </a:r>
-            <a:endParaRPr lang="en-US" dirty="0"/>
-          </a:p>
-        </p:txBody>
-      </p:sp>
-    </p:spTree>
-    <p:extLst>
-      <p:ext uri="{BB962C8B-B14F-4D97-AF65-F5344CB8AC3E}">
-        <p14:creationId xmlns:p14="http://schemas.microsoft.com/office/powerpoint/2010/main" val="2369024998"/>
-      </p:ext>
-    </p:extLst>
-  </p:cSld>
-  <p:clrMapOvr>
-    <a:masterClrMapping/>
-  </p:clrMapOvr>
-  <p:timing>
-    <p:tnLst>
-      <p:par>
-        <p:cTn id="1" dur="indefinite" restart="never" nodeType="tmRoot"/>
-      </p:par>
-    </p:tnLst>
-  </p:timing>
-</p:sld>
-</file>
-
-<file path=ppt/slides/slide13.xml><?xml version="1.0" encoding="utf-8"?>
-<p:sld xmlns:a="http://schemas.openxmlformats.org/drawingml/2006/main" xmlns:r="http://schemas.openxmlformats.org/officeDocument/2006/relationships" xmlns:p="http://schemas.openxmlformats.org/presentationml/2006/main">
-  <p:cSld>
-    <p:spTree>
-      <p:nvGrpSpPr>
-        <p:cNvPr id="1" name=""/>
-        <p:cNvGrpSpPr/>
-        <p:nvPr/>
-      </p:nvGrpSpPr>
-      <p:grpSpPr>
-        <a:xfrm>
-          <a:off x="0" y="0"/>
-          <a:ext cx="0" cy="0"/>
-          <a:chOff x="0" y="0"/>
-          <a:chExt cx="0" cy="0"/>
-        </a:xfrm>
-      </p:grpSpPr>
-      <p:sp>
-        <p:nvSpPr>
-          <p:cNvPr id="3" name="Title 2"/>
-          <p:cNvSpPr>
-            <a:spLocks noGrp="1"/>
-          </p:cNvSpPr>
-          <p:nvPr>
-            <p:ph type="title"/>
-          </p:nvPr>
-        </p:nvSpPr>
-        <p:spPr/>
-        <p:txBody>
-          <a:bodyPr/>
-          <a:lstStyle/>
-          <a:p>
-            <a:r>
-              <a:rPr lang="en-US" dirty="0" smtClean="0"/>
-              <a:t>Additional resources</a:t>
-            </a:r>
-            <a:endParaRPr lang="en-US" dirty="0"/>
-          </a:p>
-        </p:txBody>
-      </p:sp>
-      <p:sp>
-        <p:nvSpPr>
-          <p:cNvPr id="4" name="Content Placeholder 3"/>
-          <p:cNvSpPr>
-            <a:spLocks noGrp="1"/>
-          </p:cNvSpPr>
-          <p:nvPr>
-            <p:ph sz="quarter" idx="10"/>
-          </p:nvPr>
-        </p:nvSpPr>
-        <p:spPr/>
-        <p:txBody>
-          <a:bodyPr/>
-          <a:lstStyle/>
-          <a:p>
-            <a:r>
-              <a:rPr lang="en-US" dirty="0" smtClean="0"/>
-              <a:t>Microsoft Virtual Academy</a:t>
-            </a:r>
-          </a:p>
-          <a:p>
-            <a:pPr lvl="1"/>
-            <a:r>
-              <a:rPr lang="en-US" dirty="0" smtClean="0"/>
-              <a:t>HTML5 </a:t>
-            </a:r>
-            <a:r>
-              <a:rPr lang="en-US" dirty="0"/>
-              <a:t>&amp; CSS3 Fundamentals: Development for Absolute Beginners</a:t>
-            </a:r>
-          </a:p>
-          <a:p>
-            <a:r>
-              <a:rPr lang="en-US" dirty="0" smtClean="0"/>
-              <a:t>Microsoft Official Courseware</a:t>
-            </a:r>
-          </a:p>
-          <a:p>
-            <a:pPr lvl="1"/>
-            <a:r>
-              <a:rPr lang="en-US" dirty="0"/>
-              <a:t>20480: Programming in HTML5 with JavaScript and </a:t>
-            </a:r>
-            <a:r>
-              <a:rPr lang="en-US" dirty="0" smtClean="0"/>
-              <a:t>CSS3</a:t>
-            </a:r>
-          </a:p>
-          <a:p>
-            <a:r>
-              <a:rPr lang="en-US" dirty="0" smtClean="0"/>
-              <a:t>Microsoft Press</a:t>
-            </a:r>
-          </a:p>
-          <a:p>
-            <a:pPr lvl="1"/>
-            <a:r>
-              <a:rPr lang="en-US" dirty="0"/>
-              <a:t>HTML5 Step by </a:t>
-            </a:r>
-            <a:r>
-              <a:rPr lang="en-US" dirty="0" smtClean="0"/>
-              <a:t>Step</a:t>
-            </a:r>
-          </a:p>
-          <a:p>
-            <a:pPr lvl="1"/>
-            <a:r>
-              <a:rPr lang="en-US" dirty="0"/>
-              <a:t>Training Guide: Programming in HTML5 with JavaScript and CSS3</a:t>
-            </a:r>
-          </a:p>
-        </p:txBody>
-      </p:sp>
-    </p:spTree>
-    <p:extLst>
-      <p:ext uri="{BB962C8B-B14F-4D97-AF65-F5344CB8AC3E}">
-        <p14:creationId xmlns:p14="http://schemas.microsoft.com/office/powerpoint/2010/main" val="1602097433"/>
-      </p:ext>
-    </p:extLst>
-  </p:cSld>
-  <p:clrMapOvr>
-    <a:masterClrMapping/>
-  </p:clrMapOvr>
-  <p:timing>
-    <p:tnLst>
-      <p:par>
-        <p:cTn id="1" dur="indefinite" restart="never" nodeType="tmRoot"/>
-      </p:par>
-    </p:tnLst>
-  </p:timing>
-</p:sld>
-</file>
-
-<file path=ppt/slides/slide14.xml><?xml version="1.0" encoding="utf-8"?>
-<p:sld xmlns:a="http://schemas.openxmlformats.org/drawingml/2006/main" xmlns:r="http://schemas.openxmlformats.org/officeDocument/2006/relationships" xmlns:p="http://schemas.openxmlformats.org/presentationml/2006/main">
-  <p:cSld>
-    <p:spTree>
-      <p:nvGrpSpPr>
-        <p:cNvPr id="1" name=""/>
-        <p:cNvGrpSpPr/>
-        <p:nvPr/>
-      </p:nvGrpSpPr>
-      <p:grpSpPr>
-        <a:xfrm>
-          <a:off x="0" y="0"/>
-          <a:ext cx="0" cy="0"/>
-          <a:chOff x="0" y="0"/>
-          <a:chExt cx="0" cy="0"/>
-        </a:xfrm>
-      </p:grpSpPr>
-      <p:sp>
-        <p:nvSpPr>
-          <p:cNvPr id="5" name="Text Placeholder 4"/>
-          <p:cNvSpPr>
-            <a:spLocks noGrp="1"/>
-          </p:cNvSpPr>
-          <p:nvPr>
-            <p:ph type="body" sz="quarter" idx="10"/>
-          </p:nvPr>
-        </p:nvSpPr>
-        <p:spPr/>
-        <p:txBody>
-          <a:bodyPr/>
-          <a:lstStyle/>
-          <a:p>
-            <a:r>
-              <a:rPr lang="en-US" dirty="0" smtClean="0"/>
-              <a:t>Forms</a:t>
-            </a:r>
-            <a:endParaRPr lang="en-US" dirty="0"/>
-          </a:p>
-        </p:txBody>
-      </p:sp>
-      <p:sp>
-        <p:nvSpPr>
-          <p:cNvPr id="4" name="Subtitle 3"/>
-          <p:cNvSpPr>
-            <a:spLocks noGrp="1"/>
-          </p:cNvSpPr>
-          <p:nvPr>
-            <p:ph type="subTitle" idx="1"/>
-          </p:nvPr>
-        </p:nvSpPr>
-        <p:spPr/>
-        <p:txBody>
-          <a:bodyPr/>
-          <a:lstStyle/>
-          <a:p>
-            <a:endParaRPr lang="en-US" dirty="0"/>
-          </a:p>
-        </p:txBody>
-      </p:sp>
-    </p:spTree>
-    <p:extLst>
-      <p:ext uri="{BB962C8B-B14F-4D97-AF65-F5344CB8AC3E}">
-        <p14:creationId xmlns:p14="http://schemas.microsoft.com/office/powerpoint/2010/main" val="3589316428"/>
-      </p:ext>
-    </p:extLst>
-  </p:cSld>
-  <p:clrMapOvr>
-    <a:masterClrMapping/>
-  </p:clrMapOvr>
-  <p:timing>
-    <p:tnLst>
-      <p:par>
-        <p:cTn id="1" dur="indefinite" restart="never" nodeType="tmRoot"/>
-      </p:par>
-    </p:tnLst>
-  </p:timing>
-</p:sld>
-</file>
-
-<file path=ppt/slides/slide15.xml><?xml version="1.0" encoding="utf-8"?>
-<p:sld xmlns:a="http://schemas.openxmlformats.org/drawingml/2006/main" xmlns:r="http://schemas.openxmlformats.org/officeDocument/2006/relationships" xmlns:p="http://schemas.openxmlformats.org/presentationml/2006/main">
-  <p:cSld>
-    <p:spTree>
-      <p:nvGrpSpPr>
-        <p:cNvPr id="1" name=""/>
-        <p:cNvGrpSpPr/>
-        <p:nvPr/>
-      </p:nvGrpSpPr>
-      <p:grpSpPr>
-        <a:xfrm>
-          <a:off x="0" y="0"/>
-          <a:ext cx="0" cy="0"/>
-          <a:chOff x="0" y="0"/>
-          <a:chExt cx="0" cy="0"/>
-        </a:xfrm>
-      </p:grpSpPr>
-      <p:sp>
-        <p:nvSpPr>
-          <p:cNvPr id="4" name="Title 3"/>
-          <p:cNvSpPr>
-            <a:spLocks noGrp="1"/>
-          </p:cNvSpPr>
-          <p:nvPr>
-            <p:ph type="title"/>
-          </p:nvPr>
-        </p:nvSpPr>
-        <p:spPr/>
-        <p:txBody>
-          <a:bodyPr/>
-          <a:lstStyle/>
-          <a:p>
-            <a:r>
-              <a:rPr lang="en-US" dirty="0" smtClean="0"/>
-              <a:t>Forms</a:t>
-            </a:r>
-            <a:endParaRPr lang="en-US" dirty="0"/>
-          </a:p>
-        </p:txBody>
-      </p:sp>
-      <p:sp>
-        <p:nvSpPr>
-          <p:cNvPr id="5" name="Content Placeholder 4"/>
-          <p:cNvSpPr>
-            <a:spLocks noGrp="1"/>
-          </p:cNvSpPr>
-          <p:nvPr>
-            <p:ph sz="quarter" idx="10"/>
-          </p:nvPr>
-        </p:nvSpPr>
-        <p:spPr/>
-        <p:txBody>
-          <a:bodyPr/>
-          <a:lstStyle/>
-          <a:p>
-            <a:r>
-              <a:rPr lang="en-US" dirty="0" smtClean="0"/>
-              <a:t>Collecting information from the user</a:t>
-            </a:r>
-          </a:p>
-          <a:p>
-            <a:r>
-              <a:rPr lang="en-US" dirty="0" smtClean="0"/>
-              <a:t>Sending information to the server</a:t>
-            </a:r>
-          </a:p>
-          <a:p>
-            <a:r>
-              <a:rPr lang="en-US" dirty="0" smtClean="0"/>
-              <a:t>Reading information on the server</a:t>
-            </a:r>
-            <a:endParaRPr lang="en-US" dirty="0"/>
-          </a:p>
-        </p:txBody>
-      </p:sp>
-    </p:spTree>
-    <p:extLst>
-      <p:ext uri="{BB962C8B-B14F-4D97-AF65-F5344CB8AC3E}">
-        <p14:creationId xmlns:p14="http://schemas.microsoft.com/office/powerpoint/2010/main" val="4238525272"/>
-      </p:ext>
-    </p:extLst>
-  </p:cSld>
-  <p:clrMapOvr>
-    <a:masterClrMapping/>
-  </p:clrMapOvr>
-  <p:timing>
-    <p:tnLst>
-      <p:par>
-        <p:cTn id="1" dur="indefinite" restart="never" nodeType="tmRoot"/>
-      </p:par>
-    </p:tnLst>
-  </p:timing>
-</p:sld>
-</file>
-
-<file path=ppt/slides/slide16.xml><?xml version="1.0" encoding="utf-8"?>
-<p:sld xmlns:a="http://schemas.openxmlformats.org/drawingml/2006/main" xmlns:r="http://schemas.openxmlformats.org/officeDocument/2006/relationships" xmlns:p="http://schemas.openxmlformats.org/presentationml/2006/main">
-  <p:cSld>
-    <p:spTree>
-      <p:nvGrpSpPr>
-        <p:cNvPr id="1" name=""/>
-        <p:cNvGrpSpPr/>
-        <p:nvPr/>
-      </p:nvGrpSpPr>
-      <p:grpSpPr>
-        <a:xfrm>
-          <a:off x="0" y="0"/>
-          <a:ext cx="0" cy="0"/>
-          <a:chOff x="0" y="0"/>
-          <a:chExt cx="0" cy="0"/>
-        </a:xfrm>
-      </p:grpSpPr>
-      <p:sp>
-        <p:nvSpPr>
-          <p:cNvPr id="2" name="Title 1"/>
-          <p:cNvSpPr>
-            <a:spLocks noGrp="1"/>
-          </p:cNvSpPr>
-          <p:nvPr>
-            <p:ph type="title"/>
-          </p:nvPr>
-        </p:nvSpPr>
-        <p:spPr/>
-        <p:txBody>
-          <a:bodyPr/>
-          <a:lstStyle/>
-          <a:p>
-            <a:r>
-              <a:rPr lang="en-US" dirty="0" smtClean="0"/>
-              <a:t>Collecting information from the user</a:t>
-            </a:r>
-            <a:endParaRPr lang="en-US" dirty="0"/>
-          </a:p>
-        </p:txBody>
-      </p:sp>
-      <p:sp>
-        <p:nvSpPr>
-          <p:cNvPr id="3" name="Content Placeholder 2"/>
-          <p:cNvSpPr>
-            <a:spLocks noGrp="1"/>
-          </p:cNvSpPr>
-          <p:nvPr>
-            <p:ph sz="quarter" idx="10"/>
-          </p:nvPr>
-        </p:nvSpPr>
-        <p:spPr/>
-        <p:txBody>
-          <a:bodyPr/>
-          <a:lstStyle/>
-          <a:p>
-            <a:r>
-              <a:rPr lang="en-US" dirty="0" smtClean="0"/>
-              <a:t>Input controls</a:t>
-            </a:r>
-          </a:p>
-          <a:p>
-            <a:endParaRPr lang="en-US" dirty="0"/>
-          </a:p>
-          <a:p>
-            <a:endParaRPr lang="en-US" dirty="0" smtClean="0"/>
-          </a:p>
-          <a:p>
-            <a:r>
-              <a:rPr lang="en-US" dirty="0" smtClean="0"/>
-              <a:t>Options</a:t>
-            </a:r>
-          </a:p>
-          <a:p>
-            <a:pPr lvl="1"/>
-            <a:r>
-              <a:rPr lang="en-US" dirty="0" smtClean="0"/>
-              <a:t>text</a:t>
-            </a:r>
-          </a:p>
-          <a:p>
-            <a:pPr lvl="1"/>
-            <a:r>
-              <a:rPr lang="en-US" dirty="0" smtClean="0"/>
-              <a:t>password</a:t>
-            </a:r>
-          </a:p>
-          <a:p>
-            <a:pPr lvl="1"/>
-            <a:r>
-              <a:rPr lang="en-US" dirty="0"/>
-              <a:t>e</a:t>
-            </a:r>
-            <a:r>
-              <a:rPr lang="en-US" dirty="0" smtClean="0"/>
-              <a:t>mail</a:t>
-            </a:r>
-            <a:endParaRPr lang="en-US" dirty="0"/>
-          </a:p>
-        </p:txBody>
-      </p:sp>
-      <p:sp>
-        <p:nvSpPr>
-          <p:cNvPr id="4" name="Rounded Rectangle 3"/>
-          <p:cNvSpPr/>
-          <p:nvPr/>
-        </p:nvSpPr>
-        <p:spPr>
-          <a:xfrm>
-            <a:off x="1371601" y="2315496"/>
-            <a:ext cx="7116096" cy="766916"/>
-          </a:xfrm>
-          <a:prstGeom prst="roundRect">
-            <a:avLst/>
-          </a:prstGeom>
-        </p:spPr>
-        <p:style>
-          <a:lnRef idx="1">
-            <a:schemeClr val="accent3"/>
-          </a:lnRef>
-          <a:fillRef idx="2">
-            <a:schemeClr val="accent3"/>
-          </a:fillRef>
-          <a:effectRef idx="1">
-            <a:schemeClr val="accent3"/>
-          </a:effectRef>
-          <a:fontRef idx="minor">
-            <a:schemeClr val="dk1"/>
-          </a:fontRef>
-        </p:style>
-        <p:txBody>
-          <a:bodyPr rtlCol="0" anchor="ctr"/>
-          <a:lstStyle/>
-          <a:p>
-            <a:pPr algn="ctr"/>
-            <a:r>
-              <a:rPr lang="en-US" sz="2400" dirty="0" smtClean="0">
-                <a:latin typeface="Consolas" panose="020B0609020204030204" pitchFamily="49" charset="0"/>
-                <a:cs typeface="Consolas" panose="020B0609020204030204" pitchFamily="49" charset="0"/>
-              </a:rPr>
-              <a:t>&lt;input type='&lt;type&gt;' name='&lt;name&gt;' /&gt;</a:t>
-            </a:r>
-            <a:endParaRPr lang="en-US" sz="2400" dirty="0">
-              <a:latin typeface="Consolas" panose="020B0609020204030204" pitchFamily="49" charset="0"/>
-              <a:cs typeface="Consolas" panose="020B0609020204030204" pitchFamily="49" charset="0"/>
-            </a:endParaRPr>
-          </a:p>
-        </p:txBody>
-      </p:sp>
-    </p:spTree>
-    <p:extLst>
-      <p:ext uri="{BB962C8B-B14F-4D97-AF65-F5344CB8AC3E}">
-        <p14:creationId xmlns:p14="http://schemas.microsoft.com/office/powerpoint/2010/main" val="2691396396"/>
-      </p:ext>
-    </p:extLst>
-  </p:cSld>
-  <p:clrMapOvr>
-    <a:masterClrMapping/>
-  </p:clrMapOvr>
-  <p:timing>
-    <p:tnLst>
-      <p:par>
-        <p:cTn id="1" dur="indefinite" restart="never" nodeType="tmRoot"/>
-      </p:par>
-    </p:tnLst>
-  </p:timing>
-</p:sld>
-</file>
-
-<file path=ppt/slides/slide17.xml><?xml version="1.0" encoding="utf-8"?>
-<p:sld xmlns:a="http://schemas.openxmlformats.org/drawingml/2006/main" xmlns:r="http://schemas.openxmlformats.org/officeDocument/2006/relationships" xmlns:p="http://schemas.openxmlformats.org/presentationml/2006/main">
-  <p:cSld>
-    <p:spTree>
-      <p:nvGrpSpPr>
-        <p:cNvPr id="1" name=""/>
-        <p:cNvGrpSpPr/>
-        <p:nvPr/>
-      </p:nvGrpSpPr>
-      <p:grpSpPr>
-        <a:xfrm>
-          <a:off x="0" y="0"/>
-          <a:ext cx="0" cy="0"/>
-          <a:chOff x="0" y="0"/>
-          <a:chExt cx="0" cy="0"/>
-        </a:xfrm>
-      </p:grpSpPr>
-      <p:sp>
-        <p:nvSpPr>
-          <p:cNvPr id="2" name="Title 1"/>
-          <p:cNvSpPr>
-            <a:spLocks noGrp="1"/>
-          </p:cNvSpPr>
-          <p:nvPr>
-            <p:ph type="title"/>
-          </p:nvPr>
-        </p:nvSpPr>
-        <p:spPr/>
-        <p:txBody>
-          <a:bodyPr/>
-          <a:lstStyle/>
-          <a:p>
-            <a:r>
-              <a:rPr lang="en-US" dirty="0" smtClean="0"/>
-              <a:t>Sending information to the server</a:t>
-            </a:r>
-            <a:endParaRPr lang="en-US" dirty="0"/>
-          </a:p>
-        </p:txBody>
-      </p:sp>
-      <p:sp>
-        <p:nvSpPr>
-          <p:cNvPr id="3" name="Content Placeholder 2"/>
-          <p:cNvSpPr>
-            <a:spLocks noGrp="1"/>
-          </p:cNvSpPr>
-          <p:nvPr>
-            <p:ph sz="quarter" idx="10"/>
-          </p:nvPr>
-        </p:nvSpPr>
-        <p:spPr/>
-        <p:txBody>
-          <a:bodyPr/>
-          <a:lstStyle/>
-          <a:p>
-            <a:r>
-              <a:rPr lang="en-US" dirty="0" smtClean="0"/>
-              <a:t>Form element controls where and how the information is sent</a:t>
-            </a:r>
-          </a:p>
-          <a:p>
-            <a:r>
-              <a:rPr lang="en-US" dirty="0" smtClean="0"/>
-              <a:t>Where is controlled by </a:t>
-            </a:r>
-            <a:r>
-              <a:rPr lang="en-US" b="1" dirty="0" smtClean="0"/>
-              <a:t>action</a:t>
-            </a:r>
-            <a:r>
-              <a:rPr lang="en-US" dirty="0" smtClean="0"/>
-              <a:t> parameter</a:t>
-            </a:r>
-          </a:p>
-          <a:p>
-            <a:pPr lvl="1"/>
-            <a:r>
-              <a:rPr lang="en-US" dirty="0" smtClean="0"/>
-              <a:t>Defaults back to the same "page"</a:t>
-            </a:r>
-          </a:p>
-          <a:p>
-            <a:r>
-              <a:rPr lang="en-US" dirty="0" smtClean="0"/>
-              <a:t>How is controlled by </a:t>
-            </a:r>
-            <a:r>
-              <a:rPr lang="en-US" b="1" dirty="0" smtClean="0"/>
-              <a:t>method</a:t>
-            </a:r>
-            <a:r>
-              <a:rPr lang="en-US" dirty="0" smtClean="0"/>
-              <a:t> parameter</a:t>
-            </a:r>
-          </a:p>
-          <a:p>
-            <a:pPr lvl="1"/>
-            <a:r>
-              <a:rPr lang="en-US" dirty="0" smtClean="0"/>
-              <a:t>get puts form data in the URL</a:t>
-            </a:r>
-          </a:p>
-          <a:p>
-            <a:pPr lvl="2"/>
-            <a:r>
-              <a:rPr lang="en-US" dirty="0" smtClean="0"/>
-              <a:t>Visible and </a:t>
-            </a:r>
-            <a:r>
-              <a:rPr lang="en-US" dirty="0" err="1" smtClean="0"/>
-              <a:t>replayable</a:t>
-            </a:r>
-            <a:endParaRPr lang="en-US" dirty="0" smtClean="0"/>
-          </a:p>
-          <a:p>
-            <a:pPr lvl="1"/>
-            <a:r>
-              <a:rPr lang="en-US" dirty="0" smtClean="0"/>
-              <a:t>post puts form data in the header</a:t>
-            </a:r>
-          </a:p>
-          <a:p>
-            <a:pPr lvl="2"/>
-            <a:r>
-              <a:rPr lang="en-US" dirty="0" smtClean="0"/>
-              <a:t>Hidden behind the scenes</a:t>
-            </a:r>
-            <a:endParaRPr lang="en-US" dirty="0"/>
-          </a:p>
-        </p:txBody>
-      </p:sp>
-      <p:sp>
-        <p:nvSpPr>
-          <p:cNvPr id="4" name="Rounded Rectangle 3"/>
-          <p:cNvSpPr/>
-          <p:nvPr/>
-        </p:nvSpPr>
-        <p:spPr>
-          <a:xfrm>
-            <a:off x="7020232" y="5117690"/>
-            <a:ext cx="4948084" cy="1460090"/>
-          </a:xfrm>
-          <a:prstGeom prst="roundRect">
-            <a:avLst/>
-          </a:prstGeom>
-        </p:spPr>
-        <p:style>
-          <a:lnRef idx="1">
-            <a:schemeClr val="accent5"/>
-          </a:lnRef>
-          <a:fillRef idx="2">
-            <a:schemeClr val="accent5"/>
-          </a:fillRef>
-          <a:effectRef idx="1">
-            <a:schemeClr val="accent5"/>
-          </a:effectRef>
-          <a:fontRef idx="minor">
-            <a:schemeClr val="dk1"/>
-          </a:fontRef>
-        </p:style>
-        <p:txBody>
-          <a:bodyPr rtlCol="0" anchor="ctr"/>
-          <a:lstStyle/>
-          <a:p>
-            <a:r>
-              <a:rPr lang="en-US" sz="2400" dirty="0" smtClean="0">
-                <a:latin typeface="Consolas" panose="020B0609020204030204" pitchFamily="49" charset="0"/>
-                <a:cs typeface="Consolas" panose="020B0609020204030204" pitchFamily="49" charset="0"/>
-              </a:rPr>
-              <a:t>&lt;form method='post'&gt;</a:t>
-            </a:r>
-          </a:p>
-          <a:p>
-            <a:r>
-              <a:rPr lang="en-US" sz="2400" dirty="0" smtClean="0">
-                <a:latin typeface="Consolas" panose="020B0609020204030204" pitchFamily="49" charset="0"/>
-                <a:cs typeface="Consolas" panose="020B0609020204030204" pitchFamily="49" charset="0"/>
-              </a:rPr>
-              <a:t>    ... Input controls ...</a:t>
-            </a:r>
-          </a:p>
-          <a:p>
-            <a:r>
-              <a:rPr lang="en-US" sz="2400" dirty="0" smtClean="0">
-                <a:latin typeface="Consolas" panose="020B0609020204030204" pitchFamily="49" charset="0"/>
-                <a:cs typeface="Consolas" panose="020B0609020204030204" pitchFamily="49" charset="0"/>
-              </a:rPr>
-              <a:t>&lt;/form&gt;</a:t>
-            </a:r>
-            <a:endParaRPr lang="en-US" sz="2400" dirty="0">
-              <a:latin typeface="Consolas" panose="020B0609020204030204" pitchFamily="49" charset="0"/>
-              <a:cs typeface="Consolas" panose="020B0609020204030204" pitchFamily="49" charset="0"/>
-            </a:endParaRPr>
-          </a:p>
-        </p:txBody>
-      </p:sp>
-    </p:spTree>
-    <p:extLst>
-      <p:ext uri="{BB962C8B-B14F-4D97-AF65-F5344CB8AC3E}">
-        <p14:creationId xmlns:p14="http://schemas.microsoft.com/office/powerpoint/2010/main" val="1597828484"/>
-      </p:ext>
-    </p:extLst>
-  </p:cSld>
-  <p:clrMapOvr>
-    <a:masterClrMapping/>
-  </p:clrMapOvr>
-  <p:timing>
-    <p:tnLst>
-      <p:par>
-        <p:cTn id="1" dur="indefinite" restart="never" nodeType="tmRoot"/>
-      </p:par>
-    </p:tnLst>
-  </p:timing>
-</p:sld>
-</file>
-
-<file path=ppt/slides/slide18.xml><?xml version="1.0" encoding="utf-8"?>
-<p:sld xmlns:a="http://schemas.openxmlformats.org/drawingml/2006/main" xmlns:r="http://schemas.openxmlformats.org/officeDocument/2006/relationships" xmlns:p="http://schemas.openxmlformats.org/presentationml/2006/main">
-  <p:cSld>
-    <p:spTree>
-      <p:nvGrpSpPr>
-        <p:cNvPr id="1" name=""/>
-        <p:cNvGrpSpPr/>
-        <p:nvPr/>
-      </p:nvGrpSpPr>
-      <p:grpSpPr>
-        <a:xfrm>
-          <a:off x="0" y="0"/>
-          <a:ext cx="0" cy="0"/>
-          <a:chOff x="0" y="0"/>
-          <a:chExt cx="0" cy="0"/>
-        </a:xfrm>
-      </p:grpSpPr>
-      <p:sp>
-        <p:nvSpPr>
-          <p:cNvPr id="2" name="Title 1"/>
-          <p:cNvSpPr>
-            <a:spLocks noGrp="1"/>
-          </p:cNvSpPr>
-          <p:nvPr>
-            <p:ph type="title"/>
-          </p:nvPr>
-        </p:nvSpPr>
-        <p:spPr/>
-        <p:txBody>
-          <a:bodyPr/>
-          <a:lstStyle/>
-          <a:p>
-            <a:r>
-              <a:rPr lang="en-US" dirty="0" smtClean="0"/>
-              <a:t>Reading information on the server</a:t>
-            </a:r>
-            <a:endParaRPr lang="en-US" dirty="0"/>
-          </a:p>
-        </p:txBody>
-      </p:sp>
-      <p:sp>
-        <p:nvSpPr>
-          <p:cNvPr id="3" name="Content Placeholder 2"/>
-          <p:cNvSpPr>
-            <a:spLocks noGrp="1"/>
-          </p:cNvSpPr>
-          <p:nvPr>
-            <p:ph sz="quarter" idx="10"/>
-          </p:nvPr>
-        </p:nvSpPr>
-        <p:spPr/>
-        <p:txBody>
-          <a:bodyPr/>
-          <a:lstStyle/>
-          <a:p>
-            <a:r>
-              <a:rPr lang="en-US" dirty="0" smtClean="0"/>
-              <a:t>Information is available in </a:t>
-            </a:r>
-            <a:r>
-              <a:rPr lang="en-US" dirty="0" err="1" smtClean="0"/>
-              <a:t>request.form</a:t>
-            </a:r>
-            <a:r>
-              <a:rPr lang="en-US" dirty="0" smtClean="0"/>
-              <a:t> collection</a:t>
-            </a:r>
-          </a:p>
-          <a:p>
-            <a:pPr lvl="1"/>
-            <a:r>
-              <a:rPr lang="en-US" dirty="0" smtClean="0"/>
-              <a:t>Names match the names on the input controls</a:t>
-            </a:r>
-            <a:endParaRPr lang="en-US" dirty="0"/>
-          </a:p>
-        </p:txBody>
-      </p:sp>
-      <p:sp>
-        <p:nvSpPr>
-          <p:cNvPr id="4" name="Rounded Rectangle 3"/>
-          <p:cNvSpPr/>
-          <p:nvPr/>
-        </p:nvSpPr>
-        <p:spPr>
-          <a:xfrm>
-            <a:off x="508821" y="2514599"/>
-            <a:ext cx="7116096" cy="766916"/>
-          </a:xfrm>
-          <a:prstGeom prst="roundRect">
-            <a:avLst/>
-          </a:prstGeom>
-        </p:spPr>
-        <p:style>
-          <a:lnRef idx="1">
-            <a:schemeClr val="accent1"/>
-          </a:lnRef>
-          <a:fillRef idx="2">
-            <a:schemeClr val="accent1"/>
-          </a:fillRef>
-          <a:effectRef idx="1">
-            <a:schemeClr val="accent1"/>
-          </a:effectRef>
-          <a:fontRef idx="minor">
-            <a:schemeClr val="dk1"/>
-          </a:fontRef>
-        </p:style>
-        <p:txBody>
-          <a:bodyPr rtlCol="0" anchor="ctr"/>
-          <a:lstStyle/>
-          <a:p>
-            <a:pPr algn="ctr"/>
-            <a:r>
-              <a:rPr lang="en-US" sz="2400" dirty="0" smtClean="0">
-                <a:latin typeface="Consolas" panose="020B0609020204030204" pitchFamily="49" charset="0"/>
-                <a:cs typeface="Consolas" panose="020B0609020204030204" pitchFamily="49" charset="0"/>
-              </a:rPr>
-              <a:t>&lt;input type='text' name='answer' /&gt;</a:t>
-            </a:r>
-            <a:endParaRPr lang="en-US" sz="2400" dirty="0">
-              <a:latin typeface="Consolas" panose="020B0609020204030204" pitchFamily="49" charset="0"/>
-              <a:cs typeface="Consolas" panose="020B0609020204030204" pitchFamily="49" charset="0"/>
-            </a:endParaRPr>
-          </a:p>
-        </p:txBody>
-      </p:sp>
-      <p:sp>
-        <p:nvSpPr>
-          <p:cNvPr id="5" name="Rounded Rectangle 4"/>
-          <p:cNvSpPr/>
-          <p:nvPr/>
-        </p:nvSpPr>
-        <p:spPr>
-          <a:xfrm>
-            <a:off x="4208208" y="4596606"/>
-            <a:ext cx="7116096" cy="766916"/>
-          </a:xfrm>
-          <a:prstGeom prst="roundRect">
-            <a:avLst/>
-          </a:prstGeom>
-        </p:spPr>
-        <p:style>
-          <a:lnRef idx="1">
-            <a:schemeClr val="accent3"/>
-          </a:lnRef>
-          <a:fillRef idx="2">
-            <a:schemeClr val="accent3"/>
-          </a:fillRef>
-          <a:effectRef idx="1">
-            <a:schemeClr val="accent3"/>
-          </a:effectRef>
-          <a:fontRef idx="minor">
-            <a:schemeClr val="dk1"/>
-          </a:fontRef>
-        </p:style>
-        <p:txBody>
-          <a:bodyPr rtlCol="0" anchor="ctr"/>
-          <a:lstStyle/>
-          <a:p>
-            <a:pPr algn="ctr"/>
-            <a:r>
-              <a:rPr lang="en-US" sz="2400" dirty="0" smtClean="0">
-                <a:latin typeface="Consolas" panose="020B0609020204030204" pitchFamily="49" charset="0"/>
-                <a:cs typeface="Consolas" panose="020B0609020204030204" pitchFamily="49" charset="0"/>
-              </a:rPr>
-              <a:t>name = </a:t>
-            </a:r>
-            <a:r>
-              <a:rPr lang="en-US" sz="2400" dirty="0" err="1" smtClean="0">
-                <a:latin typeface="Consolas" panose="020B0609020204030204" pitchFamily="49" charset="0"/>
-                <a:cs typeface="Consolas" panose="020B0609020204030204" pitchFamily="49" charset="0"/>
-              </a:rPr>
-              <a:t>request.form</a:t>
-            </a:r>
-            <a:r>
-              <a:rPr lang="en-US" sz="2400" dirty="0" smtClean="0">
-                <a:latin typeface="Consolas" panose="020B0609020204030204" pitchFamily="49" charset="0"/>
-                <a:cs typeface="Consolas" panose="020B0609020204030204" pitchFamily="49" charset="0"/>
-              </a:rPr>
-              <a:t>['answer']</a:t>
-            </a:r>
-            <a:endParaRPr lang="en-US" sz="2400" dirty="0">
-              <a:latin typeface="Consolas" panose="020B0609020204030204" pitchFamily="49" charset="0"/>
-              <a:cs typeface="Consolas" panose="020B0609020204030204" pitchFamily="49" charset="0"/>
-            </a:endParaRPr>
-          </a:p>
-        </p:txBody>
-      </p:sp>
-      <p:cxnSp>
-        <p:nvCxnSpPr>
-          <p:cNvPr id="7" name="Elbow Connector 6"/>
-          <p:cNvCxnSpPr>
-            <a:stCxn id="4" idx="2"/>
-            <a:endCxn id="5" idx="0"/>
-          </p:cNvCxnSpPr>
-          <p:nvPr/>
-        </p:nvCxnSpPr>
-        <p:spPr>
-          <a:xfrm rot="16200000" flipH="1">
-            <a:off x="5259017" y="2089366"/>
-            <a:ext cx="1315091" cy="3699387"/>
-          </a:xfrm>
-          <a:prstGeom prst="bentConnector3">
-            <a:avLst/>
-          </a:prstGeom>
-          <a:ln>
-            <a:tailEnd type="triangle"/>
-          </a:ln>
-        </p:spPr>
-        <p:style>
-          <a:lnRef idx="3">
-            <a:schemeClr val="accent4"/>
-          </a:lnRef>
-          <a:fillRef idx="0">
-            <a:schemeClr val="accent4"/>
-          </a:fillRef>
-          <a:effectRef idx="2">
-            <a:schemeClr val="accent4"/>
-          </a:effectRef>
-          <a:fontRef idx="minor">
-            <a:schemeClr val="tx1"/>
-          </a:fontRef>
-        </p:style>
-      </p:cxnSp>
-    </p:spTree>
-    <p:extLst>
-      <p:ext uri="{BB962C8B-B14F-4D97-AF65-F5344CB8AC3E}">
-        <p14:creationId xmlns:p14="http://schemas.microsoft.com/office/powerpoint/2010/main" val="3805086769"/>
-      </p:ext>
-    </p:extLst>
-  </p:cSld>
-  <p:clrMapOvr>
-    <a:masterClrMapping/>
-  </p:clrMapOvr>
-  <p:timing>
-    <p:tnLst>
-      <p:par>
-        <p:cTn id="1" dur="indefinite" restart="never" nodeType="tmRoot">
-          <p:childTnLst>
-            <p:seq concurrent="1" nextAc="seek">
-              <p:cTn id="2" dur="indefinite" nodeType="mainSeq">
-                <p:childTnLst>
-                  <p:par>
-                    <p:cTn id="3" fill="hold">
-                      <p:stCondLst>
-                        <p:cond delay="indefinite"/>
-                      </p:stCondLst>
-                      <p:childTnLst>
-                        <p:par>
-                          <p:cTn id="4" fill="hold">
-                            <p:stCondLst>
-                              <p:cond delay="0"/>
-                            </p:stCondLst>
-                            <p:childTnLst>
-                              <p:par>
-                                <p:cTn id="5" presetID="10" presetClass="entr" presetSubtype="0" fill="hold" grpId="0" nodeType="clickEffect">
-                                  <p:stCondLst>
-                                    <p:cond delay="0"/>
-                                  </p:stCondLst>
-                                  <p:childTnLst>
-                                    <p:set>
-                                      <p:cBhvr>
-                                        <p:cTn id="6" dur="1" fill="hold">
-                                          <p:stCondLst>
-                                            <p:cond delay="0"/>
-                                          </p:stCondLst>
-                                        </p:cTn>
-                                        <p:tgtEl>
-                                          <p:spTgt spid="4"/>
-                                        </p:tgtEl>
-                                        <p:attrNameLst>
-                                          <p:attrName>style.visibility</p:attrName>
-                                        </p:attrNameLst>
-                                      </p:cBhvr>
-                                      <p:to>
-                                        <p:strVal val="visible"/>
-                                      </p:to>
-                                    </p:set>
-                                    <p:animEffect transition="in" filter="fade">
-                                      <p:cBhvr>
-                                        <p:cTn id="7" dur="500"/>
-                                        <p:tgtEl>
-                                          <p:spTgt spid="4"/>
-                                        </p:tgtEl>
-                                      </p:cBhvr>
-                                    </p:animEffect>
-                                  </p:childTnLst>
-                                </p:cTn>
-                              </p:par>
-                            </p:childTnLst>
-                          </p:cTn>
-                        </p:par>
-                      </p:childTnLst>
-                    </p:cTn>
-                  </p:par>
-                  <p:par>
-                    <p:cTn id="8" fill="hold">
-                      <p:stCondLst>
-                        <p:cond delay="indefinite"/>
-                      </p:stCondLst>
-                      <p:childTnLst>
-                        <p:par>
-                          <p:cTn id="9" fill="hold">
-                            <p:stCondLst>
-                              <p:cond delay="0"/>
-                            </p:stCondLst>
-                            <p:childTnLst>
-                              <p:par>
-                                <p:cTn id="10" presetID="10" presetClass="entr" presetSubtype="0" fill="hold" nodeType="clickEffect">
-                                  <p:stCondLst>
-                                    <p:cond delay="0"/>
-                                  </p:stCondLst>
-                                  <p:childTnLst>
-                                    <p:set>
-                                      <p:cBhvr>
-                                        <p:cTn id="11" dur="1" fill="hold">
-                                          <p:stCondLst>
-                                            <p:cond delay="0"/>
-                                          </p:stCondLst>
-                                        </p:cTn>
-                                        <p:tgtEl>
-                                          <p:spTgt spid="7"/>
-                                        </p:tgtEl>
-                                        <p:attrNameLst>
-                                          <p:attrName>style.visibility</p:attrName>
-                                        </p:attrNameLst>
-                                      </p:cBhvr>
-                                      <p:to>
-                                        <p:strVal val="visible"/>
-                                      </p:to>
-                                    </p:set>
-                                    <p:animEffect transition="in" filter="fade">
-                                      <p:cBhvr>
-                                        <p:cTn id="12" dur="500"/>
-                                        <p:tgtEl>
-                                          <p:spTgt spid="7"/>
-                                        </p:tgtEl>
-                                      </p:cBhvr>
-                                    </p:animEffect>
-                                  </p:childTnLst>
-                                </p:cTn>
-                              </p:par>
-                              <p:par>
-                                <p:cTn id="13" presetID="10" presetClass="entr" presetSubtype="0" fill="hold" grpId="0" nodeType="withEffect">
-                                  <p:stCondLst>
-                                    <p:cond delay="0"/>
-                                  </p:stCondLst>
-                                  <p:childTnLst>
-                                    <p:set>
-                                      <p:cBhvr>
-                                        <p:cTn id="14" dur="1" fill="hold">
-                                          <p:stCondLst>
-                                            <p:cond delay="0"/>
-                                          </p:stCondLst>
-                                        </p:cTn>
-                                        <p:tgtEl>
-                                          <p:spTgt spid="5"/>
-                                        </p:tgtEl>
-                                        <p:attrNameLst>
-                                          <p:attrName>style.visibility</p:attrName>
-                                        </p:attrNameLst>
-                                      </p:cBhvr>
-                                      <p:to>
-                                        <p:strVal val="visible"/>
-                                      </p:to>
-                                    </p:set>
-                                    <p:animEffect transition="in" filter="fade">
-                                      <p:cBhvr>
-                                        <p:cTn id="15" dur="500"/>
-                                        <p:tgtEl>
-                                          <p:spTgt spid="5"/>
-                                        </p:tgtEl>
-                                      </p:cBhvr>
-                                    </p:animEffect>
-                                  </p:childTnLst>
-                                </p:cTn>
-                              </p:par>
-                            </p:childTnLst>
-                          </p:cTn>
-                        </p:par>
-                      </p:childTnLst>
-                    </p:cTn>
-                  </p:par>
-                </p:childTnLst>
-              </p:cTn>
-              <p:prevCondLst>
-                <p:cond evt="onPrev" delay="0">
-                  <p:tgtEl>
-                    <p:sldTgt/>
-                  </p:tgtEl>
-                </p:cond>
-              </p:prevCondLst>
-              <p:nextCondLst>
-                <p:cond evt="onNext" delay="0">
-                  <p:tgtEl>
-                    <p:sldTgt/>
-                  </p:tgtEl>
-                </p:cond>
-              </p:nextCondLst>
-            </p:seq>
-          </p:childTnLst>
-        </p:cTn>
-      </p:par>
-    </p:tnLst>
-    <p:bldLst>
-      <p:bldP spid="4" grpId="0" animBg="1"/>
-      <p:bldP spid="5" grpId="0" animBg="1"/>
-    </p:bldLst>
-  </p:timing>
-</p:sld>
-</file>
-
-<file path=ppt/slides/slide19.xml><?xml version="1.0" encoding="utf-8"?>
-<p:sld xmlns:a="http://schemas.openxmlformats.org/drawingml/2006/main" xmlns:r="http://schemas.openxmlformats.org/officeDocument/2006/relationships" xmlns:p="http://schemas.openxmlformats.org/presentationml/2006/main">
-  <p:cSld>
-    <p:spTree>
-      <p:nvGrpSpPr>
-        <p:cNvPr id="1" name=""/>
-        <p:cNvGrpSpPr/>
-        <p:nvPr/>
-      </p:nvGrpSpPr>
-      <p:grpSpPr>
-        <a:xfrm>
-          <a:off x="0" y="0"/>
-          <a:ext cx="0" cy="0"/>
-          <a:chOff x="0" y="0"/>
-          <a:chExt cx="0" cy="0"/>
-        </a:xfrm>
-      </p:grpSpPr>
-      <p:sp>
-        <p:nvSpPr>
-          <p:cNvPr id="4" name="Title 3"/>
-          <p:cNvSpPr>
-            <a:spLocks noGrp="1"/>
-          </p:cNvSpPr>
-          <p:nvPr>
-            <p:ph type="title"/>
-          </p:nvPr>
-        </p:nvSpPr>
-        <p:spPr/>
-        <p:txBody>
-          <a:bodyPr/>
-          <a:lstStyle/>
-          <a:p>
-            <a:r>
-              <a:rPr lang="en-US" dirty="0" smtClean="0"/>
-              <a:t>Creating the form</a:t>
-            </a:r>
-            <a:endParaRPr lang="en-US" dirty="0"/>
-          </a:p>
-        </p:txBody>
-      </p:sp>
-    </p:spTree>
-    <p:extLst>
-      <p:ext uri="{BB962C8B-B14F-4D97-AF65-F5344CB8AC3E}">
-        <p14:creationId xmlns:p14="http://schemas.microsoft.com/office/powerpoint/2010/main" val="2983173338"/>
-      </p:ext>
-    </p:extLst>
-  </p:cSld>
-  <p:clrMapOvr>
-    <a:masterClrMapping/>
-  </p:clrMapOvr>
-  <p:timing>
-    <p:tnLst>
-      <p:par>
-        <p:cTn id="1" dur="indefinite" restart="never" nodeType="tmRoot"/>
-      </p:par>
-    </p:tnLst>
-  </p:timing>
-</p:sld>
-</file>
-
-<file path=ppt/slides/slide2.xml><?xml version="1.0" encoding="utf-8"?>
-<p:sld xmlns:a="http://schemas.openxmlformats.org/drawingml/2006/main" xmlns:r="http://schemas.openxmlformats.org/officeDocument/2006/relationships" xmlns:p="http://schemas.openxmlformats.org/presentationml/2006/main">
-  <p:cSld>
-    <p:bg>
-      <p:bgPr>
-        <a:solidFill>
-          <a:schemeClr val="accent4">
-            <a:lumMod val="75000"/>
-          </a:schemeClr>
-        </a:solidFill>
-        <a:effectLst/>
-      </p:bgPr>
-    </p:bg>
-    <p:spTree>
-      <p:nvGrpSpPr>
-        <p:cNvPr id="1" name=""/>
-        <p:cNvGrpSpPr/>
-        <p:nvPr/>
-      </p:nvGrpSpPr>
-      <p:grpSpPr>
-        <a:xfrm>
-          <a:off x="0" y="0"/>
-          <a:ext cx="0" cy="0"/>
-          <a:chOff x="0" y="0"/>
-          <a:chExt cx="0" cy="0"/>
-        </a:xfrm>
-      </p:grpSpPr>
-      <p:sp>
-        <p:nvSpPr>
-          <p:cNvPr id="4" name="Title 3"/>
-          <p:cNvSpPr>
-            <a:spLocks noGrp="1"/>
-          </p:cNvSpPr>
-          <p:nvPr>
-            <p:ph type="title"/>
-          </p:nvPr>
-        </p:nvSpPr>
-        <p:spPr>
-          <a:xfrm>
-            <a:off x="431132" y="1679176"/>
-            <a:ext cx="8388404" cy="1063487"/>
-          </a:xfrm>
-        </p:spPr>
-        <p:txBody>
-          <a:bodyPr>
-            <a:noAutofit/>
-          </a:bodyPr>
-          <a:lstStyle/>
-          <a:p>
-            <a:r>
-              <a:rPr lang="en-US" dirty="0" smtClean="0">
-                <a:solidFill>
-                  <a:schemeClr val="bg1"/>
-                </a:solidFill>
-              </a:rPr>
-              <a:t>We could build keep just sending text down to our users...</a:t>
-            </a:r>
-            <a:endParaRPr lang="en-US" dirty="0">
-              <a:solidFill>
-                <a:schemeClr val="bg1"/>
-              </a:solidFill>
-            </a:endParaRPr>
-          </a:p>
-        </p:txBody>
-      </p:sp>
-      <p:sp>
-        <p:nvSpPr>
-          <p:cNvPr id="5" name="Content Placeholder 4"/>
-          <p:cNvSpPr>
-            <a:spLocks noGrp="1"/>
-          </p:cNvSpPr>
-          <p:nvPr>
-            <p:ph sz="quarter" idx="10"/>
-          </p:nvPr>
-        </p:nvSpPr>
-        <p:spPr>
-          <a:xfrm>
-            <a:off x="4383344" y="4124051"/>
-            <a:ext cx="7680837" cy="1775303"/>
-          </a:xfrm>
-        </p:spPr>
-        <p:txBody>
-          <a:bodyPr/>
-          <a:lstStyle/>
-          <a:p>
-            <a:pPr marL="0" indent="0">
-              <a:buNone/>
-            </a:pPr>
-            <a:r>
-              <a:rPr lang="en-US" sz="4000" dirty="0" smtClean="0">
-                <a:solidFill>
-                  <a:schemeClr val="bg1"/>
-                </a:solidFill>
-              </a:rPr>
-              <a:t>…but that isn't going to make it very easy to create a rich UI.</a:t>
-            </a:r>
-            <a:endParaRPr lang="en-US" sz="4000" dirty="0">
-              <a:solidFill>
-                <a:schemeClr val="bg1"/>
-              </a:solidFill>
-            </a:endParaRPr>
-          </a:p>
-        </p:txBody>
-      </p:sp>
-    </p:spTree>
-    <p:extLst>
-      <p:ext uri="{BB962C8B-B14F-4D97-AF65-F5344CB8AC3E}">
-        <p14:creationId xmlns:p14="http://schemas.microsoft.com/office/powerpoint/2010/main" val="922589021"/>
-      </p:ext>
-    </p:extLst>
-  </p:cSld>
-  <p:clrMapOvr>
-    <a:masterClrMapping/>
-  </p:clrMapOvr>
-  <p:timing>
-    <p:tnLst>
-      <p:par>
-        <p:cTn id="1" dur="indefinite" restart="never" nodeType="tmRoot">
-          <p:childTnLst>
-            <p:seq concurrent="1" nextAc="seek">
-              <p:cTn id="2" dur="indefinite" nodeType="mainSeq">
-                <p:childTnLst>
-                  <p:par>
-                    <p:cTn id="3" fill="hold">
-                      <p:stCondLst>
-                        <p:cond delay="indefinite"/>
-                      </p:stCondLst>
-                      <p:childTnLst>
-                        <p:par>
-                          <p:cTn id="4" fill="hold">
-                            <p:stCondLst>
-                              <p:cond delay="0"/>
-                            </p:stCondLst>
-                            <p:childTnLst>
-                              <p:par>
-                                <p:cTn id="5" presetID="10" presetClass="entr" presetSubtype="0" fill="hold" grpId="0" nodeType="clickEffect">
-                                  <p:stCondLst>
-                                    <p:cond delay="0"/>
-                                  </p:stCondLst>
-                                  <p:childTnLst>
-                                    <p:set>
-                                      <p:cBhvr>
-                                        <p:cTn id="6" dur="1" fill="hold">
-                                          <p:stCondLst>
-                                            <p:cond delay="0"/>
-                                          </p:stCondLst>
-                                        </p:cTn>
-                                        <p:tgtEl>
-                                          <p:spTgt spid="4"/>
-                                        </p:tgtEl>
-                                        <p:attrNameLst>
-                                          <p:attrName>style.visibility</p:attrName>
-                                        </p:attrNameLst>
-                                      </p:cBhvr>
-                                      <p:to>
-                                        <p:strVal val="visible"/>
-                                      </p:to>
-                                    </p:set>
-                                    <p:animEffect transition="in" filter="fade">
-                                      <p:cBhvr>
-                                        <p:cTn id="7" dur="500"/>
-                                        <p:tgtEl>
-                                          <p:spTgt spid="4"/>
-                                        </p:tgtEl>
-                                      </p:cBhvr>
-                                    </p:animEffect>
-                                  </p:childTnLst>
-                                </p:cTn>
-                              </p:par>
-                            </p:childTnLst>
-                          </p:cTn>
-                        </p:par>
-                      </p:childTnLst>
-                    </p:cTn>
-                  </p:par>
-                  <p:par>
-                    <p:cTn id="8" fill="hold">
-                      <p:stCondLst>
-                        <p:cond delay="indefinite"/>
-                      </p:stCondLst>
-                      <p:childTnLst>
-                        <p:par>
-                          <p:cTn id="9" fill="hold">
-                            <p:stCondLst>
-                              <p:cond delay="0"/>
-                            </p:stCondLst>
-                            <p:childTnLst>
-                              <p:par>
-                                <p:cTn id="10" presetID="10" presetClass="entr" presetSubtype="0" fill="hold" grpId="0" nodeType="clickEffect">
-                                  <p:stCondLst>
-                                    <p:cond delay="0"/>
-                                  </p:stCondLst>
-                                  <p:childTnLst>
-                                    <p:set>
-                                      <p:cBhvr>
-                                        <p:cTn id="11" dur="1" fill="hold">
-                                          <p:stCondLst>
-                                            <p:cond delay="0"/>
-                                          </p:stCondLst>
-                                        </p:cTn>
-                                        <p:tgtEl>
-                                          <p:spTgt spid="5">
-                                            <p:txEl>
-                                              <p:pRg st="0" end="0"/>
-                                            </p:txEl>
-                                          </p:spTgt>
-                                        </p:tgtEl>
-                                        <p:attrNameLst>
-                                          <p:attrName>style.visibility</p:attrName>
-                                        </p:attrNameLst>
-                                      </p:cBhvr>
-                                      <p:to>
-                                        <p:strVal val="visible"/>
-                                      </p:to>
-                                    </p:set>
-                                    <p:animEffect transition="in" filter="fade">
-                                      <p:cBhvr>
-                                        <p:cTn id="12" dur="500"/>
-                                        <p:tgtEl>
-                                          <p:spTgt spid="5">
-                                            <p:txEl>
-                                              <p:pRg st="0" end="0"/>
-                                            </p:txEl>
-                                          </p:spTgt>
-                                        </p:tgtEl>
-                                      </p:cBhvr>
-                                    </p:animEffect>
-                                  </p:childTnLst>
-                                </p:cTn>
-                              </p:par>
-                            </p:childTnLst>
-                          </p:cTn>
-                        </p:par>
-                      </p:childTnLst>
-                    </p:cTn>
-                  </p:par>
-                </p:childTnLst>
-              </p:cTn>
-              <p:prevCondLst>
-                <p:cond evt="onPrev" delay="0">
-                  <p:tgtEl>
-                    <p:sldTgt/>
-                  </p:tgtEl>
-                </p:cond>
-              </p:prevCondLst>
-              <p:nextCondLst>
-                <p:cond evt="onNext" delay="0">
-                  <p:tgtEl>
-                    <p:sldTgt/>
-                  </p:tgtEl>
-                </p:cond>
-              </p:nextCondLst>
-            </p:seq>
-          </p:childTnLst>
-        </p:cTn>
-      </p:par>
-    </p:tnLst>
-    <p:bldLst>
-      <p:bldP spid="4" grpId="0"/>
-      <p:bldP spid="5" grpId="0" build="p"/>
-    </p:bldLst>
-  </p:timing>
-</p:sld>
-</file>
-
-<file path=ppt/slides/slide20.xml><?xml version="1.0" encoding="utf-8"?>
-<p:sld xmlns:a="http://schemas.openxmlformats.org/drawingml/2006/main" xmlns:r="http://schemas.openxmlformats.org/officeDocument/2006/relationships" xmlns:p="http://schemas.openxmlformats.org/presentationml/2006/main">
-  <p:cSld>
-    <p:spTree>
-      <p:nvGrpSpPr>
-        <p:cNvPr id="1" name=""/>
-        <p:cNvGrpSpPr/>
-        <p:nvPr/>
-      </p:nvGrpSpPr>
-      <p:grpSpPr>
-        <a:xfrm>
-          <a:off x="0" y="0"/>
-          <a:ext cx="0" cy="0"/>
-          <a:chOff x="0" y="0"/>
-          <a:chExt cx="0" cy="0"/>
-        </a:xfrm>
-      </p:grpSpPr>
-      <p:sp>
-        <p:nvSpPr>
-          <p:cNvPr id="4" name="Text Placeholder 3"/>
-          <p:cNvSpPr>
-            <a:spLocks noGrp="1"/>
-          </p:cNvSpPr>
-          <p:nvPr>
-            <p:ph type="body" sz="quarter" idx="10"/>
-          </p:nvPr>
-        </p:nvSpPr>
-        <p:spPr/>
-        <p:txBody>
-          <a:bodyPr/>
-          <a:lstStyle/>
-          <a:p>
-            <a:r>
-              <a:rPr lang="en-US" dirty="0" smtClean="0"/>
-              <a:t>Jinja</a:t>
-            </a:r>
-            <a:endParaRPr lang="en-US" dirty="0"/>
-          </a:p>
-        </p:txBody>
-      </p:sp>
-      <p:sp>
-        <p:nvSpPr>
-          <p:cNvPr id="3" name="Subtitle 2"/>
-          <p:cNvSpPr>
-            <a:spLocks noGrp="1"/>
-          </p:cNvSpPr>
-          <p:nvPr>
-            <p:ph type="subTitle" idx="1"/>
-          </p:nvPr>
-        </p:nvSpPr>
-        <p:spPr/>
-        <p:txBody>
-          <a:bodyPr/>
-          <a:lstStyle/>
-          <a:p>
-            <a:endParaRPr lang="en-US" dirty="0"/>
-          </a:p>
-        </p:txBody>
-      </p:sp>
-    </p:spTree>
-    <p:extLst>
-      <p:ext uri="{BB962C8B-B14F-4D97-AF65-F5344CB8AC3E}">
-        <p14:creationId xmlns:p14="http://schemas.microsoft.com/office/powerpoint/2010/main" val="1255666231"/>
-      </p:ext>
-    </p:extLst>
-  </p:cSld>
-  <p:clrMapOvr>
-    <a:masterClrMapping/>
-  </p:clrMapOvr>
-  <p:timing>
-    <p:tnLst>
-      <p:par>
-        <p:cTn id="1" dur="indefinite" restart="never" nodeType="tmRoot"/>
-      </p:par>
-    </p:tnLst>
-  </p:timing>
-</p:sld>
-</file>
-
-<file path=ppt/slides/slide21.xml><?xml version="1.0" encoding="utf-8"?>
-<p:sld xmlns:a="http://schemas.openxmlformats.org/drawingml/2006/main" xmlns:r="http://schemas.openxmlformats.org/officeDocument/2006/relationships" xmlns:p="http://schemas.openxmlformats.org/presentationml/2006/main">
-  <p:cSld>
-    <p:spTree>
-      <p:nvGrpSpPr>
-        <p:cNvPr id="1" name=""/>
-        <p:cNvGrpSpPr/>
-        <p:nvPr/>
-      </p:nvGrpSpPr>
-      <p:grpSpPr>
-        <a:xfrm>
-          <a:off x="0" y="0"/>
-          <a:ext cx="0" cy="0"/>
-          <a:chOff x="0" y="0"/>
-          <a:chExt cx="0" cy="0"/>
-        </a:xfrm>
-      </p:grpSpPr>
-      <p:sp>
-        <p:nvSpPr>
           <p:cNvPr id="4" name="Title 3"/>
           <p:cNvSpPr>
             <a:spLocks noGrp="1"/>
@@ -5908,7 +3762,7 @@
 </p:sld>
 </file>
 
-<file path=ppt/slides/slide22.xml><?xml version="1.0" encoding="utf-8"?>
+<file path=ppt/slides/slide12.xml><?xml version="1.0" encoding="utf-8"?>
 <p:sld xmlns:a="http://schemas.openxmlformats.org/drawingml/2006/main" xmlns:r="http://schemas.openxmlformats.org/officeDocument/2006/relationships" xmlns:p="http://schemas.openxmlformats.org/presentationml/2006/main">
   <p:cSld>
     <p:spTree>
@@ -6477,7 +4331,7 @@
 </p:sld>
 </file>
 
-<file path=ppt/slides/slide23.xml><?xml version="1.0" encoding="utf-8"?>
+<file path=ppt/slides/slide13.xml><?xml version="1.0" encoding="utf-8"?>
 <p:sld xmlns:a="http://schemas.openxmlformats.org/drawingml/2006/main" xmlns:r="http://schemas.openxmlformats.org/officeDocument/2006/relationships" xmlns:p="http://schemas.openxmlformats.org/presentationml/2006/main">
   <p:cSld>
     <p:spTree>
@@ -6579,7 +4433,7 @@
 </p:sld>
 </file>
 
-<file path=ppt/slides/slide24.xml><?xml version="1.0" encoding="utf-8"?>
+<file path=ppt/slides/slide14.xml><?xml version="1.0" encoding="utf-8"?>
 <p:sld xmlns:a="http://schemas.openxmlformats.org/drawingml/2006/main" xmlns:r="http://schemas.openxmlformats.org/officeDocument/2006/relationships" xmlns:p="http://schemas.openxmlformats.org/presentationml/2006/main">
   <p:cSld>
     <p:spTree>
@@ -6807,7 +4661,7 @@
 </p:sld>
 </file>
 
-<file path=ppt/slides/slide25.xml><?xml version="1.0" encoding="utf-8"?>
+<file path=ppt/slides/slide15.xml><?xml version="1.0" encoding="utf-8"?>
 <p:sld xmlns:a="http://schemas.openxmlformats.org/drawingml/2006/main" xmlns:r="http://schemas.openxmlformats.org/officeDocument/2006/relationships" xmlns:p="http://schemas.openxmlformats.org/presentationml/2006/main">
   <p:cSld>
     <p:spTree>
@@ -7118,81 +4972,28 @@
                             </p:stCondLst>
                             <p:childTnLst>
                               <p:par>
-                                <p:cTn id="5" presetID="10" presetClass="entr" presetSubtype="0" fill="hold" grpId="0" nodeType="clickEffect">
-                                  <p:stCondLst>
-                                    <p:cond delay="0"/>
-                                  </p:stCondLst>
-                                  <p:childTnLst>
-                                    <p:set>
-                                      <p:cBhvr>
-                                        <p:cTn id="6" dur="1" fill="hold">
-                                          <p:stCondLst>
-                                            <p:cond delay="0"/>
-                                          </p:stCondLst>
-                                        </p:cTn>
-                                        <p:tgtEl>
-                                          <p:spTgt spid="6"/>
-                                        </p:tgtEl>
-                                        <p:attrNameLst>
-                                          <p:attrName>style.visibility</p:attrName>
-                                        </p:attrNameLst>
-                                      </p:cBhvr>
-                                      <p:to>
-                                        <p:strVal val="visible"/>
-                                      </p:to>
-                                    </p:set>
-                                    <p:animEffect transition="in" filter="fade">
-                                      <p:cBhvr>
-                                        <p:cTn id="7" dur="500"/>
-                                        <p:tgtEl>
-                                          <p:spTgt spid="6"/>
-                                        </p:tgtEl>
-                                      </p:cBhvr>
-                                    </p:animEffect>
-                                  </p:childTnLst>
-                                </p:cTn>
-                              </p:par>
-                            </p:childTnLst>
-                          </p:cTn>
-                        </p:par>
-                      </p:childTnLst>
-                    </p:cTn>
-                  </p:par>
-                  <p:par>
-                    <p:cTn id="8" fill="hold">
-                      <p:stCondLst>
-                        <p:cond delay="indefinite"/>
-                      </p:stCondLst>
-                      <p:childTnLst>
-                        <p:par>
-                          <p:cTn id="9" fill="hold">
-                            <p:stCondLst>
-                              <p:cond delay="0"/>
-                            </p:stCondLst>
-                            <p:childTnLst>
-                              <p:par>
-                                <p:cTn id="10" presetID="10" presetClass="exit" presetSubtype="0" fill="hold" grpId="1" nodeType="clickEffect">
+                                <p:cTn id="5" presetID="10" presetClass="exit" presetSubtype="0" fill="hold" grpId="0" nodeType="clickEffect">
                                   <p:stCondLst>
                                     <p:cond delay="0"/>
                                   </p:stCondLst>
                                   <p:childTnLst>
                                     <p:animEffect transition="out" filter="fade">
                                       <p:cBhvr>
-                                        <p:cTn id="11" dur="500"/>
+                                        <p:cTn id="6" dur="500"/>
                                         <p:tgtEl>
-                                          <p:spTgt spid="6"/>
+                                          <p:spTgt spid="7"/>
                                         </p:tgtEl>
                                       </p:cBhvr>
                                     </p:animEffect>
                                     <p:set>
                                       <p:cBhvr>
-                                        <p:cTn id="12" dur="1" fill="hold">
+                                        <p:cTn id="7" dur="1" fill="hold">
                                           <p:stCondLst>
                                             <p:cond delay="499"/>
                                           </p:stCondLst>
                                         </p:cTn>
                                         <p:tgtEl>
-                                          <p:spTgt spid="6"/>
+                                          <p:spTgt spid="7"/>
                                         </p:tgtEl>
                                         <p:attrNameLst>
                                           <p:attrName>style.visibility</p:attrName>
@@ -7202,1704 +5003,6 @@
                                         <p:strVal val="hidden"/>
                                       </p:to>
                                     </p:set>
-                                  </p:childTnLst>
-                                </p:cTn>
-                              </p:par>
-                            </p:childTnLst>
-                          </p:cTn>
-                        </p:par>
-                      </p:childTnLst>
-                    </p:cTn>
-                  </p:par>
-                </p:childTnLst>
-              </p:cTn>
-              <p:prevCondLst>
-                <p:cond evt="onPrev" delay="0">
-                  <p:tgtEl>
-                    <p:sldTgt/>
-                  </p:tgtEl>
-                </p:cond>
-              </p:prevCondLst>
-              <p:nextCondLst>
-                <p:cond evt="onNext" delay="0">
-                  <p:tgtEl>
-                    <p:sldTgt/>
-                  </p:tgtEl>
-                </p:cond>
-              </p:nextCondLst>
-            </p:seq>
-          </p:childTnLst>
-        </p:cTn>
-      </p:par>
-    </p:tnLst>
-    <p:bldLst>
-      <p:bldP spid="6" grpId="0" animBg="1"/>
-      <p:bldP spid="6" grpId="1" animBg="1"/>
-    </p:bldLst>
-  </p:timing>
-</p:sld>
-</file>
-
-<file path=ppt/slides/slide26.xml><?xml version="1.0" encoding="utf-8"?>
-<p:sld xmlns:a="http://schemas.openxmlformats.org/drawingml/2006/main" xmlns:r="http://schemas.openxmlformats.org/officeDocument/2006/relationships" xmlns:p="http://schemas.openxmlformats.org/presentationml/2006/main">
-  <p:cSld>
-    <p:spTree>
-      <p:nvGrpSpPr>
-        <p:cNvPr id="1" name=""/>
-        <p:cNvGrpSpPr/>
-        <p:nvPr/>
-      </p:nvGrpSpPr>
-      <p:grpSpPr>
-        <a:xfrm>
-          <a:off x="0" y="0"/>
-          <a:ext cx="0" cy="0"/>
-          <a:chOff x="0" y="0"/>
-          <a:chExt cx="0" cy="0"/>
-        </a:xfrm>
-      </p:grpSpPr>
-      <p:sp>
-        <p:nvSpPr>
-          <p:cNvPr id="2" name="Title 1"/>
-          <p:cNvSpPr>
-            <a:spLocks noGrp="1"/>
-          </p:cNvSpPr>
-          <p:nvPr>
-            <p:ph type="title"/>
-          </p:nvPr>
-        </p:nvSpPr>
-        <p:spPr/>
-        <p:txBody>
-          <a:bodyPr/>
-          <a:lstStyle/>
-          <a:p>
-            <a:r>
-              <a:rPr lang="en-US" dirty="0" smtClean="0"/>
-              <a:t>Design best practices</a:t>
-            </a:r>
-            <a:endParaRPr lang="en-US" dirty="0"/>
-          </a:p>
-        </p:txBody>
-      </p:sp>
-      <p:sp>
-        <p:nvSpPr>
-          <p:cNvPr id="3" name="Content Placeholder 2"/>
-          <p:cNvSpPr>
-            <a:spLocks noGrp="1"/>
-          </p:cNvSpPr>
-          <p:nvPr>
-            <p:ph sz="quarter" idx="10"/>
-          </p:nvPr>
-        </p:nvSpPr>
-        <p:spPr/>
-        <p:txBody>
-          <a:bodyPr/>
-          <a:lstStyle/>
-          <a:p>
-            <a:r>
-              <a:rPr lang="en-US" dirty="0" smtClean="0"/>
-              <a:t>Templates are your "views"</a:t>
-            </a:r>
-          </a:p>
-          <a:p>
-            <a:pPr lvl="1"/>
-            <a:r>
-              <a:rPr lang="en-US" dirty="0" smtClean="0"/>
-              <a:t>Display data</a:t>
-            </a:r>
-          </a:p>
-          <a:p>
-            <a:r>
-              <a:rPr lang="en-US" dirty="0" smtClean="0"/>
-              <a:t>Views shouldn't contain much logic</a:t>
-            </a:r>
-          </a:p>
-          <a:p>
-            <a:pPr lvl="1"/>
-            <a:r>
-              <a:rPr lang="en-US" dirty="0" smtClean="0"/>
-              <a:t>Let the route method determine which view to load</a:t>
-            </a:r>
-          </a:p>
-          <a:p>
-            <a:pPr lvl="1"/>
-            <a:r>
-              <a:rPr lang="en-US" dirty="0" smtClean="0"/>
-              <a:t>Create views for the different outputs</a:t>
-            </a:r>
-          </a:p>
-          <a:p>
-            <a:r>
-              <a:rPr lang="en-US" dirty="0" smtClean="0"/>
-              <a:t>Consider putting complex logic in a separate Python file</a:t>
-            </a:r>
-          </a:p>
-          <a:p>
-            <a:pPr lvl="1"/>
-            <a:r>
-              <a:rPr lang="en-US" dirty="0" smtClean="0"/>
-              <a:t>(or class)</a:t>
-            </a:r>
-            <a:endParaRPr lang="en-US" dirty="0"/>
-          </a:p>
-        </p:txBody>
-      </p:sp>
-    </p:spTree>
-    <p:extLst>
-      <p:ext uri="{BB962C8B-B14F-4D97-AF65-F5344CB8AC3E}">
-        <p14:creationId xmlns:p14="http://schemas.microsoft.com/office/powerpoint/2010/main" val="801436887"/>
-      </p:ext>
-    </p:extLst>
-  </p:cSld>
-  <p:clrMapOvr>
-    <a:masterClrMapping/>
-  </p:clrMapOvr>
-  <p:timing>
-    <p:tnLst>
-      <p:par>
-        <p:cTn id="1" dur="indefinite" restart="never" nodeType="tmRoot"/>
-      </p:par>
-    </p:tnLst>
-  </p:timing>
-</p:sld>
-</file>
-
-<file path=ppt/slides/slide27.xml><?xml version="1.0" encoding="utf-8"?>
-<p:sld xmlns:a="http://schemas.openxmlformats.org/drawingml/2006/main" xmlns:r="http://schemas.openxmlformats.org/officeDocument/2006/relationships" xmlns:p="http://schemas.openxmlformats.org/presentationml/2006/main">
-  <p:cSld>
-    <p:spTree>
-      <p:nvGrpSpPr>
-        <p:cNvPr id="1" name=""/>
-        <p:cNvGrpSpPr/>
-        <p:nvPr/>
-      </p:nvGrpSpPr>
-      <p:grpSpPr>
-        <a:xfrm>
-          <a:off x="0" y="0"/>
-          <a:ext cx="0" cy="0"/>
-          <a:chOff x="0" y="0"/>
-          <a:chExt cx="0" cy="0"/>
-        </a:xfrm>
-      </p:grpSpPr>
-      <p:sp>
-        <p:nvSpPr>
-          <p:cNvPr id="4" name="Title 3"/>
-          <p:cNvSpPr>
-            <a:spLocks noGrp="1"/>
-          </p:cNvSpPr>
-          <p:nvPr>
-            <p:ph type="title"/>
-          </p:nvPr>
-        </p:nvSpPr>
-        <p:spPr/>
-        <p:txBody>
-          <a:bodyPr/>
-          <a:lstStyle/>
-          <a:p>
-            <a:r>
-              <a:rPr lang="en-US" dirty="0" smtClean="0"/>
-              <a:t>Bringing it all together</a:t>
-            </a:r>
-            <a:endParaRPr lang="en-US" dirty="0"/>
-          </a:p>
-        </p:txBody>
-      </p:sp>
-    </p:spTree>
-    <p:extLst>
-      <p:ext uri="{BB962C8B-B14F-4D97-AF65-F5344CB8AC3E}">
-        <p14:creationId xmlns:p14="http://schemas.microsoft.com/office/powerpoint/2010/main" val="1286818324"/>
-      </p:ext>
-    </p:extLst>
-  </p:cSld>
-  <p:clrMapOvr>
-    <a:masterClrMapping/>
-  </p:clrMapOvr>
-  <p:timing>
-    <p:tnLst>
-      <p:par>
-        <p:cTn id="1" dur="indefinite" restart="never" nodeType="tmRoot"/>
-      </p:par>
-    </p:tnLst>
-  </p:timing>
-</p:sld>
-</file>
-
-<file path=ppt/slides/slide28.xml><?xml version="1.0" encoding="utf-8"?>
-<p:sld xmlns:a="http://schemas.openxmlformats.org/drawingml/2006/main" xmlns:r="http://schemas.openxmlformats.org/officeDocument/2006/relationships" xmlns:p="http://schemas.openxmlformats.org/presentationml/2006/main">
-  <p:cSld>
-    <p:spTree>
-      <p:nvGrpSpPr>
-        <p:cNvPr id="1" name=""/>
-        <p:cNvGrpSpPr/>
-        <p:nvPr/>
-      </p:nvGrpSpPr>
-      <p:grpSpPr>
-        <a:xfrm>
-          <a:off x="0" y="0"/>
-          <a:ext cx="0" cy="0"/>
-          <a:chOff x="0" y="0"/>
-          <a:chExt cx="0" cy="0"/>
-        </a:xfrm>
-      </p:grpSpPr>
-      <p:sp>
-        <p:nvSpPr>
-          <p:cNvPr id="3" name="Title 2"/>
-          <p:cNvSpPr>
-            <a:spLocks noGrp="1"/>
-          </p:cNvSpPr>
-          <p:nvPr>
-            <p:ph type="title"/>
-          </p:nvPr>
-        </p:nvSpPr>
-        <p:spPr/>
-        <p:txBody>
-          <a:bodyPr/>
-          <a:lstStyle/>
-          <a:p>
-            <a:r>
-              <a:rPr lang="en-US" dirty="0" smtClean="0"/>
-              <a:t>What did we learn?</a:t>
-            </a:r>
-            <a:endParaRPr lang="en-US" dirty="0"/>
-          </a:p>
-        </p:txBody>
-      </p:sp>
-      <p:sp>
-        <p:nvSpPr>
-          <p:cNvPr id="4" name="Content Placeholder 3"/>
-          <p:cNvSpPr>
-            <a:spLocks noGrp="1"/>
-          </p:cNvSpPr>
-          <p:nvPr>
-            <p:ph sz="quarter" idx="10"/>
-          </p:nvPr>
-        </p:nvSpPr>
-        <p:spPr/>
-        <p:txBody>
-          <a:bodyPr/>
-          <a:lstStyle/>
-          <a:p>
-            <a:r>
-              <a:rPr lang="en-US" dirty="0" smtClean="0"/>
-              <a:t>How to create and use Jinja templates</a:t>
-            </a:r>
-          </a:p>
-          <a:p>
-            <a:r>
-              <a:rPr lang="en-US" dirty="0" smtClean="0"/>
-              <a:t>How to build forms</a:t>
-            </a:r>
-            <a:endParaRPr lang="en-US" dirty="0"/>
-          </a:p>
-        </p:txBody>
-      </p:sp>
-    </p:spTree>
-    <p:extLst>
-      <p:ext uri="{BB962C8B-B14F-4D97-AF65-F5344CB8AC3E}">
-        <p14:creationId xmlns:p14="http://schemas.microsoft.com/office/powerpoint/2010/main" val="3874927293"/>
-      </p:ext>
-    </p:extLst>
-  </p:cSld>
-  <p:clrMapOvr>
-    <a:masterClrMapping/>
-  </p:clrMapOvr>
-  <p:timing>
-    <p:tnLst>
-      <p:par>
-        <p:cTn id="1" dur="indefinite" restart="never" nodeType="tmRoot"/>
-      </p:par>
-    </p:tnLst>
-  </p:timing>
-</p:sld>
-</file>
-
-<file path=ppt/slides/slide29.xml><?xml version="1.0" encoding="utf-8"?>
-<p:sld xmlns:a="http://schemas.openxmlformats.org/drawingml/2006/main" xmlns:r="http://schemas.openxmlformats.org/officeDocument/2006/relationships" xmlns:p="http://schemas.openxmlformats.org/presentationml/2006/main">
-  <p:cSld>
-    <p:spTree>
-      <p:nvGrpSpPr>
-        <p:cNvPr id="1" name=""/>
-        <p:cNvGrpSpPr/>
-        <p:nvPr/>
-      </p:nvGrpSpPr>
-      <p:grpSpPr>
-        <a:xfrm>
-          <a:off x="0" y="0"/>
-          <a:ext cx="0" cy="0"/>
-          <a:chOff x="0" y="0"/>
-          <a:chExt cx="0" cy="0"/>
-        </a:xfrm>
-      </p:grpSpPr>
-      <p:sp>
-        <p:nvSpPr>
-          <p:cNvPr id="2" name="Title 1"/>
-          <p:cNvSpPr>
-            <a:spLocks noGrp="1"/>
-          </p:cNvSpPr>
-          <p:nvPr>
-            <p:ph type="title"/>
-          </p:nvPr>
-        </p:nvSpPr>
-        <p:spPr/>
-        <p:txBody>
-          <a:bodyPr/>
-          <a:lstStyle/>
-          <a:p>
-            <a:r>
-              <a:rPr lang="en-US" dirty="0" smtClean="0"/>
-              <a:t>What can we do with this?</a:t>
-            </a:r>
-            <a:endParaRPr lang="en-US" dirty="0"/>
-          </a:p>
-        </p:txBody>
-      </p:sp>
-      <p:sp>
-        <p:nvSpPr>
-          <p:cNvPr id="3" name="Content Placeholder 2"/>
-          <p:cNvSpPr>
-            <a:spLocks noGrp="1"/>
-          </p:cNvSpPr>
-          <p:nvPr>
-            <p:ph sz="quarter" idx="10"/>
-          </p:nvPr>
-        </p:nvSpPr>
-        <p:spPr/>
-        <p:txBody>
-          <a:bodyPr/>
-          <a:lstStyle/>
-          <a:p>
-            <a:r>
-              <a:rPr lang="en-US" dirty="0" smtClean="0"/>
-              <a:t>Create real world web applications!</a:t>
-            </a:r>
-          </a:p>
-          <a:p>
-            <a:r>
-              <a:rPr lang="en-US" dirty="0" smtClean="0"/>
-              <a:t>Display dynamic information on a </a:t>
-            </a:r>
-            <a:r>
-              <a:rPr lang="en-US" smtClean="0"/>
-              <a:t>custom page</a:t>
-            </a:r>
-            <a:endParaRPr lang="en-US" dirty="0"/>
-          </a:p>
-        </p:txBody>
-      </p:sp>
-    </p:spTree>
-    <p:extLst>
-      <p:ext uri="{BB962C8B-B14F-4D97-AF65-F5344CB8AC3E}">
-        <p14:creationId xmlns:p14="http://schemas.microsoft.com/office/powerpoint/2010/main" val="1422403504"/>
-      </p:ext>
-    </p:extLst>
-  </p:cSld>
-  <p:clrMapOvr>
-    <a:masterClrMapping/>
-  </p:clrMapOvr>
-  <p:timing>
-    <p:tnLst>
-      <p:par>
-        <p:cTn id="1" dur="indefinite" restart="never" nodeType="tmRoot"/>
-      </p:par>
-    </p:tnLst>
-  </p:timing>
-</p:sld>
-</file>
-
-<file path=ppt/slides/slide3.xml><?xml version="1.0" encoding="utf-8"?>
-<p:sld xmlns:a="http://schemas.openxmlformats.org/drawingml/2006/main" xmlns:r="http://schemas.openxmlformats.org/officeDocument/2006/relationships" xmlns:p="http://schemas.openxmlformats.org/presentationml/2006/main">
-  <p:cSld>
-    <p:spTree>
-      <p:nvGrpSpPr>
-        <p:cNvPr id="1" name=""/>
-        <p:cNvGrpSpPr/>
-        <p:nvPr/>
-      </p:nvGrpSpPr>
-      <p:grpSpPr>
-        <a:xfrm>
-          <a:off x="0" y="0"/>
-          <a:ext cx="0" cy="0"/>
-          <a:chOff x="0" y="0"/>
-          <a:chExt cx="0" cy="0"/>
-        </a:xfrm>
-      </p:grpSpPr>
-      <p:sp>
-        <p:nvSpPr>
-          <p:cNvPr id="4" name="Title 3"/>
-          <p:cNvSpPr>
-            <a:spLocks noGrp="1"/>
-          </p:cNvSpPr>
-          <p:nvPr>
-            <p:ph type="title"/>
-          </p:nvPr>
-        </p:nvSpPr>
-        <p:spPr/>
-        <p:txBody>
-          <a:bodyPr/>
-          <a:lstStyle/>
-          <a:p>
-            <a:r>
-              <a:rPr lang="en-US" dirty="0" smtClean="0"/>
-              <a:t>Creating a web interface</a:t>
-            </a:r>
-            <a:endParaRPr lang="en-US" dirty="0"/>
-          </a:p>
-        </p:txBody>
-      </p:sp>
-      <p:sp>
-        <p:nvSpPr>
-          <p:cNvPr id="5" name="Content Placeholder 4"/>
-          <p:cNvSpPr>
-            <a:spLocks noGrp="1"/>
-          </p:cNvSpPr>
-          <p:nvPr>
-            <p:ph sz="quarter" idx="10"/>
-          </p:nvPr>
-        </p:nvSpPr>
-        <p:spPr/>
-        <p:txBody>
-          <a:bodyPr/>
-          <a:lstStyle/>
-          <a:p>
-            <a:r>
-              <a:rPr lang="en-US" dirty="0" smtClean="0"/>
-              <a:t>HTML primer</a:t>
-            </a:r>
-          </a:p>
-          <a:p>
-            <a:r>
-              <a:rPr lang="en-US" dirty="0" smtClean="0"/>
-              <a:t>Forms</a:t>
-            </a:r>
-          </a:p>
-          <a:p>
-            <a:r>
-              <a:rPr lang="en-US" dirty="0" err="1" smtClean="0"/>
-              <a:t>Jinja</a:t>
-            </a:r>
-            <a:r>
-              <a:rPr lang="en-US" dirty="0" smtClean="0"/>
-              <a:t> templates</a:t>
-            </a:r>
-            <a:endParaRPr lang="en-US" dirty="0"/>
-          </a:p>
-        </p:txBody>
-      </p:sp>
-    </p:spTree>
-    <p:extLst>
-      <p:ext uri="{BB962C8B-B14F-4D97-AF65-F5344CB8AC3E}">
-        <p14:creationId xmlns:p14="http://schemas.microsoft.com/office/powerpoint/2010/main" val="2894034365"/>
-      </p:ext>
-    </p:extLst>
-  </p:cSld>
-  <p:clrMapOvr>
-    <a:masterClrMapping/>
-  </p:clrMapOvr>
-  <p:timing>
-    <p:tnLst>
-      <p:par>
-        <p:cTn id="1" dur="indefinite" restart="never" nodeType="tmRoot"/>
-      </p:par>
-    </p:tnLst>
-  </p:timing>
-</p:sld>
-</file>
-
-<file path=ppt/slides/slide30.xml><?xml version="1.0" encoding="utf-8"?>
-<p:sld xmlns:a="http://schemas.openxmlformats.org/drawingml/2006/main" xmlns:r="http://schemas.openxmlformats.org/officeDocument/2006/relationships" xmlns:p="http://schemas.openxmlformats.org/presentationml/2006/main">
-  <p:cSld>
-    <p:spTree>
-      <p:nvGrpSpPr>
-        <p:cNvPr id="1" name=""/>
-        <p:cNvGrpSpPr/>
-        <p:nvPr/>
-      </p:nvGrpSpPr>
-      <p:grpSpPr>
-        <a:xfrm>
-          <a:off x="0" y="0"/>
-          <a:ext cx="0" cy="0"/>
-          <a:chOff x="0" y="0"/>
-          <a:chExt cx="0" cy="0"/>
-        </a:xfrm>
-      </p:grpSpPr>
-    </p:spTree>
-    <p:extLst>
-      <p:ext uri="{BB962C8B-B14F-4D97-AF65-F5344CB8AC3E}">
-        <p14:creationId xmlns:p14="http://schemas.microsoft.com/office/powerpoint/2010/main" val="898363405"/>
-      </p:ext>
-    </p:extLst>
-  </p:cSld>
-  <p:clrMapOvr>
-    <a:masterClrMapping/>
-  </p:clrMapOvr>
-  <p:timing>
-    <p:tnLst>
-      <p:par>
-        <p:cTn id="1" dur="indefinite" restart="never" nodeType="tmRoot"/>
-      </p:par>
-    </p:tnLst>
-  </p:timing>
-</p:sld>
-</file>
-
-<file path=ppt/slides/slide4.xml><?xml version="1.0" encoding="utf-8"?>
-<p:sld xmlns:a="http://schemas.openxmlformats.org/drawingml/2006/main" xmlns:r="http://schemas.openxmlformats.org/officeDocument/2006/relationships" xmlns:p="http://schemas.openxmlformats.org/presentationml/2006/main">
-  <p:cSld>
-    <p:spTree>
-      <p:nvGrpSpPr>
-        <p:cNvPr id="1" name=""/>
-        <p:cNvGrpSpPr/>
-        <p:nvPr/>
-      </p:nvGrpSpPr>
-      <p:grpSpPr>
-        <a:xfrm>
-          <a:off x="0" y="0"/>
-          <a:ext cx="0" cy="0"/>
-          <a:chOff x="0" y="0"/>
-          <a:chExt cx="0" cy="0"/>
-        </a:xfrm>
-      </p:grpSpPr>
-      <p:sp>
-        <p:nvSpPr>
-          <p:cNvPr id="5" name="Text Placeholder 4"/>
-          <p:cNvSpPr>
-            <a:spLocks noGrp="1"/>
-          </p:cNvSpPr>
-          <p:nvPr>
-            <p:ph type="body" sz="quarter" idx="10"/>
-          </p:nvPr>
-        </p:nvSpPr>
-        <p:spPr/>
-        <p:txBody>
-          <a:bodyPr/>
-          <a:lstStyle/>
-          <a:p>
-            <a:r>
-              <a:rPr lang="en-US" dirty="0" smtClean="0"/>
-              <a:t>HTML primer</a:t>
-            </a:r>
-            <a:endParaRPr lang="en-US" dirty="0"/>
-          </a:p>
-        </p:txBody>
-      </p:sp>
-      <p:sp>
-        <p:nvSpPr>
-          <p:cNvPr id="4" name="Subtitle 3"/>
-          <p:cNvSpPr>
-            <a:spLocks noGrp="1"/>
-          </p:cNvSpPr>
-          <p:nvPr>
-            <p:ph type="subTitle" idx="1"/>
-          </p:nvPr>
-        </p:nvSpPr>
-        <p:spPr/>
-        <p:txBody>
-          <a:bodyPr/>
-          <a:lstStyle/>
-          <a:p>
-            <a:endParaRPr lang="en-US"/>
-          </a:p>
-        </p:txBody>
-      </p:sp>
-    </p:spTree>
-    <p:extLst>
-      <p:ext uri="{BB962C8B-B14F-4D97-AF65-F5344CB8AC3E}">
-        <p14:creationId xmlns:p14="http://schemas.microsoft.com/office/powerpoint/2010/main" val="1463761674"/>
-      </p:ext>
-    </p:extLst>
-  </p:cSld>
-  <p:clrMapOvr>
-    <a:masterClrMapping/>
-  </p:clrMapOvr>
-  <p:timing>
-    <p:tnLst>
-      <p:par>
-        <p:cTn id="1" dur="indefinite" restart="never" nodeType="tmRoot"/>
-      </p:par>
-    </p:tnLst>
-  </p:timing>
-</p:sld>
-</file>
-
-<file path=ppt/slides/slide5.xml><?xml version="1.0" encoding="utf-8"?>
-<p:sld xmlns:a="http://schemas.openxmlformats.org/drawingml/2006/main" xmlns:r="http://schemas.openxmlformats.org/officeDocument/2006/relationships" xmlns:p="http://schemas.openxmlformats.org/presentationml/2006/main">
-  <p:cSld>
-    <p:spTree>
-      <p:nvGrpSpPr>
-        <p:cNvPr id="1" name=""/>
-        <p:cNvGrpSpPr/>
-        <p:nvPr/>
-      </p:nvGrpSpPr>
-      <p:grpSpPr>
-        <a:xfrm>
-          <a:off x="0" y="0"/>
-          <a:ext cx="0" cy="0"/>
-          <a:chOff x="0" y="0"/>
-          <a:chExt cx="0" cy="0"/>
-        </a:xfrm>
-      </p:grpSpPr>
-      <p:sp>
-        <p:nvSpPr>
-          <p:cNvPr id="2" name="Title 1"/>
-          <p:cNvSpPr>
-            <a:spLocks noGrp="1"/>
-          </p:cNvSpPr>
-          <p:nvPr>
-            <p:ph type="title"/>
-          </p:nvPr>
-        </p:nvSpPr>
-        <p:spPr/>
-        <p:txBody>
-          <a:bodyPr/>
-          <a:lstStyle/>
-          <a:p>
-            <a:r>
-              <a:rPr lang="en-US" dirty="0" smtClean="0"/>
-              <a:t>HTML primer</a:t>
-            </a:r>
-            <a:endParaRPr lang="en-US" dirty="0"/>
-          </a:p>
-        </p:txBody>
-      </p:sp>
-      <p:sp>
-        <p:nvSpPr>
-          <p:cNvPr id="3" name="Content Placeholder 2"/>
-          <p:cNvSpPr>
-            <a:spLocks noGrp="1"/>
-          </p:cNvSpPr>
-          <p:nvPr>
-            <p:ph sz="quarter" idx="10"/>
-          </p:nvPr>
-        </p:nvSpPr>
-        <p:spPr/>
-        <p:txBody>
-          <a:bodyPr/>
-          <a:lstStyle/>
-          <a:p>
-            <a:r>
-              <a:rPr lang="en-US" dirty="0" smtClean="0"/>
-              <a:t>HTML concepts</a:t>
-            </a:r>
-          </a:p>
-          <a:p>
-            <a:r>
-              <a:rPr lang="en-US" dirty="0" smtClean="0"/>
-              <a:t>Elements</a:t>
-            </a:r>
-          </a:p>
-          <a:p>
-            <a:r>
-              <a:rPr lang="en-US" dirty="0" smtClean="0"/>
-              <a:t>Attributes</a:t>
-            </a:r>
-          </a:p>
-          <a:p>
-            <a:r>
-              <a:rPr lang="en-US" dirty="0" smtClean="0"/>
-              <a:t>Additional resources</a:t>
-            </a:r>
-            <a:endParaRPr lang="en-US" dirty="0"/>
-          </a:p>
-        </p:txBody>
-      </p:sp>
-    </p:spTree>
-    <p:extLst>
-      <p:ext uri="{BB962C8B-B14F-4D97-AF65-F5344CB8AC3E}">
-        <p14:creationId xmlns:p14="http://schemas.microsoft.com/office/powerpoint/2010/main" val="4265963659"/>
-      </p:ext>
-    </p:extLst>
-  </p:cSld>
-  <p:clrMapOvr>
-    <a:masterClrMapping/>
-  </p:clrMapOvr>
-  <p:timing>
-    <p:tnLst>
-      <p:par>
-        <p:cTn id="1" dur="indefinite" restart="never" nodeType="tmRoot"/>
-      </p:par>
-    </p:tnLst>
-  </p:timing>
-</p:sld>
-</file>
-
-<file path=ppt/slides/slide6.xml><?xml version="1.0" encoding="utf-8"?>
-<p:sld xmlns:a="http://schemas.openxmlformats.org/drawingml/2006/main" xmlns:r="http://schemas.openxmlformats.org/officeDocument/2006/relationships" xmlns:p="http://schemas.openxmlformats.org/presentationml/2006/main">
-  <p:cSld>
-    <p:spTree>
-      <p:nvGrpSpPr>
-        <p:cNvPr id="1" name=""/>
-        <p:cNvGrpSpPr/>
-        <p:nvPr/>
-      </p:nvGrpSpPr>
-      <p:grpSpPr>
-        <a:xfrm>
-          <a:off x="0" y="0"/>
-          <a:ext cx="0" cy="0"/>
-          <a:chOff x="0" y="0"/>
-          <a:chExt cx="0" cy="0"/>
-        </a:xfrm>
-      </p:grpSpPr>
-      <p:sp>
-        <p:nvSpPr>
-          <p:cNvPr id="2" name="Title 1"/>
-          <p:cNvSpPr>
-            <a:spLocks noGrp="1"/>
-          </p:cNvSpPr>
-          <p:nvPr>
-            <p:ph type="title"/>
-          </p:nvPr>
-        </p:nvSpPr>
-        <p:spPr/>
-        <p:txBody>
-          <a:bodyPr/>
-          <a:lstStyle/>
-          <a:p>
-            <a:r>
-              <a:rPr lang="en-US" dirty="0" smtClean="0"/>
-              <a:t>HTML concepts</a:t>
-            </a:r>
-            <a:endParaRPr lang="en-US" dirty="0"/>
-          </a:p>
-        </p:txBody>
-      </p:sp>
-      <p:sp>
-        <p:nvSpPr>
-          <p:cNvPr id="3" name="Content Placeholder 2"/>
-          <p:cNvSpPr>
-            <a:spLocks noGrp="1"/>
-          </p:cNvSpPr>
-          <p:nvPr>
-            <p:ph sz="quarter" idx="10"/>
-          </p:nvPr>
-        </p:nvSpPr>
-        <p:spPr/>
-        <p:txBody>
-          <a:bodyPr/>
-          <a:lstStyle/>
-          <a:p>
-            <a:r>
-              <a:rPr lang="en-US" dirty="0" smtClean="0"/>
-              <a:t>Hypertext markup language</a:t>
-            </a:r>
-          </a:p>
-          <a:p>
-            <a:r>
-              <a:rPr lang="en-US" dirty="0" smtClean="0"/>
-              <a:t>Standard markup for creating web pages</a:t>
-            </a:r>
-          </a:p>
-          <a:p>
-            <a:r>
-              <a:rPr lang="en-US" dirty="0" smtClean="0"/>
-              <a:t>Components</a:t>
-            </a:r>
-          </a:p>
-          <a:p>
-            <a:pPr lvl="1"/>
-            <a:r>
-              <a:rPr lang="en-US" dirty="0" smtClean="0"/>
-              <a:t>Elements</a:t>
-            </a:r>
-          </a:p>
-          <a:p>
-            <a:pPr lvl="1"/>
-            <a:r>
-              <a:rPr lang="en-US" dirty="0" smtClean="0"/>
-              <a:t>Attributes</a:t>
-            </a:r>
-          </a:p>
-        </p:txBody>
-      </p:sp>
-    </p:spTree>
-    <p:extLst>
-      <p:ext uri="{BB962C8B-B14F-4D97-AF65-F5344CB8AC3E}">
-        <p14:creationId xmlns:p14="http://schemas.microsoft.com/office/powerpoint/2010/main" val="2739922909"/>
-      </p:ext>
-    </p:extLst>
-  </p:cSld>
-  <p:clrMapOvr>
-    <a:masterClrMapping/>
-  </p:clrMapOvr>
-  <p:timing>
-    <p:tnLst>
-      <p:par>
-        <p:cTn id="1" dur="indefinite" restart="never" nodeType="tmRoot"/>
-      </p:par>
-    </p:tnLst>
-  </p:timing>
-</p:sld>
-</file>
-
-<file path=ppt/slides/slide7.xml><?xml version="1.0" encoding="utf-8"?>
-<p:sld xmlns:a="http://schemas.openxmlformats.org/drawingml/2006/main" xmlns:r="http://schemas.openxmlformats.org/officeDocument/2006/relationships" xmlns:p="http://schemas.openxmlformats.org/presentationml/2006/main">
-  <p:cSld>
-    <p:spTree>
-      <p:nvGrpSpPr>
-        <p:cNvPr id="1" name=""/>
-        <p:cNvGrpSpPr/>
-        <p:nvPr/>
-      </p:nvGrpSpPr>
-      <p:grpSpPr>
-        <a:xfrm>
-          <a:off x="0" y="0"/>
-          <a:ext cx="0" cy="0"/>
-          <a:chOff x="0" y="0"/>
-          <a:chExt cx="0" cy="0"/>
-        </a:xfrm>
-      </p:grpSpPr>
-      <p:sp>
-        <p:nvSpPr>
-          <p:cNvPr id="2" name="Title 1"/>
-          <p:cNvSpPr>
-            <a:spLocks noGrp="1"/>
-          </p:cNvSpPr>
-          <p:nvPr>
-            <p:ph type="title"/>
-          </p:nvPr>
-        </p:nvSpPr>
-        <p:spPr/>
-        <p:txBody>
-          <a:bodyPr/>
-          <a:lstStyle/>
-          <a:p>
-            <a:r>
-              <a:rPr lang="en-US" dirty="0" smtClean="0"/>
-              <a:t>Elements</a:t>
-            </a:r>
-            <a:endParaRPr lang="en-US" dirty="0"/>
-          </a:p>
-        </p:txBody>
-      </p:sp>
-      <p:sp>
-        <p:nvSpPr>
-          <p:cNvPr id="3" name="Content Placeholder 2"/>
-          <p:cNvSpPr>
-            <a:spLocks noGrp="1"/>
-          </p:cNvSpPr>
-          <p:nvPr>
-            <p:ph sz="quarter" idx="10"/>
-          </p:nvPr>
-        </p:nvSpPr>
-        <p:spPr/>
-        <p:txBody>
-          <a:bodyPr/>
-          <a:lstStyle/>
-          <a:p>
-            <a:r>
-              <a:rPr lang="en-US" dirty="0" smtClean="0"/>
-              <a:t>Consist of tags</a:t>
-            </a:r>
-          </a:p>
-          <a:p>
-            <a:r>
-              <a:rPr lang="en-US" dirty="0" smtClean="0"/>
-              <a:t>Tags are contained in "angle brackets"</a:t>
-            </a:r>
-          </a:p>
-          <a:p>
-            <a:pPr marL="457046" lvl="1" indent="0">
-              <a:buNone/>
-            </a:pPr>
-            <a:r>
-              <a:rPr lang="en-US" dirty="0" smtClean="0"/>
-              <a:t>	</a:t>
-            </a:r>
-            <a:r>
-              <a:rPr lang="en-US" dirty="0" smtClean="0">
-                <a:latin typeface="Consolas" panose="020B0609020204030204" pitchFamily="49" charset="0"/>
-                <a:cs typeface="Consolas" panose="020B0609020204030204" pitchFamily="49" charset="0"/>
-              </a:rPr>
-              <a:t>&lt;&gt;</a:t>
-            </a:r>
-            <a:endParaRPr lang="en-US" dirty="0">
-              <a:latin typeface="Consolas" panose="020B0609020204030204" pitchFamily="49" charset="0"/>
-              <a:cs typeface="Consolas" panose="020B0609020204030204" pitchFamily="49" charset="0"/>
-            </a:endParaRPr>
-          </a:p>
-          <a:p>
-            <a:r>
-              <a:rPr lang="en-US" dirty="0" smtClean="0"/>
-              <a:t>Typically in open/close pairs</a:t>
-            </a:r>
-          </a:p>
-          <a:p>
-            <a:pPr marL="457046" lvl="1" indent="0">
-              <a:buNone/>
-            </a:pPr>
-            <a:r>
-              <a:rPr lang="en-US" dirty="0">
-                <a:latin typeface="Consolas" panose="020B0609020204030204" pitchFamily="49" charset="0"/>
-                <a:cs typeface="Consolas" panose="020B0609020204030204" pitchFamily="49" charset="0"/>
-              </a:rPr>
-              <a:t>	&lt;body&gt;</a:t>
-            </a:r>
-          </a:p>
-          <a:p>
-            <a:pPr marL="457046" lvl="1" indent="0">
-              <a:buNone/>
-            </a:pPr>
-            <a:r>
-              <a:rPr lang="en-US" dirty="0">
-                <a:latin typeface="Consolas" panose="020B0609020204030204" pitchFamily="49" charset="0"/>
-                <a:cs typeface="Consolas" panose="020B0609020204030204" pitchFamily="49" charset="0"/>
-              </a:rPr>
-              <a:t>	&lt;/body</a:t>
-            </a:r>
-            <a:r>
-              <a:rPr lang="en-US" dirty="0" smtClean="0">
-                <a:latin typeface="Consolas" panose="020B0609020204030204" pitchFamily="49" charset="0"/>
-                <a:cs typeface="Consolas" panose="020B0609020204030204" pitchFamily="49" charset="0"/>
-              </a:rPr>
-              <a:t>&gt;</a:t>
-            </a:r>
-          </a:p>
-          <a:p>
-            <a:r>
-              <a:rPr lang="en-US" dirty="0" smtClean="0"/>
-              <a:t>Technically case insensitive</a:t>
-            </a:r>
-          </a:p>
-          <a:p>
-            <a:pPr lvl="1"/>
-            <a:r>
-              <a:rPr lang="en-US" dirty="0" smtClean="0"/>
-              <a:t>Convention is to use lower case letters</a:t>
-            </a:r>
-          </a:p>
-        </p:txBody>
-      </p:sp>
-    </p:spTree>
-    <p:extLst>
-      <p:ext uri="{BB962C8B-B14F-4D97-AF65-F5344CB8AC3E}">
-        <p14:creationId xmlns:p14="http://schemas.microsoft.com/office/powerpoint/2010/main" val="149477642"/>
-      </p:ext>
-    </p:extLst>
-  </p:cSld>
-  <p:clrMapOvr>
-    <a:masterClrMapping/>
-  </p:clrMapOvr>
-  <p:timing>
-    <p:tnLst>
-      <p:par>
-        <p:cTn id="1" dur="indefinite" restart="never" nodeType="tmRoot"/>
-      </p:par>
-    </p:tnLst>
-  </p:timing>
-</p:sld>
-</file>
-
-<file path=ppt/slides/slide8.xml><?xml version="1.0" encoding="utf-8"?>
-<p:sld xmlns:a="http://schemas.openxmlformats.org/drawingml/2006/main" xmlns:r="http://schemas.openxmlformats.org/officeDocument/2006/relationships" xmlns:p="http://schemas.openxmlformats.org/presentationml/2006/main">
-  <p:cSld>
-    <p:spTree>
-      <p:nvGrpSpPr>
-        <p:cNvPr id="1" name=""/>
-        <p:cNvGrpSpPr/>
-        <p:nvPr/>
-      </p:nvGrpSpPr>
-      <p:grpSpPr>
-        <a:xfrm>
-          <a:off x="0" y="0"/>
-          <a:ext cx="0" cy="0"/>
-          <a:chOff x="0" y="0"/>
-          <a:chExt cx="0" cy="0"/>
-        </a:xfrm>
-      </p:grpSpPr>
-      <p:sp>
-        <p:nvSpPr>
-          <p:cNvPr id="2" name="Title 1"/>
-          <p:cNvSpPr>
-            <a:spLocks noGrp="1"/>
-          </p:cNvSpPr>
-          <p:nvPr>
-            <p:ph type="title"/>
-          </p:nvPr>
-        </p:nvSpPr>
-        <p:spPr/>
-        <p:txBody>
-          <a:bodyPr/>
-          <a:lstStyle/>
-          <a:p>
-            <a:r>
-              <a:rPr lang="en-US" dirty="0" smtClean="0"/>
-              <a:t>Closing tags</a:t>
-            </a:r>
-            <a:endParaRPr lang="en-US" dirty="0"/>
-          </a:p>
-        </p:txBody>
-      </p:sp>
-      <p:sp>
-        <p:nvSpPr>
-          <p:cNvPr id="3" name="Content Placeholder 2"/>
-          <p:cNvSpPr>
-            <a:spLocks noGrp="1"/>
-          </p:cNvSpPr>
-          <p:nvPr>
-            <p:ph sz="quarter" idx="10"/>
-          </p:nvPr>
-        </p:nvSpPr>
-        <p:spPr/>
-        <p:txBody>
-          <a:bodyPr/>
-          <a:lstStyle/>
-          <a:p>
-            <a:r>
-              <a:rPr lang="en-US" dirty="0" smtClean="0"/>
-              <a:t>Browsers will always make a "best effort" at rendering pages</a:t>
-            </a:r>
-          </a:p>
-          <a:p>
-            <a:pPr lvl="1"/>
-            <a:r>
-              <a:rPr lang="en-US" dirty="0" smtClean="0"/>
-              <a:t>HTML doesn't need to be perfect</a:t>
-            </a:r>
-          </a:p>
-          <a:p>
-            <a:pPr lvl="1"/>
-            <a:r>
-              <a:rPr lang="en-US" dirty="0" smtClean="0"/>
-              <a:t>Try to make it as clean as possible</a:t>
-            </a:r>
-          </a:p>
-          <a:p>
-            <a:pPr lvl="2"/>
-            <a:r>
-              <a:rPr lang="en-US" dirty="0" smtClean="0"/>
-              <a:t>Aids the browser</a:t>
-            </a:r>
-          </a:p>
-          <a:p>
-            <a:pPr lvl="2"/>
-            <a:r>
-              <a:rPr lang="en-US" dirty="0" smtClean="0"/>
-              <a:t>Aids the developer</a:t>
-            </a:r>
-          </a:p>
-          <a:p>
-            <a:r>
-              <a:rPr lang="en-US" dirty="0" smtClean="0"/>
-              <a:t>Tags with nothing between the open and close can be left open</a:t>
-            </a:r>
-          </a:p>
-          <a:p>
-            <a:pPr lvl="1"/>
-            <a:r>
-              <a:rPr lang="en-US" dirty="0" smtClean="0"/>
-              <a:t>However, best practice is to close them</a:t>
-            </a:r>
-          </a:p>
-          <a:p>
-            <a:pPr lvl="1"/>
-            <a:r>
-              <a:rPr lang="en-US" dirty="0" smtClean="0"/>
-              <a:t>Shortcut</a:t>
-            </a:r>
-          </a:p>
-          <a:p>
-            <a:pPr marL="457046" lvl="1" indent="0">
-              <a:buNone/>
-            </a:pPr>
-            <a:r>
-              <a:rPr lang="en-US" dirty="0">
-                <a:latin typeface="Consolas" panose="020B0609020204030204" pitchFamily="49" charset="0"/>
-                <a:cs typeface="Consolas" panose="020B0609020204030204" pitchFamily="49" charset="0"/>
-              </a:rPr>
-              <a:t>	</a:t>
-            </a:r>
-            <a:r>
-              <a:rPr lang="en-US" dirty="0" smtClean="0">
-                <a:latin typeface="Consolas" panose="020B0609020204030204" pitchFamily="49" charset="0"/>
-                <a:cs typeface="Consolas" panose="020B0609020204030204" pitchFamily="49" charset="0"/>
-              </a:rPr>
-              <a:t>&lt;</a:t>
-            </a:r>
-            <a:r>
-              <a:rPr lang="en-US" dirty="0" err="1" smtClean="0">
-                <a:latin typeface="Consolas" panose="020B0609020204030204" pitchFamily="49" charset="0"/>
-                <a:cs typeface="Consolas" panose="020B0609020204030204" pitchFamily="49" charset="0"/>
-              </a:rPr>
-              <a:t>br</a:t>
-            </a:r>
-            <a:r>
-              <a:rPr lang="en-US" dirty="0" smtClean="0">
-                <a:latin typeface="Consolas" panose="020B0609020204030204" pitchFamily="49" charset="0"/>
-                <a:cs typeface="Consolas" panose="020B0609020204030204" pitchFamily="49" charset="0"/>
-              </a:rPr>
-              <a:t> /&gt;</a:t>
-            </a:r>
-            <a:endParaRPr lang="en-US" dirty="0">
-              <a:latin typeface="Consolas" panose="020B0609020204030204" pitchFamily="49" charset="0"/>
-              <a:cs typeface="Consolas" panose="020B0609020204030204" pitchFamily="49" charset="0"/>
-            </a:endParaRPr>
-          </a:p>
-        </p:txBody>
-      </p:sp>
-    </p:spTree>
-    <p:extLst>
-      <p:ext uri="{BB962C8B-B14F-4D97-AF65-F5344CB8AC3E}">
-        <p14:creationId xmlns:p14="http://schemas.microsoft.com/office/powerpoint/2010/main" val="1068941359"/>
-      </p:ext>
-    </p:extLst>
-  </p:cSld>
-  <p:clrMapOvr>
-    <a:masterClrMapping/>
-  </p:clrMapOvr>
-  <p:timing>
-    <p:tnLst>
-      <p:par>
-        <p:cTn id="1" dur="indefinite" restart="never" nodeType="tmRoot"/>
-      </p:par>
-    </p:tnLst>
-  </p:timing>
-</p:sld>
-</file>
-
-<file path=ppt/slides/slide9.xml><?xml version="1.0" encoding="utf-8"?>
-<p:sld xmlns:a="http://schemas.openxmlformats.org/drawingml/2006/main" xmlns:r="http://schemas.openxmlformats.org/officeDocument/2006/relationships" xmlns:p="http://schemas.openxmlformats.org/presentationml/2006/main">
-  <p:cSld>
-    <p:bg>
-      <p:bgPr>
-        <a:solidFill>
-          <a:schemeClr val="accent1">
-            <a:lumMod val="75000"/>
-          </a:schemeClr>
-        </a:solidFill>
-        <a:effectLst/>
-      </p:bgPr>
-    </p:bg>
-    <p:spTree>
-      <p:nvGrpSpPr>
-        <p:cNvPr id="1" name=""/>
-        <p:cNvGrpSpPr/>
-        <p:nvPr/>
-      </p:nvGrpSpPr>
-      <p:grpSpPr>
-        <a:xfrm>
-          <a:off x="0" y="0"/>
-          <a:ext cx="0" cy="0"/>
-          <a:chOff x="0" y="0"/>
-          <a:chExt cx="0" cy="0"/>
-        </a:xfrm>
-      </p:grpSpPr>
-      <p:sp>
-        <p:nvSpPr>
-          <p:cNvPr id="2" name="Title 1"/>
-          <p:cNvSpPr>
-            <a:spLocks noGrp="1"/>
-          </p:cNvSpPr>
-          <p:nvPr>
-            <p:ph type="title" idx="4294967295"/>
-          </p:nvPr>
-        </p:nvSpPr>
-        <p:spPr>
-          <a:xfrm>
-            <a:off x="4494416" y="716919"/>
-            <a:ext cx="3203168" cy="575318"/>
-          </a:xfrm>
-        </p:spPr>
-        <p:txBody>
-          <a:bodyPr>
-            <a:normAutofit fontScale="90000"/>
-          </a:bodyPr>
-          <a:lstStyle/>
-          <a:p>
-            <a:r>
-              <a:rPr lang="en-US" dirty="0" smtClean="0">
-                <a:solidFill>
-                  <a:schemeClr val="bg1"/>
-                </a:solidFill>
-              </a:rPr>
-              <a:t>Element types</a:t>
-            </a:r>
-            <a:endParaRPr lang="en-US" dirty="0">
-              <a:solidFill>
-                <a:schemeClr val="bg1"/>
-              </a:solidFill>
-            </a:endParaRPr>
-          </a:p>
-        </p:txBody>
-      </p:sp>
-      <p:sp>
-        <p:nvSpPr>
-          <p:cNvPr id="5" name="TextBox 4"/>
-          <p:cNvSpPr txBox="1"/>
-          <p:nvPr/>
-        </p:nvSpPr>
-        <p:spPr>
-          <a:xfrm>
-            <a:off x="1078814" y="2141456"/>
-            <a:ext cx="2898486" cy="3416320"/>
-          </a:xfrm>
-          <a:prstGeom prst="rect">
-            <a:avLst/>
-          </a:prstGeom>
-          <a:noFill/>
-        </p:spPr>
-        <p:txBody>
-          <a:bodyPr wrap="none" rtlCol="0">
-            <a:spAutoFit/>
-          </a:bodyPr>
-          <a:lstStyle/>
-          <a:p>
-            <a:r>
-              <a:rPr lang="en-US" sz="2400" dirty="0" smtClean="0">
-                <a:solidFill>
-                  <a:schemeClr val="bg1"/>
-                </a:solidFill>
-              </a:rPr>
-              <a:t>Semantic:</a:t>
-            </a:r>
-          </a:p>
-          <a:p>
-            <a:endParaRPr lang="en-US" sz="2400" dirty="0">
-              <a:solidFill>
-                <a:schemeClr val="bg1"/>
-              </a:solidFill>
-            </a:endParaRPr>
-          </a:p>
-          <a:p>
-            <a:r>
-              <a:rPr lang="en-US" sz="2400" dirty="0" smtClean="0">
-                <a:solidFill>
-                  <a:schemeClr val="bg1"/>
-                </a:solidFill>
-              </a:rPr>
-              <a:t>Used to describe data</a:t>
-            </a:r>
-          </a:p>
-          <a:p>
-            <a:r>
-              <a:rPr lang="en-US" sz="2400" dirty="0">
-                <a:solidFill>
-                  <a:schemeClr val="bg1"/>
-                </a:solidFill>
-              </a:rPr>
-              <a:t>New </a:t>
-            </a:r>
-            <a:r>
-              <a:rPr lang="en-US" sz="2400" dirty="0" smtClean="0">
-                <a:solidFill>
-                  <a:schemeClr val="bg1"/>
-                </a:solidFill>
-              </a:rPr>
-              <a:t>with </a:t>
-            </a:r>
-            <a:r>
-              <a:rPr lang="en-US" sz="2400" dirty="0">
-                <a:solidFill>
-                  <a:schemeClr val="bg1"/>
-                </a:solidFill>
-              </a:rPr>
-              <a:t>HTML5</a:t>
-            </a:r>
-          </a:p>
-          <a:p>
-            <a:endParaRPr lang="en-US" sz="2400" dirty="0">
-              <a:solidFill>
-                <a:schemeClr val="bg1"/>
-              </a:solidFill>
-            </a:endParaRPr>
-          </a:p>
-          <a:p>
-            <a:r>
-              <a:rPr lang="en-US" sz="2400" dirty="0" smtClean="0">
-                <a:solidFill>
-                  <a:schemeClr val="bg1"/>
-                </a:solidFill>
-              </a:rPr>
-              <a:t>Examples:</a:t>
-            </a:r>
-          </a:p>
-          <a:p>
-            <a:pPr marL="342900" indent="-342900">
-              <a:buFont typeface="Arial" panose="020B0604020202020204" pitchFamily="34" charset="0"/>
-              <a:buChar char="•"/>
-            </a:pPr>
-            <a:r>
-              <a:rPr lang="en-US" sz="2400" dirty="0" smtClean="0">
-                <a:solidFill>
-                  <a:schemeClr val="bg1"/>
-                </a:solidFill>
-                <a:latin typeface="Consolas" panose="020B0609020204030204" pitchFamily="49" charset="0"/>
-                <a:cs typeface="Consolas" panose="020B0609020204030204" pitchFamily="49" charset="0"/>
-              </a:rPr>
-              <a:t>header</a:t>
-            </a:r>
-          </a:p>
-          <a:p>
-            <a:pPr marL="342900" indent="-342900">
-              <a:buFont typeface="Arial" panose="020B0604020202020204" pitchFamily="34" charset="0"/>
-              <a:buChar char="•"/>
-            </a:pPr>
-            <a:r>
-              <a:rPr lang="en-US" sz="2400" dirty="0" smtClean="0">
-                <a:solidFill>
-                  <a:schemeClr val="bg1"/>
-                </a:solidFill>
-                <a:latin typeface="Consolas" panose="020B0609020204030204" pitchFamily="49" charset="0"/>
-                <a:cs typeface="Consolas" panose="020B0609020204030204" pitchFamily="49" charset="0"/>
-              </a:rPr>
-              <a:t>footer</a:t>
-            </a:r>
-          </a:p>
-          <a:p>
-            <a:pPr marL="342900" indent="-342900">
-              <a:buFont typeface="Arial" panose="020B0604020202020204" pitchFamily="34" charset="0"/>
-              <a:buChar char="•"/>
-            </a:pPr>
-            <a:r>
-              <a:rPr lang="en-US" sz="2400" dirty="0" err="1" smtClean="0">
-                <a:solidFill>
-                  <a:schemeClr val="bg1"/>
-                </a:solidFill>
-                <a:latin typeface="Consolas" panose="020B0609020204030204" pitchFamily="49" charset="0"/>
-                <a:cs typeface="Consolas" panose="020B0609020204030204" pitchFamily="49" charset="0"/>
-              </a:rPr>
-              <a:t>nav</a:t>
-            </a:r>
-            <a:endParaRPr lang="en-US" sz="2400" dirty="0">
-              <a:solidFill>
-                <a:schemeClr val="bg1"/>
-              </a:solidFill>
-              <a:latin typeface="Consolas" panose="020B0609020204030204" pitchFamily="49" charset="0"/>
-              <a:cs typeface="Consolas" panose="020B0609020204030204" pitchFamily="49" charset="0"/>
-            </a:endParaRPr>
-          </a:p>
-        </p:txBody>
-      </p:sp>
-      <p:sp>
-        <p:nvSpPr>
-          <p:cNvPr id="6" name="TextBox 5"/>
-          <p:cNvSpPr txBox="1"/>
-          <p:nvPr/>
-        </p:nvSpPr>
-        <p:spPr>
-          <a:xfrm>
-            <a:off x="4646757" y="2141456"/>
-            <a:ext cx="2665217" cy="3416320"/>
-          </a:xfrm>
-          <a:prstGeom prst="rect">
-            <a:avLst/>
-          </a:prstGeom>
-          <a:noFill/>
-        </p:spPr>
-        <p:txBody>
-          <a:bodyPr wrap="none" rtlCol="0">
-            <a:spAutoFit/>
-          </a:bodyPr>
-          <a:lstStyle/>
-          <a:p>
-            <a:r>
-              <a:rPr lang="en-US" sz="2400" dirty="0" smtClean="0">
-                <a:solidFill>
-                  <a:schemeClr val="bg1"/>
-                </a:solidFill>
-              </a:rPr>
-              <a:t>Controls:</a:t>
-            </a:r>
-          </a:p>
-          <a:p>
-            <a:endParaRPr lang="en-US" sz="2400" dirty="0">
-              <a:solidFill>
-                <a:schemeClr val="bg1"/>
-              </a:solidFill>
-            </a:endParaRPr>
-          </a:p>
-          <a:p>
-            <a:r>
-              <a:rPr lang="en-US" sz="2400" dirty="0" smtClean="0">
-                <a:solidFill>
-                  <a:schemeClr val="bg1"/>
-                </a:solidFill>
-              </a:rPr>
-              <a:t>Add items to a page</a:t>
-            </a:r>
-          </a:p>
-          <a:p>
-            <a:r>
-              <a:rPr lang="en-US" sz="2400" dirty="0" smtClean="0">
-                <a:solidFill>
-                  <a:schemeClr val="bg1"/>
-                </a:solidFill>
-              </a:rPr>
-              <a:t>Commonly forms</a:t>
-            </a:r>
-          </a:p>
-          <a:p>
-            <a:endParaRPr lang="en-US" sz="2400" dirty="0">
-              <a:solidFill>
-                <a:schemeClr val="bg1"/>
-              </a:solidFill>
-            </a:endParaRPr>
-          </a:p>
-          <a:p>
-            <a:r>
-              <a:rPr lang="en-US" sz="2400" dirty="0" smtClean="0">
-                <a:solidFill>
-                  <a:schemeClr val="bg1"/>
-                </a:solidFill>
-              </a:rPr>
-              <a:t>Examples:</a:t>
-            </a:r>
-          </a:p>
-          <a:p>
-            <a:pPr marL="342900" indent="-342900">
-              <a:buFont typeface="Arial" panose="020B0604020202020204" pitchFamily="34" charset="0"/>
-              <a:buChar char="•"/>
-            </a:pPr>
-            <a:r>
-              <a:rPr lang="en-US" sz="2400" dirty="0" smtClean="0">
-                <a:solidFill>
-                  <a:schemeClr val="bg1"/>
-                </a:solidFill>
-                <a:latin typeface="Consolas" panose="020B0609020204030204" pitchFamily="49" charset="0"/>
-                <a:cs typeface="Consolas" panose="020B0609020204030204" pitchFamily="49" charset="0"/>
-              </a:rPr>
-              <a:t>button</a:t>
-            </a:r>
-          </a:p>
-          <a:p>
-            <a:pPr marL="342900" indent="-342900">
-              <a:buFont typeface="Arial" panose="020B0604020202020204" pitchFamily="34" charset="0"/>
-              <a:buChar char="•"/>
-            </a:pPr>
-            <a:r>
-              <a:rPr lang="en-US" sz="2400" dirty="0" smtClean="0">
-                <a:solidFill>
-                  <a:schemeClr val="bg1"/>
-                </a:solidFill>
-                <a:latin typeface="Consolas" panose="020B0609020204030204" pitchFamily="49" charset="0"/>
-                <a:cs typeface="Consolas" panose="020B0609020204030204" pitchFamily="49" charset="0"/>
-              </a:rPr>
-              <a:t>a</a:t>
-            </a:r>
-          </a:p>
-          <a:p>
-            <a:pPr marL="342900" indent="-342900">
-              <a:buFont typeface="Arial" panose="020B0604020202020204" pitchFamily="34" charset="0"/>
-              <a:buChar char="•"/>
-            </a:pPr>
-            <a:r>
-              <a:rPr lang="en-US" sz="2400" dirty="0" smtClean="0">
-                <a:solidFill>
-                  <a:schemeClr val="bg1"/>
-                </a:solidFill>
-                <a:latin typeface="Consolas" panose="020B0609020204030204" pitchFamily="49" charset="0"/>
-                <a:cs typeface="Consolas" panose="020B0609020204030204" pitchFamily="49" charset="0"/>
-              </a:rPr>
-              <a:t>input</a:t>
-            </a:r>
-            <a:endParaRPr lang="en-US" sz="2400" dirty="0">
-              <a:solidFill>
-                <a:schemeClr val="bg1"/>
-              </a:solidFill>
-              <a:latin typeface="Consolas" panose="020B0609020204030204" pitchFamily="49" charset="0"/>
-              <a:cs typeface="Consolas" panose="020B0609020204030204" pitchFamily="49" charset="0"/>
-            </a:endParaRPr>
-          </a:p>
-        </p:txBody>
-      </p:sp>
-      <p:sp>
-        <p:nvSpPr>
-          <p:cNvPr id="7" name="TextBox 6"/>
-          <p:cNvSpPr txBox="1"/>
-          <p:nvPr/>
-        </p:nvSpPr>
-        <p:spPr>
-          <a:xfrm>
-            <a:off x="8214700" y="2141456"/>
-            <a:ext cx="3174331" cy="3416320"/>
-          </a:xfrm>
-          <a:prstGeom prst="rect">
-            <a:avLst/>
-          </a:prstGeom>
-          <a:noFill/>
-        </p:spPr>
-        <p:txBody>
-          <a:bodyPr wrap="none" rtlCol="0">
-            <a:spAutoFit/>
-          </a:bodyPr>
-          <a:lstStyle/>
-          <a:p>
-            <a:r>
-              <a:rPr lang="en-US" sz="2400" dirty="0" smtClean="0">
-                <a:solidFill>
-                  <a:schemeClr val="bg1"/>
-                </a:solidFill>
-              </a:rPr>
-              <a:t>Display:</a:t>
-            </a:r>
-          </a:p>
-          <a:p>
-            <a:endParaRPr lang="en-US" sz="2400" dirty="0">
-              <a:solidFill>
-                <a:schemeClr val="bg1"/>
-              </a:solidFill>
-            </a:endParaRPr>
-          </a:p>
-          <a:p>
-            <a:r>
-              <a:rPr lang="en-US" sz="2400" dirty="0" smtClean="0">
-                <a:solidFill>
-                  <a:schemeClr val="bg1"/>
-                </a:solidFill>
-              </a:rPr>
-              <a:t>Only determines format</a:t>
-            </a:r>
-          </a:p>
-          <a:p>
-            <a:r>
-              <a:rPr lang="en-US" sz="2400" dirty="0" smtClean="0">
-                <a:solidFill>
-                  <a:schemeClr val="bg1"/>
-                </a:solidFill>
-              </a:rPr>
-              <a:t>Generally avoid</a:t>
-            </a:r>
-          </a:p>
-          <a:p>
-            <a:endParaRPr lang="en-US" sz="2400" dirty="0">
-              <a:solidFill>
-                <a:schemeClr val="bg1"/>
-              </a:solidFill>
-            </a:endParaRPr>
-          </a:p>
-          <a:p>
-            <a:r>
-              <a:rPr lang="en-US" sz="2400" dirty="0" smtClean="0">
-                <a:solidFill>
-                  <a:schemeClr val="bg1"/>
-                </a:solidFill>
-              </a:rPr>
-              <a:t>Examples:</a:t>
-            </a:r>
-          </a:p>
-          <a:p>
-            <a:pPr marL="342900" indent="-342900">
-              <a:buFont typeface="Arial" panose="020B0604020202020204" pitchFamily="34" charset="0"/>
-              <a:buChar char="•"/>
-            </a:pPr>
-            <a:r>
-              <a:rPr lang="en-US" sz="2400" dirty="0" smtClean="0">
-                <a:solidFill>
-                  <a:schemeClr val="bg1"/>
-                </a:solidFill>
-                <a:latin typeface="Consolas" panose="020B0609020204030204" pitchFamily="49" charset="0"/>
-                <a:cs typeface="Consolas" panose="020B0609020204030204" pitchFamily="49" charset="0"/>
-              </a:rPr>
-              <a:t>b</a:t>
-            </a:r>
-          </a:p>
-          <a:p>
-            <a:pPr marL="342900" indent="-342900">
-              <a:buFont typeface="Arial" panose="020B0604020202020204" pitchFamily="34" charset="0"/>
-              <a:buChar char="•"/>
-            </a:pPr>
-            <a:r>
-              <a:rPr lang="en-US" sz="2400" dirty="0" err="1" smtClean="0">
-                <a:solidFill>
-                  <a:schemeClr val="bg1"/>
-                </a:solidFill>
-                <a:latin typeface="Consolas" panose="020B0609020204030204" pitchFamily="49" charset="0"/>
-                <a:cs typeface="Consolas" panose="020B0609020204030204" pitchFamily="49" charset="0"/>
-              </a:rPr>
-              <a:t>em</a:t>
-            </a:r>
-            <a:endParaRPr lang="en-US" sz="2400" dirty="0" smtClean="0">
-              <a:solidFill>
-                <a:schemeClr val="bg1"/>
-              </a:solidFill>
-              <a:latin typeface="Consolas" panose="020B0609020204030204" pitchFamily="49" charset="0"/>
-              <a:cs typeface="Consolas" panose="020B0609020204030204" pitchFamily="49" charset="0"/>
-            </a:endParaRPr>
-          </a:p>
-          <a:p>
-            <a:pPr marL="342900" indent="-342900">
-              <a:buFont typeface="Arial" panose="020B0604020202020204" pitchFamily="34" charset="0"/>
-              <a:buChar char="•"/>
-            </a:pPr>
-            <a:r>
-              <a:rPr lang="en-US" sz="2400" dirty="0" smtClean="0">
-                <a:solidFill>
-                  <a:schemeClr val="bg1"/>
-                </a:solidFill>
-                <a:latin typeface="Consolas" panose="020B0609020204030204" pitchFamily="49" charset="0"/>
-                <a:cs typeface="Consolas" panose="020B0609020204030204" pitchFamily="49" charset="0"/>
-              </a:rPr>
-              <a:t>strong</a:t>
-            </a:r>
-            <a:endParaRPr lang="en-US" sz="2400" dirty="0">
-              <a:solidFill>
-                <a:schemeClr val="bg1"/>
-              </a:solidFill>
-              <a:latin typeface="Consolas" panose="020B0609020204030204" pitchFamily="49" charset="0"/>
-              <a:cs typeface="Consolas" panose="020B0609020204030204" pitchFamily="49" charset="0"/>
-            </a:endParaRPr>
-          </a:p>
-        </p:txBody>
-      </p:sp>
-    </p:spTree>
-    <p:extLst>
-      <p:ext uri="{BB962C8B-B14F-4D97-AF65-F5344CB8AC3E}">
-        <p14:creationId xmlns:p14="http://schemas.microsoft.com/office/powerpoint/2010/main" val="975539624"/>
-      </p:ext>
-    </p:extLst>
-  </p:cSld>
-  <p:clrMapOvr>
-    <a:masterClrMapping/>
-  </p:clrMapOvr>
-  <p:timing>
-    <p:tnLst>
-      <p:par>
-        <p:cTn id="1" dur="indefinite" restart="never" nodeType="tmRoot">
-          <p:childTnLst>
-            <p:seq concurrent="1" nextAc="seek">
-              <p:cTn id="2" dur="indefinite" nodeType="mainSeq">
-                <p:childTnLst>
-                  <p:par>
-                    <p:cTn id="3" fill="hold">
-                      <p:stCondLst>
-                        <p:cond delay="indefinite"/>
-                      </p:stCondLst>
-                      <p:childTnLst>
-                        <p:par>
-                          <p:cTn id="4" fill="hold">
-                            <p:stCondLst>
-                              <p:cond delay="0"/>
-                            </p:stCondLst>
-                            <p:childTnLst>
-                              <p:par>
-                                <p:cTn id="5" presetID="10" presetClass="entr" presetSubtype="0" fill="hold" grpId="0" nodeType="clickEffect">
-                                  <p:stCondLst>
-                                    <p:cond delay="0"/>
-                                  </p:stCondLst>
-                                  <p:childTnLst>
-                                    <p:set>
-                                      <p:cBhvr>
-                                        <p:cTn id="6" dur="1" fill="hold">
-                                          <p:stCondLst>
-                                            <p:cond delay="0"/>
-                                          </p:stCondLst>
-                                        </p:cTn>
-                                        <p:tgtEl>
-                                          <p:spTgt spid="5"/>
-                                        </p:tgtEl>
-                                        <p:attrNameLst>
-                                          <p:attrName>style.visibility</p:attrName>
-                                        </p:attrNameLst>
-                                      </p:cBhvr>
-                                      <p:to>
-                                        <p:strVal val="visible"/>
-                                      </p:to>
-                                    </p:set>
-                                    <p:animEffect transition="in" filter="fade">
-                                      <p:cBhvr>
-                                        <p:cTn id="7" dur="500"/>
-                                        <p:tgtEl>
-                                          <p:spTgt spid="5"/>
-                                        </p:tgtEl>
-                                      </p:cBhvr>
-                                    </p:animEffect>
                                   </p:childTnLst>
                                 </p:cTn>
                               </p:par>
@@ -8962,33 +5065,623 @@
                       </p:childTnLst>
                     </p:cTn>
                   </p:par>
+                </p:childTnLst>
+              </p:cTn>
+              <p:prevCondLst>
+                <p:cond evt="onPrev" delay="0">
+                  <p:tgtEl>
+                    <p:sldTgt/>
+                  </p:tgtEl>
+                </p:cond>
+              </p:prevCondLst>
+              <p:nextCondLst>
+                <p:cond evt="onNext" delay="0">
+                  <p:tgtEl>
+                    <p:sldTgt/>
+                  </p:tgtEl>
+                </p:cond>
+              </p:nextCondLst>
+            </p:seq>
+          </p:childTnLst>
+        </p:cTn>
+      </p:par>
+    </p:tnLst>
+    <p:bldLst>
+      <p:bldP spid="6" grpId="0" animBg="1"/>
+      <p:bldP spid="7" grpId="0" animBg="1"/>
+    </p:bldLst>
+  </p:timing>
+</p:sld>
+</file>
+
+<file path=ppt/slides/slide16.xml><?xml version="1.0" encoding="utf-8"?>
+<p:sld xmlns:a="http://schemas.openxmlformats.org/drawingml/2006/main" xmlns:r="http://schemas.openxmlformats.org/officeDocument/2006/relationships" xmlns:p="http://schemas.openxmlformats.org/presentationml/2006/main">
+  <p:cSld>
+    <p:spTree>
+      <p:nvGrpSpPr>
+        <p:cNvPr id="1" name=""/>
+        <p:cNvGrpSpPr/>
+        <p:nvPr/>
+      </p:nvGrpSpPr>
+      <p:grpSpPr>
+        <a:xfrm>
+          <a:off x="0" y="0"/>
+          <a:ext cx="0" cy="0"/>
+          <a:chOff x="0" y="0"/>
+          <a:chExt cx="0" cy="0"/>
+        </a:xfrm>
+      </p:grpSpPr>
+      <p:sp>
+        <p:nvSpPr>
+          <p:cNvPr id="2" name="Title 1"/>
+          <p:cNvSpPr>
+            <a:spLocks noGrp="1"/>
+          </p:cNvSpPr>
+          <p:nvPr>
+            <p:ph type="title"/>
+          </p:nvPr>
+        </p:nvSpPr>
+        <p:spPr/>
+        <p:txBody>
+          <a:bodyPr/>
+          <a:lstStyle/>
+          <a:p>
+            <a:r>
+              <a:rPr lang="en-US" dirty="0" smtClean="0"/>
+              <a:t>Design best practices</a:t>
+            </a:r>
+            <a:endParaRPr lang="en-US" dirty="0"/>
+          </a:p>
+        </p:txBody>
+      </p:sp>
+      <p:sp>
+        <p:nvSpPr>
+          <p:cNvPr id="3" name="Content Placeholder 2"/>
+          <p:cNvSpPr>
+            <a:spLocks noGrp="1"/>
+          </p:cNvSpPr>
+          <p:nvPr>
+            <p:ph sz="quarter" idx="10"/>
+          </p:nvPr>
+        </p:nvSpPr>
+        <p:spPr/>
+        <p:txBody>
+          <a:bodyPr/>
+          <a:lstStyle/>
+          <a:p>
+            <a:r>
+              <a:rPr lang="en-US" dirty="0" smtClean="0"/>
+              <a:t>Templates are your "views"</a:t>
+            </a:r>
+          </a:p>
+          <a:p>
+            <a:pPr lvl="1"/>
+            <a:r>
+              <a:rPr lang="en-US" dirty="0" smtClean="0"/>
+              <a:t>Display data</a:t>
+            </a:r>
+          </a:p>
+          <a:p>
+            <a:r>
+              <a:rPr lang="en-US" dirty="0" smtClean="0"/>
+              <a:t>Views shouldn't contain much logic</a:t>
+            </a:r>
+          </a:p>
+          <a:p>
+            <a:pPr lvl="1"/>
+            <a:r>
+              <a:rPr lang="en-US" dirty="0" smtClean="0"/>
+              <a:t>Let the route method determine which view to load</a:t>
+            </a:r>
+          </a:p>
+          <a:p>
+            <a:pPr lvl="1"/>
+            <a:r>
+              <a:rPr lang="en-US" dirty="0" smtClean="0"/>
+              <a:t>Create views for the different outputs</a:t>
+            </a:r>
+          </a:p>
+          <a:p>
+            <a:r>
+              <a:rPr lang="en-US" dirty="0" smtClean="0"/>
+              <a:t>Consider putting complex logic in a separate Python file</a:t>
+            </a:r>
+          </a:p>
+          <a:p>
+            <a:pPr lvl="1"/>
+            <a:r>
+              <a:rPr lang="en-US" dirty="0" smtClean="0"/>
+              <a:t>(or class)</a:t>
+            </a:r>
+            <a:endParaRPr lang="en-US" dirty="0"/>
+          </a:p>
+        </p:txBody>
+      </p:sp>
+    </p:spTree>
+    <p:extLst>
+      <p:ext uri="{BB962C8B-B14F-4D97-AF65-F5344CB8AC3E}">
+        <p14:creationId xmlns:p14="http://schemas.microsoft.com/office/powerpoint/2010/main" val="801436887"/>
+      </p:ext>
+    </p:extLst>
+  </p:cSld>
+  <p:clrMapOvr>
+    <a:masterClrMapping/>
+  </p:clrMapOvr>
+  <p:timing>
+    <p:tnLst>
+      <p:par>
+        <p:cTn id="1" dur="indefinite" restart="never" nodeType="tmRoot"/>
+      </p:par>
+    </p:tnLst>
+  </p:timing>
+</p:sld>
+</file>
+
+<file path=ppt/slides/slide17.xml><?xml version="1.0" encoding="utf-8"?>
+<p:sld xmlns:a="http://schemas.openxmlformats.org/drawingml/2006/main" xmlns:r="http://schemas.openxmlformats.org/officeDocument/2006/relationships" xmlns:p="http://schemas.openxmlformats.org/presentationml/2006/main">
+  <p:cSld>
+    <p:spTree>
+      <p:nvGrpSpPr>
+        <p:cNvPr id="1" name=""/>
+        <p:cNvGrpSpPr/>
+        <p:nvPr/>
+      </p:nvGrpSpPr>
+      <p:grpSpPr>
+        <a:xfrm>
+          <a:off x="0" y="0"/>
+          <a:ext cx="0" cy="0"/>
+          <a:chOff x="0" y="0"/>
+          <a:chExt cx="0" cy="0"/>
+        </a:xfrm>
+      </p:grpSpPr>
+      <p:sp>
+        <p:nvSpPr>
+          <p:cNvPr id="5" name="Text Placeholder 4"/>
+          <p:cNvSpPr>
+            <a:spLocks noGrp="1"/>
+          </p:cNvSpPr>
+          <p:nvPr>
+            <p:ph type="body" sz="quarter" idx="10"/>
+          </p:nvPr>
+        </p:nvSpPr>
+        <p:spPr/>
+        <p:txBody>
+          <a:bodyPr/>
+          <a:lstStyle/>
+          <a:p>
+            <a:r>
+              <a:rPr lang="en-US" dirty="0" smtClean="0"/>
+              <a:t>Building our app</a:t>
+            </a:r>
+            <a:endParaRPr lang="en-US" dirty="0"/>
+          </a:p>
+        </p:txBody>
+      </p:sp>
+      <p:sp>
+        <p:nvSpPr>
+          <p:cNvPr id="4" name="Subtitle 3"/>
+          <p:cNvSpPr>
+            <a:spLocks noGrp="1"/>
+          </p:cNvSpPr>
+          <p:nvPr>
+            <p:ph type="subTitle" idx="1"/>
+          </p:nvPr>
+        </p:nvSpPr>
+        <p:spPr/>
+        <p:txBody>
+          <a:bodyPr/>
+          <a:lstStyle/>
+          <a:p>
+            <a:endParaRPr lang="en-US"/>
+          </a:p>
+        </p:txBody>
+      </p:sp>
+    </p:spTree>
+    <p:extLst>
+      <p:ext uri="{BB962C8B-B14F-4D97-AF65-F5344CB8AC3E}">
+        <p14:creationId xmlns:p14="http://schemas.microsoft.com/office/powerpoint/2010/main" val="3764465574"/>
+      </p:ext>
+    </p:extLst>
+  </p:cSld>
+  <p:clrMapOvr>
+    <a:masterClrMapping/>
+  </p:clrMapOvr>
+  <p:timing>
+    <p:tnLst>
+      <p:par>
+        <p:cTn id="1" dur="indefinite" restart="never" nodeType="tmRoot"/>
+      </p:par>
+    </p:tnLst>
+  </p:timing>
+</p:sld>
+</file>
+
+<file path=ppt/slides/slide18.xml><?xml version="1.0" encoding="utf-8"?>
+<p:sld xmlns:a="http://schemas.openxmlformats.org/drawingml/2006/main" xmlns:r="http://schemas.openxmlformats.org/officeDocument/2006/relationships" xmlns:p="http://schemas.openxmlformats.org/presentationml/2006/main">
+  <p:cSld>
+    <p:spTree>
+      <p:nvGrpSpPr>
+        <p:cNvPr id="1" name=""/>
+        <p:cNvGrpSpPr/>
+        <p:nvPr/>
+      </p:nvGrpSpPr>
+      <p:grpSpPr>
+        <a:xfrm>
+          <a:off x="0" y="0"/>
+          <a:ext cx="0" cy="0"/>
+          <a:chOff x="0" y="0"/>
+          <a:chExt cx="0" cy="0"/>
+        </a:xfrm>
+      </p:grpSpPr>
+      <p:sp>
+        <p:nvSpPr>
+          <p:cNvPr id="2" name="Title 1"/>
+          <p:cNvSpPr>
+            <a:spLocks noGrp="1"/>
+          </p:cNvSpPr>
+          <p:nvPr>
+            <p:ph type="title"/>
+          </p:nvPr>
+        </p:nvSpPr>
+        <p:spPr/>
+        <p:txBody>
+          <a:bodyPr/>
+          <a:lstStyle/>
+          <a:p>
+            <a:r>
+              <a:rPr lang="en-US" dirty="0" smtClean="0"/>
+              <a:t>Building our app</a:t>
+            </a:r>
+            <a:endParaRPr lang="en-US" dirty="0"/>
+          </a:p>
+        </p:txBody>
+      </p:sp>
+      <p:sp>
+        <p:nvSpPr>
+          <p:cNvPr id="3" name="Content Placeholder 2"/>
+          <p:cNvSpPr>
+            <a:spLocks noGrp="1"/>
+          </p:cNvSpPr>
+          <p:nvPr>
+            <p:ph sz="quarter" idx="10"/>
+          </p:nvPr>
+        </p:nvSpPr>
+        <p:spPr/>
+        <p:txBody>
+          <a:bodyPr/>
+          <a:lstStyle/>
+          <a:p>
+            <a:r>
+              <a:rPr lang="en-US" dirty="0" smtClean="0"/>
+              <a:t>Trivia game</a:t>
+            </a:r>
+          </a:p>
+          <a:p>
+            <a:endParaRPr lang="en-US" dirty="0"/>
+          </a:p>
+          <a:p>
+            <a:r>
+              <a:rPr lang="en-US" dirty="0" smtClean="0"/>
+              <a:t>Requirements</a:t>
+            </a:r>
+          </a:p>
+          <a:p>
+            <a:pPr lvl="1"/>
+            <a:r>
+              <a:rPr lang="en-US" dirty="0" smtClean="0"/>
+              <a:t>Add questions</a:t>
+            </a:r>
+          </a:p>
+          <a:p>
+            <a:pPr lvl="1"/>
+            <a:r>
+              <a:rPr lang="en-US" dirty="0" smtClean="0"/>
+              <a:t>Answer questions</a:t>
+            </a:r>
+            <a:endParaRPr lang="en-US" dirty="0"/>
+          </a:p>
+        </p:txBody>
+      </p:sp>
+    </p:spTree>
+    <p:extLst>
+      <p:ext uri="{BB962C8B-B14F-4D97-AF65-F5344CB8AC3E}">
+        <p14:creationId xmlns:p14="http://schemas.microsoft.com/office/powerpoint/2010/main" val="3595988148"/>
+      </p:ext>
+    </p:extLst>
+  </p:cSld>
+  <p:clrMapOvr>
+    <a:masterClrMapping/>
+  </p:clrMapOvr>
+  <p:timing>
+    <p:tnLst>
+      <p:par>
+        <p:cTn id="1" dur="indefinite" restart="never" nodeType="tmRoot"/>
+      </p:par>
+    </p:tnLst>
+  </p:timing>
+</p:sld>
+</file>
+
+<file path=ppt/slides/slide19.xml><?xml version="1.0" encoding="utf-8"?>
+<p:sld xmlns:a="http://schemas.openxmlformats.org/drawingml/2006/main" xmlns:r="http://schemas.openxmlformats.org/officeDocument/2006/relationships" xmlns:p="http://schemas.openxmlformats.org/presentationml/2006/main">
+  <p:cSld>
+    <p:spTree>
+      <p:nvGrpSpPr>
+        <p:cNvPr id="1" name=""/>
+        <p:cNvGrpSpPr/>
+        <p:nvPr/>
+      </p:nvGrpSpPr>
+      <p:grpSpPr>
+        <a:xfrm>
+          <a:off x="0" y="0"/>
+          <a:ext cx="0" cy="0"/>
+          <a:chOff x="0" y="0"/>
+          <a:chExt cx="0" cy="0"/>
+        </a:xfrm>
+      </p:grpSpPr>
+      <p:sp>
+        <p:nvSpPr>
+          <p:cNvPr id="2" name="Title 1"/>
+          <p:cNvSpPr>
+            <a:spLocks noGrp="1"/>
+          </p:cNvSpPr>
+          <p:nvPr>
+            <p:ph type="title"/>
+          </p:nvPr>
+        </p:nvSpPr>
+        <p:spPr/>
+        <p:txBody>
+          <a:bodyPr/>
+          <a:lstStyle/>
+          <a:p>
+            <a:r>
+              <a:rPr lang="en-US" dirty="0" smtClean="0"/>
+              <a:t>What do we need?</a:t>
+            </a:r>
+            <a:endParaRPr lang="en-US" dirty="0"/>
+          </a:p>
+        </p:txBody>
+      </p:sp>
+      <p:sp>
+        <p:nvSpPr>
+          <p:cNvPr id="3" name="Content Placeholder 2"/>
+          <p:cNvSpPr>
+            <a:spLocks noGrp="1"/>
+          </p:cNvSpPr>
+          <p:nvPr>
+            <p:ph sz="quarter" idx="10"/>
+          </p:nvPr>
+        </p:nvSpPr>
+        <p:spPr/>
+        <p:txBody>
+          <a:bodyPr/>
+          <a:lstStyle/>
+          <a:p>
+            <a:r>
+              <a:rPr lang="en-US" dirty="0" smtClean="0"/>
+              <a:t>The ability to add questions</a:t>
+            </a:r>
+          </a:p>
+          <a:p>
+            <a:pPr lvl="1"/>
+            <a:r>
+              <a:rPr lang="en-US" dirty="0" smtClean="0"/>
+              <a:t>Page with a form</a:t>
+            </a:r>
+          </a:p>
+          <a:p>
+            <a:pPr lvl="1"/>
+            <a:r>
+              <a:rPr lang="en-US" dirty="0" smtClean="0"/>
+              <a:t>Page to say it was saved</a:t>
+            </a:r>
+          </a:p>
+          <a:p>
+            <a:pPr lvl="1"/>
+            <a:r>
+              <a:rPr lang="en-US" dirty="0" smtClean="0"/>
+              <a:t>Somewhere to save the question</a:t>
+            </a:r>
+          </a:p>
+          <a:p>
+            <a:r>
+              <a:rPr lang="en-US" dirty="0" smtClean="0"/>
+              <a:t>The ability to answer questions</a:t>
+            </a:r>
+          </a:p>
+          <a:p>
+            <a:pPr lvl="1"/>
+            <a:r>
+              <a:rPr lang="en-US" dirty="0" smtClean="0"/>
+              <a:t>Page with a form</a:t>
+            </a:r>
+          </a:p>
+          <a:p>
+            <a:pPr lvl="1"/>
+            <a:r>
+              <a:rPr lang="en-US" dirty="0" smtClean="0"/>
+              <a:t>Page to say you’re correct</a:t>
+            </a:r>
+          </a:p>
+          <a:p>
+            <a:pPr lvl="1"/>
+            <a:r>
+              <a:rPr lang="en-US" dirty="0" smtClean="0"/>
+              <a:t>Page to say you’re wrong</a:t>
+            </a:r>
+          </a:p>
+          <a:p>
+            <a:pPr lvl="1"/>
+            <a:r>
+              <a:rPr lang="en-US" dirty="0" smtClean="0"/>
+              <a:t>Somewhere to save the question</a:t>
+            </a:r>
+            <a:endParaRPr lang="en-US" dirty="0"/>
+          </a:p>
+        </p:txBody>
+      </p:sp>
+    </p:spTree>
+    <p:extLst>
+      <p:ext uri="{BB962C8B-B14F-4D97-AF65-F5344CB8AC3E}">
+        <p14:creationId xmlns:p14="http://schemas.microsoft.com/office/powerpoint/2010/main" val="1284129486"/>
+      </p:ext>
+    </p:extLst>
+  </p:cSld>
+  <p:clrMapOvr>
+    <a:masterClrMapping/>
+  </p:clrMapOvr>
+</p:sld>
+</file>
+
+<file path=ppt/slides/slide2.xml><?xml version="1.0" encoding="utf-8"?>
+<p:sld xmlns:a="http://schemas.openxmlformats.org/drawingml/2006/main" xmlns:r="http://schemas.openxmlformats.org/officeDocument/2006/relationships" xmlns:p="http://schemas.openxmlformats.org/presentationml/2006/main">
+  <p:cSld>
+    <p:bg>
+      <p:bgPr>
+        <a:solidFill>
+          <a:schemeClr val="accent4">
+            <a:lumMod val="75000"/>
+          </a:schemeClr>
+        </a:solidFill>
+        <a:effectLst/>
+      </p:bgPr>
+    </p:bg>
+    <p:spTree>
+      <p:nvGrpSpPr>
+        <p:cNvPr id="1" name=""/>
+        <p:cNvGrpSpPr/>
+        <p:nvPr/>
+      </p:nvGrpSpPr>
+      <p:grpSpPr>
+        <a:xfrm>
+          <a:off x="0" y="0"/>
+          <a:ext cx="0" cy="0"/>
+          <a:chOff x="0" y="0"/>
+          <a:chExt cx="0" cy="0"/>
+        </a:xfrm>
+      </p:grpSpPr>
+      <p:sp>
+        <p:nvSpPr>
+          <p:cNvPr id="4" name="Title 3"/>
+          <p:cNvSpPr>
+            <a:spLocks noGrp="1"/>
+          </p:cNvSpPr>
+          <p:nvPr>
+            <p:ph type="title"/>
+          </p:nvPr>
+        </p:nvSpPr>
+        <p:spPr>
+          <a:xfrm>
+            <a:off x="431132" y="1679176"/>
+            <a:ext cx="8388404" cy="1063487"/>
+          </a:xfrm>
+        </p:spPr>
+        <p:txBody>
+          <a:bodyPr>
+            <a:noAutofit/>
+          </a:bodyPr>
+          <a:lstStyle/>
+          <a:p>
+            <a:r>
+              <a:rPr lang="en-US" dirty="0" smtClean="0">
+                <a:solidFill>
+                  <a:schemeClr val="bg1"/>
+                </a:solidFill>
+              </a:rPr>
+              <a:t>We could build keep just sending text down to our users...</a:t>
+            </a:r>
+            <a:endParaRPr lang="en-US" dirty="0">
+              <a:solidFill>
+                <a:schemeClr val="bg1"/>
+              </a:solidFill>
+            </a:endParaRPr>
+          </a:p>
+        </p:txBody>
+      </p:sp>
+      <p:sp>
+        <p:nvSpPr>
+          <p:cNvPr id="5" name="Content Placeholder 4"/>
+          <p:cNvSpPr>
+            <a:spLocks noGrp="1"/>
+          </p:cNvSpPr>
+          <p:nvPr>
+            <p:ph sz="quarter" idx="10"/>
+          </p:nvPr>
+        </p:nvSpPr>
+        <p:spPr>
+          <a:xfrm>
+            <a:off x="4383344" y="4124051"/>
+            <a:ext cx="7680837" cy="1775303"/>
+          </a:xfrm>
+        </p:spPr>
+        <p:txBody>
+          <a:bodyPr/>
+          <a:lstStyle/>
+          <a:p>
+            <a:pPr marL="0" indent="0">
+              <a:buNone/>
+            </a:pPr>
+            <a:r>
+              <a:rPr lang="en-US" sz="4000" dirty="0" smtClean="0">
+                <a:solidFill>
+                  <a:schemeClr val="bg1"/>
+                </a:solidFill>
+              </a:rPr>
+              <a:t>…but that isn't going to make it very easy to create a rich UI.</a:t>
+            </a:r>
+            <a:endParaRPr lang="en-US" sz="4000" dirty="0">
+              <a:solidFill>
+                <a:schemeClr val="bg1"/>
+              </a:solidFill>
+            </a:endParaRPr>
+          </a:p>
+        </p:txBody>
+      </p:sp>
+    </p:spTree>
+    <p:extLst>
+      <p:ext uri="{BB962C8B-B14F-4D97-AF65-F5344CB8AC3E}">
+        <p14:creationId xmlns:p14="http://schemas.microsoft.com/office/powerpoint/2010/main" val="922589021"/>
+      </p:ext>
+    </p:extLst>
+  </p:cSld>
+  <p:clrMapOvr>
+    <a:masterClrMapping/>
+  </p:clrMapOvr>
+  <p:timing>
+    <p:tnLst>
+      <p:par>
+        <p:cTn id="1" dur="indefinite" restart="never" nodeType="tmRoot">
+          <p:childTnLst>
+            <p:seq concurrent="1" nextAc="seek">
+              <p:cTn id="2" dur="indefinite" nodeType="mainSeq">
+                <p:childTnLst>
                   <p:par>
-                    <p:cTn id="13" fill="hold">
+                    <p:cTn id="3" fill="hold">
                       <p:stCondLst>
                         <p:cond delay="indefinite"/>
                       </p:stCondLst>
                       <p:childTnLst>
                         <p:par>
-                          <p:cTn id="14" fill="hold">
+                          <p:cTn id="4" fill="hold">
                             <p:stCondLst>
                               <p:cond delay="0"/>
                             </p:stCondLst>
                             <p:childTnLst>
                               <p:par>
-                                <p:cTn id="15" presetID="10" presetClass="entr" presetSubtype="0" fill="hold" grpId="0" nodeType="clickEffect">
+                                <p:cTn id="5" presetID="10" presetClass="entr" presetSubtype="0" fill="hold" grpId="0" nodeType="clickEffect">
                                   <p:stCondLst>
                                     <p:cond delay="0"/>
                                   </p:stCondLst>
                                   <p:childTnLst>
                                     <p:set>
                                       <p:cBhvr>
-                                        <p:cTn id="16" dur="1" fill="hold">
+                                        <p:cTn id="6" dur="1" fill="hold">
                                           <p:stCondLst>
                                             <p:cond delay="0"/>
                                           </p:stCondLst>
                                         </p:cTn>
                                         <p:tgtEl>
-                                          <p:spTgt spid="7"/>
+                                          <p:spTgt spid="4"/>
                                         </p:tgtEl>
                                         <p:attrNameLst>
                                           <p:attrName>style.visibility</p:attrName>
@@ -9000,9 +5693,70 @@
                                     </p:set>
                                     <p:animEffect transition="in" filter="fade">
                                       <p:cBhvr>
-                                        <p:cTn id="17" dur="500"/>
+                                        <p:cTn id="7" dur="500"/>
                                         <p:tgtEl>
-                                          <p:spTgt spid="7"/>
+                                          <p:spTgt spid="4"/>
+                                        </p:tgtEl>
+                                      </p:cBhvr>
+                                    </p:animEffect>
+                                  </p:childTnLst>
+                                </p:cTn>
+                              </p:par>
+                            </p:childTnLst>
+                          </p:cTn>
+                        </p:par>
+                      </p:childTnLst>
+                    </p:cTn>
+                  </p:par>
+                  <p:par>
+                    <p:cTn id="8" fill="hold">
+                      <p:stCondLst>
+                        <p:cond delay="indefinite"/>
+                      </p:stCondLst>
+                      <p:childTnLst>
+                        <p:par>
+                          <p:cTn id="9" fill="hold">
+                            <p:stCondLst>
+                              <p:cond delay="0"/>
+                            </p:stCondLst>
+                            <p:childTnLst>
+                              <p:par>
+                                <p:cTn id="10" presetID="10" presetClass="entr" presetSubtype="0" fill="hold" grpId="0" nodeType="clickEffect">
+                                  <p:stCondLst>
+                                    <p:cond delay="0"/>
+                                  </p:stCondLst>
+                                  <p:childTnLst>
+                                    <p:set>
+                                      <p:cBhvr>
+                                        <p:cTn id="11" dur="1" fill="hold">
+                                          <p:stCondLst>
+                                            <p:cond delay="0"/>
+                                          </p:stCondLst>
+                                        </p:cTn>
+                                        <p:tgtEl>
+                                          <p:spTgt spid="5">
+                                            <p:txEl>
+                                              <p:pRg st="0" end="0"/>
+                                            </p:txEl>
+                                          </p:spTgt>
+                                        </p:tgtEl>
+                                        <p:attrNameLst>
+                                          <p:attrName>style.visibility</p:attrName>
+                                        </p:attrNameLst>
+                                      </p:cBhvr>
+                                      <p:to>
+                                        <p:strVal val="visible"/>
+                                      </p:to>
+                                    </p:set>
+                                    <p:animEffect transition="in" filter="fade">
+                                      <p:cBhvr>
+                                        <p:cTn id="12" dur="500"/>
+                                        <p:tgtEl>
+                                          <p:spTgt spid="5">
+                                            <p:txEl>
+                                              <p:pRg st="0" end="0"/>
+                                            </p:txEl>
+                                          </p:spTgt>
                                         </p:tgtEl>
                                       </p:cBhvr>
                                     </p:animEffect>
@@ -9037,10 +5791,2022 @@
       </p:par>
     </p:tnLst>
     <p:bldLst>
-      <p:bldP spid="5" grpId="0"/>
-      <p:bldP spid="6" grpId="0"/>
-      <p:bldP spid="7" grpId="0"/>
+      <p:bldP spid="4" grpId="0"/>
+      <p:bldP spid="5" grpId="0" build="p"/>
     </p:bldLst>
+  </p:timing>
+</p:sld>
+</file>
+
+<file path=ppt/slides/slide20.xml><?xml version="1.0" encoding="utf-8"?>
+<p:sld xmlns:a="http://schemas.openxmlformats.org/drawingml/2006/main" xmlns:r="http://schemas.openxmlformats.org/officeDocument/2006/relationships" xmlns:p="http://schemas.openxmlformats.org/presentationml/2006/main">
+  <p:cSld>
+    <p:spTree>
+      <p:nvGrpSpPr>
+        <p:cNvPr id="1" name=""/>
+        <p:cNvGrpSpPr/>
+        <p:nvPr/>
+      </p:nvGrpSpPr>
+      <p:grpSpPr>
+        <a:xfrm>
+          <a:off x="0" y="0"/>
+          <a:ext cx="0" cy="0"/>
+          <a:chOff x="0" y="0"/>
+          <a:chExt cx="0" cy="0"/>
+        </a:xfrm>
+      </p:grpSpPr>
+      <p:sp>
+        <p:nvSpPr>
+          <p:cNvPr id="2" name="Title 1"/>
+          <p:cNvSpPr>
+            <a:spLocks noGrp="1"/>
+          </p:cNvSpPr>
+          <p:nvPr>
+            <p:ph type="title"/>
+          </p:nvPr>
+        </p:nvSpPr>
+        <p:spPr/>
+        <p:txBody>
+          <a:bodyPr/>
+          <a:lstStyle/>
+          <a:p>
+            <a:r>
+              <a:rPr lang="en-US" dirty="0" smtClean="0"/>
+              <a:t>Moving parts</a:t>
+            </a:r>
+            <a:endParaRPr lang="en-US" dirty="0"/>
+          </a:p>
+        </p:txBody>
+      </p:sp>
+      <p:sp>
+        <p:nvSpPr>
+          <p:cNvPr id="4" name="Rectangle 3"/>
+          <p:cNvSpPr/>
+          <p:nvPr/>
+        </p:nvSpPr>
+        <p:spPr>
+          <a:xfrm>
+            <a:off x="1118936" y="1438208"/>
+            <a:ext cx="9865895" cy="1473434"/>
+          </a:xfrm>
+          <a:prstGeom prst="rect">
+            <a:avLst/>
+          </a:prstGeom>
+        </p:spPr>
+        <p:style>
+          <a:lnRef idx="1">
+            <a:schemeClr val="accent4"/>
+          </a:lnRef>
+          <a:fillRef idx="2">
+            <a:schemeClr val="accent4"/>
+          </a:fillRef>
+          <a:effectRef idx="1">
+            <a:schemeClr val="accent4"/>
+          </a:effectRef>
+          <a:fontRef idx="minor">
+            <a:schemeClr val="dk1"/>
+          </a:fontRef>
+        </p:style>
+        <p:txBody>
+          <a:bodyPr rtlCol="0" anchor="ctr"/>
+          <a:lstStyle/>
+          <a:p>
+            <a:pPr algn="ctr"/>
+            <a:r>
+              <a:rPr lang="en-US" dirty="0" smtClean="0"/>
+              <a:t>routes.py</a:t>
+            </a:r>
+          </a:p>
+          <a:p>
+            <a:pPr algn="ctr"/>
+            <a:endParaRPr lang="en-US" dirty="0"/>
+          </a:p>
+          <a:p>
+            <a:pPr algn="ctr"/>
+            <a:endParaRPr lang="en-US" dirty="0" smtClean="0"/>
+          </a:p>
+          <a:p>
+            <a:pPr algn="ctr"/>
+            <a:endParaRPr lang="en-US" dirty="0"/>
+          </a:p>
+        </p:txBody>
+      </p:sp>
+      <p:sp>
+        <p:nvSpPr>
+          <p:cNvPr id="5" name="Rectangle 4"/>
+          <p:cNvSpPr/>
+          <p:nvPr/>
+        </p:nvSpPr>
+        <p:spPr>
+          <a:xfrm>
+            <a:off x="1395663" y="2045368"/>
+            <a:ext cx="4343400" cy="601579"/>
+          </a:xfrm>
+          <a:prstGeom prst="rect">
+            <a:avLst/>
+          </a:prstGeom>
+        </p:spPr>
+        <p:style>
+          <a:lnRef idx="1">
+            <a:schemeClr val="accent2"/>
+          </a:lnRef>
+          <a:fillRef idx="2">
+            <a:schemeClr val="accent2"/>
+          </a:fillRef>
+          <a:effectRef idx="1">
+            <a:schemeClr val="accent2"/>
+          </a:effectRef>
+          <a:fontRef idx="minor">
+            <a:schemeClr val="dk1"/>
+          </a:fontRef>
+        </p:style>
+        <p:txBody>
+          <a:bodyPr rtlCol="0" anchor="ctr"/>
+          <a:lstStyle/>
+          <a:p>
+            <a:pPr algn="ctr"/>
+            <a:r>
+              <a:rPr lang="en-US" dirty="0" smtClean="0"/>
+              <a:t>Create</a:t>
+            </a:r>
+            <a:endParaRPr lang="en-US" dirty="0"/>
+          </a:p>
+        </p:txBody>
+      </p:sp>
+      <p:sp>
+        <p:nvSpPr>
+          <p:cNvPr id="6" name="Rectangle 5"/>
+          <p:cNvSpPr/>
+          <p:nvPr/>
+        </p:nvSpPr>
+        <p:spPr>
+          <a:xfrm>
+            <a:off x="6408821" y="2045368"/>
+            <a:ext cx="4343400" cy="601579"/>
+          </a:xfrm>
+          <a:prstGeom prst="rect">
+            <a:avLst/>
+          </a:prstGeom>
+        </p:spPr>
+        <p:style>
+          <a:lnRef idx="1">
+            <a:schemeClr val="accent2"/>
+          </a:lnRef>
+          <a:fillRef idx="2">
+            <a:schemeClr val="accent2"/>
+          </a:fillRef>
+          <a:effectRef idx="1">
+            <a:schemeClr val="accent2"/>
+          </a:effectRef>
+          <a:fontRef idx="minor">
+            <a:schemeClr val="dk1"/>
+          </a:fontRef>
+        </p:style>
+        <p:txBody>
+          <a:bodyPr rtlCol="0" anchor="ctr"/>
+          <a:lstStyle/>
+          <a:p>
+            <a:pPr algn="ctr"/>
+            <a:r>
+              <a:rPr lang="en-US" dirty="0" smtClean="0"/>
+              <a:t>Question/&lt;title&gt;</a:t>
+            </a:r>
+            <a:endParaRPr lang="en-US" dirty="0"/>
+          </a:p>
+        </p:txBody>
+      </p:sp>
+      <p:sp>
+        <p:nvSpPr>
+          <p:cNvPr id="7" name="Rectangle 6"/>
+          <p:cNvSpPr/>
+          <p:nvPr/>
+        </p:nvSpPr>
+        <p:spPr>
+          <a:xfrm>
+            <a:off x="1118936" y="3104148"/>
+            <a:ext cx="9865895" cy="3537284"/>
+          </a:xfrm>
+          <a:prstGeom prst="rect">
+            <a:avLst/>
+          </a:prstGeom>
+        </p:spPr>
+        <p:style>
+          <a:lnRef idx="1">
+            <a:schemeClr val="accent5"/>
+          </a:lnRef>
+          <a:fillRef idx="2">
+            <a:schemeClr val="accent5"/>
+          </a:fillRef>
+          <a:effectRef idx="1">
+            <a:schemeClr val="accent5"/>
+          </a:effectRef>
+          <a:fontRef idx="minor">
+            <a:schemeClr val="dk1"/>
+          </a:fontRef>
+        </p:style>
+        <p:txBody>
+          <a:bodyPr rtlCol="0" anchor="ctr"/>
+          <a:lstStyle/>
+          <a:p>
+            <a:pPr algn="ctr"/>
+            <a:r>
+              <a:rPr lang="en-US" dirty="0" smtClean="0"/>
+              <a:t>Templates</a:t>
+            </a:r>
+          </a:p>
+          <a:p>
+            <a:pPr algn="ctr"/>
+            <a:endParaRPr lang="en-US" dirty="0"/>
+          </a:p>
+          <a:p>
+            <a:pPr algn="ctr"/>
+            <a:endParaRPr lang="en-US" dirty="0" smtClean="0"/>
+          </a:p>
+          <a:p>
+            <a:pPr algn="ctr"/>
+            <a:endParaRPr lang="en-US" dirty="0"/>
+          </a:p>
+          <a:p>
+            <a:pPr algn="ctr"/>
+            <a:endParaRPr lang="en-US" dirty="0" smtClean="0"/>
+          </a:p>
+          <a:p>
+            <a:pPr algn="ctr"/>
+            <a:endParaRPr lang="en-US" dirty="0"/>
+          </a:p>
+          <a:p>
+            <a:pPr algn="ctr"/>
+            <a:endParaRPr lang="en-US" dirty="0" smtClean="0"/>
+          </a:p>
+          <a:p>
+            <a:pPr algn="ctr"/>
+            <a:endParaRPr lang="en-US" dirty="0"/>
+          </a:p>
+          <a:p>
+            <a:pPr algn="ctr"/>
+            <a:endParaRPr lang="en-US" dirty="0"/>
+          </a:p>
+          <a:p>
+            <a:pPr algn="ctr"/>
+            <a:endParaRPr lang="en-US" dirty="0" smtClean="0"/>
+          </a:p>
+          <a:p>
+            <a:pPr algn="ctr"/>
+            <a:endParaRPr lang="en-US" dirty="0"/>
+          </a:p>
+          <a:p>
+            <a:pPr algn="ctr"/>
+            <a:endParaRPr lang="en-US" dirty="0" smtClean="0"/>
+          </a:p>
+        </p:txBody>
+      </p:sp>
+      <p:sp>
+        <p:nvSpPr>
+          <p:cNvPr id="9" name="Rectangle 8"/>
+          <p:cNvSpPr/>
+          <p:nvPr/>
+        </p:nvSpPr>
+        <p:spPr>
+          <a:xfrm>
+            <a:off x="1750594" y="3464227"/>
+            <a:ext cx="3633537" cy="2792194"/>
+          </a:xfrm>
+          <a:prstGeom prst="rect">
+            <a:avLst/>
+          </a:prstGeom>
+        </p:spPr>
+        <p:style>
+          <a:lnRef idx="2">
+            <a:schemeClr val="accent1">
+              <a:shade val="50000"/>
+            </a:schemeClr>
+          </a:lnRef>
+          <a:fillRef idx="1">
+            <a:schemeClr val="accent1"/>
+          </a:fillRef>
+          <a:effectRef idx="0">
+            <a:schemeClr val="accent1"/>
+          </a:effectRef>
+          <a:fontRef idx="minor">
+            <a:schemeClr val="lt1"/>
+          </a:fontRef>
+        </p:style>
+        <p:txBody>
+          <a:bodyPr rtlCol="0" anchor="ctr"/>
+          <a:lstStyle/>
+          <a:p>
+            <a:pPr algn="ctr"/>
+            <a:endParaRPr lang="en-US"/>
+          </a:p>
+        </p:txBody>
+      </p:sp>
+      <p:sp>
+        <p:nvSpPr>
+          <p:cNvPr id="10" name="Rectangle 9"/>
+          <p:cNvSpPr/>
+          <p:nvPr/>
+        </p:nvSpPr>
+        <p:spPr>
+          <a:xfrm>
+            <a:off x="1798721" y="3681664"/>
+            <a:ext cx="3158290" cy="649704"/>
+          </a:xfrm>
+          <a:prstGeom prst="rect">
+            <a:avLst/>
+          </a:prstGeom>
+        </p:spPr>
+        <p:style>
+          <a:lnRef idx="1">
+            <a:schemeClr val="accent3"/>
+          </a:lnRef>
+          <a:fillRef idx="2">
+            <a:schemeClr val="accent3"/>
+          </a:fillRef>
+          <a:effectRef idx="1">
+            <a:schemeClr val="accent3"/>
+          </a:effectRef>
+          <a:fontRef idx="minor">
+            <a:schemeClr val="dk1"/>
+          </a:fontRef>
+        </p:style>
+        <p:txBody>
+          <a:bodyPr rtlCol="0" anchor="ctr"/>
+          <a:lstStyle/>
+          <a:p>
+            <a:pPr algn="ctr"/>
+            <a:r>
+              <a:rPr lang="en-US" i="1" dirty="0" smtClean="0"/>
+              <a:t>Form</a:t>
+            </a:r>
+          </a:p>
+          <a:p>
+            <a:pPr algn="ctr"/>
+            <a:r>
+              <a:rPr lang="en-US" dirty="0" smtClean="0"/>
+              <a:t>CreateQuestion.html</a:t>
+            </a:r>
+            <a:endParaRPr lang="en-US" dirty="0"/>
+          </a:p>
+        </p:txBody>
+      </p:sp>
+      <p:sp>
+        <p:nvSpPr>
+          <p:cNvPr id="11" name="Rectangle 10"/>
+          <p:cNvSpPr/>
+          <p:nvPr/>
+        </p:nvSpPr>
+        <p:spPr>
+          <a:xfrm>
+            <a:off x="1798721" y="4548805"/>
+            <a:ext cx="3158290" cy="649704"/>
+          </a:xfrm>
+          <a:prstGeom prst="rect">
+            <a:avLst/>
+          </a:prstGeom>
+        </p:spPr>
+        <p:style>
+          <a:lnRef idx="1">
+            <a:schemeClr val="accent3"/>
+          </a:lnRef>
+          <a:fillRef idx="2">
+            <a:schemeClr val="accent3"/>
+          </a:fillRef>
+          <a:effectRef idx="1">
+            <a:schemeClr val="accent3"/>
+          </a:effectRef>
+          <a:fontRef idx="minor">
+            <a:schemeClr val="dk1"/>
+          </a:fontRef>
+        </p:style>
+        <p:txBody>
+          <a:bodyPr rtlCol="0" anchor="ctr"/>
+          <a:lstStyle/>
+          <a:p>
+            <a:pPr algn="ctr"/>
+            <a:r>
+              <a:rPr lang="en-US" i="1" dirty="0" smtClean="0"/>
+              <a:t>Basic HTML</a:t>
+            </a:r>
+          </a:p>
+          <a:p>
+            <a:pPr algn="ctr"/>
+            <a:r>
+              <a:rPr lang="en-US" dirty="0" smtClean="0"/>
+              <a:t>CreatedQuestion.html</a:t>
+            </a:r>
+            <a:endParaRPr lang="en-US" dirty="0"/>
+          </a:p>
+        </p:txBody>
+      </p:sp>
+      <p:sp>
+        <p:nvSpPr>
+          <p:cNvPr id="12" name="Rectangle 11"/>
+          <p:cNvSpPr/>
+          <p:nvPr/>
+        </p:nvSpPr>
+        <p:spPr>
+          <a:xfrm>
+            <a:off x="6715626" y="3464227"/>
+            <a:ext cx="3633537" cy="2792194"/>
+          </a:xfrm>
+          <a:prstGeom prst="rect">
+            <a:avLst/>
+          </a:prstGeom>
+        </p:spPr>
+        <p:style>
+          <a:lnRef idx="2">
+            <a:schemeClr val="accent1">
+              <a:shade val="50000"/>
+            </a:schemeClr>
+          </a:lnRef>
+          <a:fillRef idx="1">
+            <a:schemeClr val="accent1"/>
+          </a:fillRef>
+          <a:effectRef idx="0">
+            <a:schemeClr val="accent1"/>
+          </a:effectRef>
+          <a:fontRef idx="minor">
+            <a:schemeClr val="lt1"/>
+          </a:fontRef>
+        </p:style>
+        <p:txBody>
+          <a:bodyPr rtlCol="0" anchor="ctr"/>
+          <a:lstStyle/>
+          <a:p>
+            <a:pPr algn="ctr"/>
+            <a:endParaRPr lang="en-US"/>
+          </a:p>
+        </p:txBody>
+      </p:sp>
+      <p:sp>
+        <p:nvSpPr>
+          <p:cNvPr id="13" name="Rectangle 12"/>
+          <p:cNvSpPr/>
+          <p:nvPr/>
+        </p:nvSpPr>
+        <p:spPr>
+          <a:xfrm>
+            <a:off x="6896100" y="3681664"/>
+            <a:ext cx="3158290" cy="649704"/>
+          </a:xfrm>
+          <a:prstGeom prst="rect">
+            <a:avLst/>
+          </a:prstGeom>
+        </p:spPr>
+        <p:style>
+          <a:lnRef idx="1">
+            <a:schemeClr val="accent3"/>
+          </a:lnRef>
+          <a:fillRef idx="2">
+            <a:schemeClr val="accent3"/>
+          </a:fillRef>
+          <a:effectRef idx="1">
+            <a:schemeClr val="accent3"/>
+          </a:effectRef>
+          <a:fontRef idx="minor">
+            <a:schemeClr val="dk1"/>
+          </a:fontRef>
+        </p:style>
+        <p:txBody>
+          <a:bodyPr rtlCol="0" anchor="ctr"/>
+          <a:lstStyle/>
+          <a:p>
+            <a:pPr algn="ctr"/>
+            <a:r>
+              <a:rPr lang="en-US" i="1" dirty="0" smtClean="0"/>
+              <a:t>Form</a:t>
+            </a:r>
+          </a:p>
+          <a:p>
+            <a:pPr algn="ctr"/>
+            <a:r>
+              <a:rPr lang="en-US" dirty="0" smtClean="0"/>
+              <a:t>AnswerQuestion.html</a:t>
+            </a:r>
+            <a:endParaRPr lang="en-US" dirty="0"/>
+          </a:p>
+        </p:txBody>
+      </p:sp>
+      <p:sp>
+        <p:nvSpPr>
+          <p:cNvPr id="14" name="Rectangle 13"/>
+          <p:cNvSpPr/>
+          <p:nvPr/>
+        </p:nvSpPr>
+        <p:spPr>
+          <a:xfrm>
+            <a:off x="6896100" y="4548805"/>
+            <a:ext cx="3158290" cy="649704"/>
+          </a:xfrm>
+          <a:prstGeom prst="rect">
+            <a:avLst/>
+          </a:prstGeom>
+        </p:spPr>
+        <p:style>
+          <a:lnRef idx="1">
+            <a:schemeClr val="accent3"/>
+          </a:lnRef>
+          <a:fillRef idx="2">
+            <a:schemeClr val="accent3"/>
+          </a:fillRef>
+          <a:effectRef idx="1">
+            <a:schemeClr val="accent3"/>
+          </a:effectRef>
+          <a:fontRef idx="minor">
+            <a:schemeClr val="dk1"/>
+          </a:fontRef>
+        </p:style>
+        <p:txBody>
+          <a:bodyPr rtlCol="0" anchor="ctr"/>
+          <a:lstStyle/>
+          <a:p>
+            <a:pPr algn="ctr"/>
+            <a:r>
+              <a:rPr lang="en-US" i="1" dirty="0" smtClean="0"/>
+              <a:t>Basic HTML</a:t>
+            </a:r>
+          </a:p>
+          <a:p>
+            <a:pPr algn="ctr"/>
+            <a:r>
+              <a:rPr lang="en-US" dirty="0" smtClean="0"/>
+              <a:t>Correct.html</a:t>
+            </a:r>
+            <a:endParaRPr lang="en-US" dirty="0"/>
+          </a:p>
+        </p:txBody>
+      </p:sp>
+      <p:sp>
+        <p:nvSpPr>
+          <p:cNvPr id="15" name="Rectangle 14"/>
+          <p:cNvSpPr/>
+          <p:nvPr/>
+        </p:nvSpPr>
+        <p:spPr>
+          <a:xfrm>
+            <a:off x="6896100" y="5415946"/>
+            <a:ext cx="3158290" cy="649704"/>
+          </a:xfrm>
+          <a:prstGeom prst="rect">
+            <a:avLst/>
+          </a:prstGeom>
+        </p:spPr>
+        <p:style>
+          <a:lnRef idx="1">
+            <a:schemeClr val="accent3"/>
+          </a:lnRef>
+          <a:fillRef idx="2">
+            <a:schemeClr val="accent3"/>
+          </a:fillRef>
+          <a:effectRef idx="1">
+            <a:schemeClr val="accent3"/>
+          </a:effectRef>
+          <a:fontRef idx="minor">
+            <a:schemeClr val="dk1"/>
+          </a:fontRef>
+        </p:style>
+        <p:txBody>
+          <a:bodyPr rtlCol="0" anchor="ctr"/>
+          <a:lstStyle/>
+          <a:p>
+            <a:pPr algn="ctr"/>
+            <a:r>
+              <a:rPr lang="en-US" i="1" dirty="0" smtClean="0"/>
+              <a:t>Basic HTML</a:t>
+            </a:r>
+          </a:p>
+          <a:p>
+            <a:pPr algn="ctr"/>
+            <a:r>
+              <a:rPr lang="en-US" dirty="0" smtClean="0"/>
+              <a:t>Incorrect.html</a:t>
+            </a:r>
+            <a:endParaRPr lang="en-US" dirty="0"/>
+          </a:p>
+        </p:txBody>
+      </p:sp>
+    </p:spTree>
+    <p:extLst>
+      <p:ext uri="{BB962C8B-B14F-4D97-AF65-F5344CB8AC3E}">
+        <p14:creationId xmlns:p14="http://schemas.microsoft.com/office/powerpoint/2010/main" val="1240330860"/>
+      </p:ext>
+    </p:extLst>
+  </p:cSld>
+  <p:clrMapOvr>
+    <a:masterClrMapping/>
+  </p:clrMapOvr>
+</p:sld>
+</file>
+
+<file path=ppt/slides/slide21.xml><?xml version="1.0" encoding="utf-8"?>
+<p:sld xmlns:a="http://schemas.openxmlformats.org/drawingml/2006/main" xmlns:r="http://schemas.openxmlformats.org/officeDocument/2006/relationships" xmlns:p="http://schemas.openxmlformats.org/presentationml/2006/main">
+  <p:cSld>
+    <p:spTree>
+      <p:nvGrpSpPr>
+        <p:cNvPr id="1" name=""/>
+        <p:cNvGrpSpPr/>
+        <p:nvPr/>
+      </p:nvGrpSpPr>
+      <p:grpSpPr>
+        <a:xfrm>
+          <a:off x="0" y="0"/>
+          <a:ext cx="0" cy="0"/>
+          <a:chOff x="0" y="0"/>
+          <a:chExt cx="0" cy="0"/>
+        </a:xfrm>
+      </p:grpSpPr>
+      <p:sp>
+        <p:nvSpPr>
+          <p:cNvPr id="4" name="Title 3"/>
+          <p:cNvSpPr>
+            <a:spLocks noGrp="1"/>
+          </p:cNvSpPr>
+          <p:nvPr>
+            <p:ph type="title"/>
+          </p:nvPr>
+        </p:nvSpPr>
+        <p:spPr/>
+        <p:txBody>
+          <a:bodyPr/>
+          <a:lstStyle/>
+          <a:p>
+            <a:r>
+              <a:rPr lang="en-US" dirty="0" smtClean="0"/>
+              <a:t>Bringing it all together</a:t>
+            </a:r>
+            <a:endParaRPr lang="en-US" dirty="0"/>
+          </a:p>
+        </p:txBody>
+      </p:sp>
+    </p:spTree>
+    <p:extLst>
+      <p:ext uri="{BB962C8B-B14F-4D97-AF65-F5344CB8AC3E}">
+        <p14:creationId xmlns:p14="http://schemas.microsoft.com/office/powerpoint/2010/main" val="1286818324"/>
+      </p:ext>
+    </p:extLst>
+  </p:cSld>
+  <p:clrMapOvr>
+    <a:masterClrMapping/>
+  </p:clrMapOvr>
+  <p:timing>
+    <p:tnLst>
+      <p:par>
+        <p:cTn id="1" dur="indefinite" restart="never" nodeType="tmRoot"/>
+      </p:par>
+    </p:tnLst>
+  </p:timing>
+</p:sld>
+</file>
+
+<file path=ppt/slides/slide22.xml><?xml version="1.0" encoding="utf-8"?>
+<p:sld xmlns:a="http://schemas.openxmlformats.org/drawingml/2006/main" xmlns:r="http://schemas.openxmlformats.org/officeDocument/2006/relationships" xmlns:p="http://schemas.openxmlformats.org/presentationml/2006/main">
+  <p:cSld>
+    <p:spTree>
+      <p:nvGrpSpPr>
+        <p:cNvPr id="1" name=""/>
+        <p:cNvGrpSpPr/>
+        <p:nvPr/>
+      </p:nvGrpSpPr>
+      <p:grpSpPr>
+        <a:xfrm>
+          <a:off x="0" y="0"/>
+          <a:ext cx="0" cy="0"/>
+          <a:chOff x="0" y="0"/>
+          <a:chExt cx="0" cy="0"/>
+        </a:xfrm>
+      </p:grpSpPr>
+      <p:sp>
+        <p:nvSpPr>
+          <p:cNvPr id="3" name="Title 2"/>
+          <p:cNvSpPr>
+            <a:spLocks noGrp="1"/>
+          </p:cNvSpPr>
+          <p:nvPr>
+            <p:ph type="title"/>
+          </p:nvPr>
+        </p:nvSpPr>
+        <p:spPr/>
+        <p:txBody>
+          <a:bodyPr/>
+          <a:lstStyle/>
+          <a:p>
+            <a:r>
+              <a:rPr lang="en-US" dirty="0" smtClean="0"/>
+              <a:t>What did we learn?</a:t>
+            </a:r>
+            <a:endParaRPr lang="en-US" dirty="0"/>
+          </a:p>
+        </p:txBody>
+      </p:sp>
+      <p:sp>
+        <p:nvSpPr>
+          <p:cNvPr id="4" name="Content Placeholder 3"/>
+          <p:cNvSpPr>
+            <a:spLocks noGrp="1"/>
+          </p:cNvSpPr>
+          <p:nvPr>
+            <p:ph sz="quarter" idx="10"/>
+          </p:nvPr>
+        </p:nvSpPr>
+        <p:spPr/>
+        <p:txBody>
+          <a:bodyPr/>
+          <a:lstStyle/>
+          <a:p>
+            <a:r>
+              <a:rPr lang="en-US" dirty="0" smtClean="0"/>
+              <a:t>How to create and use Jinja templates</a:t>
+            </a:r>
+          </a:p>
+          <a:p>
+            <a:r>
+              <a:rPr lang="en-US" dirty="0" smtClean="0"/>
+              <a:t>How to build forms</a:t>
+            </a:r>
+            <a:endParaRPr lang="en-US" dirty="0"/>
+          </a:p>
+        </p:txBody>
+      </p:sp>
+    </p:spTree>
+    <p:extLst>
+      <p:ext uri="{BB962C8B-B14F-4D97-AF65-F5344CB8AC3E}">
+        <p14:creationId xmlns:p14="http://schemas.microsoft.com/office/powerpoint/2010/main" val="3874927293"/>
+      </p:ext>
+    </p:extLst>
+  </p:cSld>
+  <p:clrMapOvr>
+    <a:masterClrMapping/>
+  </p:clrMapOvr>
+  <p:timing>
+    <p:tnLst>
+      <p:par>
+        <p:cTn id="1" dur="indefinite" restart="never" nodeType="tmRoot"/>
+      </p:par>
+    </p:tnLst>
+  </p:timing>
+</p:sld>
+</file>
+
+<file path=ppt/slides/slide23.xml><?xml version="1.0" encoding="utf-8"?>
+<p:sld xmlns:a="http://schemas.openxmlformats.org/drawingml/2006/main" xmlns:r="http://schemas.openxmlformats.org/officeDocument/2006/relationships" xmlns:p="http://schemas.openxmlformats.org/presentationml/2006/main">
+  <p:cSld>
+    <p:spTree>
+      <p:nvGrpSpPr>
+        <p:cNvPr id="1" name=""/>
+        <p:cNvGrpSpPr/>
+        <p:nvPr/>
+      </p:nvGrpSpPr>
+      <p:grpSpPr>
+        <a:xfrm>
+          <a:off x="0" y="0"/>
+          <a:ext cx="0" cy="0"/>
+          <a:chOff x="0" y="0"/>
+          <a:chExt cx="0" cy="0"/>
+        </a:xfrm>
+      </p:grpSpPr>
+      <p:sp>
+        <p:nvSpPr>
+          <p:cNvPr id="2" name="Title 1"/>
+          <p:cNvSpPr>
+            <a:spLocks noGrp="1"/>
+          </p:cNvSpPr>
+          <p:nvPr>
+            <p:ph type="title"/>
+          </p:nvPr>
+        </p:nvSpPr>
+        <p:spPr/>
+        <p:txBody>
+          <a:bodyPr/>
+          <a:lstStyle/>
+          <a:p>
+            <a:r>
+              <a:rPr lang="en-US" dirty="0" smtClean="0"/>
+              <a:t>What can we do with this?</a:t>
+            </a:r>
+            <a:endParaRPr lang="en-US" dirty="0"/>
+          </a:p>
+        </p:txBody>
+      </p:sp>
+      <p:sp>
+        <p:nvSpPr>
+          <p:cNvPr id="3" name="Content Placeholder 2"/>
+          <p:cNvSpPr>
+            <a:spLocks noGrp="1"/>
+          </p:cNvSpPr>
+          <p:nvPr>
+            <p:ph sz="quarter" idx="10"/>
+          </p:nvPr>
+        </p:nvSpPr>
+        <p:spPr/>
+        <p:txBody>
+          <a:bodyPr/>
+          <a:lstStyle/>
+          <a:p>
+            <a:r>
+              <a:rPr lang="en-US" dirty="0" smtClean="0"/>
+              <a:t>Create real world web applications!</a:t>
+            </a:r>
+          </a:p>
+          <a:p>
+            <a:r>
+              <a:rPr lang="en-US" dirty="0" smtClean="0"/>
+              <a:t>Display dynamic information on a </a:t>
+            </a:r>
+            <a:r>
+              <a:rPr lang="en-US" smtClean="0"/>
+              <a:t>custom page</a:t>
+            </a:r>
+            <a:endParaRPr lang="en-US" dirty="0"/>
+          </a:p>
+        </p:txBody>
+      </p:sp>
+    </p:spTree>
+    <p:extLst>
+      <p:ext uri="{BB962C8B-B14F-4D97-AF65-F5344CB8AC3E}">
+        <p14:creationId xmlns:p14="http://schemas.microsoft.com/office/powerpoint/2010/main" val="1422403504"/>
+      </p:ext>
+    </p:extLst>
+  </p:cSld>
+  <p:clrMapOvr>
+    <a:masterClrMapping/>
+  </p:clrMapOvr>
+  <p:timing>
+    <p:tnLst>
+      <p:par>
+        <p:cTn id="1" dur="indefinite" restart="never" nodeType="tmRoot"/>
+      </p:par>
+    </p:tnLst>
+  </p:timing>
+</p:sld>
+</file>
+
+<file path=ppt/slides/slide24.xml><?xml version="1.0" encoding="utf-8"?>
+<p:sld xmlns:a="http://schemas.openxmlformats.org/drawingml/2006/main" xmlns:r="http://schemas.openxmlformats.org/officeDocument/2006/relationships" xmlns:p="http://schemas.openxmlformats.org/presentationml/2006/main">
+  <p:cSld>
+    <p:spTree>
+      <p:nvGrpSpPr>
+        <p:cNvPr id="1" name=""/>
+        <p:cNvGrpSpPr/>
+        <p:nvPr/>
+      </p:nvGrpSpPr>
+      <p:grpSpPr>
+        <a:xfrm>
+          <a:off x="0" y="0"/>
+          <a:ext cx="0" cy="0"/>
+          <a:chOff x="0" y="0"/>
+          <a:chExt cx="0" cy="0"/>
+        </a:xfrm>
+      </p:grpSpPr>
+    </p:spTree>
+    <p:extLst>
+      <p:ext uri="{BB962C8B-B14F-4D97-AF65-F5344CB8AC3E}">
+        <p14:creationId xmlns:p14="http://schemas.microsoft.com/office/powerpoint/2010/main" val="898363405"/>
+      </p:ext>
+    </p:extLst>
+  </p:cSld>
+  <p:clrMapOvr>
+    <a:masterClrMapping/>
+  </p:clrMapOvr>
+  <p:timing>
+    <p:tnLst>
+      <p:par>
+        <p:cTn id="1" dur="indefinite" restart="never" nodeType="tmRoot"/>
+      </p:par>
+    </p:tnLst>
+  </p:timing>
+</p:sld>
+</file>
+
+<file path=ppt/slides/slide3.xml><?xml version="1.0" encoding="utf-8"?>
+<p:sld xmlns:a="http://schemas.openxmlformats.org/drawingml/2006/main" xmlns:r="http://schemas.openxmlformats.org/officeDocument/2006/relationships" xmlns:p="http://schemas.openxmlformats.org/presentationml/2006/main">
+  <p:cSld>
+    <p:spTree>
+      <p:nvGrpSpPr>
+        <p:cNvPr id="1" name=""/>
+        <p:cNvGrpSpPr/>
+        <p:nvPr/>
+      </p:nvGrpSpPr>
+      <p:grpSpPr>
+        <a:xfrm>
+          <a:off x="0" y="0"/>
+          <a:ext cx="0" cy="0"/>
+          <a:chOff x="0" y="0"/>
+          <a:chExt cx="0" cy="0"/>
+        </a:xfrm>
+      </p:grpSpPr>
+      <p:sp>
+        <p:nvSpPr>
+          <p:cNvPr id="4" name="Title 3"/>
+          <p:cNvSpPr>
+            <a:spLocks noGrp="1"/>
+          </p:cNvSpPr>
+          <p:nvPr>
+            <p:ph type="title"/>
+          </p:nvPr>
+        </p:nvSpPr>
+        <p:spPr/>
+        <p:txBody>
+          <a:bodyPr/>
+          <a:lstStyle/>
+          <a:p>
+            <a:r>
+              <a:rPr lang="en-US" dirty="0" smtClean="0"/>
+              <a:t>Creating a web interface</a:t>
+            </a:r>
+            <a:endParaRPr lang="en-US" dirty="0"/>
+          </a:p>
+        </p:txBody>
+      </p:sp>
+      <p:sp>
+        <p:nvSpPr>
+          <p:cNvPr id="5" name="Content Placeholder 4"/>
+          <p:cNvSpPr>
+            <a:spLocks noGrp="1"/>
+          </p:cNvSpPr>
+          <p:nvPr>
+            <p:ph sz="quarter" idx="10"/>
+          </p:nvPr>
+        </p:nvSpPr>
+        <p:spPr/>
+        <p:txBody>
+          <a:bodyPr/>
+          <a:lstStyle/>
+          <a:p>
+            <a:r>
+              <a:rPr lang="en-US" dirty="0" smtClean="0"/>
+              <a:t>Forms</a:t>
+            </a:r>
+            <a:endParaRPr lang="en-US" dirty="0" smtClean="0"/>
+          </a:p>
+          <a:p>
+            <a:r>
+              <a:rPr lang="en-US" dirty="0" smtClean="0"/>
+              <a:t>Jinja </a:t>
+            </a:r>
+            <a:r>
+              <a:rPr lang="en-US" dirty="0" smtClean="0"/>
+              <a:t>templates</a:t>
+            </a:r>
+          </a:p>
+          <a:p>
+            <a:r>
+              <a:rPr lang="en-US" dirty="0" smtClean="0"/>
+              <a:t>Building </a:t>
+            </a:r>
+            <a:r>
+              <a:rPr lang="en-US" smtClean="0"/>
+              <a:t>our app</a:t>
+            </a:r>
+            <a:endParaRPr lang="en-US" dirty="0"/>
+          </a:p>
+        </p:txBody>
+      </p:sp>
+    </p:spTree>
+    <p:extLst>
+      <p:ext uri="{BB962C8B-B14F-4D97-AF65-F5344CB8AC3E}">
+        <p14:creationId xmlns:p14="http://schemas.microsoft.com/office/powerpoint/2010/main" val="2894034365"/>
+      </p:ext>
+    </p:extLst>
+  </p:cSld>
+  <p:clrMapOvr>
+    <a:masterClrMapping/>
+  </p:clrMapOvr>
+  <p:timing>
+    <p:tnLst>
+      <p:par>
+        <p:cTn id="1" dur="indefinite" restart="never" nodeType="tmRoot"/>
+      </p:par>
+    </p:tnLst>
+  </p:timing>
+</p:sld>
+</file>
+
+<file path=ppt/slides/slide4.xml><?xml version="1.0" encoding="utf-8"?>
+<p:sld xmlns:a="http://schemas.openxmlformats.org/drawingml/2006/main" xmlns:r="http://schemas.openxmlformats.org/officeDocument/2006/relationships" xmlns:p="http://schemas.openxmlformats.org/presentationml/2006/main">
+  <p:cSld>
+    <p:spTree>
+      <p:nvGrpSpPr>
+        <p:cNvPr id="1" name=""/>
+        <p:cNvGrpSpPr/>
+        <p:nvPr/>
+      </p:nvGrpSpPr>
+      <p:grpSpPr>
+        <a:xfrm>
+          <a:off x="0" y="0"/>
+          <a:ext cx="0" cy="0"/>
+          <a:chOff x="0" y="0"/>
+          <a:chExt cx="0" cy="0"/>
+        </a:xfrm>
+      </p:grpSpPr>
+      <p:sp>
+        <p:nvSpPr>
+          <p:cNvPr id="5" name="Text Placeholder 4"/>
+          <p:cNvSpPr>
+            <a:spLocks noGrp="1"/>
+          </p:cNvSpPr>
+          <p:nvPr>
+            <p:ph type="body" sz="quarter" idx="10"/>
+          </p:nvPr>
+        </p:nvSpPr>
+        <p:spPr/>
+        <p:txBody>
+          <a:bodyPr/>
+          <a:lstStyle/>
+          <a:p>
+            <a:r>
+              <a:rPr lang="en-US" dirty="0" smtClean="0"/>
+              <a:t>Forms</a:t>
+            </a:r>
+            <a:endParaRPr lang="en-US" dirty="0"/>
+          </a:p>
+        </p:txBody>
+      </p:sp>
+      <p:sp>
+        <p:nvSpPr>
+          <p:cNvPr id="4" name="Subtitle 3"/>
+          <p:cNvSpPr>
+            <a:spLocks noGrp="1"/>
+          </p:cNvSpPr>
+          <p:nvPr>
+            <p:ph type="subTitle" idx="1"/>
+          </p:nvPr>
+        </p:nvSpPr>
+        <p:spPr/>
+        <p:txBody>
+          <a:bodyPr/>
+          <a:lstStyle/>
+          <a:p>
+            <a:endParaRPr lang="en-US" dirty="0"/>
+          </a:p>
+        </p:txBody>
+      </p:sp>
+    </p:spTree>
+    <p:extLst>
+      <p:ext uri="{BB962C8B-B14F-4D97-AF65-F5344CB8AC3E}">
+        <p14:creationId xmlns:p14="http://schemas.microsoft.com/office/powerpoint/2010/main" val="3589316428"/>
+      </p:ext>
+    </p:extLst>
+  </p:cSld>
+  <p:clrMapOvr>
+    <a:masterClrMapping/>
+  </p:clrMapOvr>
+  <p:timing>
+    <p:tnLst>
+      <p:par>
+        <p:cTn id="1" dur="indefinite" restart="never" nodeType="tmRoot"/>
+      </p:par>
+    </p:tnLst>
+  </p:timing>
+</p:sld>
+</file>
+
+<file path=ppt/slides/slide5.xml><?xml version="1.0" encoding="utf-8"?>
+<p:sld xmlns:a="http://schemas.openxmlformats.org/drawingml/2006/main" xmlns:r="http://schemas.openxmlformats.org/officeDocument/2006/relationships" xmlns:p="http://schemas.openxmlformats.org/presentationml/2006/main">
+  <p:cSld>
+    <p:spTree>
+      <p:nvGrpSpPr>
+        <p:cNvPr id="1" name=""/>
+        <p:cNvGrpSpPr/>
+        <p:nvPr/>
+      </p:nvGrpSpPr>
+      <p:grpSpPr>
+        <a:xfrm>
+          <a:off x="0" y="0"/>
+          <a:ext cx="0" cy="0"/>
+          <a:chOff x="0" y="0"/>
+          <a:chExt cx="0" cy="0"/>
+        </a:xfrm>
+      </p:grpSpPr>
+      <p:sp>
+        <p:nvSpPr>
+          <p:cNvPr id="4" name="Title 3"/>
+          <p:cNvSpPr>
+            <a:spLocks noGrp="1"/>
+          </p:cNvSpPr>
+          <p:nvPr>
+            <p:ph type="title"/>
+          </p:nvPr>
+        </p:nvSpPr>
+        <p:spPr/>
+        <p:txBody>
+          <a:bodyPr/>
+          <a:lstStyle/>
+          <a:p>
+            <a:r>
+              <a:rPr lang="en-US" dirty="0" smtClean="0"/>
+              <a:t>Forms</a:t>
+            </a:r>
+            <a:endParaRPr lang="en-US" dirty="0"/>
+          </a:p>
+        </p:txBody>
+      </p:sp>
+      <p:sp>
+        <p:nvSpPr>
+          <p:cNvPr id="5" name="Content Placeholder 4"/>
+          <p:cNvSpPr>
+            <a:spLocks noGrp="1"/>
+          </p:cNvSpPr>
+          <p:nvPr>
+            <p:ph sz="quarter" idx="10"/>
+          </p:nvPr>
+        </p:nvSpPr>
+        <p:spPr/>
+        <p:txBody>
+          <a:bodyPr/>
+          <a:lstStyle/>
+          <a:p>
+            <a:r>
+              <a:rPr lang="en-US" dirty="0" smtClean="0"/>
+              <a:t>Collecting information from the user</a:t>
+            </a:r>
+          </a:p>
+          <a:p>
+            <a:r>
+              <a:rPr lang="en-US" dirty="0" smtClean="0"/>
+              <a:t>Sending information to the server</a:t>
+            </a:r>
+          </a:p>
+          <a:p>
+            <a:r>
+              <a:rPr lang="en-US" dirty="0" smtClean="0"/>
+              <a:t>Reading information on the server</a:t>
+            </a:r>
+            <a:endParaRPr lang="en-US" dirty="0"/>
+          </a:p>
+        </p:txBody>
+      </p:sp>
+    </p:spTree>
+    <p:extLst>
+      <p:ext uri="{BB962C8B-B14F-4D97-AF65-F5344CB8AC3E}">
+        <p14:creationId xmlns:p14="http://schemas.microsoft.com/office/powerpoint/2010/main" val="4238525272"/>
+      </p:ext>
+    </p:extLst>
+  </p:cSld>
+  <p:clrMapOvr>
+    <a:masterClrMapping/>
+  </p:clrMapOvr>
+  <p:timing>
+    <p:tnLst>
+      <p:par>
+        <p:cTn id="1" dur="indefinite" restart="never" nodeType="tmRoot"/>
+      </p:par>
+    </p:tnLst>
+  </p:timing>
+</p:sld>
+</file>
+
+<file path=ppt/slides/slide6.xml><?xml version="1.0" encoding="utf-8"?>
+<p:sld xmlns:a="http://schemas.openxmlformats.org/drawingml/2006/main" xmlns:r="http://schemas.openxmlformats.org/officeDocument/2006/relationships" xmlns:p="http://schemas.openxmlformats.org/presentationml/2006/main">
+  <p:cSld>
+    <p:spTree>
+      <p:nvGrpSpPr>
+        <p:cNvPr id="1" name=""/>
+        <p:cNvGrpSpPr/>
+        <p:nvPr/>
+      </p:nvGrpSpPr>
+      <p:grpSpPr>
+        <a:xfrm>
+          <a:off x="0" y="0"/>
+          <a:ext cx="0" cy="0"/>
+          <a:chOff x="0" y="0"/>
+          <a:chExt cx="0" cy="0"/>
+        </a:xfrm>
+      </p:grpSpPr>
+      <p:sp>
+        <p:nvSpPr>
+          <p:cNvPr id="2" name="Title 1"/>
+          <p:cNvSpPr>
+            <a:spLocks noGrp="1"/>
+          </p:cNvSpPr>
+          <p:nvPr>
+            <p:ph type="title"/>
+          </p:nvPr>
+        </p:nvSpPr>
+        <p:spPr/>
+        <p:txBody>
+          <a:bodyPr/>
+          <a:lstStyle/>
+          <a:p>
+            <a:r>
+              <a:rPr lang="en-US" dirty="0" smtClean="0"/>
+              <a:t>Collecting information from the user</a:t>
+            </a:r>
+            <a:endParaRPr lang="en-US" dirty="0"/>
+          </a:p>
+        </p:txBody>
+      </p:sp>
+      <p:sp>
+        <p:nvSpPr>
+          <p:cNvPr id="3" name="Content Placeholder 2"/>
+          <p:cNvSpPr>
+            <a:spLocks noGrp="1"/>
+          </p:cNvSpPr>
+          <p:nvPr>
+            <p:ph sz="quarter" idx="10"/>
+          </p:nvPr>
+        </p:nvSpPr>
+        <p:spPr/>
+        <p:txBody>
+          <a:bodyPr/>
+          <a:lstStyle/>
+          <a:p>
+            <a:r>
+              <a:rPr lang="en-US" dirty="0" smtClean="0"/>
+              <a:t>Input controls</a:t>
+            </a:r>
+          </a:p>
+          <a:p>
+            <a:endParaRPr lang="en-US" dirty="0"/>
+          </a:p>
+          <a:p>
+            <a:endParaRPr lang="en-US" dirty="0" smtClean="0"/>
+          </a:p>
+          <a:p>
+            <a:r>
+              <a:rPr lang="en-US" dirty="0" smtClean="0"/>
+              <a:t>Options</a:t>
+            </a:r>
+          </a:p>
+          <a:p>
+            <a:pPr lvl="1"/>
+            <a:r>
+              <a:rPr lang="en-US" dirty="0" smtClean="0"/>
+              <a:t>text</a:t>
+            </a:r>
+          </a:p>
+          <a:p>
+            <a:pPr lvl="1"/>
+            <a:r>
+              <a:rPr lang="en-US" dirty="0" smtClean="0"/>
+              <a:t>password</a:t>
+            </a:r>
+          </a:p>
+          <a:p>
+            <a:pPr lvl="1"/>
+            <a:r>
+              <a:rPr lang="en-US" dirty="0"/>
+              <a:t>e</a:t>
+            </a:r>
+            <a:r>
+              <a:rPr lang="en-US" dirty="0" smtClean="0"/>
+              <a:t>mail</a:t>
+            </a:r>
+            <a:endParaRPr lang="en-US" dirty="0"/>
+          </a:p>
+        </p:txBody>
+      </p:sp>
+      <p:sp>
+        <p:nvSpPr>
+          <p:cNvPr id="4" name="Rounded Rectangle 3"/>
+          <p:cNvSpPr/>
+          <p:nvPr/>
+        </p:nvSpPr>
+        <p:spPr>
+          <a:xfrm>
+            <a:off x="1371601" y="2315496"/>
+            <a:ext cx="7116096" cy="766916"/>
+          </a:xfrm>
+          <a:prstGeom prst="roundRect">
+            <a:avLst/>
+          </a:prstGeom>
+        </p:spPr>
+        <p:style>
+          <a:lnRef idx="1">
+            <a:schemeClr val="accent3"/>
+          </a:lnRef>
+          <a:fillRef idx="2">
+            <a:schemeClr val="accent3"/>
+          </a:fillRef>
+          <a:effectRef idx="1">
+            <a:schemeClr val="accent3"/>
+          </a:effectRef>
+          <a:fontRef idx="minor">
+            <a:schemeClr val="dk1"/>
+          </a:fontRef>
+        </p:style>
+        <p:txBody>
+          <a:bodyPr rtlCol="0" anchor="ctr"/>
+          <a:lstStyle/>
+          <a:p>
+            <a:pPr algn="ctr"/>
+            <a:r>
+              <a:rPr lang="en-US" sz="2400" dirty="0" smtClean="0">
+                <a:latin typeface="Consolas" panose="020B0609020204030204" pitchFamily="49" charset="0"/>
+                <a:cs typeface="Consolas" panose="020B0609020204030204" pitchFamily="49" charset="0"/>
+              </a:rPr>
+              <a:t>&lt;input type='&lt;type&gt;' name='&lt;name&gt;' /&gt;</a:t>
+            </a:r>
+            <a:endParaRPr lang="en-US" sz="2400" dirty="0">
+              <a:latin typeface="Consolas" panose="020B0609020204030204" pitchFamily="49" charset="0"/>
+              <a:cs typeface="Consolas" panose="020B0609020204030204" pitchFamily="49" charset="0"/>
+            </a:endParaRPr>
+          </a:p>
+        </p:txBody>
+      </p:sp>
+    </p:spTree>
+    <p:extLst>
+      <p:ext uri="{BB962C8B-B14F-4D97-AF65-F5344CB8AC3E}">
+        <p14:creationId xmlns:p14="http://schemas.microsoft.com/office/powerpoint/2010/main" val="2691396396"/>
+      </p:ext>
+    </p:extLst>
+  </p:cSld>
+  <p:clrMapOvr>
+    <a:masterClrMapping/>
+  </p:clrMapOvr>
+  <p:timing>
+    <p:tnLst>
+      <p:par>
+        <p:cTn id="1" dur="indefinite" restart="never" nodeType="tmRoot"/>
+      </p:par>
+    </p:tnLst>
+  </p:timing>
+</p:sld>
+</file>
+
+<file path=ppt/slides/slide7.xml><?xml version="1.0" encoding="utf-8"?>
+<p:sld xmlns:a="http://schemas.openxmlformats.org/drawingml/2006/main" xmlns:r="http://schemas.openxmlformats.org/officeDocument/2006/relationships" xmlns:p="http://schemas.openxmlformats.org/presentationml/2006/main">
+  <p:cSld>
+    <p:spTree>
+      <p:nvGrpSpPr>
+        <p:cNvPr id="1" name=""/>
+        <p:cNvGrpSpPr/>
+        <p:nvPr/>
+      </p:nvGrpSpPr>
+      <p:grpSpPr>
+        <a:xfrm>
+          <a:off x="0" y="0"/>
+          <a:ext cx="0" cy="0"/>
+          <a:chOff x="0" y="0"/>
+          <a:chExt cx="0" cy="0"/>
+        </a:xfrm>
+      </p:grpSpPr>
+      <p:sp>
+        <p:nvSpPr>
+          <p:cNvPr id="2" name="Title 1"/>
+          <p:cNvSpPr>
+            <a:spLocks noGrp="1"/>
+          </p:cNvSpPr>
+          <p:nvPr>
+            <p:ph type="title"/>
+          </p:nvPr>
+        </p:nvSpPr>
+        <p:spPr/>
+        <p:txBody>
+          <a:bodyPr/>
+          <a:lstStyle/>
+          <a:p>
+            <a:r>
+              <a:rPr lang="en-US" dirty="0" smtClean="0"/>
+              <a:t>Sending information to the server</a:t>
+            </a:r>
+            <a:endParaRPr lang="en-US" dirty="0"/>
+          </a:p>
+        </p:txBody>
+      </p:sp>
+      <p:sp>
+        <p:nvSpPr>
+          <p:cNvPr id="3" name="Content Placeholder 2"/>
+          <p:cNvSpPr>
+            <a:spLocks noGrp="1"/>
+          </p:cNvSpPr>
+          <p:nvPr>
+            <p:ph sz="quarter" idx="10"/>
+          </p:nvPr>
+        </p:nvSpPr>
+        <p:spPr/>
+        <p:txBody>
+          <a:bodyPr/>
+          <a:lstStyle/>
+          <a:p>
+            <a:r>
+              <a:rPr lang="en-US" dirty="0" smtClean="0"/>
+              <a:t>Form element controls where and how the information is sent</a:t>
+            </a:r>
+          </a:p>
+          <a:p>
+            <a:r>
+              <a:rPr lang="en-US" dirty="0" smtClean="0"/>
+              <a:t>Where is controlled by </a:t>
+            </a:r>
+            <a:r>
+              <a:rPr lang="en-US" b="1" dirty="0" smtClean="0"/>
+              <a:t>action</a:t>
+            </a:r>
+            <a:r>
+              <a:rPr lang="en-US" dirty="0" smtClean="0"/>
+              <a:t> parameter</a:t>
+            </a:r>
+          </a:p>
+          <a:p>
+            <a:pPr lvl="1"/>
+            <a:r>
+              <a:rPr lang="en-US" dirty="0" smtClean="0"/>
+              <a:t>Defaults back to the same "page"</a:t>
+            </a:r>
+          </a:p>
+          <a:p>
+            <a:r>
+              <a:rPr lang="en-US" dirty="0" smtClean="0"/>
+              <a:t>How is controlled by </a:t>
+            </a:r>
+            <a:r>
+              <a:rPr lang="en-US" b="1" dirty="0" smtClean="0"/>
+              <a:t>method</a:t>
+            </a:r>
+            <a:r>
+              <a:rPr lang="en-US" dirty="0" smtClean="0"/>
+              <a:t> parameter</a:t>
+            </a:r>
+          </a:p>
+          <a:p>
+            <a:pPr lvl="1"/>
+            <a:r>
+              <a:rPr lang="en-US" dirty="0" smtClean="0"/>
+              <a:t>get puts form data in the URL</a:t>
+            </a:r>
+          </a:p>
+          <a:p>
+            <a:pPr lvl="2"/>
+            <a:r>
+              <a:rPr lang="en-US" dirty="0" smtClean="0"/>
+              <a:t>Visible and </a:t>
+            </a:r>
+            <a:r>
+              <a:rPr lang="en-US" dirty="0" err="1" smtClean="0"/>
+              <a:t>replayable</a:t>
+            </a:r>
+            <a:endParaRPr lang="en-US" dirty="0" smtClean="0"/>
+          </a:p>
+          <a:p>
+            <a:pPr lvl="1"/>
+            <a:r>
+              <a:rPr lang="en-US" dirty="0" smtClean="0"/>
+              <a:t>post puts form data in the header</a:t>
+            </a:r>
+          </a:p>
+          <a:p>
+            <a:pPr lvl="2"/>
+            <a:r>
+              <a:rPr lang="en-US" dirty="0" smtClean="0"/>
+              <a:t>Hidden behind the scenes</a:t>
+            </a:r>
+            <a:endParaRPr lang="en-US" dirty="0"/>
+          </a:p>
+        </p:txBody>
+      </p:sp>
+      <p:sp>
+        <p:nvSpPr>
+          <p:cNvPr id="4" name="Rounded Rectangle 3"/>
+          <p:cNvSpPr/>
+          <p:nvPr/>
+        </p:nvSpPr>
+        <p:spPr>
+          <a:xfrm>
+            <a:off x="7020232" y="5117690"/>
+            <a:ext cx="4948084" cy="1460090"/>
+          </a:xfrm>
+          <a:prstGeom prst="roundRect">
+            <a:avLst/>
+          </a:prstGeom>
+        </p:spPr>
+        <p:style>
+          <a:lnRef idx="1">
+            <a:schemeClr val="accent5"/>
+          </a:lnRef>
+          <a:fillRef idx="2">
+            <a:schemeClr val="accent5"/>
+          </a:fillRef>
+          <a:effectRef idx="1">
+            <a:schemeClr val="accent5"/>
+          </a:effectRef>
+          <a:fontRef idx="minor">
+            <a:schemeClr val="dk1"/>
+          </a:fontRef>
+        </p:style>
+        <p:txBody>
+          <a:bodyPr rtlCol="0" anchor="ctr"/>
+          <a:lstStyle/>
+          <a:p>
+            <a:r>
+              <a:rPr lang="en-US" sz="2400" dirty="0" smtClean="0">
+                <a:latin typeface="Consolas" panose="020B0609020204030204" pitchFamily="49" charset="0"/>
+                <a:cs typeface="Consolas" panose="020B0609020204030204" pitchFamily="49" charset="0"/>
+              </a:rPr>
+              <a:t>&lt;form method='post'&gt;</a:t>
+            </a:r>
+          </a:p>
+          <a:p>
+            <a:r>
+              <a:rPr lang="en-US" sz="2400" dirty="0" smtClean="0">
+                <a:latin typeface="Consolas" panose="020B0609020204030204" pitchFamily="49" charset="0"/>
+                <a:cs typeface="Consolas" panose="020B0609020204030204" pitchFamily="49" charset="0"/>
+              </a:rPr>
+              <a:t>    ... Input controls ...</a:t>
+            </a:r>
+          </a:p>
+          <a:p>
+            <a:r>
+              <a:rPr lang="en-US" sz="2400" dirty="0" smtClean="0">
+                <a:latin typeface="Consolas" panose="020B0609020204030204" pitchFamily="49" charset="0"/>
+                <a:cs typeface="Consolas" panose="020B0609020204030204" pitchFamily="49" charset="0"/>
+              </a:rPr>
+              <a:t>&lt;/form&gt;</a:t>
+            </a:r>
+            <a:endParaRPr lang="en-US" sz="2400" dirty="0">
+              <a:latin typeface="Consolas" panose="020B0609020204030204" pitchFamily="49" charset="0"/>
+              <a:cs typeface="Consolas" panose="020B0609020204030204" pitchFamily="49" charset="0"/>
+            </a:endParaRPr>
+          </a:p>
+        </p:txBody>
+      </p:sp>
+    </p:spTree>
+    <p:extLst>
+      <p:ext uri="{BB962C8B-B14F-4D97-AF65-F5344CB8AC3E}">
+        <p14:creationId xmlns:p14="http://schemas.microsoft.com/office/powerpoint/2010/main" val="1597828484"/>
+      </p:ext>
+    </p:extLst>
+  </p:cSld>
+  <p:clrMapOvr>
+    <a:masterClrMapping/>
+  </p:clrMapOvr>
+  <p:timing>
+    <p:tnLst>
+      <p:par>
+        <p:cTn id="1" dur="indefinite" restart="never" nodeType="tmRoot"/>
+      </p:par>
+    </p:tnLst>
+  </p:timing>
+</p:sld>
+</file>
+
+<file path=ppt/slides/slide8.xml><?xml version="1.0" encoding="utf-8"?>
+<p:sld xmlns:a="http://schemas.openxmlformats.org/drawingml/2006/main" xmlns:r="http://schemas.openxmlformats.org/officeDocument/2006/relationships" xmlns:p="http://schemas.openxmlformats.org/presentationml/2006/main">
+  <p:cSld>
+    <p:spTree>
+      <p:nvGrpSpPr>
+        <p:cNvPr id="1" name=""/>
+        <p:cNvGrpSpPr/>
+        <p:nvPr/>
+      </p:nvGrpSpPr>
+      <p:grpSpPr>
+        <a:xfrm>
+          <a:off x="0" y="0"/>
+          <a:ext cx="0" cy="0"/>
+          <a:chOff x="0" y="0"/>
+          <a:chExt cx="0" cy="0"/>
+        </a:xfrm>
+      </p:grpSpPr>
+      <p:sp>
+        <p:nvSpPr>
+          <p:cNvPr id="2" name="Title 1"/>
+          <p:cNvSpPr>
+            <a:spLocks noGrp="1"/>
+          </p:cNvSpPr>
+          <p:nvPr>
+            <p:ph type="title"/>
+          </p:nvPr>
+        </p:nvSpPr>
+        <p:spPr/>
+        <p:txBody>
+          <a:bodyPr/>
+          <a:lstStyle/>
+          <a:p>
+            <a:r>
+              <a:rPr lang="en-US" dirty="0" smtClean="0"/>
+              <a:t>Reading information on the server</a:t>
+            </a:r>
+            <a:endParaRPr lang="en-US" dirty="0"/>
+          </a:p>
+        </p:txBody>
+      </p:sp>
+      <p:sp>
+        <p:nvSpPr>
+          <p:cNvPr id="3" name="Content Placeholder 2"/>
+          <p:cNvSpPr>
+            <a:spLocks noGrp="1"/>
+          </p:cNvSpPr>
+          <p:nvPr>
+            <p:ph sz="quarter" idx="10"/>
+          </p:nvPr>
+        </p:nvSpPr>
+        <p:spPr/>
+        <p:txBody>
+          <a:bodyPr/>
+          <a:lstStyle/>
+          <a:p>
+            <a:r>
+              <a:rPr lang="en-US" dirty="0" smtClean="0"/>
+              <a:t>Information is available in </a:t>
+            </a:r>
+            <a:r>
+              <a:rPr lang="en-US" dirty="0" err="1" smtClean="0"/>
+              <a:t>request.form</a:t>
+            </a:r>
+            <a:r>
+              <a:rPr lang="en-US" dirty="0" smtClean="0"/>
+              <a:t> collection</a:t>
+            </a:r>
+          </a:p>
+          <a:p>
+            <a:pPr lvl="1"/>
+            <a:r>
+              <a:rPr lang="en-US" dirty="0" smtClean="0"/>
+              <a:t>Names match the names on the input controls</a:t>
+            </a:r>
+            <a:endParaRPr lang="en-US" dirty="0"/>
+          </a:p>
+        </p:txBody>
+      </p:sp>
+      <p:sp>
+        <p:nvSpPr>
+          <p:cNvPr id="4" name="Rounded Rectangle 3"/>
+          <p:cNvSpPr/>
+          <p:nvPr/>
+        </p:nvSpPr>
+        <p:spPr>
+          <a:xfrm>
+            <a:off x="508821" y="2514599"/>
+            <a:ext cx="7116096" cy="766916"/>
+          </a:xfrm>
+          <a:prstGeom prst="roundRect">
+            <a:avLst/>
+          </a:prstGeom>
+        </p:spPr>
+        <p:style>
+          <a:lnRef idx="1">
+            <a:schemeClr val="accent1"/>
+          </a:lnRef>
+          <a:fillRef idx="2">
+            <a:schemeClr val="accent1"/>
+          </a:fillRef>
+          <a:effectRef idx="1">
+            <a:schemeClr val="accent1"/>
+          </a:effectRef>
+          <a:fontRef idx="minor">
+            <a:schemeClr val="dk1"/>
+          </a:fontRef>
+        </p:style>
+        <p:txBody>
+          <a:bodyPr rtlCol="0" anchor="ctr"/>
+          <a:lstStyle/>
+          <a:p>
+            <a:pPr algn="ctr"/>
+            <a:r>
+              <a:rPr lang="en-US" sz="2400" dirty="0" smtClean="0">
+                <a:latin typeface="Consolas" panose="020B0609020204030204" pitchFamily="49" charset="0"/>
+                <a:cs typeface="Consolas" panose="020B0609020204030204" pitchFamily="49" charset="0"/>
+              </a:rPr>
+              <a:t>&lt;input type='text' name='answer' /&gt;</a:t>
+            </a:r>
+            <a:endParaRPr lang="en-US" sz="2400" dirty="0">
+              <a:latin typeface="Consolas" panose="020B0609020204030204" pitchFamily="49" charset="0"/>
+              <a:cs typeface="Consolas" panose="020B0609020204030204" pitchFamily="49" charset="0"/>
+            </a:endParaRPr>
+          </a:p>
+        </p:txBody>
+      </p:sp>
+      <p:sp>
+        <p:nvSpPr>
+          <p:cNvPr id="5" name="Rounded Rectangle 4"/>
+          <p:cNvSpPr/>
+          <p:nvPr/>
+        </p:nvSpPr>
+        <p:spPr>
+          <a:xfrm>
+            <a:off x="4208208" y="4596606"/>
+            <a:ext cx="7116096" cy="766916"/>
+          </a:xfrm>
+          <a:prstGeom prst="roundRect">
+            <a:avLst/>
+          </a:prstGeom>
+        </p:spPr>
+        <p:style>
+          <a:lnRef idx="1">
+            <a:schemeClr val="accent3"/>
+          </a:lnRef>
+          <a:fillRef idx="2">
+            <a:schemeClr val="accent3"/>
+          </a:fillRef>
+          <a:effectRef idx="1">
+            <a:schemeClr val="accent3"/>
+          </a:effectRef>
+          <a:fontRef idx="minor">
+            <a:schemeClr val="dk1"/>
+          </a:fontRef>
+        </p:style>
+        <p:txBody>
+          <a:bodyPr rtlCol="0" anchor="ctr"/>
+          <a:lstStyle/>
+          <a:p>
+            <a:pPr algn="ctr"/>
+            <a:r>
+              <a:rPr lang="en-US" sz="2400" dirty="0" smtClean="0">
+                <a:latin typeface="Consolas" panose="020B0609020204030204" pitchFamily="49" charset="0"/>
+                <a:cs typeface="Consolas" panose="020B0609020204030204" pitchFamily="49" charset="0"/>
+              </a:rPr>
+              <a:t>name = </a:t>
+            </a:r>
+            <a:r>
+              <a:rPr lang="en-US" sz="2400" dirty="0" err="1" smtClean="0">
+                <a:latin typeface="Consolas" panose="020B0609020204030204" pitchFamily="49" charset="0"/>
+                <a:cs typeface="Consolas" panose="020B0609020204030204" pitchFamily="49" charset="0"/>
+              </a:rPr>
+              <a:t>request.form</a:t>
+            </a:r>
+            <a:r>
+              <a:rPr lang="en-US" sz="2400" dirty="0" smtClean="0">
+                <a:latin typeface="Consolas" panose="020B0609020204030204" pitchFamily="49" charset="0"/>
+                <a:cs typeface="Consolas" panose="020B0609020204030204" pitchFamily="49" charset="0"/>
+              </a:rPr>
+              <a:t>['answer']</a:t>
+            </a:r>
+            <a:endParaRPr lang="en-US" sz="2400" dirty="0">
+              <a:latin typeface="Consolas" panose="020B0609020204030204" pitchFamily="49" charset="0"/>
+              <a:cs typeface="Consolas" panose="020B0609020204030204" pitchFamily="49" charset="0"/>
+            </a:endParaRPr>
+          </a:p>
+        </p:txBody>
+      </p:sp>
+      <p:cxnSp>
+        <p:nvCxnSpPr>
+          <p:cNvPr id="7" name="Elbow Connector 6"/>
+          <p:cNvCxnSpPr>
+            <a:stCxn id="4" idx="2"/>
+            <a:endCxn id="5" idx="0"/>
+          </p:cNvCxnSpPr>
+          <p:nvPr/>
+        </p:nvCxnSpPr>
+        <p:spPr>
+          <a:xfrm rot="16200000" flipH="1">
+            <a:off x="5259017" y="2089366"/>
+            <a:ext cx="1315091" cy="3699387"/>
+          </a:xfrm>
+          <a:prstGeom prst="bentConnector3">
+            <a:avLst/>
+          </a:prstGeom>
+          <a:ln>
+            <a:tailEnd type="triangle"/>
+          </a:ln>
+        </p:spPr>
+        <p:style>
+          <a:lnRef idx="3">
+            <a:schemeClr val="accent4"/>
+          </a:lnRef>
+          <a:fillRef idx="0">
+            <a:schemeClr val="accent4"/>
+          </a:fillRef>
+          <a:effectRef idx="2">
+            <a:schemeClr val="accent4"/>
+          </a:effectRef>
+          <a:fontRef idx="minor">
+            <a:schemeClr val="tx1"/>
+          </a:fontRef>
+        </p:style>
+      </p:cxnSp>
+    </p:spTree>
+    <p:extLst>
+      <p:ext uri="{BB962C8B-B14F-4D97-AF65-F5344CB8AC3E}">
+        <p14:creationId xmlns:p14="http://schemas.microsoft.com/office/powerpoint/2010/main" val="3805086769"/>
+      </p:ext>
+    </p:extLst>
+  </p:cSld>
+  <p:clrMapOvr>
+    <a:masterClrMapping/>
+  </p:clrMapOvr>
+  <p:timing>
+    <p:tnLst>
+      <p:par>
+        <p:cTn id="1" dur="indefinite" restart="never" nodeType="tmRoot">
+          <p:childTnLst>
+            <p:seq concurrent="1" nextAc="seek">
+              <p:cTn id="2" dur="indefinite" nodeType="mainSeq">
+                <p:childTnLst>
+                  <p:par>
+                    <p:cTn id="3" fill="hold">
+                      <p:stCondLst>
+                        <p:cond delay="indefinite"/>
+                      </p:stCondLst>
+                      <p:childTnLst>
+                        <p:par>
+                          <p:cTn id="4" fill="hold">
+                            <p:stCondLst>
+                              <p:cond delay="0"/>
+                            </p:stCondLst>
+                            <p:childTnLst>
+                              <p:par>
+                                <p:cTn id="5" presetID="10" presetClass="entr" presetSubtype="0" fill="hold" grpId="0" nodeType="clickEffect">
+                                  <p:stCondLst>
+                                    <p:cond delay="0"/>
+                                  </p:stCondLst>
+                                  <p:childTnLst>
+                                    <p:set>
+                                      <p:cBhvr>
+                                        <p:cTn id="6" dur="1" fill="hold">
+                                          <p:stCondLst>
+                                            <p:cond delay="0"/>
+                                          </p:stCondLst>
+                                        </p:cTn>
+                                        <p:tgtEl>
+                                          <p:spTgt spid="4"/>
+                                        </p:tgtEl>
+                                        <p:attrNameLst>
+                                          <p:attrName>style.visibility</p:attrName>
+                                        </p:attrNameLst>
+                                      </p:cBhvr>
+                                      <p:to>
+                                        <p:strVal val="visible"/>
+                                      </p:to>
+                                    </p:set>
+                                    <p:animEffect transition="in" filter="fade">
+                                      <p:cBhvr>
+                                        <p:cTn id="7" dur="500"/>
+                                        <p:tgtEl>
+                                          <p:spTgt spid="4"/>
+                                        </p:tgtEl>
+                                      </p:cBhvr>
+                                    </p:animEffect>
+                                  </p:childTnLst>
+                                </p:cTn>
+                              </p:par>
+                            </p:childTnLst>
+                          </p:cTn>
+                        </p:par>
+                      </p:childTnLst>
+                    </p:cTn>
+                  </p:par>
+                  <p:par>
+                    <p:cTn id="8" fill="hold">
+                      <p:stCondLst>
+                        <p:cond delay="indefinite"/>
+                      </p:stCondLst>
+                      <p:childTnLst>
+                        <p:par>
+                          <p:cTn id="9" fill="hold">
+                            <p:stCondLst>
+                              <p:cond delay="0"/>
+                            </p:stCondLst>
+                            <p:childTnLst>
+                              <p:par>
+                                <p:cTn id="10" presetID="10" presetClass="entr" presetSubtype="0" fill="hold" nodeType="clickEffect">
+                                  <p:stCondLst>
+                                    <p:cond delay="0"/>
+                                  </p:stCondLst>
+                                  <p:childTnLst>
+                                    <p:set>
+                                      <p:cBhvr>
+                                        <p:cTn id="11" dur="1" fill="hold">
+                                          <p:stCondLst>
+                                            <p:cond delay="0"/>
+                                          </p:stCondLst>
+                                        </p:cTn>
+                                        <p:tgtEl>
+                                          <p:spTgt spid="7"/>
+                                        </p:tgtEl>
+                                        <p:attrNameLst>
+                                          <p:attrName>style.visibility</p:attrName>
+                                        </p:attrNameLst>
+                                      </p:cBhvr>
+                                      <p:to>
+                                        <p:strVal val="visible"/>
+                                      </p:to>
+                                    </p:set>
+                                    <p:animEffect transition="in" filter="fade">
+                                      <p:cBhvr>
+                                        <p:cTn id="12" dur="500"/>
+                                        <p:tgtEl>
+                                          <p:spTgt spid="7"/>
+                                        </p:tgtEl>
+                                      </p:cBhvr>
+                                    </p:animEffect>
+                                  </p:childTnLst>
+                                </p:cTn>
+                              </p:par>
+                              <p:par>
+                                <p:cTn id="13" presetID="10" presetClass="entr" presetSubtype="0" fill="hold" grpId="0" nodeType="withEffect">
+                                  <p:stCondLst>
+                                    <p:cond delay="0"/>
+                                  </p:stCondLst>
+                                  <p:childTnLst>
+                                    <p:set>
+                                      <p:cBhvr>
+                                        <p:cTn id="14" dur="1" fill="hold">
+                                          <p:stCondLst>
+                                            <p:cond delay="0"/>
+                                          </p:stCondLst>
+                                        </p:cTn>
+                                        <p:tgtEl>
+                                          <p:spTgt spid="5"/>
+                                        </p:tgtEl>
+                                        <p:attrNameLst>
+                                          <p:attrName>style.visibility</p:attrName>
+                                        </p:attrNameLst>
+                                      </p:cBhvr>
+                                      <p:to>
+                                        <p:strVal val="visible"/>
+                                      </p:to>
+                                    </p:set>
+                                    <p:animEffect transition="in" filter="fade">
+                                      <p:cBhvr>
+                                        <p:cTn id="15" dur="500"/>
+                                        <p:tgtEl>
+                                          <p:spTgt spid="5"/>
+                                        </p:tgtEl>
+                                      </p:cBhvr>
+                                    </p:animEffect>
+                                  </p:childTnLst>
+                                </p:cTn>
+                              </p:par>
+                            </p:childTnLst>
+                          </p:cTn>
+                        </p:par>
+                      </p:childTnLst>
+                    </p:cTn>
+                  </p:par>
+                </p:childTnLst>
+              </p:cTn>
+              <p:prevCondLst>
+                <p:cond evt="onPrev" delay="0">
+                  <p:tgtEl>
+                    <p:sldTgt/>
+                  </p:tgtEl>
+                </p:cond>
+              </p:prevCondLst>
+              <p:nextCondLst>
+                <p:cond evt="onNext" delay="0">
+                  <p:tgtEl>
+                    <p:sldTgt/>
+                  </p:tgtEl>
+                </p:cond>
+              </p:nextCondLst>
+            </p:seq>
+          </p:childTnLst>
+        </p:cTn>
+      </p:par>
+    </p:tnLst>
+    <p:bldLst>
+      <p:bldP spid="4" grpId="0" animBg="1"/>
+      <p:bldP spid="5" grpId="0" animBg="1"/>
+    </p:bldLst>
+  </p:timing>
+</p:sld>
+</file>
+
+<file path=ppt/slides/slide9.xml><?xml version="1.0" encoding="utf-8"?>
+<p:sld xmlns:a="http://schemas.openxmlformats.org/drawingml/2006/main" xmlns:r="http://schemas.openxmlformats.org/officeDocument/2006/relationships" xmlns:p="http://schemas.openxmlformats.org/presentationml/2006/main">
+  <p:cSld>
+    <p:spTree>
+      <p:nvGrpSpPr>
+        <p:cNvPr id="1" name=""/>
+        <p:cNvGrpSpPr/>
+        <p:nvPr/>
+      </p:nvGrpSpPr>
+      <p:grpSpPr>
+        <a:xfrm>
+          <a:off x="0" y="0"/>
+          <a:ext cx="0" cy="0"/>
+          <a:chOff x="0" y="0"/>
+          <a:chExt cx="0" cy="0"/>
+        </a:xfrm>
+      </p:grpSpPr>
+      <p:sp>
+        <p:nvSpPr>
+          <p:cNvPr id="4" name="Title 3"/>
+          <p:cNvSpPr>
+            <a:spLocks noGrp="1"/>
+          </p:cNvSpPr>
+          <p:nvPr>
+            <p:ph type="title"/>
+          </p:nvPr>
+        </p:nvSpPr>
+        <p:spPr/>
+        <p:txBody>
+          <a:bodyPr/>
+          <a:lstStyle/>
+          <a:p>
+            <a:r>
+              <a:rPr lang="en-US" dirty="0" smtClean="0"/>
+              <a:t>Creating the form</a:t>
+            </a:r>
+            <a:endParaRPr lang="en-US" dirty="0"/>
+          </a:p>
+        </p:txBody>
+      </p:sp>
+    </p:spTree>
+    <p:extLst>
+      <p:ext uri="{BB962C8B-B14F-4D97-AF65-F5344CB8AC3E}">
+        <p14:creationId xmlns:p14="http://schemas.microsoft.com/office/powerpoint/2010/main" val="2983173338"/>
+      </p:ext>
+    </p:extLst>
+  </p:cSld>
+  <p:clrMapOvr>
+    <a:masterClrMapping/>
+  </p:clrMapOvr>
+  <p:timing>
+    <p:tnLst>
+      <p:par>
+        <p:cTn id="1" dur="indefinite" restart="never" nodeType="tmRoot"/>
+      </p:par>
+    </p:tnLst>
   </p:timing>
 </p:sld>
 </file>
@@ -9853,12 +8619,16 @@
 </file>
 
 <file path=customXml/item1.xml><?xml version="1.0" encoding="utf-8"?>
-<?mso-contentType ?>
-<FormTemplates xmlns="http://schemas.microsoft.com/sharepoint/v3/contenttype/forms">
-  <Display>DocumentLibraryForm</Display>
-  <Edit>DocumentLibraryForm</Edit>
-  <New>DocumentLibraryForm</New>
-</FormTemplates>
+<p:properties xmlns:p="http://schemas.microsoft.com/office/2006/metadata/properties" xmlns:xsi="http://www.w3.org/2001/XMLSchema-instance" xmlns:pc="http://schemas.microsoft.com/office/infopath/2007/PartnerControls">
+  <documentManagement>
+    <TaxCatchAll xmlns="230e9df3-be65-4c73-a93b-d1236ebd677e"/>
+    <PublishingExpirationDate xmlns="http://schemas.microsoft.com/sharepoint/v3" xsi:nil="true"/>
+    <PublishingStartDate xmlns="http://schemas.microsoft.com/sharepoint/v3" xsi:nil="true"/>
+    <TaxKeywordTaxHTField xmlns="230e9df3-be65-4c73-a93b-d1236ebd677e">
+      <Terms xmlns="http://schemas.microsoft.com/office/infopath/2007/PartnerControls"/>
+    </TaxKeywordTaxHTField>
+  </documentManagement>
+</p:properties>
 </file>
 
 <file path=customXml/item2.xml><?xml version="1.0" encoding="utf-8"?>
@@ -10044,22 +8814,28 @@
 </file>
 
 <file path=customXml/item3.xml><?xml version="1.0" encoding="utf-8"?>
-<p:properties xmlns:p="http://schemas.microsoft.com/office/2006/metadata/properties" xmlns:xsi="http://www.w3.org/2001/XMLSchema-instance" xmlns:pc="http://schemas.microsoft.com/office/infopath/2007/PartnerControls">
-  <documentManagement>
-    <TaxCatchAll xmlns="230e9df3-be65-4c73-a93b-d1236ebd677e"/>
-    <PublishingExpirationDate xmlns="http://schemas.microsoft.com/sharepoint/v3" xsi:nil="true"/>
-    <PublishingStartDate xmlns="http://schemas.microsoft.com/sharepoint/v3" xsi:nil="true"/>
-    <TaxKeywordTaxHTField xmlns="230e9df3-be65-4c73-a93b-d1236ebd677e">
-      <Terms xmlns="http://schemas.microsoft.com/office/infopath/2007/PartnerControls"/>
-    </TaxKeywordTaxHTField>
-  </documentManagement>
-</p:properties>
+<?mso-contentType ?>
+<FormTemplates xmlns="http://schemas.microsoft.com/sharepoint/v3/contenttype/forms">
+  <Display>DocumentLibraryForm</Display>
+  <Edit>DocumentLibraryForm</Edit>
+  <New>DocumentLibraryForm</New>
+</FormTemplates>
 </file>
 
 <file path=customXml/itemProps1.xml><?xml version="1.0" encoding="utf-8"?>
-<ds:datastoreItem xmlns:ds="http://schemas.openxmlformats.org/officeDocument/2006/customXml" ds:itemID="{B0CA13EC-1D3C-4D6F-8D1C-E8A452CFC79A}">
+<ds:datastoreItem xmlns:ds="http://schemas.openxmlformats.org/officeDocument/2006/customXml" ds:itemID="{7025FDD9-4C58-4084-9F89-0E6ADD6FFF55}">
   <ds:schemaRefs>
-    <ds:schemaRef ds:uri="http://schemas.microsoft.com/sharepoint/v3/contenttype/forms"/>
+    <ds:schemaRef ds:uri="230e9df3-be65-4c73-a93b-d1236ebd677e"/>
+    <ds:schemaRef ds:uri="http://schemas.microsoft.com/office/2006/metadata/properties"/>
+    <ds:schemaRef ds:uri="http://purl.org/dc/dcmitype/"/>
+    <ds:schemaRef ds:uri="http://schemas.microsoft.com/office/infopath/2007/PartnerControls"/>
+    <ds:schemaRef ds:uri="http://schemas.openxmlformats.org/package/2006/metadata/core-properties"/>
+    <ds:schemaRef ds:uri="http://schemas.microsoft.com/office/2006/documentManagement/types"/>
+    <ds:schemaRef ds:uri="http://purl.org/dc/elements/1.1/"/>
+    <ds:schemaRef ds:uri="http://schemas.microsoft.com/sharepoint/v3"/>
+    <ds:schemaRef ds:uri="http://www.w3.org/XML/1998/namespace"/>
+    <ds:schemaRef ds:uri="27aa9422-7f1f-4c84-9cdf-302b1a67e513"/>
+    <ds:schemaRef ds:uri="http://purl.org/dc/terms/"/>
   </ds:schemaRefs>
 </ds:datastoreItem>
 </file>
@@ -10085,19 +8861,9 @@
 </file>
 
 <file path=customXml/itemProps3.xml><?xml version="1.0" encoding="utf-8"?>
-<ds:datastoreItem xmlns:ds="http://schemas.openxmlformats.org/officeDocument/2006/customXml" ds:itemID="{7025FDD9-4C58-4084-9F89-0E6ADD6FFF55}">
+<ds:datastoreItem xmlns:ds="http://schemas.openxmlformats.org/officeDocument/2006/customXml" ds:itemID="{B0CA13EC-1D3C-4D6F-8D1C-E8A452CFC79A}">
   <ds:schemaRefs>
-    <ds:schemaRef ds:uri="230e9df3-be65-4c73-a93b-d1236ebd677e"/>
-    <ds:schemaRef ds:uri="http://schemas.microsoft.com/office/2006/metadata/properties"/>
-    <ds:schemaRef ds:uri="http://purl.org/dc/dcmitype/"/>
-    <ds:schemaRef ds:uri="http://schemas.microsoft.com/office/infopath/2007/PartnerControls"/>
-    <ds:schemaRef ds:uri="http://schemas.openxmlformats.org/package/2006/metadata/core-properties"/>
-    <ds:schemaRef ds:uri="http://schemas.microsoft.com/office/2006/documentManagement/types"/>
-    <ds:schemaRef ds:uri="http://purl.org/dc/elements/1.1/"/>
-    <ds:schemaRef ds:uri="http://schemas.microsoft.com/sharepoint/v3"/>
-    <ds:schemaRef ds:uri="http://www.w3.org/XML/1998/namespace"/>
-    <ds:schemaRef ds:uri="27aa9422-7f1f-4c84-9cdf-302b1a67e513"/>
-    <ds:schemaRef ds:uri="http://purl.org/dc/terms/"/>
+    <ds:schemaRef ds:uri="http://schemas.microsoft.com/sharepoint/v3/contenttype/forms"/>
   </ds:schemaRefs>
 </ds:datastoreItem>
 </file>
--- a/Slides/Module 3 - Creating an interface.pptx
+++ b/Slides/Module 3 - Creating an interface.pptx
@@ -5395,9 +5395,243 @@
   <p:timing>
     <p:tnLst>
       <p:par>
-        <p:cTn id="1" dur="indefinite" restart="never" nodeType="tmRoot"/>
+        <p:cTn id="1" dur="indefinite" restart="never" nodeType="tmRoot">
+          <p:childTnLst>
+            <p:seq concurrent="1" nextAc="seek">
+              <p:cTn id="2" dur="indefinite" nodeType="mainSeq">
+                <p:childTnLst>
+                  <p:par>
+                    <p:cTn id="3" fill="hold">
+                      <p:stCondLst>
+                        <p:cond delay="indefinite"/>
+                      </p:stCondLst>
+                      <p:childTnLst>
+                        <p:par>
+                          <p:cTn id="4" fill="hold">
+                            <p:stCondLst>
+                              <p:cond delay="0"/>
+                            </p:stCondLst>
+                            <p:childTnLst>
+                              <p:par>
+                                <p:cTn id="5" presetID="10" presetClass="entr" presetSubtype="0" fill="hold" grpId="0" nodeType="clickEffect">
+                                  <p:stCondLst>
+                                    <p:cond delay="0"/>
+                                  </p:stCondLst>
+                                  <p:childTnLst>
+                                    <p:set>
+                                      <p:cBhvr>
+                                        <p:cTn id="6" dur="1" fill="hold">
+                                          <p:stCondLst>
+                                            <p:cond delay="0"/>
+                                          </p:stCondLst>
+                                        </p:cTn>
+                                        <p:tgtEl>
+                                          <p:spTgt spid="3">
+                                            <p:txEl>
+                                              <p:pRg st="0" end="0"/>
+                                            </p:txEl>
+                                          </p:spTgt>
+                                        </p:tgtEl>
+                                        <p:attrNameLst>
+                                          <p:attrName>style.visibility</p:attrName>
+                                        </p:attrNameLst>
+                                      </p:cBhvr>
+                                      <p:to>
+                                        <p:strVal val="visible"/>
+                                      </p:to>
+                                    </p:set>
+                                    <p:animEffect transition="in" filter="fade">
+                                      <p:cBhvr>
+                                        <p:cTn id="7" dur="500"/>
+                                        <p:tgtEl>
+                                          <p:spTgt spid="3">
+                                            <p:txEl>
+                                              <p:pRg st="0" end="0"/>
+                                            </p:txEl>
+                                          </p:spTgt>
+                                        </p:tgtEl>
+                                      </p:cBhvr>
+                                    </p:animEffect>
+                                  </p:childTnLst>
+                                </p:cTn>
+                              </p:par>
+                            </p:childTnLst>
+                          </p:cTn>
+                        </p:par>
+                      </p:childTnLst>
+                    </p:cTn>
+                  </p:par>
+                  <p:par>
+                    <p:cTn id="8" fill="hold">
+                      <p:stCondLst>
+                        <p:cond delay="indefinite"/>
+                      </p:stCondLst>
+                      <p:childTnLst>
+                        <p:par>
+                          <p:cTn id="9" fill="hold">
+                            <p:stCondLst>
+                              <p:cond delay="0"/>
+                            </p:stCondLst>
+                            <p:childTnLst>
+                              <p:par>
+                                <p:cTn id="10" presetID="10" presetClass="entr" presetSubtype="0" fill="hold" grpId="0" nodeType="clickEffect">
+                                  <p:stCondLst>
+                                    <p:cond delay="0"/>
+                                  </p:stCondLst>
+                                  <p:childTnLst>
+                                    <p:set>
+                                      <p:cBhvr>
+                                        <p:cTn id="11" dur="1" fill="hold">
+                                          <p:stCondLst>
+                                            <p:cond delay="0"/>
+                                          </p:stCondLst>
+                                        </p:cTn>
+                                        <p:tgtEl>
+                                          <p:spTgt spid="3">
+                                            <p:txEl>
+                                              <p:pRg st="2" end="2"/>
+                                            </p:txEl>
+                                          </p:spTgt>
+                                        </p:tgtEl>
+                                        <p:attrNameLst>
+                                          <p:attrName>style.visibility</p:attrName>
+                                        </p:attrNameLst>
+                                      </p:cBhvr>
+                                      <p:to>
+                                        <p:strVal val="visible"/>
+                                      </p:to>
+                                    </p:set>
+                                    <p:animEffect transition="in" filter="fade">
+                                      <p:cBhvr>
+                                        <p:cTn id="12" dur="500"/>
+                                        <p:tgtEl>
+                                          <p:spTgt spid="3">
+                                            <p:txEl>
+                                              <p:pRg st="2" end="2"/>
+                                            </p:txEl>
+                                          </p:spTgt>
+                                        </p:tgtEl>
+                                      </p:cBhvr>
+                                    </p:animEffect>
+                                  </p:childTnLst>
+                                </p:cTn>
+                              </p:par>
+                              <p:par>
+                                <p:cTn id="13" presetID="10" presetClass="entr" presetSubtype="0" fill="hold" grpId="0" nodeType="withEffect">
+                                  <p:stCondLst>
+                                    <p:cond delay="0"/>
+                                  </p:stCondLst>
+                                  <p:childTnLst>
+                                    <p:set>
+                                      <p:cBhvr>
+                                        <p:cTn id="14" dur="1" fill="hold">
+                                          <p:stCondLst>
+                                            <p:cond delay="0"/>
+                                          </p:stCondLst>
+                                        </p:cTn>
+                                        <p:tgtEl>
+                                          <p:spTgt spid="3">
+                                            <p:txEl>
+                                              <p:pRg st="3" end="3"/>
+                                            </p:txEl>
+                                          </p:spTgt>
+                                        </p:tgtEl>
+                                        <p:attrNameLst>
+                                          <p:attrName>style.visibility</p:attrName>
+                                        </p:attrNameLst>
+                                      </p:cBhvr>
+                                      <p:to>
+                                        <p:strVal val="visible"/>
+                                      </p:to>
+                                    </p:set>
+                                    <p:animEffect transition="in" filter="fade">
+                                      <p:cBhvr>
+                                        <p:cTn id="15" dur="500"/>
+                                        <p:tgtEl>
+                                          <p:spTgt spid="3">
+                                            <p:txEl>
+                                              <p:pRg st="3" end="3"/>
+                                            </p:txEl>
+                                          </p:spTgt>
+                                        </p:tgtEl>
+                                      </p:cBhvr>
+                                    </p:animEffect>
+                                  </p:childTnLst>
+                                </p:cTn>
+                              </p:par>
+                              <p:par>
+                                <p:cTn id="16" presetID="10" presetClass="entr" presetSubtype="0" fill="hold" grpId="0" nodeType="withEffect">
+                                  <p:stCondLst>
+                                    <p:cond delay="0"/>
+                                  </p:stCondLst>
+                                  <p:childTnLst>
+                                    <p:set>
+                                      <p:cBhvr>
+                                        <p:cTn id="17" dur="1" fill="hold">
+                                          <p:stCondLst>
+                                            <p:cond delay="0"/>
+                                          </p:stCondLst>
+                                        </p:cTn>
+                                        <p:tgtEl>
+                                          <p:spTgt spid="3">
+                                            <p:txEl>
+                                              <p:pRg st="4" end="4"/>
+                                            </p:txEl>
+                                          </p:spTgt>
+                                        </p:tgtEl>
+                                        <p:attrNameLst>
+                                          <p:attrName>style.visibility</p:attrName>
+                                        </p:attrNameLst>
+                                      </p:cBhvr>
+                                      <p:to>
+                                        <p:strVal val="visible"/>
+                                      </p:to>
+                                    </p:set>
+                                    <p:animEffect transition="in" filter="fade">
+                                      <p:cBhvr>
+                                        <p:cTn id="18" dur="500"/>
+                                        <p:tgtEl>
+                                          <p:spTgt spid="3">
+                                            <p:txEl>
+                                              <p:pRg st="4" end="4"/>
+                                            </p:txEl>
+                                          </p:spTgt>
+                                        </p:tgtEl>
+                                      </p:cBhvr>
+                                    </p:animEffect>
+                                  </p:childTnLst>
+                                </p:cTn>
+                              </p:par>
+                            </p:childTnLst>
+                          </p:cTn>
+                        </p:par>
+                      </p:childTnLst>
+                    </p:cTn>
+                  </p:par>
+                </p:childTnLst>
+              </p:cTn>
+              <p:prevCondLst>
+                <p:cond evt="onPrev" delay="0">
+                  <p:tgtEl>
+                    <p:sldTgt/>
+                  </p:tgtEl>
+                </p:cond>
+              </p:prevCondLst>
+              <p:nextCondLst>
+                <p:cond evt="onNext" delay="0">
+                  <p:tgtEl>
+                    <p:sldTgt/>
+                  </p:tgtEl>
+                </p:cond>
+              </p:nextCondLst>
+            </p:seq>
+          </p:childTnLst>
+        </p:cTn>
       </p:par>
     </p:tnLst>
+    <p:bldLst>
+      <p:bldP spid="3" grpId="0" build="p"/>
+    </p:bldLst>
   </p:timing>
 </p:sld>
 </file>
@@ -5530,6 +5764,462 @@
   <p:clrMapOvr>
     <a:masterClrMapping/>
   </p:clrMapOvr>
+  <p:timing>
+    <p:tnLst>
+      <p:par>
+        <p:cTn id="1" dur="indefinite" restart="never" nodeType="tmRoot">
+          <p:childTnLst>
+            <p:seq concurrent="1" nextAc="seek">
+              <p:cTn id="2" dur="indefinite" nodeType="mainSeq">
+                <p:childTnLst>
+                  <p:par>
+                    <p:cTn id="3" fill="hold">
+                      <p:stCondLst>
+                        <p:cond delay="indefinite"/>
+                      </p:stCondLst>
+                      <p:childTnLst>
+                        <p:par>
+                          <p:cTn id="4" fill="hold">
+                            <p:stCondLst>
+                              <p:cond delay="0"/>
+                            </p:stCondLst>
+                            <p:childTnLst>
+                              <p:par>
+                                <p:cTn id="5" presetID="10" presetClass="entr" presetSubtype="0" fill="hold" grpId="0" nodeType="clickEffect">
+                                  <p:stCondLst>
+                                    <p:cond delay="0"/>
+                                  </p:stCondLst>
+                                  <p:childTnLst>
+                                    <p:set>
+                                      <p:cBhvr>
+                                        <p:cTn id="6" dur="1" fill="hold">
+                                          <p:stCondLst>
+                                            <p:cond delay="0"/>
+                                          </p:stCondLst>
+                                        </p:cTn>
+                                        <p:tgtEl>
+                                          <p:spTgt spid="3">
+                                            <p:txEl>
+                                              <p:pRg st="0" end="0"/>
+                                            </p:txEl>
+                                          </p:spTgt>
+                                        </p:tgtEl>
+                                        <p:attrNameLst>
+                                          <p:attrName>style.visibility</p:attrName>
+                                        </p:attrNameLst>
+                                      </p:cBhvr>
+                                      <p:to>
+                                        <p:strVal val="visible"/>
+                                      </p:to>
+                                    </p:set>
+                                    <p:animEffect transition="in" filter="fade">
+                                      <p:cBhvr>
+                                        <p:cTn id="7" dur="500"/>
+                                        <p:tgtEl>
+                                          <p:spTgt spid="3">
+                                            <p:txEl>
+                                              <p:pRg st="0" end="0"/>
+                                            </p:txEl>
+                                          </p:spTgt>
+                                        </p:tgtEl>
+                                      </p:cBhvr>
+                                    </p:animEffect>
+                                  </p:childTnLst>
+                                </p:cTn>
+                              </p:par>
+                              <p:par>
+                                <p:cTn id="8" presetID="10" presetClass="entr" presetSubtype="0" fill="hold" grpId="0" nodeType="withEffect">
+                                  <p:stCondLst>
+                                    <p:cond delay="0"/>
+                                  </p:stCondLst>
+                                  <p:childTnLst>
+                                    <p:set>
+                                      <p:cBhvr>
+                                        <p:cTn id="9" dur="1" fill="hold">
+                                          <p:stCondLst>
+                                            <p:cond delay="0"/>
+                                          </p:stCondLst>
+                                        </p:cTn>
+                                        <p:tgtEl>
+                                          <p:spTgt spid="3">
+                                            <p:txEl>
+                                              <p:pRg st="1" end="1"/>
+                                            </p:txEl>
+                                          </p:spTgt>
+                                        </p:tgtEl>
+                                        <p:attrNameLst>
+                                          <p:attrName>style.visibility</p:attrName>
+                                        </p:attrNameLst>
+                                      </p:cBhvr>
+                                      <p:to>
+                                        <p:strVal val="visible"/>
+                                      </p:to>
+                                    </p:set>
+                                    <p:animEffect transition="in" filter="fade">
+                                      <p:cBhvr>
+                                        <p:cTn id="10" dur="500"/>
+                                        <p:tgtEl>
+                                          <p:spTgt spid="3">
+                                            <p:txEl>
+                                              <p:pRg st="1" end="1"/>
+                                            </p:txEl>
+                                          </p:spTgt>
+                                        </p:tgtEl>
+                                      </p:cBhvr>
+                                    </p:animEffect>
+                                  </p:childTnLst>
+                                </p:cTn>
+                              </p:par>
+                              <p:par>
+                                <p:cTn id="11" presetID="10" presetClass="entr" presetSubtype="0" fill="hold" grpId="0" nodeType="withEffect">
+                                  <p:stCondLst>
+                                    <p:cond delay="0"/>
+                                  </p:stCondLst>
+                                  <p:childTnLst>
+                                    <p:set>
+                                      <p:cBhvr>
+                                        <p:cTn id="12" dur="1" fill="hold">
+                                          <p:stCondLst>
+                                            <p:cond delay="0"/>
+                                          </p:stCondLst>
+                                        </p:cTn>
+                                        <p:tgtEl>
+                                          <p:spTgt spid="3">
+                                            <p:txEl>
+                                              <p:pRg st="2" end="2"/>
+                                            </p:txEl>
+                                          </p:spTgt>
+                                        </p:tgtEl>
+                                        <p:attrNameLst>
+                                          <p:attrName>style.visibility</p:attrName>
+                                        </p:attrNameLst>
+                                      </p:cBhvr>
+                                      <p:to>
+                                        <p:strVal val="visible"/>
+                                      </p:to>
+                                    </p:set>
+                                    <p:animEffect transition="in" filter="fade">
+                                      <p:cBhvr>
+                                        <p:cTn id="13" dur="500"/>
+                                        <p:tgtEl>
+                                          <p:spTgt spid="3">
+                                            <p:txEl>
+                                              <p:pRg st="2" end="2"/>
+                                            </p:txEl>
+                                          </p:spTgt>
+                                        </p:tgtEl>
+                                      </p:cBhvr>
+                                    </p:animEffect>
+                                  </p:childTnLst>
+                                </p:cTn>
+                              </p:par>
+                              <p:par>
+                                <p:cTn id="14" presetID="10" presetClass="entr" presetSubtype="0" fill="hold" grpId="0" nodeType="withEffect">
+                                  <p:stCondLst>
+                                    <p:cond delay="0"/>
+                                  </p:stCondLst>
+                                  <p:childTnLst>
+                                    <p:set>
+                                      <p:cBhvr>
+                                        <p:cTn id="15" dur="1" fill="hold">
+                                          <p:stCondLst>
+                                            <p:cond delay="0"/>
+                                          </p:stCondLst>
+                                        </p:cTn>
+                                        <p:tgtEl>
+                                          <p:spTgt spid="3">
+                                            <p:txEl>
+                                              <p:pRg st="3" end="3"/>
+                                            </p:txEl>
+                                          </p:spTgt>
+                                        </p:tgtEl>
+                                        <p:attrNameLst>
+                                          <p:attrName>style.visibility</p:attrName>
+                                        </p:attrNameLst>
+                                      </p:cBhvr>
+                                      <p:to>
+                                        <p:strVal val="visible"/>
+                                      </p:to>
+                                    </p:set>
+                                    <p:animEffect transition="in" filter="fade">
+                                      <p:cBhvr>
+                                        <p:cTn id="16" dur="500"/>
+                                        <p:tgtEl>
+                                          <p:spTgt spid="3">
+                                            <p:txEl>
+                                              <p:pRg st="3" end="3"/>
+                                            </p:txEl>
+                                          </p:spTgt>
+                                        </p:tgtEl>
+                                      </p:cBhvr>
+                                    </p:animEffect>
+                                  </p:childTnLst>
+                                </p:cTn>
+                              </p:par>
+                            </p:childTnLst>
+                          </p:cTn>
+                        </p:par>
+                      </p:childTnLst>
+                    </p:cTn>
+                  </p:par>
+                  <p:par>
+                    <p:cTn id="17" fill="hold">
+                      <p:stCondLst>
+                        <p:cond delay="indefinite"/>
+                      </p:stCondLst>
+                      <p:childTnLst>
+                        <p:par>
+                          <p:cTn id="18" fill="hold">
+                            <p:stCondLst>
+                              <p:cond delay="0"/>
+                            </p:stCondLst>
+                            <p:childTnLst>
+                              <p:par>
+                                <p:cTn id="19" presetID="10" presetClass="entr" presetSubtype="0" fill="hold" grpId="0" nodeType="clickEffect">
+                                  <p:stCondLst>
+                                    <p:cond delay="0"/>
+                                  </p:stCondLst>
+                                  <p:childTnLst>
+                                    <p:set>
+                                      <p:cBhvr>
+                                        <p:cTn id="20" dur="1" fill="hold">
+                                          <p:stCondLst>
+                                            <p:cond delay="0"/>
+                                          </p:stCondLst>
+                                        </p:cTn>
+                                        <p:tgtEl>
+                                          <p:spTgt spid="3">
+                                            <p:txEl>
+                                              <p:pRg st="4" end="4"/>
+                                            </p:txEl>
+                                          </p:spTgt>
+                                        </p:tgtEl>
+                                        <p:attrNameLst>
+                                          <p:attrName>style.visibility</p:attrName>
+                                        </p:attrNameLst>
+                                      </p:cBhvr>
+                                      <p:to>
+                                        <p:strVal val="visible"/>
+                                      </p:to>
+                                    </p:set>
+                                    <p:animEffect transition="in" filter="fade">
+                                      <p:cBhvr>
+                                        <p:cTn id="21" dur="500"/>
+                                        <p:tgtEl>
+                                          <p:spTgt spid="3">
+                                            <p:txEl>
+                                              <p:pRg st="4" end="4"/>
+                                            </p:txEl>
+                                          </p:spTgt>
+                                        </p:tgtEl>
+                                      </p:cBhvr>
+                                    </p:animEffect>
+                                  </p:childTnLst>
+                                </p:cTn>
+                              </p:par>
+                              <p:par>
+                                <p:cTn id="22" presetID="10" presetClass="entr" presetSubtype="0" fill="hold" grpId="0" nodeType="withEffect">
+                                  <p:stCondLst>
+                                    <p:cond delay="0"/>
+                                  </p:stCondLst>
+                                  <p:childTnLst>
+                                    <p:set>
+                                      <p:cBhvr>
+                                        <p:cTn id="23" dur="1" fill="hold">
+                                          <p:stCondLst>
+                                            <p:cond delay="0"/>
+                                          </p:stCondLst>
+                                        </p:cTn>
+                                        <p:tgtEl>
+                                          <p:spTgt spid="3">
+                                            <p:txEl>
+                                              <p:pRg st="5" end="5"/>
+                                            </p:txEl>
+                                          </p:spTgt>
+                                        </p:tgtEl>
+                                        <p:attrNameLst>
+                                          <p:attrName>style.visibility</p:attrName>
+                                        </p:attrNameLst>
+                                      </p:cBhvr>
+                                      <p:to>
+                                        <p:strVal val="visible"/>
+                                      </p:to>
+                                    </p:set>
+                                    <p:animEffect transition="in" filter="fade">
+                                      <p:cBhvr>
+                                        <p:cTn id="24" dur="500"/>
+                                        <p:tgtEl>
+                                          <p:spTgt spid="3">
+                                            <p:txEl>
+                                              <p:pRg st="5" end="5"/>
+                                            </p:txEl>
+                                          </p:spTgt>
+                                        </p:tgtEl>
+                                      </p:cBhvr>
+                                    </p:animEffect>
+                                  </p:childTnLst>
+                                </p:cTn>
+                              </p:par>
+                              <p:par>
+                                <p:cTn id="25" presetID="10" presetClass="entr" presetSubtype="0" fill="hold" grpId="0" nodeType="withEffect">
+                                  <p:stCondLst>
+                                    <p:cond delay="0"/>
+                                  </p:stCondLst>
+                                  <p:childTnLst>
+                                    <p:set>
+                                      <p:cBhvr>
+                                        <p:cTn id="26" dur="1" fill="hold">
+                                          <p:stCondLst>
+                                            <p:cond delay="0"/>
+                                          </p:stCondLst>
+                                        </p:cTn>
+                                        <p:tgtEl>
+                                          <p:spTgt spid="3">
+                                            <p:txEl>
+                                              <p:pRg st="6" end="6"/>
+                                            </p:txEl>
+                                          </p:spTgt>
+                                        </p:tgtEl>
+                                        <p:attrNameLst>
+                                          <p:attrName>style.visibility</p:attrName>
+                                        </p:attrNameLst>
+                                      </p:cBhvr>
+                                      <p:to>
+                                        <p:strVal val="visible"/>
+                                      </p:to>
+                                    </p:set>
+                                    <p:animEffect transition="in" filter="fade">
+                                      <p:cBhvr>
+                                        <p:cTn id="27" dur="500"/>
+                                        <p:tgtEl>
+                                          <p:spTgt spid="3">
+                                            <p:txEl>
+                                              <p:pRg st="6" end="6"/>
+                                            </p:txEl>
+                                          </p:spTgt>
+                                        </p:tgtEl>
+                                      </p:cBhvr>
+                                    </p:animEffect>
+                                  </p:childTnLst>
+                                </p:cTn>
+                              </p:par>
+                              <p:par>
+                                <p:cTn id="28" presetID="10" presetClass="entr" presetSubtype="0" fill="hold" grpId="0" nodeType="withEffect">
+                                  <p:stCondLst>
+                                    <p:cond delay="0"/>
+                                  </p:stCondLst>
+                                  <p:childTnLst>
+                                    <p:set>
+                                      <p:cBhvr>
+                                        <p:cTn id="29" dur="1" fill="hold">
+                                          <p:stCondLst>
+                                            <p:cond delay="0"/>
+                                          </p:stCondLst>
+                                        </p:cTn>
+                                        <p:tgtEl>
+                                          <p:spTgt spid="3">
+                                            <p:txEl>
+                                              <p:pRg st="7" end="7"/>
+                                            </p:txEl>
+                                          </p:spTgt>
+                                        </p:tgtEl>
+                                        <p:attrNameLst>
+                                          <p:attrName>style.visibility</p:attrName>
+                                        </p:attrNameLst>
+                                      </p:cBhvr>
+                                      <p:to>
+                                        <p:strVal val="visible"/>
+                                      </p:to>
+                                    </p:set>
+                                    <p:animEffect transition="in" filter="fade">
+                                      <p:cBhvr>
+                                        <p:cTn id="30" dur="500"/>
+                                        <p:tgtEl>
+                                          <p:spTgt spid="3">
+                                            <p:txEl>
+                                              <p:pRg st="7" end="7"/>
+                                            </p:txEl>
+                                          </p:spTgt>
+                                        </p:tgtEl>
+                                      </p:cBhvr>
+                                    </p:animEffect>
+                                  </p:childTnLst>
+                                </p:cTn>
+                              </p:par>
+                              <p:par>
+                                <p:cTn id="31" presetID="10" presetClass="entr" presetSubtype="0" fill="hold" grpId="0" nodeType="withEffect">
+                                  <p:stCondLst>
+                                    <p:cond delay="0"/>
+                                  </p:stCondLst>
+                                  <p:childTnLst>
+                                    <p:set>
+                                      <p:cBhvr>
+                                        <p:cTn id="32" dur="1" fill="hold">
+                                          <p:stCondLst>
+                                            <p:cond delay="0"/>
+                                          </p:stCondLst>
+                                        </p:cTn>
+                                        <p:tgtEl>
+                                          <p:spTgt spid="3">
+                                            <p:txEl>
+                                              <p:pRg st="8" end="8"/>
+                                            </p:txEl>
+                                          </p:spTgt>
+                                        </p:tgtEl>
+                                        <p:attrNameLst>
+                                          <p:attrName>style.visibility</p:attrName>
+                                        </p:attrNameLst>
+                                      </p:cBhvr>
+                                      <p:to>
+                                        <p:strVal val="visible"/>
+                                      </p:to>
+                                    </p:set>
+                                    <p:animEffect transition="in" filter="fade">
+                                      <p:cBhvr>
+                                        <p:cTn id="33" dur="500"/>
+                                        <p:tgtEl>
+                                          <p:spTgt spid="3">
+                                            <p:txEl>
+                                              <p:pRg st="8" end="8"/>
+                                            </p:txEl>
+                                          </p:spTgt>
+                                        </p:tgtEl>
+                                      </p:cBhvr>
+                                    </p:animEffect>
+                                  </p:childTnLst>
+                                </p:cTn>
+                              </p:par>
+                            </p:childTnLst>
+                          </p:cTn>
+                        </p:par>
+                      </p:childTnLst>
+                    </p:cTn>
+                  </p:par>
+                </p:childTnLst>
+              </p:cTn>
+              <p:prevCondLst>
+                <p:cond evt="onPrev" delay="0">
+                  <p:tgtEl>
+                    <p:sldTgt/>
+                  </p:tgtEl>
+                </p:cond>
+              </p:prevCondLst>
+              <p:nextCondLst>
+                <p:cond evt="onNext" delay="0">
+                  <p:tgtEl>
+                    <p:sldTgt/>
+                  </p:tgtEl>
+                </p:cond>
+              </p:nextCondLst>
+            </p:seq>
+          </p:childTnLst>
+        </p:cTn>
+      </p:par>
+    </p:tnLst>
+    <p:bldLst>
+      <p:bldP spid="3" grpId="0" build="p"/>
+    </p:bldLst>
+  </p:timing>
 </p:sld>
 </file>
 
@@ -6395,6 +7085,524 @@
   <p:clrMapOvr>
     <a:masterClrMapping/>
   </p:clrMapOvr>
+  <p:timing>
+    <p:tnLst>
+      <p:par>
+        <p:cTn id="1" dur="indefinite" restart="never" nodeType="tmRoot">
+          <p:childTnLst>
+            <p:seq concurrent="1" nextAc="seek">
+              <p:cTn id="2" dur="indefinite" nodeType="mainSeq">
+                <p:childTnLst>
+                  <p:par>
+                    <p:cTn id="3" fill="hold">
+                      <p:stCondLst>
+                        <p:cond delay="indefinite"/>
+                      </p:stCondLst>
+                      <p:childTnLst>
+                        <p:par>
+                          <p:cTn id="4" fill="hold">
+                            <p:stCondLst>
+                              <p:cond delay="0"/>
+                            </p:stCondLst>
+                            <p:childTnLst>
+                              <p:par>
+                                <p:cTn id="5" presetID="10" presetClass="entr" presetSubtype="0" fill="hold" grpId="0" nodeType="clickEffect">
+                                  <p:stCondLst>
+                                    <p:cond delay="0"/>
+                                  </p:stCondLst>
+                                  <p:childTnLst>
+                                    <p:set>
+                                      <p:cBhvr>
+                                        <p:cTn id="6" dur="1" fill="hold">
+                                          <p:stCondLst>
+                                            <p:cond delay="0"/>
+                                          </p:stCondLst>
+                                        </p:cTn>
+                                        <p:tgtEl>
+                                          <p:spTgt spid="4"/>
+                                        </p:tgtEl>
+                                        <p:attrNameLst>
+                                          <p:attrName>style.visibility</p:attrName>
+                                        </p:attrNameLst>
+                                      </p:cBhvr>
+                                      <p:to>
+                                        <p:strVal val="visible"/>
+                                      </p:to>
+                                    </p:set>
+                                    <p:animEffect transition="in" filter="fade">
+                                      <p:cBhvr>
+                                        <p:cTn id="7" dur="500"/>
+                                        <p:tgtEl>
+                                          <p:spTgt spid="4"/>
+                                        </p:tgtEl>
+                                      </p:cBhvr>
+                                    </p:animEffect>
+                                  </p:childTnLst>
+                                </p:cTn>
+                              </p:par>
+                            </p:childTnLst>
+                          </p:cTn>
+                        </p:par>
+                      </p:childTnLst>
+                    </p:cTn>
+                  </p:par>
+                  <p:par>
+                    <p:cTn id="8" fill="hold">
+                      <p:stCondLst>
+                        <p:cond delay="indefinite"/>
+                      </p:stCondLst>
+                      <p:childTnLst>
+                        <p:par>
+                          <p:cTn id="9" fill="hold">
+                            <p:stCondLst>
+                              <p:cond delay="0"/>
+                            </p:stCondLst>
+                            <p:childTnLst>
+                              <p:par>
+                                <p:cTn id="10" presetID="10" presetClass="entr" presetSubtype="0" fill="hold" grpId="0" nodeType="clickEffect">
+                                  <p:stCondLst>
+                                    <p:cond delay="0"/>
+                                  </p:stCondLst>
+                                  <p:childTnLst>
+                                    <p:set>
+                                      <p:cBhvr>
+                                        <p:cTn id="11" dur="1" fill="hold">
+                                          <p:stCondLst>
+                                            <p:cond delay="0"/>
+                                          </p:stCondLst>
+                                        </p:cTn>
+                                        <p:tgtEl>
+                                          <p:spTgt spid="5"/>
+                                        </p:tgtEl>
+                                        <p:attrNameLst>
+                                          <p:attrName>style.visibility</p:attrName>
+                                        </p:attrNameLst>
+                                      </p:cBhvr>
+                                      <p:to>
+                                        <p:strVal val="visible"/>
+                                      </p:to>
+                                    </p:set>
+                                    <p:animEffect transition="in" filter="fade">
+                                      <p:cBhvr>
+                                        <p:cTn id="12" dur="500"/>
+                                        <p:tgtEl>
+                                          <p:spTgt spid="5"/>
+                                        </p:tgtEl>
+                                      </p:cBhvr>
+                                    </p:animEffect>
+                                  </p:childTnLst>
+                                </p:cTn>
+                              </p:par>
+                              <p:par>
+                                <p:cTn id="13" presetID="10" presetClass="entr" presetSubtype="0" fill="hold" grpId="0" nodeType="withEffect">
+                                  <p:stCondLst>
+                                    <p:cond delay="0"/>
+                                  </p:stCondLst>
+                                  <p:childTnLst>
+                                    <p:set>
+                                      <p:cBhvr>
+                                        <p:cTn id="14" dur="1" fill="hold">
+                                          <p:stCondLst>
+                                            <p:cond delay="0"/>
+                                          </p:stCondLst>
+                                        </p:cTn>
+                                        <p:tgtEl>
+                                          <p:spTgt spid="6"/>
+                                        </p:tgtEl>
+                                        <p:attrNameLst>
+                                          <p:attrName>style.visibility</p:attrName>
+                                        </p:attrNameLst>
+                                      </p:cBhvr>
+                                      <p:to>
+                                        <p:strVal val="visible"/>
+                                      </p:to>
+                                    </p:set>
+                                    <p:animEffect transition="in" filter="fade">
+                                      <p:cBhvr>
+                                        <p:cTn id="15" dur="500"/>
+                                        <p:tgtEl>
+                                          <p:spTgt spid="6"/>
+                                        </p:tgtEl>
+                                      </p:cBhvr>
+                                    </p:animEffect>
+                                  </p:childTnLst>
+                                </p:cTn>
+                              </p:par>
+                            </p:childTnLst>
+                          </p:cTn>
+                        </p:par>
+                      </p:childTnLst>
+                    </p:cTn>
+                  </p:par>
+                  <p:par>
+                    <p:cTn id="16" fill="hold">
+                      <p:stCondLst>
+                        <p:cond delay="indefinite"/>
+                      </p:stCondLst>
+                      <p:childTnLst>
+                        <p:par>
+                          <p:cTn id="17" fill="hold">
+                            <p:stCondLst>
+                              <p:cond delay="0"/>
+                            </p:stCondLst>
+                            <p:childTnLst>
+                              <p:par>
+                                <p:cTn id="18" presetID="10" presetClass="entr" presetSubtype="0" fill="hold" grpId="0" nodeType="clickEffect">
+                                  <p:stCondLst>
+                                    <p:cond delay="0"/>
+                                  </p:stCondLst>
+                                  <p:childTnLst>
+                                    <p:set>
+                                      <p:cBhvr>
+                                        <p:cTn id="19" dur="1" fill="hold">
+                                          <p:stCondLst>
+                                            <p:cond delay="0"/>
+                                          </p:stCondLst>
+                                        </p:cTn>
+                                        <p:tgtEl>
+                                          <p:spTgt spid="7"/>
+                                        </p:tgtEl>
+                                        <p:attrNameLst>
+                                          <p:attrName>style.visibility</p:attrName>
+                                        </p:attrNameLst>
+                                      </p:cBhvr>
+                                      <p:to>
+                                        <p:strVal val="visible"/>
+                                      </p:to>
+                                    </p:set>
+                                    <p:animEffect transition="in" filter="fade">
+                                      <p:cBhvr>
+                                        <p:cTn id="20" dur="500"/>
+                                        <p:tgtEl>
+                                          <p:spTgt spid="7"/>
+                                        </p:tgtEl>
+                                      </p:cBhvr>
+                                    </p:animEffect>
+                                  </p:childTnLst>
+                                </p:cTn>
+                              </p:par>
+                            </p:childTnLst>
+                          </p:cTn>
+                        </p:par>
+                      </p:childTnLst>
+                    </p:cTn>
+                  </p:par>
+                  <p:par>
+                    <p:cTn id="21" fill="hold">
+                      <p:stCondLst>
+                        <p:cond delay="indefinite"/>
+                      </p:stCondLst>
+                      <p:childTnLst>
+                        <p:par>
+                          <p:cTn id="22" fill="hold">
+                            <p:stCondLst>
+                              <p:cond delay="0"/>
+                            </p:stCondLst>
+                            <p:childTnLst>
+                              <p:par>
+                                <p:cTn id="23" presetID="10" presetClass="entr" presetSubtype="0" fill="hold" grpId="0" nodeType="clickEffect">
+                                  <p:stCondLst>
+                                    <p:cond delay="0"/>
+                                  </p:stCondLst>
+                                  <p:childTnLst>
+                                    <p:set>
+                                      <p:cBhvr>
+                                        <p:cTn id="24" dur="1" fill="hold">
+                                          <p:stCondLst>
+                                            <p:cond delay="0"/>
+                                          </p:stCondLst>
+                                        </p:cTn>
+                                        <p:tgtEl>
+                                          <p:spTgt spid="9"/>
+                                        </p:tgtEl>
+                                        <p:attrNameLst>
+                                          <p:attrName>style.visibility</p:attrName>
+                                        </p:attrNameLst>
+                                      </p:cBhvr>
+                                      <p:to>
+                                        <p:strVal val="visible"/>
+                                      </p:to>
+                                    </p:set>
+                                    <p:animEffect transition="in" filter="fade">
+                                      <p:cBhvr>
+                                        <p:cTn id="25" dur="500"/>
+                                        <p:tgtEl>
+                                          <p:spTgt spid="9"/>
+                                        </p:tgtEl>
+                                      </p:cBhvr>
+                                    </p:animEffect>
+                                  </p:childTnLst>
+                                </p:cTn>
+                              </p:par>
+                              <p:par>
+                                <p:cTn id="26" presetID="10" presetClass="entr" presetSubtype="0" fill="hold" grpId="0" nodeType="withEffect">
+                                  <p:stCondLst>
+                                    <p:cond delay="0"/>
+                                  </p:stCondLst>
+                                  <p:childTnLst>
+                                    <p:set>
+                                      <p:cBhvr>
+                                        <p:cTn id="27" dur="1" fill="hold">
+                                          <p:stCondLst>
+                                            <p:cond delay="0"/>
+                                          </p:stCondLst>
+                                        </p:cTn>
+                                        <p:tgtEl>
+                                          <p:spTgt spid="11"/>
+                                        </p:tgtEl>
+                                        <p:attrNameLst>
+                                          <p:attrName>style.visibility</p:attrName>
+                                        </p:attrNameLst>
+                                      </p:cBhvr>
+                                      <p:to>
+                                        <p:strVal val="visible"/>
+                                      </p:to>
+                                    </p:set>
+                                    <p:animEffect transition="in" filter="fade">
+                                      <p:cBhvr>
+                                        <p:cTn id="28" dur="500"/>
+                                        <p:tgtEl>
+                                          <p:spTgt spid="11"/>
+                                        </p:tgtEl>
+                                      </p:cBhvr>
+                                    </p:animEffect>
+                                  </p:childTnLst>
+                                </p:cTn>
+                              </p:par>
+                              <p:par>
+                                <p:cTn id="29" presetID="10" presetClass="entr" presetSubtype="0" fill="hold" grpId="0" nodeType="withEffect">
+                                  <p:stCondLst>
+                                    <p:cond delay="0"/>
+                                  </p:stCondLst>
+                                  <p:childTnLst>
+                                    <p:set>
+                                      <p:cBhvr>
+                                        <p:cTn id="30" dur="1" fill="hold">
+                                          <p:stCondLst>
+                                            <p:cond delay="0"/>
+                                          </p:stCondLst>
+                                        </p:cTn>
+                                        <p:tgtEl>
+                                          <p:spTgt spid="10"/>
+                                        </p:tgtEl>
+                                        <p:attrNameLst>
+                                          <p:attrName>style.visibility</p:attrName>
+                                        </p:attrNameLst>
+                                      </p:cBhvr>
+                                      <p:to>
+                                        <p:strVal val="visible"/>
+                                      </p:to>
+                                    </p:set>
+                                    <p:animEffect transition="in" filter="fade">
+                                      <p:cBhvr>
+                                        <p:cTn id="31" dur="500"/>
+                                        <p:tgtEl>
+                                          <p:spTgt spid="10"/>
+                                        </p:tgtEl>
+                                      </p:cBhvr>
+                                    </p:animEffect>
+                                  </p:childTnLst>
+                                </p:cTn>
+                              </p:par>
+                            </p:childTnLst>
+                          </p:cTn>
+                        </p:par>
+                      </p:childTnLst>
+                    </p:cTn>
+                  </p:par>
+                  <p:par>
+                    <p:cTn id="32" fill="hold">
+                      <p:stCondLst>
+                        <p:cond delay="indefinite"/>
+                      </p:stCondLst>
+                      <p:childTnLst>
+                        <p:par>
+                          <p:cTn id="33" fill="hold">
+                            <p:stCondLst>
+                              <p:cond delay="0"/>
+                            </p:stCondLst>
+                            <p:childTnLst>
+                              <p:par>
+                                <p:cTn id="34" presetID="10" presetClass="entr" presetSubtype="0" fill="hold" grpId="0" nodeType="clickEffect">
+                                  <p:stCondLst>
+                                    <p:cond delay="0"/>
+                                  </p:stCondLst>
+                                  <p:childTnLst>
+                                    <p:set>
+                                      <p:cBhvr>
+                                        <p:cTn id="35" dur="1" fill="hold">
+                                          <p:stCondLst>
+                                            <p:cond delay="0"/>
+                                          </p:stCondLst>
+                                        </p:cTn>
+                                        <p:tgtEl>
+                                          <p:spTgt spid="12"/>
+                                        </p:tgtEl>
+                                        <p:attrNameLst>
+                                          <p:attrName>style.visibility</p:attrName>
+                                        </p:attrNameLst>
+                                      </p:cBhvr>
+                                      <p:to>
+                                        <p:strVal val="visible"/>
+                                      </p:to>
+                                    </p:set>
+                                    <p:animEffect transition="in" filter="fade">
+                                      <p:cBhvr>
+                                        <p:cTn id="36" dur="500"/>
+                                        <p:tgtEl>
+                                          <p:spTgt spid="12"/>
+                                        </p:tgtEl>
+                                      </p:cBhvr>
+                                    </p:animEffect>
+                                  </p:childTnLst>
+                                </p:cTn>
+                              </p:par>
+                              <p:par>
+                                <p:cTn id="37" presetID="10" presetClass="entr" presetSubtype="0" fill="hold" grpId="0" nodeType="withEffect">
+                                  <p:stCondLst>
+                                    <p:cond delay="0"/>
+                                  </p:stCondLst>
+                                  <p:childTnLst>
+                                    <p:set>
+                                      <p:cBhvr>
+                                        <p:cTn id="38" dur="1" fill="hold">
+                                          <p:stCondLst>
+                                            <p:cond delay="0"/>
+                                          </p:stCondLst>
+                                        </p:cTn>
+                                        <p:tgtEl>
+                                          <p:spTgt spid="15"/>
+                                        </p:tgtEl>
+                                        <p:attrNameLst>
+                                          <p:attrName>style.visibility</p:attrName>
+                                        </p:attrNameLst>
+                                      </p:cBhvr>
+                                      <p:to>
+                                        <p:strVal val="visible"/>
+                                      </p:to>
+                                    </p:set>
+                                    <p:animEffect transition="in" filter="fade">
+                                      <p:cBhvr>
+                                        <p:cTn id="39" dur="500"/>
+                                        <p:tgtEl>
+                                          <p:spTgt spid="15"/>
+                                        </p:tgtEl>
+                                      </p:cBhvr>
+                                    </p:animEffect>
+                                  </p:childTnLst>
+                                </p:cTn>
+                              </p:par>
+                              <p:par>
+                                <p:cTn id="40" presetID="10" presetClass="entr" presetSubtype="0" fill="hold" grpId="0" nodeType="withEffect">
+                                  <p:stCondLst>
+                                    <p:cond delay="0"/>
+                                  </p:stCondLst>
+                                  <p:childTnLst>
+                                    <p:set>
+                                      <p:cBhvr>
+                                        <p:cTn id="41" dur="1" fill="hold">
+                                          <p:stCondLst>
+                                            <p:cond delay="0"/>
+                                          </p:stCondLst>
+                                        </p:cTn>
+                                        <p:tgtEl>
+                                          <p:spTgt spid="14"/>
+                                        </p:tgtEl>
+                                        <p:attrNameLst>
+                                          <p:attrName>style.visibility</p:attrName>
+                                        </p:attrNameLst>
+                                      </p:cBhvr>
+                                      <p:to>
+                                        <p:strVal val="visible"/>
+                                      </p:to>
+                                    </p:set>
+                                    <p:animEffect transition="in" filter="fade">
+                                      <p:cBhvr>
+                                        <p:cTn id="42" dur="500"/>
+                                        <p:tgtEl>
+                                          <p:spTgt spid="14"/>
+                                        </p:tgtEl>
+                                      </p:cBhvr>
+                                    </p:animEffect>
+                                  </p:childTnLst>
+                                </p:cTn>
+                              </p:par>
+                              <p:par>
+                                <p:cTn id="43" presetID="10" presetClass="entr" presetSubtype="0" fill="hold" grpId="0" nodeType="withEffect">
+                                  <p:stCondLst>
+                                    <p:cond delay="0"/>
+                                  </p:stCondLst>
+                                  <p:childTnLst>
+                                    <p:set>
+                                      <p:cBhvr>
+                                        <p:cTn id="44" dur="1" fill="hold">
+                                          <p:stCondLst>
+                                            <p:cond delay="0"/>
+                                          </p:stCondLst>
+                                        </p:cTn>
+                                        <p:tgtEl>
+                                          <p:spTgt spid="13"/>
+                                        </p:tgtEl>
+                                        <p:attrNameLst>
+                                          <p:attrName>style.visibility</p:attrName>
+                                        </p:attrNameLst>
+                                      </p:cBhvr>
+                                      <p:to>
+                                        <p:strVal val="visible"/>
+                                      </p:to>
+                                    </p:set>
+                                    <p:animEffect transition="in" filter="fade">
+                                      <p:cBhvr>
+                                        <p:cTn id="45" dur="500"/>
+                                        <p:tgtEl>
+                                          <p:spTgt spid="13"/>
+                                        </p:tgtEl>
+                                      </p:cBhvr>
+                                    </p:animEffect>
+                                  </p:childTnLst>
+                                </p:cTn>
+                              </p:par>
+                            </p:childTnLst>
+                          </p:cTn>
+                        </p:par>
+                      </p:childTnLst>
+                    </p:cTn>
+                  </p:par>
+                </p:childTnLst>
+              </p:cTn>
+              <p:prevCondLst>
+                <p:cond evt="onPrev" delay="0">
+                  <p:tgtEl>
+                    <p:sldTgt/>
+                  </p:tgtEl>
+                </p:cond>
+              </p:prevCondLst>
+              <p:nextCondLst>
+                <p:cond evt="onNext" delay="0">
+                  <p:tgtEl>
+                    <p:sldTgt/>
+                  </p:tgtEl>
+                </p:cond>
+              </p:nextCondLst>
+            </p:seq>
+          </p:childTnLst>
+        </p:cTn>
+      </p:par>
+    </p:tnLst>
+    <p:bldLst>
+      <p:bldP spid="4" grpId="0" animBg="1"/>
+      <p:bldP spid="5" grpId="0" animBg="1"/>
+      <p:bldP spid="6" grpId="0" animBg="1"/>
+      <p:bldP spid="7" grpId="0" animBg="1"/>
+      <p:bldP spid="9" grpId="0" animBg="1"/>
+      <p:bldP spid="10" grpId="0" animBg="1"/>
+      <p:bldP spid="11" grpId="0" animBg="1"/>
+      <p:bldP spid="12" grpId="0" animBg="1"/>
+      <p:bldP spid="13" grpId="0" animBg="1"/>
+      <p:bldP spid="14" grpId="0" animBg="1"/>
+      <p:bldP spid="15" grpId="0" animBg="1"/>
+    </p:bldLst>
+  </p:timing>
 </p:sld>
 </file>
 
@@ -6736,16 +7944,11 @@
               <a:rPr lang="en-US" dirty="0" smtClean="0"/>
               <a:t>Forms</a:t>
             </a:r>
-            <a:endParaRPr lang="en-US" dirty="0" smtClean="0"/>
-          </a:p>
-          <a:p>
-            <a:r>
-              <a:rPr lang="en-US" dirty="0" smtClean="0"/>
-              <a:t>Jinja </a:t>
-            </a:r>
-            <a:r>
-              <a:rPr lang="en-US" dirty="0" smtClean="0"/>
-              <a:t>templates</a:t>
+          </a:p>
+          <a:p>
+            <a:r>
+              <a:rPr lang="en-US" dirty="0" smtClean="0"/>
+              <a:t>Jinja templates</a:t>
             </a:r>
           </a:p>
           <a:p>
@@ -8619,19 +9822,6 @@
 </file>
 
 <file path=customXml/item1.xml><?xml version="1.0" encoding="utf-8"?>
-<p:properties xmlns:p="http://schemas.microsoft.com/office/2006/metadata/properties" xmlns:xsi="http://www.w3.org/2001/XMLSchema-instance" xmlns:pc="http://schemas.microsoft.com/office/infopath/2007/PartnerControls">
-  <documentManagement>
-    <TaxCatchAll xmlns="230e9df3-be65-4c73-a93b-d1236ebd677e"/>
-    <PublishingExpirationDate xmlns="http://schemas.microsoft.com/sharepoint/v3" xsi:nil="true"/>
-    <PublishingStartDate xmlns="http://schemas.microsoft.com/sharepoint/v3" xsi:nil="true"/>
-    <TaxKeywordTaxHTField xmlns="230e9df3-be65-4c73-a93b-d1236ebd677e">
-      <Terms xmlns="http://schemas.microsoft.com/office/infopath/2007/PartnerControls"/>
-    </TaxKeywordTaxHTField>
-  </documentManagement>
-</p:properties>
-</file>
-
-<file path=customXml/item2.xml><?xml version="1.0" encoding="utf-8"?>
 <ct:contentTypeSchema xmlns:ct="http://schemas.microsoft.com/office/2006/metadata/contentType" xmlns:ma="http://schemas.microsoft.com/office/2006/metadata/properties/metaAttributes" ct:_="" ma:_="" ma:contentTypeName="Document" ma:contentTypeID="0x010100496889825850D44592AC5D2F43187AE4" ma:contentTypeVersion="5" ma:contentTypeDescription="Create a new document." ma:contentTypeScope="" ma:versionID="fde90edb5a63ba841bca516fd2abaf95">
   <xsd:schema xmlns:xsd="http://www.w3.org/2001/XMLSchema" xmlns:xs="http://www.w3.org/2001/XMLSchema" xmlns:p="http://schemas.microsoft.com/office/2006/metadata/properties" xmlns:ns1="http://schemas.microsoft.com/sharepoint/v3" xmlns:ns2="230e9df3-be65-4c73-a93b-d1236ebd677e" xmlns:ns3="27aa9422-7f1f-4c84-9cdf-302b1a67e513" targetNamespace="http://schemas.microsoft.com/office/2006/metadata/properties" ma:root="true" ma:fieldsID="5e7808ae941cc340dbe51a3031959734" ns1:_="" ns2:_="" ns3:_="">
     <xsd:import namespace="http://schemas.microsoft.com/sharepoint/v3"/>
@@ -8813,6 +10003,19 @@
 </ct:contentTypeSchema>
 </file>
 
+<file path=customXml/item2.xml><?xml version="1.0" encoding="utf-8"?>
+<p:properties xmlns:p="http://schemas.microsoft.com/office/2006/metadata/properties" xmlns:xsi="http://www.w3.org/2001/XMLSchema-instance" xmlns:pc="http://schemas.microsoft.com/office/infopath/2007/PartnerControls">
+  <documentManagement>
+    <TaxCatchAll xmlns="230e9df3-be65-4c73-a93b-d1236ebd677e"/>
+    <PublishingExpirationDate xmlns="http://schemas.microsoft.com/sharepoint/v3" xsi:nil="true"/>
+    <PublishingStartDate xmlns="http://schemas.microsoft.com/sharepoint/v3" xsi:nil="true"/>
+    <TaxKeywordTaxHTField xmlns="230e9df3-be65-4c73-a93b-d1236ebd677e">
+      <Terms xmlns="http://schemas.microsoft.com/office/infopath/2007/PartnerControls"/>
+    </TaxKeywordTaxHTField>
+  </documentManagement>
+</p:properties>
+</file>
+
 <file path=customXml/item3.xml><?xml version="1.0" encoding="utf-8"?>
 <?mso-contentType ?>
 <FormTemplates xmlns="http://schemas.microsoft.com/sharepoint/v3/contenttype/forms">
@@ -8823,24 +10026,6 @@
 </file>
 
 <file path=customXml/itemProps1.xml><?xml version="1.0" encoding="utf-8"?>
-<ds:datastoreItem xmlns:ds="http://schemas.openxmlformats.org/officeDocument/2006/customXml" ds:itemID="{7025FDD9-4C58-4084-9F89-0E6ADD6FFF55}">
-  <ds:schemaRefs>
-    <ds:schemaRef ds:uri="230e9df3-be65-4c73-a93b-d1236ebd677e"/>
-    <ds:schemaRef ds:uri="http://schemas.microsoft.com/office/2006/metadata/properties"/>
-    <ds:schemaRef ds:uri="http://purl.org/dc/dcmitype/"/>
-    <ds:schemaRef ds:uri="http://schemas.microsoft.com/office/infopath/2007/PartnerControls"/>
-    <ds:schemaRef ds:uri="http://schemas.openxmlformats.org/package/2006/metadata/core-properties"/>
-    <ds:schemaRef ds:uri="http://schemas.microsoft.com/office/2006/documentManagement/types"/>
-    <ds:schemaRef ds:uri="http://purl.org/dc/elements/1.1/"/>
-    <ds:schemaRef ds:uri="http://schemas.microsoft.com/sharepoint/v3"/>
-    <ds:schemaRef ds:uri="http://www.w3.org/XML/1998/namespace"/>
-    <ds:schemaRef ds:uri="27aa9422-7f1f-4c84-9cdf-302b1a67e513"/>
-    <ds:schemaRef ds:uri="http://purl.org/dc/terms/"/>
-  </ds:schemaRefs>
-</ds:datastoreItem>
-</file>
-
-<file path=customXml/itemProps2.xml><?xml version="1.0" encoding="utf-8"?>
 <ds:datastoreItem xmlns:ds="http://schemas.openxmlformats.org/officeDocument/2006/customXml" ds:itemID="{3253B29C-1CCD-4FE8-A1C4-023A0910DF96}">
   <ds:schemaRefs>
     <ds:schemaRef ds:uri="http://schemas.microsoft.com/office/2006/metadata/contentType"/>
@@ -8860,6 +10045,24 @@
 </ds:datastoreItem>
 </file>
 
+<file path=customXml/itemProps2.xml><?xml version="1.0" encoding="utf-8"?>
+<ds:datastoreItem xmlns:ds="http://schemas.openxmlformats.org/officeDocument/2006/customXml" ds:itemID="{7025FDD9-4C58-4084-9F89-0E6ADD6FFF55}">
+  <ds:schemaRefs>
+    <ds:schemaRef ds:uri="230e9df3-be65-4c73-a93b-d1236ebd677e"/>
+    <ds:schemaRef ds:uri="http://schemas.microsoft.com/office/2006/metadata/properties"/>
+    <ds:schemaRef ds:uri="http://purl.org/dc/dcmitype/"/>
+    <ds:schemaRef ds:uri="http://schemas.microsoft.com/office/infopath/2007/PartnerControls"/>
+    <ds:schemaRef ds:uri="http://schemas.openxmlformats.org/package/2006/metadata/core-properties"/>
+    <ds:schemaRef ds:uri="http://schemas.microsoft.com/office/2006/documentManagement/types"/>
+    <ds:schemaRef ds:uri="http://purl.org/dc/elements/1.1/"/>
+    <ds:schemaRef ds:uri="http://schemas.microsoft.com/sharepoint/v3"/>
+    <ds:schemaRef ds:uri="http://www.w3.org/XML/1998/namespace"/>
+    <ds:schemaRef ds:uri="27aa9422-7f1f-4c84-9cdf-302b1a67e513"/>
+    <ds:schemaRef ds:uri="http://purl.org/dc/terms/"/>
+  </ds:schemaRefs>
+</ds:datastoreItem>
+</file>
+
 <file path=customXml/itemProps3.xml><?xml version="1.0" encoding="utf-8"?>
 <ds:datastoreItem xmlns:ds="http://schemas.openxmlformats.org/officeDocument/2006/customXml" ds:itemID="{B0CA13EC-1D3C-4D6F-8D1C-E8A452CFC79A}">
   <ds:schemaRefs>
